--- a/ProjectPhases/Project-Phase-03-CS310-F-171.pptx
+++ b/ProjectPhases/Project-Phase-03-CS310-F-171.pptx
@@ -2,10 +2,14 @@
 <file path=ppt/presentation.xml><?xml version="1.0" encoding="utf-8"?>
 <p:presentation xmlns:a="http://schemas.openxmlformats.org/drawingml/2006/main" xmlns:r="http://schemas.openxmlformats.org/officeDocument/2006/relationships" xmlns:p="http://schemas.openxmlformats.org/presentationml/2006/main" saveSubsetFonts="1">
   <p:sldMasterIdLst>
-    <p:sldMasterId id="2147483648" r:id="rId1"/>
+    <p:sldMasterId id="2147484172" r:id="rId1"/>
   </p:sldMasterIdLst>
   <p:sldIdLst>
     <p:sldId id="256" r:id="rId2"/>
+    <p:sldId id="257" r:id="rId3"/>
+    <p:sldId id="258" r:id="rId4"/>
+    <p:sldId id="259" r:id="rId5"/>
+    <p:sldId id="260" r:id="rId6"/>
   </p:sldIdLst>
   <p:sldSz cx="12192000" cy="6858000"/>
   <p:notesSz cx="6858000" cy="9144000"/>
@@ -104,11 +108,1632 @@
       </a:defRPr>
     </a:lvl9pPr>
   </p:defaultTextStyle>
+  <p:extLst>
+    <p:ext uri="{EFAFB233-063F-42B5-8137-9DF3F51BA10A}">
+      <p15:sldGuideLst xmlns:p15="http://schemas.microsoft.com/office/powerpoint/2012/main"/>
+    </p:ext>
+  </p:extLst>
 </p:presentation>
 </file>
 
+<file path=ppt/revisionInfo.xml><?xml version="1.0" encoding="utf-8"?>
+<p1510:revInfo xmlns:a="http://schemas.openxmlformats.org/drawingml/2006/main" xmlns:r="http://schemas.openxmlformats.org/officeDocument/2006/relationships" xmlns:p1510="http://schemas.microsoft.com/office/powerpoint/2015/10/main">
+  <p1510:revLst>
+    <p1510:client id="{ADA99D81-B028-4AD4-ABAA-0E952828D3D8}" v="38" dt="2020-04-15T05:30:50.237"/>
+  </p1510:revLst>
+</p1510:revInfo>
+</file>
+
+<file path=ppt/changesInfos/changesInfo1.xml><?xml version="1.0" encoding="utf-8"?>
+<pc:chgInfo xmlns:a="http://schemas.openxmlformats.org/drawingml/2006/main" xmlns:r="http://schemas.openxmlformats.org/officeDocument/2006/relationships" xmlns:ac="http://schemas.microsoft.com/office/drawing/2013/main/command" xmlns:pc="http://schemas.microsoft.com/office/powerpoint/2013/main/command">
+  <pc:docChgLst>
+    <pc:chgData name="abdulilah.q@outlook.com" userId="e558258b1f0d0369" providerId="LiveId" clId="{ADA99D81-B028-4AD4-ABAA-0E952828D3D8}"/>
+    <pc:docChg chg="undo custSel mod modSld addMainMaster delMainMaster">
+      <pc:chgData name="abdulilah.q@outlook.com" userId="e558258b1f0d0369" providerId="LiveId" clId="{ADA99D81-B028-4AD4-ABAA-0E952828D3D8}" dt="2020-04-15T05:30:42.337" v="27" actId="478"/>
+      <pc:docMkLst>
+        <pc:docMk/>
+      </pc:docMkLst>
+      <pc:sldChg chg="addSp delSp modSp mod setBg modClrScheme setClrOvrMap delDesignElem chgLayout">
+        <pc:chgData name="abdulilah.q@outlook.com" userId="e558258b1f0d0369" providerId="LiveId" clId="{ADA99D81-B028-4AD4-ABAA-0E952828D3D8}" dt="2020-04-15T05:30:42.337" v="27" actId="478"/>
+        <pc:sldMkLst>
+          <pc:docMk/>
+          <pc:sldMk cId="171951311" sldId="256"/>
+        </pc:sldMkLst>
+        <pc:spChg chg="mod">
+          <ac:chgData name="abdulilah.q@outlook.com" userId="e558258b1f0d0369" providerId="LiveId" clId="{ADA99D81-B028-4AD4-ABAA-0E952828D3D8}" dt="2020-04-15T05:30:34.502" v="23" actId="26606"/>
+          <ac:spMkLst>
+            <pc:docMk/>
+            <pc:sldMk cId="171951311" sldId="256"/>
+            <ac:spMk id="2" creationId="{F2683731-B962-4F3E-906C-6C241FFBCEB9}"/>
+          </ac:spMkLst>
+        </pc:spChg>
+        <pc:spChg chg="mod">
+          <ac:chgData name="abdulilah.q@outlook.com" userId="e558258b1f0d0369" providerId="LiveId" clId="{ADA99D81-B028-4AD4-ABAA-0E952828D3D8}" dt="2020-04-15T05:30:34.502" v="23" actId="26606"/>
+          <ac:spMkLst>
+            <pc:docMk/>
+            <pc:sldMk cId="171951311" sldId="256"/>
+            <ac:spMk id="3" creationId="{60B18FFD-89DD-4DC8-BCB7-E854DBF7DA3A}"/>
+          </ac:spMkLst>
+        </pc:spChg>
+        <pc:spChg chg="add del mod">
+          <ac:chgData name="abdulilah.q@outlook.com" userId="e558258b1f0d0369" providerId="LiveId" clId="{ADA99D81-B028-4AD4-ABAA-0E952828D3D8}" dt="2020-04-15T05:30:04.268" v="22" actId="478"/>
+          <ac:spMkLst>
+            <pc:docMk/>
+            <pc:sldMk cId="171951311" sldId="256"/>
+            <ac:spMk id="5" creationId="{1B2511AE-090D-44EF-B8B9-1290CEB94843}"/>
+          </ac:spMkLst>
+        </pc:spChg>
+        <pc:spChg chg="add del">
+          <ac:chgData name="abdulilah.q@outlook.com" userId="e558258b1f0d0369" providerId="LiveId" clId="{ADA99D81-B028-4AD4-ABAA-0E952828D3D8}" dt="2020-04-15T05:30:37.026" v="25"/>
+          <ac:spMkLst>
+            <pc:docMk/>
+            <pc:sldMk cId="171951311" sldId="256"/>
+            <ac:spMk id="6" creationId="{E91DC736-0EF8-4F87-9146-EBF1D2EE4D3D}"/>
+          </ac:spMkLst>
+        </pc:spChg>
+        <pc:spChg chg="add del">
+          <ac:chgData name="abdulilah.q@outlook.com" userId="e558258b1f0d0369" providerId="LiveId" clId="{ADA99D81-B028-4AD4-ABAA-0E952828D3D8}" dt="2020-04-15T05:30:37.026" v="25"/>
+          <ac:spMkLst>
+            <pc:docMk/>
+            <pc:sldMk cId="171951311" sldId="256"/>
+            <ac:spMk id="8" creationId="{097CD68E-23E3-4007-8847-CD0944C4F7BE}"/>
+          </ac:spMkLst>
+        </pc:spChg>
+        <pc:spChg chg="add del">
+          <ac:chgData name="abdulilah.q@outlook.com" userId="e558258b1f0d0369" providerId="LiveId" clId="{ADA99D81-B028-4AD4-ABAA-0E952828D3D8}" dt="2020-04-15T05:27:28.832" v="1" actId="26606"/>
+          <ac:spMkLst>
+            <pc:docMk/>
+            <pc:sldMk cId="171951311" sldId="256"/>
+            <ac:spMk id="9" creationId="{77D4E339-1FDC-4F64-BACC-DA1625A5A305}"/>
+          </ac:spMkLst>
+        </pc:spChg>
+        <pc:spChg chg="add del">
+          <ac:chgData name="abdulilah.q@outlook.com" userId="e558258b1f0d0369" providerId="LiveId" clId="{ADA99D81-B028-4AD4-ABAA-0E952828D3D8}" dt="2020-04-15T05:30:37.026" v="25"/>
+          <ac:spMkLst>
+            <pc:docMk/>
+            <pc:sldMk cId="171951311" sldId="256"/>
+            <ac:spMk id="10" creationId="{AF2F604E-43BE-4DC3-B983-E071523364F8}"/>
+          </ac:spMkLst>
+        </pc:spChg>
+        <pc:spChg chg="add del">
+          <ac:chgData name="abdulilah.q@outlook.com" userId="e558258b1f0d0369" providerId="LiveId" clId="{ADA99D81-B028-4AD4-ABAA-0E952828D3D8}" dt="2020-04-15T05:30:37.026" v="25"/>
+          <ac:spMkLst>
+            <pc:docMk/>
+            <pc:sldMk cId="171951311" sldId="256"/>
+            <ac:spMk id="12" creationId="{08C9B587-E65E-4B52-B37C-ABEBB6E87928}"/>
+          </ac:spMkLst>
+        </pc:spChg>
+        <pc:spChg chg="add del">
+          <ac:chgData name="abdulilah.q@outlook.com" userId="e558258b1f0d0369" providerId="LiveId" clId="{ADA99D81-B028-4AD4-ABAA-0E952828D3D8}" dt="2020-04-15T05:27:29.634" v="3" actId="26606"/>
+          <ac:spMkLst>
+            <pc:docMk/>
+            <pc:sldMk cId="171951311" sldId="256"/>
+            <ac:spMk id="13" creationId="{0671A8AE-40A1-4631-A6B8-581AFF065482}"/>
+          </ac:spMkLst>
+        </pc:spChg>
+        <pc:spChg chg="add del">
+          <ac:chgData name="abdulilah.q@outlook.com" userId="e558258b1f0d0369" providerId="LiveId" clId="{ADA99D81-B028-4AD4-ABAA-0E952828D3D8}" dt="2020-04-15T05:27:29.634" v="3" actId="26606"/>
+          <ac:spMkLst>
+            <pc:docMk/>
+            <pc:sldMk cId="171951311" sldId="256"/>
+            <ac:spMk id="15" creationId="{A44CD100-6267-4E62-AA64-2182A3A6A1C0}"/>
+          </ac:spMkLst>
+        </pc:spChg>
+        <pc:spChg chg="add del">
+          <ac:chgData name="abdulilah.q@outlook.com" userId="e558258b1f0d0369" providerId="LiveId" clId="{ADA99D81-B028-4AD4-ABAA-0E952828D3D8}" dt="2020-04-15T05:27:30.548" v="5" actId="26606"/>
+          <ac:spMkLst>
+            <pc:docMk/>
+            <pc:sldMk cId="171951311" sldId="256"/>
+            <ac:spMk id="17" creationId="{6F40FBDA-CEB1-40F0-9AB9-BD9C402D70FE}"/>
+          </ac:spMkLst>
+        </pc:spChg>
+        <pc:spChg chg="add del">
+          <ac:chgData name="abdulilah.q@outlook.com" userId="e558258b1f0d0369" providerId="LiveId" clId="{ADA99D81-B028-4AD4-ABAA-0E952828D3D8}" dt="2020-04-15T05:27:30.548" v="5" actId="26606"/>
+          <ac:spMkLst>
+            <pc:docMk/>
+            <pc:sldMk cId="171951311" sldId="256"/>
+            <ac:spMk id="19" creationId="{0344D4FE-ABEF-4230-9E4E-AD5782FC78AC}"/>
+          </ac:spMkLst>
+        </pc:spChg>
+        <pc:spChg chg="add del">
+          <ac:chgData name="abdulilah.q@outlook.com" userId="e558258b1f0d0369" providerId="LiveId" clId="{ADA99D81-B028-4AD4-ABAA-0E952828D3D8}" dt="2020-04-15T05:27:30.548" v="5" actId="26606"/>
+          <ac:spMkLst>
+            <pc:docMk/>
+            <pc:sldMk cId="171951311" sldId="256"/>
+            <ac:spMk id="20" creationId="{9325F979-D3F9-4926-81B7-7ACCB31A501B}"/>
+          </ac:spMkLst>
+        </pc:spChg>
+        <pc:spChg chg="add del">
+          <ac:chgData name="abdulilah.q@outlook.com" userId="e558258b1f0d0369" providerId="LiveId" clId="{ADA99D81-B028-4AD4-ABAA-0E952828D3D8}" dt="2020-04-15T05:27:33.098" v="7" actId="26606"/>
+          <ac:spMkLst>
+            <pc:docMk/>
+            <pc:sldMk cId="171951311" sldId="256"/>
+            <ac:spMk id="23" creationId="{B72BB70C-3B10-43FF-83F9-C064151F9037}"/>
+          </ac:spMkLst>
+        </pc:spChg>
+        <pc:spChg chg="add del">
+          <ac:chgData name="abdulilah.q@outlook.com" userId="e558258b1f0d0369" providerId="LiveId" clId="{ADA99D81-B028-4AD4-ABAA-0E952828D3D8}" dt="2020-04-15T05:27:33.098" v="7" actId="26606"/>
+          <ac:spMkLst>
+            <pc:docMk/>
+            <pc:sldMk cId="171951311" sldId="256"/>
+            <ac:spMk id="25" creationId="{B21FF648-687D-4B69-BB17-1F9649EF811B}"/>
+          </ac:spMkLst>
+        </pc:spChg>
+        <pc:spChg chg="add del">
+          <ac:chgData name="abdulilah.q@outlook.com" userId="e558258b1f0d0369" providerId="LiveId" clId="{ADA99D81-B028-4AD4-ABAA-0E952828D3D8}" dt="2020-04-15T05:27:35.035" v="9" actId="26606"/>
+          <ac:spMkLst>
+            <pc:docMk/>
+            <pc:sldMk cId="171951311" sldId="256"/>
+            <ac:spMk id="28" creationId="{BA4EDD11-078F-45BC-852D-3474DE59FFC6}"/>
+          </ac:spMkLst>
+        </pc:spChg>
+        <pc:spChg chg="add del">
+          <ac:chgData name="abdulilah.q@outlook.com" userId="e558258b1f0d0369" providerId="LiveId" clId="{ADA99D81-B028-4AD4-ABAA-0E952828D3D8}" dt="2020-04-15T05:27:36.584" v="11" actId="26606"/>
+          <ac:spMkLst>
+            <pc:docMk/>
+            <pc:sldMk cId="171951311" sldId="256"/>
+            <ac:spMk id="30" creationId="{26B4480E-B7FF-4481-890E-043A69AE6FE2}"/>
+          </ac:spMkLst>
+        </pc:spChg>
+        <pc:spChg chg="add del">
+          <ac:chgData name="abdulilah.q@outlook.com" userId="e558258b1f0d0369" providerId="LiveId" clId="{ADA99D81-B028-4AD4-ABAA-0E952828D3D8}" dt="2020-04-15T05:27:36.584" v="11" actId="26606"/>
+          <ac:spMkLst>
+            <pc:docMk/>
+            <pc:sldMk cId="171951311" sldId="256"/>
+            <ac:spMk id="32" creationId="{64C13BAB-7C00-4D21-A857-E3D41C0A2A66}"/>
+          </ac:spMkLst>
+        </pc:spChg>
+        <pc:spChg chg="add del">
+          <ac:chgData name="abdulilah.q@outlook.com" userId="e558258b1f0d0369" providerId="LiveId" clId="{ADA99D81-B028-4AD4-ABAA-0E952828D3D8}" dt="2020-04-15T05:27:36.584" v="11" actId="26606"/>
+          <ac:spMkLst>
+            <pc:docMk/>
+            <pc:sldMk cId="171951311" sldId="256"/>
+            <ac:spMk id="33" creationId="{45E6C9CD-9938-4423-936B-5C383EDE765A}"/>
+          </ac:spMkLst>
+        </pc:spChg>
+        <pc:spChg chg="add del">
+          <ac:chgData name="abdulilah.q@outlook.com" userId="e558258b1f0d0369" providerId="LiveId" clId="{ADA99D81-B028-4AD4-ABAA-0E952828D3D8}" dt="2020-04-15T05:27:36.584" v="11" actId="26606"/>
+          <ac:spMkLst>
+            <pc:docMk/>
+            <pc:sldMk cId="171951311" sldId="256"/>
+            <ac:spMk id="34" creationId="{1F1FF39A-AC3C-4066-9D4C-519AA22812EA}"/>
+          </ac:spMkLst>
+        </pc:spChg>
+        <pc:spChg chg="add del">
+          <ac:chgData name="abdulilah.q@outlook.com" userId="e558258b1f0d0369" providerId="LiveId" clId="{ADA99D81-B028-4AD4-ABAA-0E952828D3D8}" dt="2020-04-15T05:27:36.584" v="11" actId="26606"/>
+          <ac:spMkLst>
+            <pc:docMk/>
+            <pc:sldMk cId="171951311" sldId="256"/>
+            <ac:spMk id="35" creationId="{26D1B40F-5D7A-414C-A415-EF39FE779606}"/>
+          </ac:spMkLst>
+        </pc:spChg>
+        <pc:spChg chg="add del">
+          <ac:chgData name="abdulilah.q@outlook.com" userId="e558258b1f0d0369" providerId="LiveId" clId="{ADA99D81-B028-4AD4-ABAA-0E952828D3D8}" dt="2020-04-15T05:27:39.128" v="14"/>
+          <ac:spMkLst>
+            <pc:docMk/>
+            <pc:sldMk cId="171951311" sldId="256"/>
+            <ac:spMk id="37" creationId="{E91DC736-0EF8-4F87-9146-EBF1D2EE4D3D}"/>
+          </ac:spMkLst>
+        </pc:spChg>
+        <pc:spChg chg="add del">
+          <ac:chgData name="abdulilah.q@outlook.com" userId="e558258b1f0d0369" providerId="LiveId" clId="{ADA99D81-B028-4AD4-ABAA-0E952828D3D8}" dt="2020-04-15T05:27:39.128" v="14"/>
+          <ac:spMkLst>
+            <pc:docMk/>
+            <pc:sldMk cId="171951311" sldId="256"/>
+            <ac:spMk id="39" creationId="{097CD68E-23E3-4007-8847-CD0944C4F7BE}"/>
+          </ac:spMkLst>
+        </pc:spChg>
+        <pc:spChg chg="add del">
+          <ac:chgData name="abdulilah.q@outlook.com" userId="e558258b1f0d0369" providerId="LiveId" clId="{ADA99D81-B028-4AD4-ABAA-0E952828D3D8}" dt="2020-04-15T05:27:39.128" v="14"/>
+          <ac:spMkLst>
+            <pc:docMk/>
+            <pc:sldMk cId="171951311" sldId="256"/>
+            <ac:spMk id="40" creationId="{AF2F604E-43BE-4DC3-B983-E071523364F8}"/>
+          </ac:spMkLst>
+        </pc:spChg>
+        <pc:spChg chg="add del">
+          <ac:chgData name="abdulilah.q@outlook.com" userId="e558258b1f0d0369" providerId="LiveId" clId="{ADA99D81-B028-4AD4-ABAA-0E952828D3D8}" dt="2020-04-15T05:27:39.128" v="14"/>
+          <ac:spMkLst>
+            <pc:docMk/>
+            <pc:sldMk cId="171951311" sldId="256"/>
+            <ac:spMk id="41" creationId="{08C9B587-E65E-4B52-B37C-ABEBB6E87928}"/>
+          </ac:spMkLst>
+        </pc:spChg>
+        <pc:spChg chg="add del">
+          <ac:chgData name="abdulilah.q@outlook.com" userId="e558258b1f0d0369" providerId="LiveId" clId="{ADA99D81-B028-4AD4-ABAA-0E952828D3D8}" dt="2020-04-15T05:27:50.277" v="16" actId="26606"/>
+          <ac:spMkLst>
+            <pc:docMk/>
+            <pc:sldMk cId="171951311" sldId="256"/>
+            <ac:spMk id="43" creationId="{6482F060-A4AF-4E0B-B364-7C6BA4AE9C03}"/>
+          </ac:spMkLst>
+        </pc:spChg>
+        <pc:spChg chg="add del">
+          <ac:chgData name="abdulilah.q@outlook.com" userId="e558258b1f0d0369" providerId="LiveId" clId="{ADA99D81-B028-4AD4-ABAA-0E952828D3D8}" dt="2020-04-15T05:27:54.523" v="19"/>
+          <ac:spMkLst>
+            <pc:docMk/>
+            <pc:sldMk cId="171951311" sldId="256"/>
+            <ac:spMk id="47" creationId="{6B695AA2-4B70-477F-AF90-536B720A1343}"/>
+          </ac:spMkLst>
+        </pc:spChg>
+        <pc:picChg chg="add del">
+          <ac:chgData name="abdulilah.q@outlook.com" userId="e558258b1f0d0369" providerId="LiveId" clId="{ADA99D81-B028-4AD4-ABAA-0E952828D3D8}" dt="2020-04-15T05:27:28.832" v="1" actId="26606"/>
+          <ac:picMkLst>
+            <pc:docMk/>
+            <pc:sldMk cId="171951311" sldId="256"/>
+            <ac:picMk id="4" creationId="{D3BFC9E7-628A-49DD-8040-8DEC59D11F39}"/>
+          </ac:picMkLst>
+        </pc:picChg>
+        <pc:picChg chg="add del mod">
+          <ac:chgData name="abdulilah.q@outlook.com" userId="e558258b1f0d0369" providerId="LiveId" clId="{ADA99D81-B028-4AD4-ABAA-0E952828D3D8}" dt="2020-04-15T05:30:42.337" v="27" actId="478"/>
+          <ac:picMkLst>
+            <pc:docMk/>
+            <pc:sldMk cId="171951311" sldId="256"/>
+            <ac:picMk id="7" creationId="{8063B2C0-CEB3-4E2E-BE3C-1FB2FFA28898}"/>
+          </ac:picMkLst>
+        </pc:picChg>
+        <pc:picChg chg="add del">
+          <ac:chgData name="abdulilah.q@outlook.com" userId="e558258b1f0d0369" providerId="LiveId" clId="{ADA99D81-B028-4AD4-ABAA-0E952828D3D8}" dt="2020-04-15T05:27:29.634" v="3" actId="26606"/>
+          <ac:picMkLst>
+            <pc:docMk/>
+            <pc:sldMk cId="171951311" sldId="256"/>
+            <ac:picMk id="14" creationId="{54988CE4-EC97-47CC-A82F-23F02504825E}"/>
+          </ac:picMkLst>
+        </pc:picChg>
+        <pc:picChg chg="add del">
+          <ac:chgData name="abdulilah.q@outlook.com" userId="e558258b1f0d0369" providerId="LiveId" clId="{ADA99D81-B028-4AD4-ABAA-0E952828D3D8}" dt="2020-04-15T05:27:30.548" v="5" actId="26606"/>
+          <ac:picMkLst>
+            <pc:docMk/>
+            <pc:sldMk cId="171951311" sldId="256"/>
+            <ac:picMk id="18" creationId="{7030F45E-4668-471F-BA84-79A03C8FB308}"/>
+          </ac:picMkLst>
+        </pc:picChg>
+        <pc:picChg chg="add del">
+          <ac:chgData name="abdulilah.q@outlook.com" userId="e558258b1f0d0369" providerId="LiveId" clId="{ADA99D81-B028-4AD4-ABAA-0E952828D3D8}" dt="2020-04-15T05:27:33.098" v="7" actId="26606"/>
+          <ac:picMkLst>
+            <pc:docMk/>
+            <pc:sldMk cId="171951311" sldId="256"/>
+            <ac:picMk id="22" creationId="{5DA565A9-F458-4267-8C4E-CE47B9E1AC53}"/>
+          </ac:picMkLst>
+        </pc:picChg>
+        <pc:picChg chg="add del">
+          <ac:chgData name="abdulilah.q@outlook.com" userId="e558258b1f0d0369" providerId="LiveId" clId="{ADA99D81-B028-4AD4-ABAA-0E952828D3D8}" dt="2020-04-15T05:27:35.035" v="9" actId="26606"/>
+          <ac:picMkLst>
+            <pc:docMk/>
+            <pc:sldMk cId="171951311" sldId="256"/>
+            <ac:picMk id="27" creationId="{02FFB883-C203-40AE-8B94-9EDCDACEF575}"/>
+          </ac:picMkLst>
+        </pc:picChg>
+        <pc:picChg chg="add del">
+          <ac:chgData name="abdulilah.q@outlook.com" userId="e558258b1f0d0369" providerId="LiveId" clId="{ADA99D81-B028-4AD4-ABAA-0E952828D3D8}" dt="2020-04-15T05:27:36.584" v="11" actId="26606"/>
+          <ac:picMkLst>
+            <pc:docMk/>
+            <pc:sldMk cId="171951311" sldId="256"/>
+            <ac:picMk id="31" creationId="{69D90598-4B69-433A-971B-DE28E8FF8383}"/>
+          </ac:picMkLst>
+        </pc:picChg>
+        <pc:picChg chg="add del mod ord">
+          <ac:chgData name="abdulilah.q@outlook.com" userId="e558258b1f0d0369" providerId="LiveId" clId="{ADA99D81-B028-4AD4-ABAA-0E952828D3D8}" dt="2020-04-15T05:30:04.268" v="22" actId="478"/>
+          <ac:picMkLst>
+            <pc:docMk/>
+            <pc:sldMk cId="171951311" sldId="256"/>
+            <ac:picMk id="38" creationId="{07973956-B125-4920-A742-0309DACB4F51}"/>
+          </ac:picMkLst>
+        </pc:picChg>
+        <pc:cxnChg chg="add del">
+          <ac:chgData name="abdulilah.q@outlook.com" userId="e558258b1f0d0369" providerId="LiveId" clId="{ADA99D81-B028-4AD4-ABAA-0E952828D3D8}" dt="2020-04-15T05:27:28.832" v="1" actId="26606"/>
+          <ac:cxnSpMkLst>
+            <pc:docMk/>
+            <pc:sldMk cId="171951311" sldId="256"/>
+            <ac:cxnSpMk id="11" creationId="{D28A9C89-B313-458F-9C85-515930A51A93}"/>
+          </ac:cxnSpMkLst>
+        </pc:cxnChg>
+        <pc:cxnChg chg="add del">
+          <ac:chgData name="abdulilah.q@outlook.com" userId="e558258b1f0d0369" providerId="LiveId" clId="{ADA99D81-B028-4AD4-ABAA-0E952828D3D8}" dt="2020-04-15T05:27:33.098" v="7" actId="26606"/>
+          <ac:cxnSpMkLst>
+            <pc:docMk/>
+            <pc:sldMk cId="171951311" sldId="256"/>
+            <ac:cxnSpMk id="24" creationId="{D5B557D3-D7B4-404B-84A1-9BD182BE5B06}"/>
+          </ac:cxnSpMkLst>
+        </pc:cxnChg>
+        <pc:cxnChg chg="add del">
+          <ac:chgData name="abdulilah.q@outlook.com" userId="e558258b1f0d0369" providerId="LiveId" clId="{ADA99D81-B028-4AD4-ABAA-0E952828D3D8}" dt="2020-04-15T05:27:50.277" v="16" actId="26606"/>
+          <ac:cxnSpMkLst>
+            <pc:docMk/>
+            <pc:sldMk cId="171951311" sldId="256"/>
+            <ac:cxnSpMk id="45" creationId="{B9EB6DAA-2F0C-43D5-A577-15D5D2C4E3F5}"/>
+          </ac:cxnSpMkLst>
+        </pc:cxnChg>
+      </pc:sldChg>
+      <pc:sldMasterChg chg="add del addSldLayout delSldLayout">
+        <pc:chgData name="abdulilah.q@outlook.com" userId="e558258b1f0d0369" providerId="LiveId" clId="{ADA99D81-B028-4AD4-ABAA-0E952828D3D8}" dt="2020-04-15T05:27:36.646" v="12" actId="26606"/>
+        <pc:sldMasterMkLst>
+          <pc:docMk/>
+          <pc:sldMasterMk cId="127238099" sldId="2147483754"/>
+        </pc:sldMasterMkLst>
+        <pc:sldLayoutChg chg="add del">
+          <pc:chgData name="abdulilah.q@outlook.com" userId="e558258b1f0d0369" providerId="LiveId" clId="{ADA99D81-B028-4AD4-ABAA-0E952828D3D8}" dt="2020-04-15T05:27:36.646" v="12" actId="26606"/>
+          <pc:sldLayoutMkLst>
+            <pc:docMk/>
+            <pc:sldMasterMk cId="127238099" sldId="2147483754"/>
+            <pc:sldLayoutMk cId="514305720" sldId="2147483755"/>
+          </pc:sldLayoutMkLst>
+        </pc:sldLayoutChg>
+        <pc:sldLayoutChg chg="add del">
+          <pc:chgData name="abdulilah.q@outlook.com" userId="e558258b1f0d0369" providerId="LiveId" clId="{ADA99D81-B028-4AD4-ABAA-0E952828D3D8}" dt="2020-04-15T05:27:36.646" v="12" actId="26606"/>
+          <pc:sldLayoutMkLst>
+            <pc:docMk/>
+            <pc:sldMasterMk cId="127238099" sldId="2147483754"/>
+            <pc:sldLayoutMk cId="3250864066" sldId="2147483756"/>
+          </pc:sldLayoutMkLst>
+        </pc:sldLayoutChg>
+        <pc:sldLayoutChg chg="add del">
+          <pc:chgData name="abdulilah.q@outlook.com" userId="e558258b1f0d0369" providerId="LiveId" clId="{ADA99D81-B028-4AD4-ABAA-0E952828D3D8}" dt="2020-04-15T05:27:36.646" v="12" actId="26606"/>
+          <pc:sldLayoutMkLst>
+            <pc:docMk/>
+            <pc:sldMasterMk cId="127238099" sldId="2147483754"/>
+            <pc:sldLayoutMk cId="644738412" sldId="2147483757"/>
+          </pc:sldLayoutMkLst>
+        </pc:sldLayoutChg>
+        <pc:sldLayoutChg chg="add del">
+          <pc:chgData name="abdulilah.q@outlook.com" userId="e558258b1f0d0369" providerId="LiveId" clId="{ADA99D81-B028-4AD4-ABAA-0E952828D3D8}" dt="2020-04-15T05:27:36.646" v="12" actId="26606"/>
+          <pc:sldLayoutMkLst>
+            <pc:docMk/>
+            <pc:sldMasterMk cId="127238099" sldId="2147483754"/>
+            <pc:sldLayoutMk cId="1804999186" sldId="2147483758"/>
+          </pc:sldLayoutMkLst>
+        </pc:sldLayoutChg>
+        <pc:sldLayoutChg chg="add del">
+          <pc:chgData name="abdulilah.q@outlook.com" userId="e558258b1f0d0369" providerId="LiveId" clId="{ADA99D81-B028-4AD4-ABAA-0E952828D3D8}" dt="2020-04-15T05:27:36.646" v="12" actId="26606"/>
+          <pc:sldLayoutMkLst>
+            <pc:docMk/>
+            <pc:sldMasterMk cId="127238099" sldId="2147483754"/>
+            <pc:sldLayoutMk cId="3781696352" sldId="2147483759"/>
+          </pc:sldLayoutMkLst>
+        </pc:sldLayoutChg>
+        <pc:sldLayoutChg chg="add del">
+          <pc:chgData name="abdulilah.q@outlook.com" userId="e558258b1f0d0369" providerId="LiveId" clId="{ADA99D81-B028-4AD4-ABAA-0E952828D3D8}" dt="2020-04-15T05:27:36.646" v="12" actId="26606"/>
+          <pc:sldLayoutMkLst>
+            <pc:docMk/>
+            <pc:sldMasterMk cId="127238099" sldId="2147483754"/>
+            <pc:sldLayoutMk cId="3721923669" sldId="2147483760"/>
+          </pc:sldLayoutMkLst>
+        </pc:sldLayoutChg>
+        <pc:sldLayoutChg chg="add del">
+          <pc:chgData name="abdulilah.q@outlook.com" userId="e558258b1f0d0369" providerId="LiveId" clId="{ADA99D81-B028-4AD4-ABAA-0E952828D3D8}" dt="2020-04-15T05:27:36.646" v="12" actId="26606"/>
+          <pc:sldLayoutMkLst>
+            <pc:docMk/>
+            <pc:sldMasterMk cId="127238099" sldId="2147483754"/>
+            <pc:sldLayoutMk cId="618401428" sldId="2147483761"/>
+          </pc:sldLayoutMkLst>
+        </pc:sldLayoutChg>
+        <pc:sldLayoutChg chg="add del">
+          <pc:chgData name="abdulilah.q@outlook.com" userId="e558258b1f0d0369" providerId="LiveId" clId="{ADA99D81-B028-4AD4-ABAA-0E952828D3D8}" dt="2020-04-15T05:27:36.646" v="12" actId="26606"/>
+          <pc:sldLayoutMkLst>
+            <pc:docMk/>
+            <pc:sldMasterMk cId="127238099" sldId="2147483754"/>
+            <pc:sldLayoutMk cId="1765587425" sldId="2147483762"/>
+          </pc:sldLayoutMkLst>
+        </pc:sldLayoutChg>
+        <pc:sldLayoutChg chg="add del">
+          <pc:chgData name="abdulilah.q@outlook.com" userId="e558258b1f0d0369" providerId="LiveId" clId="{ADA99D81-B028-4AD4-ABAA-0E952828D3D8}" dt="2020-04-15T05:27:36.646" v="12" actId="26606"/>
+          <pc:sldLayoutMkLst>
+            <pc:docMk/>
+            <pc:sldMasterMk cId="127238099" sldId="2147483754"/>
+            <pc:sldLayoutMk cId="3972703447" sldId="2147483763"/>
+          </pc:sldLayoutMkLst>
+        </pc:sldLayoutChg>
+        <pc:sldLayoutChg chg="add del">
+          <pc:chgData name="abdulilah.q@outlook.com" userId="e558258b1f0d0369" providerId="LiveId" clId="{ADA99D81-B028-4AD4-ABAA-0E952828D3D8}" dt="2020-04-15T05:27:36.646" v="12" actId="26606"/>
+          <pc:sldLayoutMkLst>
+            <pc:docMk/>
+            <pc:sldMasterMk cId="127238099" sldId="2147483754"/>
+            <pc:sldLayoutMk cId="3680754823" sldId="2147483764"/>
+          </pc:sldLayoutMkLst>
+        </pc:sldLayoutChg>
+        <pc:sldLayoutChg chg="add del">
+          <pc:chgData name="abdulilah.q@outlook.com" userId="e558258b1f0d0369" providerId="LiveId" clId="{ADA99D81-B028-4AD4-ABAA-0E952828D3D8}" dt="2020-04-15T05:27:36.646" v="12" actId="26606"/>
+          <pc:sldLayoutMkLst>
+            <pc:docMk/>
+            <pc:sldMasterMk cId="127238099" sldId="2147483754"/>
+            <pc:sldLayoutMk cId="310920840" sldId="2147483765"/>
+          </pc:sldLayoutMkLst>
+        </pc:sldLayoutChg>
+      </pc:sldMasterChg>
+      <pc:sldMasterChg chg="add replId addSldLayout">
+        <pc:chgData name="abdulilah.q@outlook.com" userId="e558258b1f0d0369" providerId="LiveId" clId="{ADA99D81-B028-4AD4-ABAA-0E952828D3D8}" dt="2020-04-15T05:27:36.646" v="12" actId="26606"/>
+        <pc:sldMasterMkLst>
+          <pc:docMk/>
+          <pc:sldMasterMk cId="610056418" sldId="2147483766"/>
+        </pc:sldMasterMkLst>
+        <pc:sldLayoutChg chg="add">
+          <pc:chgData name="abdulilah.q@outlook.com" userId="e558258b1f0d0369" providerId="LiveId" clId="{ADA99D81-B028-4AD4-ABAA-0E952828D3D8}" dt="2020-04-15T05:27:36.646" v="12" actId="26606"/>
+          <pc:sldLayoutMkLst>
+            <pc:docMk/>
+            <pc:sldMasterMk cId="610056418" sldId="2147483766"/>
+            <pc:sldLayoutMk cId="2978342887" sldId="2147483767"/>
+          </pc:sldLayoutMkLst>
+        </pc:sldLayoutChg>
+        <pc:sldLayoutChg chg="add replId">
+          <pc:chgData name="abdulilah.q@outlook.com" userId="e558258b1f0d0369" providerId="LiveId" clId="{ADA99D81-B028-4AD4-ABAA-0E952828D3D8}" dt="2020-04-15T05:27:36.646" v="12" actId="26606"/>
+          <pc:sldLayoutMkLst>
+            <pc:docMk/>
+            <pc:sldMasterMk cId="610056418" sldId="2147483766"/>
+            <pc:sldLayoutMk cId="3376167578" sldId="2147483768"/>
+          </pc:sldLayoutMkLst>
+        </pc:sldLayoutChg>
+        <pc:sldLayoutChg chg="add replId">
+          <pc:chgData name="abdulilah.q@outlook.com" userId="e558258b1f0d0369" providerId="LiveId" clId="{ADA99D81-B028-4AD4-ABAA-0E952828D3D8}" dt="2020-04-15T05:27:36.646" v="12" actId="26606"/>
+          <pc:sldLayoutMkLst>
+            <pc:docMk/>
+            <pc:sldMasterMk cId="610056418" sldId="2147483766"/>
+            <pc:sldLayoutMk cId="1228538838" sldId="2147483769"/>
+          </pc:sldLayoutMkLst>
+        </pc:sldLayoutChg>
+        <pc:sldLayoutChg chg="add replId">
+          <pc:chgData name="abdulilah.q@outlook.com" userId="e558258b1f0d0369" providerId="LiveId" clId="{ADA99D81-B028-4AD4-ABAA-0E952828D3D8}" dt="2020-04-15T05:27:36.646" v="12" actId="26606"/>
+          <pc:sldLayoutMkLst>
+            <pc:docMk/>
+            <pc:sldMasterMk cId="610056418" sldId="2147483766"/>
+            <pc:sldLayoutMk cId="3899524970" sldId="2147483770"/>
+          </pc:sldLayoutMkLst>
+        </pc:sldLayoutChg>
+        <pc:sldLayoutChg chg="add replId">
+          <pc:chgData name="abdulilah.q@outlook.com" userId="e558258b1f0d0369" providerId="LiveId" clId="{ADA99D81-B028-4AD4-ABAA-0E952828D3D8}" dt="2020-04-15T05:27:36.646" v="12" actId="26606"/>
+          <pc:sldLayoutMkLst>
+            <pc:docMk/>
+            <pc:sldMasterMk cId="610056418" sldId="2147483766"/>
+            <pc:sldLayoutMk cId="961596996" sldId="2147483771"/>
+          </pc:sldLayoutMkLst>
+        </pc:sldLayoutChg>
+        <pc:sldLayoutChg chg="add replId">
+          <pc:chgData name="abdulilah.q@outlook.com" userId="e558258b1f0d0369" providerId="LiveId" clId="{ADA99D81-B028-4AD4-ABAA-0E952828D3D8}" dt="2020-04-15T05:27:36.646" v="12" actId="26606"/>
+          <pc:sldLayoutMkLst>
+            <pc:docMk/>
+            <pc:sldMasterMk cId="610056418" sldId="2147483766"/>
+            <pc:sldLayoutMk cId="3885287656" sldId="2147483772"/>
+          </pc:sldLayoutMkLst>
+        </pc:sldLayoutChg>
+        <pc:sldLayoutChg chg="add replId">
+          <pc:chgData name="abdulilah.q@outlook.com" userId="e558258b1f0d0369" providerId="LiveId" clId="{ADA99D81-B028-4AD4-ABAA-0E952828D3D8}" dt="2020-04-15T05:27:36.646" v="12" actId="26606"/>
+          <pc:sldLayoutMkLst>
+            <pc:docMk/>
+            <pc:sldMasterMk cId="610056418" sldId="2147483766"/>
+            <pc:sldLayoutMk cId="4112055698" sldId="2147483773"/>
+          </pc:sldLayoutMkLst>
+        </pc:sldLayoutChg>
+        <pc:sldLayoutChg chg="add replId">
+          <pc:chgData name="abdulilah.q@outlook.com" userId="e558258b1f0d0369" providerId="LiveId" clId="{ADA99D81-B028-4AD4-ABAA-0E952828D3D8}" dt="2020-04-15T05:27:36.646" v="12" actId="26606"/>
+          <pc:sldLayoutMkLst>
+            <pc:docMk/>
+            <pc:sldMasterMk cId="610056418" sldId="2147483766"/>
+            <pc:sldLayoutMk cId="1426147447" sldId="2147483774"/>
+          </pc:sldLayoutMkLst>
+        </pc:sldLayoutChg>
+        <pc:sldLayoutChg chg="add replId">
+          <pc:chgData name="abdulilah.q@outlook.com" userId="e558258b1f0d0369" providerId="LiveId" clId="{ADA99D81-B028-4AD4-ABAA-0E952828D3D8}" dt="2020-04-15T05:27:36.646" v="12" actId="26606"/>
+          <pc:sldLayoutMkLst>
+            <pc:docMk/>
+            <pc:sldMasterMk cId="610056418" sldId="2147483766"/>
+            <pc:sldLayoutMk cId="4247777050" sldId="2147483775"/>
+          </pc:sldLayoutMkLst>
+        </pc:sldLayoutChg>
+        <pc:sldLayoutChg chg="add replId">
+          <pc:chgData name="abdulilah.q@outlook.com" userId="e558258b1f0d0369" providerId="LiveId" clId="{ADA99D81-B028-4AD4-ABAA-0E952828D3D8}" dt="2020-04-15T05:27:36.646" v="12" actId="26606"/>
+          <pc:sldLayoutMkLst>
+            <pc:docMk/>
+            <pc:sldMasterMk cId="610056418" sldId="2147483766"/>
+            <pc:sldLayoutMk cId="2325190989" sldId="2147483776"/>
+          </pc:sldLayoutMkLst>
+        </pc:sldLayoutChg>
+        <pc:sldLayoutChg chg="add replId">
+          <pc:chgData name="abdulilah.q@outlook.com" userId="e558258b1f0d0369" providerId="LiveId" clId="{ADA99D81-B028-4AD4-ABAA-0E952828D3D8}" dt="2020-04-15T05:27:36.646" v="12" actId="26606"/>
+          <pc:sldLayoutMkLst>
+            <pc:docMk/>
+            <pc:sldMasterMk cId="610056418" sldId="2147483766"/>
+            <pc:sldLayoutMk cId="312196714" sldId="2147483777"/>
+          </pc:sldLayoutMkLst>
+        </pc:sldLayoutChg>
+      </pc:sldMasterChg>
+      <pc:sldMasterChg chg="add del addSldLayout delSldLayout">
+        <pc:chgData name="abdulilah.q@outlook.com" userId="e558258b1f0d0369" providerId="LiveId" clId="{ADA99D81-B028-4AD4-ABAA-0E952828D3D8}" dt="2020-04-15T05:27:36.584" v="11" actId="26606"/>
+        <pc:sldMasterMkLst>
+          <pc:docMk/>
+          <pc:sldMasterMk cId="799003404" sldId="2147483793"/>
+        </pc:sldMasterMkLst>
+        <pc:sldLayoutChg chg="add del">
+          <pc:chgData name="abdulilah.q@outlook.com" userId="e558258b1f0d0369" providerId="LiveId" clId="{ADA99D81-B028-4AD4-ABAA-0E952828D3D8}" dt="2020-04-15T05:27:36.584" v="11" actId="26606"/>
+          <pc:sldLayoutMkLst>
+            <pc:docMk/>
+            <pc:sldMasterMk cId="799003404" sldId="2147483793"/>
+            <pc:sldLayoutMk cId="272527907" sldId="2147483782"/>
+          </pc:sldLayoutMkLst>
+        </pc:sldLayoutChg>
+        <pc:sldLayoutChg chg="add del">
+          <pc:chgData name="abdulilah.q@outlook.com" userId="e558258b1f0d0369" providerId="LiveId" clId="{ADA99D81-B028-4AD4-ABAA-0E952828D3D8}" dt="2020-04-15T05:27:36.584" v="11" actId="26606"/>
+          <pc:sldLayoutMkLst>
+            <pc:docMk/>
+            <pc:sldMasterMk cId="799003404" sldId="2147483793"/>
+            <pc:sldLayoutMk cId="4286048879" sldId="2147483783"/>
+          </pc:sldLayoutMkLst>
+        </pc:sldLayoutChg>
+        <pc:sldLayoutChg chg="add del">
+          <pc:chgData name="abdulilah.q@outlook.com" userId="e558258b1f0d0369" providerId="LiveId" clId="{ADA99D81-B028-4AD4-ABAA-0E952828D3D8}" dt="2020-04-15T05:27:36.584" v="11" actId="26606"/>
+          <pc:sldLayoutMkLst>
+            <pc:docMk/>
+            <pc:sldMasterMk cId="799003404" sldId="2147483793"/>
+            <pc:sldLayoutMk cId="840230463" sldId="2147483784"/>
+          </pc:sldLayoutMkLst>
+        </pc:sldLayoutChg>
+        <pc:sldLayoutChg chg="add del">
+          <pc:chgData name="abdulilah.q@outlook.com" userId="e558258b1f0d0369" providerId="LiveId" clId="{ADA99D81-B028-4AD4-ABAA-0E952828D3D8}" dt="2020-04-15T05:27:36.584" v="11" actId="26606"/>
+          <pc:sldLayoutMkLst>
+            <pc:docMk/>
+            <pc:sldMasterMk cId="799003404" sldId="2147483793"/>
+            <pc:sldLayoutMk cId="4064405617" sldId="2147483785"/>
+          </pc:sldLayoutMkLst>
+        </pc:sldLayoutChg>
+        <pc:sldLayoutChg chg="add del">
+          <pc:chgData name="abdulilah.q@outlook.com" userId="e558258b1f0d0369" providerId="LiveId" clId="{ADA99D81-B028-4AD4-ABAA-0E952828D3D8}" dt="2020-04-15T05:27:36.584" v="11" actId="26606"/>
+          <pc:sldLayoutMkLst>
+            <pc:docMk/>
+            <pc:sldMasterMk cId="799003404" sldId="2147483793"/>
+            <pc:sldLayoutMk cId="610556720" sldId="2147483786"/>
+          </pc:sldLayoutMkLst>
+        </pc:sldLayoutChg>
+        <pc:sldLayoutChg chg="add del">
+          <pc:chgData name="abdulilah.q@outlook.com" userId="e558258b1f0d0369" providerId="LiveId" clId="{ADA99D81-B028-4AD4-ABAA-0E952828D3D8}" dt="2020-04-15T05:27:36.584" v="11" actId="26606"/>
+          <pc:sldLayoutMkLst>
+            <pc:docMk/>
+            <pc:sldMasterMk cId="799003404" sldId="2147483793"/>
+            <pc:sldLayoutMk cId="2552775109" sldId="2147483787"/>
+          </pc:sldLayoutMkLst>
+        </pc:sldLayoutChg>
+        <pc:sldLayoutChg chg="add del">
+          <pc:chgData name="abdulilah.q@outlook.com" userId="e558258b1f0d0369" providerId="LiveId" clId="{ADA99D81-B028-4AD4-ABAA-0E952828D3D8}" dt="2020-04-15T05:27:36.584" v="11" actId="26606"/>
+          <pc:sldLayoutMkLst>
+            <pc:docMk/>
+            <pc:sldMasterMk cId="799003404" sldId="2147483793"/>
+            <pc:sldLayoutMk cId="860105833" sldId="2147483788"/>
+          </pc:sldLayoutMkLst>
+        </pc:sldLayoutChg>
+        <pc:sldLayoutChg chg="add del">
+          <pc:chgData name="abdulilah.q@outlook.com" userId="e558258b1f0d0369" providerId="LiveId" clId="{ADA99D81-B028-4AD4-ABAA-0E952828D3D8}" dt="2020-04-15T05:27:36.584" v="11" actId="26606"/>
+          <pc:sldLayoutMkLst>
+            <pc:docMk/>
+            <pc:sldMasterMk cId="799003404" sldId="2147483793"/>
+            <pc:sldLayoutMk cId="3462416771" sldId="2147483789"/>
+          </pc:sldLayoutMkLst>
+        </pc:sldLayoutChg>
+        <pc:sldLayoutChg chg="add del">
+          <pc:chgData name="abdulilah.q@outlook.com" userId="e558258b1f0d0369" providerId="LiveId" clId="{ADA99D81-B028-4AD4-ABAA-0E952828D3D8}" dt="2020-04-15T05:27:36.584" v="11" actId="26606"/>
+          <pc:sldLayoutMkLst>
+            <pc:docMk/>
+            <pc:sldMasterMk cId="799003404" sldId="2147483793"/>
+            <pc:sldLayoutMk cId="237024829" sldId="2147483790"/>
+          </pc:sldLayoutMkLst>
+        </pc:sldLayoutChg>
+        <pc:sldLayoutChg chg="add del">
+          <pc:chgData name="abdulilah.q@outlook.com" userId="e558258b1f0d0369" providerId="LiveId" clId="{ADA99D81-B028-4AD4-ABAA-0E952828D3D8}" dt="2020-04-15T05:27:36.584" v="11" actId="26606"/>
+          <pc:sldLayoutMkLst>
+            <pc:docMk/>
+            <pc:sldMasterMk cId="799003404" sldId="2147483793"/>
+            <pc:sldLayoutMk cId="3943292452" sldId="2147483791"/>
+          </pc:sldLayoutMkLst>
+        </pc:sldLayoutChg>
+        <pc:sldLayoutChg chg="add del">
+          <pc:chgData name="abdulilah.q@outlook.com" userId="e558258b1f0d0369" providerId="LiveId" clId="{ADA99D81-B028-4AD4-ABAA-0E952828D3D8}" dt="2020-04-15T05:27:36.584" v="11" actId="26606"/>
+          <pc:sldLayoutMkLst>
+            <pc:docMk/>
+            <pc:sldMasterMk cId="799003404" sldId="2147483793"/>
+            <pc:sldLayoutMk cId="949509429" sldId="2147483792"/>
+          </pc:sldLayoutMkLst>
+        </pc:sldLayoutChg>
+      </pc:sldMasterChg>
+      <pc:sldMasterChg chg="add del addSldLayout delSldLayout">
+        <pc:chgData name="abdulilah.q@outlook.com" userId="e558258b1f0d0369" providerId="LiveId" clId="{ADA99D81-B028-4AD4-ABAA-0E952828D3D8}" dt="2020-04-15T05:27:35.035" v="9" actId="26606"/>
+        <pc:sldMasterMkLst>
+          <pc:docMk/>
+          <pc:sldMasterMk cId="3047561321" sldId="2147483812"/>
+        </pc:sldMasterMkLst>
+        <pc:sldLayoutChg chg="add del">
+          <pc:chgData name="abdulilah.q@outlook.com" userId="e558258b1f0d0369" providerId="LiveId" clId="{ADA99D81-B028-4AD4-ABAA-0E952828D3D8}" dt="2020-04-15T05:27:35.035" v="9" actId="26606"/>
+          <pc:sldLayoutMkLst>
+            <pc:docMk/>
+            <pc:sldMasterMk cId="3047561321" sldId="2147483812"/>
+            <pc:sldLayoutMk cId="893881166" sldId="2147483795"/>
+          </pc:sldLayoutMkLst>
+        </pc:sldLayoutChg>
+        <pc:sldLayoutChg chg="add del">
+          <pc:chgData name="abdulilah.q@outlook.com" userId="e558258b1f0d0369" providerId="LiveId" clId="{ADA99D81-B028-4AD4-ABAA-0E952828D3D8}" dt="2020-04-15T05:27:35.035" v="9" actId="26606"/>
+          <pc:sldLayoutMkLst>
+            <pc:docMk/>
+            <pc:sldMasterMk cId="3047561321" sldId="2147483812"/>
+            <pc:sldLayoutMk cId="2550567774" sldId="2147483796"/>
+          </pc:sldLayoutMkLst>
+        </pc:sldLayoutChg>
+        <pc:sldLayoutChg chg="add del">
+          <pc:chgData name="abdulilah.q@outlook.com" userId="e558258b1f0d0369" providerId="LiveId" clId="{ADA99D81-B028-4AD4-ABAA-0E952828D3D8}" dt="2020-04-15T05:27:35.035" v="9" actId="26606"/>
+          <pc:sldLayoutMkLst>
+            <pc:docMk/>
+            <pc:sldMasterMk cId="3047561321" sldId="2147483812"/>
+            <pc:sldLayoutMk cId="110155559" sldId="2147483797"/>
+          </pc:sldLayoutMkLst>
+        </pc:sldLayoutChg>
+        <pc:sldLayoutChg chg="add del">
+          <pc:chgData name="abdulilah.q@outlook.com" userId="e558258b1f0d0369" providerId="LiveId" clId="{ADA99D81-B028-4AD4-ABAA-0E952828D3D8}" dt="2020-04-15T05:27:35.035" v="9" actId="26606"/>
+          <pc:sldLayoutMkLst>
+            <pc:docMk/>
+            <pc:sldMasterMk cId="3047561321" sldId="2147483812"/>
+            <pc:sldLayoutMk cId="1372671536" sldId="2147483798"/>
+          </pc:sldLayoutMkLst>
+        </pc:sldLayoutChg>
+        <pc:sldLayoutChg chg="add del">
+          <pc:chgData name="abdulilah.q@outlook.com" userId="e558258b1f0d0369" providerId="LiveId" clId="{ADA99D81-B028-4AD4-ABAA-0E952828D3D8}" dt="2020-04-15T05:27:35.035" v="9" actId="26606"/>
+          <pc:sldLayoutMkLst>
+            <pc:docMk/>
+            <pc:sldMasterMk cId="3047561321" sldId="2147483812"/>
+            <pc:sldLayoutMk cId="307472383" sldId="2147483799"/>
+          </pc:sldLayoutMkLst>
+        </pc:sldLayoutChg>
+        <pc:sldLayoutChg chg="add del">
+          <pc:chgData name="abdulilah.q@outlook.com" userId="e558258b1f0d0369" providerId="LiveId" clId="{ADA99D81-B028-4AD4-ABAA-0E952828D3D8}" dt="2020-04-15T05:27:35.035" v="9" actId="26606"/>
+          <pc:sldLayoutMkLst>
+            <pc:docMk/>
+            <pc:sldMasterMk cId="3047561321" sldId="2147483812"/>
+            <pc:sldLayoutMk cId="601866472" sldId="2147483800"/>
+          </pc:sldLayoutMkLst>
+        </pc:sldLayoutChg>
+        <pc:sldLayoutChg chg="add del">
+          <pc:chgData name="abdulilah.q@outlook.com" userId="e558258b1f0d0369" providerId="LiveId" clId="{ADA99D81-B028-4AD4-ABAA-0E952828D3D8}" dt="2020-04-15T05:27:35.035" v="9" actId="26606"/>
+          <pc:sldLayoutMkLst>
+            <pc:docMk/>
+            <pc:sldMasterMk cId="3047561321" sldId="2147483812"/>
+            <pc:sldLayoutMk cId="4085258591" sldId="2147483801"/>
+          </pc:sldLayoutMkLst>
+        </pc:sldLayoutChg>
+        <pc:sldLayoutChg chg="add del">
+          <pc:chgData name="abdulilah.q@outlook.com" userId="e558258b1f0d0369" providerId="LiveId" clId="{ADA99D81-B028-4AD4-ABAA-0E952828D3D8}" dt="2020-04-15T05:27:35.035" v="9" actId="26606"/>
+          <pc:sldLayoutMkLst>
+            <pc:docMk/>
+            <pc:sldMasterMk cId="3047561321" sldId="2147483812"/>
+            <pc:sldLayoutMk cId="25139639" sldId="2147483802"/>
+          </pc:sldLayoutMkLst>
+        </pc:sldLayoutChg>
+        <pc:sldLayoutChg chg="add del">
+          <pc:chgData name="abdulilah.q@outlook.com" userId="e558258b1f0d0369" providerId="LiveId" clId="{ADA99D81-B028-4AD4-ABAA-0E952828D3D8}" dt="2020-04-15T05:27:35.035" v="9" actId="26606"/>
+          <pc:sldLayoutMkLst>
+            <pc:docMk/>
+            <pc:sldMasterMk cId="3047561321" sldId="2147483812"/>
+            <pc:sldLayoutMk cId="3563699912" sldId="2147483803"/>
+          </pc:sldLayoutMkLst>
+        </pc:sldLayoutChg>
+        <pc:sldLayoutChg chg="add del">
+          <pc:chgData name="abdulilah.q@outlook.com" userId="e558258b1f0d0369" providerId="LiveId" clId="{ADA99D81-B028-4AD4-ABAA-0E952828D3D8}" dt="2020-04-15T05:27:35.035" v="9" actId="26606"/>
+          <pc:sldLayoutMkLst>
+            <pc:docMk/>
+            <pc:sldMasterMk cId="3047561321" sldId="2147483812"/>
+            <pc:sldLayoutMk cId="872030113" sldId="2147483804"/>
+          </pc:sldLayoutMkLst>
+        </pc:sldLayoutChg>
+        <pc:sldLayoutChg chg="add del">
+          <pc:chgData name="abdulilah.q@outlook.com" userId="e558258b1f0d0369" providerId="LiveId" clId="{ADA99D81-B028-4AD4-ABAA-0E952828D3D8}" dt="2020-04-15T05:27:35.035" v="9" actId="26606"/>
+          <pc:sldLayoutMkLst>
+            <pc:docMk/>
+            <pc:sldMasterMk cId="3047561321" sldId="2147483812"/>
+            <pc:sldLayoutMk cId="618484922" sldId="2147483805"/>
+          </pc:sldLayoutMkLst>
+        </pc:sldLayoutChg>
+        <pc:sldLayoutChg chg="add del">
+          <pc:chgData name="abdulilah.q@outlook.com" userId="e558258b1f0d0369" providerId="LiveId" clId="{ADA99D81-B028-4AD4-ABAA-0E952828D3D8}" dt="2020-04-15T05:27:35.035" v="9" actId="26606"/>
+          <pc:sldLayoutMkLst>
+            <pc:docMk/>
+            <pc:sldMasterMk cId="3047561321" sldId="2147483812"/>
+            <pc:sldLayoutMk cId="3595466321" sldId="2147483806"/>
+          </pc:sldLayoutMkLst>
+        </pc:sldLayoutChg>
+        <pc:sldLayoutChg chg="add del">
+          <pc:chgData name="abdulilah.q@outlook.com" userId="e558258b1f0d0369" providerId="LiveId" clId="{ADA99D81-B028-4AD4-ABAA-0E952828D3D8}" dt="2020-04-15T05:27:35.035" v="9" actId="26606"/>
+          <pc:sldLayoutMkLst>
+            <pc:docMk/>
+            <pc:sldMasterMk cId="3047561321" sldId="2147483812"/>
+            <pc:sldLayoutMk cId="2249721184" sldId="2147483807"/>
+          </pc:sldLayoutMkLst>
+        </pc:sldLayoutChg>
+        <pc:sldLayoutChg chg="add del">
+          <pc:chgData name="abdulilah.q@outlook.com" userId="e558258b1f0d0369" providerId="LiveId" clId="{ADA99D81-B028-4AD4-ABAA-0E952828D3D8}" dt="2020-04-15T05:27:35.035" v="9" actId="26606"/>
+          <pc:sldLayoutMkLst>
+            <pc:docMk/>
+            <pc:sldMasterMk cId="3047561321" sldId="2147483812"/>
+            <pc:sldLayoutMk cId="874049969" sldId="2147483808"/>
+          </pc:sldLayoutMkLst>
+        </pc:sldLayoutChg>
+        <pc:sldLayoutChg chg="add del">
+          <pc:chgData name="abdulilah.q@outlook.com" userId="e558258b1f0d0369" providerId="LiveId" clId="{ADA99D81-B028-4AD4-ABAA-0E952828D3D8}" dt="2020-04-15T05:27:35.035" v="9" actId="26606"/>
+          <pc:sldLayoutMkLst>
+            <pc:docMk/>
+            <pc:sldMasterMk cId="3047561321" sldId="2147483812"/>
+            <pc:sldLayoutMk cId="3054970650" sldId="2147483809"/>
+          </pc:sldLayoutMkLst>
+        </pc:sldLayoutChg>
+        <pc:sldLayoutChg chg="add del">
+          <pc:chgData name="abdulilah.q@outlook.com" userId="e558258b1f0d0369" providerId="LiveId" clId="{ADA99D81-B028-4AD4-ABAA-0E952828D3D8}" dt="2020-04-15T05:27:35.035" v="9" actId="26606"/>
+          <pc:sldLayoutMkLst>
+            <pc:docMk/>
+            <pc:sldMasterMk cId="3047561321" sldId="2147483812"/>
+            <pc:sldLayoutMk cId="3960210696" sldId="2147483810"/>
+          </pc:sldLayoutMkLst>
+        </pc:sldLayoutChg>
+        <pc:sldLayoutChg chg="add del">
+          <pc:chgData name="abdulilah.q@outlook.com" userId="e558258b1f0d0369" providerId="LiveId" clId="{ADA99D81-B028-4AD4-ABAA-0E952828D3D8}" dt="2020-04-15T05:27:35.035" v="9" actId="26606"/>
+          <pc:sldLayoutMkLst>
+            <pc:docMk/>
+            <pc:sldMasterMk cId="3047561321" sldId="2147483812"/>
+            <pc:sldLayoutMk cId="3954494855" sldId="2147483811"/>
+          </pc:sldLayoutMkLst>
+        </pc:sldLayoutChg>
+      </pc:sldMasterChg>
+      <pc:sldMasterChg chg="add del addSldLayout delSldLayout">
+        <pc:chgData name="abdulilah.q@outlook.com" userId="e558258b1f0d0369" providerId="LiveId" clId="{ADA99D81-B028-4AD4-ABAA-0E952828D3D8}" dt="2020-04-15T05:27:33.098" v="7" actId="26606"/>
+        <pc:sldMasterMkLst>
+          <pc:docMk/>
+          <pc:sldMasterMk cId="1118463901" sldId="2147483825"/>
+        </pc:sldMasterMkLst>
+        <pc:sldLayoutChg chg="add del">
+          <pc:chgData name="abdulilah.q@outlook.com" userId="e558258b1f0d0369" providerId="LiveId" clId="{ADA99D81-B028-4AD4-ABAA-0E952828D3D8}" dt="2020-04-15T05:27:33.098" v="7" actId="26606"/>
+          <pc:sldLayoutMkLst>
+            <pc:docMk/>
+            <pc:sldMasterMk cId="1118463901" sldId="2147483825"/>
+            <pc:sldLayoutMk cId="269751089" sldId="2147483814"/>
+          </pc:sldLayoutMkLst>
+        </pc:sldLayoutChg>
+        <pc:sldLayoutChg chg="add del">
+          <pc:chgData name="abdulilah.q@outlook.com" userId="e558258b1f0d0369" providerId="LiveId" clId="{ADA99D81-B028-4AD4-ABAA-0E952828D3D8}" dt="2020-04-15T05:27:33.098" v="7" actId="26606"/>
+          <pc:sldLayoutMkLst>
+            <pc:docMk/>
+            <pc:sldMasterMk cId="1118463901" sldId="2147483825"/>
+            <pc:sldLayoutMk cId="2574720046" sldId="2147483815"/>
+          </pc:sldLayoutMkLst>
+        </pc:sldLayoutChg>
+        <pc:sldLayoutChg chg="add del">
+          <pc:chgData name="abdulilah.q@outlook.com" userId="e558258b1f0d0369" providerId="LiveId" clId="{ADA99D81-B028-4AD4-ABAA-0E952828D3D8}" dt="2020-04-15T05:27:33.098" v="7" actId="26606"/>
+          <pc:sldLayoutMkLst>
+            <pc:docMk/>
+            <pc:sldMasterMk cId="1118463901" sldId="2147483825"/>
+            <pc:sldLayoutMk cId="1303184064" sldId="2147483816"/>
+          </pc:sldLayoutMkLst>
+        </pc:sldLayoutChg>
+        <pc:sldLayoutChg chg="add del">
+          <pc:chgData name="abdulilah.q@outlook.com" userId="e558258b1f0d0369" providerId="LiveId" clId="{ADA99D81-B028-4AD4-ABAA-0E952828D3D8}" dt="2020-04-15T05:27:33.098" v="7" actId="26606"/>
+          <pc:sldLayoutMkLst>
+            <pc:docMk/>
+            <pc:sldMasterMk cId="1118463901" sldId="2147483825"/>
+            <pc:sldLayoutMk cId="3938081524" sldId="2147483817"/>
+          </pc:sldLayoutMkLst>
+        </pc:sldLayoutChg>
+        <pc:sldLayoutChg chg="add del">
+          <pc:chgData name="abdulilah.q@outlook.com" userId="e558258b1f0d0369" providerId="LiveId" clId="{ADA99D81-B028-4AD4-ABAA-0E952828D3D8}" dt="2020-04-15T05:27:33.098" v="7" actId="26606"/>
+          <pc:sldLayoutMkLst>
+            <pc:docMk/>
+            <pc:sldMasterMk cId="1118463901" sldId="2147483825"/>
+            <pc:sldLayoutMk cId="4083363613" sldId="2147483818"/>
+          </pc:sldLayoutMkLst>
+        </pc:sldLayoutChg>
+        <pc:sldLayoutChg chg="add del">
+          <pc:chgData name="abdulilah.q@outlook.com" userId="e558258b1f0d0369" providerId="LiveId" clId="{ADA99D81-B028-4AD4-ABAA-0E952828D3D8}" dt="2020-04-15T05:27:33.098" v="7" actId="26606"/>
+          <pc:sldLayoutMkLst>
+            <pc:docMk/>
+            <pc:sldMasterMk cId="1118463901" sldId="2147483825"/>
+            <pc:sldLayoutMk cId="1015387146" sldId="2147483819"/>
+          </pc:sldLayoutMkLst>
+        </pc:sldLayoutChg>
+        <pc:sldLayoutChg chg="add del">
+          <pc:chgData name="abdulilah.q@outlook.com" userId="e558258b1f0d0369" providerId="LiveId" clId="{ADA99D81-B028-4AD4-ABAA-0E952828D3D8}" dt="2020-04-15T05:27:33.098" v="7" actId="26606"/>
+          <pc:sldLayoutMkLst>
+            <pc:docMk/>
+            <pc:sldMasterMk cId="1118463901" sldId="2147483825"/>
+            <pc:sldLayoutMk cId="1043362093" sldId="2147483820"/>
+          </pc:sldLayoutMkLst>
+        </pc:sldLayoutChg>
+        <pc:sldLayoutChg chg="add del">
+          <pc:chgData name="abdulilah.q@outlook.com" userId="e558258b1f0d0369" providerId="LiveId" clId="{ADA99D81-B028-4AD4-ABAA-0E952828D3D8}" dt="2020-04-15T05:27:33.098" v="7" actId="26606"/>
+          <pc:sldLayoutMkLst>
+            <pc:docMk/>
+            <pc:sldMasterMk cId="1118463901" sldId="2147483825"/>
+            <pc:sldLayoutMk cId="3051164501" sldId="2147483821"/>
+          </pc:sldLayoutMkLst>
+        </pc:sldLayoutChg>
+        <pc:sldLayoutChg chg="add del">
+          <pc:chgData name="abdulilah.q@outlook.com" userId="e558258b1f0d0369" providerId="LiveId" clId="{ADA99D81-B028-4AD4-ABAA-0E952828D3D8}" dt="2020-04-15T05:27:33.098" v="7" actId="26606"/>
+          <pc:sldLayoutMkLst>
+            <pc:docMk/>
+            <pc:sldMasterMk cId="1118463901" sldId="2147483825"/>
+            <pc:sldLayoutMk cId="4026392449" sldId="2147483822"/>
+          </pc:sldLayoutMkLst>
+        </pc:sldLayoutChg>
+        <pc:sldLayoutChg chg="add del">
+          <pc:chgData name="abdulilah.q@outlook.com" userId="e558258b1f0d0369" providerId="LiveId" clId="{ADA99D81-B028-4AD4-ABAA-0E952828D3D8}" dt="2020-04-15T05:27:33.098" v="7" actId="26606"/>
+          <pc:sldLayoutMkLst>
+            <pc:docMk/>
+            <pc:sldMasterMk cId="1118463901" sldId="2147483825"/>
+            <pc:sldLayoutMk cId="1994393543" sldId="2147483823"/>
+          </pc:sldLayoutMkLst>
+        </pc:sldLayoutChg>
+        <pc:sldLayoutChg chg="add del">
+          <pc:chgData name="abdulilah.q@outlook.com" userId="e558258b1f0d0369" providerId="LiveId" clId="{ADA99D81-B028-4AD4-ABAA-0E952828D3D8}" dt="2020-04-15T05:27:33.098" v="7" actId="26606"/>
+          <pc:sldLayoutMkLst>
+            <pc:docMk/>
+            <pc:sldMasterMk cId="1118463901" sldId="2147483825"/>
+            <pc:sldLayoutMk cId="969541867" sldId="2147483824"/>
+          </pc:sldLayoutMkLst>
+        </pc:sldLayoutChg>
+      </pc:sldMasterChg>
+      <pc:sldMasterChg chg="add del addSldLayout delSldLayout">
+        <pc:chgData name="abdulilah.q@outlook.com" userId="e558258b1f0d0369" providerId="LiveId" clId="{ADA99D81-B028-4AD4-ABAA-0E952828D3D8}" dt="2020-04-15T05:27:30.548" v="5" actId="26606"/>
+        <pc:sldMasterMkLst>
+          <pc:docMk/>
+          <pc:sldMasterMk cId="3548858157" sldId="2147483838"/>
+        </pc:sldMasterMkLst>
+        <pc:sldLayoutChg chg="add del">
+          <pc:chgData name="abdulilah.q@outlook.com" userId="e558258b1f0d0369" providerId="LiveId" clId="{ADA99D81-B028-4AD4-ABAA-0E952828D3D8}" dt="2020-04-15T05:27:30.548" v="5" actId="26606"/>
+          <pc:sldLayoutMkLst>
+            <pc:docMk/>
+            <pc:sldMasterMk cId="3548858157" sldId="2147483838"/>
+            <pc:sldLayoutMk cId="3752160440" sldId="2147483827"/>
+          </pc:sldLayoutMkLst>
+        </pc:sldLayoutChg>
+        <pc:sldLayoutChg chg="add del">
+          <pc:chgData name="abdulilah.q@outlook.com" userId="e558258b1f0d0369" providerId="LiveId" clId="{ADA99D81-B028-4AD4-ABAA-0E952828D3D8}" dt="2020-04-15T05:27:30.548" v="5" actId="26606"/>
+          <pc:sldLayoutMkLst>
+            <pc:docMk/>
+            <pc:sldMasterMk cId="3548858157" sldId="2147483838"/>
+            <pc:sldLayoutMk cId="2272591942" sldId="2147483828"/>
+          </pc:sldLayoutMkLst>
+        </pc:sldLayoutChg>
+        <pc:sldLayoutChg chg="add del">
+          <pc:chgData name="abdulilah.q@outlook.com" userId="e558258b1f0d0369" providerId="LiveId" clId="{ADA99D81-B028-4AD4-ABAA-0E952828D3D8}" dt="2020-04-15T05:27:30.548" v="5" actId="26606"/>
+          <pc:sldLayoutMkLst>
+            <pc:docMk/>
+            <pc:sldMasterMk cId="3548858157" sldId="2147483838"/>
+            <pc:sldLayoutMk cId="3476335567" sldId="2147483829"/>
+          </pc:sldLayoutMkLst>
+        </pc:sldLayoutChg>
+        <pc:sldLayoutChg chg="add del">
+          <pc:chgData name="abdulilah.q@outlook.com" userId="e558258b1f0d0369" providerId="LiveId" clId="{ADA99D81-B028-4AD4-ABAA-0E952828D3D8}" dt="2020-04-15T05:27:30.548" v="5" actId="26606"/>
+          <pc:sldLayoutMkLst>
+            <pc:docMk/>
+            <pc:sldMasterMk cId="3548858157" sldId="2147483838"/>
+            <pc:sldLayoutMk cId="4017829819" sldId="2147483830"/>
+          </pc:sldLayoutMkLst>
+        </pc:sldLayoutChg>
+        <pc:sldLayoutChg chg="add del">
+          <pc:chgData name="abdulilah.q@outlook.com" userId="e558258b1f0d0369" providerId="LiveId" clId="{ADA99D81-B028-4AD4-ABAA-0E952828D3D8}" dt="2020-04-15T05:27:30.548" v="5" actId="26606"/>
+          <pc:sldLayoutMkLst>
+            <pc:docMk/>
+            <pc:sldMasterMk cId="3548858157" sldId="2147483838"/>
+            <pc:sldLayoutMk cId="596095275" sldId="2147483831"/>
+          </pc:sldLayoutMkLst>
+        </pc:sldLayoutChg>
+        <pc:sldLayoutChg chg="add del">
+          <pc:chgData name="abdulilah.q@outlook.com" userId="e558258b1f0d0369" providerId="LiveId" clId="{ADA99D81-B028-4AD4-ABAA-0E952828D3D8}" dt="2020-04-15T05:27:30.548" v="5" actId="26606"/>
+          <pc:sldLayoutMkLst>
+            <pc:docMk/>
+            <pc:sldMasterMk cId="3548858157" sldId="2147483838"/>
+            <pc:sldLayoutMk cId="2940101697" sldId="2147483832"/>
+          </pc:sldLayoutMkLst>
+        </pc:sldLayoutChg>
+        <pc:sldLayoutChg chg="add del">
+          <pc:chgData name="abdulilah.q@outlook.com" userId="e558258b1f0d0369" providerId="LiveId" clId="{ADA99D81-B028-4AD4-ABAA-0E952828D3D8}" dt="2020-04-15T05:27:30.548" v="5" actId="26606"/>
+          <pc:sldLayoutMkLst>
+            <pc:docMk/>
+            <pc:sldMasterMk cId="3548858157" sldId="2147483838"/>
+            <pc:sldLayoutMk cId="1950683030" sldId="2147483833"/>
+          </pc:sldLayoutMkLst>
+        </pc:sldLayoutChg>
+        <pc:sldLayoutChg chg="add del">
+          <pc:chgData name="abdulilah.q@outlook.com" userId="e558258b1f0d0369" providerId="LiveId" clId="{ADA99D81-B028-4AD4-ABAA-0E952828D3D8}" dt="2020-04-15T05:27:30.548" v="5" actId="26606"/>
+          <pc:sldLayoutMkLst>
+            <pc:docMk/>
+            <pc:sldMasterMk cId="3548858157" sldId="2147483838"/>
+            <pc:sldLayoutMk cId="3397830507" sldId="2147483834"/>
+          </pc:sldLayoutMkLst>
+        </pc:sldLayoutChg>
+        <pc:sldLayoutChg chg="add del">
+          <pc:chgData name="abdulilah.q@outlook.com" userId="e558258b1f0d0369" providerId="LiveId" clId="{ADA99D81-B028-4AD4-ABAA-0E952828D3D8}" dt="2020-04-15T05:27:30.548" v="5" actId="26606"/>
+          <pc:sldLayoutMkLst>
+            <pc:docMk/>
+            <pc:sldMasterMk cId="3548858157" sldId="2147483838"/>
+            <pc:sldLayoutMk cId="3073668748" sldId="2147483835"/>
+          </pc:sldLayoutMkLst>
+        </pc:sldLayoutChg>
+        <pc:sldLayoutChg chg="add del">
+          <pc:chgData name="abdulilah.q@outlook.com" userId="e558258b1f0d0369" providerId="LiveId" clId="{ADA99D81-B028-4AD4-ABAA-0E952828D3D8}" dt="2020-04-15T05:27:30.548" v="5" actId="26606"/>
+          <pc:sldLayoutMkLst>
+            <pc:docMk/>
+            <pc:sldMasterMk cId="3548858157" sldId="2147483838"/>
+            <pc:sldLayoutMk cId="3470512936" sldId="2147483836"/>
+          </pc:sldLayoutMkLst>
+        </pc:sldLayoutChg>
+        <pc:sldLayoutChg chg="add del">
+          <pc:chgData name="abdulilah.q@outlook.com" userId="e558258b1f0d0369" providerId="LiveId" clId="{ADA99D81-B028-4AD4-ABAA-0E952828D3D8}" dt="2020-04-15T05:27:30.548" v="5" actId="26606"/>
+          <pc:sldLayoutMkLst>
+            <pc:docMk/>
+            <pc:sldMasterMk cId="3548858157" sldId="2147483838"/>
+            <pc:sldLayoutMk cId="948419253" sldId="2147483837"/>
+          </pc:sldLayoutMkLst>
+        </pc:sldLayoutChg>
+      </pc:sldMasterChg>
+      <pc:sldMasterChg chg="add del addSldLayout delSldLayout">
+        <pc:chgData name="abdulilah.q@outlook.com" userId="e558258b1f0d0369" providerId="LiveId" clId="{ADA99D81-B028-4AD4-ABAA-0E952828D3D8}" dt="2020-04-15T05:27:29.634" v="3" actId="26606"/>
+        <pc:sldMasterMkLst>
+          <pc:docMk/>
+          <pc:sldMasterMk cId="4093698254" sldId="2147483851"/>
+        </pc:sldMasterMkLst>
+        <pc:sldLayoutChg chg="add del">
+          <pc:chgData name="abdulilah.q@outlook.com" userId="e558258b1f0d0369" providerId="LiveId" clId="{ADA99D81-B028-4AD4-ABAA-0E952828D3D8}" dt="2020-04-15T05:27:29.634" v="3" actId="26606"/>
+          <pc:sldLayoutMkLst>
+            <pc:docMk/>
+            <pc:sldMasterMk cId="4093698254" sldId="2147483851"/>
+            <pc:sldLayoutMk cId="77399061" sldId="2147483840"/>
+          </pc:sldLayoutMkLst>
+        </pc:sldLayoutChg>
+        <pc:sldLayoutChg chg="add del">
+          <pc:chgData name="abdulilah.q@outlook.com" userId="e558258b1f0d0369" providerId="LiveId" clId="{ADA99D81-B028-4AD4-ABAA-0E952828D3D8}" dt="2020-04-15T05:27:29.634" v="3" actId="26606"/>
+          <pc:sldLayoutMkLst>
+            <pc:docMk/>
+            <pc:sldMasterMk cId="4093698254" sldId="2147483851"/>
+            <pc:sldLayoutMk cId="1172345773" sldId="2147483841"/>
+          </pc:sldLayoutMkLst>
+        </pc:sldLayoutChg>
+        <pc:sldLayoutChg chg="add del">
+          <pc:chgData name="abdulilah.q@outlook.com" userId="e558258b1f0d0369" providerId="LiveId" clId="{ADA99D81-B028-4AD4-ABAA-0E952828D3D8}" dt="2020-04-15T05:27:29.634" v="3" actId="26606"/>
+          <pc:sldLayoutMkLst>
+            <pc:docMk/>
+            <pc:sldMasterMk cId="4093698254" sldId="2147483851"/>
+            <pc:sldLayoutMk cId="4217150188" sldId="2147483842"/>
+          </pc:sldLayoutMkLst>
+        </pc:sldLayoutChg>
+        <pc:sldLayoutChg chg="add del">
+          <pc:chgData name="abdulilah.q@outlook.com" userId="e558258b1f0d0369" providerId="LiveId" clId="{ADA99D81-B028-4AD4-ABAA-0E952828D3D8}" dt="2020-04-15T05:27:29.634" v="3" actId="26606"/>
+          <pc:sldLayoutMkLst>
+            <pc:docMk/>
+            <pc:sldMasterMk cId="4093698254" sldId="2147483851"/>
+            <pc:sldLayoutMk cId="1038043935" sldId="2147483843"/>
+          </pc:sldLayoutMkLst>
+        </pc:sldLayoutChg>
+        <pc:sldLayoutChg chg="add del">
+          <pc:chgData name="abdulilah.q@outlook.com" userId="e558258b1f0d0369" providerId="LiveId" clId="{ADA99D81-B028-4AD4-ABAA-0E952828D3D8}" dt="2020-04-15T05:27:29.634" v="3" actId="26606"/>
+          <pc:sldLayoutMkLst>
+            <pc:docMk/>
+            <pc:sldMasterMk cId="4093698254" sldId="2147483851"/>
+            <pc:sldLayoutMk cId="1051573919" sldId="2147483844"/>
+          </pc:sldLayoutMkLst>
+        </pc:sldLayoutChg>
+        <pc:sldLayoutChg chg="add del">
+          <pc:chgData name="abdulilah.q@outlook.com" userId="e558258b1f0d0369" providerId="LiveId" clId="{ADA99D81-B028-4AD4-ABAA-0E952828D3D8}" dt="2020-04-15T05:27:29.634" v="3" actId="26606"/>
+          <pc:sldLayoutMkLst>
+            <pc:docMk/>
+            <pc:sldMasterMk cId="4093698254" sldId="2147483851"/>
+            <pc:sldLayoutMk cId="3944450305" sldId="2147483845"/>
+          </pc:sldLayoutMkLst>
+        </pc:sldLayoutChg>
+        <pc:sldLayoutChg chg="add del">
+          <pc:chgData name="abdulilah.q@outlook.com" userId="e558258b1f0d0369" providerId="LiveId" clId="{ADA99D81-B028-4AD4-ABAA-0E952828D3D8}" dt="2020-04-15T05:27:29.634" v="3" actId="26606"/>
+          <pc:sldLayoutMkLst>
+            <pc:docMk/>
+            <pc:sldMasterMk cId="4093698254" sldId="2147483851"/>
+            <pc:sldLayoutMk cId="792095130" sldId="2147483846"/>
+          </pc:sldLayoutMkLst>
+        </pc:sldLayoutChg>
+        <pc:sldLayoutChg chg="add del">
+          <pc:chgData name="abdulilah.q@outlook.com" userId="e558258b1f0d0369" providerId="LiveId" clId="{ADA99D81-B028-4AD4-ABAA-0E952828D3D8}" dt="2020-04-15T05:27:29.634" v="3" actId="26606"/>
+          <pc:sldLayoutMkLst>
+            <pc:docMk/>
+            <pc:sldMasterMk cId="4093698254" sldId="2147483851"/>
+            <pc:sldLayoutMk cId="1153555916" sldId="2147483847"/>
+          </pc:sldLayoutMkLst>
+        </pc:sldLayoutChg>
+        <pc:sldLayoutChg chg="add del">
+          <pc:chgData name="abdulilah.q@outlook.com" userId="e558258b1f0d0369" providerId="LiveId" clId="{ADA99D81-B028-4AD4-ABAA-0E952828D3D8}" dt="2020-04-15T05:27:29.634" v="3" actId="26606"/>
+          <pc:sldLayoutMkLst>
+            <pc:docMk/>
+            <pc:sldMasterMk cId="4093698254" sldId="2147483851"/>
+            <pc:sldLayoutMk cId="1594028265" sldId="2147483848"/>
+          </pc:sldLayoutMkLst>
+        </pc:sldLayoutChg>
+        <pc:sldLayoutChg chg="add del">
+          <pc:chgData name="abdulilah.q@outlook.com" userId="e558258b1f0d0369" providerId="LiveId" clId="{ADA99D81-B028-4AD4-ABAA-0E952828D3D8}" dt="2020-04-15T05:27:29.634" v="3" actId="26606"/>
+          <pc:sldLayoutMkLst>
+            <pc:docMk/>
+            <pc:sldMasterMk cId="4093698254" sldId="2147483851"/>
+            <pc:sldLayoutMk cId="2326101035" sldId="2147483849"/>
+          </pc:sldLayoutMkLst>
+        </pc:sldLayoutChg>
+        <pc:sldLayoutChg chg="add del">
+          <pc:chgData name="abdulilah.q@outlook.com" userId="e558258b1f0d0369" providerId="LiveId" clId="{ADA99D81-B028-4AD4-ABAA-0E952828D3D8}" dt="2020-04-15T05:27:29.634" v="3" actId="26606"/>
+          <pc:sldLayoutMkLst>
+            <pc:docMk/>
+            <pc:sldMasterMk cId="4093698254" sldId="2147483851"/>
+            <pc:sldLayoutMk cId="3928945997" sldId="2147483850"/>
+          </pc:sldLayoutMkLst>
+        </pc:sldLayoutChg>
+      </pc:sldMasterChg>
+      <pc:sldMasterChg chg="add del addSldLayout delSldLayout">
+        <pc:chgData name="abdulilah.q@outlook.com" userId="e558258b1f0d0369" providerId="LiveId" clId="{ADA99D81-B028-4AD4-ABAA-0E952828D3D8}" dt="2020-04-15T05:27:28.832" v="1" actId="26606"/>
+        <pc:sldMasterMkLst>
+          <pc:docMk/>
+          <pc:sldMasterMk cId="811688264" sldId="2147483864"/>
+        </pc:sldMasterMkLst>
+        <pc:sldLayoutChg chg="add del">
+          <pc:chgData name="abdulilah.q@outlook.com" userId="e558258b1f0d0369" providerId="LiveId" clId="{ADA99D81-B028-4AD4-ABAA-0E952828D3D8}" dt="2020-04-15T05:27:28.832" v="1" actId="26606"/>
+          <pc:sldLayoutMkLst>
+            <pc:docMk/>
+            <pc:sldMasterMk cId="811688264" sldId="2147483864"/>
+            <pc:sldLayoutMk cId="978117993" sldId="2147483853"/>
+          </pc:sldLayoutMkLst>
+        </pc:sldLayoutChg>
+        <pc:sldLayoutChg chg="add del">
+          <pc:chgData name="abdulilah.q@outlook.com" userId="e558258b1f0d0369" providerId="LiveId" clId="{ADA99D81-B028-4AD4-ABAA-0E952828D3D8}" dt="2020-04-15T05:27:28.832" v="1" actId="26606"/>
+          <pc:sldLayoutMkLst>
+            <pc:docMk/>
+            <pc:sldMasterMk cId="811688264" sldId="2147483864"/>
+            <pc:sldLayoutMk cId="1614394865" sldId="2147483854"/>
+          </pc:sldLayoutMkLst>
+        </pc:sldLayoutChg>
+        <pc:sldLayoutChg chg="add del">
+          <pc:chgData name="abdulilah.q@outlook.com" userId="e558258b1f0d0369" providerId="LiveId" clId="{ADA99D81-B028-4AD4-ABAA-0E952828D3D8}" dt="2020-04-15T05:27:28.832" v="1" actId="26606"/>
+          <pc:sldLayoutMkLst>
+            <pc:docMk/>
+            <pc:sldMasterMk cId="811688264" sldId="2147483864"/>
+            <pc:sldLayoutMk cId="1604498870" sldId="2147483855"/>
+          </pc:sldLayoutMkLst>
+        </pc:sldLayoutChg>
+        <pc:sldLayoutChg chg="add del">
+          <pc:chgData name="abdulilah.q@outlook.com" userId="e558258b1f0d0369" providerId="LiveId" clId="{ADA99D81-B028-4AD4-ABAA-0E952828D3D8}" dt="2020-04-15T05:27:28.832" v="1" actId="26606"/>
+          <pc:sldLayoutMkLst>
+            <pc:docMk/>
+            <pc:sldMasterMk cId="811688264" sldId="2147483864"/>
+            <pc:sldLayoutMk cId="2111668649" sldId="2147483856"/>
+          </pc:sldLayoutMkLst>
+        </pc:sldLayoutChg>
+        <pc:sldLayoutChg chg="add del">
+          <pc:chgData name="abdulilah.q@outlook.com" userId="e558258b1f0d0369" providerId="LiveId" clId="{ADA99D81-B028-4AD4-ABAA-0E952828D3D8}" dt="2020-04-15T05:27:28.832" v="1" actId="26606"/>
+          <pc:sldLayoutMkLst>
+            <pc:docMk/>
+            <pc:sldMasterMk cId="811688264" sldId="2147483864"/>
+            <pc:sldLayoutMk cId="3715396944" sldId="2147483857"/>
+          </pc:sldLayoutMkLst>
+        </pc:sldLayoutChg>
+        <pc:sldLayoutChg chg="add del">
+          <pc:chgData name="abdulilah.q@outlook.com" userId="e558258b1f0d0369" providerId="LiveId" clId="{ADA99D81-B028-4AD4-ABAA-0E952828D3D8}" dt="2020-04-15T05:27:28.832" v="1" actId="26606"/>
+          <pc:sldLayoutMkLst>
+            <pc:docMk/>
+            <pc:sldMasterMk cId="811688264" sldId="2147483864"/>
+            <pc:sldLayoutMk cId="2818601633" sldId="2147483858"/>
+          </pc:sldLayoutMkLst>
+        </pc:sldLayoutChg>
+        <pc:sldLayoutChg chg="add del">
+          <pc:chgData name="abdulilah.q@outlook.com" userId="e558258b1f0d0369" providerId="LiveId" clId="{ADA99D81-B028-4AD4-ABAA-0E952828D3D8}" dt="2020-04-15T05:27:28.832" v="1" actId="26606"/>
+          <pc:sldLayoutMkLst>
+            <pc:docMk/>
+            <pc:sldMasterMk cId="811688264" sldId="2147483864"/>
+            <pc:sldLayoutMk cId="2354653395" sldId="2147483859"/>
+          </pc:sldLayoutMkLst>
+        </pc:sldLayoutChg>
+        <pc:sldLayoutChg chg="add del">
+          <pc:chgData name="abdulilah.q@outlook.com" userId="e558258b1f0d0369" providerId="LiveId" clId="{ADA99D81-B028-4AD4-ABAA-0E952828D3D8}" dt="2020-04-15T05:27:28.832" v="1" actId="26606"/>
+          <pc:sldLayoutMkLst>
+            <pc:docMk/>
+            <pc:sldMasterMk cId="811688264" sldId="2147483864"/>
+            <pc:sldLayoutMk cId="963023416" sldId="2147483860"/>
+          </pc:sldLayoutMkLst>
+        </pc:sldLayoutChg>
+        <pc:sldLayoutChg chg="add del">
+          <pc:chgData name="abdulilah.q@outlook.com" userId="e558258b1f0d0369" providerId="LiveId" clId="{ADA99D81-B028-4AD4-ABAA-0E952828D3D8}" dt="2020-04-15T05:27:28.832" v="1" actId="26606"/>
+          <pc:sldLayoutMkLst>
+            <pc:docMk/>
+            <pc:sldMasterMk cId="811688264" sldId="2147483864"/>
+            <pc:sldLayoutMk cId="3155717066" sldId="2147483861"/>
+          </pc:sldLayoutMkLst>
+        </pc:sldLayoutChg>
+        <pc:sldLayoutChg chg="add del">
+          <pc:chgData name="abdulilah.q@outlook.com" userId="e558258b1f0d0369" providerId="LiveId" clId="{ADA99D81-B028-4AD4-ABAA-0E952828D3D8}" dt="2020-04-15T05:27:28.832" v="1" actId="26606"/>
+          <pc:sldLayoutMkLst>
+            <pc:docMk/>
+            <pc:sldMasterMk cId="811688264" sldId="2147483864"/>
+            <pc:sldLayoutMk cId="2380113637" sldId="2147483862"/>
+          </pc:sldLayoutMkLst>
+        </pc:sldLayoutChg>
+        <pc:sldLayoutChg chg="add del">
+          <pc:chgData name="abdulilah.q@outlook.com" userId="e558258b1f0d0369" providerId="LiveId" clId="{ADA99D81-B028-4AD4-ABAA-0E952828D3D8}" dt="2020-04-15T05:27:28.832" v="1" actId="26606"/>
+          <pc:sldLayoutMkLst>
+            <pc:docMk/>
+            <pc:sldMasterMk cId="811688264" sldId="2147483864"/>
+            <pc:sldLayoutMk cId="1548315590" sldId="2147483863"/>
+          </pc:sldLayoutMkLst>
+        </pc:sldLayoutChg>
+      </pc:sldMasterChg>
+      <pc:sldMasterChg chg="add del addSldLayout delSldLayout">
+        <pc:chgData name="abdulilah.q@outlook.com" userId="e558258b1f0d0369" providerId="LiveId" clId="{ADA99D81-B028-4AD4-ABAA-0E952828D3D8}" dt="2020-04-15T05:27:50.360" v="17" actId="26606"/>
+        <pc:sldMasterMkLst>
+          <pc:docMk/>
+          <pc:sldMasterMk cId="4113689440" sldId="2147483873"/>
+        </pc:sldMasterMkLst>
+        <pc:sldLayoutChg chg="add del">
+          <pc:chgData name="abdulilah.q@outlook.com" userId="e558258b1f0d0369" providerId="LiveId" clId="{ADA99D81-B028-4AD4-ABAA-0E952828D3D8}" dt="2020-04-15T05:27:50.360" v="17" actId="26606"/>
+          <pc:sldLayoutMkLst>
+            <pc:docMk/>
+            <pc:sldMasterMk cId="4113689440" sldId="2147483873"/>
+            <pc:sldLayoutMk cId="4131733950" sldId="2147483874"/>
+          </pc:sldLayoutMkLst>
+        </pc:sldLayoutChg>
+        <pc:sldLayoutChg chg="add del">
+          <pc:chgData name="abdulilah.q@outlook.com" userId="e558258b1f0d0369" providerId="LiveId" clId="{ADA99D81-B028-4AD4-ABAA-0E952828D3D8}" dt="2020-04-15T05:27:50.360" v="17" actId="26606"/>
+          <pc:sldLayoutMkLst>
+            <pc:docMk/>
+            <pc:sldMasterMk cId="4113689440" sldId="2147483873"/>
+            <pc:sldLayoutMk cId="878195078" sldId="2147483875"/>
+          </pc:sldLayoutMkLst>
+        </pc:sldLayoutChg>
+        <pc:sldLayoutChg chg="add del">
+          <pc:chgData name="abdulilah.q@outlook.com" userId="e558258b1f0d0369" providerId="LiveId" clId="{ADA99D81-B028-4AD4-ABAA-0E952828D3D8}" dt="2020-04-15T05:27:50.360" v="17" actId="26606"/>
+          <pc:sldLayoutMkLst>
+            <pc:docMk/>
+            <pc:sldMasterMk cId="4113689440" sldId="2147483873"/>
+            <pc:sldLayoutMk cId="491393227" sldId="2147483876"/>
+          </pc:sldLayoutMkLst>
+        </pc:sldLayoutChg>
+        <pc:sldLayoutChg chg="add del">
+          <pc:chgData name="abdulilah.q@outlook.com" userId="e558258b1f0d0369" providerId="LiveId" clId="{ADA99D81-B028-4AD4-ABAA-0E952828D3D8}" dt="2020-04-15T05:27:50.360" v="17" actId="26606"/>
+          <pc:sldLayoutMkLst>
+            <pc:docMk/>
+            <pc:sldMasterMk cId="4113689440" sldId="2147483873"/>
+            <pc:sldLayoutMk cId="1502589402" sldId="2147483877"/>
+          </pc:sldLayoutMkLst>
+        </pc:sldLayoutChg>
+        <pc:sldLayoutChg chg="add del">
+          <pc:chgData name="abdulilah.q@outlook.com" userId="e558258b1f0d0369" providerId="LiveId" clId="{ADA99D81-B028-4AD4-ABAA-0E952828D3D8}" dt="2020-04-15T05:27:50.360" v="17" actId="26606"/>
+          <pc:sldLayoutMkLst>
+            <pc:docMk/>
+            <pc:sldMasterMk cId="4113689440" sldId="2147483873"/>
+            <pc:sldLayoutMk cId="462888712" sldId="2147483878"/>
+          </pc:sldLayoutMkLst>
+        </pc:sldLayoutChg>
+        <pc:sldLayoutChg chg="add del">
+          <pc:chgData name="abdulilah.q@outlook.com" userId="e558258b1f0d0369" providerId="LiveId" clId="{ADA99D81-B028-4AD4-ABAA-0E952828D3D8}" dt="2020-04-15T05:27:50.360" v="17" actId="26606"/>
+          <pc:sldLayoutMkLst>
+            <pc:docMk/>
+            <pc:sldMasterMk cId="4113689440" sldId="2147483873"/>
+            <pc:sldLayoutMk cId="2265690507" sldId="2147483879"/>
+          </pc:sldLayoutMkLst>
+        </pc:sldLayoutChg>
+        <pc:sldLayoutChg chg="add del">
+          <pc:chgData name="abdulilah.q@outlook.com" userId="e558258b1f0d0369" providerId="LiveId" clId="{ADA99D81-B028-4AD4-ABAA-0E952828D3D8}" dt="2020-04-15T05:27:50.360" v="17" actId="26606"/>
+          <pc:sldLayoutMkLst>
+            <pc:docMk/>
+            <pc:sldMasterMk cId="4113689440" sldId="2147483873"/>
+            <pc:sldLayoutMk cId="240474907" sldId="2147483880"/>
+          </pc:sldLayoutMkLst>
+        </pc:sldLayoutChg>
+        <pc:sldLayoutChg chg="add del">
+          <pc:chgData name="abdulilah.q@outlook.com" userId="e558258b1f0d0369" providerId="LiveId" clId="{ADA99D81-B028-4AD4-ABAA-0E952828D3D8}" dt="2020-04-15T05:27:50.360" v="17" actId="26606"/>
+          <pc:sldLayoutMkLst>
+            <pc:docMk/>
+            <pc:sldMasterMk cId="4113689440" sldId="2147483873"/>
+            <pc:sldLayoutMk cId="4005936759" sldId="2147483881"/>
+          </pc:sldLayoutMkLst>
+        </pc:sldLayoutChg>
+        <pc:sldLayoutChg chg="add del">
+          <pc:chgData name="abdulilah.q@outlook.com" userId="e558258b1f0d0369" providerId="LiveId" clId="{ADA99D81-B028-4AD4-ABAA-0E952828D3D8}" dt="2020-04-15T05:27:50.360" v="17" actId="26606"/>
+          <pc:sldLayoutMkLst>
+            <pc:docMk/>
+            <pc:sldMasterMk cId="4113689440" sldId="2147483873"/>
+            <pc:sldLayoutMk cId="2087082367" sldId="2147483882"/>
+          </pc:sldLayoutMkLst>
+        </pc:sldLayoutChg>
+        <pc:sldLayoutChg chg="add del">
+          <pc:chgData name="abdulilah.q@outlook.com" userId="e558258b1f0d0369" providerId="LiveId" clId="{ADA99D81-B028-4AD4-ABAA-0E952828D3D8}" dt="2020-04-15T05:27:50.360" v="17" actId="26606"/>
+          <pc:sldLayoutMkLst>
+            <pc:docMk/>
+            <pc:sldMasterMk cId="4113689440" sldId="2147483873"/>
+            <pc:sldLayoutMk cId="503674727" sldId="2147483883"/>
+          </pc:sldLayoutMkLst>
+        </pc:sldLayoutChg>
+        <pc:sldLayoutChg chg="add del">
+          <pc:chgData name="abdulilah.q@outlook.com" userId="e558258b1f0d0369" providerId="LiveId" clId="{ADA99D81-B028-4AD4-ABAA-0E952828D3D8}" dt="2020-04-15T05:27:50.360" v="17" actId="26606"/>
+          <pc:sldLayoutMkLst>
+            <pc:docMk/>
+            <pc:sldMasterMk cId="4113689440" sldId="2147483873"/>
+            <pc:sldLayoutMk cId="3104451513" sldId="2147483884"/>
+          </pc:sldLayoutMkLst>
+        </pc:sldLayoutChg>
+      </pc:sldMasterChg>
+      <pc:sldMasterChg chg="add replId addSldLayout">
+        <pc:chgData name="abdulilah.q@outlook.com" userId="e558258b1f0d0369" providerId="LiveId" clId="{ADA99D81-B028-4AD4-ABAA-0E952828D3D8}" dt="2020-04-15T05:27:50.360" v="17" actId="26606"/>
+        <pc:sldMasterMkLst>
+          <pc:docMk/>
+          <pc:sldMasterMk cId="3375087330" sldId="2147483885"/>
+        </pc:sldMasterMkLst>
+        <pc:sldLayoutChg chg="add">
+          <pc:chgData name="abdulilah.q@outlook.com" userId="e558258b1f0d0369" providerId="LiveId" clId="{ADA99D81-B028-4AD4-ABAA-0E952828D3D8}" dt="2020-04-15T05:27:50.360" v="17" actId="26606"/>
+          <pc:sldLayoutMkLst>
+            <pc:docMk/>
+            <pc:sldMasterMk cId="3375087330" sldId="2147483885"/>
+            <pc:sldLayoutMk cId="2672668546" sldId="2147483886"/>
+          </pc:sldLayoutMkLst>
+        </pc:sldLayoutChg>
+        <pc:sldLayoutChg chg="add replId">
+          <pc:chgData name="abdulilah.q@outlook.com" userId="e558258b1f0d0369" providerId="LiveId" clId="{ADA99D81-B028-4AD4-ABAA-0E952828D3D8}" dt="2020-04-15T05:27:50.360" v="17" actId="26606"/>
+          <pc:sldLayoutMkLst>
+            <pc:docMk/>
+            <pc:sldMasterMk cId="3375087330" sldId="2147483885"/>
+            <pc:sldLayoutMk cId="1401183962" sldId="2147483887"/>
+          </pc:sldLayoutMkLst>
+        </pc:sldLayoutChg>
+        <pc:sldLayoutChg chg="add replId">
+          <pc:chgData name="abdulilah.q@outlook.com" userId="e558258b1f0d0369" providerId="LiveId" clId="{ADA99D81-B028-4AD4-ABAA-0E952828D3D8}" dt="2020-04-15T05:27:50.360" v="17" actId="26606"/>
+          <pc:sldLayoutMkLst>
+            <pc:docMk/>
+            <pc:sldMasterMk cId="3375087330" sldId="2147483885"/>
+            <pc:sldLayoutMk cId="1225047164" sldId="2147483888"/>
+          </pc:sldLayoutMkLst>
+        </pc:sldLayoutChg>
+        <pc:sldLayoutChg chg="add replId">
+          <pc:chgData name="abdulilah.q@outlook.com" userId="e558258b1f0d0369" providerId="LiveId" clId="{ADA99D81-B028-4AD4-ABAA-0E952828D3D8}" dt="2020-04-15T05:27:50.360" v="17" actId="26606"/>
+          <pc:sldLayoutMkLst>
+            <pc:docMk/>
+            <pc:sldMasterMk cId="3375087330" sldId="2147483885"/>
+            <pc:sldLayoutMk cId="2546991169" sldId="2147483889"/>
+          </pc:sldLayoutMkLst>
+        </pc:sldLayoutChg>
+        <pc:sldLayoutChg chg="add replId">
+          <pc:chgData name="abdulilah.q@outlook.com" userId="e558258b1f0d0369" providerId="LiveId" clId="{ADA99D81-B028-4AD4-ABAA-0E952828D3D8}" dt="2020-04-15T05:27:50.360" v="17" actId="26606"/>
+          <pc:sldLayoutMkLst>
+            <pc:docMk/>
+            <pc:sldMasterMk cId="3375087330" sldId="2147483885"/>
+            <pc:sldLayoutMk cId="2897219118" sldId="2147483890"/>
+          </pc:sldLayoutMkLst>
+        </pc:sldLayoutChg>
+        <pc:sldLayoutChg chg="add replId">
+          <pc:chgData name="abdulilah.q@outlook.com" userId="e558258b1f0d0369" providerId="LiveId" clId="{ADA99D81-B028-4AD4-ABAA-0E952828D3D8}" dt="2020-04-15T05:27:50.360" v="17" actId="26606"/>
+          <pc:sldLayoutMkLst>
+            <pc:docMk/>
+            <pc:sldMasterMk cId="3375087330" sldId="2147483885"/>
+            <pc:sldLayoutMk cId="1520534491" sldId="2147483891"/>
+          </pc:sldLayoutMkLst>
+        </pc:sldLayoutChg>
+        <pc:sldLayoutChg chg="add replId">
+          <pc:chgData name="abdulilah.q@outlook.com" userId="e558258b1f0d0369" providerId="LiveId" clId="{ADA99D81-B028-4AD4-ABAA-0E952828D3D8}" dt="2020-04-15T05:27:50.360" v="17" actId="26606"/>
+          <pc:sldLayoutMkLst>
+            <pc:docMk/>
+            <pc:sldMasterMk cId="3375087330" sldId="2147483885"/>
+            <pc:sldLayoutMk cId="1350582184" sldId="2147483892"/>
+          </pc:sldLayoutMkLst>
+        </pc:sldLayoutChg>
+        <pc:sldLayoutChg chg="add replId">
+          <pc:chgData name="abdulilah.q@outlook.com" userId="e558258b1f0d0369" providerId="LiveId" clId="{ADA99D81-B028-4AD4-ABAA-0E952828D3D8}" dt="2020-04-15T05:27:50.360" v="17" actId="26606"/>
+          <pc:sldLayoutMkLst>
+            <pc:docMk/>
+            <pc:sldMasterMk cId="3375087330" sldId="2147483885"/>
+            <pc:sldLayoutMk cId="3101953908" sldId="2147483893"/>
+          </pc:sldLayoutMkLst>
+        </pc:sldLayoutChg>
+        <pc:sldLayoutChg chg="add replId">
+          <pc:chgData name="abdulilah.q@outlook.com" userId="e558258b1f0d0369" providerId="LiveId" clId="{ADA99D81-B028-4AD4-ABAA-0E952828D3D8}" dt="2020-04-15T05:27:50.360" v="17" actId="26606"/>
+          <pc:sldLayoutMkLst>
+            <pc:docMk/>
+            <pc:sldMasterMk cId="3375087330" sldId="2147483885"/>
+            <pc:sldLayoutMk cId="2924637688" sldId="2147483894"/>
+          </pc:sldLayoutMkLst>
+        </pc:sldLayoutChg>
+        <pc:sldLayoutChg chg="add replId">
+          <pc:chgData name="abdulilah.q@outlook.com" userId="e558258b1f0d0369" providerId="LiveId" clId="{ADA99D81-B028-4AD4-ABAA-0E952828D3D8}" dt="2020-04-15T05:27:50.360" v="17" actId="26606"/>
+          <pc:sldLayoutMkLst>
+            <pc:docMk/>
+            <pc:sldMasterMk cId="3375087330" sldId="2147483885"/>
+            <pc:sldLayoutMk cId="731351715" sldId="2147483895"/>
+          </pc:sldLayoutMkLst>
+        </pc:sldLayoutChg>
+        <pc:sldLayoutChg chg="add replId">
+          <pc:chgData name="abdulilah.q@outlook.com" userId="e558258b1f0d0369" providerId="LiveId" clId="{ADA99D81-B028-4AD4-ABAA-0E952828D3D8}" dt="2020-04-15T05:27:50.360" v="17" actId="26606"/>
+          <pc:sldLayoutMkLst>
+            <pc:docMk/>
+            <pc:sldMasterMk cId="3375087330" sldId="2147483885"/>
+            <pc:sldLayoutMk cId="2548129127" sldId="2147483896"/>
+          </pc:sldLayoutMkLst>
+        </pc:sldLayoutChg>
+      </pc:sldMasterChg>
+      <pc:sldMasterChg chg="add del addSldLayout delSldLayout">
+        <pc:chgData name="abdulilah.q@outlook.com" userId="e558258b1f0d0369" providerId="LiveId" clId="{ADA99D81-B028-4AD4-ABAA-0E952828D3D8}" dt="2020-04-15T05:27:50.277" v="16" actId="26606"/>
+        <pc:sldMasterMkLst>
+          <pc:docMk/>
+          <pc:sldMasterMk cId="223306111" sldId="2147483898"/>
+        </pc:sldMasterMkLst>
+        <pc:sldLayoutChg chg="add del">
+          <pc:chgData name="abdulilah.q@outlook.com" userId="e558258b1f0d0369" providerId="LiveId" clId="{ADA99D81-B028-4AD4-ABAA-0E952828D3D8}" dt="2020-04-15T05:27:50.277" v="16" actId="26606"/>
+          <pc:sldLayoutMkLst>
+            <pc:docMk/>
+            <pc:sldMasterMk cId="223306111" sldId="2147483898"/>
+            <pc:sldLayoutMk cId="3995400414" sldId="2147483887"/>
+          </pc:sldLayoutMkLst>
+        </pc:sldLayoutChg>
+        <pc:sldLayoutChg chg="add del">
+          <pc:chgData name="abdulilah.q@outlook.com" userId="e558258b1f0d0369" providerId="LiveId" clId="{ADA99D81-B028-4AD4-ABAA-0E952828D3D8}" dt="2020-04-15T05:27:50.277" v="16" actId="26606"/>
+          <pc:sldLayoutMkLst>
+            <pc:docMk/>
+            <pc:sldMasterMk cId="223306111" sldId="2147483898"/>
+            <pc:sldLayoutMk cId="831708218" sldId="2147483888"/>
+          </pc:sldLayoutMkLst>
+        </pc:sldLayoutChg>
+        <pc:sldLayoutChg chg="add del">
+          <pc:chgData name="abdulilah.q@outlook.com" userId="e558258b1f0d0369" providerId="LiveId" clId="{ADA99D81-B028-4AD4-ABAA-0E952828D3D8}" dt="2020-04-15T05:27:50.277" v="16" actId="26606"/>
+          <pc:sldLayoutMkLst>
+            <pc:docMk/>
+            <pc:sldMasterMk cId="223306111" sldId="2147483898"/>
+            <pc:sldLayoutMk cId="2204747702" sldId="2147483889"/>
+          </pc:sldLayoutMkLst>
+        </pc:sldLayoutChg>
+        <pc:sldLayoutChg chg="add del">
+          <pc:chgData name="abdulilah.q@outlook.com" userId="e558258b1f0d0369" providerId="LiveId" clId="{ADA99D81-B028-4AD4-ABAA-0E952828D3D8}" dt="2020-04-15T05:27:50.277" v="16" actId="26606"/>
+          <pc:sldLayoutMkLst>
+            <pc:docMk/>
+            <pc:sldMasterMk cId="223306111" sldId="2147483898"/>
+            <pc:sldLayoutMk cId="542599358" sldId="2147483890"/>
+          </pc:sldLayoutMkLst>
+        </pc:sldLayoutChg>
+        <pc:sldLayoutChg chg="add del">
+          <pc:chgData name="abdulilah.q@outlook.com" userId="e558258b1f0d0369" providerId="LiveId" clId="{ADA99D81-B028-4AD4-ABAA-0E952828D3D8}" dt="2020-04-15T05:27:50.277" v="16" actId="26606"/>
+          <pc:sldLayoutMkLst>
+            <pc:docMk/>
+            <pc:sldMasterMk cId="223306111" sldId="2147483898"/>
+            <pc:sldLayoutMk cId="2448862214" sldId="2147483891"/>
+          </pc:sldLayoutMkLst>
+        </pc:sldLayoutChg>
+        <pc:sldLayoutChg chg="add del">
+          <pc:chgData name="abdulilah.q@outlook.com" userId="e558258b1f0d0369" providerId="LiveId" clId="{ADA99D81-B028-4AD4-ABAA-0E952828D3D8}" dt="2020-04-15T05:27:50.277" v="16" actId="26606"/>
+          <pc:sldLayoutMkLst>
+            <pc:docMk/>
+            <pc:sldMasterMk cId="223306111" sldId="2147483898"/>
+            <pc:sldLayoutMk cId="2058886126" sldId="2147483892"/>
+          </pc:sldLayoutMkLst>
+        </pc:sldLayoutChg>
+        <pc:sldLayoutChg chg="add del">
+          <pc:chgData name="abdulilah.q@outlook.com" userId="e558258b1f0d0369" providerId="LiveId" clId="{ADA99D81-B028-4AD4-ABAA-0E952828D3D8}" dt="2020-04-15T05:27:50.277" v="16" actId="26606"/>
+          <pc:sldLayoutMkLst>
+            <pc:docMk/>
+            <pc:sldMasterMk cId="223306111" sldId="2147483898"/>
+            <pc:sldLayoutMk cId="2819009683" sldId="2147483893"/>
+          </pc:sldLayoutMkLst>
+        </pc:sldLayoutChg>
+        <pc:sldLayoutChg chg="add del">
+          <pc:chgData name="abdulilah.q@outlook.com" userId="e558258b1f0d0369" providerId="LiveId" clId="{ADA99D81-B028-4AD4-ABAA-0E952828D3D8}" dt="2020-04-15T05:27:50.277" v="16" actId="26606"/>
+          <pc:sldLayoutMkLst>
+            <pc:docMk/>
+            <pc:sldMasterMk cId="223306111" sldId="2147483898"/>
+            <pc:sldLayoutMk cId="1079980455" sldId="2147483894"/>
+          </pc:sldLayoutMkLst>
+        </pc:sldLayoutChg>
+        <pc:sldLayoutChg chg="add del">
+          <pc:chgData name="abdulilah.q@outlook.com" userId="e558258b1f0d0369" providerId="LiveId" clId="{ADA99D81-B028-4AD4-ABAA-0E952828D3D8}" dt="2020-04-15T05:27:50.277" v="16" actId="26606"/>
+          <pc:sldLayoutMkLst>
+            <pc:docMk/>
+            <pc:sldMasterMk cId="223306111" sldId="2147483898"/>
+            <pc:sldLayoutMk cId="1473784795" sldId="2147483895"/>
+          </pc:sldLayoutMkLst>
+        </pc:sldLayoutChg>
+        <pc:sldLayoutChg chg="add del">
+          <pc:chgData name="abdulilah.q@outlook.com" userId="e558258b1f0d0369" providerId="LiveId" clId="{ADA99D81-B028-4AD4-ABAA-0E952828D3D8}" dt="2020-04-15T05:27:50.277" v="16" actId="26606"/>
+          <pc:sldLayoutMkLst>
+            <pc:docMk/>
+            <pc:sldMasterMk cId="223306111" sldId="2147483898"/>
+            <pc:sldLayoutMk cId="1472394491" sldId="2147483896"/>
+          </pc:sldLayoutMkLst>
+        </pc:sldLayoutChg>
+        <pc:sldLayoutChg chg="add del">
+          <pc:chgData name="abdulilah.q@outlook.com" userId="e558258b1f0d0369" providerId="LiveId" clId="{ADA99D81-B028-4AD4-ABAA-0E952828D3D8}" dt="2020-04-15T05:27:50.277" v="16" actId="26606"/>
+          <pc:sldLayoutMkLst>
+            <pc:docMk/>
+            <pc:sldMasterMk cId="223306111" sldId="2147483898"/>
+            <pc:sldLayoutMk cId="3998045013" sldId="2147483897"/>
+          </pc:sldLayoutMkLst>
+        </pc:sldLayoutChg>
+      </pc:sldMasterChg>
+      <pc:sldMasterChg chg="del delSldLayout">
+        <pc:chgData name="abdulilah.q@outlook.com" userId="e558258b1f0d0369" providerId="LiveId" clId="{ADA99D81-B028-4AD4-ABAA-0E952828D3D8}" dt="2020-04-15T05:30:34.502" v="23" actId="26606"/>
+        <pc:sldMasterMkLst>
+          <pc:docMk/>
+          <pc:sldMasterMk cId="1983541146" sldId="2147484106"/>
+        </pc:sldMasterMkLst>
+        <pc:sldLayoutChg chg="del">
+          <pc:chgData name="abdulilah.q@outlook.com" userId="e558258b1f0d0369" providerId="LiveId" clId="{ADA99D81-B028-4AD4-ABAA-0E952828D3D8}" dt="2020-04-15T05:30:34.502" v="23" actId="26606"/>
+          <pc:sldLayoutMkLst>
+            <pc:docMk/>
+            <pc:sldMasterMk cId="1983541146" sldId="2147484106"/>
+            <pc:sldLayoutMk cId="2950537702" sldId="2147484107"/>
+          </pc:sldLayoutMkLst>
+        </pc:sldLayoutChg>
+        <pc:sldLayoutChg chg="del">
+          <pc:chgData name="abdulilah.q@outlook.com" userId="e558258b1f0d0369" providerId="LiveId" clId="{ADA99D81-B028-4AD4-ABAA-0E952828D3D8}" dt="2020-04-15T05:30:34.502" v="23" actId="26606"/>
+          <pc:sldLayoutMkLst>
+            <pc:docMk/>
+            <pc:sldMasterMk cId="1983541146" sldId="2147484106"/>
+            <pc:sldLayoutMk cId="430538975" sldId="2147484108"/>
+          </pc:sldLayoutMkLst>
+        </pc:sldLayoutChg>
+        <pc:sldLayoutChg chg="del">
+          <pc:chgData name="abdulilah.q@outlook.com" userId="e558258b1f0d0369" providerId="LiveId" clId="{ADA99D81-B028-4AD4-ABAA-0E952828D3D8}" dt="2020-04-15T05:30:34.502" v="23" actId="26606"/>
+          <pc:sldLayoutMkLst>
+            <pc:docMk/>
+            <pc:sldMasterMk cId="1983541146" sldId="2147484106"/>
+            <pc:sldLayoutMk cId="498371779" sldId="2147484109"/>
+          </pc:sldLayoutMkLst>
+        </pc:sldLayoutChg>
+        <pc:sldLayoutChg chg="del">
+          <pc:chgData name="abdulilah.q@outlook.com" userId="e558258b1f0d0369" providerId="LiveId" clId="{ADA99D81-B028-4AD4-ABAA-0E952828D3D8}" dt="2020-04-15T05:30:34.502" v="23" actId="26606"/>
+          <pc:sldLayoutMkLst>
+            <pc:docMk/>
+            <pc:sldMasterMk cId="1983541146" sldId="2147484106"/>
+            <pc:sldLayoutMk cId="844898811" sldId="2147484110"/>
+          </pc:sldLayoutMkLst>
+        </pc:sldLayoutChg>
+        <pc:sldLayoutChg chg="del">
+          <pc:chgData name="abdulilah.q@outlook.com" userId="e558258b1f0d0369" providerId="LiveId" clId="{ADA99D81-B028-4AD4-ABAA-0E952828D3D8}" dt="2020-04-15T05:30:34.502" v="23" actId="26606"/>
+          <pc:sldLayoutMkLst>
+            <pc:docMk/>
+            <pc:sldMasterMk cId="1983541146" sldId="2147484106"/>
+            <pc:sldLayoutMk cId="1445172588" sldId="2147484111"/>
+          </pc:sldLayoutMkLst>
+        </pc:sldLayoutChg>
+        <pc:sldLayoutChg chg="del">
+          <pc:chgData name="abdulilah.q@outlook.com" userId="e558258b1f0d0369" providerId="LiveId" clId="{ADA99D81-B028-4AD4-ABAA-0E952828D3D8}" dt="2020-04-15T05:30:34.502" v="23" actId="26606"/>
+          <pc:sldLayoutMkLst>
+            <pc:docMk/>
+            <pc:sldMasterMk cId="1983541146" sldId="2147484106"/>
+            <pc:sldLayoutMk cId="3145146785" sldId="2147484112"/>
+          </pc:sldLayoutMkLst>
+        </pc:sldLayoutChg>
+        <pc:sldLayoutChg chg="del">
+          <pc:chgData name="abdulilah.q@outlook.com" userId="e558258b1f0d0369" providerId="LiveId" clId="{ADA99D81-B028-4AD4-ABAA-0E952828D3D8}" dt="2020-04-15T05:30:34.502" v="23" actId="26606"/>
+          <pc:sldLayoutMkLst>
+            <pc:docMk/>
+            <pc:sldMasterMk cId="1983541146" sldId="2147484106"/>
+            <pc:sldLayoutMk cId="3402681973" sldId="2147484113"/>
+          </pc:sldLayoutMkLst>
+        </pc:sldLayoutChg>
+        <pc:sldLayoutChg chg="del">
+          <pc:chgData name="abdulilah.q@outlook.com" userId="e558258b1f0d0369" providerId="LiveId" clId="{ADA99D81-B028-4AD4-ABAA-0E952828D3D8}" dt="2020-04-15T05:30:34.502" v="23" actId="26606"/>
+          <pc:sldLayoutMkLst>
+            <pc:docMk/>
+            <pc:sldMasterMk cId="1983541146" sldId="2147484106"/>
+            <pc:sldLayoutMk cId="203369328" sldId="2147484114"/>
+          </pc:sldLayoutMkLst>
+        </pc:sldLayoutChg>
+        <pc:sldLayoutChg chg="del">
+          <pc:chgData name="abdulilah.q@outlook.com" userId="e558258b1f0d0369" providerId="LiveId" clId="{ADA99D81-B028-4AD4-ABAA-0E952828D3D8}" dt="2020-04-15T05:30:34.502" v="23" actId="26606"/>
+          <pc:sldLayoutMkLst>
+            <pc:docMk/>
+            <pc:sldMasterMk cId="1983541146" sldId="2147484106"/>
+            <pc:sldLayoutMk cId="638240543" sldId="2147484115"/>
+          </pc:sldLayoutMkLst>
+        </pc:sldLayoutChg>
+        <pc:sldLayoutChg chg="del">
+          <pc:chgData name="abdulilah.q@outlook.com" userId="e558258b1f0d0369" providerId="LiveId" clId="{ADA99D81-B028-4AD4-ABAA-0E952828D3D8}" dt="2020-04-15T05:30:34.502" v="23" actId="26606"/>
+          <pc:sldLayoutMkLst>
+            <pc:docMk/>
+            <pc:sldMasterMk cId="1983541146" sldId="2147484106"/>
+            <pc:sldLayoutMk cId="2954855753" sldId="2147484116"/>
+          </pc:sldLayoutMkLst>
+        </pc:sldLayoutChg>
+        <pc:sldLayoutChg chg="del">
+          <pc:chgData name="abdulilah.q@outlook.com" userId="e558258b1f0d0369" providerId="LiveId" clId="{ADA99D81-B028-4AD4-ABAA-0E952828D3D8}" dt="2020-04-15T05:30:34.502" v="23" actId="26606"/>
+          <pc:sldLayoutMkLst>
+            <pc:docMk/>
+            <pc:sldMasterMk cId="1983541146" sldId="2147484106"/>
+            <pc:sldLayoutMk cId="3431771091" sldId="2147484117"/>
+          </pc:sldLayoutMkLst>
+        </pc:sldLayoutChg>
+      </pc:sldMasterChg>
+      <pc:sldMasterChg chg="add replId addSldLayout">
+        <pc:chgData name="abdulilah.q@outlook.com" userId="e558258b1f0d0369" providerId="LiveId" clId="{ADA99D81-B028-4AD4-ABAA-0E952828D3D8}" dt="2020-04-15T05:30:34.502" v="23" actId="26606"/>
+        <pc:sldMasterMkLst>
+          <pc:docMk/>
+          <pc:sldMasterMk cId="2851395824" sldId="2147484118"/>
+        </pc:sldMasterMkLst>
+        <pc:sldLayoutChg chg="add">
+          <pc:chgData name="abdulilah.q@outlook.com" userId="e558258b1f0d0369" providerId="LiveId" clId="{ADA99D81-B028-4AD4-ABAA-0E952828D3D8}" dt="2020-04-15T05:30:34.502" v="23" actId="26606"/>
+          <pc:sldLayoutMkLst>
+            <pc:docMk/>
+            <pc:sldMasterMk cId="2851395824" sldId="2147484118"/>
+            <pc:sldLayoutMk cId="3515185217" sldId="2147484119"/>
+          </pc:sldLayoutMkLst>
+        </pc:sldLayoutChg>
+        <pc:sldLayoutChg chg="add replId">
+          <pc:chgData name="abdulilah.q@outlook.com" userId="e558258b1f0d0369" providerId="LiveId" clId="{ADA99D81-B028-4AD4-ABAA-0E952828D3D8}" dt="2020-04-15T05:30:34.502" v="23" actId="26606"/>
+          <pc:sldLayoutMkLst>
+            <pc:docMk/>
+            <pc:sldMasterMk cId="2851395824" sldId="2147484118"/>
+            <pc:sldLayoutMk cId="1984006852" sldId="2147484120"/>
+          </pc:sldLayoutMkLst>
+        </pc:sldLayoutChg>
+        <pc:sldLayoutChg chg="add replId">
+          <pc:chgData name="abdulilah.q@outlook.com" userId="e558258b1f0d0369" providerId="LiveId" clId="{ADA99D81-B028-4AD4-ABAA-0E952828D3D8}" dt="2020-04-15T05:30:34.502" v="23" actId="26606"/>
+          <pc:sldLayoutMkLst>
+            <pc:docMk/>
+            <pc:sldMasterMk cId="2851395824" sldId="2147484118"/>
+            <pc:sldLayoutMk cId="1930439998" sldId="2147484121"/>
+          </pc:sldLayoutMkLst>
+        </pc:sldLayoutChg>
+        <pc:sldLayoutChg chg="add replId">
+          <pc:chgData name="abdulilah.q@outlook.com" userId="e558258b1f0d0369" providerId="LiveId" clId="{ADA99D81-B028-4AD4-ABAA-0E952828D3D8}" dt="2020-04-15T05:30:34.502" v="23" actId="26606"/>
+          <pc:sldLayoutMkLst>
+            <pc:docMk/>
+            <pc:sldMasterMk cId="2851395824" sldId="2147484118"/>
+            <pc:sldLayoutMk cId="4232569943" sldId="2147484122"/>
+          </pc:sldLayoutMkLst>
+        </pc:sldLayoutChg>
+        <pc:sldLayoutChg chg="add replId">
+          <pc:chgData name="abdulilah.q@outlook.com" userId="e558258b1f0d0369" providerId="LiveId" clId="{ADA99D81-B028-4AD4-ABAA-0E952828D3D8}" dt="2020-04-15T05:30:34.502" v="23" actId="26606"/>
+          <pc:sldLayoutMkLst>
+            <pc:docMk/>
+            <pc:sldMasterMk cId="2851395824" sldId="2147484118"/>
+            <pc:sldLayoutMk cId="3580015351" sldId="2147484123"/>
+          </pc:sldLayoutMkLst>
+        </pc:sldLayoutChg>
+        <pc:sldLayoutChg chg="add replId">
+          <pc:chgData name="abdulilah.q@outlook.com" userId="e558258b1f0d0369" providerId="LiveId" clId="{ADA99D81-B028-4AD4-ABAA-0E952828D3D8}" dt="2020-04-15T05:30:34.502" v="23" actId="26606"/>
+          <pc:sldLayoutMkLst>
+            <pc:docMk/>
+            <pc:sldMasterMk cId="2851395824" sldId="2147484118"/>
+            <pc:sldLayoutMk cId="781208679" sldId="2147484124"/>
+          </pc:sldLayoutMkLst>
+        </pc:sldLayoutChg>
+        <pc:sldLayoutChg chg="add replId">
+          <pc:chgData name="abdulilah.q@outlook.com" userId="e558258b1f0d0369" providerId="LiveId" clId="{ADA99D81-B028-4AD4-ABAA-0E952828D3D8}" dt="2020-04-15T05:30:34.502" v="23" actId="26606"/>
+          <pc:sldLayoutMkLst>
+            <pc:docMk/>
+            <pc:sldMasterMk cId="2851395824" sldId="2147484118"/>
+            <pc:sldLayoutMk cId="2582239157" sldId="2147484125"/>
+          </pc:sldLayoutMkLst>
+        </pc:sldLayoutChg>
+        <pc:sldLayoutChg chg="add replId">
+          <pc:chgData name="abdulilah.q@outlook.com" userId="e558258b1f0d0369" providerId="LiveId" clId="{ADA99D81-B028-4AD4-ABAA-0E952828D3D8}" dt="2020-04-15T05:30:34.502" v="23" actId="26606"/>
+          <pc:sldLayoutMkLst>
+            <pc:docMk/>
+            <pc:sldMasterMk cId="2851395824" sldId="2147484118"/>
+            <pc:sldLayoutMk cId="941229497" sldId="2147484126"/>
+          </pc:sldLayoutMkLst>
+        </pc:sldLayoutChg>
+        <pc:sldLayoutChg chg="add replId">
+          <pc:chgData name="abdulilah.q@outlook.com" userId="e558258b1f0d0369" providerId="LiveId" clId="{ADA99D81-B028-4AD4-ABAA-0E952828D3D8}" dt="2020-04-15T05:30:34.502" v="23" actId="26606"/>
+          <pc:sldLayoutMkLst>
+            <pc:docMk/>
+            <pc:sldMasterMk cId="2851395824" sldId="2147484118"/>
+            <pc:sldLayoutMk cId="3720955246" sldId="2147484127"/>
+          </pc:sldLayoutMkLst>
+        </pc:sldLayoutChg>
+        <pc:sldLayoutChg chg="add replId">
+          <pc:chgData name="abdulilah.q@outlook.com" userId="e558258b1f0d0369" providerId="LiveId" clId="{ADA99D81-B028-4AD4-ABAA-0E952828D3D8}" dt="2020-04-15T05:30:34.502" v="23" actId="26606"/>
+          <pc:sldLayoutMkLst>
+            <pc:docMk/>
+            <pc:sldMasterMk cId="2851395824" sldId="2147484118"/>
+            <pc:sldLayoutMk cId="2021939262" sldId="2147484128"/>
+          </pc:sldLayoutMkLst>
+        </pc:sldLayoutChg>
+        <pc:sldLayoutChg chg="add replId">
+          <pc:chgData name="abdulilah.q@outlook.com" userId="e558258b1f0d0369" providerId="LiveId" clId="{ADA99D81-B028-4AD4-ABAA-0E952828D3D8}" dt="2020-04-15T05:30:34.502" v="23" actId="26606"/>
+          <pc:sldLayoutMkLst>
+            <pc:docMk/>
+            <pc:sldMasterMk cId="2851395824" sldId="2147484118"/>
+            <pc:sldLayoutMk cId="1600699894" sldId="2147484129"/>
+          </pc:sldLayoutMkLst>
+        </pc:sldLayoutChg>
+      </pc:sldMasterChg>
+    </pc:docChg>
+  </pc:docChgLst>
+</pc:chgInfo>
+</file>
+
 <file path=ppt/slideLayouts/slideLayout1.xml><?xml version="1.0" encoding="utf-8"?>
-<p:sldLayout xmlns:a="http://schemas.openxmlformats.org/drawingml/2006/main" xmlns:r="http://schemas.openxmlformats.org/officeDocument/2006/relationships" xmlns:p="http://schemas.openxmlformats.org/presentationml/2006/main" type="title" preserve="1">
+<p:sldLayout xmlns:a="http://schemas.openxmlformats.org/drawingml/2006/main" xmlns:r="http://schemas.openxmlformats.org/officeDocument/2006/relationships" xmlns:p="http://schemas.openxmlformats.org/presentationml/2006/main" showMasterSp="0" type="title" preserve="1">
   <p:cSld name="Title Slide">
     <p:spTree>
       <p:nvGrpSpPr>
@@ -126,13 +1751,51 @@
       </p:grpSpPr>
       <p:sp>
         <p:nvSpPr>
-          <p:cNvPr id="2" name="Title 1">
-            <a:extLst>
-              <a:ext uri="{FF2B5EF4-FFF2-40B4-BE49-F238E27FC236}">
-                <a16:creationId xmlns:a16="http://schemas.microsoft.com/office/drawing/2014/main" id="{33722454-D22A-49CB-BCF5-672BB8044E68}"/>
-              </a:ext>
-            </a:extLst>
-          </p:cNvPr>
+          <p:cNvPr id="10" name="Rectangle 9">
+            <a:extLst>
+              <a:ext uri="{FF2B5EF4-FFF2-40B4-BE49-F238E27FC236}">
+                <a16:creationId xmlns:a16="http://schemas.microsoft.com/office/drawing/2014/main" id="{39E3965E-AC41-4711-9D10-E25ABB132D86}"/>
+              </a:ext>
+            </a:extLst>
+          </p:cNvPr>
+          <p:cNvSpPr/>
+          <p:nvPr/>
+        </p:nvSpPr>
+        <p:spPr>
+          <a:xfrm>
+            <a:off x="3175" y="6400800"/>
+            <a:ext cx="12188825" cy="457200"/>
+          </a:xfrm>
+          <a:prstGeom prst="rect">
+            <a:avLst/>
+          </a:prstGeom>
+          <a:solidFill>
+            <a:srgbClr val="262626"/>
+          </a:solidFill>
+          <a:ln>
+            <a:noFill/>
+          </a:ln>
+        </p:spPr>
+        <p:style>
+          <a:lnRef idx="2">
+            <a:schemeClr val="accent1">
+              <a:shade val="50000"/>
+            </a:schemeClr>
+          </a:lnRef>
+          <a:fillRef idx="1">
+            <a:schemeClr val="accent1"/>
+          </a:fillRef>
+          <a:effectRef idx="0">
+            <a:schemeClr val="accent1"/>
+          </a:effectRef>
+          <a:fontRef idx="minor">
+            <a:schemeClr val="lt1"/>
+          </a:fontRef>
+        </p:style>
+      </p:sp>
+      <p:sp>
+        <p:nvSpPr>
+          <p:cNvPr id="2" name="Title 1"/>
           <p:cNvSpPr>
             <a:spLocks noGrp="1"/>
           </p:cNvSpPr>
@@ -142,15 +1805,27 @@
         </p:nvSpPr>
         <p:spPr>
           <a:xfrm>
-            <a:off x="1524000" y="1122363"/>
-            <a:ext cx="9144000" cy="2387600"/>
-          </a:xfrm>
-        </p:spPr>
-        <p:txBody>
-          <a:bodyPr anchor="b"/>
+            <a:off x="1097280" y="758952"/>
+            <a:ext cx="10058400" cy="3566160"/>
+          </a:xfrm>
+        </p:spPr>
+        <p:txBody>
+          <a:bodyPr anchor="b">
+            <a:normAutofit/>
+          </a:bodyPr>
           <a:lstStyle>
-            <a:lvl1pPr algn="ctr">
-              <a:defRPr sz="6000"/>
+            <a:lvl1pPr algn="l">
+              <a:lnSpc>
+                <a:spcPct val="90000"/>
+              </a:lnSpc>
+              <a:defRPr sz="8000" spc="-50" baseline="0">
+                <a:solidFill>
+                  <a:schemeClr val="tx1">
+                    <a:lumMod val="85000"/>
+                    <a:lumOff val="15000"/>
+                  </a:schemeClr>
+                </a:solidFill>
+              </a:defRPr>
             </a:lvl1pPr>
           </a:lstStyle>
           <a:p>
@@ -158,18 +1833,13 @@
               <a:rPr lang="en-US"/>
               <a:t>Click to edit Master title style</a:t>
             </a:r>
-          </a:p>
-        </p:txBody>
-      </p:sp>
-      <p:sp>
-        <p:nvSpPr>
-          <p:cNvPr id="3" name="Subtitle 2">
-            <a:extLst>
-              <a:ext uri="{FF2B5EF4-FFF2-40B4-BE49-F238E27FC236}">
-                <a16:creationId xmlns:a16="http://schemas.microsoft.com/office/drawing/2014/main" id="{9B8107DF-8368-4DBE-B400-7043BA5A11E9}"/>
-              </a:ext>
-            </a:extLst>
-          </p:cNvPr>
+            <a:endParaRPr lang="en-US" dirty="0"/>
+          </a:p>
+        </p:txBody>
+      </p:sp>
+      <p:sp>
+        <p:nvSpPr>
+          <p:cNvPr id="3" name="Subtitle 2"/>
           <p:cNvSpPr>
             <a:spLocks noGrp="1"/>
           </p:cNvSpPr>
@@ -179,48 +1849,55 @@
         </p:nvSpPr>
         <p:spPr>
           <a:xfrm>
-            <a:off x="1524000" y="3602038"/>
-            <a:ext cx="9144000" cy="1655762"/>
-          </a:xfrm>
-        </p:spPr>
-        <p:txBody>
-          <a:bodyPr/>
+            <a:off x="1100051" y="4645152"/>
+            <a:ext cx="10058400" cy="1143000"/>
+          </a:xfrm>
+        </p:spPr>
+        <p:txBody>
+          <a:bodyPr lIns="91440" rIns="91440">
+            <a:normAutofit/>
+          </a:bodyPr>
           <a:lstStyle>
-            <a:lvl1pPr marL="0" indent="0" algn="ctr">
+            <a:lvl1pPr marL="0" indent="0" algn="l">
               <a:buNone/>
-              <a:defRPr sz="2400"/>
+              <a:defRPr sz="2400" cap="all" spc="200" baseline="0">
+                <a:solidFill>
+                  <a:schemeClr val="tx1"/>
+                </a:solidFill>
+                <a:latin typeface="+mn-lt"/>
+              </a:defRPr>
             </a:lvl1pPr>
             <a:lvl2pPr marL="457200" indent="0" algn="ctr">
               <a:buNone/>
-              <a:defRPr sz="2000"/>
+              <a:defRPr sz="2400"/>
             </a:lvl2pPr>
             <a:lvl3pPr marL="914400" indent="0" algn="ctr">
               <a:buNone/>
-              <a:defRPr sz="1800"/>
+              <a:defRPr sz="2400"/>
             </a:lvl3pPr>
             <a:lvl4pPr marL="1371600" indent="0" algn="ctr">
               <a:buNone/>
-              <a:defRPr sz="1600"/>
+              <a:defRPr sz="2000"/>
             </a:lvl4pPr>
             <a:lvl5pPr marL="1828800" indent="0" algn="ctr">
               <a:buNone/>
-              <a:defRPr sz="1600"/>
+              <a:defRPr sz="2000"/>
             </a:lvl5pPr>
             <a:lvl6pPr marL="2286000" indent="0" algn="ctr">
               <a:buNone/>
-              <a:defRPr sz="1600"/>
+              <a:defRPr sz="2000"/>
             </a:lvl6pPr>
             <a:lvl7pPr marL="2743200" indent="0" algn="ctr">
               <a:buNone/>
-              <a:defRPr sz="1600"/>
+              <a:defRPr sz="2000"/>
             </a:lvl7pPr>
             <a:lvl8pPr marL="3200400" indent="0" algn="ctr">
               <a:buNone/>
-              <a:defRPr sz="1600"/>
+              <a:defRPr sz="2000"/>
             </a:lvl8pPr>
             <a:lvl9pPr marL="3657600" indent="0" algn="ctr">
               <a:buNone/>
-              <a:defRPr sz="1600"/>
+              <a:defRPr sz="2000"/>
             </a:lvl9pPr>
           </a:lstStyle>
           <a:p>
@@ -228,15 +1905,60 @@
               <a:rPr lang="en-US"/>
               <a:t>Click to edit Master subtitle style</a:t>
             </a:r>
-          </a:p>
-        </p:txBody>
-      </p:sp>
+            <a:endParaRPr lang="en-US" dirty="0"/>
+          </a:p>
+        </p:txBody>
+      </p:sp>
+      <p:cxnSp>
+        <p:nvCxnSpPr>
+          <p:cNvPr id="9" name="Straight Connector 8">
+            <a:extLst>
+              <a:ext uri="{FF2B5EF4-FFF2-40B4-BE49-F238E27FC236}">
+                <a16:creationId xmlns:a16="http://schemas.microsoft.com/office/drawing/2014/main" id="{1F5DC8C3-BA5F-4EED-BB9A-A14272BD82A1}"/>
+              </a:ext>
+            </a:extLst>
+          </p:cNvPr>
+          <p:cNvCxnSpPr/>
+          <p:nvPr/>
+        </p:nvCxnSpPr>
+        <p:spPr>
+          <a:xfrm>
+            <a:off x="1207658" y="4474741"/>
+            <a:ext cx="9875520" cy="0"/>
+          </a:xfrm>
+          <a:prstGeom prst="line">
+            <a:avLst/>
+          </a:prstGeom>
+          <a:ln w="12700">
+            <a:solidFill>
+              <a:schemeClr val="tx1">
+                <a:lumMod val="75000"/>
+                <a:lumOff val="25000"/>
+              </a:schemeClr>
+            </a:solidFill>
+          </a:ln>
+        </p:spPr>
+        <p:style>
+          <a:lnRef idx="1">
+            <a:schemeClr val="accent1"/>
+          </a:lnRef>
+          <a:fillRef idx="0">
+            <a:schemeClr val="accent1"/>
+          </a:fillRef>
+          <a:effectRef idx="0">
+            <a:schemeClr val="accent1"/>
+          </a:effectRef>
+          <a:fontRef idx="minor">
+            <a:schemeClr val="tx1"/>
+          </a:fontRef>
+        </p:style>
+      </p:cxnSp>
       <p:sp>
         <p:nvSpPr>
           <p:cNvPr id="4" name="Date Placeholder 3">
             <a:extLst>
               <a:ext uri="{FF2B5EF4-FFF2-40B4-BE49-F238E27FC236}">
-                <a16:creationId xmlns:a16="http://schemas.microsoft.com/office/drawing/2014/main" id="{C6262210-A4E4-46FF-B0B3-A545980370FE}"/>
+                <a16:creationId xmlns:a16="http://schemas.microsoft.com/office/drawing/2014/main" id="{9925CCF1-92C0-4AF3-BFAF-4921631915AB}"/>
               </a:ext>
             </a:extLst>
           </p:cNvPr>
@@ -252,11 +1974,11 @@
           <a:bodyPr/>
           <a:lstStyle/>
           <a:p>
-            <a:fld id="{E2F8D7EC-9139-40A0-BA34-E20BE854A8F6}" type="datetimeFigureOut">
+            <a:fld id="{9184DA70-C731-4C70-880D-CCD4705E623C}" type="datetime1">
               <a:rPr lang="en-US" smtClean="0"/>
-              <a:t>4/11/2020</a:t>
+              <a:t>4/15/2020</a:t>
             </a:fld>
-            <a:endParaRPr lang="en-US"/>
+            <a:endParaRPr lang="en-US" dirty="0"/>
           </a:p>
         </p:txBody>
       </p:sp>
@@ -265,7 +1987,7 @@
           <p:cNvPr id="5" name="Footer Placeholder 4">
             <a:extLst>
               <a:ext uri="{FF2B5EF4-FFF2-40B4-BE49-F238E27FC236}">
-                <a16:creationId xmlns:a16="http://schemas.microsoft.com/office/drawing/2014/main" id="{293BEC1D-EC03-49C7-ACB7-E9CB1F362FFB}"/>
+                <a16:creationId xmlns:a16="http://schemas.microsoft.com/office/drawing/2014/main" id="{051A78A9-3DFF-4937-A9F2-5D8CF495F367}"/>
               </a:ext>
             </a:extLst>
           </p:cNvPr>
@@ -281,7 +2003,7 @@
           <a:bodyPr/>
           <a:lstStyle/>
           <a:p>
-            <a:endParaRPr lang="en-US"/>
+            <a:endParaRPr lang="en-US" dirty="0"/>
           </a:p>
         </p:txBody>
       </p:sp>
@@ -290,7 +2012,7 @@
           <p:cNvPr id="6" name="Slide Number Placeholder 5">
             <a:extLst>
               <a:ext uri="{FF2B5EF4-FFF2-40B4-BE49-F238E27FC236}">
-                <a16:creationId xmlns:a16="http://schemas.microsoft.com/office/drawing/2014/main" id="{8F2E2948-EAF7-4677-B1EC-97D1A923CC22}"/>
+                <a16:creationId xmlns:a16="http://schemas.microsoft.com/office/drawing/2014/main" id="{5FAEB271-5CC0-4759-BC6E-8BE53AB227C0}"/>
               </a:ext>
             </a:extLst>
           </p:cNvPr>
@@ -306,18 +2028,18 @@
           <a:bodyPr/>
           <a:lstStyle/>
           <a:p>
-            <a:fld id="{9D0AD380-C332-4457-9653-3C3944BB37F6}" type="slidenum">
+            <a:fld id="{3A98EE3D-8CD1-4C3F-BD1C-C98C9596463C}" type="slidenum">
               <a:rPr lang="en-US" smtClean="0"/>
               <a:t>‹#›</a:t>
             </a:fld>
-            <a:endParaRPr lang="en-US"/>
+            <a:endParaRPr lang="en-US" dirty="0"/>
           </a:p>
         </p:txBody>
       </p:sp>
     </p:spTree>
     <p:extLst>
       <p:ext uri="{BB962C8B-B14F-4D97-AF65-F5344CB8AC3E}">
-        <p14:creationId xmlns:p14="http://schemas.microsoft.com/office/powerpoint/2010/main" val="3991612519"/>
+        <p14:creationId xmlns:p14="http://schemas.microsoft.com/office/powerpoint/2010/main" val="698311180"/>
       </p:ext>
     </p:extLst>
   </p:cSld>
@@ -346,13 +2068,7 @@
       </p:grpSpPr>
       <p:sp>
         <p:nvSpPr>
-          <p:cNvPr id="2" name="Title 1">
-            <a:extLst>
-              <a:ext uri="{FF2B5EF4-FFF2-40B4-BE49-F238E27FC236}">
-                <a16:creationId xmlns:a16="http://schemas.microsoft.com/office/drawing/2014/main" id="{B4D3F04E-9D37-4D77-8396-FD5AE55315A2}"/>
-              </a:ext>
-            </a:extLst>
-          </p:cNvPr>
+          <p:cNvPr id="2" name="Title 1"/>
           <p:cNvSpPr>
             <a:spLocks noGrp="1"/>
           </p:cNvSpPr>
@@ -369,18 +2085,13 @@
               <a:rPr lang="en-US"/>
               <a:t>Click to edit Master title style</a:t>
             </a:r>
-          </a:p>
-        </p:txBody>
-      </p:sp>
-      <p:sp>
-        <p:nvSpPr>
-          <p:cNvPr id="3" name="Vertical Text Placeholder 2">
-            <a:extLst>
-              <a:ext uri="{FF2B5EF4-FFF2-40B4-BE49-F238E27FC236}">
-                <a16:creationId xmlns:a16="http://schemas.microsoft.com/office/drawing/2014/main" id="{8644FBD1-3303-46E0-9AB8-91AB028619F7}"/>
-              </a:ext>
-            </a:extLst>
-          </p:cNvPr>
+            <a:endParaRPr lang="en-US" dirty="0"/>
+          </a:p>
+        </p:txBody>
+      </p:sp>
+      <p:sp>
+        <p:nvSpPr>
+          <p:cNvPr id="3" name="Vertical Text Placeholder 2"/>
           <p:cNvSpPr>
             <a:spLocks noGrp="1"/>
           </p:cNvSpPr>
@@ -390,7 +2101,7 @@
         </p:nvSpPr>
         <p:spPr/>
         <p:txBody>
-          <a:bodyPr vert="eaVert"/>
+          <a:bodyPr vert="eaVert" lIns="45720" tIns="0" rIns="45720" bIns="0"/>
           <a:lstStyle/>
           <a:p>
             <a:pPr lvl="0"/>
@@ -426,15 +2137,16 @@
               <a:rPr lang="en-US"/>
               <a:t>Fifth level</a:t>
             </a:r>
-          </a:p>
-        </p:txBody>
-      </p:sp>
-      <p:sp>
-        <p:nvSpPr>
-          <p:cNvPr id="4" name="Date Placeholder 3">
-            <a:extLst>
-              <a:ext uri="{FF2B5EF4-FFF2-40B4-BE49-F238E27FC236}">
-                <a16:creationId xmlns:a16="http://schemas.microsoft.com/office/drawing/2014/main" id="{0E83AA1A-251C-44DE-9361-41E3D15A37D2}"/>
+            <a:endParaRPr lang="en-US" dirty="0"/>
+          </a:p>
+        </p:txBody>
+      </p:sp>
+      <p:sp>
+        <p:nvSpPr>
+          <p:cNvPr id="7" name="Date Placeholder 6">
+            <a:extLst>
+              <a:ext uri="{FF2B5EF4-FFF2-40B4-BE49-F238E27FC236}">
+                <a16:creationId xmlns:a16="http://schemas.microsoft.com/office/drawing/2014/main" id="{7D5506EE-1026-4F35-9ACC-BD05BE0F9B36}"/>
               </a:ext>
             </a:extLst>
           </p:cNvPr>
@@ -450,20 +2162,20 @@
           <a:bodyPr/>
           <a:lstStyle/>
           <a:p>
-            <a:fld id="{E2F8D7EC-9139-40A0-BA34-E20BE854A8F6}" type="datetimeFigureOut">
+            <a:fld id="{B612A279-0833-481D-8C56-F67FD0AC6C50}" type="datetime1">
               <a:rPr lang="en-US" smtClean="0"/>
-              <a:t>4/11/2020</a:t>
+              <a:t>4/15/2020</a:t>
             </a:fld>
-            <a:endParaRPr lang="en-US"/>
-          </a:p>
-        </p:txBody>
-      </p:sp>
-      <p:sp>
-        <p:nvSpPr>
-          <p:cNvPr id="5" name="Footer Placeholder 4">
-            <a:extLst>
-              <a:ext uri="{FF2B5EF4-FFF2-40B4-BE49-F238E27FC236}">
-                <a16:creationId xmlns:a16="http://schemas.microsoft.com/office/drawing/2014/main" id="{2320478E-2EEE-4EC6-856E-0E3E06E4A4BE}"/>
+            <a:endParaRPr lang="en-US" dirty="0"/>
+          </a:p>
+        </p:txBody>
+      </p:sp>
+      <p:sp>
+        <p:nvSpPr>
+          <p:cNvPr id="8" name="Footer Placeholder 7">
+            <a:extLst>
+              <a:ext uri="{FF2B5EF4-FFF2-40B4-BE49-F238E27FC236}">
+                <a16:creationId xmlns:a16="http://schemas.microsoft.com/office/drawing/2014/main" id="{B7696E5F-8D95-4450-AE52-5438E6EDE2BF}"/>
               </a:ext>
             </a:extLst>
           </p:cNvPr>
@@ -479,16 +2191,16 @@
           <a:bodyPr/>
           <a:lstStyle/>
           <a:p>
-            <a:endParaRPr lang="en-US"/>
-          </a:p>
-        </p:txBody>
-      </p:sp>
-      <p:sp>
-        <p:nvSpPr>
-          <p:cNvPr id="6" name="Slide Number Placeholder 5">
-            <a:extLst>
-              <a:ext uri="{FF2B5EF4-FFF2-40B4-BE49-F238E27FC236}">
-                <a16:creationId xmlns:a16="http://schemas.microsoft.com/office/drawing/2014/main" id="{7E289118-837E-4BB9-9046-DFB838A3C3A6}"/>
+            <a:endParaRPr lang="en-US" dirty="0"/>
+          </a:p>
+        </p:txBody>
+      </p:sp>
+      <p:sp>
+        <p:nvSpPr>
+          <p:cNvPr id="9" name="Slide Number Placeholder 8">
+            <a:extLst>
+              <a:ext uri="{FF2B5EF4-FFF2-40B4-BE49-F238E27FC236}">
+                <a16:creationId xmlns:a16="http://schemas.microsoft.com/office/drawing/2014/main" id="{999B2253-74CC-409E-BEB0-F8EFCFCB5629}"/>
               </a:ext>
             </a:extLst>
           </p:cNvPr>
@@ -504,18 +2216,18 @@
           <a:bodyPr/>
           <a:lstStyle/>
           <a:p>
-            <a:fld id="{9D0AD380-C332-4457-9653-3C3944BB37F6}" type="slidenum">
+            <a:fld id="{3A98EE3D-8CD1-4C3F-BD1C-C98C9596463C}" type="slidenum">
               <a:rPr lang="en-US" smtClean="0"/>
               <a:t>‹#›</a:t>
             </a:fld>
-            <a:endParaRPr lang="en-US"/>
+            <a:endParaRPr lang="en-US" dirty="0"/>
           </a:p>
         </p:txBody>
       </p:sp>
     </p:spTree>
     <p:extLst>
       <p:ext uri="{BB962C8B-B14F-4D97-AF65-F5344CB8AC3E}">
-        <p14:creationId xmlns:p14="http://schemas.microsoft.com/office/powerpoint/2010/main" val="1016096171"/>
+        <p14:creationId xmlns:p14="http://schemas.microsoft.com/office/powerpoint/2010/main" val="2367627877"/>
       </p:ext>
     </p:extLst>
   </p:cSld>
@@ -526,7 +2238,7 @@
 </file>
 
 <file path=ppt/slideLayouts/slideLayout11.xml><?xml version="1.0" encoding="utf-8"?>
-<p:sldLayout xmlns:a="http://schemas.openxmlformats.org/drawingml/2006/main" xmlns:r="http://schemas.openxmlformats.org/officeDocument/2006/relationships" xmlns:p="http://schemas.openxmlformats.org/presentationml/2006/main" type="vertTitleAndTx" preserve="1">
+<p:sldLayout xmlns:a="http://schemas.openxmlformats.org/drawingml/2006/main" xmlns:r="http://schemas.openxmlformats.org/officeDocument/2006/relationships" xmlns:p="http://schemas.openxmlformats.org/presentationml/2006/main" showMasterSp="0" type="vertTitleAndTx" preserve="1">
   <p:cSld name="Vertical Title and Text">
     <p:spTree>
       <p:nvGrpSpPr>
@@ -544,13 +2256,51 @@
       </p:grpSpPr>
       <p:sp>
         <p:nvSpPr>
-          <p:cNvPr id="2" name="Vertical Title 1">
-            <a:extLst>
-              <a:ext uri="{FF2B5EF4-FFF2-40B4-BE49-F238E27FC236}">
-                <a16:creationId xmlns:a16="http://schemas.microsoft.com/office/drawing/2014/main" id="{DD1C388A-4D40-42F6-A5A2-3DD13F6E8023}"/>
-              </a:ext>
-            </a:extLst>
-          </p:cNvPr>
+          <p:cNvPr id="9" name="Rectangle 8">
+            <a:extLst>
+              <a:ext uri="{FF2B5EF4-FFF2-40B4-BE49-F238E27FC236}">
+                <a16:creationId xmlns:a16="http://schemas.microsoft.com/office/drawing/2014/main" id="{E1B68A5B-D9FA-424B-A4EB-30E7223836B3}"/>
+              </a:ext>
+            </a:extLst>
+          </p:cNvPr>
+          <p:cNvSpPr/>
+          <p:nvPr/>
+        </p:nvSpPr>
+        <p:spPr>
+          <a:xfrm>
+            <a:off x="3175" y="6400800"/>
+            <a:ext cx="12188825" cy="457200"/>
+          </a:xfrm>
+          <a:prstGeom prst="rect">
+            <a:avLst/>
+          </a:prstGeom>
+          <a:solidFill>
+            <a:srgbClr val="262626"/>
+          </a:solidFill>
+          <a:ln>
+            <a:noFill/>
+          </a:ln>
+        </p:spPr>
+        <p:style>
+          <a:lnRef idx="2">
+            <a:schemeClr val="accent1">
+              <a:shade val="50000"/>
+            </a:schemeClr>
+          </a:lnRef>
+          <a:fillRef idx="1">
+            <a:schemeClr val="accent1"/>
+          </a:fillRef>
+          <a:effectRef idx="0">
+            <a:schemeClr val="accent1"/>
+          </a:effectRef>
+          <a:fontRef idx="minor">
+            <a:schemeClr val="lt1"/>
+          </a:fontRef>
+        </p:style>
+      </p:sp>
+      <p:sp>
+        <p:nvSpPr>
+          <p:cNvPr id="2" name="Vertical Title 1"/>
           <p:cNvSpPr>
             <a:spLocks noGrp="1"/>
           </p:cNvSpPr>
@@ -560,8 +2310,8 @@
         </p:nvSpPr>
         <p:spPr>
           <a:xfrm>
-            <a:off x="8724900" y="365125"/>
-            <a:ext cx="2628900" cy="5811838"/>
+            <a:off x="8724900" y="412302"/>
+            <a:ext cx="2628900" cy="5759898"/>
           </a:xfrm>
         </p:spPr>
         <p:txBody>
@@ -572,18 +2322,13 @@
               <a:rPr lang="en-US"/>
               <a:t>Click to edit Master title style</a:t>
             </a:r>
-          </a:p>
-        </p:txBody>
-      </p:sp>
-      <p:sp>
-        <p:nvSpPr>
-          <p:cNvPr id="3" name="Vertical Text Placeholder 2">
-            <a:extLst>
-              <a:ext uri="{FF2B5EF4-FFF2-40B4-BE49-F238E27FC236}">
-                <a16:creationId xmlns:a16="http://schemas.microsoft.com/office/drawing/2014/main" id="{51B257A5-FA20-4F15-8C56-19AF86771967}"/>
-              </a:ext>
-            </a:extLst>
-          </p:cNvPr>
+            <a:endParaRPr lang="en-US" dirty="0"/>
+          </a:p>
+        </p:txBody>
+      </p:sp>
+      <p:sp>
+        <p:nvSpPr>
+          <p:cNvPr id="3" name="Vertical Text Placeholder 2"/>
           <p:cNvSpPr>
             <a:spLocks noGrp="1"/>
           </p:cNvSpPr>
@@ -593,12 +2338,12 @@
         </p:nvSpPr>
         <p:spPr>
           <a:xfrm>
-            <a:off x="838200" y="365125"/>
-            <a:ext cx="7734300" cy="5811838"/>
-          </a:xfrm>
-        </p:spPr>
-        <p:txBody>
-          <a:bodyPr vert="eaVert"/>
+            <a:off x="838200" y="412302"/>
+            <a:ext cx="7734300" cy="5759898"/>
+          </a:xfrm>
+        </p:spPr>
+        <p:txBody>
+          <a:bodyPr vert="eaVert" lIns="45720" tIns="0" rIns="45720" bIns="0"/>
           <a:lstStyle/>
           <a:p>
             <a:pPr lvl="0"/>
@@ -634,15 +2379,16 @@
               <a:rPr lang="en-US"/>
               <a:t>Fifth level</a:t>
             </a:r>
-          </a:p>
-        </p:txBody>
-      </p:sp>
-      <p:sp>
-        <p:nvSpPr>
-          <p:cNvPr id="4" name="Date Placeholder 3">
-            <a:extLst>
-              <a:ext uri="{FF2B5EF4-FFF2-40B4-BE49-F238E27FC236}">
-                <a16:creationId xmlns:a16="http://schemas.microsoft.com/office/drawing/2014/main" id="{CE0794BB-D00B-4835-B5EB-1CD18A08CD90}"/>
+            <a:endParaRPr lang="en-US" dirty="0"/>
+          </a:p>
+        </p:txBody>
+      </p:sp>
+      <p:sp>
+        <p:nvSpPr>
+          <p:cNvPr id="7" name="Date Placeholder 6">
+            <a:extLst>
+              <a:ext uri="{FF2B5EF4-FFF2-40B4-BE49-F238E27FC236}">
+                <a16:creationId xmlns:a16="http://schemas.microsoft.com/office/drawing/2014/main" id="{AF33D6B0-F070-45C4-A472-19F432BE3932}"/>
               </a:ext>
             </a:extLst>
           </p:cNvPr>
@@ -658,20 +2404,20 @@
           <a:bodyPr/>
           <a:lstStyle/>
           <a:p>
-            <a:fld id="{E2F8D7EC-9139-40A0-BA34-E20BE854A8F6}" type="datetimeFigureOut">
+            <a:fld id="{6587DA83-5663-4C9C-B9AA-0B40A3DAFF81}" type="datetime1">
               <a:rPr lang="en-US" smtClean="0"/>
-              <a:t>4/11/2020</a:t>
+              <a:t>4/15/2020</a:t>
             </a:fld>
-            <a:endParaRPr lang="en-US"/>
-          </a:p>
-        </p:txBody>
-      </p:sp>
-      <p:sp>
-        <p:nvSpPr>
-          <p:cNvPr id="5" name="Footer Placeholder 4">
-            <a:extLst>
-              <a:ext uri="{FF2B5EF4-FFF2-40B4-BE49-F238E27FC236}">
-                <a16:creationId xmlns:a16="http://schemas.microsoft.com/office/drawing/2014/main" id="{68EE75AD-CA03-4473-B0D3-BD89047153EC}"/>
+            <a:endParaRPr lang="en-US" dirty="0"/>
+          </a:p>
+        </p:txBody>
+      </p:sp>
+      <p:sp>
+        <p:nvSpPr>
+          <p:cNvPr id="8" name="Footer Placeholder 7">
+            <a:extLst>
+              <a:ext uri="{FF2B5EF4-FFF2-40B4-BE49-F238E27FC236}">
+                <a16:creationId xmlns:a16="http://schemas.microsoft.com/office/drawing/2014/main" id="{9975399F-DAB2-410D-967F-ED17E6F796E7}"/>
               </a:ext>
             </a:extLst>
           </p:cNvPr>
@@ -687,16 +2433,16 @@
           <a:bodyPr/>
           <a:lstStyle/>
           <a:p>
-            <a:endParaRPr lang="en-US"/>
-          </a:p>
-        </p:txBody>
-      </p:sp>
-      <p:sp>
-        <p:nvSpPr>
-          <p:cNvPr id="6" name="Slide Number Placeholder 5">
-            <a:extLst>
-              <a:ext uri="{FF2B5EF4-FFF2-40B4-BE49-F238E27FC236}">
-                <a16:creationId xmlns:a16="http://schemas.microsoft.com/office/drawing/2014/main" id="{34FE6F5F-3321-4A62-99CF-4C20CBD06F01}"/>
+            <a:endParaRPr lang="en-US" dirty="0"/>
+          </a:p>
+        </p:txBody>
+      </p:sp>
+      <p:sp>
+        <p:nvSpPr>
+          <p:cNvPr id="10" name="Slide Number Placeholder 9">
+            <a:extLst>
+              <a:ext uri="{FF2B5EF4-FFF2-40B4-BE49-F238E27FC236}">
+                <a16:creationId xmlns:a16="http://schemas.microsoft.com/office/drawing/2014/main" id="{F762A46F-6BE5-4D12-9412-5CA7672EA8EC}"/>
               </a:ext>
             </a:extLst>
           </p:cNvPr>
@@ -712,18 +2458,18 @@
           <a:bodyPr/>
           <a:lstStyle/>
           <a:p>
-            <a:fld id="{9D0AD380-C332-4457-9653-3C3944BB37F6}" type="slidenum">
+            <a:fld id="{3A98EE3D-8CD1-4C3F-BD1C-C98C9596463C}" type="slidenum">
               <a:rPr lang="en-US" smtClean="0"/>
               <a:t>‹#›</a:t>
             </a:fld>
-            <a:endParaRPr lang="en-US"/>
+            <a:endParaRPr lang="en-US" dirty="0"/>
           </a:p>
         </p:txBody>
       </p:sp>
     </p:spTree>
     <p:extLst>
       <p:ext uri="{BB962C8B-B14F-4D97-AF65-F5344CB8AC3E}">
-        <p14:creationId xmlns:p14="http://schemas.microsoft.com/office/powerpoint/2010/main" val="490484423"/>
+        <p14:creationId xmlns:p14="http://schemas.microsoft.com/office/powerpoint/2010/main" val="1300651529"/>
       </p:ext>
     </p:extLst>
   </p:cSld>
@@ -752,13 +2498,7 @@
       </p:grpSpPr>
       <p:sp>
         <p:nvSpPr>
-          <p:cNvPr id="2" name="Title 1">
-            <a:extLst>
-              <a:ext uri="{FF2B5EF4-FFF2-40B4-BE49-F238E27FC236}">
-                <a16:creationId xmlns:a16="http://schemas.microsoft.com/office/drawing/2014/main" id="{0760F651-F528-42D2-B7CE-6BF60E3E638C}"/>
-              </a:ext>
-            </a:extLst>
-          </p:cNvPr>
+          <p:cNvPr id="2" name="Title 1"/>
           <p:cNvSpPr>
             <a:spLocks noGrp="1"/>
           </p:cNvSpPr>
@@ -775,18 +2515,13 @@
               <a:rPr lang="en-US"/>
               <a:t>Click to edit Master title style</a:t>
             </a:r>
-          </a:p>
-        </p:txBody>
-      </p:sp>
-      <p:sp>
-        <p:nvSpPr>
-          <p:cNvPr id="3" name="Content Placeholder 2">
-            <a:extLst>
-              <a:ext uri="{FF2B5EF4-FFF2-40B4-BE49-F238E27FC236}">
-                <a16:creationId xmlns:a16="http://schemas.microsoft.com/office/drawing/2014/main" id="{9473E3FE-0155-4DA0-9ACE-9990FD15DB67}"/>
-              </a:ext>
-            </a:extLst>
-          </p:cNvPr>
+            <a:endParaRPr lang="en-US" dirty="0"/>
+          </a:p>
+        </p:txBody>
+      </p:sp>
+      <p:sp>
+        <p:nvSpPr>
+          <p:cNvPr id="3" name="Content Placeholder 2"/>
           <p:cNvSpPr>
             <a:spLocks noGrp="1"/>
           </p:cNvSpPr>
@@ -832,15 +2567,16 @@
               <a:rPr lang="en-US"/>
               <a:t>Fifth level</a:t>
             </a:r>
-          </a:p>
-        </p:txBody>
-      </p:sp>
-      <p:sp>
-        <p:nvSpPr>
-          <p:cNvPr id="4" name="Date Placeholder 3">
-            <a:extLst>
-              <a:ext uri="{FF2B5EF4-FFF2-40B4-BE49-F238E27FC236}">
-                <a16:creationId xmlns:a16="http://schemas.microsoft.com/office/drawing/2014/main" id="{4824DBC6-259E-4CF5-AF77-C96A97CF9622}"/>
+            <a:endParaRPr lang="en-US" dirty="0"/>
+          </a:p>
+        </p:txBody>
+      </p:sp>
+      <p:sp>
+        <p:nvSpPr>
+          <p:cNvPr id="7" name="Date Placeholder 6">
+            <a:extLst>
+              <a:ext uri="{FF2B5EF4-FFF2-40B4-BE49-F238E27FC236}">
+                <a16:creationId xmlns:a16="http://schemas.microsoft.com/office/drawing/2014/main" id="{354D8B55-9EA8-4B81-8E84-9B93B0A27559}"/>
               </a:ext>
             </a:extLst>
           </p:cNvPr>
@@ -856,20 +2592,20 @@
           <a:bodyPr/>
           <a:lstStyle/>
           <a:p>
-            <a:fld id="{E2F8D7EC-9139-40A0-BA34-E20BE854A8F6}" type="datetimeFigureOut">
+            <a:fld id="{4BE1D723-8F53-4F53-90B0-1982A396982E}" type="datetime1">
               <a:rPr lang="en-US" smtClean="0"/>
-              <a:t>4/11/2020</a:t>
+              <a:t>4/15/2020</a:t>
             </a:fld>
-            <a:endParaRPr lang="en-US"/>
-          </a:p>
-        </p:txBody>
-      </p:sp>
-      <p:sp>
-        <p:nvSpPr>
-          <p:cNvPr id="5" name="Footer Placeholder 4">
-            <a:extLst>
-              <a:ext uri="{FF2B5EF4-FFF2-40B4-BE49-F238E27FC236}">
-                <a16:creationId xmlns:a16="http://schemas.microsoft.com/office/drawing/2014/main" id="{53215158-69CA-4244-A412-684EB34D85B5}"/>
+            <a:endParaRPr lang="en-US" dirty="0"/>
+          </a:p>
+        </p:txBody>
+      </p:sp>
+      <p:sp>
+        <p:nvSpPr>
+          <p:cNvPr id="8" name="Footer Placeholder 7">
+            <a:extLst>
+              <a:ext uri="{FF2B5EF4-FFF2-40B4-BE49-F238E27FC236}">
+                <a16:creationId xmlns:a16="http://schemas.microsoft.com/office/drawing/2014/main" id="{062CA021-2578-47CB-822C-BDDFF7223B28}"/>
               </a:ext>
             </a:extLst>
           </p:cNvPr>
@@ -885,16 +2621,16 @@
           <a:bodyPr/>
           <a:lstStyle/>
           <a:p>
-            <a:endParaRPr lang="en-US"/>
-          </a:p>
-        </p:txBody>
-      </p:sp>
-      <p:sp>
-        <p:nvSpPr>
-          <p:cNvPr id="6" name="Slide Number Placeholder 5">
-            <a:extLst>
-              <a:ext uri="{FF2B5EF4-FFF2-40B4-BE49-F238E27FC236}">
-                <a16:creationId xmlns:a16="http://schemas.microsoft.com/office/drawing/2014/main" id="{521F8F09-32F1-43A7-AC71-E9F94789565A}"/>
+            <a:endParaRPr lang="en-US" dirty="0"/>
+          </a:p>
+        </p:txBody>
+      </p:sp>
+      <p:sp>
+        <p:nvSpPr>
+          <p:cNvPr id="9" name="Slide Number Placeholder 8">
+            <a:extLst>
+              <a:ext uri="{FF2B5EF4-FFF2-40B4-BE49-F238E27FC236}">
+                <a16:creationId xmlns:a16="http://schemas.microsoft.com/office/drawing/2014/main" id="{C4AAB51D-4141-4682-9375-DAFD5FB9DD10}"/>
               </a:ext>
             </a:extLst>
           </p:cNvPr>
@@ -910,18 +2646,18 @@
           <a:bodyPr/>
           <a:lstStyle/>
           <a:p>
-            <a:fld id="{9D0AD380-C332-4457-9653-3C3944BB37F6}" type="slidenum">
+            <a:fld id="{3A98EE3D-8CD1-4C3F-BD1C-C98C9596463C}" type="slidenum">
               <a:rPr lang="en-US" smtClean="0"/>
               <a:t>‹#›</a:t>
             </a:fld>
-            <a:endParaRPr lang="en-US"/>
+            <a:endParaRPr lang="en-US" dirty="0"/>
           </a:p>
         </p:txBody>
       </p:sp>
     </p:spTree>
     <p:extLst>
       <p:ext uri="{BB962C8B-B14F-4D97-AF65-F5344CB8AC3E}">
-        <p14:creationId xmlns:p14="http://schemas.microsoft.com/office/powerpoint/2010/main" val="2358896238"/>
+        <p14:creationId xmlns:p14="http://schemas.microsoft.com/office/powerpoint/2010/main" val="3272244813"/>
       </p:ext>
     </p:extLst>
   </p:cSld>
@@ -932,8 +2668,16 @@
 </file>
 
 <file path=ppt/slideLayouts/slideLayout3.xml><?xml version="1.0" encoding="utf-8"?>
-<p:sldLayout xmlns:a="http://schemas.openxmlformats.org/drawingml/2006/main" xmlns:r="http://schemas.openxmlformats.org/officeDocument/2006/relationships" xmlns:p="http://schemas.openxmlformats.org/presentationml/2006/main" type="secHead" preserve="1">
+<p:sldLayout xmlns:a="http://schemas.openxmlformats.org/drawingml/2006/main" xmlns:r="http://schemas.openxmlformats.org/officeDocument/2006/relationships" xmlns:p="http://schemas.openxmlformats.org/presentationml/2006/main" showMasterSp="0" type="secHead" preserve="1">
   <p:cSld name="Section Header">
+    <p:bg>
+      <p:bgPr>
+        <a:solidFill>
+          <a:schemeClr val="bg1"/>
+        </a:solidFill>
+        <a:effectLst/>
+      </p:bgPr>
+    </p:bg>
     <p:spTree>
       <p:nvGrpSpPr>
         <p:cNvPr id="1" name=""/>
@@ -950,13 +2694,51 @@
       </p:grpSpPr>
       <p:sp>
         <p:nvSpPr>
-          <p:cNvPr id="2" name="Title 1">
-            <a:extLst>
-              <a:ext uri="{FF2B5EF4-FFF2-40B4-BE49-F238E27FC236}">
-                <a16:creationId xmlns:a16="http://schemas.microsoft.com/office/drawing/2014/main" id="{6FB056DA-CB4F-4600-B5FD-8555D8EEBDE1}"/>
-              </a:ext>
-            </a:extLst>
-          </p:cNvPr>
+          <p:cNvPr id="10" name="Rectangle 9">
+            <a:extLst>
+              <a:ext uri="{FF2B5EF4-FFF2-40B4-BE49-F238E27FC236}">
+                <a16:creationId xmlns:a16="http://schemas.microsoft.com/office/drawing/2014/main" id="{A585C21A-8B93-4657-B5DF-7EAEAD3BE127}"/>
+              </a:ext>
+            </a:extLst>
+          </p:cNvPr>
+          <p:cNvSpPr/>
+          <p:nvPr/>
+        </p:nvSpPr>
+        <p:spPr>
+          <a:xfrm>
+            <a:off x="3175" y="6400800"/>
+            <a:ext cx="12188825" cy="457200"/>
+          </a:xfrm>
+          <a:prstGeom prst="rect">
+            <a:avLst/>
+          </a:prstGeom>
+          <a:solidFill>
+            <a:srgbClr val="262626"/>
+          </a:solidFill>
+          <a:ln>
+            <a:noFill/>
+          </a:ln>
+        </p:spPr>
+        <p:style>
+          <a:lnRef idx="2">
+            <a:schemeClr val="accent1">
+              <a:shade val="50000"/>
+            </a:schemeClr>
+          </a:lnRef>
+          <a:fillRef idx="1">
+            <a:schemeClr val="accent1"/>
+          </a:fillRef>
+          <a:effectRef idx="0">
+            <a:schemeClr val="accent1"/>
+          </a:effectRef>
+          <a:fontRef idx="minor">
+            <a:schemeClr val="lt1"/>
+          </a:fontRef>
+        </p:style>
+      </p:sp>
+      <p:sp>
+        <p:nvSpPr>
+          <p:cNvPr id="2" name="Title 1"/>
           <p:cNvSpPr>
             <a:spLocks noGrp="1"/>
           </p:cNvSpPr>
@@ -966,15 +2748,27 @@
         </p:nvSpPr>
         <p:spPr>
           <a:xfrm>
-            <a:off x="831850" y="1709738"/>
-            <a:ext cx="10515600" cy="2852737"/>
-          </a:xfrm>
-        </p:spPr>
-        <p:txBody>
-          <a:bodyPr anchor="b"/>
+            <a:off x="1097280" y="758952"/>
+            <a:ext cx="10058400" cy="3566160"/>
+          </a:xfrm>
+        </p:spPr>
+        <p:txBody>
+          <a:bodyPr anchor="b" anchorCtr="0">
+            <a:normAutofit/>
+          </a:bodyPr>
           <a:lstStyle>
             <a:lvl1pPr>
-              <a:defRPr sz="6000"/>
+              <a:lnSpc>
+                <a:spcPct val="90000"/>
+              </a:lnSpc>
+              <a:defRPr sz="8000" b="0">
+                <a:solidFill>
+                  <a:schemeClr val="tx1">
+                    <a:lumMod val="85000"/>
+                    <a:lumOff val="15000"/>
+                  </a:schemeClr>
+                </a:solidFill>
+              </a:defRPr>
             </a:lvl1pPr>
           </a:lstStyle>
           <a:p>
@@ -982,18 +2776,13 @@
               <a:rPr lang="en-US"/>
               <a:t>Click to edit Master title style</a:t>
             </a:r>
-          </a:p>
-        </p:txBody>
-      </p:sp>
-      <p:sp>
-        <p:nvSpPr>
-          <p:cNvPr id="3" name="Text Placeholder 2">
-            <a:extLst>
-              <a:ext uri="{FF2B5EF4-FFF2-40B4-BE49-F238E27FC236}">
-                <a16:creationId xmlns:a16="http://schemas.microsoft.com/office/drawing/2014/main" id="{320F454B-0180-47DF-9C81-D5C38EC6EB86}"/>
-              </a:ext>
-            </a:extLst>
-          </p:cNvPr>
+            <a:endParaRPr lang="en-US" dirty="0"/>
+          </a:p>
+        </p:txBody>
+      </p:sp>
+      <p:sp>
+        <p:nvSpPr>
+          <p:cNvPr id="3" name="Text Placeholder 2"/>
           <p:cNvSpPr>
             <a:spLocks noGrp="1"/>
           </p:cNvSpPr>
@@ -1003,26 +2792,27 @@
         </p:nvSpPr>
         <p:spPr>
           <a:xfrm>
-            <a:off x="831850" y="4589463"/>
-            <a:ext cx="10515600" cy="1500187"/>
-          </a:xfrm>
-        </p:spPr>
-        <p:txBody>
-          <a:bodyPr/>
+            <a:off x="1097280" y="4663440"/>
+            <a:ext cx="10058400" cy="1143000"/>
+          </a:xfrm>
+        </p:spPr>
+        <p:txBody>
+          <a:bodyPr lIns="91440" rIns="91440" anchor="t" anchorCtr="0">
+            <a:normAutofit/>
+          </a:bodyPr>
           <a:lstStyle>
             <a:lvl1pPr marL="0" indent="0">
               <a:buNone/>
-              <a:defRPr sz="2400">
+              <a:defRPr sz="2400" cap="all" spc="200" baseline="0">
                 <a:solidFill>
-                  <a:schemeClr val="tx1">
-                    <a:tint val="75000"/>
-                  </a:schemeClr>
+                  <a:schemeClr val="tx1"/>
                 </a:solidFill>
+                <a:latin typeface="+mn-lt"/>
               </a:defRPr>
             </a:lvl1pPr>
             <a:lvl2pPr marL="457200" indent="0">
               <a:buNone/>
-              <a:defRPr sz="2000">
+              <a:defRPr sz="1800">
                 <a:solidFill>
                   <a:schemeClr val="tx1">
                     <a:tint val="75000"/>
@@ -1032,7 +2822,7 @@
             </a:lvl2pPr>
             <a:lvl3pPr marL="914400" indent="0">
               <a:buNone/>
-              <a:defRPr sz="1800">
+              <a:defRPr sz="1600">
                 <a:solidFill>
                   <a:schemeClr val="tx1">
                     <a:tint val="75000"/>
@@ -1042,7 +2832,7 @@
             </a:lvl3pPr>
             <a:lvl4pPr marL="1371600" indent="0">
               <a:buNone/>
-              <a:defRPr sz="1600">
+              <a:defRPr sz="1400">
                 <a:solidFill>
                   <a:schemeClr val="tx1">
                     <a:tint val="75000"/>
@@ -1052,7 +2842,7 @@
             </a:lvl4pPr>
             <a:lvl5pPr marL="1828800" indent="0">
               <a:buNone/>
-              <a:defRPr sz="1600">
+              <a:defRPr sz="1400">
                 <a:solidFill>
                   <a:schemeClr val="tx1">
                     <a:tint val="75000"/>
@@ -1062,7 +2852,7 @@
             </a:lvl5pPr>
             <a:lvl6pPr marL="2286000" indent="0">
               <a:buNone/>
-              <a:defRPr sz="1600">
+              <a:defRPr sz="1400">
                 <a:solidFill>
                   <a:schemeClr val="tx1">
                     <a:tint val="75000"/>
@@ -1072,7 +2862,7 @@
             </a:lvl6pPr>
             <a:lvl7pPr marL="2743200" indent="0">
               <a:buNone/>
-              <a:defRPr sz="1600">
+              <a:defRPr sz="1400">
                 <a:solidFill>
                   <a:schemeClr val="tx1">
                     <a:tint val="75000"/>
@@ -1082,7 +2872,7 @@
             </a:lvl7pPr>
             <a:lvl8pPr marL="3200400" indent="0">
               <a:buNone/>
-              <a:defRPr sz="1600">
+              <a:defRPr sz="1400">
                 <a:solidFill>
                   <a:schemeClr val="tx1">
                     <a:tint val="75000"/>
@@ -1092,7 +2882,7 @@
             </a:lvl8pPr>
             <a:lvl9pPr marL="3657600" indent="0">
               <a:buNone/>
-              <a:defRPr sz="1600">
+              <a:defRPr sz="1400">
                 <a:solidFill>
                   <a:schemeClr val="tx1">
                     <a:tint val="75000"/>
@@ -1110,12 +2900,56 @@
           </a:p>
         </p:txBody>
       </p:sp>
-      <p:sp>
-        <p:nvSpPr>
-          <p:cNvPr id="4" name="Date Placeholder 3">
-            <a:extLst>
-              <a:ext uri="{FF2B5EF4-FFF2-40B4-BE49-F238E27FC236}">
-                <a16:creationId xmlns:a16="http://schemas.microsoft.com/office/drawing/2014/main" id="{6DB2A91C-6506-4329-B8B3-57456802443A}"/>
+      <p:cxnSp>
+        <p:nvCxnSpPr>
+          <p:cNvPr id="9" name="Straight Connector 8">
+            <a:extLst>
+              <a:ext uri="{FF2B5EF4-FFF2-40B4-BE49-F238E27FC236}">
+                <a16:creationId xmlns:a16="http://schemas.microsoft.com/office/drawing/2014/main" id="{459DE2C1-4C52-40A3-8959-27B2C1BEBFF6}"/>
+              </a:ext>
+            </a:extLst>
+          </p:cNvPr>
+          <p:cNvCxnSpPr/>
+          <p:nvPr/>
+        </p:nvCxnSpPr>
+        <p:spPr>
+          <a:xfrm>
+            <a:off x="1207658" y="4485132"/>
+            <a:ext cx="9875520" cy="0"/>
+          </a:xfrm>
+          <a:prstGeom prst="line">
+            <a:avLst/>
+          </a:prstGeom>
+          <a:ln w="12700">
+            <a:solidFill>
+              <a:schemeClr val="tx1">
+                <a:lumMod val="75000"/>
+                <a:lumOff val="25000"/>
+              </a:schemeClr>
+            </a:solidFill>
+          </a:ln>
+        </p:spPr>
+        <p:style>
+          <a:lnRef idx="1">
+            <a:schemeClr val="accent1"/>
+          </a:lnRef>
+          <a:fillRef idx="0">
+            <a:schemeClr val="accent1"/>
+          </a:fillRef>
+          <a:effectRef idx="0">
+            <a:schemeClr val="accent1"/>
+          </a:effectRef>
+          <a:fontRef idx="minor">
+            <a:schemeClr val="tx1"/>
+          </a:fontRef>
+        </p:style>
+      </p:cxnSp>
+      <p:sp>
+        <p:nvSpPr>
+          <p:cNvPr id="7" name="Date Placeholder 6">
+            <a:extLst>
+              <a:ext uri="{FF2B5EF4-FFF2-40B4-BE49-F238E27FC236}">
+                <a16:creationId xmlns:a16="http://schemas.microsoft.com/office/drawing/2014/main" id="{AAF2E137-EC28-48F8-9198-1F02539029B6}"/>
               </a:ext>
             </a:extLst>
           </p:cNvPr>
@@ -1131,20 +2965,20 @@
           <a:bodyPr/>
           <a:lstStyle/>
           <a:p>
-            <a:fld id="{E2F8D7EC-9139-40A0-BA34-E20BE854A8F6}" type="datetimeFigureOut">
+            <a:fld id="{97669AF7-7BEB-44E4-9852-375E34362B5B}" type="datetime1">
               <a:rPr lang="en-US" smtClean="0"/>
-              <a:t>4/11/2020</a:t>
+              <a:t>4/15/2020</a:t>
             </a:fld>
-            <a:endParaRPr lang="en-US"/>
-          </a:p>
-        </p:txBody>
-      </p:sp>
-      <p:sp>
-        <p:nvSpPr>
-          <p:cNvPr id="5" name="Footer Placeholder 4">
-            <a:extLst>
-              <a:ext uri="{FF2B5EF4-FFF2-40B4-BE49-F238E27FC236}">
-                <a16:creationId xmlns:a16="http://schemas.microsoft.com/office/drawing/2014/main" id="{22FE933A-ED25-4FDF-B3F3-4322C12BE3D8}"/>
+            <a:endParaRPr lang="en-US" dirty="0"/>
+          </a:p>
+        </p:txBody>
+      </p:sp>
+      <p:sp>
+        <p:nvSpPr>
+          <p:cNvPr id="8" name="Footer Placeholder 7">
+            <a:extLst>
+              <a:ext uri="{FF2B5EF4-FFF2-40B4-BE49-F238E27FC236}">
+                <a16:creationId xmlns:a16="http://schemas.microsoft.com/office/drawing/2014/main" id="{189422CD-6F62-4DD6-89EF-07A60B42D219}"/>
               </a:ext>
             </a:extLst>
           </p:cNvPr>
@@ -1160,16 +2994,16 @@
           <a:bodyPr/>
           <a:lstStyle/>
           <a:p>
-            <a:endParaRPr lang="en-US"/>
-          </a:p>
-        </p:txBody>
-      </p:sp>
-      <p:sp>
-        <p:nvSpPr>
-          <p:cNvPr id="6" name="Slide Number Placeholder 5">
-            <a:extLst>
-              <a:ext uri="{FF2B5EF4-FFF2-40B4-BE49-F238E27FC236}">
-                <a16:creationId xmlns:a16="http://schemas.microsoft.com/office/drawing/2014/main" id="{B104A388-B9FD-4D47-8007-BBD73884CC01}"/>
+            <a:endParaRPr lang="en-US" dirty="0"/>
+          </a:p>
+        </p:txBody>
+      </p:sp>
+      <p:sp>
+        <p:nvSpPr>
+          <p:cNvPr id="11" name="Slide Number Placeholder 10">
+            <a:extLst>
+              <a:ext uri="{FF2B5EF4-FFF2-40B4-BE49-F238E27FC236}">
+                <a16:creationId xmlns:a16="http://schemas.microsoft.com/office/drawing/2014/main" id="{69C6AFF8-42B4-4D05-969B-9F5FB3355555}"/>
               </a:ext>
             </a:extLst>
           </p:cNvPr>
@@ -1185,18 +3019,18 @@
           <a:bodyPr/>
           <a:lstStyle/>
           <a:p>
-            <a:fld id="{9D0AD380-C332-4457-9653-3C3944BB37F6}" type="slidenum">
+            <a:fld id="{3A98EE3D-8CD1-4C3F-BD1C-C98C9596463C}" type="slidenum">
               <a:rPr lang="en-US" smtClean="0"/>
               <a:t>‹#›</a:t>
             </a:fld>
-            <a:endParaRPr lang="en-US"/>
+            <a:endParaRPr lang="en-US" dirty="0"/>
           </a:p>
         </p:txBody>
       </p:sp>
     </p:spTree>
     <p:extLst>
       <p:ext uri="{BB962C8B-B14F-4D97-AF65-F5344CB8AC3E}">
-        <p14:creationId xmlns:p14="http://schemas.microsoft.com/office/powerpoint/2010/main" val="190589790"/>
+        <p14:creationId xmlns:p14="http://schemas.microsoft.com/office/powerpoint/2010/main" val="3054533904"/>
       </p:ext>
     </p:extLst>
   </p:cSld>
@@ -1225,13 +3059,7 @@
       </p:grpSpPr>
       <p:sp>
         <p:nvSpPr>
-          <p:cNvPr id="2" name="Title 1">
-            <a:extLst>
-              <a:ext uri="{FF2B5EF4-FFF2-40B4-BE49-F238E27FC236}">
-                <a16:creationId xmlns:a16="http://schemas.microsoft.com/office/drawing/2014/main" id="{44CD1289-8B8B-41C8-8082-50537FA2E873}"/>
-              </a:ext>
-            </a:extLst>
-          </p:cNvPr>
+          <p:cNvPr id="8" name="Title 7"/>
           <p:cNvSpPr>
             <a:spLocks noGrp="1"/>
           </p:cNvSpPr>
@@ -1239,7 +3067,12 @@
             <p:ph type="title"/>
           </p:nvPr>
         </p:nvSpPr>
-        <p:spPr/>
+        <p:spPr>
+          <a:xfrm>
+            <a:off x="1097280" y="286603"/>
+            <a:ext cx="10058400" cy="1450757"/>
+          </a:xfrm>
+        </p:spPr>
         <p:txBody>
           <a:bodyPr/>
           <a:lstStyle/>
@@ -1248,18 +3081,13 @@
               <a:rPr lang="en-US"/>
               <a:t>Click to edit Master title style</a:t>
             </a:r>
-          </a:p>
-        </p:txBody>
-      </p:sp>
-      <p:sp>
-        <p:nvSpPr>
-          <p:cNvPr id="3" name="Content Placeholder 2">
-            <a:extLst>
-              <a:ext uri="{FF2B5EF4-FFF2-40B4-BE49-F238E27FC236}">
-                <a16:creationId xmlns:a16="http://schemas.microsoft.com/office/drawing/2014/main" id="{834F04C8-1CFD-4215-951A-5B5E85B25154}"/>
-              </a:ext>
-            </a:extLst>
-          </p:cNvPr>
+            <a:endParaRPr lang="en-US" dirty="0"/>
+          </a:p>
+        </p:txBody>
+      </p:sp>
+      <p:sp>
+        <p:nvSpPr>
+          <p:cNvPr id="3" name="Content Placeholder 2"/>
           <p:cNvSpPr>
             <a:spLocks noGrp="1"/>
           </p:cNvSpPr>
@@ -1269,8 +3097,8 @@
         </p:nvSpPr>
         <p:spPr>
           <a:xfrm>
-            <a:off x="838200" y="1825625"/>
-            <a:ext cx="5181600" cy="4351338"/>
+            <a:off x="1097280" y="2120900"/>
+            <a:ext cx="4639736" cy="3748193"/>
           </a:xfrm>
         </p:spPr>
         <p:txBody>
@@ -1310,18 +3138,13 @@
               <a:rPr lang="en-US"/>
               <a:t>Fifth level</a:t>
             </a:r>
-          </a:p>
-        </p:txBody>
-      </p:sp>
-      <p:sp>
-        <p:nvSpPr>
-          <p:cNvPr id="4" name="Content Placeholder 3">
-            <a:extLst>
-              <a:ext uri="{FF2B5EF4-FFF2-40B4-BE49-F238E27FC236}">
-                <a16:creationId xmlns:a16="http://schemas.microsoft.com/office/drawing/2014/main" id="{5F30CB22-51A3-4DDD-B901-D40DD371A140}"/>
-              </a:ext>
-            </a:extLst>
-          </p:cNvPr>
+            <a:endParaRPr lang="en-US" dirty="0"/>
+          </a:p>
+        </p:txBody>
+      </p:sp>
+      <p:sp>
+        <p:nvSpPr>
+          <p:cNvPr id="4" name="Content Placeholder 3"/>
           <p:cNvSpPr>
             <a:spLocks noGrp="1"/>
           </p:cNvSpPr>
@@ -1331,8 +3154,8 @@
         </p:nvSpPr>
         <p:spPr>
           <a:xfrm>
-            <a:off x="6172200" y="1825625"/>
-            <a:ext cx="5181600" cy="4351338"/>
+            <a:off x="6515944" y="2120900"/>
+            <a:ext cx="4639736" cy="3748194"/>
           </a:xfrm>
         </p:spPr>
         <p:txBody>
@@ -1372,15 +3195,16 @@
               <a:rPr lang="en-US"/>
               <a:t>Fifth level</a:t>
             </a:r>
-          </a:p>
-        </p:txBody>
-      </p:sp>
-      <p:sp>
-        <p:nvSpPr>
-          <p:cNvPr id="5" name="Date Placeholder 4">
-            <a:extLst>
-              <a:ext uri="{FF2B5EF4-FFF2-40B4-BE49-F238E27FC236}">
-                <a16:creationId xmlns:a16="http://schemas.microsoft.com/office/drawing/2014/main" id="{498DA78D-6A86-420D-8C8A-2C169A3D142F}"/>
+            <a:endParaRPr lang="en-US" dirty="0"/>
+          </a:p>
+        </p:txBody>
+      </p:sp>
+      <p:sp>
+        <p:nvSpPr>
+          <p:cNvPr id="2" name="Date Placeholder 1">
+            <a:extLst>
+              <a:ext uri="{FF2B5EF4-FFF2-40B4-BE49-F238E27FC236}">
+                <a16:creationId xmlns:a16="http://schemas.microsoft.com/office/drawing/2014/main" id="{5782D47D-B0DC-4C40-BCC6-BBBA32584A38}"/>
               </a:ext>
             </a:extLst>
           </p:cNvPr>
@@ -1396,20 +3220,20 @@
           <a:bodyPr/>
           <a:lstStyle/>
           <a:p>
-            <a:fld id="{E2F8D7EC-9139-40A0-BA34-E20BE854A8F6}" type="datetimeFigureOut">
+            <a:fld id="{BAAAC38D-0552-4C82-B593-E6124DFADBE2}" type="datetime1">
               <a:rPr lang="en-US" smtClean="0"/>
-              <a:t>4/11/2020</a:t>
+              <a:t>4/15/2020</a:t>
             </a:fld>
-            <a:endParaRPr lang="en-US"/>
-          </a:p>
-        </p:txBody>
-      </p:sp>
-      <p:sp>
-        <p:nvSpPr>
-          <p:cNvPr id="6" name="Footer Placeholder 5">
-            <a:extLst>
-              <a:ext uri="{FF2B5EF4-FFF2-40B4-BE49-F238E27FC236}">
-                <a16:creationId xmlns:a16="http://schemas.microsoft.com/office/drawing/2014/main" id="{B8F49B3B-6E6E-4439-97CD-05F4963A6E26}"/>
+            <a:endParaRPr lang="en-US" dirty="0"/>
+          </a:p>
+        </p:txBody>
+      </p:sp>
+      <p:sp>
+        <p:nvSpPr>
+          <p:cNvPr id="9" name="Footer Placeholder 8">
+            <a:extLst>
+              <a:ext uri="{FF2B5EF4-FFF2-40B4-BE49-F238E27FC236}">
+                <a16:creationId xmlns:a16="http://schemas.microsoft.com/office/drawing/2014/main" id="{4690D34E-7EBD-44B2-83CA-4C126A18D7EF}"/>
               </a:ext>
             </a:extLst>
           </p:cNvPr>
@@ -1425,16 +3249,16 @@
           <a:bodyPr/>
           <a:lstStyle/>
           <a:p>
-            <a:endParaRPr lang="en-US"/>
-          </a:p>
-        </p:txBody>
-      </p:sp>
-      <p:sp>
-        <p:nvSpPr>
-          <p:cNvPr id="7" name="Slide Number Placeholder 6">
-            <a:extLst>
-              <a:ext uri="{FF2B5EF4-FFF2-40B4-BE49-F238E27FC236}">
-                <a16:creationId xmlns:a16="http://schemas.microsoft.com/office/drawing/2014/main" id="{61E4B475-5869-4892-A904-A4E118AB224D}"/>
+            <a:endParaRPr lang="en-US" dirty="0"/>
+          </a:p>
+        </p:txBody>
+      </p:sp>
+      <p:sp>
+        <p:nvSpPr>
+          <p:cNvPr id="10" name="Slide Number Placeholder 9">
+            <a:extLst>
+              <a:ext uri="{FF2B5EF4-FFF2-40B4-BE49-F238E27FC236}">
+                <a16:creationId xmlns:a16="http://schemas.microsoft.com/office/drawing/2014/main" id="{2AC511A1-9BBD-42DE-92FB-2AF44F8E97A9}"/>
               </a:ext>
             </a:extLst>
           </p:cNvPr>
@@ -1450,18 +3274,18 @@
           <a:bodyPr/>
           <a:lstStyle/>
           <a:p>
-            <a:fld id="{9D0AD380-C332-4457-9653-3C3944BB37F6}" type="slidenum">
+            <a:fld id="{3A98EE3D-8CD1-4C3F-BD1C-C98C9596463C}" type="slidenum">
               <a:rPr lang="en-US" smtClean="0"/>
               <a:t>‹#›</a:t>
             </a:fld>
-            <a:endParaRPr lang="en-US"/>
+            <a:endParaRPr lang="en-US" dirty="0"/>
           </a:p>
         </p:txBody>
       </p:sp>
     </p:spTree>
     <p:extLst>
       <p:ext uri="{BB962C8B-B14F-4D97-AF65-F5344CB8AC3E}">
-        <p14:creationId xmlns:p14="http://schemas.microsoft.com/office/powerpoint/2010/main" val="504542233"/>
+        <p14:creationId xmlns:p14="http://schemas.microsoft.com/office/powerpoint/2010/main" val="2371890711"/>
       </p:ext>
     </p:extLst>
   </p:cSld>
@@ -1490,13 +3314,7 @@
       </p:grpSpPr>
       <p:sp>
         <p:nvSpPr>
-          <p:cNvPr id="2" name="Title 1">
-            <a:extLst>
-              <a:ext uri="{FF2B5EF4-FFF2-40B4-BE49-F238E27FC236}">
-                <a16:creationId xmlns:a16="http://schemas.microsoft.com/office/drawing/2014/main" id="{063D6145-0E7B-4FC9-8FDA-1EE66A920B1D}"/>
-              </a:ext>
-            </a:extLst>
-          </p:cNvPr>
+          <p:cNvPr id="10" name="Title 9"/>
           <p:cNvSpPr>
             <a:spLocks noGrp="1"/>
           </p:cNvSpPr>
@@ -1506,8 +3324,8 @@
         </p:nvSpPr>
         <p:spPr>
           <a:xfrm>
-            <a:off x="839788" y="365125"/>
-            <a:ext cx="10515600" cy="1325563"/>
+            <a:off x="1097280" y="286603"/>
+            <a:ext cx="10058400" cy="1450757"/>
           </a:xfrm>
         </p:spPr>
         <p:txBody>
@@ -1518,18 +3336,13 @@
               <a:rPr lang="en-US"/>
               <a:t>Click to edit Master title style</a:t>
             </a:r>
-          </a:p>
-        </p:txBody>
-      </p:sp>
-      <p:sp>
-        <p:nvSpPr>
-          <p:cNvPr id="3" name="Text Placeholder 2">
-            <a:extLst>
-              <a:ext uri="{FF2B5EF4-FFF2-40B4-BE49-F238E27FC236}">
-                <a16:creationId xmlns:a16="http://schemas.microsoft.com/office/drawing/2014/main" id="{7EB7C62D-27C6-4F97-82DA-A477DB0CD1C6}"/>
-              </a:ext>
-            </a:extLst>
-          </p:cNvPr>
+            <a:endParaRPr lang="en-US" dirty="0"/>
+          </a:p>
+        </p:txBody>
+      </p:sp>
+      <p:sp>
+        <p:nvSpPr>
+          <p:cNvPr id="3" name="Text Placeholder 2"/>
           <p:cNvSpPr>
             <a:spLocks noGrp="1"/>
           </p:cNvSpPr>
@@ -1539,16 +3352,22 @@
         </p:nvSpPr>
         <p:spPr>
           <a:xfrm>
-            <a:off x="839788" y="1681163"/>
-            <a:ext cx="5157787" cy="823912"/>
-          </a:xfrm>
-        </p:spPr>
-        <p:txBody>
-          <a:bodyPr anchor="b"/>
+            <a:off x="1097280" y="2057400"/>
+            <a:ext cx="4639736" cy="736282"/>
+          </a:xfrm>
+        </p:spPr>
+        <p:txBody>
+          <a:bodyPr lIns="91440" rIns="91440" anchor="ctr">
+            <a:normAutofit/>
+          </a:bodyPr>
           <a:lstStyle>
             <a:lvl1pPr marL="0" indent="0">
               <a:buNone/>
-              <a:defRPr sz="2400" b="1"/>
+              <a:defRPr sz="2000" b="0" cap="all" baseline="0">
+                <a:solidFill>
+                  <a:schemeClr val="tx1"/>
+                </a:solidFill>
+              </a:defRPr>
             </a:lvl1pPr>
             <a:lvl2pPr marL="457200" indent="0">
               <a:buNone/>
@@ -1594,13 +3413,7 @@
       </p:sp>
       <p:sp>
         <p:nvSpPr>
-          <p:cNvPr id="4" name="Content Placeholder 3">
-            <a:extLst>
-              <a:ext uri="{FF2B5EF4-FFF2-40B4-BE49-F238E27FC236}">
-                <a16:creationId xmlns:a16="http://schemas.microsoft.com/office/drawing/2014/main" id="{65D2DFCD-A3D3-4B34-8A3C-64C177AE3F58}"/>
-              </a:ext>
-            </a:extLst>
-          </p:cNvPr>
+          <p:cNvPr id="4" name="Content Placeholder 3"/>
           <p:cNvSpPr>
             <a:spLocks noGrp="1"/>
           </p:cNvSpPr>
@@ -1610,8 +3423,8 @@
         </p:nvSpPr>
         <p:spPr>
           <a:xfrm>
-            <a:off x="839788" y="2505075"/>
-            <a:ext cx="5157787" cy="3684588"/>
+            <a:off x="1097280" y="2958274"/>
+            <a:ext cx="4639736" cy="2910821"/>
           </a:xfrm>
         </p:spPr>
         <p:txBody>
@@ -1651,18 +3464,13 @@
               <a:rPr lang="en-US"/>
               <a:t>Fifth level</a:t>
             </a:r>
-          </a:p>
-        </p:txBody>
-      </p:sp>
-      <p:sp>
-        <p:nvSpPr>
-          <p:cNvPr id="5" name="Text Placeholder 4">
-            <a:extLst>
-              <a:ext uri="{FF2B5EF4-FFF2-40B4-BE49-F238E27FC236}">
-                <a16:creationId xmlns:a16="http://schemas.microsoft.com/office/drawing/2014/main" id="{285D3F9B-E353-4E10-869E-B091FEEFBBE4}"/>
-              </a:ext>
-            </a:extLst>
-          </p:cNvPr>
+            <a:endParaRPr lang="en-US" dirty="0"/>
+          </a:p>
+        </p:txBody>
+      </p:sp>
+      <p:sp>
+        <p:nvSpPr>
+          <p:cNvPr id="5" name="Text Placeholder 4"/>
           <p:cNvSpPr>
             <a:spLocks noGrp="1"/>
           </p:cNvSpPr>
@@ -1672,16 +3480,22 @@
         </p:nvSpPr>
         <p:spPr>
           <a:xfrm>
-            <a:off x="6172200" y="1681163"/>
-            <a:ext cx="5183188" cy="823912"/>
-          </a:xfrm>
-        </p:spPr>
-        <p:txBody>
-          <a:bodyPr anchor="b"/>
+            <a:off x="6515944" y="2057400"/>
+            <a:ext cx="4639736" cy="736282"/>
+          </a:xfrm>
+        </p:spPr>
+        <p:txBody>
+          <a:bodyPr lIns="91440" rIns="91440" anchor="ctr">
+            <a:normAutofit/>
+          </a:bodyPr>
           <a:lstStyle>
             <a:lvl1pPr marL="0" indent="0">
               <a:buNone/>
-              <a:defRPr sz="2400" b="1"/>
+              <a:defRPr sz="2000" b="0" cap="all" baseline="0">
+                <a:solidFill>
+                  <a:schemeClr val="tx1"/>
+                </a:solidFill>
+              </a:defRPr>
             </a:lvl1pPr>
             <a:lvl2pPr marL="457200" indent="0">
               <a:buNone/>
@@ -1727,13 +3541,7 @@
       </p:sp>
       <p:sp>
         <p:nvSpPr>
-          <p:cNvPr id="6" name="Content Placeholder 5">
-            <a:extLst>
-              <a:ext uri="{FF2B5EF4-FFF2-40B4-BE49-F238E27FC236}">
-                <a16:creationId xmlns:a16="http://schemas.microsoft.com/office/drawing/2014/main" id="{CAC0A4F3-A8A2-4BBD-87E9-71AE47E87A4F}"/>
-              </a:ext>
-            </a:extLst>
-          </p:cNvPr>
+          <p:cNvPr id="6" name="Content Placeholder 5"/>
           <p:cNvSpPr>
             <a:spLocks noGrp="1"/>
           </p:cNvSpPr>
@@ -1743,8 +3551,8 @@
         </p:nvSpPr>
         <p:spPr>
           <a:xfrm>
-            <a:off x="6172200" y="2505075"/>
-            <a:ext cx="5183188" cy="3684588"/>
+            <a:off x="6515944" y="2958273"/>
+            <a:ext cx="4639736" cy="2910821"/>
           </a:xfrm>
         </p:spPr>
         <p:txBody>
@@ -1784,15 +3592,16 @@
               <a:rPr lang="en-US"/>
               <a:t>Fifth level</a:t>
             </a:r>
-          </a:p>
-        </p:txBody>
-      </p:sp>
-      <p:sp>
-        <p:nvSpPr>
-          <p:cNvPr id="7" name="Date Placeholder 6">
-            <a:extLst>
-              <a:ext uri="{FF2B5EF4-FFF2-40B4-BE49-F238E27FC236}">
-                <a16:creationId xmlns:a16="http://schemas.microsoft.com/office/drawing/2014/main" id="{42CA009A-2D6D-48EB-B06D-EB467BF73B88}"/>
+            <a:endParaRPr lang="en-US" dirty="0"/>
+          </a:p>
+        </p:txBody>
+      </p:sp>
+      <p:sp>
+        <p:nvSpPr>
+          <p:cNvPr id="2" name="Date Placeholder 1">
+            <a:extLst>
+              <a:ext uri="{FF2B5EF4-FFF2-40B4-BE49-F238E27FC236}">
+                <a16:creationId xmlns:a16="http://schemas.microsoft.com/office/drawing/2014/main" id="{8AF8A515-AA94-45D1-9223-5C2272618D85}"/>
               </a:ext>
             </a:extLst>
           </p:cNvPr>
@@ -1808,20 +3617,20 @@
           <a:bodyPr/>
           <a:lstStyle/>
           <a:p>
-            <a:fld id="{E2F8D7EC-9139-40A0-BA34-E20BE854A8F6}" type="datetimeFigureOut">
+            <a:fld id="{D9DF0F1C-5577-4ACB-BB62-DF8F3C494C7E}" type="datetime1">
               <a:rPr lang="en-US" smtClean="0"/>
-              <a:t>4/11/2020</a:t>
+              <a:t>4/15/2020</a:t>
             </a:fld>
-            <a:endParaRPr lang="en-US"/>
-          </a:p>
-        </p:txBody>
-      </p:sp>
-      <p:sp>
-        <p:nvSpPr>
-          <p:cNvPr id="8" name="Footer Placeholder 7">
-            <a:extLst>
-              <a:ext uri="{FF2B5EF4-FFF2-40B4-BE49-F238E27FC236}">
-                <a16:creationId xmlns:a16="http://schemas.microsoft.com/office/drawing/2014/main" id="{21B7E054-7072-4E02-9212-64CEC7CEA31F}"/>
+            <a:endParaRPr lang="en-US" dirty="0"/>
+          </a:p>
+        </p:txBody>
+      </p:sp>
+      <p:sp>
+        <p:nvSpPr>
+          <p:cNvPr id="11" name="Footer Placeholder 10">
+            <a:extLst>
+              <a:ext uri="{FF2B5EF4-FFF2-40B4-BE49-F238E27FC236}">
+                <a16:creationId xmlns:a16="http://schemas.microsoft.com/office/drawing/2014/main" id="{D052F5BC-98E0-4D60-AD67-9547738B7DD4}"/>
               </a:ext>
             </a:extLst>
           </p:cNvPr>
@@ -1837,16 +3646,16 @@
           <a:bodyPr/>
           <a:lstStyle/>
           <a:p>
-            <a:endParaRPr lang="en-US"/>
-          </a:p>
-        </p:txBody>
-      </p:sp>
-      <p:sp>
-        <p:nvSpPr>
-          <p:cNvPr id="9" name="Slide Number Placeholder 8">
-            <a:extLst>
-              <a:ext uri="{FF2B5EF4-FFF2-40B4-BE49-F238E27FC236}">
-                <a16:creationId xmlns:a16="http://schemas.microsoft.com/office/drawing/2014/main" id="{CE5F1C63-FC7E-42A0-B1A1-122AE1B7BE06}"/>
+            <a:endParaRPr lang="en-US" dirty="0"/>
+          </a:p>
+        </p:txBody>
+      </p:sp>
+      <p:sp>
+        <p:nvSpPr>
+          <p:cNvPr id="12" name="Slide Number Placeholder 11">
+            <a:extLst>
+              <a:ext uri="{FF2B5EF4-FFF2-40B4-BE49-F238E27FC236}">
+                <a16:creationId xmlns:a16="http://schemas.microsoft.com/office/drawing/2014/main" id="{A38552DC-952E-41EA-AAAF-C2187523C0B0}"/>
               </a:ext>
             </a:extLst>
           </p:cNvPr>
@@ -1862,18 +3671,18 @@
           <a:bodyPr/>
           <a:lstStyle/>
           <a:p>
-            <a:fld id="{9D0AD380-C332-4457-9653-3C3944BB37F6}" type="slidenum">
+            <a:fld id="{3A98EE3D-8CD1-4C3F-BD1C-C98C9596463C}" type="slidenum">
               <a:rPr lang="en-US" smtClean="0"/>
               <a:t>‹#›</a:t>
             </a:fld>
-            <a:endParaRPr lang="en-US"/>
+            <a:endParaRPr lang="en-US" dirty="0"/>
           </a:p>
         </p:txBody>
       </p:sp>
     </p:spTree>
     <p:extLst>
       <p:ext uri="{BB962C8B-B14F-4D97-AF65-F5344CB8AC3E}">
-        <p14:creationId xmlns:p14="http://schemas.microsoft.com/office/powerpoint/2010/main" val="2176248694"/>
+        <p14:creationId xmlns:p14="http://schemas.microsoft.com/office/powerpoint/2010/main" val="2019545934"/>
       </p:ext>
     </p:extLst>
   </p:cSld>
@@ -1902,13 +3711,7 @@
       </p:grpSpPr>
       <p:sp>
         <p:nvSpPr>
-          <p:cNvPr id="2" name="Title 1">
-            <a:extLst>
-              <a:ext uri="{FF2B5EF4-FFF2-40B4-BE49-F238E27FC236}">
-                <a16:creationId xmlns:a16="http://schemas.microsoft.com/office/drawing/2014/main" id="{0249B400-9D6D-446F-9A4D-6B3BCDDBE6FD}"/>
-              </a:ext>
-            </a:extLst>
-          </p:cNvPr>
+          <p:cNvPr id="2" name="Title 1"/>
           <p:cNvSpPr>
             <a:spLocks noGrp="1"/>
           </p:cNvSpPr>
@@ -1925,15 +3728,16 @@
               <a:rPr lang="en-US"/>
               <a:t>Click to edit Master title style</a:t>
             </a:r>
-          </a:p>
-        </p:txBody>
-      </p:sp>
-      <p:sp>
-        <p:nvSpPr>
-          <p:cNvPr id="3" name="Date Placeholder 2">
-            <a:extLst>
-              <a:ext uri="{FF2B5EF4-FFF2-40B4-BE49-F238E27FC236}">
-                <a16:creationId xmlns:a16="http://schemas.microsoft.com/office/drawing/2014/main" id="{C98A7CDA-AEC2-4F11-9747-7358935A15C5}"/>
+            <a:endParaRPr lang="en-US" dirty="0"/>
+          </a:p>
+        </p:txBody>
+      </p:sp>
+      <p:sp>
+        <p:nvSpPr>
+          <p:cNvPr id="6" name="Date Placeholder 5">
+            <a:extLst>
+              <a:ext uri="{FF2B5EF4-FFF2-40B4-BE49-F238E27FC236}">
+                <a16:creationId xmlns:a16="http://schemas.microsoft.com/office/drawing/2014/main" id="{7392073F-158F-44A3-8913-917AFFC1BC20}"/>
               </a:ext>
             </a:extLst>
           </p:cNvPr>
@@ -1949,20 +3753,20 @@
           <a:bodyPr/>
           <a:lstStyle/>
           <a:p>
-            <a:fld id="{E2F8D7EC-9139-40A0-BA34-E20BE854A8F6}" type="datetimeFigureOut">
+            <a:fld id="{1775B394-D9F9-4F0C-B15D-605F45CB9E9F}" type="datetime1">
               <a:rPr lang="en-US" smtClean="0"/>
-              <a:t>4/11/2020</a:t>
+              <a:t>4/15/2020</a:t>
             </a:fld>
-            <a:endParaRPr lang="en-US"/>
-          </a:p>
-        </p:txBody>
-      </p:sp>
-      <p:sp>
-        <p:nvSpPr>
-          <p:cNvPr id="4" name="Footer Placeholder 3">
-            <a:extLst>
-              <a:ext uri="{FF2B5EF4-FFF2-40B4-BE49-F238E27FC236}">
-                <a16:creationId xmlns:a16="http://schemas.microsoft.com/office/drawing/2014/main" id="{DFC9A103-9423-46AF-8BD8-12F3969BC17C}"/>
+            <a:endParaRPr lang="en-US" dirty="0"/>
+          </a:p>
+        </p:txBody>
+      </p:sp>
+      <p:sp>
+        <p:nvSpPr>
+          <p:cNvPr id="7" name="Footer Placeholder 6">
+            <a:extLst>
+              <a:ext uri="{FF2B5EF4-FFF2-40B4-BE49-F238E27FC236}">
+                <a16:creationId xmlns:a16="http://schemas.microsoft.com/office/drawing/2014/main" id="{EED72207-24CA-42B7-A975-2F8E41CBA904}"/>
               </a:ext>
             </a:extLst>
           </p:cNvPr>
@@ -1978,16 +3782,16 @@
           <a:bodyPr/>
           <a:lstStyle/>
           <a:p>
-            <a:endParaRPr lang="en-US"/>
-          </a:p>
-        </p:txBody>
-      </p:sp>
-      <p:sp>
-        <p:nvSpPr>
-          <p:cNvPr id="5" name="Slide Number Placeholder 4">
-            <a:extLst>
-              <a:ext uri="{FF2B5EF4-FFF2-40B4-BE49-F238E27FC236}">
-                <a16:creationId xmlns:a16="http://schemas.microsoft.com/office/drawing/2014/main" id="{931E3E23-3909-4AE9-BD99-E0A1E50EF86B}"/>
+            <a:endParaRPr lang="en-US" dirty="0"/>
+          </a:p>
+        </p:txBody>
+      </p:sp>
+      <p:sp>
+        <p:nvSpPr>
+          <p:cNvPr id="8" name="Slide Number Placeholder 7">
+            <a:extLst>
+              <a:ext uri="{FF2B5EF4-FFF2-40B4-BE49-F238E27FC236}">
+                <a16:creationId xmlns:a16="http://schemas.microsoft.com/office/drawing/2014/main" id="{D01080F2-251A-4B88-9A62-16F46D724F83}"/>
               </a:ext>
             </a:extLst>
           </p:cNvPr>
@@ -2003,18 +3807,18 @@
           <a:bodyPr/>
           <a:lstStyle/>
           <a:p>
-            <a:fld id="{9D0AD380-C332-4457-9653-3C3944BB37F6}" type="slidenum">
+            <a:fld id="{3A98EE3D-8CD1-4C3F-BD1C-C98C9596463C}" type="slidenum">
               <a:rPr lang="en-US" smtClean="0"/>
               <a:t>‹#›</a:t>
             </a:fld>
-            <a:endParaRPr lang="en-US"/>
+            <a:endParaRPr lang="en-US" dirty="0"/>
           </a:p>
         </p:txBody>
       </p:sp>
     </p:spTree>
     <p:extLst>
       <p:ext uri="{BB962C8B-B14F-4D97-AF65-F5344CB8AC3E}">
-        <p14:creationId xmlns:p14="http://schemas.microsoft.com/office/powerpoint/2010/main" val="3313457368"/>
+        <p14:creationId xmlns:p14="http://schemas.microsoft.com/office/powerpoint/2010/main" val="929430280"/>
       </p:ext>
     </p:extLst>
   </p:cSld>
@@ -2025,7 +3829,7 @@
 </file>
 
 <file path=ppt/slideLayouts/slideLayout7.xml><?xml version="1.0" encoding="utf-8"?>
-<p:sldLayout xmlns:a="http://schemas.openxmlformats.org/drawingml/2006/main" xmlns:r="http://schemas.openxmlformats.org/officeDocument/2006/relationships" xmlns:p="http://schemas.openxmlformats.org/presentationml/2006/main" type="blank" preserve="1">
+<p:sldLayout xmlns:a="http://schemas.openxmlformats.org/drawingml/2006/main" xmlns:r="http://schemas.openxmlformats.org/officeDocument/2006/relationships" xmlns:p="http://schemas.openxmlformats.org/presentationml/2006/main" showMasterSp="0" type="blank" preserve="1">
   <p:cSld name="Blank">
     <p:spTree>
       <p:nvGrpSpPr>
@@ -2043,10 +3847,54 @@
       </p:grpSpPr>
       <p:sp>
         <p:nvSpPr>
+          <p:cNvPr id="10" name="Rectangle 9">
+            <a:extLst>
+              <a:ext uri="{FF2B5EF4-FFF2-40B4-BE49-F238E27FC236}">
+                <a16:creationId xmlns:a16="http://schemas.microsoft.com/office/drawing/2014/main" id="{A8E9C91B-7EAD-4562-AB0E-DFB9663AECE3}"/>
+              </a:ext>
+            </a:extLst>
+          </p:cNvPr>
+          <p:cNvSpPr/>
+          <p:nvPr/>
+        </p:nvSpPr>
+        <p:spPr>
+          <a:xfrm>
+            <a:off x="3175" y="6400800"/>
+            <a:ext cx="12188825" cy="457200"/>
+          </a:xfrm>
+          <a:prstGeom prst="rect">
+            <a:avLst/>
+          </a:prstGeom>
+          <a:solidFill>
+            <a:srgbClr val="262626"/>
+          </a:solidFill>
+          <a:ln>
+            <a:noFill/>
+          </a:ln>
+        </p:spPr>
+        <p:style>
+          <a:lnRef idx="2">
+            <a:schemeClr val="accent1">
+              <a:shade val="50000"/>
+            </a:schemeClr>
+          </a:lnRef>
+          <a:fillRef idx="1">
+            <a:schemeClr val="accent1"/>
+          </a:fillRef>
+          <a:effectRef idx="0">
+            <a:schemeClr val="accent1"/>
+          </a:effectRef>
+          <a:fontRef idx="minor">
+            <a:schemeClr val="lt1"/>
+          </a:fontRef>
+        </p:style>
+      </p:sp>
+      <p:sp>
+        <p:nvSpPr>
           <p:cNvPr id="2" name="Date Placeholder 1">
             <a:extLst>
               <a:ext uri="{FF2B5EF4-FFF2-40B4-BE49-F238E27FC236}">
-                <a16:creationId xmlns:a16="http://schemas.microsoft.com/office/drawing/2014/main" id="{1C512BEF-0F4A-42ED-B116-709905514DBC}"/>
+                <a16:creationId xmlns:a16="http://schemas.microsoft.com/office/drawing/2014/main" id="{94E9223F-721F-47BF-9FD5-0F8D12FF0DE1}"/>
               </a:ext>
             </a:extLst>
           </p:cNvPr>
@@ -2062,11 +3910,11 @@
           <a:bodyPr/>
           <a:lstStyle/>
           <a:p>
-            <a:fld id="{E2F8D7EC-9139-40A0-BA34-E20BE854A8F6}" type="datetimeFigureOut">
+            <a:fld id="{39667345-2558-425A-8533-9BFDBCE15005}" type="datetime1">
               <a:rPr lang="en-US" smtClean="0"/>
-              <a:t>4/11/2020</a:t>
+              <a:t>4/15/2020</a:t>
             </a:fld>
-            <a:endParaRPr lang="en-US"/>
+            <a:endParaRPr lang="en-US" dirty="0"/>
           </a:p>
         </p:txBody>
       </p:sp>
@@ -2075,7 +3923,7 @@
           <p:cNvPr id="3" name="Footer Placeholder 2">
             <a:extLst>
               <a:ext uri="{FF2B5EF4-FFF2-40B4-BE49-F238E27FC236}">
-                <a16:creationId xmlns:a16="http://schemas.microsoft.com/office/drawing/2014/main" id="{9EAE3867-573F-4D24-9F4C-7FB5AC203ED7}"/>
+                <a16:creationId xmlns:a16="http://schemas.microsoft.com/office/drawing/2014/main" id="{05915714-6BBA-4593-8591-4E26F7D58D9F}"/>
               </a:ext>
             </a:extLst>
           </p:cNvPr>
@@ -2091,7 +3939,7 @@
           <a:bodyPr/>
           <a:lstStyle/>
           <a:p>
-            <a:endParaRPr lang="en-US"/>
+            <a:endParaRPr lang="en-US" dirty="0"/>
           </a:p>
         </p:txBody>
       </p:sp>
@@ -2100,7 +3948,7 @@
           <p:cNvPr id="4" name="Slide Number Placeholder 3">
             <a:extLst>
               <a:ext uri="{FF2B5EF4-FFF2-40B4-BE49-F238E27FC236}">
-                <a16:creationId xmlns:a16="http://schemas.microsoft.com/office/drawing/2014/main" id="{1EB8C0D2-6A2F-49F6-83AC-9F24E1792FEA}"/>
+                <a16:creationId xmlns:a16="http://schemas.microsoft.com/office/drawing/2014/main" id="{BE06F857-D2E1-44DD-ABDD-EBB739645B67}"/>
               </a:ext>
             </a:extLst>
           </p:cNvPr>
@@ -2116,18 +3964,18 @@
           <a:bodyPr/>
           <a:lstStyle/>
           <a:p>
-            <a:fld id="{9D0AD380-C332-4457-9653-3C3944BB37F6}" type="slidenum">
+            <a:fld id="{3A98EE3D-8CD1-4C3F-BD1C-C98C9596463C}" type="slidenum">
               <a:rPr lang="en-US" smtClean="0"/>
               <a:t>‹#›</a:t>
             </a:fld>
-            <a:endParaRPr lang="en-US"/>
+            <a:endParaRPr lang="en-US" dirty="0"/>
           </a:p>
         </p:txBody>
       </p:sp>
     </p:spTree>
     <p:extLst>
       <p:ext uri="{BB962C8B-B14F-4D97-AF65-F5344CB8AC3E}">
-        <p14:creationId xmlns:p14="http://schemas.microsoft.com/office/powerpoint/2010/main" val="631933216"/>
+        <p14:creationId xmlns:p14="http://schemas.microsoft.com/office/powerpoint/2010/main" val="2863456160"/>
       </p:ext>
     </p:extLst>
   </p:cSld>
@@ -2138,7 +3986,7 @@
 </file>
 
 <file path=ppt/slideLayouts/slideLayout8.xml><?xml version="1.0" encoding="utf-8"?>
-<p:sldLayout xmlns:a="http://schemas.openxmlformats.org/drawingml/2006/main" xmlns:r="http://schemas.openxmlformats.org/officeDocument/2006/relationships" xmlns:p="http://schemas.openxmlformats.org/presentationml/2006/main" type="objTx" preserve="1">
+<p:sldLayout xmlns:a="http://schemas.openxmlformats.org/drawingml/2006/main" xmlns:r="http://schemas.openxmlformats.org/officeDocument/2006/relationships" xmlns:p="http://schemas.openxmlformats.org/presentationml/2006/main" showMasterSp="0" type="objTx" preserve="1">
   <p:cSld name="Content with Caption">
     <p:spTree>
       <p:nvGrpSpPr>
@@ -2156,13 +4004,51 @@
       </p:grpSpPr>
       <p:sp>
         <p:nvSpPr>
-          <p:cNvPr id="2" name="Title 1">
-            <a:extLst>
-              <a:ext uri="{FF2B5EF4-FFF2-40B4-BE49-F238E27FC236}">
-                <a16:creationId xmlns:a16="http://schemas.microsoft.com/office/drawing/2014/main" id="{1C520C6C-30CD-42BD-BE1E-F02B4707824B}"/>
-              </a:ext>
-            </a:extLst>
-          </p:cNvPr>
+          <p:cNvPr id="8" name="Rectangle 7">
+            <a:extLst>
+              <a:ext uri="{FF2B5EF4-FFF2-40B4-BE49-F238E27FC236}">
+                <a16:creationId xmlns:a16="http://schemas.microsoft.com/office/drawing/2014/main" id="{16D90D66-BCB9-4229-A829-628874352AC0}"/>
+              </a:ext>
+            </a:extLst>
+          </p:cNvPr>
+          <p:cNvSpPr/>
+          <p:nvPr/>
+        </p:nvSpPr>
+        <p:spPr>
+          <a:xfrm>
+            <a:off x="16" y="0"/>
+            <a:ext cx="4654296" cy="6858000"/>
+          </a:xfrm>
+          <a:prstGeom prst="rect">
+            <a:avLst/>
+          </a:prstGeom>
+          <a:solidFill>
+            <a:srgbClr val="262626"/>
+          </a:solidFill>
+          <a:ln>
+            <a:noFill/>
+          </a:ln>
+        </p:spPr>
+        <p:style>
+          <a:lnRef idx="2">
+            <a:schemeClr val="accent1">
+              <a:shade val="50000"/>
+            </a:schemeClr>
+          </a:lnRef>
+          <a:fillRef idx="1">
+            <a:schemeClr val="accent1"/>
+          </a:fillRef>
+          <a:effectRef idx="0">
+            <a:schemeClr val="accent1"/>
+          </a:effectRef>
+          <a:fontRef idx="minor">
+            <a:schemeClr val="lt1"/>
+          </a:fontRef>
+        </p:style>
+      </p:sp>
+      <p:sp>
+        <p:nvSpPr>
+          <p:cNvPr id="2" name="Title 1"/>
           <p:cNvSpPr>
             <a:spLocks noGrp="1"/>
           </p:cNvSpPr>
@@ -2172,15 +4058,24 @@
         </p:nvSpPr>
         <p:spPr>
           <a:xfrm>
-            <a:off x="839788" y="457200"/>
-            <a:ext cx="3932237" cy="1600200"/>
-          </a:xfrm>
-        </p:spPr>
-        <p:txBody>
-          <a:bodyPr anchor="b"/>
+            <a:off x="643466" y="786383"/>
+            <a:ext cx="3517567" cy="2093975"/>
+          </a:xfrm>
+        </p:spPr>
+        <p:txBody>
+          <a:bodyPr anchor="b">
+            <a:normAutofit/>
+          </a:bodyPr>
           <a:lstStyle>
             <a:lvl1pPr>
-              <a:defRPr sz="3200"/>
+              <a:lnSpc>
+                <a:spcPct val="90000"/>
+              </a:lnSpc>
+              <a:defRPr sz="3600" b="0">
+                <a:solidFill>
+                  <a:srgbClr val="FFFFFF"/>
+                </a:solidFill>
+              </a:defRPr>
             </a:lvl1pPr>
           </a:lstStyle>
           <a:p>
@@ -2188,18 +4083,13 @@
               <a:rPr lang="en-US"/>
               <a:t>Click to edit Master title style</a:t>
             </a:r>
-          </a:p>
-        </p:txBody>
-      </p:sp>
-      <p:sp>
-        <p:nvSpPr>
-          <p:cNvPr id="3" name="Content Placeholder 2">
-            <a:extLst>
-              <a:ext uri="{FF2B5EF4-FFF2-40B4-BE49-F238E27FC236}">
-                <a16:creationId xmlns:a16="http://schemas.microsoft.com/office/drawing/2014/main" id="{1BDF89E4-F4B7-4403-B0D4-FDBC714EAFE6}"/>
-              </a:ext>
-            </a:extLst>
-          </p:cNvPr>
+            <a:endParaRPr lang="en-US" dirty="0"/>
+          </a:p>
+        </p:txBody>
+      </p:sp>
+      <p:sp>
+        <p:nvSpPr>
+          <p:cNvPr id="3" name="Content Placeholder 2"/>
           <p:cNvSpPr>
             <a:spLocks noGrp="1"/>
           </p:cNvSpPr>
@@ -2209,41 +4099,13 @@
         </p:nvSpPr>
         <p:spPr>
           <a:xfrm>
-            <a:off x="5183188" y="987425"/>
-            <a:ext cx="6172200" cy="4873625"/>
+            <a:off x="5458984" y="812799"/>
+            <a:ext cx="5928344" cy="5294757"/>
           </a:xfrm>
         </p:spPr>
         <p:txBody>
           <a:bodyPr/>
-          <a:lstStyle>
-            <a:lvl1pPr>
-              <a:defRPr sz="3200"/>
-            </a:lvl1pPr>
-            <a:lvl2pPr>
-              <a:defRPr sz="2800"/>
-            </a:lvl2pPr>
-            <a:lvl3pPr>
-              <a:defRPr sz="2400"/>
-            </a:lvl3pPr>
-            <a:lvl4pPr>
-              <a:defRPr sz="2000"/>
-            </a:lvl4pPr>
-            <a:lvl5pPr>
-              <a:defRPr sz="2000"/>
-            </a:lvl5pPr>
-            <a:lvl6pPr>
-              <a:defRPr sz="2000"/>
-            </a:lvl6pPr>
-            <a:lvl7pPr>
-              <a:defRPr sz="2000"/>
-            </a:lvl7pPr>
-            <a:lvl8pPr>
-              <a:defRPr sz="2000"/>
-            </a:lvl8pPr>
-            <a:lvl9pPr>
-              <a:defRPr sz="2000"/>
-            </a:lvl9pPr>
-          </a:lstStyle>
+          <a:lstStyle/>
           <a:p>
             <a:pPr lvl="0"/>
             <a:r>
@@ -2278,18 +4140,13 @@
               <a:rPr lang="en-US"/>
               <a:t>Fifth level</a:t>
             </a:r>
-          </a:p>
-        </p:txBody>
-      </p:sp>
-      <p:sp>
-        <p:nvSpPr>
-          <p:cNvPr id="4" name="Text Placeholder 3">
-            <a:extLst>
-              <a:ext uri="{FF2B5EF4-FFF2-40B4-BE49-F238E27FC236}">
-                <a16:creationId xmlns:a16="http://schemas.microsoft.com/office/drawing/2014/main" id="{46C4A68D-5503-4604-82DE-E6B52B3D4B6F}"/>
-              </a:ext>
-            </a:extLst>
-          </p:cNvPr>
+            <a:endParaRPr lang="en-US" dirty="0"/>
+          </a:p>
+        </p:txBody>
+      </p:sp>
+      <p:sp>
+        <p:nvSpPr>
+          <p:cNvPr id="4" name="Text Placeholder 3"/>
           <p:cNvSpPr>
             <a:spLocks noGrp="1"/>
           </p:cNvSpPr>
@@ -2299,48 +4156,54 @@
         </p:nvSpPr>
         <p:spPr>
           <a:xfrm>
-            <a:off x="839788" y="2057400"/>
-            <a:ext cx="3932237" cy="3811588"/>
-          </a:xfrm>
-        </p:spPr>
-        <p:txBody>
-          <a:bodyPr/>
+            <a:off x="643465" y="3043050"/>
+            <a:ext cx="3517567" cy="3064505"/>
+          </a:xfrm>
+        </p:spPr>
+        <p:txBody>
+          <a:bodyPr lIns="91440" rIns="91440">
+            <a:normAutofit/>
+          </a:bodyPr>
           <a:lstStyle>
             <a:lvl1pPr marL="0" indent="0">
               <a:buNone/>
-              <a:defRPr sz="1600"/>
+              <a:defRPr sz="1800">
+                <a:solidFill>
+                  <a:srgbClr val="FFFFFF"/>
+                </a:solidFill>
+              </a:defRPr>
             </a:lvl1pPr>
             <a:lvl2pPr marL="457200" indent="0">
               <a:buNone/>
-              <a:defRPr sz="1400"/>
+              <a:defRPr sz="1200"/>
             </a:lvl2pPr>
             <a:lvl3pPr marL="914400" indent="0">
               <a:buNone/>
-              <a:defRPr sz="1200"/>
+              <a:defRPr sz="1000"/>
             </a:lvl3pPr>
             <a:lvl4pPr marL="1371600" indent="0">
               <a:buNone/>
-              <a:defRPr sz="1000"/>
+              <a:defRPr sz="900"/>
             </a:lvl4pPr>
             <a:lvl5pPr marL="1828800" indent="0">
               <a:buNone/>
-              <a:defRPr sz="1000"/>
+              <a:defRPr sz="900"/>
             </a:lvl5pPr>
             <a:lvl6pPr marL="2286000" indent="0">
               <a:buNone/>
-              <a:defRPr sz="1000"/>
+              <a:defRPr sz="900"/>
             </a:lvl6pPr>
             <a:lvl7pPr marL="2743200" indent="0">
               <a:buNone/>
-              <a:defRPr sz="1000"/>
+              <a:defRPr sz="900"/>
             </a:lvl7pPr>
             <a:lvl8pPr marL="3200400" indent="0">
               <a:buNone/>
-              <a:defRPr sz="1000"/>
+              <a:defRPr sz="900"/>
             </a:lvl8pPr>
             <a:lvl9pPr marL="3657600" indent="0">
               <a:buNone/>
-              <a:defRPr sz="1000"/>
+              <a:defRPr sz="900"/>
             </a:lvl9pPr>
           </a:lstStyle>
           <a:p>
@@ -2354,13 +4217,7 @@
       </p:sp>
       <p:sp>
         <p:nvSpPr>
-          <p:cNvPr id="5" name="Date Placeholder 4">
-            <a:extLst>
-              <a:ext uri="{FF2B5EF4-FFF2-40B4-BE49-F238E27FC236}">
-                <a16:creationId xmlns:a16="http://schemas.microsoft.com/office/drawing/2014/main" id="{443971A1-81F5-4DFB-BB8E-0DA458675B68}"/>
-              </a:ext>
-            </a:extLst>
-          </p:cNvPr>
+          <p:cNvPr id="5" name="Date Placeholder 4"/>
           <p:cNvSpPr>
             <a:spLocks noGrp="1"/>
           </p:cNvSpPr>
@@ -2368,28 +4225,31 @@
             <p:ph type="dt" sz="half" idx="10"/>
           </p:nvPr>
         </p:nvSpPr>
-        <p:spPr/>
+        <p:spPr>
+          <a:xfrm>
+            <a:off x="643464" y="6446520"/>
+            <a:ext cx="3517568" cy="365125"/>
+          </a:xfrm>
+        </p:spPr>
         <p:txBody>
           <a:bodyPr/>
-          <a:lstStyle/>
-          <a:p>
-            <a:fld id="{E2F8D7EC-9139-40A0-BA34-E20BE854A8F6}" type="datetimeFigureOut">
+          <a:lstStyle>
+            <a:lvl1pPr algn="l">
+              <a:defRPr/>
+            </a:lvl1pPr>
+          </a:lstStyle>
+          <a:p>
+            <a:fld id="{92BEA474-078D-4E9B-9B14-09A87B19DC46}" type="datetime1">
               <a:rPr lang="en-US" smtClean="0"/>
-              <a:t>4/11/2020</a:t>
+              <a:t>4/15/2020</a:t>
             </a:fld>
-            <a:endParaRPr lang="en-US"/>
-          </a:p>
-        </p:txBody>
-      </p:sp>
-      <p:sp>
-        <p:nvSpPr>
-          <p:cNvPr id="6" name="Footer Placeholder 5">
-            <a:extLst>
-              <a:ext uri="{FF2B5EF4-FFF2-40B4-BE49-F238E27FC236}">
-                <a16:creationId xmlns:a16="http://schemas.microsoft.com/office/drawing/2014/main" id="{3C948B8D-FD9F-4AFD-AC11-DEB5ACD7954C}"/>
-              </a:ext>
-            </a:extLst>
-          </p:cNvPr>
+            <a:endParaRPr lang="en-US" dirty="0"/>
+          </a:p>
+        </p:txBody>
+      </p:sp>
+      <p:sp>
+        <p:nvSpPr>
+          <p:cNvPr id="6" name="Footer Placeholder 5"/>
           <p:cNvSpPr>
             <a:spLocks noGrp="1"/>
           </p:cNvSpPr>
@@ -2397,24 +4257,31 @@
             <p:ph type="ftr" sz="quarter" idx="11"/>
           </p:nvPr>
         </p:nvSpPr>
-        <p:spPr/>
+        <p:spPr>
+          <a:xfrm>
+            <a:off x="5458983" y="6446520"/>
+            <a:ext cx="5334019" cy="365125"/>
+          </a:xfrm>
+        </p:spPr>
         <p:txBody>
           <a:bodyPr/>
-          <a:lstStyle/>
-          <a:p>
-            <a:endParaRPr lang="en-US"/>
-          </a:p>
-        </p:txBody>
-      </p:sp>
-      <p:sp>
-        <p:nvSpPr>
-          <p:cNvPr id="7" name="Slide Number Placeholder 6">
-            <a:extLst>
-              <a:ext uri="{FF2B5EF4-FFF2-40B4-BE49-F238E27FC236}">
-                <a16:creationId xmlns:a16="http://schemas.microsoft.com/office/drawing/2014/main" id="{1BD69CBF-B2C0-4B6C-B299-1F726AD0F97B}"/>
-              </a:ext>
-            </a:extLst>
-          </p:cNvPr>
+          <a:lstStyle>
+            <a:lvl1pPr algn="l">
+              <a:defRPr>
+                <a:solidFill>
+                  <a:schemeClr val="tx2"/>
+                </a:solidFill>
+              </a:defRPr>
+            </a:lvl1pPr>
+          </a:lstStyle>
+          <a:p>
+            <a:endParaRPr lang="en-US" dirty="0"/>
+          </a:p>
+        </p:txBody>
+      </p:sp>
+      <p:sp>
+        <p:nvSpPr>
+          <p:cNvPr id="7" name="Slide Number Placeholder 6"/>
           <p:cNvSpPr>
             <a:spLocks noGrp="1"/>
           </p:cNvSpPr>
@@ -2425,20 +4292,29 @@
         <p:spPr/>
         <p:txBody>
           <a:bodyPr/>
-          <a:lstStyle/>
-          <a:p>
-            <a:fld id="{9D0AD380-C332-4457-9653-3C3944BB37F6}" type="slidenum">
+          <a:lstStyle>
+            <a:lvl1pPr>
+              <a:defRPr>
+                <a:solidFill>
+                  <a:schemeClr val="tx2"/>
+                </a:solidFill>
+              </a:defRPr>
+            </a:lvl1pPr>
+          </a:lstStyle>
+          <a:p>
+            <a:fld id="{3A98EE3D-8CD1-4C3F-BD1C-C98C9596463C}" type="slidenum">
               <a:rPr lang="en-US" smtClean="0"/>
+              <a:pPr/>
               <a:t>‹#›</a:t>
             </a:fld>
-            <a:endParaRPr lang="en-US"/>
+            <a:endParaRPr lang="en-US" dirty="0"/>
           </a:p>
         </p:txBody>
       </p:sp>
     </p:spTree>
     <p:extLst>
       <p:ext uri="{BB962C8B-B14F-4D97-AF65-F5344CB8AC3E}">
-        <p14:creationId xmlns:p14="http://schemas.microsoft.com/office/powerpoint/2010/main" val="1791895466"/>
+        <p14:creationId xmlns:p14="http://schemas.microsoft.com/office/powerpoint/2010/main" val="341206757"/>
       </p:ext>
     </p:extLst>
   </p:cSld>
@@ -2449,7 +4325,7 @@
 </file>
 
 <file path=ppt/slideLayouts/slideLayout9.xml><?xml version="1.0" encoding="utf-8"?>
-<p:sldLayout xmlns:a="http://schemas.openxmlformats.org/drawingml/2006/main" xmlns:r="http://schemas.openxmlformats.org/officeDocument/2006/relationships" xmlns:p="http://schemas.openxmlformats.org/presentationml/2006/main" type="picTx" preserve="1">
+<p:sldLayout xmlns:a="http://schemas.openxmlformats.org/drawingml/2006/main" xmlns:r="http://schemas.openxmlformats.org/officeDocument/2006/relationships" xmlns:p="http://schemas.openxmlformats.org/presentationml/2006/main" showMasterSp="0" type="picTx" preserve="1">
   <p:cSld name="Picture with Caption">
     <p:spTree>
       <p:nvGrpSpPr>
@@ -2467,52 +4343,53 @@
       </p:grpSpPr>
       <p:sp>
         <p:nvSpPr>
-          <p:cNvPr id="2" name="Title 1">
-            <a:extLst>
-              <a:ext uri="{FF2B5EF4-FFF2-40B4-BE49-F238E27FC236}">
-                <a16:creationId xmlns:a16="http://schemas.microsoft.com/office/drawing/2014/main" id="{64EE5FB9-4ED6-4C93-A5E8-0347B8809D2F}"/>
-              </a:ext>
-            </a:extLst>
-          </p:cNvPr>
+          <p:cNvPr id="8" name="Rectangle 7">
+            <a:extLst>
+              <a:ext uri="{FF2B5EF4-FFF2-40B4-BE49-F238E27FC236}">
+                <a16:creationId xmlns:a16="http://schemas.microsoft.com/office/drawing/2014/main" id="{DA134939-39C0-4522-A125-A13DFDA66490}"/>
+              </a:ext>
+            </a:extLst>
+          </p:cNvPr>
+          <p:cNvSpPr/>
+          <p:nvPr/>
+        </p:nvSpPr>
+        <p:spPr>
+          <a:xfrm>
+            <a:off x="0" y="4578350"/>
+            <a:ext cx="12188825" cy="2279650"/>
+          </a:xfrm>
+          <a:prstGeom prst="rect">
+            <a:avLst/>
+          </a:prstGeom>
+          <a:solidFill>
+            <a:srgbClr val="262626"/>
+          </a:solidFill>
+          <a:ln>
+            <a:noFill/>
+          </a:ln>
+        </p:spPr>
+        <p:style>
+          <a:lnRef idx="2">
+            <a:schemeClr val="accent1">
+              <a:shade val="50000"/>
+            </a:schemeClr>
+          </a:lnRef>
+          <a:fillRef idx="1">
+            <a:schemeClr val="accent1"/>
+          </a:fillRef>
+          <a:effectRef idx="0">
+            <a:schemeClr val="accent1"/>
+          </a:effectRef>
+          <a:fontRef idx="minor">
+            <a:schemeClr val="lt1"/>
+          </a:fontRef>
+        </p:style>
+      </p:sp>
+      <p:sp>
+        <p:nvSpPr>
+          <p:cNvPr id="3" name="Picture Placeholder 2"/>
           <p:cNvSpPr>
-            <a:spLocks noGrp="1"/>
-          </p:cNvSpPr>
-          <p:nvPr>
-            <p:ph type="title"/>
-          </p:nvPr>
-        </p:nvSpPr>
-        <p:spPr>
-          <a:xfrm>
-            <a:off x="839788" y="457200"/>
-            <a:ext cx="3932237" cy="1600200"/>
-          </a:xfrm>
-        </p:spPr>
-        <p:txBody>
-          <a:bodyPr anchor="b"/>
-          <a:lstStyle>
-            <a:lvl1pPr>
-              <a:defRPr sz="3200"/>
-            </a:lvl1pPr>
-          </a:lstStyle>
-          <a:p>
-            <a:r>
-              <a:rPr lang="en-US"/>
-              <a:t>Click to edit Master title style</a:t>
-            </a:r>
-          </a:p>
-        </p:txBody>
-      </p:sp>
-      <p:sp>
-        <p:nvSpPr>
-          <p:cNvPr id="3" name="Picture Placeholder 2">
-            <a:extLst>
-              <a:ext uri="{FF2B5EF4-FFF2-40B4-BE49-F238E27FC236}">
-                <a16:creationId xmlns:a16="http://schemas.microsoft.com/office/drawing/2014/main" id="{3975A108-73E2-4876-809B-CC4E09BEB825}"/>
-              </a:ext>
-            </a:extLst>
-          </p:cNvPr>
-          <p:cNvSpPr>
-            <a:spLocks noGrp="1"/>
+            <a:spLocks noGrp="1" noChangeAspect="1"/>
           </p:cNvSpPr>
           <p:nvPr>
             <p:ph type="pic" idx="1"/>
@@ -2520,12 +4397,17 @@
         </p:nvSpPr>
         <p:spPr>
           <a:xfrm>
-            <a:off x="5183188" y="987425"/>
-            <a:ext cx="6172200" cy="4873625"/>
-          </a:xfrm>
-        </p:spPr>
-        <p:txBody>
-          <a:bodyPr/>
+            <a:off x="15" y="0"/>
+            <a:ext cx="12191985" cy="4578350"/>
+          </a:xfrm>
+          <a:solidFill>
+            <a:schemeClr val="bg1">
+              <a:lumMod val="85000"/>
+            </a:schemeClr>
+          </a:solidFill>
+        </p:spPr>
+        <p:txBody>
+          <a:bodyPr lIns="457200" tIns="457200" anchor="t"/>
           <a:lstStyle>
             <a:lvl1pPr marL="0" indent="0">
               <a:buNone/>
@@ -2565,19 +4447,55 @@
             </a:lvl9pPr>
           </a:lstStyle>
           <a:p>
-            <a:endParaRPr lang="en-US"/>
-          </a:p>
-        </p:txBody>
-      </p:sp>
-      <p:sp>
-        <p:nvSpPr>
-          <p:cNvPr id="4" name="Text Placeholder 3">
-            <a:extLst>
-              <a:ext uri="{FF2B5EF4-FFF2-40B4-BE49-F238E27FC236}">
-                <a16:creationId xmlns:a16="http://schemas.microsoft.com/office/drawing/2014/main" id="{1782BA6B-4F97-4417-98A7-B340F5CC2AB9}"/>
-              </a:ext>
-            </a:extLst>
-          </p:cNvPr>
+            <a:r>
+              <a:rPr lang="en-US"/>
+              <a:t>Click icon to add picture</a:t>
+            </a:r>
+            <a:endParaRPr lang="en-US" dirty="0"/>
+          </a:p>
+        </p:txBody>
+      </p:sp>
+      <p:sp>
+        <p:nvSpPr>
+          <p:cNvPr id="2" name="Title 1"/>
+          <p:cNvSpPr>
+            <a:spLocks noGrp="1"/>
+          </p:cNvSpPr>
+          <p:nvPr>
+            <p:ph type="title"/>
+          </p:nvPr>
+        </p:nvSpPr>
+        <p:spPr>
+          <a:xfrm>
+            <a:off x="1097279" y="4799362"/>
+            <a:ext cx="10113645" cy="743682"/>
+          </a:xfrm>
+        </p:spPr>
+        <p:txBody>
+          <a:bodyPr tIns="0" bIns="0" anchor="b">
+            <a:noAutofit/>
+          </a:bodyPr>
+          <a:lstStyle>
+            <a:lvl1pPr>
+              <a:defRPr sz="3600" b="0">
+                <a:solidFill>
+                  <a:srgbClr val="FFFFFF"/>
+                </a:solidFill>
+              </a:defRPr>
+            </a:lvl1pPr>
+          </a:lstStyle>
+          <a:p>
+            <a:r>
+              <a:rPr lang="en-US"/>
+              <a:t>Click to edit Master title style</a:t>
+            </a:r>
+            <a:endParaRPr lang="en-US" dirty="0"/>
+          </a:p>
+        </p:txBody>
+      </p:sp>
+      <p:sp>
+        <p:nvSpPr>
+          <p:cNvPr id="4" name="Text Placeholder 3"/>
           <p:cNvSpPr>
             <a:spLocks noGrp="1"/>
           </p:cNvSpPr>
@@ -2587,48 +4505,60 @@
         </p:nvSpPr>
         <p:spPr>
           <a:xfrm>
-            <a:off x="839788" y="2057400"/>
-            <a:ext cx="3932237" cy="3811588"/>
-          </a:xfrm>
-        </p:spPr>
-        <p:txBody>
-          <a:bodyPr/>
+            <a:off x="1097279" y="5715000"/>
+            <a:ext cx="10113264" cy="609600"/>
+          </a:xfrm>
+        </p:spPr>
+        <p:txBody>
+          <a:bodyPr lIns="91440" tIns="0" rIns="91440" bIns="0">
+            <a:normAutofit/>
+          </a:bodyPr>
           <a:lstStyle>
             <a:lvl1pPr marL="0" indent="0">
+              <a:spcBef>
+                <a:spcPts val="0"/>
+              </a:spcBef>
+              <a:spcAft>
+                <a:spcPts val="600"/>
+              </a:spcAft>
               <a:buNone/>
-              <a:defRPr sz="1600"/>
+              <a:defRPr sz="1800">
+                <a:solidFill>
+                  <a:srgbClr val="FFFFFF"/>
+                </a:solidFill>
+              </a:defRPr>
             </a:lvl1pPr>
             <a:lvl2pPr marL="457200" indent="0">
               <a:buNone/>
-              <a:defRPr sz="1400"/>
+              <a:defRPr sz="1200"/>
             </a:lvl2pPr>
             <a:lvl3pPr marL="914400" indent="0">
               <a:buNone/>
-              <a:defRPr sz="1200"/>
+              <a:defRPr sz="1000"/>
             </a:lvl3pPr>
             <a:lvl4pPr marL="1371600" indent="0">
               <a:buNone/>
-              <a:defRPr sz="1000"/>
+              <a:defRPr sz="900"/>
             </a:lvl4pPr>
             <a:lvl5pPr marL="1828800" indent="0">
               <a:buNone/>
-              <a:defRPr sz="1000"/>
+              <a:defRPr sz="900"/>
             </a:lvl5pPr>
             <a:lvl6pPr marL="2286000" indent="0">
               <a:buNone/>
-              <a:defRPr sz="1000"/>
+              <a:defRPr sz="900"/>
             </a:lvl6pPr>
             <a:lvl7pPr marL="2743200" indent="0">
               <a:buNone/>
-              <a:defRPr sz="1000"/>
+              <a:defRPr sz="900"/>
             </a:lvl7pPr>
             <a:lvl8pPr marL="3200400" indent="0">
               <a:buNone/>
-              <a:defRPr sz="1000"/>
+              <a:defRPr sz="900"/>
             </a:lvl8pPr>
             <a:lvl9pPr marL="3657600" indent="0">
               <a:buNone/>
-              <a:defRPr sz="1000"/>
+              <a:defRPr sz="900"/>
             </a:lvl9pPr>
           </a:lstStyle>
           <a:p>
@@ -2642,13 +4572,7 @@
       </p:sp>
       <p:sp>
         <p:nvSpPr>
-          <p:cNvPr id="5" name="Date Placeholder 4">
-            <a:extLst>
-              <a:ext uri="{FF2B5EF4-FFF2-40B4-BE49-F238E27FC236}">
-                <a16:creationId xmlns:a16="http://schemas.microsoft.com/office/drawing/2014/main" id="{63703477-608D-4997-A2AB-9C297262CAF9}"/>
-              </a:ext>
-            </a:extLst>
-          </p:cNvPr>
+          <p:cNvPr id="5" name="Date Placeholder 4"/>
           <p:cNvSpPr>
             <a:spLocks noGrp="1"/>
           </p:cNvSpPr>
@@ -2659,25 +4583,23 @@
         <p:spPr/>
         <p:txBody>
           <a:bodyPr/>
-          <a:lstStyle/>
-          <a:p>
-            <a:fld id="{E2F8D7EC-9139-40A0-BA34-E20BE854A8F6}" type="datetimeFigureOut">
+          <a:lstStyle>
+            <a:lvl1pPr>
+              <a:defRPr/>
+            </a:lvl1pPr>
+          </a:lstStyle>
+          <a:p>
+            <a:fld id="{4907D986-8816-4272-A432-0437A28A9828}" type="datetime1">
               <a:rPr lang="en-US" smtClean="0"/>
-              <a:t>4/11/2020</a:t>
+              <a:t>4/15/2020</a:t>
             </a:fld>
-            <a:endParaRPr lang="en-US"/>
-          </a:p>
-        </p:txBody>
-      </p:sp>
-      <p:sp>
-        <p:nvSpPr>
-          <p:cNvPr id="6" name="Footer Placeholder 5">
-            <a:extLst>
-              <a:ext uri="{FF2B5EF4-FFF2-40B4-BE49-F238E27FC236}">
-                <a16:creationId xmlns:a16="http://schemas.microsoft.com/office/drawing/2014/main" id="{3C0236B2-78E5-453B-98E8-00ED05E6F9D0}"/>
-              </a:ext>
-            </a:extLst>
-          </p:cNvPr>
+            <a:endParaRPr lang="en-US" dirty="0"/>
+          </a:p>
+        </p:txBody>
+      </p:sp>
+      <p:sp>
+        <p:nvSpPr>
+          <p:cNvPr id="6" name="Footer Placeholder 5"/>
           <p:cNvSpPr>
             <a:spLocks noGrp="1"/>
           </p:cNvSpPr>
@@ -2685,24 +4607,24 @@
             <p:ph type="ftr" sz="quarter" idx="11"/>
           </p:nvPr>
         </p:nvSpPr>
-        <p:spPr/>
+        <p:spPr>
+          <a:xfrm>
+            <a:off x="1097279" y="6446838"/>
+            <a:ext cx="6818262" cy="365125"/>
+          </a:xfrm>
+        </p:spPr>
         <p:txBody>
           <a:bodyPr/>
           <a:lstStyle/>
           <a:p>
-            <a:endParaRPr lang="en-US"/>
-          </a:p>
-        </p:txBody>
-      </p:sp>
-      <p:sp>
-        <p:nvSpPr>
-          <p:cNvPr id="7" name="Slide Number Placeholder 6">
-            <a:extLst>
-              <a:ext uri="{FF2B5EF4-FFF2-40B4-BE49-F238E27FC236}">
-                <a16:creationId xmlns:a16="http://schemas.microsoft.com/office/drawing/2014/main" id="{613A91BD-8D3B-45A9-B8A9-3F1194A7CA57}"/>
-              </a:ext>
-            </a:extLst>
-          </p:cNvPr>
+            <a:pPr algn="l"/>
+            <a:endParaRPr lang="en-US" dirty="0"/>
+          </a:p>
+        </p:txBody>
+      </p:sp>
+      <p:sp>
+        <p:nvSpPr>
+          <p:cNvPr id="7" name="Slide Number Placeholder 6"/>
           <p:cNvSpPr>
             <a:spLocks noGrp="1"/>
           </p:cNvSpPr>
@@ -2715,18 +4637,18 @@
           <a:bodyPr/>
           <a:lstStyle/>
           <a:p>
-            <a:fld id="{9D0AD380-C332-4457-9653-3C3944BB37F6}" type="slidenum">
+            <a:fld id="{3A98EE3D-8CD1-4C3F-BD1C-C98C9596463C}" type="slidenum">
               <a:rPr lang="en-US" smtClean="0"/>
               <a:t>‹#›</a:t>
             </a:fld>
-            <a:endParaRPr lang="en-US"/>
+            <a:endParaRPr lang="en-US" dirty="0"/>
           </a:p>
         </p:txBody>
       </p:sp>
     </p:spTree>
     <p:extLst>
       <p:ext uri="{BB962C8B-B14F-4D97-AF65-F5344CB8AC3E}">
-        <p14:creationId xmlns:p14="http://schemas.microsoft.com/office/powerpoint/2010/main" val="3966713203"/>
+        <p14:creationId xmlns:p14="http://schemas.microsoft.com/office/powerpoint/2010/main" val="475840096"/>
       </p:ext>
     </p:extLst>
   </p:cSld>
@@ -2760,13 +4682,51 @@
       </p:grpSpPr>
       <p:sp>
         <p:nvSpPr>
-          <p:cNvPr id="2" name="Title Placeholder 1">
-            <a:extLst>
-              <a:ext uri="{FF2B5EF4-FFF2-40B4-BE49-F238E27FC236}">
-                <a16:creationId xmlns:a16="http://schemas.microsoft.com/office/drawing/2014/main" id="{8F59AC5C-8A18-4F18-B8E6-782D7750CE47}"/>
-              </a:ext>
-            </a:extLst>
-          </p:cNvPr>
+          <p:cNvPr id="7" name="Rectangle 6">
+            <a:extLst>
+              <a:ext uri="{FF2B5EF4-FFF2-40B4-BE49-F238E27FC236}">
+                <a16:creationId xmlns:a16="http://schemas.microsoft.com/office/drawing/2014/main" id="{416A0E3C-60E6-4F39-BC55-5F7C224E1F7C}"/>
+              </a:ext>
+            </a:extLst>
+          </p:cNvPr>
+          <p:cNvSpPr/>
+          <p:nvPr/>
+        </p:nvSpPr>
+        <p:spPr>
+          <a:xfrm>
+            <a:off x="3175" y="6400800"/>
+            <a:ext cx="12188825" cy="457200"/>
+          </a:xfrm>
+          <a:prstGeom prst="rect">
+            <a:avLst/>
+          </a:prstGeom>
+          <a:solidFill>
+            <a:srgbClr val="262626"/>
+          </a:solidFill>
+          <a:ln>
+            <a:noFill/>
+          </a:ln>
+        </p:spPr>
+        <p:style>
+          <a:lnRef idx="2">
+            <a:schemeClr val="accent1">
+              <a:shade val="50000"/>
+            </a:schemeClr>
+          </a:lnRef>
+          <a:fillRef idx="1">
+            <a:schemeClr val="accent1"/>
+          </a:fillRef>
+          <a:effectRef idx="0">
+            <a:schemeClr val="accent1"/>
+          </a:effectRef>
+          <a:fontRef idx="minor">
+            <a:schemeClr val="lt1"/>
+          </a:fontRef>
+        </p:style>
+      </p:sp>
+      <p:sp>
+        <p:nvSpPr>
+          <p:cNvPr id="2" name="Title Placeholder 1"/>
           <p:cNvSpPr>
             <a:spLocks noGrp="1"/>
           </p:cNvSpPr>
@@ -2776,15 +4736,15 @@
         </p:nvSpPr>
         <p:spPr>
           <a:xfrm>
-            <a:off x="838200" y="365125"/>
-            <a:ext cx="10515600" cy="1325563"/>
+            <a:off x="1097280" y="286603"/>
+            <a:ext cx="10058400" cy="1450757"/>
           </a:xfrm>
           <a:prstGeom prst="rect">
             <a:avLst/>
           </a:prstGeom>
         </p:spPr>
         <p:txBody>
-          <a:bodyPr vert="horz" lIns="91440" tIns="45720" rIns="91440" bIns="45720" rtlCol="0" anchor="ctr">
+          <a:bodyPr vert="horz" lIns="91440" tIns="45720" rIns="91440" bIns="45720" rtlCol="0" anchor="b">
             <a:normAutofit/>
           </a:bodyPr>
           <a:lstStyle/>
@@ -2793,18 +4753,13 @@
               <a:rPr lang="en-US"/>
               <a:t>Click to edit Master title style</a:t>
             </a:r>
-          </a:p>
-        </p:txBody>
-      </p:sp>
-      <p:sp>
-        <p:nvSpPr>
-          <p:cNvPr id="3" name="Text Placeholder 2">
-            <a:extLst>
-              <a:ext uri="{FF2B5EF4-FFF2-40B4-BE49-F238E27FC236}">
-                <a16:creationId xmlns:a16="http://schemas.microsoft.com/office/drawing/2014/main" id="{453CBD67-BB3F-41FC-80E5-2EB66F114332}"/>
-              </a:ext>
-            </a:extLst>
-          </p:cNvPr>
+            <a:endParaRPr lang="en-US" dirty="0"/>
+          </a:p>
+        </p:txBody>
+      </p:sp>
+      <p:sp>
+        <p:nvSpPr>
+          <p:cNvPr id="3" name="Text Placeholder 2"/>
           <p:cNvSpPr>
             <a:spLocks noGrp="1"/>
           </p:cNvSpPr>
@@ -2814,15 +4769,15 @@
         </p:nvSpPr>
         <p:spPr>
           <a:xfrm>
-            <a:off x="838200" y="1825625"/>
-            <a:ext cx="10515600" cy="4351338"/>
+            <a:off x="1097280" y="2108201"/>
+            <a:ext cx="10058400" cy="3760891"/>
           </a:xfrm>
           <a:prstGeom prst="rect">
             <a:avLst/>
           </a:prstGeom>
         </p:spPr>
         <p:txBody>
-          <a:bodyPr vert="horz" lIns="91440" tIns="45720" rIns="91440" bIns="45720" rtlCol="0">
+          <a:bodyPr vert="horz" lIns="0" tIns="45720" rIns="0" bIns="45720" rtlCol="0">
             <a:normAutofit/>
           </a:bodyPr>
           <a:lstStyle/>
@@ -2860,18 +4815,13 @@
               <a:rPr lang="en-US"/>
               <a:t>Fifth level</a:t>
             </a:r>
-          </a:p>
-        </p:txBody>
-      </p:sp>
-      <p:sp>
-        <p:nvSpPr>
-          <p:cNvPr id="4" name="Date Placeholder 3">
-            <a:extLst>
-              <a:ext uri="{FF2B5EF4-FFF2-40B4-BE49-F238E27FC236}">
-                <a16:creationId xmlns:a16="http://schemas.microsoft.com/office/drawing/2014/main" id="{6D8B8100-DE1A-49F0-9920-86497C0C9C58}"/>
-              </a:ext>
-            </a:extLst>
-          </p:cNvPr>
+            <a:endParaRPr lang="en-US" dirty="0"/>
+          </a:p>
+        </p:txBody>
+      </p:sp>
+      <p:sp>
+        <p:nvSpPr>
+          <p:cNvPr id="4" name="Date Placeholder 3"/>
           <p:cNvSpPr>
             <a:spLocks noGrp="1"/>
           </p:cNvSpPr>
@@ -2881,8 +4831,8 @@
         </p:nvSpPr>
         <p:spPr>
           <a:xfrm>
-            <a:off x="838200" y="6356350"/>
-            <a:ext cx="2743200" cy="365125"/>
+            <a:off x="8218426" y="6446838"/>
+            <a:ext cx="2584850" cy="365125"/>
           </a:xfrm>
           <a:prstGeom prst="rect">
             <a:avLst/>
@@ -2891,34 +4841,26 @@
         <p:txBody>
           <a:bodyPr vert="horz" lIns="91440" tIns="45720" rIns="91440" bIns="45720" rtlCol="0" anchor="ctr"/>
           <a:lstStyle>
-            <a:lvl1pPr algn="l">
-              <a:defRPr sz="1200">
+            <a:lvl1pPr algn="r">
+              <a:defRPr sz="900">
                 <a:solidFill>
-                  <a:schemeClr val="tx1">
-                    <a:tint val="75000"/>
-                  </a:schemeClr>
+                  <a:srgbClr val="FFFFFF"/>
                 </a:solidFill>
               </a:defRPr>
             </a:lvl1pPr>
           </a:lstStyle>
           <a:p>
-            <a:fld id="{E2F8D7EC-9139-40A0-BA34-E20BE854A8F6}" type="datetimeFigureOut">
+            <a:fld id="{62D6E202-B606-4609-B914-27C9371A1F6D}" type="datetime1">
               <a:rPr lang="en-US" smtClean="0"/>
-              <a:t>4/11/2020</a:t>
+              <a:t>4/15/2020</a:t>
             </a:fld>
-            <a:endParaRPr lang="en-US"/>
-          </a:p>
-        </p:txBody>
-      </p:sp>
-      <p:sp>
-        <p:nvSpPr>
-          <p:cNvPr id="5" name="Footer Placeholder 4">
-            <a:extLst>
-              <a:ext uri="{FF2B5EF4-FFF2-40B4-BE49-F238E27FC236}">
-                <a16:creationId xmlns:a16="http://schemas.microsoft.com/office/drawing/2014/main" id="{0229AF1F-6233-499D-B287-09542074D9D8}"/>
-              </a:ext>
-            </a:extLst>
-          </p:cNvPr>
+            <a:endParaRPr lang="en-US" dirty="0"/>
+          </a:p>
+        </p:txBody>
+      </p:sp>
+      <p:sp>
+        <p:nvSpPr>
+          <p:cNvPr id="5" name="Footer Placeholder 4"/>
           <p:cNvSpPr>
             <a:spLocks noGrp="1"/>
           </p:cNvSpPr>
@@ -2928,8 +4870,8 @@
         </p:nvSpPr>
         <p:spPr>
           <a:xfrm>
-            <a:off x="4038600" y="6356350"/>
-            <a:ext cx="4114800" cy="365125"/>
+            <a:off x="1097279" y="6446838"/>
+            <a:ext cx="6818262" cy="365125"/>
           </a:xfrm>
           <a:prstGeom prst="rect">
             <a:avLst/>
@@ -2938,30 +4880,22 @@
         <p:txBody>
           <a:bodyPr vert="horz" lIns="91440" tIns="45720" rIns="91440" bIns="45720" rtlCol="0" anchor="ctr"/>
           <a:lstStyle>
-            <a:lvl1pPr algn="ctr">
-              <a:defRPr sz="1200">
+            <a:lvl1pPr algn="l">
+              <a:defRPr sz="900" cap="all" baseline="0">
                 <a:solidFill>
-                  <a:schemeClr val="tx1">
-                    <a:tint val="75000"/>
-                  </a:schemeClr>
+                  <a:srgbClr val="FFFFFF"/>
                 </a:solidFill>
               </a:defRPr>
             </a:lvl1pPr>
           </a:lstStyle>
           <a:p>
-            <a:endParaRPr lang="en-US"/>
-          </a:p>
-        </p:txBody>
-      </p:sp>
-      <p:sp>
-        <p:nvSpPr>
-          <p:cNvPr id="6" name="Slide Number Placeholder 5">
-            <a:extLst>
-              <a:ext uri="{FF2B5EF4-FFF2-40B4-BE49-F238E27FC236}">
-                <a16:creationId xmlns:a16="http://schemas.microsoft.com/office/drawing/2014/main" id="{033578A7-3EFE-4B3D-95A2-6065A0452D9E}"/>
-              </a:ext>
-            </a:extLst>
-          </p:cNvPr>
+            <a:endParaRPr lang="en-US" dirty="0"/>
+          </a:p>
+        </p:txBody>
+      </p:sp>
+      <p:sp>
+        <p:nvSpPr>
+          <p:cNvPr id="6" name="Slide Number Placeholder 5"/>
           <p:cNvSpPr>
             <a:spLocks noGrp="1"/>
           </p:cNvSpPr>
@@ -2971,8 +4905,8 @@
         </p:nvSpPr>
         <p:spPr>
           <a:xfrm>
-            <a:off x="8610600" y="6356350"/>
-            <a:ext cx="2743200" cy="365125"/>
+            <a:off x="10993582" y="6446838"/>
+            <a:ext cx="780010" cy="365125"/>
           </a:xfrm>
           <a:prstGeom prst="rect">
             <a:avLst/>
@@ -2981,59 +4915,105 @@
         <p:txBody>
           <a:bodyPr vert="horz" lIns="91440" tIns="45720" rIns="91440" bIns="45720" rtlCol="0" anchor="ctr"/>
           <a:lstStyle>
-            <a:lvl1pPr algn="r">
-              <a:defRPr sz="1200">
+            <a:lvl1pPr algn="l">
+              <a:defRPr sz="900">
                 <a:solidFill>
-                  <a:schemeClr val="tx1">
-                    <a:tint val="75000"/>
-                  </a:schemeClr>
+                  <a:srgbClr val="FFFFFF"/>
                 </a:solidFill>
               </a:defRPr>
             </a:lvl1pPr>
           </a:lstStyle>
           <a:p>
-            <a:fld id="{9D0AD380-C332-4457-9653-3C3944BB37F6}" type="slidenum">
+            <a:fld id="{3A98EE3D-8CD1-4C3F-BD1C-C98C9596463C}" type="slidenum">
               <a:rPr lang="en-US" smtClean="0"/>
               <a:t>‹#›</a:t>
             </a:fld>
-            <a:endParaRPr lang="en-US"/>
-          </a:p>
-        </p:txBody>
-      </p:sp>
+            <a:endParaRPr lang="en-US" dirty="0"/>
+          </a:p>
+        </p:txBody>
+      </p:sp>
+      <p:cxnSp>
+        <p:nvCxnSpPr>
+          <p:cNvPr id="10" name="Straight Connector 9">
+            <a:extLst>
+              <a:ext uri="{FF2B5EF4-FFF2-40B4-BE49-F238E27FC236}">
+                <a16:creationId xmlns:a16="http://schemas.microsoft.com/office/drawing/2014/main" id="{C5025DAC-8B93-4160-B017-3A274A5828C0}"/>
+              </a:ext>
+            </a:extLst>
+          </p:cNvPr>
+          <p:cNvCxnSpPr/>
+          <p:nvPr/>
+        </p:nvCxnSpPr>
+        <p:spPr>
+          <a:xfrm>
+            <a:off x="1193532" y="1897380"/>
+            <a:ext cx="9966960" cy="0"/>
+          </a:xfrm>
+          <a:prstGeom prst="line">
+            <a:avLst/>
+          </a:prstGeom>
+          <a:ln w="12700">
+            <a:solidFill>
+              <a:schemeClr val="tx1">
+                <a:lumMod val="75000"/>
+                <a:lumOff val="25000"/>
+              </a:schemeClr>
+            </a:solidFill>
+          </a:ln>
+        </p:spPr>
+        <p:style>
+          <a:lnRef idx="1">
+            <a:schemeClr val="accent1"/>
+          </a:lnRef>
+          <a:fillRef idx="0">
+            <a:schemeClr val="accent1"/>
+          </a:fillRef>
+          <a:effectRef idx="0">
+            <a:schemeClr val="accent1"/>
+          </a:effectRef>
+          <a:fontRef idx="minor">
+            <a:schemeClr val="tx1"/>
+          </a:fontRef>
+        </p:style>
+      </p:cxnSp>
     </p:spTree>
     <p:extLst>
       <p:ext uri="{BB962C8B-B14F-4D97-AF65-F5344CB8AC3E}">
-        <p14:creationId xmlns:p14="http://schemas.microsoft.com/office/powerpoint/2010/main" val="1168635009"/>
+        <p14:creationId xmlns:p14="http://schemas.microsoft.com/office/powerpoint/2010/main" val="2029139687"/>
       </p:ext>
     </p:extLst>
   </p:cSld>
   <p:clrMap bg1="lt1" tx1="dk1" bg2="lt2" tx2="dk2" accent1="accent1" accent2="accent2" accent3="accent3" accent4="accent4" accent5="accent5" accent6="accent6" hlink="hlink" folHlink="folHlink"/>
   <p:sldLayoutIdLst>
-    <p:sldLayoutId id="2147483649" r:id="rId1"/>
-    <p:sldLayoutId id="2147483650" r:id="rId2"/>
-    <p:sldLayoutId id="2147483651" r:id="rId3"/>
-    <p:sldLayoutId id="2147483652" r:id="rId4"/>
-    <p:sldLayoutId id="2147483653" r:id="rId5"/>
-    <p:sldLayoutId id="2147483654" r:id="rId6"/>
-    <p:sldLayoutId id="2147483655" r:id="rId7"/>
-    <p:sldLayoutId id="2147483656" r:id="rId8"/>
-    <p:sldLayoutId id="2147483657" r:id="rId9"/>
-    <p:sldLayoutId id="2147483658" r:id="rId10"/>
-    <p:sldLayoutId id="2147483659" r:id="rId11"/>
+    <p:sldLayoutId id="2147484173" r:id="rId1"/>
+    <p:sldLayoutId id="2147484174" r:id="rId2"/>
+    <p:sldLayoutId id="2147484175" r:id="rId3"/>
+    <p:sldLayoutId id="2147484176" r:id="rId4"/>
+    <p:sldLayoutId id="2147484177" r:id="rId5"/>
+    <p:sldLayoutId id="2147484178" r:id="rId6"/>
+    <p:sldLayoutId id="2147484179" r:id="rId7"/>
+    <p:sldLayoutId id="2147484180" r:id="rId8"/>
+    <p:sldLayoutId id="2147484181" r:id="rId9"/>
+    <p:sldLayoutId id="2147484182" r:id="rId10"/>
+    <p:sldLayoutId id="2147484183" r:id="rId11"/>
   </p:sldLayoutIdLst>
+  <p:hf sldNum="0" hdr="0" ftr="0" dt="0"/>
   <p:txStyles>
     <p:titleStyle>
       <a:lvl1pPr algn="l" defTabSz="914400" rtl="0" eaLnBrk="1" latinLnBrk="0" hangingPunct="1">
         <a:lnSpc>
-          <a:spcPct val="90000"/>
+          <a:spcPct val="80000"/>
         </a:lnSpc>
         <a:spcBef>
           <a:spcPct val="0"/>
         </a:spcBef>
         <a:buNone/>
-        <a:defRPr sz="4400" kern="1200">
+        <a:defRPr sz="5400" kern="1200" spc="-50" baseline="0">
           <a:solidFill>
-            <a:schemeClr val="tx1"/>
+            <a:schemeClr val="tx1">
+              <a:lumMod val="75000"/>
+              <a:lumOff val="25000"/>
+            </a:schemeClr>
           </a:solidFill>
           <a:latin typeface="+mj-lt"/>
           <a:ea typeface="+mj-ea"/>
@@ -3042,162 +5022,236 @@
       </a:lvl1pPr>
     </p:titleStyle>
     <p:bodyStyle>
-      <a:lvl1pPr marL="228600" indent="-228600" algn="l" defTabSz="914400" rtl="0" eaLnBrk="1" latinLnBrk="0" hangingPunct="1">
+      <a:lvl1pPr marL="91440" indent="-91440" algn="l" defTabSz="914400" rtl="0" eaLnBrk="1" latinLnBrk="0" hangingPunct="1">
         <a:lnSpc>
-          <a:spcPct val="90000"/>
+          <a:spcPct val="110000"/>
         </a:lnSpc>
         <a:spcBef>
-          <a:spcPts val="1000"/>
+          <a:spcPts val="1200"/>
         </a:spcBef>
-        <a:buFont typeface="Arial" panose="020B0604020202020204" pitchFamily="34" charset="0"/>
-        <a:buChar char="•"/>
-        <a:defRPr sz="2800" kern="1200">
+        <a:spcAft>
+          <a:spcPts val="200"/>
+        </a:spcAft>
+        <a:buClr>
+          <a:schemeClr val="accent1"/>
+        </a:buClr>
+        <a:buSzPct val="100000"/>
+        <a:buFont typeface="Calibri" panose="020F0502020204030204" pitchFamily="34" charset="0"/>
+        <a:buChar char=" "/>
+        <a:defRPr sz="2300" kern="1200">
           <a:solidFill>
-            <a:schemeClr val="tx1"/>
+            <a:schemeClr val="tx1">
+              <a:lumMod val="75000"/>
+              <a:lumOff val="25000"/>
+            </a:schemeClr>
           </a:solidFill>
           <a:latin typeface="+mn-lt"/>
           <a:ea typeface="+mn-ea"/>
           <a:cs typeface="+mn-cs"/>
         </a:defRPr>
       </a:lvl1pPr>
-      <a:lvl2pPr marL="685800" indent="-228600" algn="l" defTabSz="914400" rtl="0" eaLnBrk="1" latinLnBrk="0" hangingPunct="1">
+      <a:lvl2pPr marL="384048" indent="-182880" algn="l" defTabSz="914400" rtl="0" eaLnBrk="1" latinLnBrk="0" hangingPunct="1">
         <a:lnSpc>
-          <a:spcPct val="90000"/>
+          <a:spcPct val="100000"/>
         </a:lnSpc>
         <a:spcBef>
-          <a:spcPts val="500"/>
+          <a:spcPts val="200"/>
         </a:spcBef>
-        <a:buFont typeface="Arial" panose="020B0604020202020204" pitchFamily="34" charset="0"/>
-        <a:buChar char="•"/>
-        <a:defRPr sz="2400" kern="1200">
+        <a:spcAft>
+          <a:spcPts val="400"/>
+        </a:spcAft>
+        <a:buClrTx/>
+        <a:buFont typeface="Calibri" pitchFamily="34" charset="0"/>
+        <a:buChar char="◦"/>
+        <a:defRPr sz="2100" kern="1200">
           <a:solidFill>
-            <a:schemeClr val="tx1"/>
+            <a:schemeClr val="tx1">
+              <a:lumMod val="75000"/>
+              <a:lumOff val="25000"/>
+            </a:schemeClr>
           </a:solidFill>
           <a:latin typeface="+mn-lt"/>
           <a:ea typeface="+mn-ea"/>
           <a:cs typeface="+mn-cs"/>
         </a:defRPr>
       </a:lvl2pPr>
-      <a:lvl3pPr marL="1143000" indent="-228600" algn="l" defTabSz="914400" rtl="0" eaLnBrk="1" latinLnBrk="0" hangingPunct="1">
+      <a:lvl3pPr marL="566928" indent="-182880" algn="l" defTabSz="914400" rtl="0" eaLnBrk="1" latinLnBrk="0" hangingPunct="1">
         <a:lnSpc>
-          <a:spcPct val="90000"/>
+          <a:spcPct val="100000"/>
         </a:lnSpc>
         <a:spcBef>
-          <a:spcPts val="500"/>
+          <a:spcPts val="200"/>
         </a:spcBef>
-        <a:buFont typeface="Arial" panose="020B0604020202020204" pitchFamily="34" charset="0"/>
-        <a:buChar char="•"/>
-        <a:defRPr sz="2000" kern="1200">
+        <a:spcAft>
+          <a:spcPts val="400"/>
+        </a:spcAft>
+        <a:buClrTx/>
+        <a:buFont typeface="Calibri" pitchFamily="34" charset="0"/>
+        <a:buChar char="◦"/>
+        <a:defRPr sz="1600" kern="1200">
           <a:solidFill>
-            <a:schemeClr val="tx1"/>
+            <a:schemeClr val="tx1">
+              <a:lumMod val="75000"/>
+              <a:lumOff val="25000"/>
+            </a:schemeClr>
           </a:solidFill>
           <a:latin typeface="+mn-lt"/>
           <a:ea typeface="+mn-ea"/>
           <a:cs typeface="+mn-cs"/>
         </a:defRPr>
       </a:lvl3pPr>
-      <a:lvl4pPr marL="1600200" indent="-228600" algn="l" defTabSz="914400" rtl="0" eaLnBrk="1" latinLnBrk="0" hangingPunct="1">
+      <a:lvl4pPr marL="749808" indent="-182880" algn="l" defTabSz="914400" rtl="0" eaLnBrk="1" latinLnBrk="0" hangingPunct="1">
         <a:lnSpc>
-          <a:spcPct val="90000"/>
+          <a:spcPct val="100000"/>
         </a:lnSpc>
         <a:spcBef>
-          <a:spcPts val="500"/>
+          <a:spcPts val="200"/>
         </a:spcBef>
-        <a:buFont typeface="Arial" panose="020B0604020202020204" pitchFamily="34" charset="0"/>
-        <a:buChar char="•"/>
-        <a:defRPr sz="1800" kern="1200">
+        <a:spcAft>
+          <a:spcPts val="400"/>
+        </a:spcAft>
+        <a:buClrTx/>
+        <a:buFont typeface="Calibri" pitchFamily="34" charset="0"/>
+        <a:buChar char="◦"/>
+        <a:defRPr sz="1600" kern="1200">
           <a:solidFill>
-            <a:schemeClr val="tx1"/>
+            <a:schemeClr val="tx1">
+              <a:lumMod val="75000"/>
+              <a:lumOff val="25000"/>
+            </a:schemeClr>
           </a:solidFill>
           <a:latin typeface="+mn-lt"/>
           <a:ea typeface="+mn-ea"/>
           <a:cs typeface="+mn-cs"/>
         </a:defRPr>
       </a:lvl4pPr>
-      <a:lvl5pPr marL="2057400" indent="-228600" algn="l" defTabSz="914400" rtl="0" eaLnBrk="1" latinLnBrk="0" hangingPunct="1">
+      <a:lvl5pPr marL="932688" indent="-182880" algn="l" defTabSz="914400" rtl="0" eaLnBrk="1" latinLnBrk="0" hangingPunct="1">
         <a:lnSpc>
-          <a:spcPct val="90000"/>
+          <a:spcPct val="100000"/>
         </a:lnSpc>
         <a:spcBef>
-          <a:spcPts val="500"/>
+          <a:spcPts val="200"/>
         </a:spcBef>
-        <a:buFont typeface="Arial" panose="020B0604020202020204" pitchFamily="34" charset="0"/>
-        <a:buChar char="•"/>
-        <a:defRPr sz="1800" kern="1200">
+        <a:spcAft>
+          <a:spcPts val="400"/>
+        </a:spcAft>
+        <a:buClrTx/>
+        <a:buFont typeface="Calibri" pitchFamily="34" charset="0"/>
+        <a:buChar char="◦"/>
+        <a:defRPr sz="1600" kern="1200">
           <a:solidFill>
-            <a:schemeClr val="tx1"/>
+            <a:schemeClr val="tx1">
+              <a:lumMod val="75000"/>
+              <a:lumOff val="25000"/>
+            </a:schemeClr>
           </a:solidFill>
           <a:latin typeface="+mn-lt"/>
           <a:ea typeface="+mn-ea"/>
           <a:cs typeface="+mn-cs"/>
         </a:defRPr>
       </a:lvl5pPr>
-      <a:lvl6pPr marL="2514600" indent="-228600" algn="l" defTabSz="914400" rtl="0" eaLnBrk="1" latinLnBrk="0" hangingPunct="1">
+      <a:lvl6pPr marL="1100000" indent="-228600" algn="l" defTabSz="914400" rtl="0" eaLnBrk="1" latinLnBrk="0" hangingPunct="1">
         <a:lnSpc>
           <a:spcPct val="90000"/>
         </a:lnSpc>
         <a:spcBef>
-          <a:spcPts val="500"/>
+          <a:spcPts val="200"/>
         </a:spcBef>
-        <a:buFont typeface="Arial" panose="020B0604020202020204" pitchFamily="34" charset="0"/>
-        <a:buChar char="•"/>
-        <a:defRPr sz="1800" kern="1200">
+        <a:spcAft>
+          <a:spcPts val="400"/>
+        </a:spcAft>
+        <a:buClr>
+          <a:schemeClr val="accent1"/>
+        </a:buClr>
+        <a:buFont typeface="Calibri" pitchFamily="34" charset="0"/>
+        <a:buChar char="◦"/>
+        <a:defRPr sz="1400" kern="1200">
           <a:solidFill>
-            <a:schemeClr val="tx1"/>
+            <a:schemeClr val="tx1">
+              <a:lumMod val="75000"/>
+              <a:lumOff val="25000"/>
+            </a:schemeClr>
           </a:solidFill>
           <a:latin typeface="+mn-lt"/>
           <a:ea typeface="+mn-ea"/>
           <a:cs typeface="+mn-cs"/>
         </a:defRPr>
       </a:lvl6pPr>
-      <a:lvl7pPr marL="2971800" indent="-228600" algn="l" defTabSz="914400" rtl="0" eaLnBrk="1" latinLnBrk="0" hangingPunct="1">
+      <a:lvl7pPr marL="1300000" indent="-228600" algn="l" defTabSz="914400" rtl="0" eaLnBrk="1" latinLnBrk="0" hangingPunct="1">
         <a:lnSpc>
           <a:spcPct val="90000"/>
         </a:lnSpc>
         <a:spcBef>
-          <a:spcPts val="500"/>
+          <a:spcPts val="200"/>
         </a:spcBef>
-        <a:buFont typeface="Arial" panose="020B0604020202020204" pitchFamily="34" charset="0"/>
-        <a:buChar char="•"/>
-        <a:defRPr sz="1800" kern="1200">
+        <a:spcAft>
+          <a:spcPts val="400"/>
+        </a:spcAft>
+        <a:buClr>
+          <a:schemeClr val="accent1"/>
+        </a:buClr>
+        <a:buFont typeface="Calibri" pitchFamily="34" charset="0"/>
+        <a:buChar char="◦"/>
+        <a:defRPr sz="1400" kern="1200">
           <a:solidFill>
-            <a:schemeClr val="tx1"/>
+            <a:schemeClr val="tx1">
+              <a:lumMod val="75000"/>
+              <a:lumOff val="25000"/>
+            </a:schemeClr>
           </a:solidFill>
           <a:latin typeface="+mn-lt"/>
           <a:ea typeface="+mn-ea"/>
           <a:cs typeface="+mn-cs"/>
         </a:defRPr>
       </a:lvl7pPr>
-      <a:lvl8pPr marL="3429000" indent="-228600" algn="l" defTabSz="914400" rtl="0" eaLnBrk="1" latinLnBrk="0" hangingPunct="1">
+      <a:lvl8pPr marL="1500000" indent="-228600" algn="l" defTabSz="914400" rtl="0" eaLnBrk="1" latinLnBrk="0" hangingPunct="1">
         <a:lnSpc>
           <a:spcPct val="90000"/>
         </a:lnSpc>
         <a:spcBef>
-          <a:spcPts val="500"/>
+          <a:spcPts val="200"/>
         </a:spcBef>
-        <a:buFont typeface="Arial" panose="020B0604020202020204" pitchFamily="34" charset="0"/>
-        <a:buChar char="•"/>
-        <a:defRPr sz="1800" kern="1200">
+        <a:spcAft>
+          <a:spcPts val="400"/>
+        </a:spcAft>
+        <a:buClr>
+          <a:schemeClr val="accent1"/>
+        </a:buClr>
+        <a:buFont typeface="Calibri" pitchFamily="34" charset="0"/>
+        <a:buChar char="◦"/>
+        <a:defRPr sz="1400" kern="1200">
           <a:solidFill>
-            <a:schemeClr val="tx1"/>
+            <a:schemeClr val="tx1">
+              <a:lumMod val="75000"/>
+              <a:lumOff val="25000"/>
+            </a:schemeClr>
           </a:solidFill>
           <a:latin typeface="+mn-lt"/>
           <a:ea typeface="+mn-ea"/>
           <a:cs typeface="+mn-cs"/>
         </a:defRPr>
       </a:lvl8pPr>
-      <a:lvl9pPr marL="3886200" indent="-228600" algn="l" defTabSz="914400" rtl="0" eaLnBrk="1" latinLnBrk="0" hangingPunct="1">
+      <a:lvl9pPr marL="1700000" indent="-228600" algn="l" defTabSz="914400" rtl="0" eaLnBrk="1" latinLnBrk="0" hangingPunct="1">
         <a:lnSpc>
           <a:spcPct val="90000"/>
         </a:lnSpc>
         <a:spcBef>
-          <a:spcPts val="500"/>
+          <a:spcPts val="200"/>
         </a:spcBef>
-        <a:buFont typeface="Arial" panose="020B0604020202020204" pitchFamily="34" charset="0"/>
-        <a:buChar char="•"/>
-        <a:defRPr sz="1800" kern="1200">
+        <a:spcAft>
+          <a:spcPts val="400"/>
+        </a:spcAft>
+        <a:buClr>
+          <a:schemeClr val="accent1"/>
+        </a:buClr>
+        <a:buFont typeface="Calibri" pitchFamily="34" charset="0"/>
+        <a:buChar char="◦"/>
+        <a:defRPr sz="1400" kern="1200">
           <a:solidFill>
-            <a:schemeClr val="tx1"/>
+            <a:schemeClr val="tx1">
+              <a:lumMod val="75000"/>
+              <a:lumOff val="25000"/>
+            </a:schemeClr>
           </a:solidFill>
           <a:latin typeface="+mn-lt"/>
           <a:ea typeface="+mn-ea"/>
@@ -3326,7 +5380,7 @@
           <p:cNvPr id="2" name="Title 1">
             <a:extLst>
               <a:ext uri="{FF2B5EF4-FFF2-40B4-BE49-F238E27FC236}">
-                <a16:creationId xmlns:a16="http://schemas.microsoft.com/office/drawing/2014/main" id="{F2683731-B962-4F3E-906C-6C241FFBCEB9}"/>
+                <a16:creationId xmlns:a16="http://schemas.microsoft.com/office/drawing/2014/main" id="{B43408BD-D9D0-4E8B-B549-5F28951DD9FF}"/>
               </a:ext>
             </a:extLst>
           </p:cNvPr>
@@ -3351,7 +5405,7 @@
           <p:cNvPr id="3" name="Subtitle 2">
             <a:extLst>
               <a:ext uri="{FF2B5EF4-FFF2-40B4-BE49-F238E27FC236}">
-                <a16:creationId xmlns:a16="http://schemas.microsoft.com/office/drawing/2014/main" id="{60B18FFD-89DD-4DC8-BCB7-E854DBF7DA3A}"/>
+                <a16:creationId xmlns:a16="http://schemas.microsoft.com/office/drawing/2014/main" id="{CB04B9B3-7730-4C19-8658-46F54AE3CC5B}"/>
               </a:ext>
             </a:extLst>
           </p:cNvPr>
@@ -3371,10 +5425,2983 @@
           </a:p>
         </p:txBody>
       </p:sp>
+      <p:pic>
+        <p:nvPicPr>
+          <p:cNvPr id="5" name="Picture 4" descr="A screenshot of a cell phone&#10;&#10;Description automatically generated">
+            <a:extLst>
+              <a:ext uri="{FF2B5EF4-FFF2-40B4-BE49-F238E27FC236}">
+                <a16:creationId xmlns:a16="http://schemas.microsoft.com/office/drawing/2014/main" id="{F86CF7A2-6757-4FE3-9717-003D9BF7A78A}"/>
+              </a:ext>
+            </a:extLst>
+          </p:cNvPr>
+          <p:cNvPicPr>
+            <a:picLocks noChangeAspect="1"/>
+          </p:cNvPicPr>
+          <p:nvPr/>
+        </p:nvPicPr>
+        <p:blipFill>
+          <a:blip r:embed="rId2">
+            <a:extLst>
+              <a:ext uri="{28A0092B-C50C-407E-A947-70E740481C1C}">
+                <a14:useLocalDpi xmlns:a14="http://schemas.microsoft.com/office/drawing/2010/main" val="0"/>
+              </a:ext>
+            </a:extLst>
+          </a:blip>
+          <a:stretch>
+            <a:fillRect/>
+          </a:stretch>
+        </p:blipFill>
+        <p:spPr>
+          <a:xfrm>
+            <a:off x="0" y="-46181"/>
+            <a:ext cx="12192000" cy="6858000"/>
+          </a:xfrm>
+          <a:prstGeom prst="rect">
+            <a:avLst/>
+          </a:prstGeom>
+        </p:spPr>
+      </p:pic>
     </p:spTree>
     <p:extLst>
       <p:ext uri="{BB962C8B-B14F-4D97-AF65-F5344CB8AC3E}">
-        <p14:creationId xmlns:p14="http://schemas.microsoft.com/office/powerpoint/2010/main" val="171951311"/>
+        <p14:creationId xmlns:p14="http://schemas.microsoft.com/office/powerpoint/2010/main" val="1673448457"/>
+      </p:ext>
+    </p:extLst>
+  </p:cSld>
+  <p:clrMapOvr>
+    <a:masterClrMapping/>
+  </p:clrMapOvr>
+</p:sld>
+</file>
+
+<file path=ppt/slides/slide2.xml><?xml version="1.0" encoding="utf-8"?>
+<p:sld xmlns:a="http://schemas.openxmlformats.org/drawingml/2006/main" xmlns:r="http://schemas.openxmlformats.org/officeDocument/2006/relationships" xmlns:p="http://schemas.openxmlformats.org/presentationml/2006/main">
+  <p:cSld>
+    <p:bg>
+      <p:bgPr>
+        <a:solidFill>
+          <a:schemeClr val="bg1"/>
+        </a:solidFill>
+        <a:effectLst/>
+      </p:bgPr>
+    </p:bg>
+    <p:spTree>
+      <p:nvGrpSpPr>
+        <p:cNvPr id="1" name=""/>
+        <p:cNvGrpSpPr/>
+        <p:nvPr/>
+      </p:nvGrpSpPr>
+      <p:grpSpPr>
+        <a:xfrm>
+          <a:off x="0" y="0"/>
+          <a:ext cx="0" cy="0"/>
+          <a:chOff x="0" y="0"/>
+          <a:chExt cx="0" cy="0"/>
+        </a:xfrm>
+      </p:grpSpPr>
+      <p:sp>
+        <p:nvSpPr>
+          <p:cNvPr id="10" name="Rectangle 9">
+            <a:extLst>
+              <a:ext uri="{FF2B5EF4-FFF2-40B4-BE49-F238E27FC236}">
+                <a16:creationId xmlns:a16="http://schemas.microsoft.com/office/drawing/2014/main" id="{A8E9C91B-7EAD-4562-AB0E-DFB9663AECE3}"/>
+              </a:ext>
+              <a:ext uri="{C183D7F6-B498-43B3-948B-1728B52AA6E4}">
+                <adec:decorative xmlns:adec="http://schemas.microsoft.com/office/drawing/2017/decorative" val="1"/>
+              </a:ext>
+            </a:extLst>
+          </p:cNvPr>
+          <p:cNvSpPr>
+            <a:spLocks noGrp="1" noRot="1" noChangeAspect="1" noMove="1" noResize="1" noEditPoints="1" noAdjustHandles="1" noChangeArrowheads="1" noChangeShapeType="1" noTextEdit="1"/>
+          </p:cNvSpPr>
+          <p:nvPr>
+            <p:extLst>
+              <p:ext uri="{386F3935-93C4-4BCD-93E2-E3B085C9AB24}">
+                <p16:designElem xmlns:p16="http://schemas.microsoft.com/office/powerpoint/2015/main" val="1"/>
+              </p:ext>
+            </p:extLst>
+          </p:nvPr>
+        </p:nvSpPr>
+        <p:spPr>
+          <a:xfrm>
+            <a:off x="3175" y="6400800"/>
+            <a:ext cx="12188825" cy="457200"/>
+          </a:xfrm>
+          <a:prstGeom prst="rect">
+            <a:avLst/>
+          </a:prstGeom>
+          <a:solidFill>
+            <a:srgbClr val="262626"/>
+          </a:solidFill>
+          <a:ln>
+            <a:noFill/>
+          </a:ln>
+        </p:spPr>
+        <p:style>
+          <a:lnRef idx="2">
+            <a:schemeClr val="accent1">
+              <a:shade val="50000"/>
+            </a:schemeClr>
+          </a:lnRef>
+          <a:fillRef idx="1">
+            <a:schemeClr val="accent1"/>
+          </a:fillRef>
+          <a:effectRef idx="0">
+            <a:schemeClr val="accent1"/>
+          </a:effectRef>
+          <a:fontRef idx="minor">
+            <a:schemeClr val="lt1"/>
+          </a:fontRef>
+        </p:style>
+      </p:sp>
+      <p:sp useBgFill="1">
+        <p:nvSpPr>
+          <p:cNvPr id="12" name="Rectangle 11">
+            <a:extLst>
+              <a:ext uri="{FF2B5EF4-FFF2-40B4-BE49-F238E27FC236}">
+                <a16:creationId xmlns:a16="http://schemas.microsoft.com/office/drawing/2014/main" id="{652BD35A-BC99-4831-A358-06E2CEB96697}"/>
+              </a:ext>
+              <a:ext uri="{C183D7F6-B498-43B3-948B-1728B52AA6E4}">
+                <adec:decorative xmlns:adec="http://schemas.microsoft.com/office/drawing/2017/decorative" val="1"/>
+              </a:ext>
+            </a:extLst>
+          </p:cNvPr>
+          <p:cNvSpPr>
+            <a:spLocks noGrp="1" noRot="1" noChangeAspect="1" noMove="1" noResize="1" noEditPoints="1" noAdjustHandles="1" noChangeArrowheads="1" noChangeShapeType="1" noTextEdit="1"/>
+          </p:cNvSpPr>
+          <p:nvPr>
+            <p:extLst>
+              <p:ext uri="{386F3935-93C4-4BCD-93E2-E3B085C9AB24}">
+                <p16:designElem xmlns:p16="http://schemas.microsoft.com/office/powerpoint/2015/main" val="1"/>
+              </p:ext>
+            </p:extLst>
+          </p:nvPr>
+        </p:nvSpPr>
+        <p:spPr>
+          <a:xfrm>
+            <a:off x="0" y="0"/>
+            <a:ext cx="12192000" cy="6858000"/>
+          </a:xfrm>
+          <a:prstGeom prst="rect">
+            <a:avLst/>
+          </a:prstGeom>
+          <a:ln>
+            <a:noFill/>
+          </a:ln>
+        </p:spPr>
+        <p:style>
+          <a:lnRef idx="2">
+            <a:schemeClr val="accent1">
+              <a:shade val="50000"/>
+            </a:schemeClr>
+          </a:lnRef>
+          <a:fillRef idx="1">
+            <a:schemeClr val="accent1"/>
+          </a:fillRef>
+          <a:effectRef idx="0">
+            <a:schemeClr val="accent1"/>
+          </a:effectRef>
+          <a:fontRef idx="minor">
+            <a:schemeClr val="lt1"/>
+          </a:fontRef>
+        </p:style>
+        <p:txBody>
+          <a:bodyPr rtlCol="0" anchor="ctr"/>
+          <a:lstStyle/>
+          <a:p>
+            <a:pPr algn="ctr"/>
+            <a:endParaRPr lang="en-US"/>
+          </a:p>
+        </p:txBody>
+      </p:sp>
+      <p:sp>
+        <p:nvSpPr>
+          <p:cNvPr id="14" name="Rectangle 13">
+            <a:extLst>
+              <a:ext uri="{FF2B5EF4-FFF2-40B4-BE49-F238E27FC236}">
+                <a16:creationId xmlns:a16="http://schemas.microsoft.com/office/drawing/2014/main" id="{B76E24C1-2968-40DC-A36E-F6B85F0F0752}"/>
+              </a:ext>
+              <a:ext uri="{C183D7F6-B498-43B3-948B-1728B52AA6E4}">
+                <adec:decorative xmlns:adec="http://schemas.microsoft.com/office/drawing/2017/decorative" val="1"/>
+              </a:ext>
+            </a:extLst>
+          </p:cNvPr>
+          <p:cNvSpPr>
+            <a:spLocks noGrp="1" noRot="1" noChangeAspect="1" noMove="1" noResize="1" noEditPoints="1" noAdjustHandles="1" noChangeArrowheads="1" noChangeShapeType="1" noTextEdit="1"/>
+          </p:cNvSpPr>
+          <p:nvPr>
+            <p:extLst>
+              <p:ext uri="{386F3935-93C4-4BCD-93E2-E3B085C9AB24}">
+                <p16:designElem xmlns:p16="http://schemas.microsoft.com/office/powerpoint/2015/main" val="1"/>
+              </p:ext>
+            </p:extLst>
+          </p:nvPr>
+        </p:nvSpPr>
+        <p:spPr>
+          <a:xfrm>
+            <a:off x="522732" y="521208"/>
+            <a:ext cx="11146536" cy="5815584"/>
+          </a:xfrm>
+          <a:prstGeom prst="rect">
+            <a:avLst/>
+          </a:prstGeom>
+          <a:solidFill>
+            <a:srgbClr val="FFFFFF"/>
+          </a:solidFill>
+          <a:ln w="69850">
+            <a:solidFill>
+              <a:schemeClr val="tx1">
+                <a:lumMod val="75000"/>
+                <a:lumOff val="25000"/>
+              </a:schemeClr>
+            </a:solidFill>
+            <a:miter lim="800000"/>
+          </a:ln>
+        </p:spPr>
+        <p:style>
+          <a:lnRef idx="2">
+            <a:schemeClr val="accent1">
+              <a:shade val="50000"/>
+            </a:schemeClr>
+          </a:lnRef>
+          <a:fillRef idx="1">
+            <a:schemeClr val="accent1"/>
+          </a:fillRef>
+          <a:effectRef idx="0">
+            <a:schemeClr val="accent1"/>
+          </a:effectRef>
+          <a:fontRef idx="minor">
+            <a:schemeClr val="lt1"/>
+          </a:fontRef>
+        </p:style>
+        <p:txBody>
+          <a:bodyPr rtlCol="0" anchor="ctr"/>
+          <a:lstStyle/>
+          <a:p>
+            <a:pPr algn="ctr"/>
+            <a:endParaRPr lang="en-US"/>
+          </a:p>
+        </p:txBody>
+      </p:sp>
+      <p:sp>
+        <p:nvSpPr>
+          <p:cNvPr id="19" name="Rectangle 18">
+            <a:extLst>
+              <a:ext uri="{FF2B5EF4-FFF2-40B4-BE49-F238E27FC236}">
+                <a16:creationId xmlns:a16="http://schemas.microsoft.com/office/drawing/2014/main" id="{DFA25F50-C2CE-40D4-A797-5804B2B6BDC1}"/>
+              </a:ext>
+            </a:extLst>
+          </p:cNvPr>
+          <p:cNvSpPr/>
+          <p:nvPr/>
+        </p:nvSpPr>
+        <p:spPr>
+          <a:xfrm>
+            <a:off x="497393" y="563153"/>
+            <a:ext cx="11146536" cy="5815584"/>
+          </a:xfrm>
+          <a:prstGeom prst="rect">
+            <a:avLst/>
+          </a:prstGeom>
+        </p:spPr>
+        <p:style>
+          <a:lnRef idx="2">
+            <a:schemeClr val="accent1">
+              <a:shade val="50000"/>
+            </a:schemeClr>
+          </a:lnRef>
+          <a:fillRef idx="1">
+            <a:schemeClr val="accent1"/>
+          </a:fillRef>
+          <a:effectRef idx="0">
+            <a:schemeClr val="accent1"/>
+          </a:effectRef>
+          <a:fontRef idx="minor">
+            <a:schemeClr val="lt1"/>
+          </a:fontRef>
+        </p:style>
+        <p:txBody>
+          <a:bodyPr rtlCol="0" anchor="ctr"/>
+          <a:lstStyle/>
+          <a:p>
+            <a:pPr algn="ctr"/>
+            <a:endParaRPr lang="en-US" dirty="0"/>
+          </a:p>
+        </p:txBody>
+      </p:sp>
+      <p:pic>
+        <p:nvPicPr>
+          <p:cNvPr id="5" name="Picture 4" descr="A picture containing building, window, game&#10;&#10;Description automatically generated">
+            <a:extLst>
+              <a:ext uri="{FF2B5EF4-FFF2-40B4-BE49-F238E27FC236}">
+                <a16:creationId xmlns:a16="http://schemas.microsoft.com/office/drawing/2014/main" id="{2C943B75-0DEB-41A5-9DC7-FD221F228978}"/>
+              </a:ext>
+            </a:extLst>
+          </p:cNvPr>
+          <p:cNvPicPr>
+            <a:picLocks noChangeAspect="1"/>
+          </p:cNvPicPr>
+          <p:nvPr/>
+        </p:nvPicPr>
+        <p:blipFill>
+          <a:blip r:embed="rId2">
+            <a:extLst>
+              <a:ext uri="{28A0092B-C50C-407E-A947-70E740481C1C}">
+                <a14:useLocalDpi xmlns:a14="http://schemas.microsoft.com/office/drawing/2010/main" val="0"/>
+              </a:ext>
+            </a:extLst>
+          </a:blip>
+          <a:stretch>
+            <a:fillRect/>
+          </a:stretch>
+        </p:blipFill>
+        <p:spPr>
+          <a:xfrm>
+            <a:off x="6494003" y="1726554"/>
+            <a:ext cx="5039728" cy="4462322"/>
+          </a:xfrm>
+          <a:prstGeom prst="rect">
+            <a:avLst/>
+          </a:prstGeom>
+        </p:spPr>
+      </p:pic>
+      <p:sp>
+        <p:nvSpPr>
+          <p:cNvPr id="26" name="Rectangle 25">
+            <a:extLst>
+              <a:ext uri="{FF2B5EF4-FFF2-40B4-BE49-F238E27FC236}">
+                <a16:creationId xmlns:a16="http://schemas.microsoft.com/office/drawing/2014/main" id="{560CF402-555C-4CDA-B483-B7EC9E41F0CD}"/>
+              </a:ext>
+            </a:extLst>
+          </p:cNvPr>
+          <p:cNvSpPr/>
+          <p:nvPr/>
+        </p:nvSpPr>
+        <p:spPr>
+          <a:xfrm>
+            <a:off x="658269" y="1800936"/>
+            <a:ext cx="5425062" cy="974701"/>
+          </a:xfrm>
+          <a:prstGeom prst="rect">
+            <a:avLst/>
+          </a:prstGeom>
+        </p:spPr>
+        <p:style>
+          <a:lnRef idx="2">
+            <a:schemeClr val="dk1"/>
+          </a:lnRef>
+          <a:fillRef idx="1">
+            <a:schemeClr val="lt1"/>
+          </a:fillRef>
+          <a:effectRef idx="0">
+            <a:schemeClr val="dk1"/>
+          </a:effectRef>
+          <a:fontRef idx="minor">
+            <a:schemeClr val="dk1"/>
+          </a:fontRef>
+        </p:style>
+        <p:txBody>
+          <a:bodyPr rtlCol="0" anchor="ctr"/>
+          <a:lstStyle/>
+          <a:p>
+            <a:pPr algn="ctr"/>
+            <a:endParaRPr lang="en-US" sz="4800" b="1" dirty="0">
+              <a:ln w="0"/>
+              <a:solidFill>
+                <a:schemeClr val="tx1"/>
+              </a:solidFill>
+              <a:effectLst>
+                <a:outerShdw blurRad="38100" dist="19050" dir="2700000" algn="tl" rotWithShape="0">
+                  <a:schemeClr val="dk1">
+                    <a:alpha val="40000"/>
+                  </a:schemeClr>
+                </a:outerShdw>
+              </a:effectLst>
+              <a:latin typeface="Arial" panose="020B0604020202020204" pitchFamily="34" charset="0"/>
+              <a:cs typeface="Arial" panose="020B0604020202020204" pitchFamily="34" charset="0"/>
+            </a:endParaRPr>
+          </a:p>
+        </p:txBody>
+      </p:sp>
+      <p:sp>
+        <p:nvSpPr>
+          <p:cNvPr id="29" name="Rectangle 28">
+            <a:extLst>
+              <a:ext uri="{FF2B5EF4-FFF2-40B4-BE49-F238E27FC236}">
+                <a16:creationId xmlns:a16="http://schemas.microsoft.com/office/drawing/2014/main" id="{122200C5-BB17-4628-8F5B-D5576173E50F}"/>
+              </a:ext>
+            </a:extLst>
+          </p:cNvPr>
+          <p:cNvSpPr/>
+          <p:nvPr/>
+        </p:nvSpPr>
+        <p:spPr>
+          <a:xfrm>
+            <a:off x="658269" y="650120"/>
+            <a:ext cx="5425062" cy="974701"/>
+          </a:xfrm>
+          <a:prstGeom prst="rect">
+            <a:avLst/>
+          </a:prstGeom>
+        </p:spPr>
+        <p:style>
+          <a:lnRef idx="2">
+            <a:schemeClr val="dk1"/>
+          </a:lnRef>
+          <a:fillRef idx="1">
+            <a:schemeClr val="lt1"/>
+          </a:fillRef>
+          <a:effectRef idx="0">
+            <a:schemeClr val="dk1"/>
+          </a:effectRef>
+          <a:fontRef idx="minor">
+            <a:schemeClr val="dk1"/>
+          </a:fontRef>
+        </p:style>
+        <p:txBody>
+          <a:bodyPr rtlCol="0" anchor="ctr"/>
+          <a:lstStyle/>
+          <a:p>
+            <a:pPr algn="ctr"/>
+            <a:endParaRPr lang="en-US" sz="2000" dirty="0">
+              <a:ln w="0"/>
+              <a:solidFill>
+                <a:schemeClr val="tx1"/>
+              </a:solidFill>
+              <a:effectLst>
+                <a:outerShdw blurRad="38100" dist="19050" dir="2700000" algn="tl" rotWithShape="0">
+                  <a:schemeClr val="dk1">
+                    <a:alpha val="40000"/>
+                  </a:schemeClr>
+                </a:outerShdw>
+              </a:effectLst>
+              <a:latin typeface="Arial" panose="020B0604020202020204" pitchFamily="34" charset="0"/>
+              <a:cs typeface="Arial" panose="020B0604020202020204" pitchFamily="34" charset="0"/>
+            </a:endParaRPr>
+          </a:p>
+        </p:txBody>
+      </p:sp>
+      <p:sp>
+        <p:nvSpPr>
+          <p:cNvPr id="30" name="Rectangle 29">
+            <a:extLst>
+              <a:ext uri="{FF2B5EF4-FFF2-40B4-BE49-F238E27FC236}">
+                <a16:creationId xmlns:a16="http://schemas.microsoft.com/office/drawing/2014/main" id="{033CE0D6-E2CF-42FB-A7AB-65A141DC769B}"/>
+              </a:ext>
+            </a:extLst>
+          </p:cNvPr>
+          <p:cNvSpPr/>
+          <p:nvPr/>
+        </p:nvSpPr>
+        <p:spPr>
+          <a:xfrm>
+            <a:off x="645600" y="2912048"/>
+            <a:ext cx="5425061" cy="974701"/>
+          </a:xfrm>
+          <a:prstGeom prst="rect">
+            <a:avLst/>
+          </a:prstGeom>
+        </p:spPr>
+        <p:style>
+          <a:lnRef idx="2">
+            <a:schemeClr val="dk1"/>
+          </a:lnRef>
+          <a:fillRef idx="1">
+            <a:schemeClr val="lt1"/>
+          </a:fillRef>
+          <a:effectRef idx="0">
+            <a:schemeClr val="dk1"/>
+          </a:effectRef>
+          <a:fontRef idx="minor">
+            <a:schemeClr val="dk1"/>
+          </a:fontRef>
+        </p:style>
+        <p:txBody>
+          <a:bodyPr rtlCol="0" anchor="ctr"/>
+          <a:lstStyle/>
+          <a:p>
+            <a:pPr algn="ctr"/>
+            <a:endParaRPr lang="en-US" sz="4800" b="1" dirty="0">
+              <a:ln w="0"/>
+              <a:solidFill>
+                <a:schemeClr val="tx1"/>
+              </a:solidFill>
+              <a:effectLst>
+                <a:outerShdw blurRad="38100" dist="19050" dir="2700000" algn="tl" rotWithShape="0">
+                  <a:schemeClr val="dk1">
+                    <a:alpha val="40000"/>
+                  </a:schemeClr>
+                </a:outerShdw>
+              </a:effectLst>
+              <a:latin typeface="Arial" panose="020B0604020202020204" pitchFamily="34" charset="0"/>
+              <a:cs typeface="Arial" panose="020B0604020202020204" pitchFamily="34" charset="0"/>
+            </a:endParaRPr>
+          </a:p>
+        </p:txBody>
+      </p:sp>
+      <p:sp>
+        <p:nvSpPr>
+          <p:cNvPr id="31" name="Rectangle 30">
+            <a:extLst>
+              <a:ext uri="{FF2B5EF4-FFF2-40B4-BE49-F238E27FC236}">
+                <a16:creationId xmlns:a16="http://schemas.microsoft.com/office/drawing/2014/main" id="{7F3D0E46-1B7B-41C7-ABBF-CF4C2225A5A4}"/>
+              </a:ext>
+            </a:extLst>
+          </p:cNvPr>
+          <p:cNvSpPr/>
+          <p:nvPr/>
+        </p:nvSpPr>
+        <p:spPr>
+          <a:xfrm>
+            <a:off x="670938" y="4062864"/>
+            <a:ext cx="5425062" cy="974701"/>
+          </a:xfrm>
+          <a:prstGeom prst="rect">
+            <a:avLst/>
+          </a:prstGeom>
+        </p:spPr>
+        <p:style>
+          <a:lnRef idx="2">
+            <a:schemeClr val="dk1"/>
+          </a:lnRef>
+          <a:fillRef idx="1">
+            <a:schemeClr val="lt1"/>
+          </a:fillRef>
+          <a:effectRef idx="0">
+            <a:schemeClr val="dk1"/>
+          </a:effectRef>
+          <a:fontRef idx="minor">
+            <a:schemeClr val="dk1"/>
+          </a:fontRef>
+        </p:style>
+        <p:txBody>
+          <a:bodyPr rtlCol="0" anchor="ctr"/>
+          <a:lstStyle/>
+          <a:p>
+            <a:pPr algn="ctr"/>
+            <a:endParaRPr lang="en-US" sz="4800" b="1" dirty="0">
+              <a:ln w="0"/>
+              <a:solidFill>
+                <a:schemeClr val="tx1"/>
+              </a:solidFill>
+              <a:effectLst>
+                <a:outerShdw blurRad="38100" dist="19050" dir="2700000" algn="tl" rotWithShape="0">
+                  <a:schemeClr val="dk1">
+                    <a:alpha val="40000"/>
+                  </a:schemeClr>
+                </a:outerShdw>
+              </a:effectLst>
+              <a:latin typeface="Arial" panose="020B0604020202020204" pitchFamily="34" charset="0"/>
+              <a:cs typeface="Arial" panose="020B0604020202020204" pitchFamily="34" charset="0"/>
+            </a:endParaRPr>
+          </a:p>
+        </p:txBody>
+      </p:sp>
+      <p:sp>
+        <p:nvSpPr>
+          <p:cNvPr id="32" name="Rectangle 31">
+            <a:extLst>
+              <a:ext uri="{FF2B5EF4-FFF2-40B4-BE49-F238E27FC236}">
+                <a16:creationId xmlns:a16="http://schemas.microsoft.com/office/drawing/2014/main" id="{9485DA9E-964E-4066-BED4-FE4F7C84007A}"/>
+              </a:ext>
+            </a:extLst>
+          </p:cNvPr>
+          <p:cNvSpPr/>
+          <p:nvPr/>
+        </p:nvSpPr>
+        <p:spPr>
+          <a:xfrm>
+            <a:off x="670938" y="5213680"/>
+            <a:ext cx="5425062" cy="974701"/>
+          </a:xfrm>
+          <a:prstGeom prst="rect">
+            <a:avLst/>
+          </a:prstGeom>
+        </p:spPr>
+        <p:style>
+          <a:lnRef idx="2">
+            <a:schemeClr val="dk1"/>
+          </a:lnRef>
+          <a:fillRef idx="1">
+            <a:schemeClr val="lt1"/>
+          </a:fillRef>
+          <a:effectRef idx="0">
+            <a:schemeClr val="dk1"/>
+          </a:effectRef>
+          <a:fontRef idx="minor">
+            <a:schemeClr val="dk1"/>
+          </a:fontRef>
+        </p:style>
+        <p:txBody>
+          <a:bodyPr rtlCol="0" anchor="ctr"/>
+          <a:lstStyle/>
+          <a:p>
+            <a:pPr algn="ctr"/>
+            <a:endParaRPr lang="en-US" sz="4800" b="1" dirty="0">
+              <a:ln w="0"/>
+              <a:solidFill>
+                <a:schemeClr val="tx1"/>
+              </a:solidFill>
+              <a:effectLst>
+                <a:outerShdw blurRad="38100" dist="19050" dir="2700000" algn="tl" rotWithShape="0">
+                  <a:schemeClr val="dk1">
+                    <a:alpha val="40000"/>
+                  </a:schemeClr>
+                </a:outerShdw>
+              </a:effectLst>
+              <a:latin typeface="Arial" panose="020B0604020202020204" pitchFamily="34" charset="0"/>
+              <a:cs typeface="Arial" panose="020B0604020202020204" pitchFamily="34" charset="0"/>
+            </a:endParaRPr>
+          </a:p>
+        </p:txBody>
+      </p:sp>
+      <p:sp>
+        <p:nvSpPr>
+          <p:cNvPr id="9" name="TextBox 8">
+            <a:extLst>
+              <a:ext uri="{FF2B5EF4-FFF2-40B4-BE49-F238E27FC236}">
+                <a16:creationId xmlns:a16="http://schemas.microsoft.com/office/drawing/2014/main" id="{DE753494-BE50-47B9-BD7B-6993BC53836A}"/>
+              </a:ext>
+            </a:extLst>
+          </p:cNvPr>
+          <p:cNvSpPr txBox="1"/>
+          <p:nvPr/>
+        </p:nvSpPr>
+        <p:spPr>
+          <a:xfrm>
+            <a:off x="658268" y="637615"/>
+            <a:ext cx="5412393" cy="461665"/>
+          </a:xfrm>
+          <a:prstGeom prst="rect">
+            <a:avLst/>
+          </a:prstGeom>
+          <a:solidFill>
+            <a:schemeClr val="accent1">
+              <a:lumMod val="20000"/>
+              <a:lumOff val="80000"/>
+            </a:schemeClr>
+          </a:solidFill>
+        </p:spPr>
+        <p:txBody>
+          <a:bodyPr wrap="square" rtlCol="0">
+            <a:spAutoFit/>
+          </a:bodyPr>
+          <a:lstStyle/>
+          <a:p>
+            <a:pPr algn="ctr"/>
+            <a:r>
+              <a:rPr lang="en-US" sz="2400" dirty="0">
+                <a:solidFill>
+                  <a:srgbClr val="FF0000"/>
+                </a:solidFill>
+              </a:rPr>
+              <a:t>Leader</a:t>
+            </a:r>
+            <a:r>
+              <a:rPr lang="en-US" sz="2400" dirty="0"/>
+              <a:t> Hashem </a:t>
+            </a:r>
+            <a:r>
+              <a:rPr lang="en-US" sz="2400" dirty="0" err="1"/>
+              <a:t>Bajabaa</a:t>
+            </a:r>
+            <a:endParaRPr lang="en-US" sz="2400" dirty="0"/>
+          </a:p>
+        </p:txBody>
+      </p:sp>
+      <p:sp>
+        <p:nvSpPr>
+          <p:cNvPr id="11" name="TextBox 10">
+            <a:extLst>
+              <a:ext uri="{FF2B5EF4-FFF2-40B4-BE49-F238E27FC236}">
+                <a16:creationId xmlns:a16="http://schemas.microsoft.com/office/drawing/2014/main" id="{EEE9BA2A-02A7-4885-877E-31CAE47594BE}"/>
+              </a:ext>
+            </a:extLst>
+          </p:cNvPr>
+          <p:cNvSpPr txBox="1"/>
+          <p:nvPr/>
+        </p:nvSpPr>
+        <p:spPr>
+          <a:xfrm>
+            <a:off x="658268" y="2230372"/>
+            <a:ext cx="5412394" cy="553998"/>
+          </a:xfrm>
+          <a:prstGeom prst="rect">
+            <a:avLst/>
+          </a:prstGeom>
+          <a:solidFill>
+            <a:schemeClr val="accent1">
+              <a:lumMod val="60000"/>
+              <a:lumOff val="40000"/>
+            </a:schemeClr>
+          </a:solidFill>
+        </p:spPr>
+        <p:txBody>
+          <a:bodyPr wrap="square" rtlCol="0">
+            <a:spAutoFit/>
+          </a:bodyPr>
+          <a:lstStyle/>
+          <a:p>
+            <a:pPr algn="ctr"/>
+            <a:r>
+              <a:rPr lang="en-US" dirty="0">
+                <a:ln w="0"/>
+                <a:effectLst>
+                  <a:outerShdw blurRad="38100" dist="19050" dir="2700000" algn="tl" rotWithShape="0">
+                    <a:schemeClr val="dk1">
+                      <a:alpha val="40000"/>
+                    </a:schemeClr>
+                  </a:outerShdw>
+                </a:effectLst>
+                <a:latin typeface="Arial" panose="020B0604020202020204" pitchFamily="34" charset="0"/>
+                <a:cs typeface="Arial" panose="020B0604020202020204" pitchFamily="34" charset="0"/>
+              </a:rPr>
+              <a:t>Skills : Java developer</a:t>
+            </a:r>
+          </a:p>
+          <a:p>
+            <a:pPr algn="ctr"/>
+            <a:endParaRPr lang="en-US" sz="1200" dirty="0">
+              <a:ln w="0"/>
+              <a:effectLst>
+                <a:outerShdw blurRad="38100" dist="19050" dir="2700000" algn="tl" rotWithShape="0">
+                  <a:schemeClr val="dk1">
+                    <a:alpha val="40000"/>
+                  </a:schemeClr>
+                </a:outerShdw>
+              </a:effectLst>
+              <a:latin typeface="Arial" panose="020B0604020202020204" pitchFamily="34" charset="0"/>
+              <a:cs typeface="Arial" panose="020B0604020202020204" pitchFamily="34" charset="0"/>
+            </a:endParaRPr>
+          </a:p>
+        </p:txBody>
+      </p:sp>
+      <p:sp>
+        <p:nvSpPr>
+          <p:cNvPr id="34" name="TextBox 33">
+            <a:extLst>
+              <a:ext uri="{FF2B5EF4-FFF2-40B4-BE49-F238E27FC236}">
+                <a16:creationId xmlns:a16="http://schemas.microsoft.com/office/drawing/2014/main" id="{423D2E0F-2DCA-4EED-8B4E-BD6F2DC04695}"/>
+              </a:ext>
+            </a:extLst>
+          </p:cNvPr>
+          <p:cNvSpPr txBox="1"/>
+          <p:nvPr/>
+        </p:nvSpPr>
+        <p:spPr>
+          <a:xfrm>
+            <a:off x="658268" y="1778873"/>
+            <a:ext cx="5412393" cy="461665"/>
+          </a:xfrm>
+          <a:prstGeom prst="rect">
+            <a:avLst/>
+          </a:prstGeom>
+          <a:solidFill>
+            <a:schemeClr val="accent1">
+              <a:lumMod val="20000"/>
+              <a:lumOff val="80000"/>
+            </a:schemeClr>
+          </a:solidFill>
+        </p:spPr>
+        <p:txBody>
+          <a:bodyPr wrap="square" rtlCol="0">
+            <a:spAutoFit/>
+          </a:bodyPr>
+          <a:lstStyle/>
+          <a:p>
+            <a:pPr algn="ctr"/>
+            <a:r>
+              <a:rPr lang="en-US" sz="2400" dirty="0">
+                <a:solidFill>
+                  <a:srgbClr val="FF0000"/>
+                </a:solidFill>
+              </a:rPr>
+              <a:t>Member </a:t>
+            </a:r>
+            <a:r>
+              <a:rPr lang="en-US" sz="2400" dirty="0" err="1"/>
+              <a:t>Abdulilah</a:t>
+            </a:r>
+            <a:r>
+              <a:rPr lang="en-US" sz="2400" dirty="0"/>
+              <a:t> Alqasem</a:t>
+            </a:r>
+          </a:p>
+        </p:txBody>
+      </p:sp>
+      <p:sp>
+        <p:nvSpPr>
+          <p:cNvPr id="38" name="TextBox 37">
+            <a:extLst>
+              <a:ext uri="{FF2B5EF4-FFF2-40B4-BE49-F238E27FC236}">
+                <a16:creationId xmlns:a16="http://schemas.microsoft.com/office/drawing/2014/main" id="{2100F490-8DD6-4EE9-B4D2-9F6BD8977A55}"/>
+              </a:ext>
+            </a:extLst>
+          </p:cNvPr>
+          <p:cNvSpPr txBox="1"/>
+          <p:nvPr/>
+        </p:nvSpPr>
+        <p:spPr>
+          <a:xfrm>
+            <a:off x="658268" y="2930920"/>
+            <a:ext cx="5412393" cy="461665"/>
+          </a:xfrm>
+          <a:prstGeom prst="rect">
+            <a:avLst/>
+          </a:prstGeom>
+          <a:solidFill>
+            <a:schemeClr val="accent1">
+              <a:lumMod val="20000"/>
+              <a:lumOff val="80000"/>
+            </a:schemeClr>
+          </a:solidFill>
+        </p:spPr>
+        <p:txBody>
+          <a:bodyPr wrap="square" rtlCol="0">
+            <a:spAutoFit/>
+          </a:bodyPr>
+          <a:lstStyle/>
+          <a:p>
+            <a:pPr algn="ctr"/>
+            <a:r>
+              <a:rPr lang="en-US" sz="2400" dirty="0">
+                <a:solidFill>
+                  <a:srgbClr val="FF0000"/>
+                </a:solidFill>
+              </a:rPr>
+              <a:t>Member </a:t>
+            </a:r>
+            <a:r>
+              <a:rPr lang="en-US" sz="2400" dirty="0"/>
+              <a:t>Mohammad </a:t>
+            </a:r>
+            <a:r>
+              <a:rPr lang="en-US" sz="2400" dirty="0" err="1"/>
+              <a:t>Zouman</a:t>
+            </a:r>
+            <a:endParaRPr lang="en-US" sz="2400" dirty="0"/>
+          </a:p>
+        </p:txBody>
+      </p:sp>
+      <p:sp>
+        <p:nvSpPr>
+          <p:cNvPr id="39" name="TextBox 38">
+            <a:extLst>
+              <a:ext uri="{FF2B5EF4-FFF2-40B4-BE49-F238E27FC236}">
+                <a16:creationId xmlns:a16="http://schemas.microsoft.com/office/drawing/2014/main" id="{0C9AC0CB-3F20-43E8-8613-C271082B6E2F}"/>
+              </a:ext>
+            </a:extLst>
+          </p:cNvPr>
+          <p:cNvSpPr txBox="1"/>
+          <p:nvPr/>
+        </p:nvSpPr>
+        <p:spPr>
+          <a:xfrm>
+            <a:off x="683607" y="4071597"/>
+            <a:ext cx="5412393" cy="461665"/>
+          </a:xfrm>
+          <a:prstGeom prst="rect">
+            <a:avLst/>
+          </a:prstGeom>
+          <a:solidFill>
+            <a:schemeClr val="accent1">
+              <a:lumMod val="20000"/>
+              <a:lumOff val="80000"/>
+            </a:schemeClr>
+          </a:solidFill>
+        </p:spPr>
+        <p:txBody>
+          <a:bodyPr wrap="square" rtlCol="0">
+            <a:spAutoFit/>
+          </a:bodyPr>
+          <a:lstStyle/>
+          <a:p>
+            <a:pPr algn="ctr"/>
+            <a:r>
+              <a:rPr lang="en-US" sz="2400" dirty="0">
+                <a:solidFill>
+                  <a:srgbClr val="FF0000"/>
+                </a:solidFill>
+              </a:rPr>
+              <a:t>Member </a:t>
+            </a:r>
+            <a:r>
+              <a:rPr lang="en-US" sz="2400" dirty="0" err="1"/>
+              <a:t>Abdulaziz</a:t>
+            </a:r>
+            <a:r>
+              <a:rPr lang="en-US" sz="2400" dirty="0"/>
+              <a:t> </a:t>
+            </a:r>
+            <a:r>
+              <a:rPr lang="en-US" sz="2400" dirty="0" err="1"/>
+              <a:t>Aldukhaiel</a:t>
+            </a:r>
+            <a:endParaRPr lang="en-US" sz="2400" dirty="0"/>
+          </a:p>
+        </p:txBody>
+      </p:sp>
+      <p:sp>
+        <p:nvSpPr>
+          <p:cNvPr id="40" name="TextBox 39">
+            <a:extLst>
+              <a:ext uri="{FF2B5EF4-FFF2-40B4-BE49-F238E27FC236}">
+                <a16:creationId xmlns:a16="http://schemas.microsoft.com/office/drawing/2014/main" id="{4166E21B-9357-4722-9395-56E2E19120D7}"/>
+              </a:ext>
+            </a:extLst>
+          </p:cNvPr>
+          <p:cNvSpPr txBox="1"/>
+          <p:nvPr/>
+        </p:nvSpPr>
+        <p:spPr>
+          <a:xfrm>
+            <a:off x="670938" y="5218192"/>
+            <a:ext cx="5412393" cy="461665"/>
+          </a:xfrm>
+          <a:prstGeom prst="rect">
+            <a:avLst/>
+          </a:prstGeom>
+          <a:solidFill>
+            <a:schemeClr val="accent1">
+              <a:lumMod val="20000"/>
+              <a:lumOff val="80000"/>
+            </a:schemeClr>
+          </a:solidFill>
+        </p:spPr>
+        <p:txBody>
+          <a:bodyPr wrap="square" rtlCol="0">
+            <a:spAutoFit/>
+          </a:bodyPr>
+          <a:lstStyle/>
+          <a:p>
+            <a:pPr algn="ctr"/>
+            <a:r>
+              <a:rPr lang="en-US" sz="2400" dirty="0">
+                <a:solidFill>
+                  <a:srgbClr val="FF0000"/>
+                </a:solidFill>
+              </a:rPr>
+              <a:t>Member </a:t>
+            </a:r>
+            <a:r>
+              <a:rPr lang="en-US" sz="2400" dirty="0"/>
+              <a:t>Saleh </a:t>
+            </a:r>
+            <a:r>
+              <a:rPr lang="en-US" sz="2400" dirty="0" err="1"/>
+              <a:t>Sawab</a:t>
+            </a:r>
+            <a:endParaRPr lang="en-US" sz="2400" dirty="0"/>
+          </a:p>
+        </p:txBody>
+      </p:sp>
+      <p:sp>
+        <p:nvSpPr>
+          <p:cNvPr id="41" name="TextBox 40">
+            <a:extLst>
+              <a:ext uri="{FF2B5EF4-FFF2-40B4-BE49-F238E27FC236}">
+                <a16:creationId xmlns:a16="http://schemas.microsoft.com/office/drawing/2014/main" id="{36C8010C-FCCD-4D53-A12A-E402E38390FA}"/>
+              </a:ext>
+            </a:extLst>
+          </p:cNvPr>
+          <p:cNvSpPr txBox="1"/>
+          <p:nvPr/>
+        </p:nvSpPr>
+        <p:spPr>
+          <a:xfrm>
+            <a:off x="658268" y="3332751"/>
+            <a:ext cx="5412393" cy="553998"/>
+          </a:xfrm>
+          <a:prstGeom prst="rect">
+            <a:avLst/>
+          </a:prstGeom>
+          <a:solidFill>
+            <a:schemeClr val="accent1">
+              <a:lumMod val="60000"/>
+              <a:lumOff val="40000"/>
+            </a:schemeClr>
+          </a:solidFill>
+        </p:spPr>
+        <p:txBody>
+          <a:bodyPr wrap="square" rtlCol="0">
+            <a:spAutoFit/>
+          </a:bodyPr>
+          <a:lstStyle/>
+          <a:p>
+            <a:pPr algn="ctr"/>
+            <a:r>
+              <a:rPr lang="en-US" dirty="0">
+                <a:ln w="0"/>
+                <a:effectLst>
+                  <a:outerShdw blurRad="38100" dist="19050" dir="2700000" algn="tl" rotWithShape="0">
+                    <a:schemeClr val="dk1">
+                      <a:alpha val="40000"/>
+                    </a:schemeClr>
+                  </a:outerShdw>
+                </a:effectLst>
+                <a:latin typeface="Arial" panose="020B0604020202020204" pitchFamily="34" charset="0"/>
+                <a:cs typeface="Arial" panose="020B0604020202020204" pitchFamily="34" charset="0"/>
+              </a:rPr>
+              <a:t>Skills : Java developer</a:t>
+            </a:r>
+          </a:p>
+          <a:p>
+            <a:pPr algn="ctr"/>
+            <a:endParaRPr lang="en-US" sz="1200" dirty="0">
+              <a:ln w="0"/>
+              <a:effectLst>
+                <a:outerShdw blurRad="38100" dist="19050" dir="2700000" algn="tl" rotWithShape="0">
+                  <a:schemeClr val="dk1">
+                    <a:alpha val="40000"/>
+                  </a:schemeClr>
+                </a:outerShdw>
+              </a:effectLst>
+              <a:latin typeface="Arial" panose="020B0604020202020204" pitchFamily="34" charset="0"/>
+              <a:cs typeface="Arial" panose="020B0604020202020204" pitchFamily="34" charset="0"/>
+            </a:endParaRPr>
+          </a:p>
+        </p:txBody>
+      </p:sp>
+      <p:sp>
+        <p:nvSpPr>
+          <p:cNvPr id="42" name="TextBox 41">
+            <a:extLst>
+              <a:ext uri="{FF2B5EF4-FFF2-40B4-BE49-F238E27FC236}">
+                <a16:creationId xmlns:a16="http://schemas.microsoft.com/office/drawing/2014/main" id="{61949474-A0A4-4D08-9589-618F78691C75}"/>
+              </a:ext>
+            </a:extLst>
+          </p:cNvPr>
+          <p:cNvSpPr txBox="1"/>
+          <p:nvPr/>
+        </p:nvSpPr>
+        <p:spPr>
+          <a:xfrm>
+            <a:off x="683606" y="4511271"/>
+            <a:ext cx="5399723" cy="553998"/>
+          </a:xfrm>
+          <a:prstGeom prst="rect">
+            <a:avLst/>
+          </a:prstGeom>
+          <a:solidFill>
+            <a:schemeClr val="accent1">
+              <a:lumMod val="60000"/>
+              <a:lumOff val="40000"/>
+            </a:schemeClr>
+          </a:solidFill>
+        </p:spPr>
+        <p:txBody>
+          <a:bodyPr wrap="square" rtlCol="0">
+            <a:spAutoFit/>
+          </a:bodyPr>
+          <a:lstStyle/>
+          <a:p>
+            <a:pPr algn="ctr"/>
+            <a:r>
+              <a:rPr lang="en-US" dirty="0">
+                <a:ln w="0"/>
+                <a:effectLst>
+                  <a:outerShdw blurRad="38100" dist="19050" dir="2700000" algn="tl" rotWithShape="0">
+                    <a:schemeClr val="dk1">
+                      <a:alpha val="40000"/>
+                    </a:schemeClr>
+                  </a:outerShdw>
+                </a:effectLst>
+                <a:latin typeface="Arial" panose="020B0604020202020204" pitchFamily="34" charset="0"/>
+                <a:cs typeface="Arial" panose="020B0604020202020204" pitchFamily="34" charset="0"/>
+              </a:rPr>
+              <a:t>Skills : Java developer</a:t>
+            </a:r>
+          </a:p>
+          <a:p>
+            <a:pPr algn="ctr"/>
+            <a:endParaRPr lang="en-US" sz="1200" dirty="0">
+              <a:ln w="0"/>
+              <a:effectLst>
+                <a:outerShdw blurRad="38100" dist="19050" dir="2700000" algn="tl" rotWithShape="0">
+                  <a:schemeClr val="dk1">
+                    <a:alpha val="40000"/>
+                  </a:schemeClr>
+                </a:outerShdw>
+              </a:effectLst>
+              <a:latin typeface="Arial" panose="020B0604020202020204" pitchFamily="34" charset="0"/>
+              <a:cs typeface="Arial" panose="020B0604020202020204" pitchFamily="34" charset="0"/>
+            </a:endParaRPr>
+          </a:p>
+        </p:txBody>
+      </p:sp>
+      <p:sp>
+        <p:nvSpPr>
+          <p:cNvPr id="43" name="TextBox 42">
+            <a:extLst>
+              <a:ext uri="{FF2B5EF4-FFF2-40B4-BE49-F238E27FC236}">
+                <a16:creationId xmlns:a16="http://schemas.microsoft.com/office/drawing/2014/main" id="{66EBF3CA-45F4-4B01-9062-621C1989A23E}"/>
+              </a:ext>
+            </a:extLst>
+          </p:cNvPr>
+          <p:cNvSpPr txBox="1"/>
+          <p:nvPr/>
+        </p:nvSpPr>
+        <p:spPr>
+          <a:xfrm>
+            <a:off x="670937" y="5621608"/>
+            <a:ext cx="5412392" cy="553998"/>
+          </a:xfrm>
+          <a:prstGeom prst="rect">
+            <a:avLst/>
+          </a:prstGeom>
+          <a:solidFill>
+            <a:schemeClr val="accent1">
+              <a:lumMod val="60000"/>
+              <a:lumOff val="40000"/>
+            </a:schemeClr>
+          </a:solidFill>
+        </p:spPr>
+        <p:txBody>
+          <a:bodyPr wrap="square" rtlCol="0">
+            <a:spAutoFit/>
+          </a:bodyPr>
+          <a:lstStyle/>
+          <a:p>
+            <a:pPr algn="ctr"/>
+            <a:r>
+              <a:rPr lang="en-US" dirty="0">
+                <a:ln w="0"/>
+                <a:effectLst>
+                  <a:outerShdw blurRad="38100" dist="19050" dir="2700000" algn="tl" rotWithShape="0">
+                    <a:schemeClr val="dk1">
+                      <a:alpha val="40000"/>
+                    </a:schemeClr>
+                  </a:outerShdw>
+                </a:effectLst>
+                <a:latin typeface="Arial" panose="020B0604020202020204" pitchFamily="34" charset="0"/>
+                <a:cs typeface="Arial" panose="020B0604020202020204" pitchFamily="34" charset="0"/>
+              </a:rPr>
+              <a:t>Skills : Java developer</a:t>
+            </a:r>
+          </a:p>
+          <a:p>
+            <a:pPr algn="ctr"/>
+            <a:endParaRPr lang="en-US" sz="1200" dirty="0">
+              <a:ln w="0"/>
+              <a:effectLst>
+                <a:outerShdw blurRad="38100" dist="19050" dir="2700000" algn="tl" rotWithShape="0">
+                  <a:schemeClr val="dk1">
+                    <a:alpha val="40000"/>
+                  </a:schemeClr>
+                </a:outerShdw>
+              </a:effectLst>
+              <a:latin typeface="Arial" panose="020B0604020202020204" pitchFamily="34" charset="0"/>
+              <a:cs typeface="Arial" panose="020B0604020202020204" pitchFamily="34" charset="0"/>
+            </a:endParaRPr>
+          </a:p>
+        </p:txBody>
+      </p:sp>
+      <p:sp>
+        <p:nvSpPr>
+          <p:cNvPr id="44" name="TextBox 43">
+            <a:extLst>
+              <a:ext uri="{FF2B5EF4-FFF2-40B4-BE49-F238E27FC236}">
+                <a16:creationId xmlns:a16="http://schemas.microsoft.com/office/drawing/2014/main" id="{4304125B-C657-4FD1-93BA-AA0B94A16FFA}"/>
+              </a:ext>
+            </a:extLst>
+          </p:cNvPr>
+          <p:cNvSpPr txBox="1"/>
+          <p:nvPr/>
+        </p:nvSpPr>
+        <p:spPr>
+          <a:xfrm>
+            <a:off x="656956" y="1109898"/>
+            <a:ext cx="5425062" cy="553998"/>
+          </a:xfrm>
+          <a:prstGeom prst="rect">
+            <a:avLst/>
+          </a:prstGeom>
+          <a:solidFill>
+            <a:schemeClr val="accent1">
+              <a:lumMod val="60000"/>
+              <a:lumOff val="40000"/>
+            </a:schemeClr>
+          </a:solidFill>
+        </p:spPr>
+        <p:txBody>
+          <a:bodyPr wrap="square" rtlCol="0">
+            <a:spAutoFit/>
+          </a:bodyPr>
+          <a:lstStyle/>
+          <a:p>
+            <a:pPr algn="ctr"/>
+            <a:r>
+              <a:rPr lang="en-US" dirty="0">
+                <a:ln w="0"/>
+                <a:effectLst>
+                  <a:outerShdw blurRad="38100" dist="19050" dir="2700000" algn="tl" rotWithShape="0">
+                    <a:schemeClr val="dk1">
+                      <a:alpha val="40000"/>
+                    </a:schemeClr>
+                  </a:outerShdw>
+                </a:effectLst>
+                <a:latin typeface="Arial" panose="020B0604020202020204" pitchFamily="34" charset="0"/>
+                <a:cs typeface="Arial" panose="020B0604020202020204" pitchFamily="34" charset="0"/>
+              </a:rPr>
+              <a:t>Skills : Java developer &amp; IOS </a:t>
+            </a:r>
+            <a:r>
+              <a:rPr lang="en-US" dirty="0" err="1">
+                <a:ln w="0"/>
+                <a:effectLst>
+                  <a:outerShdw blurRad="38100" dist="19050" dir="2700000" algn="tl" rotWithShape="0">
+                    <a:schemeClr val="dk1">
+                      <a:alpha val="40000"/>
+                    </a:schemeClr>
+                  </a:outerShdw>
+                </a:effectLst>
+                <a:latin typeface="Arial" panose="020B0604020202020204" pitchFamily="34" charset="0"/>
+                <a:cs typeface="Arial" panose="020B0604020202020204" pitchFamily="34" charset="0"/>
+              </a:rPr>
+              <a:t>deveolper</a:t>
+            </a:r>
+            <a:endParaRPr lang="en-US" dirty="0">
+              <a:ln w="0"/>
+              <a:effectLst>
+                <a:outerShdw blurRad="38100" dist="19050" dir="2700000" algn="tl" rotWithShape="0">
+                  <a:schemeClr val="dk1">
+                    <a:alpha val="40000"/>
+                  </a:schemeClr>
+                </a:outerShdw>
+              </a:effectLst>
+              <a:latin typeface="Arial" panose="020B0604020202020204" pitchFamily="34" charset="0"/>
+              <a:cs typeface="Arial" panose="020B0604020202020204" pitchFamily="34" charset="0"/>
+            </a:endParaRPr>
+          </a:p>
+          <a:p>
+            <a:pPr algn="ctr"/>
+            <a:endParaRPr lang="en-US" sz="1200" dirty="0">
+              <a:ln w="0"/>
+              <a:effectLst>
+                <a:outerShdw blurRad="38100" dist="19050" dir="2700000" algn="tl" rotWithShape="0">
+                  <a:schemeClr val="dk1">
+                    <a:alpha val="40000"/>
+                  </a:schemeClr>
+                </a:outerShdw>
+              </a:effectLst>
+              <a:latin typeface="Arial" panose="020B0604020202020204" pitchFamily="34" charset="0"/>
+              <a:cs typeface="Arial" panose="020B0604020202020204" pitchFamily="34" charset="0"/>
+            </a:endParaRPr>
+          </a:p>
+        </p:txBody>
+      </p:sp>
+      <p:sp>
+        <p:nvSpPr>
+          <p:cNvPr id="13" name="TextBox 12">
+            <a:extLst>
+              <a:ext uri="{FF2B5EF4-FFF2-40B4-BE49-F238E27FC236}">
+                <a16:creationId xmlns:a16="http://schemas.microsoft.com/office/drawing/2014/main" id="{206C8894-5AA1-4817-BFEE-3BDC5379FECD}"/>
+              </a:ext>
+            </a:extLst>
+          </p:cNvPr>
+          <p:cNvSpPr txBox="1"/>
+          <p:nvPr/>
+        </p:nvSpPr>
+        <p:spPr>
+          <a:xfrm>
+            <a:off x="6811861" y="721453"/>
+            <a:ext cx="4337108" cy="769441"/>
+          </a:xfrm>
+          <a:prstGeom prst="rect">
+            <a:avLst/>
+          </a:prstGeom>
+          <a:noFill/>
+        </p:spPr>
+        <p:txBody>
+          <a:bodyPr wrap="square" rtlCol="0">
+            <a:spAutoFit/>
+          </a:bodyPr>
+          <a:lstStyle/>
+          <a:p>
+            <a:pPr algn="ctr"/>
+            <a:r>
+              <a:rPr lang="en-US" sz="4400" b="1" dirty="0">
+                <a:latin typeface="Arial" panose="020B0604020202020204" pitchFamily="34" charset="0"/>
+                <a:cs typeface="Arial" panose="020B0604020202020204" pitchFamily="34" charset="0"/>
+              </a:rPr>
+              <a:t>Team Members</a:t>
+            </a:r>
+          </a:p>
+        </p:txBody>
+      </p:sp>
+    </p:spTree>
+    <p:extLst>
+      <p:ext uri="{BB962C8B-B14F-4D97-AF65-F5344CB8AC3E}">
+        <p14:creationId xmlns:p14="http://schemas.microsoft.com/office/powerpoint/2010/main" val="1668517224"/>
+      </p:ext>
+    </p:extLst>
+  </p:cSld>
+  <p:clrMapOvr>
+    <a:masterClrMapping/>
+  </p:clrMapOvr>
+</p:sld>
+</file>
+
+<file path=ppt/slides/slide3.xml><?xml version="1.0" encoding="utf-8"?>
+<p:sld xmlns:a="http://schemas.openxmlformats.org/drawingml/2006/main" xmlns:r="http://schemas.openxmlformats.org/officeDocument/2006/relationships" xmlns:p="http://schemas.openxmlformats.org/presentationml/2006/main">
+  <p:cSld>
+    <p:spTree>
+      <p:nvGrpSpPr>
+        <p:cNvPr id="1" name=""/>
+        <p:cNvGrpSpPr/>
+        <p:nvPr/>
+      </p:nvGrpSpPr>
+      <p:grpSpPr>
+        <a:xfrm>
+          <a:off x="0" y="0"/>
+          <a:ext cx="0" cy="0"/>
+          <a:chOff x="0" y="0"/>
+          <a:chExt cx="0" cy="0"/>
+        </a:xfrm>
+      </p:grpSpPr>
+      <p:sp>
+        <p:nvSpPr>
+          <p:cNvPr id="8" name="Rectangle 7">
+            <a:extLst>
+              <a:ext uri="{FF2B5EF4-FFF2-40B4-BE49-F238E27FC236}">
+                <a16:creationId xmlns:a16="http://schemas.microsoft.com/office/drawing/2014/main" id="{CB3CA986-C31B-4906-8D2B-6E0ED7A5BD32}"/>
+              </a:ext>
+            </a:extLst>
+          </p:cNvPr>
+          <p:cNvSpPr/>
+          <p:nvPr/>
+        </p:nvSpPr>
+        <p:spPr>
+          <a:xfrm>
+            <a:off x="1" y="0"/>
+            <a:ext cx="3825380" cy="6858000"/>
+          </a:xfrm>
+          <a:prstGeom prst="rect">
+            <a:avLst/>
+          </a:prstGeom>
+        </p:spPr>
+        <p:style>
+          <a:lnRef idx="2">
+            <a:schemeClr val="accent1">
+              <a:shade val="50000"/>
+            </a:schemeClr>
+          </a:lnRef>
+          <a:fillRef idx="1">
+            <a:schemeClr val="accent1"/>
+          </a:fillRef>
+          <a:effectRef idx="0">
+            <a:schemeClr val="accent1"/>
+          </a:effectRef>
+          <a:fontRef idx="minor">
+            <a:schemeClr val="lt1"/>
+          </a:fontRef>
+        </p:style>
+        <p:txBody>
+          <a:bodyPr rtlCol="0" anchor="ctr"/>
+          <a:lstStyle/>
+          <a:p>
+            <a:pPr algn="ctr"/>
+            <a:endParaRPr lang="en-US"/>
+          </a:p>
+        </p:txBody>
+      </p:sp>
+      <p:pic>
+        <p:nvPicPr>
+          <p:cNvPr id="7" name="Picture 6" descr="A picture containing clock, plate&#10;&#10;Description automatically generated">
+            <a:extLst>
+              <a:ext uri="{FF2B5EF4-FFF2-40B4-BE49-F238E27FC236}">
+                <a16:creationId xmlns:a16="http://schemas.microsoft.com/office/drawing/2014/main" id="{6E1D7C95-B202-4A00-A6B9-90819AE16BF3}"/>
+              </a:ext>
+            </a:extLst>
+          </p:cNvPr>
+          <p:cNvPicPr>
+            <a:picLocks noChangeAspect="1"/>
+          </p:cNvPicPr>
+          <p:nvPr/>
+        </p:nvPicPr>
+        <p:blipFill>
+          <a:blip r:embed="rId2">
+            <a:extLst>
+              <a:ext uri="{28A0092B-C50C-407E-A947-70E740481C1C}">
+                <a14:useLocalDpi xmlns:a14="http://schemas.microsoft.com/office/drawing/2010/main" val="0"/>
+              </a:ext>
+            </a:extLst>
+          </a:blip>
+          <a:stretch>
+            <a:fillRect/>
+          </a:stretch>
+        </p:blipFill>
+        <p:spPr>
+          <a:xfrm>
+            <a:off x="280136" y="1736521"/>
+            <a:ext cx="3020935" cy="2099849"/>
+          </a:xfrm>
+          <a:prstGeom prst="rect">
+            <a:avLst/>
+          </a:prstGeom>
+        </p:spPr>
+      </p:pic>
+      <p:pic>
+        <p:nvPicPr>
+          <p:cNvPr id="5" name="Picture 4" descr="A picture containing comb, plate&#10;&#10;Description automatically generated">
+            <a:extLst>
+              <a:ext uri="{FF2B5EF4-FFF2-40B4-BE49-F238E27FC236}">
+                <a16:creationId xmlns:a16="http://schemas.microsoft.com/office/drawing/2014/main" id="{2C0F5D0D-ED8A-499C-8710-DF749BE9834E}"/>
+              </a:ext>
+            </a:extLst>
+          </p:cNvPr>
+          <p:cNvPicPr>
+            <a:picLocks noChangeAspect="1"/>
+          </p:cNvPicPr>
+          <p:nvPr/>
+        </p:nvPicPr>
+        <p:blipFill>
+          <a:blip r:embed="rId3">
+            <a:extLst>
+              <a:ext uri="{28A0092B-C50C-407E-A947-70E740481C1C}">
+                <a14:useLocalDpi xmlns:a14="http://schemas.microsoft.com/office/drawing/2010/main" val="0"/>
+              </a:ext>
+            </a:extLst>
+          </a:blip>
+          <a:stretch>
+            <a:fillRect/>
+          </a:stretch>
+        </p:blipFill>
+        <p:spPr>
+          <a:xfrm>
+            <a:off x="280135" y="4320834"/>
+            <a:ext cx="3020935" cy="2504114"/>
+          </a:xfrm>
+          <a:prstGeom prst="rect">
+            <a:avLst/>
+          </a:prstGeom>
+        </p:spPr>
+      </p:pic>
+      <p:sp>
+        <p:nvSpPr>
+          <p:cNvPr id="9" name="Rectangle 8">
+            <a:extLst>
+              <a:ext uri="{FF2B5EF4-FFF2-40B4-BE49-F238E27FC236}">
+                <a16:creationId xmlns:a16="http://schemas.microsoft.com/office/drawing/2014/main" id="{52F33B9B-EA66-4EDE-9FFC-12082DBF4E1B}"/>
+              </a:ext>
+            </a:extLst>
+          </p:cNvPr>
+          <p:cNvSpPr/>
+          <p:nvPr/>
+        </p:nvSpPr>
+        <p:spPr>
+          <a:xfrm>
+            <a:off x="3610564" y="-33052"/>
+            <a:ext cx="402670" cy="6891052"/>
+          </a:xfrm>
+          <a:prstGeom prst="rect">
+            <a:avLst/>
+          </a:prstGeom>
+          <a:solidFill>
+            <a:schemeClr val="tx1">
+              <a:lumMod val="75000"/>
+              <a:lumOff val="25000"/>
+            </a:schemeClr>
+          </a:solidFill>
+        </p:spPr>
+        <p:style>
+          <a:lnRef idx="2">
+            <a:schemeClr val="accent1">
+              <a:shade val="50000"/>
+            </a:schemeClr>
+          </a:lnRef>
+          <a:fillRef idx="1">
+            <a:schemeClr val="accent1"/>
+          </a:fillRef>
+          <a:effectRef idx="0">
+            <a:schemeClr val="accent1"/>
+          </a:effectRef>
+          <a:fontRef idx="minor">
+            <a:schemeClr val="lt1"/>
+          </a:fontRef>
+        </p:style>
+        <p:txBody>
+          <a:bodyPr rtlCol="0" anchor="ctr"/>
+          <a:lstStyle/>
+          <a:p>
+            <a:pPr algn="ctr"/>
+            <a:endParaRPr lang="en-US" dirty="0"/>
+          </a:p>
+        </p:txBody>
+      </p:sp>
+      <p:sp>
+        <p:nvSpPr>
+          <p:cNvPr id="12" name="Rectangle 11">
+            <a:extLst>
+              <a:ext uri="{FF2B5EF4-FFF2-40B4-BE49-F238E27FC236}">
+                <a16:creationId xmlns:a16="http://schemas.microsoft.com/office/drawing/2014/main" id="{F95031B9-9055-4A9C-942D-055DF92679A9}"/>
+              </a:ext>
+            </a:extLst>
+          </p:cNvPr>
+          <p:cNvSpPr/>
+          <p:nvPr/>
+        </p:nvSpPr>
+        <p:spPr>
+          <a:xfrm>
+            <a:off x="67112" y="302004"/>
+            <a:ext cx="3464653" cy="1040235"/>
+          </a:xfrm>
+          <a:prstGeom prst="rect">
+            <a:avLst/>
+          </a:prstGeom>
+          <a:solidFill>
+            <a:schemeClr val="accent1"/>
+          </a:solidFill>
+        </p:spPr>
+        <p:style>
+          <a:lnRef idx="2">
+            <a:schemeClr val="dk1"/>
+          </a:lnRef>
+          <a:fillRef idx="1">
+            <a:schemeClr val="lt1"/>
+          </a:fillRef>
+          <a:effectRef idx="0">
+            <a:schemeClr val="dk1"/>
+          </a:effectRef>
+          <a:fontRef idx="minor">
+            <a:schemeClr val="dk1"/>
+          </a:fontRef>
+        </p:style>
+        <p:txBody>
+          <a:bodyPr rtlCol="0" anchor="ctr"/>
+          <a:lstStyle/>
+          <a:p>
+            <a:pPr algn="ctr"/>
+            <a:r>
+              <a:rPr lang="en-US" sz="3600" b="1" dirty="0">
+                <a:latin typeface="Arial" panose="020B0604020202020204" pitchFamily="34" charset="0"/>
+                <a:cs typeface="Arial" panose="020B0604020202020204" pitchFamily="34" charset="0"/>
+              </a:rPr>
+              <a:t>Slides Content</a:t>
+            </a:r>
+          </a:p>
+        </p:txBody>
+      </p:sp>
+      <p:sp>
+        <p:nvSpPr>
+          <p:cNvPr id="13" name="Rectangle 12">
+            <a:extLst>
+              <a:ext uri="{FF2B5EF4-FFF2-40B4-BE49-F238E27FC236}">
+                <a16:creationId xmlns:a16="http://schemas.microsoft.com/office/drawing/2014/main" id="{175AF54C-E3C8-4EB4-8446-F73863014B40}"/>
+              </a:ext>
+            </a:extLst>
+          </p:cNvPr>
+          <p:cNvSpPr/>
+          <p:nvPr/>
+        </p:nvSpPr>
+        <p:spPr>
+          <a:xfrm>
+            <a:off x="4013234" y="0"/>
+            <a:ext cx="8178765" cy="6858000"/>
+          </a:xfrm>
+          <a:prstGeom prst="rect">
+            <a:avLst/>
+          </a:prstGeom>
+          <a:solidFill>
+            <a:schemeClr val="accent1">
+              <a:lumMod val="60000"/>
+              <a:lumOff val="40000"/>
+            </a:schemeClr>
+          </a:solidFill>
+        </p:spPr>
+        <p:style>
+          <a:lnRef idx="2">
+            <a:schemeClr val="accent1">
+              <a:shade val="50000"/>
+            </a:schemeClr>
+          </a:lnRef>
+          <a:fillRef idx="1">
+            <a:schemeClr val="accent1"/>
+          </a:fillRef>
+          <a:effectRef idx="0">
+            <a:schemeClr val="accent1"/>
+          </a:effectRef>
+          <a:fontRef idx="minor">
+            <a:schemeClr val="lt1"/>
+          </a:fontRef>
+        </p:style>
+        <p:txBody>
+          <a:bodyPr rtlCol="0" anchor="ctr"/>
+          <a:lstStyle/>
+          <a:p>
+            <a:pPr algn="ctr"/>
+            <a:endParaRPr lang="en-US" dirty="0"/>
+          </a:p>
+        </p:txBody>
+      </p:sp>
+      <p:sp>
+        <p:nvSpPr>
+          <p:cNvPr id="29" name="Rectangle: Rounded Corners 28">
+            <a:extLst>
+              <a:ext uri="{FF2B5EF4-FFF2-40B4-BE49-F238E27FC236}">
+                <a16:creationId xmlns:a16="http://schemas.microsoft.com/office/drawing/2014/main" id="{6A36487B-D9F4-46EB-B2A3-D12643142E68}"/>
+              </a:ext>
+            </a:extLst>
+          </p:cNvPr>
+          <p:cNvSpPr/>
+          <p:nvPr/>
+        </p:nvSpPr>
+        <p:spPr>
+          <a:xfrm>
+            <a:off x="4013234" y="381699"/>
+            <a:ext cx="7677725" cy="583036"/>
+          </a:xfrm>
+          <a:prstGeom prst="roundRect">
+            <a:avLst/>
+          </a:prstGeom>
+        </p:spPr>
+        <p:style>
+          <a:lnRef idx="2">
+            <a:schemeClr val="accent1">
+              <a:shade val="50000"/>
+            </a:schemeClr>
+          </a:lnRef>
+          <a:fillRef idx="1">
+            <a:schemeClr val="accent1"/>
+          </a:fillRef>
+          <a:effectRef idx="0">
+            <a:schemeClr val="accent1"/>
+          </a:effectRef>
+          <a:fontRef idx="minor">
+            <a:schemeClr val="lt1"/>
+          </a:fontRef>
+        </p:style>
+        <p:txBody>
+          <a:bodyPr rtlCol="0" anchor="ctr"/>
+          <a:lstStyle/>
+          <a:p>
+            <a:pPr algn="ctr"/>
+            <a:r>
+              <a:rPr lang="en-US" sz="2400" b="1" dirty="0">
+                <a:solidFill>
+                  <a:schemeClr val="tx1"/>
+                </a:solidFill>
+                <a:latin typeface="Arial" panose="020B0604020202020204" pitchFamily="34" charset="0"/>
+                <a:cs typeface="Arial" panose="020B0604020202020204" pitchFamily="34" charset="0"/>
+              </a:rPr>
+              <a:t>Introduction To SATS</a:t>
+            </a:r>
+          </a:p>
+        </p:txBody>
+      </p:sp>
+      <p:sp>
+        <p:nvSpPr>
+          <p:cNvPr id="20" name="Oval 19">
+            <a:extLst>
+              <a:ext uri="{FF2B5EF4-FFF2-40B4-BE49-F238E27FC236}">
+                <a16:creationId xmlns:a16="http://schemas.microsoft.com/office/drawing/2014/main" id="{04AA1731-12EF-4A04-8AC6-C99577549CEE}"/>
+              </a:ext>
+            </a:extLst>
+          </p:cNvPr>
+          <p:cNvSpPr/>
+          <p:nvPr/>
+        </p:nvSpPr>
+        <p:spPr>
+          <a:xfrm>
+            <a:off x="4092033" y="436226"/>
+            <a:ext cx="547082" cy="469783"/>
+          </a:xfrm>
+          <a:prstGeom prst="ellipse">
+            <a:avLst/>
+          </a:prstGeom>
+        </p:spPr>
+        <p:style>
+          <a:lnRef idx="2">
+            <a:schemeClr val="dk1"/>
+          </a:lnRef>
+          <a:fillRef idx="1">
+            <a:schemeClr val="lt1"/>
+          </a:fillRef>
+          <a:effectRef idx="0">
+            <a:schemeClr val="dk1"/>
+          </a:effectRef>
+          <a:fontRef idx="minor">
+            <a:schemeClr val="dk1"/>
+          </a:fontRef>
+        </p:style>
+        <p:txBody>
+          <a:bodyPr rtlCol="0" anchor="ctr"/>
+          <a:lstStyle/>
+          <a:p>
+            <a:pPr algn="ctr"/>
+            <a:r>
+              <a:rPr lang="en-US" sz="3200" b="1" dirty="0">
+                <a:latin typeface="Arial" panose="020B0604020202020204" pitchFamily="34" charset="0"/>
+                <a:cs typeface="Arial" panose="020B0604020202020204" pitchFamily="34" charset="0"/>
+              </a:rPr>
+              <a:t>1</a:t>
+            </a:r>
+          </a:p>
+        </p:txBody>
+      </p:sp>
+      <p:pic>
+        <p:nvPicPr>
+          <p:cNvPr id="28" name="Picture 27" descr="A picture containing drawing&#10;&#10;Description automatically generated">
+            <a:extLst>
+              <a:ext uri="{FF2B5EF4-FFF2-40B4-BE49-F238E27FC236}">
+                <a16:creationId xmlns:a16="http://schemas.microsoft.com/office/drawing/2014/main" id="{B1FB34BB-937E-4ACB-9CCB-DD01B0A76610}"/>
+              </a:ext>
+            </a:extLst>
+          </p:cNvPr>
+          <p:cNvPicPr>
+            <a:picLocks noChangeAspect="1"/>
+          </p:cNvPicPr>
+          <p:nvPr/>
+        </p:nvPicPr>
+        <p:blipFill>
+          <a:blip r:embed="rId4">
+            <a:extLst>
+              <a:ext uri="{28A0092B-C50C-407E-A947-70E740481C1C}">
+                <a14:useLocalDpi xmlns:a14="http://schemas.microsoft.com/office/drawing/2010/main" val="0"/>
+              </a:ext>
+            </a:extLst>
+          </a:blip>
+          <a:stretch>
+            <a:fillRect/>
+          </a:stretch>
+        </p:blipFill>
+        <p:spPr>
+          <a:xfrm>
+            <a:off x="11022887" y="406862"/>
+            <a:ext cx="612395" cy="528509"/>
+          </a:xfrm>
+          <a:prstGeom prst="rect">
+            <a:avLst/>
+          </a:prstGeom>
+        </p:spPr>
+      </p:pic>
+      <p:sp>
+        <p:nvSpPr>
+          <p:cNvPr id="30" name="Rectangle: Rounded Corners 29">
+            <a:extLst>
+              <a:ext uri="{FF2B5EF4-FFF2-40B4-BE49-F238E27FC236}">
+                <a16:creationId xmlns:a16="http://schemas.microsoft.com/office/drawing/2014/main" id="{199D13A5-D0F5-47DD-9A65-022E27FC8697}"/>
+              </a:ext>
+            </a:extLst>
+          </p:cNvPr>
+          <p:cNvSpPr/>
+          <p:nvPr/>
+        </p:nvSpPr>
+        <p:spPr>
+          <a:xfrm>
+            <a:off x="4013234" y="1206170"/>
+            <a:ext cx="7677725" cy="583036"/>
+          </a:xfrm>
+          <a:prstGeom prst="roundRect">
+            <a:avLst/>
+          </a:prstGeom>
+        </p:spPr>
+        <p:style>
+          <a:lnRef idx="2">
+            <a:schemeClr val="accent1">
+              <a:shade val="50000"/>
+            </a:schemeClr>
+          </a:lnRef>
+          <a:fillRef idx="1">
+            <a:schemeClr val="accent1"/>
+          </a:fillRef>
+          <a:effectRef idx="0">
+            <a:schemeClr val="accent1"/>
+          </a:effectRef>
+          <a:fontRef idx="minor">
+            <a:schemeClr val="lt1"/>
+          </a:fontRef>
+        </p:style>
+        <p:txBody>
+          <a:bodyPr rtlCol="0" anchor="ctr"/>
+          <a:lstStyle/>
+          <a:p>
+            <a:pPr algn="ctr"/>
+            <a:r>
+              <a:rPr lang="en-US" sz="2400" b="1" dirty="0">
+                <a:solidFill>
+                  <a:schemeClr val="tx1"/>
+                </a:solidFill>
+                <a:latin typeface="Arial" panose="020B0604020202020204" pitchFamily="34" charset="0"/>
+                <a:cs typeface="Arial" panose="020B0604020202020204" pitchFamily="34" charset="0"/>
+              </a:rPr>
+              <a:t>Introduction To SATS</a:t>
+            </a:r>
+          </a:p>
+        </p:txBody>
+      </p:sp>
+      <p:sp>
+        <p:nvSpPr>
+          <p:cNvPr id="26" name="Oval 25">
+            <a:extLst>
+              <a:ext uri="{FF2B5EF4-FFF2-40B4-BE49-F238E27FC236}">
+                <a16:creationId xmlns:a16="http://schemas.microsoft.com/office/drawing/2014/main" id="{98264DA2-3EA7-4849-8A40-2D53787AB9AA}"/>
+              </a:ext>
+            </a:extLst>
+          </p:cNvPr>
+          <p:cNvSpPr/>
+          <p:nvPr/>
+        </p:nvSpPr>
+        <p:spPr>
+          <a:xfrm>
+            <a:off x="4105516" y="1266738"/>
+            <a:ext cx="547082" cy="469783"/>
+          </a:xfrm>
+          <a:prstGeom prst="ellipse">
+            <a:avLst/>
+          </a:prstGeom>
+        </p:spPr>
+        <p:style>
+          <a:lnRef idx="2">
+            <a:schemeClr val="dk1"/>
+          </a:lnRef>
+          <a:fillRef idx="1">
+            <a:schemeClr val="lt1"/>
+          </a:fillRef>
+          <a:effectRef idx="0">
+            <a:schemeClr val="dk1"/>
+          </a:effectRef>
+          <a:fontRef idx="minor">
+            <a:schemeClr val="dk1"/>
+          </a:fontRef>
+        </p:style>
+        <p:txBody>
+          <a:bodyPr rtlCol="0" anchor="ctr"/>
+          <a:lstStyle/>
+          <a:p>
+            <a:pPr algn="ctr"/>
+            <a:r>
+              <a:rPr lang="en-US" sz="3200" b="1" dirty="0">
+                <a:latin typeface="Arial" panose="020B0604020202020204" pitchFamily="34" charset="0"/>
+                <a:cs typeface="Arial" panose="020B0604020202020204" pitchFamily="34" charset="0"/>
+              </a:rPr>
+              <a:t>2</a:t>
+            </a:r>
+          </a:p>
+        </p:txBody>
+      </p:sp>
+      <p:sp>
+        <p:nvSpPr>
+          <p:cNvPr id="31" name="Rectangle: Rounded Corners 30">
+            <a:extLst>
+              <a:ext uri="{FF2B5EF4-FFF2-40B4-BE49-F238E27FC236}">
+                <a16:creationId xmlns:a16="http://schemas.microsoft.com/office/drawing/2014/main" id="{24866992-5A25-464E-B61C-579785BE618E}"/>
+              </a:ext>
+            </a:extLst>
+          </p:cNvPr>
+          <p:cNvSpPr/>
+          <p:nvPr/>
+        </p:nvSpPr>
+        <p:spPr>
+          <a:xfrm>
+            <a:off x="4013234" y="2037357"/>
+            <a:ext cx="7677725" cy="583036"/>
+          </a:xfrm>
+          <a:prstGeom prst="roundRect">
+            <a:avLst/>
+          </a:prstGeom>
+        </p:spPr>
+        <p:style>
+          <a:lnRef idx="2">
+            <a:schemeClr val="accent1">
+              <a:shade val="50000"/>
+            </a:schemeClr>
+          </a:lnRef>
+          <a:fillRef idx="1">
+            <a:schemeClr val="accent1"/>
+          </a:fillRef>
+          <a:effectRef idx="0">
+            <a:schemeClr val="accent1"/>
+          </a:effectRef>
+          <a:fontRef idx="minor">
+            <a:schemeClr val="lt1"/>
+          </a:fontRef>
+        </p:style>
+        <p:txBody>
+          <a:bodyPr rtlCol="0" anchor="ctr"/>
+          <a:lstStyle/>
+          <a:p>
+            <a:pPr algn="ctr"/>
+            <a:r>
+              <a:rPr lang="en-US" sz="2400" b="1" dirty="0">
+                <a:solidFill>
+                  <a:schemeClr val="tx1"/>
+                </a:solidFill>
+                <a:latin typeface="Arial" panose="020B0604020202020204" pitchFamily="34" charset="0"/>
+                <a:cs typeface="Arial" panose="020B0604020202020204" pitchFamily="34" charset="0"/>
+              </a:rPr>
+              <a:t>Introduction To SATS</a:t>
+            </a:r>
+          </a:p>
+        </p:txBody>
+      </p:sp>
+      <p:sp>
+        <p:nvSpPr>
+          <p:cNvPr id="23" name="Oval 22">
+            <a:extLst>
+              <a:ext uri="{FF2B5EF4-FFF2-40B4-BE49-F238E27FC236}">
+                <a16:creationId xmlns:a16="http://schemas.microsoft.com/office/drawing/2014/main" id="{87E32ED1-BDD1-4556-BE60-60AAA4054732}"/>
+              </a:ext>
+            </a:extLst>
+          </p:cNvPr>
+          <p:cNvSpPr/>
+          <p:nvPr/>
+        </p:nvSpPr>
+        <p:spPr>
+          <a:xfrm>
+            <a:off x="4092033" y="2097250"/>
+            <a:ext cx="547082" cy="469783"/>
+          </a:xfrm>
+          <a:prstGeom prst="ellipse">
+            <a:avLst/>
+          </a:prstGeom>
+        </p:spPr>
+        <p:style>
+          <a:lnRef idx="2">
+            <a:schemeClr val="dk1"/>
+          </a:lnRef>
+          <a:fillRef idx="1">
+            <a:schemeClr val="lt1"/>
+          </a:fillRef>
+          <a:effectRef idx="0">
+            <a:schemeClr val="dk1"/>
+          </a:effectRef>
+          <a:fontRef idx="minor">
+            <a:schemeClr val="dk1"/>
+          </a:fontRef>
+        </p:style>
+        <p:txBody>
+          <a:bodyPr rtlCol="0" anchor="ctr"/>
+          <a:lstStyle/>
+          <a:p>
+            <a:pPr algn="ctr"/>
+            <a:r>
+              <a:rPr lang="en-US" sz="3200" b="1" dirty="0">
+                <a:latin typeface="Arial" panose="020B0604020202020204" pitchFamily="34" charset="0"/>
+                <a:cs typeface="Arial" panose="020B0604020202020204" pitchFamily="34" charset="0"/>
+              </a:rPr>
+              <a:t>3</a:t>
+            </a:r>
+          </a:p>
+        </p:txBody>
+      </p:sp>
+      <p:sp>
+        <p:nvSpPr>
+          <p:cNvPr id="32" name="Rectangle: Rounded Corners 31">
+            <a:extLst>
+              <a:ext uri="{FF2B5EF4-FFF2-40B4-BE49-F238E27FC236}">
+                <a16:creationId xmlns:a16="http://schemas.microsoft.com/office/drawing/2014/main" id="{B2160D19-0DD2-4B53-A664-04F7A43C2596}"/>
+              </a:ext>
+            </a:extLst>
+          </p:cNvPr>
+          <p:cNvSpPr/>
+          <p:nvPr/>
+        </p:nvSpPr>
+        <p:spPr>
+          <a:xfrm>
+            <a:off x="4013234" y="2927087"/>
+            <a:ext cx="7677725" cy="583036"/>
+          </a:xfrm>
+          <a:prstGeom prst="roundRect">
+            <a:avLst/>
+          </a:prstGeom>
+        </p:spPr>
+        <p:style>
+          <a:lnRef idx="2">
+            <a:schemeClr val="accent1">
+              <a:shade val="50000"/>
+            </a:schemeClr>
+          </a:lnRef>
+          <a:fillRef idx="1">
+            <a:schemeClr val="accent1"/>
+          </a:fillRef>
+          <a:effectRef idx="0">
+            <a:schemeClr val="accent1"/>
+          </a:effectRef>
+          <a:fontRef idx="minor">
+            <a:schemeClr val="lt1"/>
+          </a:fontRef>
+        </p:style>
+        <p:txBody>
+          <a:bodyPr rtlCol="0" anchor="ctr"/>
+          <a:lstStyle/>
+          <a:p>
+            <a:pPr algn="ctr"/>
+            <a:r>
+              <a:rPr lang="en-US" sz="2400" b="1" dirty="0">
+                <a:solidFill>
+                  <a:schemeClr val="tx1"/>
+                </a:solidFill>
+                <a:latin typeface="Arial" panose="020B0604020202020204" pitchFamily="34" charset="0"/>
+                <a:cs typeface="Arial" panose="020B0604020202020204" pitchFamily="34" charset="0"/>
+              </a:rPr>
+              <a:t>Introduction To SATS</a:t>
+            </a:r>
+          </a:p>
+        </p:txBody>
+      </p:sp>
+      <p:sp>
+        <p:nvSpPr>
+          <p:cNvPr id="25" name="Oval 24">
+            <a:extLst>
+              <a:ext uri="{FF2B5EF4-FFF2-40B4-BE49-F238E27FC236}">
+                <a16:creationId xmlns:a16="http://schemas.microsoft.com/office/drawing/2014/main" id="{070DD079-C452-4889-B52C-C974F6372314}"/>
+              </a:ext>
+            </a:extLst>
+          </p:cNvPr>
+          <p:cNvSpPr/>
+          <p:nvPr/>
+        </p:nvSpPr>
+        <p:spPr>
+          <a:xfrm>
+            <a:off x="4105516" y="2944540"/>
+            <a:ext cx="547082" cy="469783"/>
+          </a:xfrm>
+          <a:prstGeom prst="ellipse">
+            <a:avLst/>
+          </a:prstGeom>
+        </p:spPr>
+        <p:style>
+          <a:lnRef idx="2">
+            <a:schemeClr val="dk1"/>
+          </a:lnRef>
+          <a:fillRef idx="1">
+            <a:schemeClr val="lt1"/>
+          </a:fillRef>
+          <a:effectRef idx="0">
+            <a:schemeClr val="dk1"/>
+          </a:effectRef>
+          <a:fontRef idx="minor">
+            <a:schemeClr val="dk1"/>
+          </a:fontRef>
+        </p:style>
+        <p:txBody>
+          <a:bodyPr rtlCol="0" anchor="ctr"/>
+          <a:lstStyle/>
+          <a:p>
+            <a:pPr algn="ctr"/>
+            <a:r>
+              <a:rPr lang="en-US" sz="3200" b="1" dirty="0">
+                <a:latin typeface="Arial" panose="020B0604020202020204" pitchFamily="34" charset="0"/>
+                <a:cs typeface="Arial" panose="020B0604020202020204" pitchFamily="34" charset="0"/>
+              </a:rPr>
+              <a:t>4</a:t>
+            </a:r>
+          </a:p>
+        </p:txBody>
+      </p:sp>
+      <p:sp>
+        <p:nvSpPr>
+          <p:cNvPr id="33" name="Rectangle: Rounded Corners 32">
+            <a:extLst>
+              <a:ext uri="{FF2B5EF4-FFF2-40B4-BE49-F238E27FC236}">
+                <a16:creationId xmlns:a16="http://schemas.microsoft.com/office/drawing/2014/main" id="{891006D7-EA72-4F71-B147-710197CB3583}"/>
+              </a:ext>
+            </a:extLst>
+          </p:cNvPr>
+          <p:cNvSpPr/>
+          <p:nvPr/>
+        </p:nvSpPr>
+        <p:spPr>
+          <a:xfrm>
+            <a:off x="4013233" y="3697706"/>
+            <a:ext cx="7677725" cy="583036"/>
+          </a:xfrm>
+          <a:prstGeom prst="roundRect">
+            <a:avLst/>
+          </a:prstGeom>
+        </p:spPr>
+        <p:style>
+          <a:lnRef idx="2">
+            <a:schemeClr val="accent1">
+              <a:shade val="50000"/>
+            </a:schemeClr>
+          </a:lnRef>
+          <a:fillRef idx="1">
+            <a:schemeClr val="accent1"/>
+          </a:fillRef>
+          <a:effectRef idx="0">
+            <a:schemeClr val="accent1"/>
+          </a:effectRef>
+          <a:fontRef idx="minor">
+            <a:schemeClr val="lt1"/>
+          </a:fontRef>
+        </p:style>
+        <p:txBody>
+          <a:bodyPr rtlCol="0" anchor="ctr"/>
+          <a:lstStyle/>
+          <a:p>
+            <a:pPr algn="ctr"/>
+            <a:r>
+              <a:rPr lang="en-US" sz="2400" b="1" dirty="0">
+                <a:solidFill>
+                  <a:schemeClr val="tx1"/>
+                </a:solidFill>
+                <a:latin typeface="Arial" panose="020B0604020202020204" pitchFamily="34" charset="0"/>
+                <a:cs typeface="Arial" panose="020B0604020202020204" pitchFamily="34" charset="0"/>
+              </a:rPr>
+              <a:t>Introduction To SATS</a:t>
+            </a:r>
+          </a:p>
+        </p:txBody>
+      </p:sp>
+      <p:sp>
+        <p:nvSpPr>
+          <p:cNvPr id="24" name="Oval 23">
+            <a:extLst>
+              <a:ext uri="{FF2B5EF4-FFF2-40B4-BE49-F238E27FC236}">
+                <a16:creationId xmlns:a16="http://schemas.microsoft.com/office/drawing/2014/main" id="{710F38CD-AB08-42AA-AFAC-ADF2C84B1C08}"/>
+              </a:ext>
+            </a:extLst>
+          </p:cNvPr>
+          <p:cNvSpPr/>
+          <p:nvPr/>
+        </p:nvSpPr>
+        <p:spPr>
+          <a:xfrm>
+            <a:off x="4134874" y="3758274"/>
+            <a:ext cx="547082" cy="469783"/>
+          </a:xfrm>
+          <a:prstGeom prst="ellipse">
+            <a:avLst/>
+          </a:prstGeom>
+        </p:spPr>
+        <p:style>
+          <a:lnRef idx="2">
+            <a:schemeClr val="dk1"/>
+          </a:lnRef>
+          <a:fillRef idx="1">
+            <a:schemeClr val="lt1"/>
+          </a:fillRef>
+          <a:effectRef idx="0">
+            <a:schemeClr val="dk1"/>
+          </a:effectRef>
+          <a:fontRef idx="minor">
+            <a:schemeClr val="dk1"/>
+          </a:fontRef>
+        </p:style>
+        <p:txBody>
+          <a:bodyPr rtlCol="0" anchor="ctr"/>
+          <a:lstStyle/>
+          <a:p>
+            <a:pPr algn="ctr"/>
+            <a:r>
+              <a:rPr lang="en-US" sz="3200" b="1" dirty="0">
+                <a:latin typeface="Arial" panose="020B0604020202020204" pitchFamily="34" charset="0"/>
+                <a:cs typeface="Arial" panose="020B0604020202020204" pitchFamily="34" charset="0"/>
+              </a:rPr>
+              <a:t>5</a:t>
+            </a:r>
+          </a:p>
+        </p:txBody>
+      </p:sp>
+      <p:sp>
+        <p:nvSpPr>
+          <p:cNvPr id="34" name="Rectangle: Rounded Corners 33">
+            <a:extLst>
+              <a:ext uri="{FF2B5EF4-FFF2-40B4-BE49-F238E27FC236}">
+                <a16:creationId xmlns:a16="http://schemas.microsoft.com/office/drawing/2014/main" id="{9FDCC7E9-0182-48FD-91E0-F9528CBC45D3}"/>
+              </a:ext>
+            </a:extLst>
+          </p:cNvPr>
+          <p:cNvSpPr/>
+          <p:nvPr/>
+        </p:nvSpPr>
+        <p:spPr>
+          <a:xfrm>
+            <a:off x="4013233" y="4532159"/>
+            <a:ext cx="7677725" cy="583036"/>
+          </a:xfrm>
+          <a:prstGeom prst="roundRect">
+            <a:avLst/>
+          </a:prstGeom>
+        </p:spPr>
+        <p:style>
+          <a:lnRef idx="2">
+            <a:schemeClr val="accent1">
+              <a:shade val="50000"/>
+            </a:schemeClr>
+          </a:lnRef>
+          <a:fillRef idx="1">
+            <a:schemeClr val="accent1"/>
+          </a:fillRef>
+          <a:effectRef idx="0">
+            <a:schemeClr val="accent1"/>
+          </a:effectRef>
+          <a:fontRef idx="minor">
+            <a:schemeClr val="lt1"/>
+          </a:fontRef>
+        </p:style>
+        <p:txBody>
+          <a:bodyPr rtlCol="0" anchor="ctr"/>
+          <a:lstStyle/>
+          <a:p>
+            <a:pPr algn="ctr"/>
+            <a:r>
+              <a:rPr lang="en-US" sz="2400" b="1" dirty="0">
+                <a:solidFill>
+                  <a:schemeClr val="tx1"/>
+                </a:solidFill>
+                <a:latin typeface="Arial" panose="020B0604020202020204" pitchFamily="34" charset="0"/>
+                <a:cs typeface="Arial" panose="020B0604020202020204" pitchFamily="34" charset="0"/>
+              </a:rPr>
+              <a:t>Introduction To SATS</a:t>
+            </a:r>
+          </a:p>
+        </p:txBody>
+      </p:sp>
+      <p:sp>
+        <p:nvSpPr>
+          <p:cNvPr id="22" name="Oval 21">
+            <a:extLst>
+              <a:ext uri="{FF2B5EF4-FFF2-40B4-BE49-F238E27FC236}">
+                <a16:creationId xmlns:a16="http://schemas.microsoft.com/office/drawing/2014/main" id="{DF469DCE-1D47-428C-B082-4E57A24682E8}"/>
+              </a:ext>
+            </a:extLst>
+          </p:cNvPr>
+          <p:cNvSpPr/>
+          <p:nvPr/>
+        </p:nvSpPr>
+        <p:spPr>
+          <a:xfrm>
+            <a:off x="4139570" y="4588786"/>
+            <a:ext cx="547082" cy="469783"/>
+          </a:xfrm>
+          <a:prstGeom prst="ellipse">
+            <a:avLst/>
+          </a:prstGeom>
+        </p:spPr>
+        <p:style>
+          <a:lnRef idx="2">
+            <a:schemeClr val="dk1"/>
+          </a:lnRef>
+          <a:fillRef idx="1">
+            <a:schemeClr val="lt1"/>
+          </a:fillRef>
+          <a:effectRef idx="0">
+            <a:schemeClr val="dk1"/>
+          </a:effectRef>
+          <a:fontRef idx="minor">
+            <a:schemeClr val="dk1"/>
+          </a:fontRef>
+        </p:style>
+        <p:txBody>
+          <a:bodyPr rtlCol="0" anchor="ctr"/>
+          <a:lstStyle/>
+          <a:p>
+            <a:pPr algn="ctr"/>
+            <a:r>
+              <a:rPr lang="en-US" sz="3200" b="1" dirty="0">
+                <a:latin typeface="Arial" panose="020B0604020202020204" pitchFamily="34" charset="0"/>
+                <a:cs typeface="Arial" panose="020B0604020202020204" pitchFamily="34" charset="0"/>
+              </a:rPr>
+              <a:t>6</a:t>
+            </a:r>
+          </a:p>
+        </p:txBody>
+      </p:sp>
+    </p:spTree>
+    <p:extLst>
+      <p:ext uri="{BB962C8B-B14F-4D97-AF65-F5344CB8AC3E}">
+        <p14:creationId xmlns:p14="http://schemas.microsoft.com/office/powerpoint/2010/main" val="2289202601"/>
+      </p:ext>
+    </p:extLst>
+  </p:cSld>
+  <p:clrMapOvr>
+    <a:masterClrMapping/>
+  </p:clrMapOvr>
+</p:sld>
+</file>
+
+<file path=ppt/slides/slide4.xml><?xml version="1.0" encoding="utf-8"?>
+<p:sld xmlns:a="http://schemas.openxmlformats.org/drawingml/2006/main" xmlns:r="http://schemas.openxmlformats.org/officeDocument/2006/relationships" xmlns:p="http://schemas.openxmlformats.org/presentationml/2006/main">
+  <p:cSld>
+    <p:spTree>
+      <p:nvGrpSpPr>
+        <p:cNvPr id="1" name=""/>
+        <p:cNvGrpSpPr/>
+        <p:nvPr/>
+      </p:nvGrpSpPr>
+      <p:grpSpPr>
+        <a:xfrm>
+          <a:off x="0" y="0"/>
+          <a:ext cx="0" cy="0"/>
+          <a:chOff x="0" y="0"/>
+          <a:chExt cx="0" cy="0"/>
+        </a:xfrm>
+      </p:grpSpPr>
+      <p:sp>
+        <p:nvSpPr>
+          <p:cNvPr id="4" name="Rectangle 3">
+            <a:extLst>
+              <a:ext uri="{FF2B5EF4-FFF2-40B4-BE49-F238E27FC236}">
+                <a16:creationId xmlns:a16="http://schemas.microsoft.com/office/drawing/2014/main" id="{17D0E77A-04D4-4EA7-A365-01CE5C6F166C}"/>
+              </a:ext>
+            </a:extLst>
+          </p:cNvPr>
+          <p:cNvSpPr/>
+          <p:nvPr/>
+        </p:nvSpPr>
+        <p:spPr>
+          <a:xfrm>
+            <a:off x="0" y="0"/>
+            <a:ext cx="12192000" cy="6858000"/>
+          </a:xfrm>
+          <a:prstGeom prst="rect">
+            <a:avLst/>
+          </a:prstGeom>
+        </p:spPr>
+        <p:style>
+          <a:lnRef idx="2">
+            <a:schemeClr val="accent1">
+              <a:shade val="50000"/>
+            </a:schemeClr>
+          </a:lnRef>
+          <a:fillRef idx="1">
+            <a:schemeClr val="accent1"/>
+          </a:fillRef>
+          <a:effectRef idx="0">
+            <a:schemeClr val="accent1"/>
+          </a:effectRef>
+          <a:fontRef idx="minor">
+            <a:schemeClr val="lt1"/>
+          </a:fontRef>
+        </p:style>
+        <p:txBody>
+          <a:bodyPr rtlCol="0" anchor="ctr"/>
+          <a:lstStyle/>
+          <a:p>
+            <a:pPr algn="ctr"/>
+            <a:endParaRPr lang="en-US"/>
+          </a:p>
+        </p:txBody>
+      </p:sp>
+      <p:pic>
+        <p:nvPicPr>
+          <p:cNvPr id="6" name="Picture 5" descr="A close up of a logo&#10;&#10;Description automatically generated">
+            <a:extLst>
+              <a:ext uri="{FF2B5EF4-FFF2-40B4-BE49-F238E27FC236}">
+                <a16:creationId xmlns:a16="http://schemas.microsoft.com/office/drawing/2014/main" id="{1182FF91-2FA0-4CA9-BA83-9A878D470F04}"/>
+              </a:ext>
+            </a:extLst>
+          </p:cNvPr>
+          <p:cNvPicPr>
+            <a:picLocks noChangeAspect="1"/>
+          </p:cNvPicPr>
+          <p:nvPr/>
+        </p:nvPicPr>
+        <p:blipFill>
+          <a:blip r:embed="rId2">
+            <a:extLst>
+              <a:ext uri="{28A0092B-C50C-407E-A947-70E740481C1C}">
+                <a14:useLocalDpi xmlns:a14="http://schemas.microsoft.com/office/drawing/2010/main" val="0"/>
+              </a:ext>
+            </a:extLst>
+          </a:blip>
+          <a:stretch>
+            <a:fillRect/>
+          </a:stretch>
+        </p:blipFill>
+        <p:spPr>
+          <a:xfrm>
+            <a:off x="7885651" y="3094459"/>
+            <a:ext cx="3984771" cy="3575866"/>
+          </a:xfrm>
+          <a:prstGeom prst="rect">
+            <a:avLst/>
+          </a:prstGeom>
+        </p:spPr>
+      </p:pic>
+      <p:sp>
+        <p:nvSpPr>
+          <p:cNvPr id="7" name="Rectangle 6">
+            <a:extLst>
+              <a:ext uri="{FF2B5EF4-FFF2-40B4-BE49-F238E27FC236}">
+                <a16:creationId xmlns:a16="http://schemas.microsoft.com/office/drawing/2014/main" id="{C8D2EFD6-10E5-4F31-9BF5-0AD56D0BA7A2}"/>
+              </a:ext>
+            </a:extLst>
+          </p:cNvPr>
+          <p:cNvSpPr/>
+          <p:nvPr/>
+        </p:nvSpPr>
+        <p:spPr>
+          <a:xfrm>
+            <a:off x="2306972" y="394283"/>
+            <a:ext cx="6862195" cy="973123"/>
+          </a:xfrm>
+          <a:prstGeom prst="rect">
+            <a:avLst/>
+          </a:prstGeom>
+          <a:solidFill>
+            <a:schemeClr val="accent1"/>
+          </a:solidFill>
+          <a:ln>
+            <a:noFill/>
+          </a:ln>
+        </p:spPr>
+        <p:style>
+          <a:lnRef idx="0">
+            <a:scrgbClr r="0" g="0" b="0"/>
+          </a:lnRef>
+          <a:fillRef idx="0">
+            <a:scrgbClr r="0" g="0" b="0"/>
+          </a:fillRef>
+          <a:effectRef idx="0">
+            <a:scrgbClr r="0" g="0" b="0"/>
+          </a:effectRef>
+          <a:fontRef idx="minor">
+            <a:schemeClr val="lt1"/>
+          </a:fontRef>
+        </p:style>
+        <p:txBody>
+          <a:bodyPr rtlCol="0" anchor="ctr"/>
+          <a:lstStyle/>
+          <a:p>
+            <a:pPr algn="ctr"/>
+            <a:r>
+              <a:rPr lang="en-US" sz="5400" b="1" dirty="0">
+                <a:solidFill>
+                  <a:schemeClr val="tx1"/>
+                </a:solidFill>
+                <a:latin typeface="Arial" panose="020B0604020202020204" pitchFamily="34" charset="0"/>
+                <a:cs typeface="Arial" panose="020B0604020202020204" pitchFamily="34" charset="0"/>
+              </a:rPr>
+              <a:t>What is SATS ?</a:t>
+            </a:r>
+          </a:p>
+        </p:txBody>
+      </p:sp>
+      <p:sp>
+        <p:nvSpPr>
+          <p:cNvPr id="8" name="Rectangle 7">
+            <a:extLst>
+              <a:ext uri="{FF2B5EF4-FFF2-40B4-BE49-F238E27FC236}">
+                <a16:creationId xmlns:a16="http://schemas.microsoft.com/office/drawing/2014/main" id="{E5746802-0903-4C3E-88F4-568895CC6CD9}"/>
+              </a:ext>
+            </a:extLst>
+          </p:cNvPr>
+          <p:cNvSpPr/>
+          <p:nvPr/>
+        </p:nvSpPr>
+        <p:spPr>
+          <a:xfrm>
+            <a:off x="285226" y="1728132"/>
+            <a:ext cx="11585196" cy="1178653"/>
+          </a:xfrm>
+          <a:prstGeom prst="rect">
+            <a:avLst/>
+          </a:prstGeom>
+          <a:solidFill>
+            <a:schemeClr val="accent1"/>
+          </a:solidFill>
+          <a:ln>
+            <a:noFill/>
+          </a:ln>
+        </p:spPr>
+        <p:style>
+          <a:lnRef idx="0">
+            <a:scrgbClr r="0" g="0" b="0"/>
+          </a:lnRef>
+          <a:fillRef idx="0">
+            <a:scrgbClr r="0" g="0" b="0"/>
+          </a:fillRef>
+          <a:effectRef idx="0">
+            <a:scrgbClr r="0" g="0" b="0"/>
+          </a:effectRef>
+          <a:fontRef idx="minor">
+            <a:schemeClr val="lt1"/>
+          </a:fontRef>
+        </p:style>
+        <p:txBody>
+          <a:bodyPr rtlCol="0" anchor="ctr"/>
+          <a:lstStyle/>
+          <a:p>
+            <a:pPr algn="ctr"/>
+            <a:r>
+              <a:rPr lang="en-US" dirty="0">
+                <a:solidFill>
+                  <a:schemeClr val="tx1"/>
+                </a:solidFill>
+                <a:latin typeface="Arial" panose="020B0604020202020204" pitchFamily="34" charset="0"/>
+                <a:cs typeface="Arial" panose="020B0604020202020204" pitchFamily="34" charset="0"/>
+              </a:rPr>
+              <a:t>SATS is a system that organizes and improves the process of attendance tracking and monitoring in universities </a:t>
+            </a:r>
+          </a:p>
+        </p:txBody>
+      </p:sp>
+      <p:pic>
+        <p:nvPicPr>
+          <p:cNvPr id="12" name="Picture 11" descr="A close up of a building&#10;&#10;Description automatically generated">
+            <a:extLst>
+              <a:ext uri="{FF2B5EF4-FFF2-40B4-BE49-F238E27FC236}">
+                <a16:creationId xmlns:a16="http://schemas.microsoft.com/office/drawing/2014/main" id="{BE08A1CC-FCA3-431C-B98D-A5E3762764CA}"/>
+              </a:ext>
+            </a:extLst>
+          </p:cNvPr>
+          <p:cNvPicPr>
+            <a:picLocks noChangeAspect="1"/>
+          </p:cNvPicPr>
+          <p:nvPr/>
+        </p:nvPicPr>
+        <p:blipFill>
+          <a:blip r:embed="rId3">
+            <a:extLst>
+              <a:ext uri="{28A0092B-C50C-407E-A947-70E740481C1C}">
+                <a14:useLocalDpi xmlns:a14="http://schemas.microsoft.com/office/drawing/2010/main" val="0"/>
+              </a:ext>
+            </a:extLst>
+          </a:blip>
+          <a:stretch>
+            <a:fillRect/>
+          </a:stretch>
+        </p:blipFill>
+        <p:spPr>
+          <a:xfrm>
+            <a:off x="3269958" y="3275899"/>
+            <a:ext cx="3878510" cy="3336022"/>
+          </a:xfrm>
+          <a:prstGeom prst="rect">
+            <a:avLst/>
+          </a:prstGeom>
+        </p:spPr>
+      </p:pic>
+      <p:pic>
+        <p:nvPicPr>
+          <p:cNvPr id="14" name="Picture 13" descr="A picture containing room&#10;&#10;Description automatically generated">
+            <a:extLst>
+              <a:ext uri="{FF2B5EF4-FFF2-40B4-BE49-F238E27FC236}">
+                <a16:creationId xmlns:a16="http://schemas.microsoft.com/office/drawing/2014/main" id="{DF823F6E-1C0E-47D5-8637-157BF7000827}"/>
+              </a:ext>
+            </a:extLst>
+          </p:cNvPr>
+          <p:cNvPicPr>
+            <a:picLocks noChangeAspect="1"/>
+          </p:cNvPicPr>
+          <p:nvPr/>
+        </p:nvPicPr>
+        <p:blipFill>
+          <a:blip r:embed="rId4">
+            <a:extLst>
+              <a:ext uri="{28A0092B-C50C-407E-A947-70E740481C1C}">
+                <a14:useLocalDpi xmlns:a14="http://schemas.microsoft.com/office/drawing/2010/main" val="0"/>
+              </a:ext>
+            </a:extLst>
+          </a:blip>
+          <a:stretch>
+            <a:fillRect/>
+          </a:stretch>
+        </p:blipFill>
+        <p:spPr>
+          <a:xfrm>
+            <a:off x="410362" y="3869421"/>
+            <a:ext cx="2122413" cy="2495725"/>
+          </a:xfrm>
+          <a:prstGeom prst="rect">
+            <a:avLst/>
+          </a:prstGeom>
+        </p:spPr>
+      </p:pic>
+    </p:spTree>
+    <p:extLst>
+      <p:ext uri="{BB962C8B-B14F-4D97-AF65-F5344CB8AC3E}">
+        <p14:creationId xmlns:p14="http://schemas.microsoft.com/office/powerpoint/2010/main" val="1379627763"/>
+      </p:ext>
+    </p:extLst>
+  </p:cSld>
+  <p:clrMapOvr>
+    <a:masterClrMapping/>
+  </p:clrMapOvr>
+</p:sld>
+</file>
+
+<file path=ppt/slides/slide5.xml><?xml version="1.0" encoding="utf-8"?>
+<p:sld xmlns:a="http://schemas.openxmlformats.org/drawingml/2006/main" xmlns:r="http://schemas.openxmlformats.org/officeDocument/2006/relationships" xmlns:p="http://schemas.openxmlformats.org/presentationml/2006/main">
+  <p:cSld>
+    <p:spTree>
+      <p:nvGrpSpPr>
+        <p:cNvPr id="1" name=""/>
+        <p:cNvGrpSpPr/>
+        <p:nvPr/>
+      </p:nvGrpSpPr>
+      <p:grpSpPr>
+        <a:xfrm>
+          <a:off x="0" y="0"/>
+          <a:ext cx="0" cy="0"/>
+          <a:chOff x="0" y="0"/>
+          <a:chExt cx="0" cy="0"/>
+        </a:xfrm>
+      </p:grpSpPr>
+      <p:sp>
+        <p:nvSpPr>
+          <p:cNvPr id="2" name="Rectangle 1">
+            <a:extLst>
+              <a:ext uri="{FF2B5EF4-FFF2-40B4-BE49-F238E27FC236}">
+                <a16:creationId xmlns:a16="http://schemas.microsoft.com/office/drawing/2014/main" id="{F6D781A6-8CB7-432F-9F8A-A20E5214DD8A}"/>
+              </a:ext>
+            </a:extLst>
+          </p:cNvPr>
+          <p:cNvSpPr/>
+          <p:nvPr/>
+        </p:nvSpPr>
+        <p:spPr>
+          <a:xfrm>
+            <a:off x="0" y="0"/>
+            <a:ext cx="12192000" cy="6858000"/>
+          </a:xfrm>
+          <a:prstGeom prst="rect">
+            <a:avLst/>
+          </a:prstGeom>
+        </p:spPr>
+        <p:style>
+          <a:lnRef idx="2">
+            <a:schemeClr val="accent1">
+              <a:shade val="50000"/>
+            </a:schemeClr>
+          </a:lnRef>
+          <a:fillRef idx="1">
+            <a:schemeClr val="accent1"/>
+          </a:fillRef>
+          <a:effectRef idx="0">
+            <a:schemeClr val="accent1"/>
+          </a:effectRef>
+          <a:fontRef idx="minor">
+            <a:schemeClr val="lt1"/>
+          </a:fontRef>
+        </p:style>
+        <p:txBody>
+          <a:bodyPr rtlCol="0" anchor="ctr"/>
+          <a:lstStyle/>
+          <a:p>
+            <a:pPr algn="ctr"/>
+            <a:endParaRPr lang="en-US"/>
+          </a:p>
+        </p:txBody>
+      </p:sp>
+      <p:sp>
+        <p:nvSpPr>
+          <p:cNvPr id="3" name="Rectangle 2">
+            <a:extLst>
+              <a:ext uri="{FF2B5EF4-FFF2-40B4-BE49-F238E27FC236}">
+                <a16:creationId xmlns:a16="http://schemas.microsoft.com/office/drawing/2014/main" id="{7BA39C32-02A6-4A08-9F46-FF8041ACF618}"/>
+              </a:ext>
+            </a:extLst>
+          </p:cNvPr>
+          <p:cNvSpPr/>
+          <p:nvPr/>
+        </p:nvSpPr>
+        <p:spPr>
+          <a:xfrm>
+            <a:off x="713064" y="0"/>
+            <a:ext cx="10514202" cy="1417740"/>
+          </a:xfrm>
+          <a:prstGeom prst="rect">
+            <a:avLst/>
+          </a:prstGeom>
+          <a:solidFill>
+            <a:schemeClr val="accent1"/>
+          </a:solidFill>
+          <a:ln>
+            <a:noFill/>
+          </a:ln>
+        </p:spPr>
+        <p:style>
+          <a:lnRef idx="0">
+            <a:scrgbClr r="0" g="0" b="0"/>
+          </a:lnRef>
+          <a:fillRef idx="0">
+            <a:scrgbClr r="0" g="0" b="0"/>
+          </a:fillRef>
+          <a:effectRef idx="0">
+            <a:scrgbClr r="0" g="0" b="0"/>
+          </a:effectRef>
+          <a:fontRef idx="minor">
+            <a:schemeClr val="lt1"/>
+          </a:fontRef>
+        </p:style>
+        <p:txBody>
+          <a:bodyPr rtlCol="0" anchor="ctr"/>
+          <a:lstStyle/>
+          <a:p>
+            <a:pPr algn="ctr"/>
+            <a:r>
+              <a:rPr lang="en-US" sz="5400" b="1" dirty="0">
+                <a:solidFill>
+                  <a:schemeClr val="tx1"/>
+                </a:solidFill>
+                <a:latin typeface="Arial" panose="020B0604020202020204" pitchFamily="34" charset="0"/>
+                <a:cs typeface="Arial" panose="020B0604020202020204" pitchFamily="34" charset="0"/>
+              </a:rPr>
+              <a:t>Motive</a:t>
+            </a:r>
+            <a:endParaRPr lang="en-US" b="1" dirty="0">
+              <a:solidFill>
+                <a:schemeClr val="tx1"/>
+              </a:solidFill>
+              <a:latin typeface="Arial" panose="020B0604020202020204" pitchFamily="34" charset="0"/>
+              <a:cs typeface="Arial" panose="020B0604020202020204" pitchFamily="34" charset="0"/>
+            </a:endParaRPr>
+          </a:p>
+        </p:txBody>
+      </p:sp>
+      <p:sp>
+        <p:nvSpPr>
+          <p:cNvPr id="4" name="Rectangle 3">
+            <a:extLst>
+              <a:ext uri="{FF2B5EF4-FFF2-40B4-BE49-F238E27FC236}">
+                <a16:creationId xmlns:a16="http://schemas.microsoft.com/office/drawing/2014/main" id="{D7CC68C9-ED7F-4A16-8BF8-5B167CC809A1}"/>
+              </a:ext>
+            </a:extLst>
+          </p:cNvPr>
+          <p:cNvSpPr/>
+          <p:nvPr/>
+        </p:nvSpPr>
+        <p:spPr>
+          <a:xfrm>
+            <a:off x="637563" y="1744910"/>
+            <a:ext cx="11081857" cy="1098958"/>
+          </a:xfrm>
+          <a:prstGeom prst="rect">
+            <a:avLst/>
+          </a:prstGeom>
+        </p:spPr>
+        <p:style>
+          <a:lnRef idx="2">
+            <a:schemeClr val="accent1">
+              <a:shade val="50000"/>
+            </a:schemeClr>
+          </a:lnRef>
+          <a:fillRef idx="1">
+            <a:schemeClr val="accent1"/>
+          </a:fillRef>
+          <a:effectRef idx="0">
+            <a:schemeClr val="accent1"/>
+          </a:effectRef>
+          <a:fontRef idx="minor">
+            <a:schemeClr val="lt1"/>
+          </a:fontRef>
+        </p:style>
+        <p:txBody>
+          <a:bodyPr rtlCol="0" anchor="ctr"/>
+          <a:lstStyle/>
+          <a:p>
+            <a:pPr algn="ctr"/>
+            <a:r>
+              <a:rPr lang="en-US" dirty="0">
+                <a:solidFill>
+                  <a:schemeClr val="tx1"/>
+                </a:solidFill>
+                <a:latin typeface="Arial" panose="020B0604020202020204" pitchFamily="34" charset="0"/>
+                <a:cs typeface="Arial" panose="020B0604020202020204" pitchFamily="34" charset="0"/>
+              </a:rPr>
+              <a:t>Assume that it takes 8 minutes to take attendance in the traditional way, and the semester is 16 weeks long that is 80 days excluding weekends, and every day you have 3 courses, then in one day it takes 24 minutes just for taking attendance, in the whole semester that is 80 days 1920 minutes have been wasted just for taking attendance.   </a:t>
+            </a:r>
+          </a:p>
+        </p:txBody>
+      </p:sp>
+      <p:sp>
+        <p:nvSpPr>
+          <p:cNvPr id="5" name="Rectangle 4">
+            <a:extLst>
+              <a:ext uri="{FF2B5EF4-FFF2-40B4-BE49-F238E27FC236}">
+                <a16:creationId xmlns:a16="http://schemas.microsoft.com/office/drawing/2014/main" id="{9F7532B6-7DF2-4037-B54E-011CD32229BA}"/>
+              </a:ext>
+            </a:extLst>
+          </p:cNvPr>
+          <p:cNvSpPr/>
+          <p:nvPr/>
+        </p:nvSpPr>
+        <p:spPr>
+          <a:xfrm>
+            <a:off x="637562" y="3087148"/>
+            <a:ext cx="11081857" cy="859872"/>
+          </a:xfrm>
+          <a:prstGeom prst="rect">
+            <a:avLst/>
+          </a:prstGeom>
+        </p:spPr>
+        <p:style>
+          <a:lnRef idx="2">
+            <a:schemeClr val="accent1">
+              <a:shade val="50000"/>
+            </a:schemeClr>
+          </a:lnRef>
+          <a:fillRef idx="1">
+            <a:schemeClr val="accent1"/>
+          </a:fillRef>
+          <a:effectRef idx="0">
+            <a:schemeClr val="accent1"/>
+          </a:effectRef>
+          <a:fontRef idx="minor">
+            <a:schemeClr val="lt1"/>
+          </a:fontRef>
+        </p:style>
+        <p:txBody>
+          <a:bodyPr rtlCol="0" anchor="ctr"/>
+          <a:lstStyle/>
+          <a:p>
+            <a:pPr algn="ctr"/>
+            <a:r>
+              <a:rPr lang="en-US" dirty="0">
+                <a:solidFill>
+                  <a:schemeClr val="tx1"/>
+                </a:solidFill>
+                <a:latin typeface="Arial" panose="020B0604020202020204" pitchFamily="34" charset="0"/>
+                <a:cs typeface="Arial" panose="020B0604020202020204" pitchFamily="34" charset="0"/>
+              </a:rPr>
+              <a:t>In SATS assuming that it takes 1 minute for the professor to start the system, then for the whole semester that is 80 days 240 minutes have been wasted just for taking attendance.</a:t>
+            </a:r>
+          </a:p>
+        </p:txBody>
+      </p:sp>
+      <p:sp>
+        <p:nvSpPr>
+          <p:cNvPr id="10" name="TextBox 9">
+            <a:extLst>
+              <a:ext uri="{FF2B5EF4-FFF2-40B4-BE49-F238E27FC236}">
+                <a16:creationId xmlns:a16="http://schemas.microsoft.com/office/drawing/2014/main" id="{8B6963FD-6AE6-4114-9AFB-DF0D342B3399}"/>
+              </a:ext>
+            </a:extLst>
+          </p:cNvPr>
+          <p:cNvSpPr txBox="1"/>
+          <p:nvPr/>
+        </p:nvSpPr>
+        <p:spPr>
+          <a:xfrm>
+            <a:off x="555071" y="5561684"/>
+            <a:ext cx="11081857" cy="369332"/>
+          </a:xfrm>
+          <a:prstGeom prst="rect">
+            <a:avLst/>
+          </a:prstGeom>
+          <a:noFill/>
+        </p:spPr>
+        <p:txBody>
+          <a:bodyPr wrap="square" rtlCol="0">
+            <a:spAutoFit/>
+          </a:bodyPr>
+          <a:lstStyle/>
+          <a:p>
+            <a:pPr algn="ctr"/>
+            <a:r>
+              <a:rPr lang="en-US" dirty="0"/>
+              <a:t>The percentage of saved time using SATS</a:t>
+            </a:r>
+          </a:p>
+        </p:txBody>
+      </p:sp>
+      <p:pic>
+        <p:nvPicPr>
+          <p:cNvPr id="20" name="Picture 19" descr="A close up of a clock&#10;&#10;Description automatically generated">
+            <a:extLst>
+              <a:ext uri="{FF2B5EF4-FFF2-40B4-BE49-F238E27FC236}">
+                <a16:creationId xmlns:a16="http://schemas.microsoft.com/office/drawing/2014/main" id="{C9AD87D9-C686-4B10-8CF9-F246FAC204DE}"/>
+              </a:ext>
+            </a:extLst>
+          </p:cNvPr>
+          <p:cNvPicPr>
+            <a:picLocks noChangeAspect="1"/>
+          </p:cNvPicPr>
+          <p:nvPr/>
+        </p:nvPicPr>
+        <p:blipFill>
+          <a:blip r:embed="rId2">
+            <a:extLst>
+              <a:ext uri="{28A0092B-C50C-407E-A947-70E740481C1C}">
+                <a14:useLocalDpi xmlns:a14="http://schemas.microsoft.com/office/drawing/2010/main" val="0"/>
+              </a:ext>
+            </a:extLst>
+          </a:blip>
+          <a:stretch>
+            <a:fillRect/>
+          </a:stretch>
+        </p:blipFill>
+        <p:spPr>
+          <a:xfrm>
+            <a:off x="8444146" y="4233636"/>
+            <a:ext cx="3535418" cy="2404861"/>
+          </a:xfrm>
+          <a:prstGeom prst="rect">
+            <a:avLst/>
+          </a:prstGeom>
+        </p:spPr>
+      </p:pic>
+      <p:pic>
+        <p:nvPicPr>
+          <p:cNvPr id="24" name="Picture 23" descr="A picture containing room&#10;&#10;Description automatically generated">
+            <a:extLst>
+              <a:ext uri="{FF2B5EF4-FFF2-40B4-BE49-F238E27FC236}">
+                <a16:creationId xmlns:a16="http://schemas.microsoft.com/office/drawing/2014/main" id="{92A753AC-C9CE-47D5-97D4-2AAC57DCEF91}"/>
+              </a:ext>
+            </a:extLst>
+          </p:cNvPr>
+          <p:cNvPicPr>
+            <a:picLocks noChangeAspect="1"/>
+          </p:cNvPicPr>
+          <p:nvPr/>
+        </p:nvPicPr>
+        <p:blipFill>
+          <a:blip r:embed="rId3">
+            <a:extLst>
+              <a:ext uri="{28A0092B-C50C-407E-A947-70E740481C1C}">
+                <a14:useLocalDpi xmlns:a14="http://schemas.microsoft.com/office/drawing/2010/main" val="0"/>
+              </a:ext>
+            </a:extLst>
+          </a:blip>
+          <a:stretch>
+            <a:fillRect/>
+          </a:stretch>
+        </p:blipFill>
+        <p:spPr>
+          <a:xfrm>
+            <a:off x="5115235" y="3951377"/>
+            <a:ext cx="1961530" cy="1570059"/>
+          </a:xfrm>
+          <a:prstGeom prst="rect">
+            <a:avLst/>
+          </a:prstGeom>
+        </p:spPr>
+      </p:pic>
+      <p:pic>
+        <p:nvPicPr>
+          <p:cNvPr id="26" name="Picture 25" descr="A picture containing clock&#10;&#10;Description automatically generated">
+            <a:extLst>
+              <a:ext uri="{FF2B5EF4-FFF2-40B4-BE49-F238E27FC236}">
+                <a16:creationId xmlns:a16="http://schemas.microsoft.com/office/drawing/2014/main" id="{493D077F-15BF-4F9C-B0F0-BBCC823185A2}"/>
+              </a:ext>
+            </a:extLst>
+          </p:cNvPr>
+          <p:cNvPicPr>
+            <a:picLocks noChangeAspect="1"/>
+          </p:cNvPicPr>
+          <p:nvPr/>
+        </p:nvPicPr>
+        <p:blipFill>
+          <a:blip r:embed="rId4">
+            <a:extLst>
+              <a:ext uri="{28A0092B-C50C-407E-A947-70E740481C1C}">
+                <a14:useLocalDpi xmlns:a14="http://schemas.microsoft.com/office/drawing/2010/main" val="0"/>
+              </a:ext>
+            </a:extLst>
+          </a:blip>
+          <a:stretch>
+            <a:fillRect/>
+          </a:stretch>
+        </p:blipFill>
+        <p:spPr>
+          <a:xfrm>
+            <a:off x="472581" y="4146048"/>
+            <a:ext cx="2752437" cy="2580038"/>
+          </a:xfrm>
+          <a:prstGeom prst="rect">
+            <a:avLst/>
+          </a:prstGeom>
+        </p:spPr>
+      </p:pic>
+    </p:spTree>
+    <p:extLst>
+      <p:ext uri="{BB962C8B-B14F-4D97-AF65-F5344CB8AC3E}">
+        <p14:creationId xmlns:p14="http://schemas.microsoft.com/office/powerpoint/2010/main" val="761113307"/>
       </p:ext>
     </p:extLst>
   </p:cSld>
@@ -3385,9 +8412,9 @@
 </file>
 
 <file path=ppt/theme/theme1.xml><?xml version="1.0" encoding="utf-8"?>
-<a:theme xmlns:a="http://schemas.openxmlformats.org/drawingml/2006/main" name="Office Theme">
+<a:theme xmlns:a="http://schemas.openxmlformats.org/drawingml/2006/main" name="RetrospectVTI">
   <a:themeElements>
-    <a:clrScheme name="Office">
+    <a:clrScheme name="Retrospect">
       <a:dk1>
         <a:sysClr val="windowText" lastClr="000000"/>
       </a:dk1>
@@ -3395,44 +8422,44 @@
         <a:sysClr val="window" lastClr="FFFFFF"/>
       </a:lt1>
       <a:dk2>
-        <a:srgbClr val="44546A"/>
+        <a:srgbClr val="344068"/>
       </a:dk2>
       <a:lt2>
-        <a:srgbClr val="E7E6E6"/>
+        <a:srgbClr val="D9E0E6"/>
       </a:lt2>
       <a:accent1>
-        <a:srgbClr val="4472C4"/>
+        <a:srgbClr val="1CADE4"/>
       </a:accent1>
       <a:accent2>
-        <a:srgbClr val="ED7D31"/>
+        <a:srgbClr val="2683C6"/>
       </a:accent2>
       <a:accent3>
-        <a:srgbClr val="A5A5A5"/>
+        <a:srgbClr val="28C4CC"/>
       </a:accent3>
       <a:accent4>
-        <a:srgbClr val="FFC000"/>
+        <a:srgbClr val="42BA97"/>
       </a:accent4>
       <a:accent5>
-        <a:srgbClr val="5B9BD5"/>
+        <a:srgbClr val="3E8853"/>
       </a:accent5>
       <a:accent6>
-        <a:srgbClr val="70AD47"/>
+        <a:srgbClr val="62A39F"/>
       </a:accent6>
       <a:hlink>
-        <a:srgbClr val="0563C1"/>
+        <a:srgbClr val="6EAC1C"/>
       </a:hlink>
       <a:folHlink>
-        <a:srgbClr val="954F72"/>
+        <a:srgbClr val="B26B02"/>
       </a:folHlink>
     </a:clrScheme>
-    <a:fontScheme name="Office">
+    <a:fontScheme name="Retrospect">
       <a:majorFont>
-        <a:latin typeface="Calibri Light" panose="020F0302020204030204"/>
+        <a:latin typeface="Tw Cen MT" panose="020F0302020204030204"/>
         <a:ea typeface=""/>
         <a:cs typeface=""/>
-        <a:font script="Jpan" typeface="游ゴシック Light"/>
+        <a:font script="Jpan" typeface="ＭＳ Ｐゴシック"/>
         <a:font script="Hang" typeface="맑은 고딕"/>
-        <a:font script="Hans" typeface="等线 Light"/>
+        <a:font script="Hans" typeface="宋体"/>
         <a:font script="Hant" typeface="新細明體"/>
         <a:font script="Arab" typeface="Times New Roman"/>
         <a:font script="Hebr" typeface="Times New Roman"/>
@@ -3460,31 +8487,14 @@
         <a:font script="Viet" typeface="Times New Roman"/>
         <a:font script="Uigh" typeface="Microsoft Uighur"/>
         <a:font script="Geor" typeface="Sylfaen"/>
-        <a:font script="Armn" typeface="Arial"/>
-        <a:font script="Bugi" typeface="Leelawadee UI"/>
-        <a:font script="Bopo" typeface="Microsoft JhengHei"/>
-        <a:font script="Java" typeface="Javanese Text"/>
-        <a:font script="Lisu" typeface="Segoe UI"/>
-        <a:font script="Mymr" typeface="Myanmar Text"/>
-        <a:font script="Nkoo" typeface="Ebrima"/>
-        <a:font script="Olck" typeface="Nirmala UI"/>
-        <a:font script="Osma" typeface="Ebrima"/>
-        <a:font script="Phag" typeface="Phagspa"/>
-        <a:font script="Syrn" typeface="Estrangelo Edessa"/>
-        <a:font script="Syrj" typeface="Estrangelo Edessa"/>
-        <a:font script="Syre" typeface="Estrangelo Edessa"/>
-        <a:font script="Sora" typeface="Nirmala UI"/>
-        <a:font script="Tale" typeface="Microsoft Tai Le"/>
-        <a:font script="Talu" typeface="Microsoft New Tai Lue"/>
-        <a:font script="Tfng" typeface="Ebrima"/>
       </a:majorFont>
       <a:minorFont>
-        <a:latin typeface="Calibri" panose="020F0502020204030204"/>
+        <a:latin typeface="Tw Cen MT" panose="020F0502020204030204"/>
         <a:ea typeface=""/>
         <a:cs typeface=""/>
-        <a:font script="Jpan" typeface="游ゴシック"/>
+        <a:font script="Jpan" typeface="ＭＳ Ｐゴシック"/>
         <a:font script="Hang" typeface="맑은 고딕"/>
-        <a:font script="Hans" typeface="等线"/>
+        <a:font script="Hans" typeface="宋体"/>
         <a:font script="Hant" typeface="新細明體"/>
         <a:font script="Arab" typeface="Arial"/>
         <a:font script="Hebr" typeface="Arial"/>
@@ -3512,26 +8522,9 @@
         <a:font script="Viet" typeface="Arial"/>
         <a:font script="Uigh" typeface="Microsoft Uighur"/>
         <a:font script="Geor" typeface="Sylfaen"/>
-        <a:font script="Armn" typeface="Arial"/>
-        <a:font script="Bugi" typeface="Leelawadee UI"/>
-        <a:font script="Bopo" typeface="Microsoft JhengHei"/>
-        <a:font script="Java" typeface="Javanese Text"/>
-        <a:font script="Lisu" typeface="Segoe UI"/>
-        <a:font script="Mymr" typeface="Myanmar Text"/>
-        <a:font script="Nkoo" typeface="Ebrima"/>
-        <a:font script="Olck" typeface="Nirmala UI"/>
-        <a:font script="Osma" typeface="Ebrima"/>
-        <a:font script="Phag" typeface="Phagspa"/>
-        <a:font script="Syrn" typeface="Estrangelo Edessa"/>
-        <a:font script="Syrj" typeface="Estrangelo Edessa"/>
-        <a:font script="Syre" typeface="Estrangelo Edessa"/>
-        <a:font script="Sora" typeface="Nirmala UI"/>
-        <a:font script="Tale" typeface="Microsoft Tai Le"/>
-        <a:font script="Talu" typeface="Microsoft New Tai Lue"/>
-        <a:font script="Tfng" typeface="Ebrima"/>
       </a:minorFont>
     </a:fontScheme>
-    <a:fmtScheme name="Office">
+    <a:fmtScheme name="Retrospect">
       <a:fillStyleLst>
         <a:solidFill>
           <a:schemeClr val="phClr"/>
@@ -3540,76 +8533,81 @@
           <a:gsLst>
             <a:gs pos="0">
               <a:schemeClr val="phClr">
-                <a:lumMod val="110000"/>
-                <a:satMod val="105000"/>
-                <a:tint val="67000"/>
+                <a:tint val="65000"/>
+                <a:shade val="92000"/>
+                <a:satMod val="130000"/>
               </a:schemeClr>
             </a:gs>
-            <a:gs pos="50000">
+            <a:gs pos="45000">
               <a:schemeClr val="phClr">
-                <a:lumMod val="105000"/>
-                <a:satMod val="103000"/>
-                <a:tint val="73000"/>
+                <a:tint val="60000"/>
+                <a:shade val="99000"/>
+                <a:satMod val="120000"/>
               </a:schemeClr>
             </a:gs>
             <a:gs pos="100000">
               <a:schemeClr val="phClr">
-                <a:lumMod val="105000"/>
-                <a:satMod val="109000"/>
-                <a:tint val="81000"/>
+                <a:tint val="55000"/>
+                <a:satMod val="140000"/>
               </a:schemeClr>
             </a:gs>
           </a:gsLst>
-          <a:lin ang="5400000" scaled="0"/>
+          <a:path path="circle">
+            <a:fillToRect l="100000" t="100000" r="100000" b="100000"/>
+          </a:path>
         </a:gradFill>
         <a:gradFill rotWithShape="1">
           <a:gsLst>
             <a:gs pos="0">
               <a:schemeClr val="phClr">
-                <a:satMod val="103000"/>
-                <a:lumMod val="102000"/>
-                <a:tint val="94000"/>
+                <a:shade val="85000"/>
+                <a:satMod val="130000"/>
               </a:schemeClr>
             </a:gs>
-            <a:gs pos="50000">
+            <a:gs pos="34000">
               <a:schemeClr val="phClr">
-                <a:satMod val="110000"/>
-                <a:lumMod val="100000"/>
-                <a:shade val="100000"/>
+                <a:shade val="87000"/>
+                <a:satMod val="125000"/>
+              </a:schemeClr>
+            </a:gs>
+            <a:gs pos="70000">
+              <a:schemeClr val="phClr">
+                <a:tint val="100000"/>
+                <a:shade val="90000"/>
+                <a:satMod val="130000"/>
               </a:schemeClr>
             </a:gs>
             <a:gs pos="100000">
               <a:schemeClr val="phClr">
-                <a:lumMod val="99000"/>
-                <a:satMod val="120000"/>
-                <a:shade val="78000"/>
+                <a:tint val="100000"/>
+                <a:shade val="100000"/>
+                <a:satMod val="110000"/>
               </a:schemeClr>
             </a:gs>
           </a:gsLst>
-          <a:lin ang="5400000" scaled="0"/>
+          <a:path path="circle">
+            <a:fillToRect l="100000" t="100000" r="100000" b="100000"/>
+          </a:path>
         </a:gradFill>
       </a:fillStyleLst>
       <a:lnStyleLst>
-        <a:ln w="6350" cap="flat" cmpd="sng" algn="ctr">
-          <a:solidFill>
-            <a:schemeClr val="phClr"/>
-          </a:solidFill>
-          <a:prstDash val="solid"/>
-          <a:miter lim="800000"/>
-        </a:ln>
         <a:ln w="12700" cap="flat" cmpd="sng" algn="ctr">
           <a:solidFill>
             <a:schemeClr val="phClr"/>
           </a:solidFill>
           <a:prstDash val="solid"/>
-          <a:miter lim="800000"/>
         </a:ln>
-        <a:ln w="19050" cap="flat" cmpd="sng" algn="ctr">
+        <a:ln w="15875" cap="flat" cmpd="sng" algn="ctr">
           <a:solidFill>
             <a:schemeClr val="phClr"/>
           </a:solidFill>
           <a:prstDash val="solid"/>
-          <a:miter lim="800000"/>
+        </a:ln>
+        <a:ln w="25400" cap="flat" cmpd="sng" algn="ctr">
+          <a:solidFill>
+            <a:schemeClr val="phClr"/>
+          </a:solidFill>
+          <a:prstDash val="solid"/>
         </a:ln>
       </a:lnStyleLst>
       <a:effectStyleLst>
@@ -3617,16 +8615,33 @@
           <a:effectLst/>
         </a:effectStyle>
         <a:effectStyle>
-          <a:effectLst/>
+          <a:effectLst>
+            <a:outerShdw blurRad="38100" dist="25400" dir="2700000" algn="br" rotWithShape="0">
+              <a:srgbClr val="000000">
+                <a:alpha val="60000"/>
+              </a:srgbClr>
+            </a:outerShdw>
+          </a:effectLst>
         </a:effectStyle>
         <a:effectStyle>
           <a:effectLst>
-            <a:outerShdw blurRad="57150" dist="19050" dir="5400000" algn="ctr" rotWithShape="0">
+            <a:outerShdw blurRad="44450" dist="25400" dir="2700000" algn="br" rotWithShape="0">
               <a:srgbClr val="000000">
-                <a:alpha val="63000"/>
+                <a:alpha val="60000"/>
               </a:srgbClr>
             </a:outerShdw>
           </a:effectLst>
+          <a:scene3d>
+            <a:camera prst="orthographicFront">
+              <a:rot lat="0" lon="0" rev="0"/>
+            </a:camera>
+            <a:lightRig rig="threePt" dir="t">
+              <a:rot lat="0" lon="0" rev="19800000"/>
+            </a:lightRig>
+          </a:scene3d>
+          <a:sp3d prstMaterial="flat">
+            <a:bevelT w="25400" h="31750"/>
+          </a:sp3d>
         </a:effectStyle>
       </a:effectStyleLst>
       <a:bgFillStyleLst>
@@ -3635,36 +8650,36 @@
         </a:solidFill>
         <a:solidFill>
           <a:schemeClr val="phClr">
-            <a:tint val="95000"/>
-            <a:satMod val="170000"/>
+            <a:tint val="90000"/>
+            <a:shade val="97000"/>
+            <a:satMod val="130000"/>
           </a:schemeClr>
         </a:solidFill>
         <a:gradFill rotWithShape="1">
           <a:gsLst>
             <a:gs pos="0">
               <a:schemeClr val="phClr">
-                <a:tint val="93000"/>
-                <a:satMod val="150000"/>
-                <a:shade val="98000"/>
-                <a:lumMod val="102000"/>
+                <a:tint val="96000"/>
+                <a:shade val="99000"/>
+                <a:satMod val="140000"/>
               </a:schemeClr>
             </a:gs>
-            <a:gs pos="50000">
+            <a:gs pos="65000">
               <a:schemeClr val="phClr">
-                <a:tint val="98000"/>
+                <a:tint val="100000"/>
+                <a:shade val="80000"/>
                 <a:satMod val="130000"/>
-                <a:shade val="90000"/>
-                <a:lumMod val="103000"/>
               </a:schemeClr>
             </a:gs>
             <a:gs pos="100000">
               <a:schemeClr val="phClr">
-                <a:shade val="63000"/>
+                <a:tint val="100000"/>
+                <a:shade val="48000"/>
                 <a:satMod val="120000"/>
               </a:schemeClr>
             </a:gs>
           </a:gsLst>
-          <a:lin ang="5400000" scaled="0"/>
+          <a:lin ang="16200000" scaled="0"/>
         </a:gradFill>
       </a:bgFillStyleLst>
     </a:fmtScheme>
@@ -3673,7 +8688,7 @@
   <a:extraClrSchemeLst/>
   <a:extLst>
     <a:ext uri="{05A4C25C-085E-4340-85A3-A5531E510DB2}">
-      <thm15:themeFamily xmlns:thm15="http://schemas.microsoft.com/office/thememl/2012/main" name="Office Theme" id="{62F939B6-93AF-4DB8-9C6B-D6C7DFDC589F}" vid="{4A3C46E8-61CC-4603-A589-7422A47A8E4A}"/>
+      <thm15:themeFamily xmlns:thm15="http://schemas.microsoft.com/office/thememl/2012/main" name="RetrospectVTI" id="{ABE3C30C-0FC0-4450-828E-52DE70F1BCCB}" vid="{A6E2497D-935A-4CFD-B9FD-6DCB15FA68BF}"/>
     </a:ext>
   </a:extLst>
 </a:theme>

--- a/ProjectPhases/Project-Phase-03-CS310-F-171.pptx
+++ b/ProjectPhases/Project-Phase-03-CS310-F-171.pptx
@@ -5,11 +5,16 @@
     <p:sldMasterId id="2147484172" r:id="rId1"/>
   </p:sldMasterIdLst>
   <p:sldIdLst>
-    <p:sldId id="256" r:id="rId2"/>
+    <p:sldId id="261" r:id="rId2"/>
     <p:sldId id="257" r:id="rId3"/>
     <p:sldId id="258" r:id="rId4"/>
     <p:sldId id="259" r:id="rId5"/>
     <p:sldId id="260" r:id="rId6"/>
+    <p:sldId id="262" r:id="rId7"/>
+    <p:sldId id="263" r:id="rId8"/>
+    <p:sldId id="264" r:id="rId9"/>
+    <p:sldId id="266" r:id="rId10"/>
+    <p:sldId id="265" r:id="rId11"/>
   </p:sldIdLst>
   <p:sldSz cx="12192000" cy="6858000"/>
   <p:notesSz cx="6858000" cy="9144000"/>
@@ -119,7 +124,7 @@
 <file path=ppt/revisionInfo.xml><?xml version="1.0" encoding="utf-8"?>
 <p1510:revInfo xmlns:a="http://schemas.openxmlformats.org/drawingml/2006/main" xmlns:r="http://schemas.openxmlformats.org/officeDocument/2006/relationships" xmlns:p1510="http://schemas.microsoft.com/office/powerpoint/2015/10/main">
   <p1510:revLst>
-    <p1510:client id="{ADA99D81-B028-4AD4-ABAA-0E952828D3D8}" v="38" dt="2020-04-15T05:30:50.237"/>
+    <p1510:client id="{ADA99D81-B028-4AD4-ABAA-0E952828D3D8}" v="76" dt="2020-04-16T13:21:21.342"/>
   </p1510:revLst>
 </p1510:revInfo>
 </file>
@@ -128,8 +133,8 @@
 <pc:chgInfo xmlns:a="http://schemas.openxmlformats.org/drawingml/2006/main" xmlns:r="http://schemas.openxmlformats.org/officeDocument/2006/relationships" xmlns:ac="http://schemas.microsoft.com/office/drawing/2013/main/command" xmlns:pc="http://schemas.microsoft.com/office/powerpoint/2013/main/command">
   <pc:docChgLst>
     <pc:chgData name="abdulilah.q@outlook.com" userId="e558258b1f0d0369" providerId="LiveId" clId="{ADA99D81-B028-4AD4-ABAA-0E952828D3D8}"/>
-    <pc:docChg chg="undo custSel mod modSld addMainMaster delMainMaster">
-      <pc:chgData name="abdulilah.q@outlook.com" userId="e558258b1f0d0369" providerId="LiveId" clId="{ADA99D81-B028-4AD4-ABAA-0E952828D3D8}" dt="2020-04-15T05:30:42.337" v="27" actId="478"/>
+    <pc:docChg chg="undo custSel mod addSld modSld addMainMaster delMainMaster">
+      <pc:chgData name="abdulilah.q@outlook.com" userId="e558258b1f0d0369" providerId="LiveId" clId="{ADA99D81-B028-4AD4-ABAA-0E952828D3D8}" dt="2020-04-16T13:21:21.342" v="1464" actId="11529"/>
       <pc:docMkLst>
         <pc:docMk/>
       </pc:docMkLst>
@@ -443,6 +448,282 @@
             <ac:cxnSpMk id="45" creationId="{B9EB6DAA-2F0C-43D5-A577-15D5D2C4E3F5}"/>
           </ac:cxnSpMkLst>
         </pc:cxnChg>
+      </pc:sldChg>
+      <pc:sldChg chg="modSp">
+        <pc:chgData name="abdulilah.q@outlook.com" userId="e558258b1f0d0369" providerId="LiveId" clId="{ADA99D81-B028-4AD4-ABAA-0E952828D3D8}" dt="2020-04-16T11:19:59.912" v="131" actId="20577"/>
+        <pc:sldMkLst>
+          <pc:docMk/>
+          <pc:sldMk cId="1668517224" sldId="257"/>
+        </pc:sldMkLst>
+        <pc:spChg chg="mod">
+          <ac:chgData name="abdulilah.q@outlook.com" userId="e558258b1f0d0369" providerId="LiveId" clId="{ADA99D81-B028-4AD4-ABAA-0E952828D3D8}" dt="2020-04-16T11:19:59.912" v="131" actId="20577"/>
+          <ac:spMkLst>
+            <pc:docMk/>
+            <pc:sldMk cId="1668517224" sldId="257"/>
+            <ac:spMk id="44" creationId="{4304125B-C657-4FD1-93BA-AA0B94A16FFA}"/>
+          </ac:spMkLst>
+        </pc:spChg>
+      </pc:sldChg>
+      <pc:sldChg chg="addSp delSp modSp">
+        <pc:chgData name="abdulilah.q@outlook.com" userId="e558258b1f0d0369" providerId="LiveId" clId="{ADA99D81-B028-4AD4-ABAA-0E952828D3D8}" dt="2020-04-16T11:19:18.232" v="121" actId="1076"/>
+        <pc:sldMkLst>
+          <pc:docMk/>
+          <pc:sldMk cId="1673448457" sldId="261"/>
+        </pc:sldMkLst>
+        <pc:spChg chg="add del">
+          <ac:chgData name="abdulilah.q@outlook.com" userId="e558258b1f0d0369" providerId="LiveId" clId="{ADA99D81-B028-4AD4-ABAA-0E952828D3D8}" dt="2020-04-16T11:13:09.755" v="30" actId="11529"/>
+          <ac:spMkLst>
+            <pc:docMk/>
+            <pc:sldMk cId="1673448457" sldId="261"/>
+            <ac:spMk id="4" creationId="{6A424C15-4248-4806-9A57-7395C0863DDD}"/>
+          </ac:spMkLst>
+        </pc:spChg>
+        <pc:spChg chg="add mod">
+          <ac:chgData name="abdulilah.q@outlook.com" userId="e558258b1f0d0369" providerId="LiveId" clId="{ADA99D81-B028-4AD4-ABAA-0E952828D3D8}" dt="2020-04-16T11:19:18.232" v="121" actId="1076"/>
+          <ac:spMkLst>
+            <pc:docMk/>
+            <pc:sldMk cId="1673448457" sldId="261"/>
+            <ac:spMk id="6" creationId="{7C80DD5C-5E1B-4E4D-B4D4-F5CC3BB37D8E}"/>
+          </ac:spMkLst>
+        </pc:spChg>
+        <pc:picChg chg="mod">
+          <ac:chgData name="abdulilah.q@outlook.com" userId="e558258b1f0d0369" providerId="LiveId" clId="{ADA99D81-B028-4AD4-ABAA-0E952828D3D8}" dt="2020-04-16T11:11:18.424" v="28" actId="1076"/>
+          <ac:picMkLst>
+            <pc:docMk/>
+            <pc:sldMk cId="1673448457" sldId="261"/>
+            <ac:picMk id="5" creationId="{F86CF7A2-6757-4FE3-9717-003D9BF7A78A}"/>
+          </ac:picMkLst>
+        </pc:picChg>
+      </pc:sldChg>
+      <pc:sldChg chg="addSp delSp modSp new">
+        <pc:chgData name="abdulilah.q@outlook.com" userId="e558258b1f0d0369" providerId="LiveId" clId="{ADA99D81-B028-4AD4-ABAA-0E952828D3D8}" dt="2020-04-16T13:15:59.116" v="1360" actId="1076"/>
+        <pc:sldMkLst>
+          <pc:docMk/>
+          <pc:sldMk cId="3900144499" sldId="262"/>
+        </pc:sldMkLst>
+        <pc:spChg chg="add mod">
+          <ac:chgData name="abdulilah.q@outlook.com" userId="e558258b1f0d0369" providerId="LiveId" clId="{ADA99D81-B028-4AD4-ABAA-0E952828D3D8}" dt="2020-04-16T12:08:58.092" v="424" actId="20577"/>
+          <ac:spMkLst>
+            <pc:docMk/>
+            <pc:sldMk cId="3900144499" sldId="262"/>
+            <ac:spMk id="2" creationId="{58BDDBD7-7E73-446D-9A03-376A9F9D1AF1}"/>
+          </ac:spMkLst>
+        </pc:spChg>
+        <pc:spChg chg="add del mod">
+          <ac:chgData name="abdulilah.q@outlook.com" userId="e558258b1f0d0369" providerId="LiveId" clId="{ADA99D81-B028-4AD4-ABAA-0E952828D3D8}" dt="2020-04-16T12:04:28.990" v="227" actId="478"/>
+          <ac:spMkLst>
+            <pc:docMk/>
+            <pc:sldMk cId="3900144499" sldId="262"/>
+            <ac:spMk id="3" creationId="{67F88E37-0435-4063-81EB-EE64D9E5644E}"/>
+          </ac:spMkLst>
+        </pc:spChg>
+        <pc:spChg chg="add mod">
+          <ac:chgData name="abdulilah.q@outlook.com" userId="e558258b1f0d0369" providerId="LiveId" clId="{ADA99D81-B028-4AD4-ABAA-0E952828D3D8}" dt="2020-04-16T12:07:14.947" v="415" actId="207"/>
+          <ac:spMkLst>
+            <pc:docMk/>
+            <pc:sldMk cId="3900144499" sldId="262"/>
+            <ac:spMk id="8" creationId="{FC7DDFC1-775D-4591-B258-C15FF8CD6E2E}"/>
+          </ac:spMkLst>
+        </pc:spChg>
+        <pc:spChg chg="add mod">
+          <ac:chgData name="abdulilah.q@outlook.com" userId="e558258b1f0d0369" providerId="LiveId" clId="{ADA99D81-B028-4AD4-ABAA-0E952828D3D8}" dt="2020-04-16T12:09:53.217" v="451" actId="1076"/>
+          <ac:spMkLst>
+            <pc:docMk/>
+            <pc:sldMk cId="3900144499" sldId="262"/>
+            <ac:spMk id="9" creationId="{623C0E39-3E17-423C-ADA6-4158DB7E4033}"/>
+          </ac:spMkLst>
+        </pc:spChg>
+        <pc:spChg chg="add del">
+          <ac:chgData name="abdulilah.q@outlook.com" userId="e558258b1f0d0369" providerId="LiveId" clId="{ADA99D81-B028-4AD4-ABAA-0E952828D3D8}" dt="2020-04-16T12:23:14.352" v="563" actId="478"/>
+          <ac:spMkLst>
+            <pc:docMk/>
+            <pc:sldMk cId="3900144499" sldId="262"/>
+            <ac:spMk id="26" creationId="{289446A3-FF4E-47FE-9F89-8BD1136189E5}"/>
+          </ac:spMkLst>
+        </pc:spChg>
+        <pc:spChg chg="add del mod">
+          <ac:chgData name="abdulilah.q@outlook.com" userId="e558258b1f0d0369" providerId="LiveId" clId="{ADA99D81-B028-4AD4-ABAA-0E952828D3D8}" dt="2020-04-16T12:25:05.137" v="582" actId="478"/>
+          <ac:spMkLst>
+            <pc:docMk/>
+            <pc:sldMk cId="3900144499" sldId="262"/>
+            <ac:spMk id="27" creationId="{0B326AE1-CE8D-4A9A-A0BC-9C491E7A9661}"/>
+          </ac:spMkLst>
+        </pc:spChg>
+        <pc:spChg chg="add mod">
+          <ac:chgData name="abdulilah.q@outlook.com" userId="e558258b1f0d0369" providerId="LiveId" clId="{ADA99D81-B028-4AD4-ABAA-0E952828D3D8}" dt="2020-04-16T13:15:30.155" v="1357" actId="1076"/>
+          <ac:spMkLst>
+            <pc:docMk/>
+            <pc:sldMk cId="3900144499" sldId="262"/>
+            <ac:spMk id="28" creationId="{9329A980-9EFB-4929-8C2D-0505471C3A07}"/>
+          </ac:spMkLst>
+        </pc:spChg>
+        <pc:spChg chg="add del mod">
+          <ac:chgData name="abdulilah.q@outlook.com" userId="e558258b1f0d0369" providerId="LiveId" clId="{ADA99D81-B028-4AD4-ABAA-0E952828D3D8}" dt="2020-04-16T12:28:49.170" v="779" actId="767"/>
+          <ac:spMkLst>
+            <pc:docMk/>
+            <pc:sldMk cId="3900144499" sldId="262"/>
+            <ac:spMk id="29" creationId="{CEF3D891-D5DD-417E-A3C3-D047EF70ADF3}"/>
+          </ac:spMkLst>
+        </pc:spChg>
+        <pc:spChg chg="add mod">
+          <ac:chgData name="abdulilah.q@outlook.com" userId="e558258b1f0d0369" providerId="LiveId" clId="{ADA99D81-B028-4AD4-ABAA-0E952828D3D8}" dt="2020-04-16T13:14:57.314" v="1354" actId="404"/>
+          <ac:spMkLst>
+            <pc:docMk/>
+            <pc:sldMk cId="3900144499" sldId="262"/>
+            <ac:spMk id="30" creationId="{21767AF9-1F20-4443-B644-450F466CF0DA}"/>
+          </ac:spMkLst>
+        </pc:spChg>
+        <pc:spChg chg="add del mod">
+          <ac:chgData name="abdulilah.q@outlook.com" userId="e558258b1f0d0369" providerId="LiveId" clId="{ADA99D81-B028-4AD4-ABAA-0E952828D3D8}" dt="2020-04-16T12:34:05.231" v="934"/>
+          <ac:spMkLst>
+            <pc:docMk/>
+            <pc:sldMk cId="3900144499" sldId="262"/>
+            <ac:spMk id="31" creationId="{47DF4C16-8A7F-4D8B-91FF-B9F0DD445C4F}"/>
+          </ac:spMkLst>
+        </pc:spChg>
+        <pc:spChg chg="add mod">
+          <ac:chgData name="abdulilah.q@outlook.com" userId="e558258b1f0d0369" providerId="LiveId" clId="{ADA99D81-B028-4AD4-ABAA-0E952828D3D8}" dt="2020-04-16T13:15:20.195" v="1356" actId="1076"/>
+          <ac:spMkLst>
+            <pc:docMk/>
+            <pc:sldMk cId="3900144499" sldId="262"/>
+            <ac:spMk id="32" creationId="{61ECC447-A050-4E95-BA50-A8AA8A354A6A}"/>
+          </ac:spMkLst>
+        </pc:spChg>
+        <pc:picChg chg="add mod ord">
+          <ac:chgData name="abdulilah.q@outlook.com" userId="e558258b1f0d0369" providerId="LiveId" clId="{ADA99D81-B028-4AD4-ABAA-0E952828D3D8}" dt="2020-04-16T12:10:02.930" v="453" actId="14100"/>
+          <ac:picMkLst>
+            <pc:docMk/>
+            <pc:sldMk cId="3900144499" sldId="262"/>
+            <ac:picMk id="5" creationId="{93A2A2FB-3A2B-4895-9496-9DFAA1C23066}"/>
+          </ac:picMkLst>
+        </pc:picChg>
+        <pc:picChg chg="add mod ord">
+          <ac:chgData name="abdulilah.q@outlook.com" userId="e558258b1f0d0369" providerId="LiveId" clId="{ADA99D81-B028-4AD4-ABAA-0E952828D3D8}" dt="2020-04-16T12:35:03.489" v="998" actId="29295"/>
+          <ac:picMkLst>
+            <pc:docMk/>
+            <pc:sldMk cId="3900144499" sldId="262"/>
+            <ac:picMk id="7" creationId="{D2923564-474A-4A0C-81F2-91ABA7C41B09}"/>
+          </ac:picMkLst>
+        </pc:picChg>
+        <pc:picChg chg="add del mod">
+          <ac:chgData name="abdulilah.q@outlook.com" userId="e558258b1f0d0369" providerId="LiveId" clId="{ADA99D81-B028-4AD4-ABAA-0E952828D3D8}" dt="2020-04-16T12:11:32.910" v="460" actId="478"/>
+          <ac:picMkLst>
+            <pc:docMk/>
+            <pc:sldMk cId="3900144499" sldId="262"/>
+            <ac:picMk id="11" creationId="{2E4E5451-A2DF-45DA-B6F2-3E20328A6180}"/>
+          </ac:picMkLst>
+        </pc:picChg>
+        <pc:picChg chg="add del mod">
+          <ac:chgData name="abdulilah.q@outlook.com" userId="e558258b1f0d0369" providerId="LiveId" clId="{ADA99D81-B028-4AD4-ABAA-0E952828D3D8}" dt="2020-04-16T12:17:05.413" v="499" actId="478"/>
+          <ac:picMkLst>
+            <pc:docMk/>
+            <pc:sldMk cId="3900144499" sldId="262"/>
+            <ac:picMk id="13" creationId="{2C432328-DCF4-4FB3-A283-0A1EF99ADD75}"/>
+          </ac:picMkLst>
+        </pc:picChg>
+        <pc:picChg chg="add del mod">
+          <ac:chgData name="abdulilah.q@outlook.com" userId="e558258b1f0d0369" providerId="LiveId" clId="{ADA99D81-B028-4AD4-ABAA-0E952828D3D8}" dt="2020-04-16T12:20:26.347" v="535" actId="478"/>
+          <ac:picMkLst>
+            <pc:docMk/>
+            <pc:sldMk cId="3900144499" sldId="262"/>
+            <ac:picMk id="15" creationId="{3FD54DED-F607-4B36-86B0-935F4E54EAD8}"/>
+          </ac:picMkLst>
+        </pc:picChg>
+        <pc:picChg chg="add del mod">
+          <ac:chgData name="abdulilah.q@outlook.com" userId="e558258b1f0d0369" providerId="LiveId" clId="{ADA99D81-B028-4AD4-ABAA-0E952828D3D8}" dt="2020-04-16T12:20:24.224" v="534" actId="478"/>
+          <ac:picMkLst>
+            <pc:docMk/>
+            <pc:sldMk cId="3900144499" sldId="262"/>
+            <ac:picMk id="17" creationId="{87B7136D-1896-4ADB-AACD-11AA9B6301F3}"/>
+          </ac:picMkLst>
+        </pc:picChg>
+        <pc:picChg chg="add del mod">
+          <ac:chgData name="abdulilah.q@outlook.com" userId="e558258b1f0d0369" providerId="LiveId" clId="{ADA99D81-B028-4AD4-ABAA-0E952828D3D8}" dt="2020-04-16T12:20:13.075" v="532" actId="478"/>
+          <ac:picMkLst>
+            <pc:docMk/>
+            <pc:sldMk cId="3900144499" sldId="262"/>
+            <ac:picMk id="19" creationId="{A6CCF722-2EDE-43E2-95B5-8A1D7781A2B2}"/>
+          </ac:picMkLst>
+        </pc:picChg>
+        <pc:picChg chg="add del mod">
+          <ac:chgData name="abdulilah.q@outlook.com" userId="e558258b1f0d0369" providerId="LiveId" clId="{ADA99D81-B028-4AD4-ABAA-0E952828D3D8}" dt="2020-04-16T12:18:23.987" v="510" actId="931"/>
+          <ac:picMkLst>
+            <pc:docMk/>
+            <pc:sldMk cId="3900144499" sldId="262"/>
+            <ac:picMk id="21" creationId="{22CB9BD4-33FB-42A0-9FCD-DF73B434845D}"/>
+          </ac:picMkLst>
+        </pc:picChg>
+        <pc:picChg chg="add mod">
+          <ac:chgData name="abdulilah.q@outlook.com" userId="e558258b1f0d0369" providerId="LiveId" clId="{ADA99D81-B028-4AD4-ABAA-0E952828D3D8}" dt="2020-04-16T13:15:38.481" v="1358" actId="1076"/>
+          <ac:picMkLst>
+            <pc:docMk/>
+            <pc:sldMk cId="3900144499" sldId="262"/>
+            <ac:picMk id="23" creationId="{25C4C365-0E2C-4FD1-B608-B0F2FF49B216}"/>
+          </ac:picMkLst>
+        </pc:picChg>
+        <pc:picChg chg="add mod">
+          <ac:chgData name="abdulilah.q@outlook.com" userId="e558258b1f0d0369" providerId="LiveId" clId="{ADA99D81-B028-4AD4-ABAA-0E952828D3D8}" dt="2020-04-16T13:15:59.116" v="1360" actId="1076"/>
+          <ac:picMkLst>
+            <pc:docMk/>
+            <pc:sldMk cId="3900144499" sldId="262"/>
+            <ac:picMk id="24" creationId="{1F48D38E-322A-41B8-AB60-C84E79C2B037}"/>
+          </ac:picMkLst>
+        </pc:picChg>
+        <pc:picChg chg="add mod">
+          <ac:chgData name="abdulilah.q@outlook.com" userId="e558258b1f0d0369" providerId="LiveId" clId="{ADA99D81-B028-4AD4-ABAA-0E952828D3D8}" dt="2020-04-16T13:15:48.691" v="1359" actId="1076"/>
+          <ac:picMkLst>
+            <pc:docMk/>
+            <pc:sldMk cId="3900144499" sldId="262"/>
+            <ac:picMk id="25" creationId="{AD715580-608F-4A1F-94A3-792C51B61B66}"/>
+          </ac:picMkLst>
+        </pc:picChg>
+      </pc:sldChg>
+      <pc:sldChg chg="addSp delSp modSp new mod setBg">
+        <pc:chgData name="abdulilah.q@outlook.com" userId="e558258b1f0d0369" providerId="LiveId" clId="{ADA99D81-B028-4AD4-ABAA-0E952828D3D8}" dt="2020-04-16T13:21:21.342" v="1464" actId="11529"/>
+        <pc:sldMkLst>
+          <pc:docMk/>
+          <pc:sldMk cId="3609006249" sldId="263"/>
+        </pc:sldMkLst>
+        <pc:spChg chg="add mod">
+          <ac:chgData name="abdulilah.q@outlook.com" userId="e558258b1f0d0369" providerId="LiveId" clId="{ADA99D81-B028-4AD4-ABAA-0E952828D3D8}" dt="2020-04-16T13:20:31.549" v="1452" actId="207"/>
+          <ac:spMkLst>
+            <pc:docMk/>
+            <pc:sldMk cId="3609006249" sldId="263"/>
+            <ac:spMk id="4" creationId="{15333259-7A83-4072-95FF-90109D7572AA}"/>
+          </ac:spMkLst>
+        </pc:spChg>
+        <pc:spChg chg="add mod">
+          <ac:chgData name="abdulilah.q@outlook.com" userId="e558258b1f0d0369" providerId="LiveId" clId="{ADA99D81-B028-4AD4-ABAA-0E952828D3D8}" dt="2020-04-16T13:21:21.342" v="1464" actId="11529"/>
+          <ac:spMkLst>
+            <pc:docMk/>
+            <pc:sldMk cId="3609006249" sldId="263"/>
+            <ac:spMk id="5" creationId="{084BB3F7-F0D1-4B10-B692-DE8DB50FEC26}"/>
+          </ac:spMkLst>
+        </pc:spChg>
+        <pc:spChg chg="add del">
+          <ac:chgData name="abdulilah.q@outlook.com" userId="e558258b1f0d0369" providerId="LiveId" clId="{ADA99D81-B028-4AD4-ABAA-0E952828D3D8}" dt="2020-04-16T13:18:57.414" v="1368" actId="26606"/>
+          <ac:spMkLst>
+            <pc:docMk/>
+            <pc:sldMk cId="3609006249" sldId="263"/>
+            <ac:spMk id="8" creationId="{BCD2D517-BC35-4439-AC31-06DF764F25FC}"/>
+          </ac:spMkLst>
+        </pc:spChg>
+        <pc:spChg chg="add del">
+          <ac:chgData name="abdulilah.q@outlook.com" userId="e558258b1f0d0369" providerId="LiveId" clId="{ADA99D81-B028-4AD4-ABAA-0E952828D3D8}" dt="2020-04-16T13:18:57.414" v="1368" actId="26606"/>
+          <ac:spMkLst>
+            <pc:docMk/>
+            <pc:sldMk cId="3609006249" sldId="263"/>
+            <ac:spMk id="10" creationId="{2DD3F846-0483-40F5-A881-0C1AD2A0CAD7}"/>
+          </ac:spMkLst>
+        </pc:spChg>
+        <pc:picChg chg="add mod ord">
+          <ac:chgData name="abdulilah.q@outlook.com" userId="e558258b1f0d0369" providerId="LiveId" clId="{ADA99D81-B028-4AD4-ABAA-0E952828D3D8}" dt="2020-04-16T13:20:59.032" v="1463" actId="14100"/>
+          <ac:picMkLst>
+            <pc:docMk/>
+            <pc:sldMk cId="3609006249" sldId="263"/>
+            <ac:picMk id="3" creationId="{C366B31A-B0F6-44E2-98DD-52FAF0DE3A27}"/>
+          </ac:picMkLst>
+        </pc:picChg>
       </pc:sldChg>
       <pc:sldMasterChg chg="add del addSldLayout delSldLayout">
         <pc:chgData name="abdulilah.q@outlook.com" userId="e558258b1f0d0369" providerId="LiveId" clId="{ADA99D81-B028-4AD4-ABAA-0E952828D3D8}" dt="2020-04-15T05:27:36.646" v="12" actId="26606"/>
@@ -1976,7 +2257,7 @@
           <a:p>
             <a:fld id="{9184DA70-C731-4C70-880D-CCD4705E623C}" type="datetime1">
               <a:rPr lang="en-US" smtClean="0"/>
-              <a:t>4/15/2020</a:t>
+              <a:t>4/16/2020</a:t>
             </a:fld>
             <a:endParaRPr lang="en-US" dirty="0"/>
           </a:p>
@@ -2164,7 +2445,7 @@
           <a:p>
             <a:fld id="{B612A279-0833-481D-8C56-F67FD0AC6C50}" type="datetime1">
               <a:rPr lang="en-US" smtClean="0"/>
-              <a:t>4/15/2020</a:t>
+              <a:t>4/16/2020</a:t>
             </a:fld>
             <a:endParaRPr lang="en-US" dirty="0"/>
           </a:p>
@@ -2406,7 +2687,7 @@
           <a:p>
             <a:fld id="{6587DA83-5663-4C9C-B9AA-0B40A3DAFF81}" type="datetime1">
               <a:rPr lang="en-US" smtClean="0"/>
-              <a:t>4/15/2020</a:t>
+              <a:t>4/16/2020</a:t>
             </a:fld>
             <a:endParaRPr lang="en-US" dirty="0"/>
           </a:p>
@@ -2594,7 +2875,7 @@
           <a:p>
             <a:fld id="{4BE1D723-8F53-4F53-90B0-1982A396982E}" type="datetime1">
               <a:rPr lang="en-US" smtClean="0"/>
-              <a:t>4/15/2020</a:t>
+              <a:t>4/16/2020</a:t>
             </a:fld>
             <a:endParaRPr lang="en-US" dirty="0"/>
           </a:p>
@@ -2967,7 +3248,7 @@
           <a:p>
             <a:fld id="{97669AF7-7BEB-44E4-9852-375E34362B5B}" type="datetime1">
               <a:rPr lang="en-US" smtClean="0"/>
-              <a:t>4/15/2020</a:t>
+              <a:t>4/16/2020</a:t>
             </a:fld>
             <a:endParaRPr lang="en-US" dirty="0"/>
           </a:p>
@@ -3222,7 +3503,7 @@
           <a:p>
             <a:fld id="{BAAAC38D-0552-4C82-B593-E6124DFADBE2}" type="datetime1">
               <a:rPr lang="en-US" smtClean="0"/>
-              <a:t>4/15/2020</a:t>
+              <a:t>4/16/2020</a:t>
             </a:fld>
             <a:endParaRPr lang="en-US" dirty="0"/>
           </a:p>
@@ -3619,7 +3900,7 @@
           <a:p>
             <a:fld id="{D9DF0F1C-5577-4ACB-BB62-DF8F3C494C7E}" type="datetime1">
               <a:rPr lang="en-US" smtClean="0"/>
-              <a:t>4/15/2020</a:t>
+              <a:t>4/16/2020</a:t>
             </a:fld>
             <a:endParaRPr lang="en-US" dirty="0"/>
           </a:p>
@@ -3755,7 +4036,7 @@
           <a:p>
             <a:fld id="{1775B394-D9F9-4F0C-B15D-605F45CB9E9F}" type="datetime1">
               <a:rPr lang="en-US" smtClean="0"/>
-              <a:t>4/15/2020</a:t>
+              <a:t>4/16/2020</a:t>
             </a:fld>
             <a:endParaRPr lang="en-US" dirty="0"/>
           </a:p>
@@ -3912,7 +4193,7 @@
           <a:p>
             <a:fld id="{39667345-2558-425A-8533-9BFDBCE15005}" type="datetime1">
               <a:rPr lang="en-US" smtClean="0"/>
-              <a:t>4/15/2020</a:t>
+              <a:t>4/16/2020</a:t>
             </a:fld>
             <a:endParaRPr lang="en-US" dirty="0"/>
           </a:p>
@@ -4241,7 +4522,7 @@
           <a:p>
             <a:fld id="{92BEA474-078D-4E9B-9B14-09A87B19DC46}" type="datetime1">
               <a:rPr lang="en-US" smtClean="0"/>
-              <a:t>4/15/2020</a:t>
+              <a:t>4/16/2020</a:t>
             </a:fld>
             <a:endParaRPr lang="en-US" dirty="0"/>
           </a:p>
@@ -4591,7 +4872,7 @@
           <a:p>
             <a:fld id="{4907D986-8816-4272-A432-0437A28A9828}" type="datetime1">
               <a:rPr lang="en-US" smtClean="0"/>
-              <a:t>4/15/2020</a:t>
+              <a:t>4/16/2020</a:t>
             </a:fld>
             <a:endParaRPr lang="en-US" dirty="0"/>
           </a:p>
@@ -4852,7 +5133,7 @@
           <a:p>
             <a:fld id="{62D6E202-B606-4609-B914-27C9371A1F6D}" type="datetime1">
               <a:rPr lang="en-US" smtClean="0"/>
-              <a:t>4/15/2020</a:t>
+              <a:t>4/16/2020</a:t>
             </a:fld>
             <a:endParaRPr lang="en-US" dirty="0"/>
           </a:p>
@@ -5453,7 +5734,7 @@
         </p:blipFill>
         <p:spPr>
           <a:xfrm>
-            <a:off x="0" y="-46181"/>
+            <a:off x="0" y="0"/>
             <a:ext cx="12192000" cy="6858000"/>
           </a:xfrm>
           <a:prstGeom prst="rect">
@@ -5461,10 +5742,672 @@
           </a:prstGeom>
         </p:spPr>
       </p:pic>
+      <p:sp>
+        <p:nvSpPr>
+          <p:cNvPr id="6" name="Rectangle 5">
+            <a:extLst>
+              <a:ext uri="{FF2B5EF4-FFF2-40B4-BE49-F238E27FC236}">
+                <a16:creationId xmlns:a16="http://schemas.microsoft.com/office/drawing/2014/main" id="{7C80DD5C-5E1B-4E4D-B4D4-F5CC3BB37D8E}"/>
+              </a:ext>
+            </a:extLst>
+          </p:cNvPr>
+          <p:cNvSpPr/>
+          <p:nvPr/>
+        </p:nvSpPr>
+        <p:spPr>
+          <a:xfrm>
+            <a:off x="226503" y="5315390"/>
+            <a:ext cx="6434356" cy="1542610"/>
+          </a:xfrm>
+          <a:prstGeom prst="rect">
+            <a:avLst/>
+          </a:prstGeom>
+          <a:solidFill>
+            <a:srgbClr val="00A2E8"/>
+          </a:solidFill>
+          <a:ln>
+            <a:noFill/>
+          </a:ln>
+        </p:spPr>
+        <p:style>
+          <a:lnRef idx="0">
+            <a:scrgbClr r="0" g="0" b="0"/>
+          </a:lnRef>
+          <a:fillRef idx="0">
+            <a:scrgbClr r="0" g="0" b="0"/>
+          </a:fillRef>
+          <a:effectRef idx="0">
+            <a:scrgbClr r="0" g="0" b="0"/>
+          </a:effectRef>
+          <a:fontRef idx="minor">
+            <a:schemeClr val="lt1"/>
+          </a:fontRef>
+        </p:style>
+        <p:txBody>
+          <a:bodyPr rtlCol="0" anchor="ctr"/>
+          <a:lstStyle/>
+          <a:p>
+            <a:r>
+              <a:rPr lang="en-US" sz="4000" b="1" dirty="0">
+                <a:solidFill>
+                  <a:schemeClr val="tx1"/>
+                </a:solidFill>
+                <a:latin typeface="Arial" panose="020B0604020202020204" pitchFamily="34" charset="0"/>
+                <a:cs typeface="Arial" panose="020B0604020202020204" pitchFamily="34" charset="0"/>
+              </a:rPr>
+              <a:t>Student Attendance Tracking System (SATS) </a:t>
+            </a:r>
+          </a:p>
+        </p:txBody>
+      </p:sp>
     </p:spTree>
     <p:extLst>
       <p:ext uri="{BB962C8B-B14F-4D97-AF65-F5344CB8AC3E}">
         <p14:creationId xmlns:p14="http://schemas.microsoft.com/office/powerpoint/2010/main" val="1673448457"/>
+      </p:ext>
+    </p:extLst>
+  </p:cSld>
+  <p:clrMapOvr>
+    <a:masterClrMapping/>
+  </p:clrMapOvr>
+</p:sld>
+</file>
+
+<file path=ppt/slides/slide10.xml><?xml version="1.0" encoding="utf-8"?>
+<p:sld xmlns:a="http://schemas.openxmlformats.org/drawingml/2006/main" xmlns:r="http://schemas.openxmlformats.org/officeDocument/2006/relationships" xmlns:p="http://schemas.openxmlformats.org/presentationml/2006/main">
+  <p:cSld>
+    <p:spTree>
+      <p:nvGrpSpPr>
+        <p:cNvPr id="1" name=""/>
+        <p:cNvGrpSpPr/>
+        <p:nvPr/>
+      </p:nvGrpSpPr>
+      <p:grpSpPr>
+        <a:xfrm>
+          <a:off x="0" y="0"/>
+          <a:ext cx="0" cy="0"/>
+          <a:chOff x="0" y="0"/>
+          <a:chExt cx="0" cy="0"/>
+        </a:xfrm>
+      </p:grpSpPr>
+      <p:sp>
+        <p:nvSpPr>
+          <p:cNvPr id="10" name="Rectangle 9">
+            <a:extLst>
+              <a:ext uri="{FF2B5EF4-FFF2-40B4-BE49-F238E27FC236}">
+                <a16:creationId xmlns:a16="http://schemas.microsoft.com/office/drawing/2014/main" id="{4EF09A9C-D21C-410E-90D5-3F1CCFBDE78F}"/>
+              </a:ext>
+            </a:extLst>
+          </p:cNvPr>
+          <p:cNvSpPr/>
+          <p:nvPr/>
+        </p:nvSpPr>
+        <p:spPr>
+          <a:xfrm>
+            <a:off x="0" y="0"/>
+            <a:ext cx="2983345" cy="6858000"/>
+          </a:xfrm>
+          <a:prstGeom prst="rect">
+            <a:avLst/>
+          </a:prstGeom>
+        </p:spPr>
+        <p:style>
+          <a:lnRef idx="2">
+            <a:schemeClr val="accent1">
+              <a:shade val="50000"/>
+            </a:schemeClr>
+          </a:lnRef>
+          <a:fillRef idx="1">
+            <a:schemeClr val="accent1"/>
+          </a:fillRef>
+          <a:effectRef idx="0">
+            <a:schemeClr val="accent1"/>
+          </a:effectRef>
+          <a:fontRef idx="minor">
+            <a:schemeClr val="lt1"/>
+          </a:fontRef>
+        </p:style>
+        <p:txBody>
+          <a:bodyPr rtlCol="0" anchor="ctr"/>
+          <a:lstStyle/>
+          <a:p>
+            <a:pPr algn="ctr"/>
+            <a:endParaRPr lang="en-US"/>
+          </a:p>
+        </p:txBody>
+      </p:sp>
+      <p:sp>
+        <p:nvSpPr>
+          <p:cNvPr id="7" name="TextBox 6">
+            <a:extLst>
+              <a:ext uri="{FF2B5EF4-FFF2-40B4-BE49-F238E27FC236}">
+                <a16:creationId xmlns:a16="http://schemas.microsoft.com/office/drawing/2014/main" id="{DEFB70A6-540E-4C05-9201-0F66297EF0C0}"/>
+              </a:ext>
+            </a:extLst>
+          </p:cNvPr>
+          <p:cNvSpPr txBox="1"/>
+          <p:nvPr/>
+        </p:nvSpPr>
+        <p:spPr>
+          <a:xfrm>
+            <a:off x="-1099128" y="1748133"/>
+            <a:ext cx="5181600" cy="461665"/>
+          </a:xfrm>
+          <a:prstGeom prst="rect">
+            <a:avLst/>
+          </a:prstGeom>
+          <a:noFill/>
+        </p:spPr>
+        <p:txBody>
+          <a:bodyPr wrap="square" rtlCol="0">
+            <a:spAutoFit/>
+          </a:bodyPr>
+          <a:lstStyle/>
+          <a:p>
+            <a:pPr algn="ctr"/>
+            <a:r>
+              <a:rPr lang="en-US" sz="2400" b="1" dirty="0">
+                <a:latin typeface="Arial" panose="020B0604020202020204" pitchFamily="34" charset="0"/>
+                <a:cs typeface="Arial" panose="020B0604020202020204" pitchFamily="34" charset="0"/>
+              </a:rPr>
+              <a:t>SATS Requirements</a:t>
+            </a:r>
+          </a:p>
+        </p:txBody>
+      </p:sp>
+      <p:pic>
+        <p:nvPicPr>
+          <p:cNvPr id="6" name="Picture 5" descr="A close up of a logo&#10;&#10;Description automatically generated">
+            <a:extLst>
+              <a:ext uri="{FF2B5EF4-FFF2-40B4-BE49-F238E27FC236}">
+                <a16:creationId xmlns:a16="http://schemas.microsoft.com/office/drawing/2014/main" id="{AB4398E1-9856-4BB4-9F23-0C4864AC49C2}"/>
+              </a:ext>
+            </a:extLst>
+          </p:cNvPr>
+          <p:cNvPicPr>
+            <a:picLocks noChangeAspect="1"/>
+          </p:cNvPicPr>
+          <p:nvPr/>
+        </p:nvPicPr>
+        <p:blipFill>
+          <a:blip r:embed="rId2">
+            <a:alphaModFix/>
+            <a:extLst>
+              <a:ext uri="{28A0092B-C50C-407E-A947-70E740481C1C}">
+                <a14:useLocalDpi xmlns:a14="http://schemas.microsoft.com/office/drawing/2010/main" val="0"/>
+              </a:ext>
+            </a:extLst>
+          </a:blip>
+          <a:stretch>
+            <a:fillRect/>
+          </a:stretch>
+        </p:blipFill>
+        <p:spPr>
+          <a:xfrm>
+            <a:off x="147781" y="2849492"/>
+            <a:ext cx="2687782" cy="2387526"/>
+          </a:xfrm>
+          <a:prstGeom prst="rect">
+            <a:avLst/>
+          </a:prstGeom>
+        </p:spPr>
+      </p:pic>
+      <p:sp>
+        <p:nvSpPr>
+          <p:cNvPr id="4" name="Rectangle 3">
+            <a:extLst>
+              <a:ext uri="{FF2B5EF4-FFF2-40B4-BE49-F238E27FC236}">
+                <a16:creationId xmlns:a16="http://schemas.microsoft.com/office/drawing/2014/main" id="{8C97785B-54BA-4BBB-A3F8-278A29CACEB5}"/>
+              </a:ext>
+            </a:extLst>
+          </p:cNvPr>
+          <p:cNvSpPr/>
+          <p:nvPr/>
+        </p:nvSpPr>
+        <p:spPr>
+          <a:xfrm>
+            <a:off x="2983344" y="0"/>
+            <a:ext cx="9208655" cy="6858000"/>
+          </a:xfrm>
+          <a:prstGeom prst="rect">
+            <a:avLst/>
+          </a:prstGeom>
+          <a:solidFill>
+            <a:schemeClr val="bg1"/>
+          </a:solidFill>
+        </p:spPr>
+        <p:style>
+          <a:lnRef idx="2">
+            <a:schemeClr val="accent1">
+              <a:shade val="50000"/>
+            </a:schemeClr>
+          </a:lnRef>
+          <a:fillRef idx="1">
+            <a:schemeClr val="accent1"/>
+          </a:fillRef>
+          <a:effectRef idx="0">
+            <a:schemeClr val="accent1"/>
+          </a:effectRef>
+          <a:fontRef idx="minor">
+            <a:schemeClr val="lt1"/>
+          </a:fontRef>
+        </p:style>
+        <p:txBody>
+          <a:bodyPr rtlCol="0" anchor="ctr"/>
+          <a:lstStyle/>
+          <a:p>
+            <a:pPr algn="ctr"/>
+            <a:endParaRPr lang="en-US"/>
+          </a:p>
+        </p:txBody>
+      </p:sp>
+      <p:sp>
+        <p:nvSpPr>
+          <p:cNvPr id="13" name="Rectangle 12">
+            <a:extLst>
+              <a:ext uri="{FF2B5EF4-FFF2-40B4-BE49-F238E27FC236}">
+                <a16:creationId xmlns:a16="http://schemas.microsoft.com/office/drawing/2014/main" id="{F8B97EC3-654A-4821-B0E9-70E25D9FCBF9}"/>
+              </a:ext>
+            </a:extLst>
+          </p:cNvPr>
+          <p:cNvSpPr/>
+          <p:nvPr/>
+        </p:nvSpPr>
+        <p:spPr>
+          <a:xfrm>
+            <a:off x="2983341" y="4657439"/>
+            <a:ext cx="9208657" cy="2200561"/>
+          </a:xfrm>
+          <a:prstGeom prst="rect">
+            <a:avLst/>
+          </a:prstGeom>
+          <a:solidFill>
+            <a:schemeClr val="accent1">
+              <a:lumMod val="40000"/>
+              <a:lumOff val="60000"/>
+            </a:schemeClr>
+          </a:solidFill>
+        </p:spPr>
+        <p:style>
+          <a:lnRef idx="2">
+            <a:schemeClr val="accent1">
+              <a:shade val="50000"/>
+            </a:schemeClr>
+          </a:lnRef>
+          <a:fillRef idx="1">
+            <a:schemeClr val="accent1"/>
+          </a:fillRef>
+          <a:effectRef idx="0">
+            <a:schemeClr val="accent1"/>
+          </a:effectRef>
+          <a:fontRef idx="minor">
+            <a:schemeClr val="lt1"/>
+          </a:fontRef>
+        </p:style>
+        <p:txBody>
+          <a:bodyPr rtlCol="0" anchor="ctr"/>
+          <a:lstStyle/>
+          <a:p>
+            <a:pPr algn="ctr"/>
+            <a:endParaRPr lang="en-US" dirty="0"/>
+          </a:p>
+        </p:txBody>
+      </p:sp>
+      <p:sp>
+        <p:nvSpPr>
+          <p:cNvPr id="14" name="Rectangle 13">
+            <a:extLst>
+              <a:ext uri="{FF2B5EF4-FFF2-40B4-BE49-F238E27FC236}">
+                <a16:creationId xmlns:a16="http://schemas.microsoft.com/office/drawing/2014/main" id="{EE2AADA8-AD5B-4566-B6A4-974C76A3AF6E}"/>
+              </a:ext>
+            </a:extLst>
+          </p:cNvPr>
+          <p:cNvSpPr/>
+          <p:nvPr/>
+        </p:nvSpPr>
+        <p:spPr>
+          <a:xfrm>
+            <a:off x="2983340" y="2269913"/>
+            <a:ext cx="9208657" cy="2387526"/>
+          </a:xfrm>
+          <a:prstGeom prst="rect">
+            <a:avLst/>
+          </a:prstGeom>
+          <a:solidFill>
+            <a:schemeClr val="accent1">
+              <a:lumMod val="40000"/>
+              <a:lumOff val="60000"/>
+            </a:schemeClr>
+          </a:solidFill>
+        </p:spPr>
+        <p:style>
+          <a:lnRef idx="2">
+            <a:schemeClr val="accent1">
+              <a:shade val="50000"/>
+            </a:schemeClr>
+          </a:lnRef>
+          <a:fillRef idx="1">
+            <a:schemeClr val="accent1"/>
+          </a:fillRef>
+          <a:effectRef idx="0">
+            <a:schemeClr val="accent1"/>
+          </a:effectRef>
+          <a:fontRef idx="minor">
+            <a:schemeClr val="lt1"/>
+          </a:fontRef>
+        </p:style>
+        <p:txBody>
+          <a:bodyPr rtlCol="0" anchor="ctr"/>
+          <a:lstStyle/>
+          <a:p>
+            <a:pPr algn="ctr"/>
+            <a:endParaRPr lang="en-US" dirty="0"/>
+          </a:p>
+        </p:txBody>
+      </p:sp>
+      <p:sp>
+        <p:nvSpPr>
+          <p:cNvPr id="15" name="Rectangle 14">
+            <a:extLst>
+              <a:ext uri="{FF2B5EF4-FFF2-40B4-BE49-F238E27FC236}">
+                <a16:creationId xmlns:a16="http://schemas.microsoft.com/office/drawing/2014/main" id="{568144AC-FB09-4F9D-8D79-15320DDA2397}"/>
+              </a:ext>
+            </a:extLst>
+          </p:cNvPr>
+          <p:cNvSpPr/>
+          <p:nvPr/>
+        </p:nvSpPr>
+        <p:spPr>
+          <a:xfrm>
+            <a:off x="2983338" y="0"/>
+            <a:ext cx="9208657" cy="2299855"/>
+          </a:xfrm>
+          <a:prstGeom prst="rect">
+            <a:avLst/>
+          </a:prstGeom>
+          <a:solidFill>
+            <a:schemeClr val="accent1">
+              <a:lumMod val="40000"/>
+              <a:lumOff val="60000"/>
+            </a:schemeClr>
+          </a:solidFill>
+        </p:spPr>
+        <p:style>
+          <a:lnRef idx="2">
+            <a:schemeClr val="accent1">
+              <a:shade val="50000"/>
+            </a:schemeClr>
+          </a:lnRef>
+          <a:fillRef idx="1">
+            <a:schemeClr val="accent1"/>
+          </a:fillRef>
+          <a:effectRef idx="0">
+            <a:schemeClr val="accent1"/>
+          </a:effectRef>
+          <a:fontRef idx="minor">
+            <a:schemeClr val="lt1"/>
+          </a:fontRef>
+        </p:style>
+        <p:txBody>
+          <a:bodyPr rtlCol="0" anchor="ctr"/>
+          <a:lstStyle/>
+          <a:p>
+            <a:pPr algn="ctr"/>
+            <a:endParaRPr lang="en-US" dirty="0"/>
+          </a:p>
+        </p:txBody>
+      </p:sp>
+      <p:pic>
+        <p:nvPicPr>
+          <p:cNvPr id="9" name="Picture 8" descr="A picture containing plate&#10;&#10;Description automatically generated">
+            <a:extLst>
+              <a:ext uri="{FF2B5EF4-FFF2-40B4-BE49-F238E27FC236}">
+                <a16:creationId xmlns:a16="http://schemas.microsoft.com/office/drawing/2014/main" id="{3189AA45-4B84-485A-BAEA-3C9F651B697D}"/>
+              </a:ext>
+            </a:extLst>
+          </p:cNvPr>
+          <p:cNvPicPr>
+            <a:picLocks noChangeAspect="1"/>
+          </p:cNvPicPr>
+          <p:nvPr/>
+        </p:nvPicPr>
+        <p:blipFill>
+          <a:blip r:embed="rId3">
+            <a:extLst>
+              <a:ext uri="{28A0092B-C50C-407E-A947-70E740481C1C}">
+                <a14:useLocalDpi xmlns:a14="http://schemas.microsoft.com/office/drawing/2010/main" val="0"/>
+              </a:ext>
+            </a:extLst>
+          </a:blip>
+          <a:stretch>
+            <a:fillRect/>
+          </a:stretch>
+        </p:blipFill>
+        <p:spPr>
+          <a:xfrm>
+            <a:off x="2983334" y="146665"/>
+            <a:ext cx="2456872" cy="2006523"/>
+          </a:xfrm>
+          <a:prstGeom prst="rect">
+            <a:avLst/>
+          </a:prstGeom>
+        </p:spPr>
+      </p:pic>
+      <p:pic>
+        <p:nvPicPr>
+          <p:cNvPr id="17" name="Picture 16" descr="A close up of a sign&#10;&#10;Description automatically generated">
+            <a:extLst>
+              <a:ext uri="{FF2B5EF4-FFF2-40B4-BE49-F238E27FC236}">
+                <a16:creationId xmlns:a16="http://schemas.microsoft.com/office/drawing/2014/main" id="{2201847A-A353-4D2D-B9F9-C11A91A8DE51}"/>
+              </a:ext>
+            </a:extLst>
+          </p:cNvPr>
+          <p:cNvPicPr>
+            <a:picLocks noChangeAspect="1"/>
+          </p:cNvPicPr>
+          <p:nvPr/>
+        </p:nvPicPr>
+        <p:blipFill>
+          <a:blip r:embed="rId4">
+            <a:extLst>
+              <a:ext uri="{28A0092B-C50C-407E-A947-70E740481C1C}">
+                <a14:useLocalDpi xmlns:a14="http://schemas.microsoft.com/office/drawing/2010/main" val="0"/>
+              </a:ext>
+            </a:extLst>
+          </a:blip>
+          <a:stretch>
+            <a:fillRect/>
+          </a:stretch>
+        </p:blipFill>
+        <p:spPr>
+          <a:xfrm>
+            <a:off x="3131121" y="2481784"/>
+            <a:ext cx="1791860" cy="1933684"/>
+          </a:xfrm>
+          <a:prstGeom prst="rect">
+            <a:avLst/>
+          </a:prstGeom>
+        </p:spPr>
+      </p:pic>
+      <p:pic>
+        <p:nvPicPr>
+          <p:cNvPr id="21" name="Picture 20" descr="A close up of a device&#10;&#10;Description automatically generated">
+            <a:extLst>
+              <a:ext uri="{FF2B5EF4-FFF2-40B4-BE49-F238E27FC236}">
+                <a16:creationId xmlns:a16="http://schemas.microsoft.com/office/drawing/2014/main" id="{17F36DBE-FD76-4DD6-BDCD-41AA4704F538}"/>
+              </a:ext>
+            </a:extLst>
+          </p:cNvPr>
+          <p:cNvPicPr>
+            <a:picLocks noChangeAspect="1"/>
+          </p:cNvPicPr>
+          <p:nvPr/>
+        </p:nvPicPr>
+        <p:blipFill>
+          <a:blip r:embed="rId5">
+            <a:extLst>
+              <a:ext uri="{28A0092B-C50C-407E-A947-70E740481C1C}">
+                <a14:useLocalDpi xmlns:a14="http://schemas.microsoft.com/office/drawing/2010/main" val="0"/>
+              </a:ext>
+            </a:extLst>
+          </a:blip>
+          <a:stretch>
+            <a:fillRect/>
+          </a:stretch>
+        </p:blipFill>
+        <p:spPr>
+          <a:xfrm>
+            <a:off x="3131121" y="4717554"/>
+            <a:ext cx="1985824" cy="1933685"/>
+          </a:xfrm>
+          <a:prstGeom prst="rect">
+            <a:avLst/>
+          </a:prstGeom>
+        </p:spPr>
+      </p:pic>
+      <p:sp>
+        <p:nvSpPr>
+          <p:cNvPr id="22" name="TextBox 21">
+            <a:extLst>
+              <a:ext uri="{FF2B5EF4-FFF2-40B4-BE49-F238E27FC236}">
+                <a16:creationId xmlns:a16="http://schemas.microsoft.com/office/drawing/2014/main" id="{E10CE438-CFB9-4E25-9C10-9510AF28DDFB}"/>
+              </a:ext>
+            </a:extLst>
+          </p:cNvPr>
+          <p:cNvSpPr txBox="1"/>
+          <p:nvPr/>
+        </p:nvSpPr>
+        <p:spPr>
+          <a:xfrm>
+            <a:off x="5689600" y="826760"/>
+            <a:ext cx="5902037" cy="646331"/>
+          </a:xfrm>
+          <a:prstGeom prst="rect">
+            <a:avLst/>
+          </a:prstGeom>
+          <a:noFill/>
+        </p:spPr>
+        <p:txBody>
+          <a:bodyPr wrap="square" rtlCol="0">
+            <a:spAutoFit/>
+          </a:bodyPr>
+          <a:lstStyle/>
+          <a:p>
+            <a:r>
+              <a:rPr lang="en-US" b="1" dirty="0">
+                <a:latin typeface="Arial" panose="020B0604020202020204" pitchFamily="34" charset="0"/>
+                <a:cs typeface="Arial" panose="020B0604020202020204" pitchFamily="34" charset="0"/>
+              </a:rPr>
+              <a:t>Database</a:t>
+            </a:r>
+            <a:r>
+              <a:rPr lang="en-US" dirty="0">
+                <a:latin typeface="Arial" panose="020B0604020202020204" pitchFamily="34" charset="0"/>
+                <a:cs typeface="Arial" panose="020B0604020202020204" pitchFamily="34" charset="0"/>
+              </a:rPr>
+              <a:t> storing student's information First name, Last name and student ID.</a:t>
+            </a:r>
+          </a:p>
+        </p:txBody>
+      </p:sp>
+      <p:sp>
+        <p:nvSpPr>
+          <p:cNvPr id="23" name="TextBox 22">
+            <a:extLst>
+              <a:ext uri="{FF2B5EF4-FFF2-40B4-BE49-F238E27FC236}">
+                <a16:creationId xmlns:a16="http://schemas.microsoft.com/office/drawing/2014/main" id="{8E6F0DD9-BE35-4C5F-95B3-97F9C618BBEA}"/>
+              </a:ext>
+            </a:extLst>
+          </p:cNvPr>
+          <p:cNvSpPr txBox="1"/>
+          <p:nvPr/>
+        </p:nvSpPr>
+        <p:spPr>
+          <a:xfrm>
+            <a:off x="5689600" y="3076970"/>
+            <a:ext cx="5828145" cy="646331"/>
+          </a:xfrm>
+          <a:prstGeom prst="rect">
+            <a:avLst/>
+          </a:prstGeom>
+          <a:noFill/>
+        </p:spPr>
+        <p:txBody>
+          <a:bodyPr wrap="square" rtlCol="0">
+            <a:spAutoFit/>
+          </a:bodyPr>
+          <a:lstStyle/>
+          <a:p>
+            <a:r>
+              <a:rPr lang="en-US" b="1" dirty="0">
+                <a:latin typeface="Arial" panose="020B0604020202020204" pitchFamily="34" charset="0"/>
+                <a:cs typeface="Arial" panose="020B0604020202020204" pitchFamily="34" charset="0"/>
+              </a:rPr>
+              <a:t>Excel file </a:t>
+            </a:r>
+            <a:r>
+              <a:rPr lang="en-US" dirty="0">
+                <a:latin typeface="Arial" panose="020B0604020202020204" pitchFamily="34" charset="0"/>
+                <a:cs typeface="Arial" panose="020B0604020202020204" pitchFamily="34" charset="0"/>
+              </a:rPr>
+              <a:t>compares the data from the scanning device with database and save it.</a:t>
+            </a:r>
+          </a:p>
+        </p:txBody>
+      </p:sp>
+      <p:sp>
+        <p:nvSpPr>
+          <p:cNvPr id="24" name="TextBox 23">
+            <a:extLst>
+              <a:ext uri="{FF2B5EF4-FFF2-40B4-BE49-F238E27FC236}">
+                <a16:creationId xmlns:a16="http://schemas.microsoft.com/office/drawing/2014/main" id="{19ABA289-6477-4B1C-8ADE-EEC5AA5330C3}"/>
+              </a:ext>
+            </a:extLst>
+          </p:cNvPr>
+          <p:cNvSpPr txBox="1"/>
+          <p:nvPr/>
+        </p:nvSpPr>
+        <p:spPr>
+          <a:xfrm>
+            <a:off x="5689600" y="5269595"/>
+            <a:ext cx="4978412" cy="923330"/>
+          </a:xfrm>
+          <a:prstGeom prst="rect">
+            <a:avLst/>
+          </a:prstGeom>
+          <a:noFill/>
+        </p:spPr>
+        <p:txBody>
+          <a:bodyPr wrap="square" rtlCol="0">
+            <a:spAutoFit/>
+          </a:bodyPr>
+          <a:lstStyle/>
+          <a:p>
+            <a:r>
+              <a:rPr lang="en-US" b="1" dirty="0">
+                <a:latin typeface="Arial" panose="020B0604020202020204" pitchFamily="34" charset="0"/>
+                <a:cs typeface="Arial" panose="020B0604020202020204" pitchFamily="34" charset="0"/>
+              </a:rPr>
+              <a:t>Compare and check </a:t>
+            </a:r>
+            <a:r>
+              <a:rPr lang="en-US" dirty="0">
+                <a:latin typeface="Arial" panose="020B0604020202020204" pitchFamily="34" charset="0"/>
+                <a:cs typeface="Arial" panose="020B0604020202020204" pitchFamily="34" charset="0"/>
+              </a:rPr>
+              <a:t>when the scanner scan’s a badge the system checks the ID of the badge in the database.</a:t>
+            </a:r>
+            <a:endParaRPr lang="en-US" b="1" dirty="0">
+              <a:latin typeface="Arial" panose="020B0604020202020204" pitchFamily="34" charset="0"/>
+              <a:cs typeface="Arial" panose="020B0604020202020204" pitchFamily="34" charset="0"/>
+            </a:endParaRPr>
+          </a:p>
+        </p:txBody>
+      </p:sp>
+    </p:spTree>
+    <p:extLst>
+      <p:ext uri="{BB962C8B-B14F-4D97-AF65-F5344CB8AC3E}">
+        <p14:creationId xmlns:p14="http://schemas.microsoft.com/office/powerpoint/2010/main" val="4218143676"/>
       </p:ext>
     </p:extLst>
   </p:cSld>
@@ -6643,35 +7586,8 @@
                 <a:latin typeface="Arial" panose="020B0604020202020204" pitchFamily="34" charset="0"/>
                 <a:cs typeface="Arial" panose="020B0604020202020204" pitchFamily="34" charset="0"/>
               </a:rPr>
-              <a:t>Skills : Java developer &amp; IOS </a:t>
-            </a:r>
-            <a:r>
-              <a:rPr lang="en-US" dirty="0" err="1">
-                <a:ln w="0"/>
-                <a:effectLst>
-                  <a:outerShdw blurRad="38100" dist="19050" dir="2700000" algn="tl" rotWithShape="0">
-                    <a:schemeClr val="dk1">
-                      <a:alpha val="40000"/>
-                    </a:schemeClr>
-                  </a:outerShdw>
-                </a:effectLst>
-                <a:latin typeface="Arial" panose="020B0604020202020204" pitchFamily="34" charset="0"/>
-                <a:cs typeface="Arial" panose="020B0604020202020204" pitchFamily="34" charset="0"/>
-              </a:rPr>
-              <a:t>deveolper</a:t>
-            </a:r>
-            <a:endParaRPr lang="en-US" dirty="0">
-              <a:ln w="0"/>
-              <a:effectLst>
-                <a:outerShdw blurRad="38100" dist="19050" dir="2700000" algn="tl" rotWithShape="0">
-                  <a:schemeClr val="dk1">
-                    <a:alpha val="40000"/>
-                  </a:schemeClr>
-                </a:outerShdw>
-              </a:effectLst>
-              <a:latin typeface="Arial" panose="020B0604020202020204" pitchFamily="34" charset="0"/>
-              <a:cs typeface="Arial" panose="020B0604020202020204" pitchFamily="34" charset="0"/>
-            </a:endParaRPr>
+              <a:t>Skills : Java developer &amp; IOS developer</a:t>
+            </a:r>
           </a:p>
           <a:p>
             <a:pPr algn="ctr"/>
@@ -7225,7 +8141,7 @@
                 <a:latin typeface="Arial" panose="020B0604020202020204" pitchFamily="34" charset="0"/>
                 <a:cs typeface="Arial" panose="020B0604020202020204" pitchFamily="34" charset="0"/>
               </a:rPr>
-              <a:t>Introduction To SATS</a:t>
+              <a:t>SATS Requirements </a:t>
             </a:r>
           </a:p>
         </p:txBody>
@@ -8402,6 +9318,2555 @@
     <p:extLst>
       <p:ext uri="{BB962C8B-B14F-4D97-AF65-F5344CB8AC3E}">
         <p14:creationId xmlns:p14="http://schemas.microsoft.com/office/powerpoint/2010/main" val="761113307"/>
+      </p:ext>
+    </p:extLst>
+  </p:cSld>
+  <p:clrMapOvr>
+    <a:masterClrMapping/>
+  </p:clrMapOvr>
+</p:sld>
+</file>
+
+<file path=ppt/slides/slide6.xml><?xml version="1.0" encoding="utf-8"?>
+<p:sld xmlns:a="http://schemas.openxmlformats.org/drawingml/2006/main" xmlns:r="http://schemas.openxmlformats.org/officeDocument/2006/relationships" xmlns:p="http://schemas.openxmlformats.org/presentationml/2006/main">
+  <p:cSld>
+    <p:spTree>
+      <p:nvGrpSpPr>
+        <p:cNvPr id="1" name=""/>
+        <p:cNvGrpSpPr/>
+        <p:nvPr/>
+      </p:nvGrpSpPr>
+      <p:grpSpPr>
+        <a:xfrm>
+          <a:off x="0" y="0"/>
+          <a:ext cx="0" cy="0"/>
+          <a:chOff x="0" y="0"/>
+          <a:chExt cx="0" cy="0"/>
+        </a:xfrm>
+      </p:grpSpPr>
+      <p:sp>
+        <p:nvSpPr>
+          <p:cNvPr id="2" name="Rectangle 1">
+            <a:extLst>
+              <a:ext uri="{FF2B5EF4-FFF2-40B4-BE49-F238E27FC236}">
+                <a16:creationId xmlns:a16="http://schemas.microsoft.com/office/drawing/2014/main" id="{58BDDBD7-7E73-446D-9A03-376A9F9D1AF1}"/>
+              </a:ext>
+            </a:extLst>
+          </p:cNvPr>
+          <p:cNvSpPr/>
+          <p:nvPr/>
+        </p:nvSpPr>
+        <p:spPr>
+          <a:xfrm>
+            <a:off x="0" y="0"/>
+            <a:ext cx="3506598" cy="6858000"/>
+          </a:xfrm>
+          <a:prstGeom prst="rect">
+            <a:avLst/>
+          </a:prstGeom>
+        </p:spPr>
+        <p:style>
+          <a:lnRef idx="2">
+            <a:schemeClr val="accent1">
+              <a:shade val="50000"/>
+            </a:schemeClr>
+          </a:lnRef>
+          <a:fillRef idx="1">
+            <a:schemeClr val="accent1"/>
+          </a:fillRef>
+          <a:effectRef idx="0">
+            <a:schemeClr val="accent1"/>
+          </a:effectRef>
+          <a:fontRef idx="minor">
+            <a:schemeClr val="lt1"/>
+          </a:fontRef>
+        </p:style>
+        <p:txBody>
+          <a:bodyPr rtlCol="0" anchor="ctr"/>
+          <a:lstStyle/>
+          <a:p>
+            <a:pPr algn="ctr"/>
+            <a:endParaRPr lang="en-US" sz="2800" b="1" dirty="0">
+              <a:solidFill>
+                <a:schemeClr val="tx1"/>
+              </a:solidFill>
+              <a:latin typeface="Arial" panose="020B0604020202020204" pitchFamily="34" charset="0"/>
+              <a:cs typeface="Arial" panose="020B0604020202020204" pitchFamily="34" charset="0"/>
+            </a:endParaRPr>
+          </a:p>
+        </p:txBody>
+      </p:sp>
+      <p:pic>
+        <p:nvPicPr>
+          <p:cNvPr id="5" name="Picture 4" descr="A close up of a sign&#10;&#10;Description automatically generated">
+            <a:extLst>
+              <a:ext uri="{FF2B5EF4-FFF2-40B4-BE49-F238E27FC236}">
+                <a16:creationId xmlns:a16="http://schemas.microsoft.com/office/drawing/2014/main" id="{93A2A2FB-3A2B-4895-9496-9DFAA1C23066}"/>
+              </a:ext>
+            </a:extLst>
+          </p:cNvPr>
+          <p:cNvPicPr>
+            <a:picLocks noChangeAspect="1"/>
+          </p:cNvPicPr>
+          <p:nvPr/>
+        </p:nvPicPr>
+        <p:blipFill>
+          <a:blip r:embed="rId2">
+            <a:extLst>
+              <a:ext uri="{28A0092B-C50C-407E-A947-70E740481C1C}">
+                <a14:useLocalDpi xmlns:a14="http://schemas.microsoft.com/office/drawing/2010/main" val="0"/>
+              </a:ext>
+            </a:extLst>
+          </a:blip>
+          <a:stretch>
+            <a:fillRect/>
+          </a:stretch>
+        </p:blipFill>
+        <p:spPr>
+          <a:xfrm>
+            <a:off x="0" y="2710682"/>
+            <a:ext cx="3422709" cy="2687973"/>
+          </a:xfrm>
+          <a:prstGeom prst="rect">
+            <a:avLst/>
+          </a:prstGeom>
+        </p:spPr>
+      </p:pic>
+      <p:sp>
+        <p:nvSpPr>
+          <p:cNvPr id="8" name="Rectangle 7">
+            <a:extLst>
+              <a:ext uri="{FF2B5EF4-FFF2-40B4-BE49-F238E27FC236}">
+                <a16:creationId xmlns:a16="http://schemas.microsoft.com/office/drawing/2014/main" id="{FC7DDFC1-775D-4591-B258-C15FF8CD6E2E}"/>
+              </a:ext>
+            </a:extLst>
+          </p:cNvPr>
+          <p:cNvSpPr/>
+          <p:nvPr/>
+        </p:nvSpPr>
+        <p:spPr>
+          <a:xfrm>
+            <a:off x="3506598" y="0"/>
+            <a:ext cx="8685402" cy="6858000"/>
+          </a:xfrm>
+          <a:prstGeom prst="rect">
+            <a:avLst/>
+          </a:prstGeom>
+          <a:solidFill>
+            <a:schemeClr val="bg1"/>
+          </a:solidFill>
+        </p:spPr>
+        <p:style>
+          <a:lnRef idx="2">
+            <a:schemeClr val="accent1">
+              <a:shade val="50000"/>
+            </a:schemeClr>
+          </a:lnRef>
+          <a:fillRef idx="1">
+            <a:schemeClr val="accent1"/>
+          </a:fillRef>
+          <a:effectRef idx="0">
+            <a:schemeClr val="accent1"/>
+          </a:effectRef>
+          <a:fontRef idx="minor">
+            <a:schemeClr val="lt1"/>
+          </a:fontRef>
+        </p:style>
+        <p:txBody>
+          <a:bodyPr rtlCol="0" anchor="ctr"/>
+          <a:lstStyle/>
+          <a:p>
+            <a:pPr algn="ctr"/>
+            <a:endParaRPr lang="en-US"/>
+          </a:p>
+        </p:txBody>
+      </p:sp>
+      <p:pic>
+        <p:nvPicPr>
+          <p:cNvPr id="7" name="Picture 6" descr="A close up of a logo&#10;&#10;Description automatically generated">
+            <a:extLst>
+              <a:ext uri="{FF2B5EF4-FFF2-40B4-BE49-F238E27FC236}">
+                <a16:creationId xmlns:a16="http://schemas.microsoft.com/office/drawing/2014/main" id="{D2923564-474A-4A0C-81F2-91ABA7C41B09}"/>
+              </a:ext>
+            </a:extLst>
+          </p:cNvPr>
+          <p:cNvPicPr>
+            <a:picLocks noChangeAspect="1"/>
+          </p:cNvPicPr>
+          <p:nvPr/>
+        </p:nvPicPr>
+        <p:blipFill>
+          <a:blip r:embed="rId3">
+            <a:alphaModFix amt="30000"/>
+            <a:extLst>
+              <a:ext uri="{28A0092B-C50C-407E-A947-70E740481C1C}">
+                <a14:useLocalDpi xmlns:a14="http://schemas.microsoft.com/office/drawing/2010/main" val="0"/>
+              </a:ext>
+            </a:extLst>
+          </a:blip>
+          <a:stretch>
+            <a:fillRect/>
+          </a:stretch>
+        </p:blipFill>
+        <p:spPr>
+          <a:xfrm>
+            <a:off x="3465033" y="-1"/>
+            <a:ext cx="8643839" cy="6858001"/>
+          </a:xfrm>
+          <a:prstGeom prst="rect">
+            <a:avLst/>
+          </a:prstGeom>
+        </p:spPr>
+      </p:pic>
+      <p:sp>
+        <p:nvSpPr>
+          <p:cNvPr id="9" name="TextBox 8">
+            <a:extLst>
+              <a:ext uri="{FF2B5EF4-FFF2-40B4-BE49-F238E27FC236}">
+                <a16:creationId xmlns:a16="http://schemas.microsoft.com/office/drawing/2014/main" id="{623C0E39-3E17-423C-ADA6-4158DB7E4033}"/>
+              </a:ext>
+            </a:extLst>
+          </p:cNvPr>
+          <p:cNvSpPr txBox="1"/>
+          <p:nvPr/>
+        </p:nvSpPr>
+        <p:spPr>
+          <a:xfrm>
+            <a:off x="41563" y="1200727"/>
+            <a:ext cx="3339582" cy="707886"/>
+          </a:xfrm>
+          <a:prstGeom prst="rect">
+            <a:avLst/>
+          </a:prstGeom>
+          <a:noFill/>
+        </p:spPr>
+        <p:txBody>
+          <a:bodyPr wrap="square" rtlCol="0">
+            <a:spAutoFit/>
+          </a:bodyPr>
+          <a:lstStyle/>
+          <a:p>
+            <a:pPr algn="ctr"/>
+            <a:r>
+              <a:rPr lang="en-US" sz="4000" b="1" dirty="0">
+                <a:latin typeface="Arial" panose="020B0604020202020204" pitchFamily="34" charset="0"/>
+                <a:cs typeface="Arial" panose="020B0604020202020204" pitchFamily="34" charset="0"/>
+              </a:rPr>
+              <a:t>Main Goals</a:t>
+            </a:r>
+          </a:p>
+        </p:txBody>
+      </p:sp>
+      <p:pic>
+        <p:nvPicPr>
+          <p:cNvPr id="23" name="Picture 22" descr="A picture containing light&#10;&#10;Description automatically generated">
+            <a:extLst>
+              <a:ext uri="{FF2B5EF4-FFF2-40B4-BE49-F238E27FC236}">
+                <a16:creationId xmlns:a16="http://schemas.microsoft.com/office/drawing/2014/main" id="{25C4C365-0E2C-4FD1-B608-B0F2FF49B216}"/>
+              </a:ext>
+            </a:extLst>
+          </p:cNvPr>
+          <p:cNvPicPr>
+            <a:picLocks noChangeAspect="1"/>
+          </p:cNvPicPr>
+          <p:nvPr/>
+        </p:nvPicPr>
+        <p:blipFill>
+          <a:blip r:embed="rId4">
+            <a:extLst>
+              <a:ext uri="{28A0092B-C50C-407E-A947-70E740481C1C}">
+                <a14:useLocalDpi xmlns:a14="http://schemas.microsoft.com/office/drawing/2010/main" val="0"/>
+              </a:ext>
+            </a:extLst>
+          </a:blip>
+          <a:stretch>
+            <a:fillRect/>
+          </a:stretch>
+        </p:blipFill>
+        <p:spPr>
+          <a:xfrm>
+            <a:off x="3410512" y="2402163"/>
+            <a:ext cx="2762946" cy="2073564"/>
+          </a:xfrm>
+          <a:prstGeom prst="rect">
+            <a:avLst/>
+          </a:prstGeom>
+        </p:spPr>
+      </p:pic>
+      <p:pic>
+        <p:nvPicPr>
+          <p:cNvPr id="24" name="Picture 23" descr="A picture containing light&#10;&#10;Description automatically generated">
+            <a:extLst>
+              <a:ext uri="{FF2B5EF4-FFF2-40B4-BE49-F238E27FC236}">
+                <a16:creationId xmlns:a16="http://schemas.microsoft.com/office/drawing/2014/main" id="{1F48D38E-322A-41B8-AB60-C84E79C2B037}"/>
+              </a:ext>
+            </a:extLst>
+          </p:cNvPr>
+          <p:cNvPicPr>
+            <a:picLocks noChangeAspect="1"/>
+          </p:cNvPicPr>
+          <p:nvPr/>
+        </p:nvPicPr>
+        <p:blipFill>
+          <a:blip r:embed="rId4">
+            <a:extLst>
+              <a:ext uri="{28A0092B-C50C-407E-A947-70E740481C1C}">
+                <a14:useLocalDpi xmlns:a14="http://schemas.microsoft.com/office/drawing/2010/main" val="0"/>
+              </a:ext>
+            </a:extLst>
+          </a:blip>
+          <a:stretch>
+            <a:fillRect/>
+          </a:stretch>
+        </p:blipFill>
+        <p:spPr>
+          <a:xfrm>
+            <a:off x="9387491" y="2402163"/>
+            <a:ext cx="2762946" cy="2073564"/>
+          </a:xfrm>
+          <a:prstGeom prst="rect">
+            <a:avLst/>
+          </a:prstGeom>
+        </p:spPr>
+      </p:pic>
+      <p:pic>
+        <p:nvPicPr>
+          <p:cNvPr id="25" name="Picture 24" descr="A picture containing light&#10;&#10;Description automatically generated">
+            <a:extLst>
+              <a:ext uri="{FF2B5EF4-FFF2-40B4-BE49-F238E27FC236}">
+                <a16:creationId xmlns:a16="http://schemas.microsoft.com/office/drawing/2014/main" id="{AD715580-608F-4A1F-94A3-792C51B61B66}"/>
+              </a:ext>
+            </a:extLst>
+          </p:cNvPr>
+          <p:cNvPicPr>
+            <a:picLocks noChangeAspect="1"/>
+          </p:cNvPicPr>
+          <p:nvPr/>
+        </p:nvPicPr>
+        <p:blipFill>
+          <a:blip r:embed="rId4">
+            <a:extLst>
+              <a:ext uri="{28A0092B-C50C-407E-A947-70E740481C1C}">
+                <a14:useLocalDpi xmlns:a14="http://schemas.microsoft.com/office/drawing/2010/main" val="0"/>
+              </a:ext>
+            </a:extLst>
+          </a:blip>
+          <a:stretch>
+            <a:fillRect/>
+          </a:stretch>
+        </p:blipFill>
+        <p:spPr>
+          <a:xfrm>
+            <a:off x="6402623" y="2392218"/>
+            <a:ext cx="2762946" cy="2073564"/>
+          </a:xfrm>
+          <a:prstGeom prst="rect">
+            <a:avLst/>
+          </a:prstGeom>
+        </p:spPr>
+      </p:pic>
+      <p:sp>
+        <p:nvSpPr>
+          <p:cNvPr id="28" name="TextBox 27">
+            <a:extLst>
+              <a:ext uri="{FF2B5EF4-FFF2-40B4-BE49-F238E27FC236}">
+                <a16:creationId xmlns:a16="http://schemas.microsoft.com/office/drawing/2014/main" id="{9329A980-9EFB-4929-8C2D-0505471C3A07}"/>
+              </a:ext>
+            </a:extLst>
+          </p:cNvPr>
+          <p:cNvSpPr txBox="1"/>
+          <p:nvPr/>
+        </p:nvSpPr>
+        <p:spPr>
+          <a:xfrm>
+            <a:off x="3811532" y="4821995"/>
+            <a:ext cx="1960906" cy="1846659"/>
+          </a:xfrm>
+          <a:prstGeom prst="rect">
+            <a:avLst/>
+          </a:prstGeom>
+          <a:noFill/>
+          <a:ln>
+            <a:solidFill>
+              <a:schemeClr val="accent2"/>
+            </a:solidFill>
+          </a:ln>
+        </p:spPr>
+        <p:txBody>
+          <a:bodyPr wrap="square" rtlCol="0">
+            <a:spAutoFit/>
+          </a:bodyPr>
+          <a:lstStyle/>
+          <a:p>
+            <a:pPr algn="ctr"/>
+            <a:r>
+              <a:rPr lang="en-US" sz="1600" dirty="0">
+                <a:latin typeface="Arial" panose="020B0604020202020204" pitchFamily="34" charset="0"/>
+                <a:cs typeface="Arial" panose="020B0604020202020204" pitchFamily="34" charset="0"/>
+              </a:rPr>
+              <a:t>Decreasing the time taken for attendance therefore increasing the time for teaching</a:t>
+            </a:r>
+          </a:p>
+          <a:p>
+            <a:pPr algn="ctr"/>
+            <a:r>
+              <a:rPr lang="en-US" dirty="0">
+                <a:latin typeface="Arial" panose="020B0604020202020204" pitchFamily="34" charset="0"/>
+                <a:cs typeface="Arial" panose="020B0604020202020204" pitchFamily="34" charset="0"/>
+              </a:rPr>
+              <a:t> </a:t>
+            </a:r>
+          </a:p>
+        </p:txBody>
+      </p:sp>
+      <p:sp>
+        <p:nvSpPr>
+          <p:cNvPr id="30" name="TextBox 29">
+            <a:extLst>
+              <a:ext uri="{FF2B5EF4-FFF2-40B4-BE49-F238E27FC236}">
+                <a16:creationId xmlns:a16="http://schemas.microsoft.com/office/drawing/2014/main" id="{21767AF9-1F20-4443-B644-450F466CF0DA}"/>
+              </a:ext>
+            </a:extLst>
+          </p:cNvPr>
+          <p:cNvSpPr txBox="1"/>
+          <p:nvPr/>
+        </p:nvSpPr>
+        <p:spPr>
+          <a:xfrm>
+            <a:off x="6806499" y="4775829"/>
+            <a:ext cx="1960906" cy="1877437"/>
+          </a:xfrm>
+          <a:prstGeom prst="rect">
+            <a:avLst/>
+          </a:prstGeom>
+          <a:noFill/>
+          <a:ln>
+            <a:solidFill>
+              <a:schemeClr val="accent2"/>
+            </a:solidFill>
+          </a:ln>
+        </p:spPr>
+        <p:txBody>
+          <a:bodyPr wrap="square" rtlCol="0">
+            <a:spAutoFit/>
+          </a:bodyPr>
+          <a:lstStyle/>
+          <a:p>
+            <a:pPr algn="ctr"/>
+            <a:r>
+              <a:rPr lang="en-US" sz="1600" dirty="0">
+                <a:latin typeface="Arial" panose="020B0604020202020204" pitchFamily="34" charset="0"/>
+                <a:cs typeface="Arial" panose="020B0604020202020204" pitchFamily="34" charset="0"/>
+              </a:rPr>
+              <a:t>Eliminating the chances of attending another student instead of the other </a:t>
+            </a:r>
+          </a:p>
+          <a:p>
+            <a:pPr algn="ctr"/>
+            <a:r>
+              <a:rPr lang="en-US" dirty="0">
+                <a:latin typeface="Arial" panose="020B0604020202020204" pitchFamily="34" charset="0"/>
+                <a:cs typeface="Arial" panose="020B0604020202020204" pitchFamily="34" charset="0"/>
+              </a:rPr>
+              <a:t> </a:t>
+            </a:r>
+          </a:p>
+          <a:p>
+            <a:pPr algn="ctr"/>
+            <a:endParaRPr lang="en-US" dirty="0">
+              <a:latin typeface="Arial" panose="020B0604020202020204" pitchFamily="34" charset="0"/>
+              <a:cs typeface="Arial" panose="020B0604020202020204" pitchFamily="34" charset="0"/>
+            </a:endParaRPr>
+          </a:p>
+        </p:txBody>
+      </p:sp>
+      <p:sp>
+        <p:nvSpPr>
+          <p:cNvPr id="32" name="TextBox 31">
+            <a:extLst>
+              <a:ext uri="{FF2B5EF4-FFF2-40B4-BE49-F238E27FC236}">
+                <a16:creationId xmlns:a16="http://schemas.microsoft.com/office/drawing/2014/main" id="{61ECC447-A050-4E95-BA50-A8AA8A354A6A}"/>
+              </a:ext>
+            </a:extLst>
+          </p:cNvPr>
+          <p:cNvSpPr txBox="1"/>
+          <p:nvPr/>
+        </p:nvSpPr>
+        <p:spPr>
+          <a:xfrm>
+            <a:off x="9801466" y="4837384"/>
+            <a:ext cx="1960906" cy="1815882"/>
+          </a:xfrm>
+          <a:prstGeom prst="rect">
+            <a:avLst/>
+          </a:prstGeom>
+          <a:noFill/>
+          <a:ln>
+            <a:solidFill>
+              <a:schemeClr val="accent2"/>
+            </a:solidFill>
+          </a:ln>
+        </p:spPr>
+        <p:txBody>
+          <a:bodyPr wrap="square" rtlCol="0">
+            <a:spAutoFit/>
+          </a:bodyPr>
+          <a:lstStyle/>
+          <a:p>
+            <a:pPr algn="ctr"/>
+            <a:r>
+              <a:rPr lang="en-US" sz="1600" dirty="0">
+                <a:latin typeface="Arial" panose="020B0604020202020204" pitchFamily="34" charset="0"/>
+                <a:cs typeface="Arial" panose="020B0604020202020204" pitchFamily="34" charset="0"/>
+              </a:rPr>
+              <a:t>Taking the responsibility of the professors to students so they have full responsibility over their attendance</a:t>
+            </a:r>
+          </a:p>
+        </p:txBody>
+      </p:sp>
+    </p:spTree>
+    <p:extLst>
+      <p:ext uri="{BB962C8B-B14F-4D97-AF65-F5344CB8AC3E}">
+        <p14:creationId xmlns:p14="http://schemas.microsoft.com/office/powerpoint/2010/main" val="3900144499"/>
+      </p:ext>
+    </p:extLst>
+  </p:cSld>
+  <p:clrMapOvr>
+    <a:masterClrMapping/>
+  </p:clrMapOvr>
+</p:sld>
+</file>
+
+<file path=ppt/slides/slide7.xml><?xml version="1.0" encoding="utf-8"?>
+<p:sld xmlns:a="http://schemas.openxmlformats.org/drawingml/2006/main" xmlns:r="http://schemas.openxmlformats.org/officeDocument/2006/relationships" xmlns:p="http://schemas.openxmlformats.org/presentationml/2006/main">
+  <p:cSld>
+    <p:bg>
+      <p:bgPr>
+        <a:solidFill>
+          <a:schemeClr val="bg1"/>
+        </a:solidFill>
+        <a:effectLst/>
+      </p:bgPr>
+    </p:bg>
+    <p:spTree>
+      <p:nvGrpSpPr>
+        <p:cNvPr id="1" name=""/>
+        <p:cNvGrpSpPr/>
+        <p:nvPr/>
+      </p:nvGrpSpPr>
+      <p:grpSpPr>
+        <a:xfrm>
+          <a:off x="0" y="0"/>
+          <a:ext cx="0" cy="0"/>
+          <a:chOff x="0" y="0"/>
+          <a:chExt cx="0" cy="0"/>
+        </a:xfrm>
+      </p:grpSpPr>
+      <p:sp>
+        <p:nvSpPr>
+          <p:cNvPr id="4" name="Rectangle 3">
+            <a:extLst>
+              <a:ext uri="{FF2B5EF4-FFF2-40B4-BE49-F238E27FC236}">
+                <a16:creationId xmlns:a16="http://schemas.microsoft.com/office/drawing/2014/main" id="{15333259-7A83-4072-95FF-90109D7572AA}"/>
+              </a:ext>
+            </a:extLst>
+          </p:cNvPr>
+          <p:cNvSpPr/>
+          <p:nvPr/>
+        </p:nvSpPr>
+        <p:spPr>
+          <a:xfrm>
+            <a:off x="0" y="0"/>
+            <a:ext cx="12192000" cy="6858000"/>
+          </a:xfrm>
+          <a:prstGeom prst="rect">
+            <a:avLst/>
+          </a:prstGeom>
+          <a:solidFill>
+            <a:schemeClr val="bg1"/>
+          </a:solidFill>
+        </p:spPr>
+        <p:style>
+          <a:lnRef idx="2">
+            <a:schemeClr val="accent1">
+              <a:shade val="50000"/>
+            </a:schemeClr>
+          </a:lnRef>
+          <a:fillRef idx="1">
+            <a:schemeClr val="accent1"/>
+          </a:fillRef>
+          <a:effectRef idx="0">
+            <a:schemeClr val="accent1"/>
+          </a:effectRef>
+          <a:fontRef idx="minor">
+            <a:schemeClr val="lt1"/>
+          </a:fontRef>
+        </p:style>
+        <p:txBody>
+          <a:bodyPr rtlCol="0" anchor="ctr"/>
+          <a:lstStyle/>
+          <a:p>
+            <a:pPr algn="ctr"/>
+            <a:endParaRPr lang="en-US"/>
+          </a:p>
+        </p:txBody>
+      </p:sp>
+      <p:pic>
+        <p:nvPicPr>
+          <p:cNvPr id="3" name="Picture 2" descr="A close up of a piece of paper&#10;&#10;Description automatically generated">
+            <a:extLst>
+              <a:ext uri="{FF2B5EF4-FFF2-40B4-BE49-F238E27FC236}">
+                <a16:creationId xmlns:a16="http://schemas.microsoft.com/office/drawing/2014/main" id="{C366B31A-B0F6-44E2-98DD-52FAF0DE3A27}"/>
+              </a:ext>
+            </a:extLst>
+          </p:cNvPr>
+          <p:cNvPicPr>
+            <a:picLocks noChangeAspect="1"/>
+          </p:cNvPicPr>
+          <p:nvPr/>
+        </p:nvPicPr>
+        <p:blipFill>
+          <a:blip r:embed="rId2">
+            <a:alphaModFix amt="20000"/>
+            <a:extLst>
+              <a:ext uri="{28A0092B-C50C-407E-A947-70E740481C1C}">
+                <a14:useLocalDpi xmlns:a14="http://schemas.microsoft.com/office/drawing/2010/main" val="0"/>
+              </a:ext>
+            </a:extLst>
+          </a:blip>
+          <a:stretch>
+            <a:fillRect/>
+          </a:stretch>
+        </p:blipFill>
+        <p:spPr>
+          <a:xfrm>
+            <a:off x="0" y="0"/>
+            <a:ext cx="12191999" cy="6858000"/>
+          </a:xfrm>
+          <a:prstGeom prst="rect">
+            <a:avLst/>
+          </a:prstGeom>
+        </p:spPr>
+      </p:pic>
+      <p:sp>
+        <p:nvSpPr>
+          <p:cNvPr id="5" name="Rectangle 4">
+            <a:extLst>
+              <a:ext uri="{FF2B5EF4-FFF2-40B4-BE49-F238E27FC236}">
+                <a16:creationId xmlns:a16="http://schemas.microsoft.com/office/drawing/2014/main" id="{084BB3F7-F0D1-4B10-B692-DE8DB50FEC26}"/>
+              </a:ext>
+            </a:extLst>
+          </p:cNvPr>
+          <p:cNvSpPr/>
+          <p:nvPr/>
+        </p:nvSpPr>
+        <p:spPr>
+          <a:xfrm>
+            <a:off x="2143701" y="455044"/>
+            <a:ext cx="7904600" cy="923330"/>
+          </a:xfrm>
+          <a:prstGeom prst="rect">
+            <a:avLst/>
+          </a:prstGeom>
+          <a:noFill/>
+        </p:spPr>
+        <p:txBody>
+          <a:bodyPr wrap="none" lIns="91440" tIns="45720" rIns="91440" bIns="45720">
+            <a:spAutoFit/>
+          </a:bodyPr>
+          <a:lstStyle/>
+          <a:p>
+            <a:pPr algn="ctr"/>
+            <a:r>
+              <a:rPr lang="en-US" sz="5400" dirty="0">
+                <a:ln w="0"/>
+                <a:effectLst>
+                  <a:glow rad="127000">
+                    <a:schemeClr val="accent1">
+                      <a:lumMod val="60000"/>
+                      <a:lumOff val="40000"/>
+                    </a:schemeClr>
+                  </a:glow>
+                  <a:outerShdw blurRad="38100" dist="19050" dir="2700000" algn="tl" rotWithShape="0">
+                    <a:schemeClr val="dk1">
+                      <a:alpha val="40000"/>
+                    </a:schemeClr>
+                  </a:outerShdw>
+                </a:effectLst>
+                <a:latin typeface="Arial" panose="020B0604020202020204" pitchFamily="34" charset="0"/>
+                <a:cs typeface="Arial" panose="020B0604020202020204" pitchFamily="34" charset="0"/>
+              </a:rPr>
+              <a:t>Why SATS is Important ?</a:t>
+            </a:r>
+            <a:endParaRPr lang="en-US" sz="5400" b="0" cap="none" spc="0" dirty="0">
+              <a:ln w="0"/>
+              <a:solidFill>
+                <a:schemeClr val="tx1"/>
+              </a:solidFill>
+              <a:effectLst>
+                <a:glow rad="127000">
+                  <a:schemeClr val="accent1">
+                    <a:lumMod val="60000"/>
+                    <a:lumOff val="40000"/>
+                  </a:schemeClr>
+                </a:glow>
+                <a:outerShdw blurRad="38100" dist="19050" dir="2700000" algn="tl" rotWithShape="0">
+                  <a:schemeClr val="dk1">
+                    <a:alpha val="40000"/>
+                  </a:schemeClr>
+                </a:outerShdw>
+              </a:effectLst>
+              <a:latin typeface="Arial" panose="020B0604020202020204" pitchFamily="34" charset="0"/>
+              <a:cs typeface="Arial" panose="020B0604020202020204" pitchFamily="34" charset="0"/>
+            </a:endParaRPr>
+          </a:p>
+        </p:txBody>
+      </p:sp>
+      <p:sp>
+        <p:nvSpPr>
+          <p:cNvPr id="2" name="TextBox 1">
+            <a:extLst>
+              <a:ext uri="{FF2B5EF4-FFF2-40B4-BE49-F238E27FC236}">
+                <a16:creationId xmlns:a16="http://schemas.microsoft.com/office/drawing/2014/main" id="{24FF851A-6B34-4B26-9271-37E8DE936A11}"/>
+              </a:ext>
+            </a:extLst>
+          </p:cNvPr>
+          <p:cNvSpPr txBox="1"/>
+          <p:nvPr/>
+        </p:nvSpPr>
+        <p:spPr>
+          <a:xfrm>
+            <a:off x="738908" y="2712239"/>
+            <a:ext cx="10464800" cy="523220"/>
+          </a:xfrm>
+          <a:prstGeom prst="rect">
+            <a:avLst/>
+          </a:prstGeom>
+          <a:noFill/>
+        </p:spPr>
+        <p:txBody>
+          <a:bodyPr wrap="square" rtlCol="0">
+            <a:spAutoFit/>
+          </a:bodyPr>
+          <a:lstStyle/>
+          <a:p>
+            <a:pPr algn="ctr"/>
+            <a:r>
+              <a:rPr lang="en-US" sz="2800" dirty="0">
+                <a:latin typeface="Arial" panose="020B0604020202020204" pitchFamily="34" charset="0"/>
+                <a:cs typeface="Arial" panose="020B0604020202020204" pitchFamily="34" charset="0"/>
+              </a:rPr>
+              <a:t>Reducing the time taken form the lecture for attendance </a:t>
+            </a:r>
+          </a:p>
+        </p:txBody>
+      </p:sp>
+    </p:spTree>
+    <p:extLst>
+      <p:ext uri="{BB962C8B-B14F-4D97-AF65-F5344CB8AC3E}">
+        <p14:creationId xmlns:p14="http://schemas.microsoft.com/office/powerpoint/2010/main" val="3609006249"/>
+      </p:ext>
+    </p:extLst>
+  </p:cSld>
+  <p:clrMapOvr>
+    <a:masterClrMapping/>
+  </p:clrMapOvr>
+</p:sld>
+</file>
+
+<file path=ppt/slides/slide8.xml><?xml version="1.0" encoding="utf-8"?>
+<p:sld xmlns:a="http://schemas.openxmlformats.org/drawingml/2006/main" xmlns:r="http://schemas.openxmlformats.org/officeDocument/2006/relationships" xmlns:p="http://schemas.openxmlformats.org/presentationml/2006/main">
+  <p:cSld>
+    <p:bg>
+      <p:bgPr>
+        <a:solidFill>
+          <a:schemeClr val="bg1"/>
+        </a:solidFill>
+        <a:effectLst/>
+      </p:bgPr>
+    </p:bg>
+    <p:spTree>
+      <p:nvGrpSpPr>
+        <p:cNvPr id="1" name=""/>
+        <p:cNvGrpSpPr/>
+        <p:nvPr/>
+      </p:nvGrpSpPr>
+      <p:grpSpPr>
+        <a:xfrm>
+          <a:off x="0" y="0"/>
+          <a:ext cx="0" cy="0"/>
+          <a:chOff x="0" y="0"/>
+          <a:chExt cx="0" cy="0"/>
+        </a:xfrm>
+      </p:grpSpPr>
+      <p:sp>
+        <p:nvSpPr>
+          <p:cNvPr id="8" name="Rectangle 7">
+            <a:extLst>
+              <a:ext uri="{FF2B5EF4-FFF2-40B4-BE49-F238E27FC236}">
+                <a16:creationId xmlns:a16="http://schemas.microsoft.com/office/drawing/2014/main" id="{C7E6B059-C52B-4078-BED1-DCC689E0D74B}"/>
+              </a:ext>
+            </a:extLst>
+          </p:cNvPr>
+          <p:cNvSpPr/>
+          <p:nvPr/>
+        </p:nvSpPr>
+        <p:spPr>
+          <a:xfrm>
+            <a:off x="-3" y="0"/>
+            <a:ext cx="12192000" cy="6858000"/>
+          </a:xfrm>
+          <a:prstGeom prst="rect">
+            <a:avLst/>
+          </a:prstGeom>
+          <a:solidFill>
+            <a:schemeClr val="bg1"/>
+          </a:solidFill>
+        </p:spPr>
+        <p:style>
+          <a:lnRef idx="2">
+            <a:schemeClr val="accent1">
+              <a:shade val="50000"/>
+            </a:schemeClr>
+          </a:lnRef>
+          <a:fillRef idx="1">
+            <a:schemeClr val="accent1"/>
+          </a:fillRef>
+          <a:effectRef idx="0">
+            <a:schemeClr val="accent1"/>
+          </a:effectRef>
+          <a:fontRef idx="minor">
+            <a:schemeClr val="lt1"/>
+          </a:fontRef>
+        </p:style>
+        <p:txBody>
+          <a:bodyPr rtlCol="0" anchor="ctr"/>
+          <a:lstStyle/>
+          <a:p>
+            <a:pPr algn="ctr"/>
+            <a:endParaRPr lang="en-US"/>
+          </a:p>
+        </p:txBody>
+      </p:sp>
+      <p:pic>
+        <p:nvPicPr>
+          <p:cNvPr id="7" name="Picture 6" descr="A picture containing outdoor, game&#10;&#10;Description automatically generated">
+            <a:extLst>
+              <a:ext uri="{FF2B5EF4-FFF2-40B4-BE49-F238E27FC236}">
+                <a16:creationId xmlns:a16="http://schemas.microsoft.com/office/drawing/2014/main" id="{F36B5C57-ACB3-48D7-88E8-B65245E226D6}"/>
+              </a:ext>
+            </a:extLst>
+          </p:cNvPr>
+          <p:cNvPicPr>
+            <a:picLocks noChangeAspect="1"/>
+          </p:cNvPicPr>
+          <p:nvPr/>
+        </p:nvPicPr>
+        <p:blipFill>
+          <a:blip r:embed="rId2">
+            <a:alphaModFix amt="20000"/>
+            <a:extLst>
+              <a:ext uri="{28A0092B-C50C-407E-A947-70E740481C1C}">
+                <a14:useLocalDpi xmlns:a14="http://schemas.microsoft.com/office/drawing/2010/main" val="0"/>
+              </a:ext>
+            </a:extLst>
+          </a:blip>
+          <a:stretch>
+            <a:fillRect/>
+          </a:stretch>
+        </p:blipFill>
+        <p:spPr>
+          <a:xfrm>
+            <a:off x="5624821" y="2043543"/>
+            <a:ext cx="3380509" cy="3001819"/>
+          </a:xfrm>
+          <a:prstGeom prst="rect">
+            <a:avLst/>
+          </a:prstGeom>
+        </p:spPr>
+      </p:pic>
+      <p:pic>
+        <p:nvPicPr>
+          <p:cNvPr id="12" name="Picture 11" descr="A close up of a sign&#10;&#10;Description automatically generated">
+            <a:extLst>
+              <a:ext uri="{FF2B5EF4-FFF2-40B4-BE49-F238E27FC236}">
+                <a16:creationId xmlns:a16="http://schemas.microsoft.com/office/drawing/2014/main" id="{0580DAF4-1AFF-45B4-8270-EA4F75E48775}"/>
+              </a:ext>
+            </a:extLst>
+          </p:cNvPr>
+          <p:cNvPicPr>
+            <a:picLocks noChangeAspect="1"/>
+          </p:cNvPicPr>
+          <p:nvPr/>
+        </p:nvPicPr>
+        <p:blipFill>
+          <a:blip r:embed="rId3">
+            <a:extLst>
+              <a:ext uri="{28A0092B-C50C-407E-A947-70E740481C1C}">
+                <a14:useLocalDpi xmlns:a14="http://schemas.microsoft.com/office/drawing/2010/main" val="0"/>
+              </a:ext>
+            </a:extLst>
+          </a:blip>
+          <a:stretch>
+            <a:fillRect/>
+          </a:stretch>
+        </p:blipFill>
+        <p:spPr>
+          <a:xfrm>
+            <a:off x="8986768" y="3077032"/>
+            <a:ext cx="1191490" cy="946944"/>
+          </a:xfrm>
+          <a:prstGeom prst="rect">
+            <a:avLst/>
+          </a:prstGeom>
+        </p:spPr>
+      </p:pic>
+      <p:pic>
+        <p:nvPicPr>
+          <p:cNvPr id="14" name="Picture 13" descr="A close up of a computer&#10;&#10;Description automatically generated">
+            <a:extLst>
+              <a:ext uri="{FF2B5EF4-FFF2-40B4-BE49-F238E27FC236}">
+                <a16:creationId xmlns:a16="http://schemas.microsoft.com/office/drawing/2014/main" id="{333DB5EA-7F27-49D1-B914-E4D280D3919E}"/>
+              </a:ext>
+            </a:extLst>
+          </p:cNvPr>
+          <p:cNvPicPr>
+            <a:picLocks noChangeAspect="1"/>
+          </p:cNvPicPr>
+          <p:nvPr/>
+        </p:nvPicPr>
+        <p:blipFill>
+          <a:blip r:embed="rId4">
+            <a:extLst>
+              <a:ext uri="{28A0092B-C50C-407E-A947-70E740481C1C}">
+                <a14:useLocalDpi xmlns:a14="http://schemas.microsoft.com/office/drawing/2010/main" val="0"/>
+              </a:ext>
+            </a:extLst>
+          </a:blip>
+          <a:stretch>
+            <a:fillRect/>
+          </a:stretch>
+        </p:blipFill>
+        <p:spPr>
+          <a:xfrm>
+            <a:off x="6529716" y="1001339"/>
+            <a:ext cx="1662547" cy="1443181"/>
+          </a:xfrm>
+          <a:prstGeom prst="rect">
+            <a:avLst/>
+          </a:prstGeom>
+        </p:spPr>
+      </p:pic>
+      <p:pic>
+        <p:nvPicPr>
+          <p:cNvPr id="16" name="Picture 15" descr="A close up of a sign&#10;&#10;Description automatically generated">
+            <a:extLst>
+              <a:ext uri="{FF2B5EF4-FFF2-40B4-BE49-F238E27FC236}">
+                <a16:creationId xmlns:a16="http://schemas.microsoft.com/office/drawing/2014/main" id="{3D9EED31-AF29-4AFA-BF90-64B0B781C50E}"/>
+              </a:ext>
+            </a:extLst>
+          </p:cNvPr>
+          <p:cNvPicPr>
+            <a:picLocks noChangeAspect="1"/>
+          </p:cNvPicPr>
+          <p:nvPr/>
+        </p:nvPicPr>
+        <p:blipFill>
+          <a:blip r:embed="rId5">
+            <a:extLst>
+              <a:ext uri="{28A0092B-C50C-407E-A947-70E740481C1C}">
+                <a14:useLocalDpi xmlns:a14="http://schemas.microsoft.com/office/drawing/2010/main" val="0"/>
+              </a:ext>
+            </a:extLst>
+          </a:blip>
+          <a:stretch>
+            <a:fillRect/>
+          </a:stretch>
+        </p:blipFill>
+        <p:spPr>
+          <a:xfrm>
+            <a:off x="4553434" y="3102437"/>
+            <a:ext cx="1071387" cy="896134"/>
+          </a:xfrm>
+          <a:prstGeom prst="rect">
+            <a:avLst/>
+          </a:prstGeom>
+        </p:spPr>
+      </p:pic>
+      <p:pic>
+        <p:nvPicPr>
+          <p:cNvPr id="18" name="Picture 17" descr="A picture containing circuit, computer&#10;&#10;Description automatically generated">
+            <a:extLst>
+              <a:ext uri="{FF2B5EF4-FFF2-40B4-BE49-F238E27FC236}">
+                <a16:creationId xmlns:a16="http://schemas.microsoft.com/office/drawing/2014/main" id="{DF663744-35AE-44F0-B103-0BAD0D202B5A}"/>
+              </a:ext>
+            </a:extLst>
+          </p:cNvPr>
+          <p:cNvPicPr>
+            <a:picLocks noChangeAspect="1"/>
+          </p:cNvPicPr>
+          <p:nvPr/>
+        </p:nvPicPr>
+        <p:blipFill>
+          <a:blip r:embed="rId6">
+            <a:extLst>
+              <a:ext uri="{28A0092B-C50C-407E-A947-70E740481C1C}">
+                <a14:useLocalDpi xmlns:a14="http://schemas.microsoft.com/office/drawing/2010/main" val="0"/>
+              </a:ext>
+            </a:extLst>
+          </a:blip>
+          <a:stretch>
+            <a:fillRect/>
+          </a:stretch>
+        </p:blipFill>
+        <p:spPr>
+          <a:xfrm>
+            <a:off x="6500672" y="4528933"/>
+            <a:ext cx="1662547" cy="1443180"/>
+          </a:xfrm>
+          <a:prstGeom prst="rect">
+            <a:avLst/>
+          </a:prstGeom>
+        </p:spPr>
+      </p:pic>
+      <p:sp>
+        <p:nvSpPr>
+          <p:cNvPr id="46" name="Arrow: Bent-Up 45">
+            <a:extLst>
+              <a:ext uri="{FF2B5EF4-FFF2-40B4-BE49-F238E27FC236}">
+                <a16:creationId xmlns:a16="http://schemas.microsoft.com/office/drawing/2014/main" id="{0AFCF58D-1351-447E-9FF5-F4043BF35E73}"/>
+              </a:ext>
+            </a:extLst>
+          </p:cNvPr>
+          <p:cNvSpPr/>
+          <p:nvPr/>
+        </p:nvSpPr>
+        <p:spPr>
+          <a:xfrm>
+            <a:off x="8520845" y="4177710"/>
+            <a:ext cx="1385212" cy="1277974"/>
+          </a:xfrm>
+          <a:prstGeom prst="bentUpArrow">
+            <a:avLst/>
+          </a:prstGeom>
+          <a:solidFill>
+            <a:schemeClr val="accent1">
+              <a:lumMod val="40000"/>
+              <a:lumOff val="60000"/>
+            </a:schemeClr>
+          </a:solidFill>
+        </p:spPr>
+        <p:style>
+          <a:lnRef idx="2">
+            <a:schemeClr val="accent1">
+              <a:shade val="50000"/>
+            </a:schemeClr>
+          </a:lnRef>
+          <a:fillRef idx="1">
+            <a:schemeClr val="accent1"/>
+          </a:fillRef>
+          <a:effectRef idx="0">
+            <a:schemeClr val="accent1"/>
+          </a:effectRef>
+          <a:fontRef idx="minor">
+            <a:schemeClr val="lt1"/>
+          </a:fontRef>
+        </p:style>
+        <p:txBody>
+          <a:bodyPr rtlCol="0" anchor="ctr"/>
+          <a:lstStyle/>
+          <a:p>
+            <a:pPr algn="ctr"/>
+            <a:endParaRPr lang="en-US"/>
+          </a:p>
+        </p:txBody>
+      </p:sp>
+      <p:sp>
+        <p:nvSpPr>
+          <p:cNvPr id="48" name="Arrow: Bent-Up 47">
+            <a:extLst>
+              <a:ext uri="{FF2B5EF4-FFF2-40B4-BE49-F238E27FC236}">
+                <a16:creationId xmlns:a16="http://schemas.microsoft.com/office/drawing/2014/main" id="{408D13B2-62E7-4A57-915D-E06C28C1D062}"/>
+              </a:ext>
+            </a:extLst>
+          </p:cNvPr>
+          <p:cNvSpPr/>
+          <p:nvPr/>
+        </p:nvSpPr>
+        <p:spPr>
+          <a:xfrm rot="16200000">
+            <a:off x="8463508" y="1455935"/>
+            <a:ext cx="1385212" cy="1277974"/>
+          </a:xfrm>
+          <a:prstGeom prst="bentUpArrow">
+            <a:avLst/>
+          </a:prstGeom>
+          <a:solidFill>
+            <a:schemeClr val="accent1">
+              <a:lumMod val="40000"/>
+              <a:lumOff val="60000"/>
+            </a:schemeClr>
+          </a:solidFill>
+        </p:spPr>
+        <p:style>
+          <a:lnRef idx="2">
+            <a:schemeClr val="accent1">
+              <a:shade val="50000"/>
+            </a:schemeClr>
+          </a:lnRef>
+          <a:fillRef idx="1">
+            <a:schemeClr val="accent1"/>
+          </a:fillRef>
+          <a:effectRef idx="0">
+            <a:schemeClr val="accent1"/>
+          </a:effectRef>
+          <a:fontRef idx="minor">
+            <a:schemeClr val="lt1"/>
+          </a:fontRef>
+        </p:style>
+        <p:txBody>
+          <a:bodyPr rtlCol="0" anchor="ctr"/>
+          <a:lstStyle/>
+          <a:p>
+            <a:pPr algn="ctr"/>
+            <a:endParaRPr lang="en-US" dirty="0"/>
+          </a:p>
+        </p:txBody>
+      </p:sp>
+      <p:sp>
+        <p:nvSpPr>
+          <p:cNvPr id="49" name="Arrow: Bent-Up 48">
+            <a:extLst>
+              <a:ext uri="{FF2B5EF4-FFF2-40B4-BE49-F238E27FC236}">
+                <a16:creationId xmlns:a16="http://schemas.microsoft.com/office/drawing/2014/main" id="{755BC460-900A-4D22-9637-D8840168B317}"/>
+              </a:ext>
+            </a:extLst>
+          </p:cNvPr>
+          <p:cNvSpPr/>
+          <p:nvPr/>
+        </p:nvSpPr>
+        <p:spPr>
+          <a:xfrm rot="10800000">
+            <a:off x="4819640" y="1528704"/>
+            <a:ext cx="1385212" cy="1277974"/>
+          </a:xfrm>
+          <a:prstGeom prst="bentUpArrow">
+            <a:avLst/>
+          </a:prstGeom>
+          <a:solidFill>
+            <a:schemeClr val="accent1">
+              <a:lumMod val="40000"/>
+              <a:lumOff val="60000"/>
+            </a:schemeClr>
+          </a:solidFill>
+        </p:spPr>
+        <p:style>
+          <a:lnRef idx="2">
+            <a:schemeClr val="accent1">
+              <a:shade val="50000"/>
+            </a:schemeClr>
+          </a:lnRef>
+          <a:fillRef idx="1">
+            <a:schemeClr val="accent1"/>
+          </a:fillRef>
+          <a:effectRef idx="0">
+            <a:schemeClr val="accent1"/>
+          </a:effectRef>
+          <a:fontRef idx="minor">
+            <a:schemeClr val="lt1"/>
+          </a:fontRef>
+        </p:style>
+        <p:txBody>
+          <a:bodyPr rtlCol="0" anchor="ctr"/>
+          <a:lstStyle/>
+          <a:p>
+            <a:pPr algn="ctr"/>
+            <a:endParaRPr lang="en-US" dirty="0"/>
+          </a:p>
+        </p:txBody>
+      </p:sp>
+      <p:sp>
+        <p:nvSpPr>
+          <p:cNvPr id="50" name="Arrow: Bent-Up 49">
+            <a:extLst>
+              <a:ext uri="{FF2B5EF4-FFF2-40B4-BE49-F238E27FC236}">
+                <a16:creationId xmlns:a16="http://schemas.microsoft.com/office/drawing/2014/main" id="{11785ED0-2AD8-4152-93ED-8775071830BE}"/>
+              </a:ext>
+            </a:extLst>
+          </p:cNvPr>
+          <p:cNvSpPr/>
+          <p:nvPr/>
+        </p:nvSpPr>
+        <p:spPr>
+          <a:xfrm rot="5400000">
+            <a:off x="4932215" y="4334756"/>
+            <a:ext cx="1385212" cy="1277974"/>
+          </a:xfrm>
+          <a:prstGeom prst="bentUpArrow">
+            <a:avLst/>
+          </a:prstGeom>
+          <a:solidFill>
+            <a:schemeClr val="accent1">
+              <a:lumMod val="40000"/>
+              <a:lumOff val="60000"/>
+            </a:schemeClr>
+          </a:solidFill>
+        </p:spPr>
+        <p:style>
+          <a:lnRef idx="2">
+            <a:schemeClr val="accent1">
+              <a:shade val="50000"/>
+            </a:schemeClr>
+          </a:lnRef>
+          <a:fillRef idx="1">
+            <a:schemeClr val="accent1"/>
+          </a:fillRef>
+          <a:effectRef idx="0">
+            <a:schemeClr val="accent1"/>
+          </a:effectRef>
+          <a:fontRef idx="minor">
+            <a:schemeClr val="lt1"/>
+          </a:fontRef>
+        </p:style>
+        <p:txBody>
+          <a:bodyPr rtlCol="0" anchor="ctr"/>
+          <a:lstStyle/>
+          <a:p>
+            <a:pPr algn="ctr"/>
+            <a:endParaRPr lang="en-US"/>
+          </a:p>
+        </p:txBody>
+      </p:sp>
+      <p:sp>
+        <p:nvSpPr>
+          <p:cNvPr id="53" name="Rectangle: Rounded Corners 52">
+            <a:extLst>
+              <a:ext uri="{FF2B5EF4-FFF2-40B4-BE49-F238E27FC236}">
+                <a16:creationId xmlns:a16="http://schemas.microsoft.com/office/drawing/2014/main" id="{A9395822-E443-46C4-96E8-8D32C8D45344}"/>
+              </a:ext>
+            </a:extLst>
+          </p:cNvPr>
+          <p:cNvSpPr/>
+          <p:nvPr/>
+        </p:nvSpPr>
+        <p:spPr>
+          <a:xfrm>
+            <a:off x="6500672" y="237074"/>
+            <a:ext cx="1662547" cy="879718"/>
+          </a:xfrm>
+          <a:prstGeom prst="roundRect">
+            <a:avLst/>
+          </a:prstGeom>
+        </p:spPr>
+        <p:style>
+          <a:lnRef idx="1">
+            <a:schemeClr val="accent1"/>
+          </a:lnRef>
+          <a:fillRef idx="2">
+            <a:schemeClr val="accent1"/>
+          </a:fillRef>
+          <a:effectRef idx="1">
+            <a:schemeClr val="accent1"/>
+          </a:effectRef>
+          <a:fontRef idx="minor">
+            <a:schemeClr val="dk1"/>
+          </a:fontRef>
+        </p:style>
+        <p:txBody>
+          <a:bodyPr rtlCol="0" anchor="ctr"/>
+          <a:lstStyle/>
+          <a:p>
+            <a:pPr algn="ctr"/>
+            <a:r>
+              <a:rPr lang="en-US" sz="1200" b="1" dirty="0">
+                <a:latin typeface="Arial" panose="020B0604020202020204" pitchFamily="34" charset="0"/>
+                <a:cs typeface="Arial" panose="020B0604020202020204" pitchFamily="34" charset="0"/>
+              </a:rPr>
+              <a:t>Computer</a:t>
+            </a:r>
+            <a:r>
+              <a:rPr lang="en-US" sz="1200" dirty="0">
+                <a:latin typeface="Arial" panose="020B0604020202020204" pitchFamily="34" charset="0"/>
+                <a:cs typeface="Arial" panose="020B0604020202020204" pitchFamily="34" charset="0"/>
+              </a:rPr>
+              <a:t> process input data from scanner </a:t>
+            </a:r>
+          </a:p>
+        </p:txBody>
+      </p:sp>
+      <p:sp>
+        <p:nvSpPr>
+          <p:cNvPr id="54" name="Rectangle 53">
+            <a:extLst>
+              <a:ext uri="{FF2B5EF4-FFF2-40B4-BE49-F238E27FC236}">
+                <a16:creationId xmlns:a16="http://schemas.microsoft.com/office/drawing/2014/main" id="{D0D6CA85-A1F9-4E0F-A621-4A2CB59AA0AC}"/>
+              </a:ext>
+            </a:extLst>
+          </p:cNvPr>
+          <p:cNvSpPr/>
+          <p:nvPr/>
+        </p:nvSpPr>
+        <p:spPr>
+          <a:xfrm>
+            <a:off x="0" y="0"/>
+            <a:ext cx="2728797" cy="6858000"/>
+          </a:xfrm>
+          <a:prstGeom prst="rect">
+            <a:avLst/>
+          </a:prstGeom>
+        </p:spPr>
+        <p:style>
+          <a:lnRef idx="2">
+            <a:schemeClr val="accent1">
+              <a:shade val="50000"/>
+            </a:schemeClr>
+          </a:lnRef>
+          <a:fillRef idx="1">
+            <a:schemeClr val="accent1"/>
+          </a:fillRef>
+          <a:effectRef idx="0">
+            <a:schemeClr val="accent1"/>
+          </a:effectRef>
+          <a:fontRef idx="minor">
+            <a:schemeClr val="lt1"/>
+          </a:fontRef>
+        </p:style>
+        <p:txBody>
+          <a:bodyPr rtlCol="0" anchor="ctr"/>
+          <a:lstStyle/>
+          <a:p>
+            <a:pPr algn="ctr"/>
+            <a:endParaRPr lang="en-US" sz="2000" b="1" dirty="0">
+              <a:solidFill>
+                <a:schemeClr val="tx1"/>
+              </a:solidFill>
+              <a:latin typeface="Arial" panose="020B0604020202020204" pitchFamily="34" charset="0"/>
+              <a:cs typeface="Arial" panose="020B0604020202020204" pitchFamily="34" charset="0"/>
+            </a:endParaRPr>
+          </a:p>
+        </p:txBody>
+      </p:sp>
+      <p:sp>
+        <p:nvSpPr>
+          <p:cNvPr id="56" name="Rectangle: Rounded Corners 55">
+            <a:extLst>
+              <a:ext uri="{FF2B5EF4-FFF2-40B4-BE49-F238E27FC236}">
+                <a16:creationId xmlns:a16="http://schemas.microsoft.com/office/drawing/2014/main" id="{D92ABA07-6D32-42D7-930D-C5D699D8DD1E}"/>
+              </a:ext>
+            </a:extLst>
+          </p:cNvPr>
+          <p:cNvSpPr/>
+          <p:nvPr/>
+        </p:nvSpPr>
+        <p:spPr>
+          <a:xfrm>
+            <a:off x="2821433" y="3077032"/>
+            <a:ext cx="1662547" cy="879718"/>
+          </a:xfrm>
+          <a:prstGeom prst="roundRect">
+            <a:avLst/>
+          </a:prstGeom>
+        </p:spPr>
+        <p:style>
+          <a:lnRef idx="1">
+            <a:schemeClr val="accent1"/>
+          </a:lnRef>
+          <a:fillRef idx="2">
+            <a:schemeClr val="accent1"/>
+          </a:fillRef>
+          <a:effectRef idx="1">
+            <a:schemeClr val="accent1"/>
+          </a:effectRef>
+          <a:fontRef idx="minor">
+            <a:schemeClr val="dk1"/>
+          </a:fontRef>
+        </p:style>
+        <p:txBody>
+          <a:bodyPr rtlCol="0" anchor="ctr"/>
+          <a:lstStyle/>
+          <a:p>
+            <a:pPr algn="ctr"/>
+            <a:r>
+              <a:rPr lang="en-US" sz="1400" b="1" dirty="0">
+                <a:latin typeface="Arial" panose="020B0604020202020204" pitchFamily="34" charset="0"/>
+                <a:cs typeface="Arial" panose="020B0604020202020204" pitchFamily="34" charset="0"/>
+              </a:rPr>
+              <a:t>Excel file </a:t>
+            </a:r>
+            <a:r>
+              <a:rPr lang="en-US" sz="1400" dirty="0">
+                <a:latin typeface="Arial" panose="020B0604020202020204" pitchFamily="34" charset="0"/>
+                <a:cs typeface="Arial" panose="020B0604020202020204" pitchFamily="34" charset="0"/>
+              </a:rPr>
+              <a:t>store and view data</a:t>
+            </a:r>
+          </a:p>
+        </p:txBody>
+      </p:sp>
+      <p:sp>
+        <p:nvSpPr>
+          <p:cNvPr id="57" name="Rectangle: Rounded Corners 56">
+            <a:extLst>
+              <a:ext uri="{FF2B5EF4-FFF2-40B4-BE49-F238E27FC236}">
+                <a16:creationId xmlns:a16="http://schemas.microsoft.com/office/drawing/2014/main" id="{508267B4-DB6E-4585-8845-877281AC0751}"/>
+              </a:ext>
+            </a:extLst>
+          </p:cNvPr>
+          <p:cNvSpPr/>
+          <p:nvPr/>
+        </p:nvSpPr>
+        <p:spPr>
+          <a:xfrm>
+            <a:off x="10353854" y="3104593"/>
+            <a:ext cx="1662547" cy="879718"/>
+          </a:xfrm>
+          <a:prstGeom prst="roundRect">
+            <a:avLst/>
+          </a:prstGeom>
+        </p:spPr>
+        <p:style>
+          <a:lnRef idx="1">
+            <a:schemeClr val="accent1"/>
+          </a:lnRef>
+          <a:fillRef idx="2">
+            <a:schemeClr val="accent1"/>
+          </a:fillRef>
+          <a:effectRef idx="1">
+            <a:schemeClr val="accent1"/>
+          </a:effectRef>
+          <a:fontRef idx="minor">
+            <a:schemeClr val="dk1"/>
+          </a:fontRef>
+        </p:style>
+        <p:txBody>
+          <a:bodyPr rtlCol="0" anchor="ctr"/>
+          <a:lstStyle/>
+          <a:p>
+            <a:pPr algn="ctr"/>
+            <a:r>
+              <a:rPr lang="en-US" sz="1400" b="1" dirty="0">
+                <a:latin typeface="Arial" panose="020B0604020202020204" pitchFamily="34" charset="0"/>
+                <a:cs typeface="Arial" panose="020B0604020202020204" pitchFamily="34" charset="0"/>
+              </a:rPr>
+              <a:t>Scanner </a:t>
+            </a:r>
+            <a:r>
+              <a:rPr lang="en-US" sz="1400" dirty="0">
+                <a:latin typeface="Arial" panose="020B0604020202020204" pitchFamily="34" charset="0"/>
+                <a:cs typeface="Arial" panose="020B0604020202020204" pitchFamily="34" charset="0"/>
+              </a:rPr>
+              <a:t>scans badges and sends the data to the computer</a:t>
+            </a:r>
+          </a:p>
+        </p:txBody>
+      </p:sp>
+      <p:sp>
+        <p:nvSpPr>
+          <p:cNvPr id="58" name="Rectangle: Rounded Corners 57">
+            <a:extLst>
+              <a:ext uri="{FF2B5EF4-FFF2-40B4-BE49-F238E27FC236}">
+                <a16:creationId xmlns:a16="http://schemas.microsoft.com/office/drawing/2014/main" id="{618B0F4B-4E2C-44FD-A400-FE71F2707CE2}"/>
+              </a:ext>
+            </a:extLst>
+          </p:cNvPr>
+          <p:cNvSpPr/>
+          <p:nvPr/>
+        </p:nvSpPr>
+        <p:spPr>
+          <a:xfrm>
+            <a:off x="6483801" y="5856661"/>
+            <a:ext cx="1662547" cy="879718"/>
+          </a:xfrm>
+          <a:prstGeom prst="roundRect">
+            <a:avLst/>
+          </a:prstGeom>
+        </p:spPr>
+        <p:style>
+          <a:lnRef idx="1">
+            <a:schemeClr val="accent1"/>
+          </a:lnRef>
+          <a:fillRef idx="2">
+            <a:schemeClr val="accent1"/>
+          </a:fillRef>
+          <a:effectRef idx="1">
+            <a:schemeClr val="accent1"/>
+          </a:effectRef>
+          <a:fontRef idx="minor">
+            <a:schemeClr val="dk1"/>
+          </a:fontRef>
+        </p:style>
+        <p:txBody>
+          <a:bodyPr rtlCol="0" anchor="ctr"/>
+          <a:lstStyle/>
+          <a:p>
+            <a:pPr algn="ctr"/>
+            <a:r>
+              <a:rPr lang="en-US" sz="1400" b="1" dirty="0">
+                <a:latin typeface="Arial" panose="020B0604020202020204" pitchFamily="34" charset="0"/>
+                <a:cs typeface="Arial" panose="020B0604020202020204" pitchFamily="34" charset="0"/>
+              </a:rPr>
+              <a:t>Student badge </a:t>
+            </a:r>
+            <a:r>
+              <a:rPr lang="en-US" sz="1400" dirty="0">
+                <a:latin typeface="Arial" panose="020B0604020202020204" pitchFamily="34" charset="0"/>
+                <a:cs typeface="Arial" panose="020B0604020202020204" pitchFamily="34" charset="0"/>
+              </a:rPr>
+              <a:t>used for the scan reader</a:t>
+            </a:r>
+          </a:p>
+        </p:txBody>
+      </p:sp>
+      <p:pic>
+        <p:nvPicPr>
+          <p:cNvPr id="60" name="Picture 59" descr="A close up of a logo&#10;&#10;Description automatically generated">
+            <a:extLst>
+              <a:ext uri="{FF2B5EF4-FFF2-40B4-BE49-F238E27FC236}">
+                <a16:creationId xmlns:a16="http://schemas.microsoft.com/office/drawing/2014/main" id="{387E8539-2F17-468C-86ED-57BD506249AA}"/>
+              </a:ext>
+            </a:extLst>
+          </p:cNvPr>
+          <p:cNvPicPr>
+            <a:picLocks noChangeAspect="1"/>
+          </p:cNvPicPr>
+          <p:nvPr/>
+        </p:nvPicPr>
+        <p:blipFill>
+          <a:blip r:embed="rId7">
+            <a:extLst>
+              <a:ext uri="{28A0092B-C50C-407E-A947-70E740481C1C}">
+                <a14:useLocalDpi xmlns:a14="http://schemas.microsoft.com/office/drawing/2010/main" val="0"/>
+              </a:ext>
+            </a:extLst>
+          </a:blip>
+          <a:stretch>
+            <a:fillRect/>
+          </a:stretch>
+        </p:blipFill>
+        <p:spPr>
+          <a:xfrm>
+            <a:off x="-39291" y="2684914"/>
+            <a:ext cx="2677430" cy="2678124"/>
+          </a:xfrm>
+          <a:prstGeom prst="rect">
+            <a:avLst/>
+          </a:prstGeom>
+        </p:spPr>
+      </p:pic>
+      <p:sp>
+        <p:nvSpPr>
+          <p:cNvPr id="62" name="TextBox 61">
+            <a:extLst>
+              <a:ext uri="{FF2B5EF4-FFF2-40B4-BE49-F238E27FC236}">
+                <a16:creationId xmlns:a16="http://schemas.microsoft.com/office/drawing/2014/main" id="{D5290E7E-5AB2-4368-A6D1-C3E3F1275384}"/>
+              </a:ext>
+            </a:extLst>
+          </p:cNvPr>
+          <p:cNvSpPr txBox="1"/>
+          <p:nvPr/>
+        </p:nvSpPr>
+        <p:spPr>
+          <a:xfrm>
+            <a:off x="-3" y="1522874"/>
+            <a:ext cx="2728797" cy="400110"/>
+          </a:xfrm>
+          <a:prstGeom prst="rect">
+            <a:avLst/>
+          </a:prstGeom>
+          <a:noFill/>
+        </p:spPr>
+        <p:txBody>
+          <a:bodyPr wrap="square" rtlCol="0">
+            <a:spAutoFit/>
+          </a:bodyPr>
+          <a:lstStyle/>
+          <a:p>
+            <a:pPr algn="ctr"/>
+            <a:r>
+              <a:rPr lang="en-US" sz="2000" b="1" dirty="0">
+                <a:latin typeface="Arial" panose="020B0604020202020204" pitchFamily="34" charset="0"/>
+                <a:cs typeface="Arial" panose="020B0604020202020204" pitchFamily="34" charset="0"/>
+              </a:rPr>
+              <a:t>SATS Components</a:t>
+            </a:r>
+          </a:p>
+        </p:txBody>
+      </p:sp>
+    </p:spTree>
+    <p:extLst>
+      <p:ext uri="{BB962C8B-B14F-4D97-AF65-F5344CB8AC3E}">
+        <p14:creationId xmlns:p14="http://schemas.microsoft.com/office/powerpoint/2010/main" val="3318936906"/>
+      </p:ext>
+    </p:extLst>
+  </p:cSld>
+  <p:clrMapOvr>
+    <a:masterClrMapping/>
+  </p:clrMapOvr>
+</p:sld>
+</file>
+
+<file path=ppt/slides/slide9.xml><?xml version="1.0" encoding="utf-8"?>
+<p:sld xmlns:a="http://schemas.openxmlformats.org/drawingml/2006/main" xmlns:r="http://schemas.openxmlformats.org/officeDocument/2006/relationships" xmlns:p="http://schemas.openxmlformats.org/presentationml/2006/main">
+  <p:cSld>
+    <p:spTree>
+      <p:nvGrpSpPr>
+        <p:cNvPr id="1" name=""/>
+        <p:cNvGrpSpPr/>
+        <p:nvPr/>
+      </p:nvGrpSpPr>
+      <p:grpSpPr>
+        <a:xfrm>
+          <a:off x="0" y="0"/>
+          <a:ext cx="0" cy="0"/>
+          <a:chOff x="0" y="0"/>
+          <a:chExt cx="0" cy="0"/>
+        </a:xfrm>
+      </p:grpSpPr>
+      <p:sp>
+        <p:nvSpPr>
+          <p:cNvPr id="8" name="Rectangle 7">
+            <a:extLst>
+              <a:ext uri="{FF2B5EF4-FFF2-40B4-BE49-F238E27FC236}">
+                <a16:creationId xmlns:a16="http://schemas.microsoft.com/office/drawing/2014/main" id="{CB3CA986-C31B-4906-8D2B-6E0ED7A5BD32}"/>
+              </a:ext>
+            </a:extLst>
+          </p:cNvPr>
+          <p:cNvSpPr/>
+          <p:nvPr/>
+        </p:nvSpPr>
+        <p:spPr>
+          <a:xfrm>
+            <a:off x="1" y="0"/>
+            <a:ext cx="3825380" cy="6858000"/>
+          </a:xfrm>
+          <a:prstGeom prst="rect">
+            <a:avLst/>
+          </a:prstGeom>
+        </p:spPr>
+        <p:style>
+          <a:lnRef idx="2">
+            <a:schemeClr val="accent1">
+              <a:shade val="50000"/>
+            </a:schemeClr>
+          </a:lnRef>
+          <a:fillRef idx="1">
+            <a:schemeClr val="accent1"/>
+          </a:fillRef>
+          <a:effectRef idx="0">
+            <a:schemeClr val="accent1"/>
+          </a:effectRef>
+          <a:fontRef idx="minor">
+            <a:schemeClr val="lt1"/>
+          </a:fontRef>
+        </p:style>
+        <p:txBody>
+          <a:bodyPr rtlCol="0" anchor="ctr"/>
+          <a:lstStyle/>
+          <a:p>
+            <a:pPr algn="ctr"/>
+            <a:endParaRPr lang="en-US"/>
+          </a:p>
+        </p:txBody>
+      </p:sp>
+      <p:pic>
+        <p:nvPicPr>
+          <p:cNvPr id="7" name="Picture 6" descr="A picture containing clock, plate&#10;&#10;Description automatically generated">
+            <a:extLst>
+              <a:ext uri="{FF2B5EF4-FFF2-40B4-BE49-F238E27FC236}">
+                <a16:creationId xmlns:a16="http://schemas.microsoft.com/office/drawing/2014/main" id="{6E1D7C95-B202-4A00-A6B9-90819AE16BF3}"/>
+              </a:ext>
+            </a:extLst>
+          </p:cNvPr>
+          <p:cNvPicPr>
+            <a:picLocks noChangeAspect="1"/>
+          </p:cNvPicPr>
+          <p:nvPr/>
+        </p:nvPicPr>
+        <p:blipFill>
+          <a:blip r:embed="rId2">
+            <a:extLst>
+              <a:ext uri="{28A0092B-C50C-407E-A947-70E740481C1C}">
+                <a14:useLocalDpi xmlns:a14="http://schemas.microsoft.com/office/drawing/2010/main" val="0"/>
+              </a:ext>
+            </a:extLst>
+          </a:blip>
+          <a:stretch>
+            <a:fillRect/>
+          </a:stretch>
+        </p:blipFill>
+        <p:spPr>
+          <a:xfrm>
+            <a:off x="280136" y="1736521"/>
+            <a:ext cx="3020935" cy="2099849"/>
+          </a:xfrm>
+          <a:prstGeom prst="rect">
+            <a:avLst/>
+          </a:prstGeom>
+        </p:spPr>
+      </p:pic>
+      <p:pic>
+        <p:nvPicPr>
+          <p:cNvPr id="5" name="Picture 4" descr="A picture containing comb, plate&#10;&#10;Description automatically generated">
+            <a:extLst>
+              <a:ext uri="{FF2B5EF4-FFF2-40B4-BE49-F238E27FC236}">
+                <a16:creationId xmlns:a16="http://schemas.microsoft.com/office/drawing/2014/main" id="{2C0F5D0D-ED8A-499C-8710-DF749BE9834E}"/>
+              </a:ext>
+            </a:extLst>
+          </p:cNvPr>
+          <p:cNvPicPr>
+            <a:picLocks noChangeAspect="1"/>
+          </p:cNvPicPr>
+          <p:nvPr/>
+        </p:nvPicPr>
+        <p:blipFill>
+          <a:blip r:embed="rId3">
+            <a:extLst>
+              <a:ext uri="{28A0092B-C50C-407E-A947-70E740481C1C}">
+                <a14:useLocalDpi xmlns:a14="http://schemas.microsoft.com/office/drawing/2010/main" val="0"/>
+              </a:ext>
+            </a:extLst>
+          </a:blip>
+          <a:stretch>
+            <a:fillRect/>
+          </a:stretch>
+        </p:blipFill>
+        <p:spPr>
+          <a:xfrm>
+            <a:off x="280135" y="4320834"/>
+            <a:ext cx="3020935" cy="2504114"/>
+          </a:xfrm>
+          <a:prstGeom prst="rect">
+            <a:avLst/>
+          </a:prstGeom>
+        </p:spPr>
+      </p:pic>
+      <p:sp>
+        <p:nvSpPr>
+          <p:cNvPr id="9" name="Rectangle 8">
+            <a:extLst>
+              <a:ext uri="{FF2B5EF4-FFF2-40B4-BE49-F238E27FC236}">
+                <a16:creationId xmlns:a16="http://schemas.microsoft.com/office/drawing/2014/main" id="{52F33B9B-EA66-4EDE-9FFC-12082DBF4E1B}"/>
+              </a:ext>
+            </a:extLst>
+          </p:cNvPr>
+          <p:cNvSpPr/>
+          <p:nvPr/>
+        </p:nvSpPr>
+        <p:spPr>
+          <a:xfrm>
+            <a:off x="3610564" y="-33052"/>
+            <a:ext cx="402670" cy="6891052"/>
+          </a:xfrm>
+          <a:prstGeom prst="rect">
+            <a:avLst/>
+          </a:prstGeom>
+          <a:solidFill>
+            <a:schemeClr val="tx1">
+              <a:lumMod val="75000"/>
+              <a:lumOff val="25000"/>
+            </a:schemeClr>
+          </a:solidFill>
+        </p:spPr>
+        <p:style>
+          <a:lnRef idx="2">
+            <a:schemeClr val="accent1">
+              <a:shade val="50000"/>
+            </a:schemeClr>
+          </a:lnRef>
+          <a:fillRef idx="1">
+            <a:schemeClr val="accent1"/>
+          </a:fillRef>
+          <a:effectRef idx="0">
+            <a:schemeClr val="accent1"/>
+          </a:effectRef>
+          <a:fontRef idx="minor">
+            <a:schemeClr val="lt1"/>
+          </a:fontRef>
+        </p:style>
+        <p:txBody>
+          <a:bodyPr rtlCol="0" anchor="ctr"/>
+          <a:lstStyle/>
+          <a:p>
+            <a:pPr algn="ctr"/>
+            <a:endParaRPr lang="en-US" dirty="0"/>
+          </a:p>
+        </p:txBody>
+      </p:sp>
+      <p:sp>
+        <p:nvSpPr>
+          <p:cNvPr id="12" name="Rectangle 11">
+            <a:extLst>
+              <a:ext uri="{FF2B5EF4-FFF2-40B4-BE49-F238E27FC236}">
+                <a16:creationId xmlns:a16="http://schemas.microsoft.com/office/drawing/2014/main" id="{F95031B9-9055-4A9C-942D-055DF92679A9}"/>
+              </a:ext>
+            </a:extLst>
+          </p:cNvPr>
+          <p:cNvSpPr/>
+          <p:nvPr/>
+        </p:nvSpPr>
+        <p:spPr>
+          <a:xfrm>
+            <a:off x="67112" y="302004"/>
+            <a:ext cx="3464653" cy="1040235"/>
+          </a:xfrm>
+          <a:prstGeom prst="rect">
+            <a:avLst/>
+          </a:prstGeom>
+          <a:solidFill>
+            <a:schemeClr val="accent1"/>
+          </a:solidFill>
+        </p:spPr>
+        <p:style>
+          <a:lnRef idx="2">
+            <a:schemeClr val="dk1"/>
+          </a:lnRef>
+          <a:fillRef idx="1">
+            <a:schemeClr val="lt1"/>
+          </a:fillRef>
+          <a:effectRef idx="0">
+            <a:schemeClr val="dk1"/>
+          </a:effectRef>
+          <a:fontRef idx="minor">
+            <a:schemeClr val="dk1"/>
+          </a:fontRef>
+        </p:style>
+        <p:txBody>
+          <a:bodyPr rtlCol="0" anchor="ctr"/>
+          <a:lstStyle/>
+          <a:p>
+            <a:pPr algn="ctr"/>
+            <a:r>
+              <a:rPr lang="en-US" sz="3600" b="1" dirty="0">
+                <a:latin typeface="Arial" panose="020B0604020202020204" pitchFamily="34" charset="0"/>
+                <a:cs typeface="Arial" panose="020B0604020202020204" pitchFamily="34" charset="0"/>
+              </a:rPr>
+              <a:t>Slides Content</a:t>
+            </a:r>
+          </a:p>
+        </p:txBody>
+      </p:sp>
+      <p:sp>
+        <p:nvSpPr>
+          <p:cNvPr id="13" name="Rectangle 12">
+            <a:extLst>
+              <a:ext uri="{FF2B5EF4-FFF2-40B4-BE49-F238E27FC236}">
+                <a16:creationId xmlns:a16="http://schemas.microsoft.com/office/drawing/2014/main" id="{175AF54C-E3C8-4EB4-8446-F73863014B40}"/>
+              </a:ext>
+            </a:extLst>
+          </p:cNvPr>
+          <p:cNvSpPr/>
+          <p:nvPr/>
+        </p:nvSpPr>
+        <p:spPr>
+          <a:xfrm>
+            <a:off x="4013234" y="0"/>
+            <a:ext cx="8178765" cy="6858000"/>
+          </a:xfrm>
+          <a:prstGeom prst="rect">
+            <a:avLst/>
+          </a:prstGeom>
+          <a:solidFill>
+            <a:schemeClr val="accent1">
+              <a:lumMod val="60000"/>
+              <a:lumOff val="40000"/>
+            </a:schemeClr>
+          </a:solidFill>
+        </p:spPr>
+        <p:style>
+          <a:lnRef idx="2">
+            <a:schemeClr val="accent1">
+              <a:shade val="50000"/>
+            </a:schemeClr>
+          </a:lnRef>
+          <a:fillRef idx="1">
+            <a:schemeClr val="accent1"/>
+          </a:fillRef>
+          <a:effectRef idx="0">
+            <a:schemeClr val="accent1"/>
+          </a:effectRef>
+          <a:fontRef idx="minor">
+            <a:schemeClr val="lt1"/>
+          </a:fontRef>
+        </p:style>
+        <p:txBody>
+          <a:bodyPr rtlCol="0" anchor="ctr"/>
+          <a:lstStyle/>
+          <a:p>
+            <a:pPr algn="ctr"/>
+            <a:endParaRPr lang="en-US" dirty="0"/>
+          </a:p>
+        </p:txBody>
+      </p:sp>
+      <p:sp>
+        <p:nvSpPr>
+          <p:cNvPr id="29" name="Rectangle: Rounded Corners 28">
+            <a:extLst>
+              <a:ext uri="{FF2B5EF4-FFF2-40B4-BE49-F238E27FC236}">
+                <a16:creationId xmlns:a16="http://schemas.microsoft.com/office/drawing/2014/main" id="{6A36487B-D9F4-46EB-B2A3-D12643142E68}"/>
+              </a:ext>
+            </a:extLst>
+          </p:cNvPr>
+          <p:cNvSpPr/>
+          <p:nvPr/>
+        </p:nvSpPr>
+        <p:spPr>
+          <a:xfrm>
+            <a:off x="4013234" y="381699"/>
+            <a:ext cx="7677725" cy="583036"/>
+          </a:xfrm>
+          <a:prstGeom prst="roundRect">
+            <a:avLst/>
+          </a:prstGeom>
+        </p:spPr>
+        <p:style>
+          <a:lnRef idx="2">
+            <a:schemeClr val="accent1">
+              <a:shade val="50000"/>
+            </a:schemeClr>
+          </a:lnRef>
+          <a:fillRef idx="1">
+            <a:schemeClr val="accent1"/>
+          </a:fillRef>
+          <a:effectRef idx="0">
+            <a:schemeClr val="accent1"/>
+          </a:effectRef>
+          <a:fontRef idx="minor">
+            <a:schemeClr val="lt1"/>
+          </a:fontRef>
+        </p:style>
+        <p:txBody>
+          <a:bodyPr rtlCol="0" anchor="ctr"/>
+          <a:lstStyle/>
+          <a:p>
+            <a:pPr algn="ctr"/>
+            <a:r>
+              <a:rPr lang="en-US" sz="2400" b="1" dirty="0">
+                <a:solidFill>
+                  <a:schemeClr val="tx1"/>
+                </a:solidFill>
+                <a:latin typeface="Arial" panose="020B0604020202020204" pitchFamily="34" charset="0"/>
+                <a:cs typeface="Arial" panose="020B0604020202020204" pitchFamily="34" charset="0"/>
+              </a:rPr>
+              <a:t>Introduction To SATS</a:t>
+            </a:r>
+          </a:p>
+        </p:txBody>
+      </p:sp>
+      <p:sp>
+        <p:nvSpPr>
+          <p:cNvPr id="20" name="Oval 19">
+            <a:extLst>
+              <a:ext uri="{FF2B5EF4-FFF2-40B4-BE49-F238E27FC236}">
+                <a16:creationId xmlns:a16="http://schemas.microsoft.com/office/drawing/2014/main" id="{04AA1731-12EF-4A04-8AC6-C99577549CEE}"/>
+              </a:ext>
+            </a:extLst>
+          </p:cNvPr>
+          <p:cNvSpPr/>
+          <p:nvPr/>
+        </p:nvSpPr>
+        <p:spPr>
+          <a:xfrm>
+            <a:off x="4092033" y="436226"/>
+            <a:ext cx="547082" cy="469783"/>
+          </a:xfrm>
+          <a:prstGeom prst="ellipse">
+            <a:avLst/>
+          </a:prstGeom>
+        </p:spPr>
+        <p:style>
+          <a:lnRef idx="2">
+            <a:schemeClr val="dk1"/>
+          </a:lnRef>
+          <a:fillRef idx="1">
+            <a:schemeClr val="lt1"/>
+          </a:fillRef>
+          <a:effectRef idx="0">
+            <a:schemeClr val="dk1"/>
+          </a:effectRef>
+          <a:fontRef idx="minor">
+            <a:schemeClr val="dk1"/>
+          </a:fontRef>
+        </p:style>
+        <p:txBody>
+          <a:bodyPr rtlCol="0" anchor="ctr"/>
+          <a:lstStyle/>
+          <a:p>
+            <a:pPr algn="ctr"/>
+            <a:r>
+              <a:rPr lang="en-US" sz="3200" b="1" dirty="0">
+                <a:latin typeface="Arial" panose="020B0604020202020204" pitchFamily="34" charset="0"/>
+                <a:cs typeface="Arial" panose="020B0604020202020204" pitchFamily="34" charset="0"/>
+              </a:rPr>
+              <a:t>1</a:t>
+            </a:r>
+          </a:p>
+        </p:txBody>
+      </p:sp>
+      <p:sp>
+        <p:nvSpPr>
+          <p:cNvPr id="30" name="Rectangle: Rounded Corners 29">
+            <a:extLst>
+              <a:ext uri="{FF2B5EF4-FFF2-40B4-BE49-F238E27FC236}">
+                <a16:creationId xmlns:a16="http://schemas.microsoft.com/office/drawing/2014/main" id="{199D13A5-D0F5-47DD-9A65-022E27FC8697}"/>
+              </a:ext>
+            </a:extLst>
+          </p:cNvPr>
+          <p:cNvSpPr/>
+          <p:nvPr/>
+        </p:nvSpPr>
+        <p:spPr>
+          <a:xfrm>
+            <a:off x="4013234" y="1206170"/>
+            <a:ext cx="7677725" cy="583036"/>
+          </a:xfrm>
+          <a:prstGeom prst="roundRect">
+            <a:avLst/>
+          </a:prstGeom>
+        </p:spPr>
+        <p:style>
+          <a:lnRef idx="2">
+            <a:schemeClr val="accent1">
+              <a:shade val="50000"/>
+            </a:schemeClr>
+          </a:lnRef>
+          <a:fillRef idx="1">
+            <a:schemeClr val="accent1"/>
+          </a:fillRef>
+          <a:effectRef idx="0">
+            <a:schemeClr val="accent1"/>
+          </a:effectRef>
+          <a:fontRef idx="minor">
+            <a:schemeClr val="lt1"/>
+          </a:fontRef>
+        </p:style>
+        <p:txBody>
+          <a:bodyPr rtlCol="0" anchor="ctr"/>
+          <a:lstStyle/>
+          <a:p>
+            <a:pPr algn="ctr"/>
+            <a:r>
+              <a:rPr lang="en-US" sz="2400" b="1" dirty="0">
+                <a:solidFill>
+                  <a:schemeClr val="tx1"/>
+                </a:solidFill>
+                <a:latin typeface="Arial" panose="020B0604020202020204" pitchFamily="34" charset="0"/>
+                <a:cs typeface="Arial" panose="020B0604020202020204" pitchFamily="34" charset="0"/>
+              </a:rPr>
+              <a:t>SATS Requirements </a:t>
+            </a:r>
+          </a:p>
+        </p:txBody>
+      </p:sp>
+      <p:sp>
+        <p:nvSpPr>
+          <p:cNvPr id="26" name="Oval 25">
+            <a:extLst>
+              <a:ext uri="{FF2B5EF4-FFF2-40B4-BE49-F238E27FC236}">
+                <a16:creationId xmlns:a16="http://schemas.microsoft.com/office/drawing/2014/main" id="{98264DA2-3EA7-4849-8A40-2D53787AB9AA}"/>
+              </a:ext>
+            </a:extLst>
+          </p:cNvPr>
+          <p:cNvSpPr/>
+          <p:nvPr/>
+        </p:nvSpPr>
+        <p:spPr>
+          <a:xfrm>
+            <a:off x="4105516" y="1266738"/>
+            <a:ext cx="547082" cy="469783"/>
+          </a:xfrm>
+          <a:prstGeom prst="ellipse">
+            <a:avLst/>
+          </a:prstGeom>
+        </p:spPr>
+        <p:style>
+          <a:lnRef idx="2">
+            <a:schemeClr val="dk1"/>
+          </a:lnRef>
+          <a:fillRef idx="1">
+            <a:schemeClr val="lt1"/>
+          </a:fillRef>
+          <a:effectRef idx="0">
+            <a:schemeClr val="dk1"/>
+          </a:effectRef>
+          <a:fontRef idx="minor">
+            <a:schemeClr val="dk1"/>
+          </a:fontRef>
+        </p:style>
+        <p:txBody>
+          <a:bodyPr rtlCol="0" anchor="ctr"/>
+          <a:lstStyle/>
+          <a:p>
+            <a:pPr algn="ctr"/>
+            <a:r>
+              <a:rPr lang="en-US" sz="3200" b="1" dirty="0">
+                <a:latin typeface="Arial" panose="020B0604020202020204" pitchFamily="34" charset="0"/>
+                <a:cs typeface="Arial" panose="020B0604020202020204" pitchFamily="34" charset="0"/>
+              </a:rPr>
+              <a:t>2</a:t>
+            </a:r>
+          </a:p>
+        </p:txBody>
+      </p:sp>
+      <p:sp>
+        <p:nvSpPr>
+          <p:cNvPr id="31" name="Rectangle: Rounded Corners 30">
+            <a:extLst>
+              <a:ext uri="{FF2B5EF4-FFF2-40B4-BE49-F238E27FC236}">
+                <a16:creationId xmlns:a16="http://schemas.microsoft.com/office/drawing/2014/main" id="{24866992-5A25-464E-B61C-579785BE618E}"/>
+              </a:ext>
+            </a:extLst>
+          </p:cNvPr>
+          <p:cNvSpPr/>
+          <p:nvPr/>
+        </p:nvSpPr>
+        <p:spPr>
+          <a:xfrm>
+            <a:off x="4013234" y="2037357"/>
+            <a:ext cx="7677725" cy="583036"/>
+          </a:xfrm>
+          <a:prstGeom prst="roundRect">
+            <a:avLst/>
+          </a:prstGeom>
+        </p:spPr>
+        <p:style>
+          <a:lnRef idx="2">
+            <a:schemeClr val="accent1">
+              <a:shade val="50000"/>
+            </a:schemeClr>
+          </a:lnRef>
+          <a:fillRef idx="1">
+            <a:schemeClr val="accent1"/>
+          </a:fillRef>
+          <a:effectRef idx="0">
+            <a:schemeClr val="accent1"/>
+          </a:effectRef>
+          <a:fontRef idx="minor">
+            <a:schemeClr val="lt1"/>
+          </a:fontRef>
+        </p:style>
+        <p:txBody>
+          <a:bodyPr rtlCol="0" anchor="ctr"/>
+          <a:lstStyle/>
+          <a:p>
+            <a:pPr algn="ctr"/>
+            <a:r>
+              <a:rPr lang="en-US" sz="2400" b="1" dirty="0">
+                <a:solidFill>
+                  <a:schemeClr val="tx1"/>
+                </a:solidFill>
+                <a:latin typeface="Arial" panose="020B0604020202020204" pitchFamily="34" charset="0"/>
+                <a:cs typeface="Arial" panose="020B0604020202020204" pitchFamily="34" charset="0"/>
+              </a:rPr>
+              <a:t>Introduction To SATS</a:t>
+            </a:r>
+          </a:p>
+        </p:txBody>
+      </p:sp>
+      <p:sp>
+        <p:nvSpPr>
+          <p:cNvPr id="23" name="Oval 22">
+            <a:extLst>
+              <a:ext uri="{FF2B5EF4-FFF2-40B4-BE49-F238E27FC236}">
+                <a16:creationId xmlns:a16="http://schemas.microsoft.com/office/drawing/2014/main" id="{87E32ED1-BDD1-4556-BE60-60AAA4054732}"/>
+              </a:ext>
+            </a:extLst>
+          </p:cNvPr>
+          <p:cNvSpPr/>
+          <p:nvPr/>
+        </p:nvSpPr>
+        <p:spPr>
+          <a:xfrm>
+            <a:off x="4092033" y="2097250"/>
+            <a:ext cx="547082" cy="469783"/>
+          </a:xfrm>
+          <a:prstGeom prst="ellipse">
+            <a:avLst/>
+          </a:prstGeom>
+        </p:spPr>
+        <p:style>
+          <a:lnRef idx="2">
+            <a:schemeClr val="dk1"/>
+          </a:lnRef>
+          <a:fillRef idx="1">
+            <a:schemeClr val="lt1"/>
+          </a:fillRef>
+          <a:effectRef idx="0">
+            <a:schemeClr val="dk1"/>
+          </a:effectRef>
+          <a:fontRef idx="minor">
+            <a:schemeClr val="dk1"/>
+          </a:fontRef>
+        </p:style>
+        <p:txBody>
+          <a:bodyPr rtlCol="0" anchor="ctr"/>
+          <a:lstStyle/>
+          <a:p>
+            <a:pPr algn="ctr"/>
+            <a:r>
+              <a:rPr lang="en-US" sz="3200" b="1" dirty="0">
+                <a:latin typeface="Arial" panose="020B0604020202020204" pitchFamily="34" charset="0"/>
+                <a:cs typeface="Arial" panose="020B0604020202020204" pitchFamily="34" charset="0"/>
+              </a:rPr>
+              <a:t>3</a:t>
+            </a:r>
+          </a:p>
+        </p:txBody>
+      </p:sp>
+      <p:sp>
+        <p:nvSpPr>
+          <p:cNvPr id="32" name="Rectangle: Rounded Corners 31">
+            <a:extLst>
+              <a:ext uri="{FF2B5EF4-FFF2-40B4-BE49-F238E27FC236}">
+                <a16:creationId xmlns:a16="http://schemas.microsoft.com/office/drawing/2014/main" id="{B2160D19-0DD2-4B53-A664-04F7A43C2596}"/>
+              </a:ext>
+            </a:extLst>
+          </p:cNvPr>
+          <p:cNvSpPr/>
+          <p:nvPr/>
+        </p:nvSpPr>
+        <p:spPr>
+          <a:xfrm>
+            <a:off x="4013234" y="2927087"/>
+            <a:ext cx="7677725" cy="583036"/>
+          </a:xfrm>
+          <a:prstGeom prst="roundRect">
+            <a:avLst/>
+          </a:prstGeom>
+        </p:spPr>
+        <p:style>
+          <a:lnRef idx="2">
+            <a:schemeClr val="accent1">
+              <a:shade val="50000"/>
+            </a:schemeClr>
+          </a:lnRef>
+          <a:fillRef idx="1">
+            <a:schemeClr val="accent1"/>
+          </a:fillRef>
+          <a:effectRef idx="0">
+            <a:schemeClr val="accent1"/>
+          </a:effectRef>
+          <a:fontRef idx="minor">
+            <a:schemeClr val="lt1"/>
+          </a:fontRef>
+        </p:style>
+        <p:txBody>
+          <a:bodyPr rtlCol="0" anchor="ctr"/>
+          <a:lstStyle/>
+          <a:p>
+            <a:pPr algn="ctr"/>
+            <a:r>
+              <a:rPr lang="en-US" sz="2400" b="1" dirty="0">
+                <a:solidFill>
+                  <a:schemeClr val="tx1"/>
+                </a:solidFill>
+                <a:latin typeface="Arial" panose="020B0604020202020204" pitchFamily="34" charset="0"/>
+                <a:cs typeface="Arial" panose="020B0604020202020204" pitchFamily="34" charset="0"/>
+              </a:rPr>
+              <a:t>Introduction To SATS</a:t>
+            </a:r>
+          </a:p>
+        </p:txBody>
+      </p:sp>
+      <p:sp>
+        <p:nvSpPr>
+          <p:cNvPr id="25" name="Oval 24">
+            <a:extLst>
+              <a:ext uri="{FF2B5EF4-FFF2-40B4-BE49-F238E27FC236}">
+                <a16:creationId xmlns:a16="http://schemas.microsoft.com/office/drawing/2014/main" id="{070DD079-C452-4889-B52C-C974F6372314}"/>
+              </a:ext>
+            </a:extLst>
+          </p:cNvPr>
+          <p:cNvSpPr/>
+          <p:nvPr/>
+        </p:nvSpPr>
+        <p:spPr>
+          <a:xfrm>
+            <a:off x="4105516" y="2944540"/>
+            <a:ext cx="547082" cy="469783"/>
+          </a:xfrm>
+          <a:prstGeom prst="ellipse">
+            <a:avLst/>
+          </a:prstGeom>
+        </p:spPr>
+        <p:style>
+          <a:lnRef idx="2">
+            <a:schemeClr val="dk1"/>
+          </a:lnRef>
+          <a:fillRef idx="1">
+            <a:schemeClr val="lt1"/>
+          </a:fillRef>
+          <a:effectRef idx="0">
+            <a:schemeClr val="dk1"/>
+          </a:effectRef>
+          <a:fontRef idx="minor">
+            <a:schemeClr val="dk1"/>
+          </a:fontRef>
+        </p:style>
+        <p:txBody>
+          <a:bodyPr rtlCol="0" anchor="ctr"/>
+          <a:lstStyle/>
+          <a:p>
+            <a:pPr algn="ctr"/>
+            <a:r>
+              <a:rPr lang="en-US" sz="3200" b="1" dirty="0">
+                <a:latin typeface="Arial" panose="020B0604020202020204" pitchFamily="34" charset="0"/>
+                <a:cs typeface="Arial" panose="020B0604020202020204" pitchFamily="34" charset="0"/>
+              </a:rPr>
+              <a:t>4</a:t>
+            </a:r>
+          </a:p>
+        </p:txBody>
+      </p:sp>
+      <p:sp>
+        <p:nvSpPr>
+          <p:cNvPr id="33" name="Rectangle: Rounded Corners 32">
+            <a:extLst>
+              <a:ext uri="{FF2B5EF4-FFF2-40B4-BE49-F238E27FC236}">
+                <a16:creationId xmlns:a16="http://schemas.microsoft.com/office/drawing/2014/main" id="{891006D7-EA72-4F71-B147-710197CB3583}"/>
+              </a:ext>
+            </a:extLst>
+          </p:cNvPr>
+          <p:cNvSpPr/>
+          <p:nvPr/>
+        </p:nvSpPr>
+        <p:spPr>
+          <a:xfrm>
+            <a:off x="4013233" y="3697706"/>
+            <a:ext cx="7677725" cy="583036"/>
+          </a:xfrm>
+          <a:prstGeom prst="roundRect">
+            <a:avLst/>
+          </a:prstGeom>
+        </p:spPr>
+        <p:style>
+          <a:lnRef idx="2">
+            <a:schemeClr val="accent1">
+              <a:shade val="50000"/>
+            </a:schemeClr>
+          </a:lnRef>
+          <a:fillRef idx="1">
+            <a:schemeClr val="accent1"/>
+          </a:fillRef>
+          <a:effectRef idx="0">
+            <a:schemeClr val="accent1"/>
+          </a:effectRef>
+          <a:fontRef idx="minor">
+            <a:schemeClr val="lt1"/>
+          </a:fontRef>
+        </p:style>
+        <p:txBody>
+          <a:bodyPr rtlCol="0" anchor="ctr"/>
+          <a:lstStyle/>
+          <a:p>
+            <a:pPr algn="ctr"/>
+            <a:r>
+              <a:rPr lang="en-US" sz="2400" b="1" dirty="0">
+                <a:solidFill>
+                  <a:schemeClr val="tx1"/>
+                </a:solidFill>
+                <a:latin typeface="Arial" panose="020B0604020202020204" pitchFamily="34" charset="0"/>
+                <a:cs typeface="Arial" panose="020B0604020202020204" pitchFamily="34" charset="0"/>
+              </a:rPr>
+              <a:t>Introduction To SATS</a:t>
+            </a:r>
+          </a:p>
+        </p:txBody>
+      </p:sp>
+      <p:sp>
+        <p:nvSpPr>
+          <p:cNvPr id="24" name="Oval 23">
+            <a:extLst>
+              <a:ext uri="{FF2B5EF4-FFF2-40B4-BE49-F238E27FC236}">
+                <a16:creationId xmlns:a16="http://schemas.microsoft.com/office/drawing/2014/main" id="{710F38CD-AB08-42AA-AFAC-ADF2C84B1C08}"/>
+              </a:ext>
+            </a:extLst>
+          </p:cNvPr>
+          <p:cNvSpPr/>
+          <p:nvPr/>
+        </p:nvSpPr>
+        <p:spPr>
+          <a:xfrm>
+            <a:off x="4134874" y="3758274"/>
+            <a:ext cx="547082" cy="469783"/>
+          </a:xfrm>
+          <a:prstGeom prst="ellipse">
+            <a:avLst/>
+          </a:prstGeom>
+        </p:spPr>
+        <p:style>
+          <a:lnRef idx="2">
+            <a:schemeClr val="dk1"/>
+          </a:lnRef>
+          <a:fillRef idx="1">
+            <a:schemeClr val="lt1"/>
+          </a:fillRef>
+          <a:effectRef idx="0">
+            <a:schemeClr val="dk1"/>
+          </a:effectRef>
+          <a:fontRef idx="minor">
+            <a:schemeClr val="dk1"/>
+          </a:fontRef>
+        </p:style>
+        <p:txBody>
+          <a:bodyPr rtlCol="0" anchor="ctr"/>
+          <a:lstStyle/>
+          <a:p>
+            <a:pPr algn="ctr"/>
+            <a:r>
+              <a:rPr lang="en-US" sz="3200" b="1" dirty="0">
+                <a:latin typeface="Arial" panose="020B0604020202020204" pitchFamily="34" charset="0"/>
+                <a:cs typeface="Arial" panose="020B0604020202020204" pitchFamily="34" charset="0"/>
+              </a:rPr>
+              <a:t>5</a:t>
+            </a:r>
+          </a:p>
+        </p:txBody>
+      </p:sp>
+      <p:sp>
+        <p:nvSpPr>
+          <p:cNvPr id="34" name="Rectangle: Rounded Corners 33">
+            <a:extLst>
+              <a:ext uri="{FF2B5EF4-FFF2-40B4-BE49-F238E27FC236}">
+                <a16:creationId xmlns:a16="http://schemas.microsoft.com/office/drawing/2014/main" id="{9FDCC7E9-0182-48FD-91E0-F9528CBC45D3}"/>
+              </a:ext>
+            </a:extLst>
+          </p:cNvPr>
+          <p:cNvSpPr/>
+          <p:nvPr/>
+        </p:nvSpPr>
+        <p:spPr>
+          <a:xfrm>
+            <a:off x="4013233" y="4532159"/>
+            <a:ext cx="7677725" cy="583036"/>
+          </a:xfrm>
+          <a:prstGeom prst="roundRect">
+            <a:avLst/>
+          </a:prstGeom>
+        </p:spPr>
+        <p:style>
+          <a:lnRef idx="2">
+            <a:schemeClr val="accent1">
+              <a:shade val="50000"/>
+            </a:schemeClr>
+          </a:lnRef>
+          <a:fillRef idx="1">
+            <a:schemeClr val="accent1"/>
+          </a:fillRef>
+          <a:effectRef idx="0">
+            <a:schemeClr val="accent1"/>
+          </a:effectRef>
+          <a:fontRef idx="minor">
+            <a:schemeClr val="lt1"/>
+          </a:fontRef>
+        </p:style>
+        <p:txBody>
+          <a:bodyPr rtlCol="0" anchor="ctr"/>
+          <a:lstStyle/>
+          <a:p>
+            <a:pPr algn="ctr"/>
+            <a:r>
+              <a:rPr lang="en-US" sz="2400" b="1" dirty="0">
+                <a:solidFill>
+                  <a:schemeClr val="tx1"/>
+                </a:solidFill>
+                <a:latin typeface="Arial" panose="020B0604020202020204" pitchFamily="34" charset="0"/>
+                <a:cs typeface="Arial" panose="020B0604020202020204" pitchFamily="34" charset="0"/>
+              </a:rPr>
+              <a:t>Introduction To SATS</a:t>
+            </a:r>
+          </a:p>
+        </p:txBody>
+      </p:sp>
+      <p:sp>
+        <p:nvSpPr>
+          <p:cNvPr id="22" name="Oval 21">
+            <a:extLst>
+              <a:ext uri="{FF2B5EF4-FFF2-40B4-BE49-F238E27FC236}">
+                <a16:creationId xmlns:a16="http://schemas.microsoft.com/office/drawing/2014/main" id="{DF469DCE-1D47-428C-B082-4E57A24682E8}"/>
+              </a:ext>
+            </a:extLst>
+          </p:cNvPr>
+          <p:cNvSpPr/>
+          <p:nvPr/>
+        </p:nvSpPr>
+        <p:spPr>
+          <a:xfrm>
+            <a:off x="4139570" y="4588786"/>
+            <a:ext cx="547082" cy="469783"/>
+          </a:xfrm>
+          <a:prstGeom prst="ellipse">
+            <a:avLst/>
+          </a:prstGeom>
+        </p:spPr>
+        <p:style>
+          <a:lnRef idx="2">
+            <a:schemeClr val="dk1"/>
+          </a:lnRef>
+          <a:fillRef idx="1">
+            <a:schemeClr val="lt1"/>
+          </a:fillRef>
+          <a:effectRef idx="0">
+            <a:schemeClr val="dk1"/>
+          </a:effectRef>
+          <a:fontRef idx="minor">
+            <a:schemeClr val="dk1"/>
+          </a:fontRef>
+        </p:style>
+        <p:txBody>
+          <a:bodyPr rtlCol="0" anchor="ctr"/>
+          <a:lstStyle/>
+          <a:p>
+            <a:pPr algn="ctr"/>
+            <a:r>
+              <a:rPr lang="en-US" sz="3200" b="1" dirty="0">
+                <a:latin typeface="Arial" panose="020B0604020202020204" pitchFamily="34" charset="0"/>
+                <a:cs typeface="Arial" panose="020B0604020202020204" pitchFamily="34" charset="0"/>
+              </a:rPr>
+              <a:t>6</a:t>
+            </a:r>
+          </a:p>
+        </p:txBody>
+      </p:sp>
+      <p:pic>
+        <p:nvPicPr>
+          <p:cNvPr id="28" name="Picture 27" descr="A picture containing drawing&#10;&#10;Description automatically generated">
+            <a:extLst>
+              <a:ext uri="{FF2B5EF4-FFF2-40B4-BE49-F238E27FC236}">
+                <a16:creationId xmlns:a16="http://schemas.microsoft.com/office/drawing/2014/main" id="{B1FB34BB-937E-4ACB-9CCB-DD01B0A76610}"/>
+              </a:ext>
+            </a:extLst>
+          </p:cNvPr>
+          <p:cNvPicPr>
+            <a:picLocks noChangeAspect="1"/>
+          </p:cNvPicPr>
+          <p:nvPr/>
+        </p:nvPicPr>
+        <p:blipFill>
+          <a:blip r:embed="rId4">
+            <a:extLst>
+              <a:ext uri="{28A0092B-C50C-407E-A947-70E740481C1C}">
+                <a14:useLocalDpi xmlns:a14="http://schemas.microsoft.com/office/drawing/2010/main" val="0"/>
+              </a:ext>
+            </a:extLst>
+          </a:blip>
+          <a:stretch>
+            <a:fillRect/>
+          </a:stretch>
+        </p:blipFill>
+        <p:spPr>
+          <a:xfrm>
+            <a:off x="11022887" y="1228068"/>
+            <a:ext cx="612395" cy="528509"/>
+          </a:xfrm>
+          <a:prstGeom prst="rect">
+            <a:avLst/>
+          </a:prstGeom>
+        </p:spPr>
+      </p:pic>
+    </p:spTree>
+    <p:extLst>
+      <p:ext uri="{BB962C8B-B14F-4D97-AF65-F5344CB8AC3E}">
+        <p14:creationId xmlns:p14="http://schemas.microsoft.com/office/powerpoint/2010/main" val="4237941569"/>
       </p:ext>
     </p:extLst>
   </p:cSld>

--- a/ProjectPhases/Project-Phase-03-CS310-F-171.pptx
+++ b/ProjectPhases/Project-Phase-03-CS310-F-171.pptx
@@ -15,6 +15,16 @@
     <p:sldId id="264" r:id="rId9"/>
     <p:sldId id="266" r:id="rId10"/>
     <p:sldId id="265" r:id="rId11"/>
+    <p:sldId id="267" r:id="rId12"/>
+    <p:sldId id="268" r:id="rId13"/>
+    <p:sldId id="269" r:id="rId14"/>
+    <p:sldId id="270" r:id="rId15"/>
+    <p:sldId id="272" r:id="rId16"/>
+    <p:sldId id="271" r:id="rId17"/>
+    <p:sldId id="273" r:id="rId18"/>
+    <p:sldId id="274" r:id="rId19"/>
+    <p:sldId id="275" r:id="rId20"/>
+    <p:sldId id="276" r:id="rId21"/>
   </p:sldIdLst>
   <p:sldSz cx="12192000" cy="6858000"/>
   <p:notesSz cx="6858000" cy="9144000"/>
@@ -2257,7 +2267,7 @@
           <a:p>
             <a:fld id="{9184DA70-C731-4C70-880D-CCD4705E623C}" type="datetime1">
               <a:rPr lang="en-US" smtClean="0"/>
-              <a:t>4/16/2020</a:t>
+              <a:t>4/17/2020</a:t>
             </a:fld>
             <a:endParaRPr lang="en-US" dirty="0"/>
           </a:p>
@@ -2445,7 +2455,7 @@
           <a:p>
             <a:fld id="{B612A279-0833-481D-8C56-F67FD0AC6C50}" type="datetime1">
               <a:rPr lang="en-US" smtClean="0"/>
-              <a:t>4/16/2020</a:t>
+              <a:t>4/17/2020</a:t>
             </a:fld>
             <a:endParaRPr lang="en-US" dirty="0"/>
           </a:p>
@@ -2687,7 +2697,7 @@
           <a:p>
             <a:fld id="{6587DA83-5663-4C9C-B9AA-0B40A3DAFF81}" type="datetime1">
               <a:rPr lang="en-US" smtClean="0"/>
-              <a:t>4/16/2020</a:t>
+              <a:t>4/17/2020</a:t>
             </a:fld>
             <a:endParaRPr lang="en-US" dirty="0"/>
           </a:p>
@@ -2875,7 +2885,7 @@
           <a:p>
             <a:fld id="{4BE1D723-8F53-4F53-90B0-1982A396982E}" type="datetime1">
               <a:rPr lang="en-US" smtClean="0"/>
-              <a:t>4/16/2020</a:t>
+              <a:t>4/17/2020</a:t>
             </a:fld>
             <a:endParaRPr lang="en-US" dirty="0"/>
           </a:p>
@@ -3248,7 +3258,7 @@
           <a:p>
             <a:fld id="{97669AF7-7BEB-44E4-9852-375E34362B5B}" type="datetime1">
               <a:rPr lang="en-US" smtClean="0"/>
-              <a:t>4/16/2020</a:t>
+              <a:t>4/17/2020</a:t>
             </a:fld>
             <a:endParaRPr lang="en-US" dirty="0"/>
           </a:p>
@@ -3503,7 +3513,7 @@
           <a:p>
             <a:fld id="{BAAAC38D-0552-4C82-B593-E6124DFADBE2}" type="datetime1">
               <a:rPr lang="en-US" smtClean="0"/>
-              <a:t>4/16/2020</a:t>
+              <a:t>4/17/2020</a:t>
             </a:fld>
             <a:endParaRPr lang="en-US" dirty="0"/>
           </a:p>
@@ -3900,7 +3910,7 @@
           <a:p>
             <a:fld id="{D9DF0F1C-5577-4ACB-BB62-DF8F3C494C7E}" type="datetime1">
               <a:rPr lang="en-US" smtClean="0"/>
-              <a:t>4/16/2020</a:t>
+              <a:t>4/17/2020</a:t>
             </a:fld>
             <a:endParaRPr lang="en-US" dirty="0"/>
           </a:p>
@@ -4036,7 +4046,7 @@
           <a:p>
             <a:fld id="{1775B394-D9F9-4F0C-B15D-605F45CB9E9F}" type="datetime1">
               <a:rPr lang="en-US" smtClean="0"/>
-              <a:t>4/16/2020</a:t>
+              <a:t>4/17/2020</a:t>
             </a:fld>
             <a:endParaRPr lang="en-US" dirty="0"/>
           </a:p>
@@ -4193,7 +4203,7 @@
           <a:p>
             <a:fld id="{39667345-2558-425A-8533-9BFDBCE15005}" type="datetime1">
               <a:rPr lang="en-US" smtClean="0"/>
-              <a:t>4/16/2020</a:t>
+              <a:t>4/17/2020</a:t>
             </a:fld>
             <a:endParaRPr lang="en-US" dirty="0"/>
           </a:p>
@@ -4522,7 +4532,7 @@
           <a:p>
             <a:fld id="{92BEA474-078D-4E9B-9B14-09A87B19DC46}" type="datetime1">
               <a:rPr lang="en-US" smtClean="0"/>
-              <a:t>4/16/2020</a:t>
+              <a:t>4/17/2020</a:t>
             </a:fld>
             <a:endParaRPr lang="en-US" dirty="0"/>
           </a:p>
@@ -4872,7 +4882,7 @@
           <a:p>
             <a:fld id="{4907D986-8816-4272-A432-0437A28A9828}" type="datetime1">
               <a:rPr lang="en-US" smtClean="0"/>
-              <a:t>4/16/2020</a:t>
+              <a:t>4/17/2020</a:t>
             </a:fld>
             <a:endParaRPr lang="en-US" dirty="0"/>
           </a:p>
@@ -5133,7 +5143,7 @@
           <a:p>
             <a:fld id="{62D6E202-B606-4609-B914-27C9371A1F6D}" type="datetime1">
               <a:rPr lang="en-US" smtClean="0"/>
-              <a:t>4/16/2020</a:t>
+              <a:t>4/17/2020</a:t>
             </a:fld>
             <a:endParaRPr lang="en-US" dirty="0"/>
           </a:p>
@@ -5876,45 +5886,6 @@
           </a:p>
         </p:txBody>
       </p:sp>
-      <p:sp>
-        <p:nvSpPr>
-          <p:cNvPr id="7" name="TextBox 6">
-            <a:extLst>
-              <a:ext uri="{FF2B5EF4-FFF2-40B4-BE49-F238E27FC236}">
-                <a16:creationId xmlns:a16="http://schemas.microsoft.com/office/drawing/2014/main" id="{DEFB70A6-540E-4C05-9201-0F66297EF0C0}"/>
-              </a:ext>
-            </a:extLst>
-          </p:cNvPr>
-          <p:cNvSpPr txBox="1"/>
-          <p:nvPr/>
-        </p:nvSpPr>
-        <p:spPr>
-          <a:xfrm>
-            <a:off x="-1099128" y="1748133"/>
-            <a:ext cx="5181600" cy="461665"/>
-          </a:xfrm>
-          <a:prstGeom prst="rect">
-            <a:avLst/>
-          </a:prstGeom>
-          <a:noFill/>
-        </p:spPr>
-        <p:txBody>
-          <a:bodyPr wrap="square" rtlCol="0">
-            <a:spAutoFit/>
-          </a:bodyPr>
-          <a:lstStyle/>
-          <a:p>
-            <a:pPr algn="ctr"/>
-            <a:r>
-              <a:rPr lang="en-US" sz="2400" b="1" dirty="0">
-                <a:latin typeface="Arial" panose="020B0604020202020204" pitchFamily="34" charset="0"/>
-                <a:cs typeface="Arial" panose="020B0604020202020204" pitchFamily="34" charset="0"/>
-              </a:rPr>
-              <a:t>SATS Requirements</a:t>
-            </a:r>
-          </a:p>
-        </p:txBody>
-      </p:sp>
       <p:pic>
         <p:nvPicPr>
           <p:cNvPr id="6" name="Picture 5" descr="A close up of a logo&#10;&#10;Description automatically generated">
@@ -6221,7 +6192,7 @@
         </p:blipFill>
         <p:spPr>
           <a:xfrm>
-            <a:off x="3131121" y="2481784"/>
+            <a:off x="3186542" y="4764418"/>
             <a:ext cx="1791860" cy="1933684"/>
           </a:xfrm>
           <a:prstGeom prst="rect">
@@ -6257,7 +6228,7 @@
         </p:blipFill>
         <p:spPr>
           <a:xfrm>
-            <a:off x="3131121" y="4717554"/>
+            <a:off x="3218858" y="2496834"/>
             <a:ext cx="1985824" cy="1933685"/>
           </a:xfrm>
           <a:prstGeom prst="rect">
@@ -6324,7 +6295,7 @@
         </p:nvSpPr>
         <p:spPr>
           <a:xfrm>
-            <a:off x="5689600" y="3076970"/>
+            <a:off x="5606472" y="5440595"/>
             <a:ext cx="5828145" cy="646331"/>
           </a:xfrm>
           <a:prstGeom prst="rect">
@@ -6369,7 +6340,7 @@
         </p:nvSpPr>
         <p:spPr>
           <a:xfrm>
-            <a:off x="5689600" y="5269595"/>
+            <a:off x="5689599" y="3002011"/>
             <a:ext cx="4978412" cy="923330"/>
           </a:xfrm>
           <a:prstGeom prst="rect">
@@ -6404,10 +6375,5116 @@
           </a:p>
         </p:txBody>
       </p:sp>
+      <p:sp>
+        <p:nvSpPr>
+          <p:cNvPr id="7" name="TextBox 6">
+            <a:extLst>
+              <a:ext uri="{FF2B5EF4-FFF2-40B4-BE49-F238E27FC236}">
+                <a16:creationId xmlns:a16="http://schemas.microsoft.com/office/drawing/2014/main" id="{DEFB70A6-540E-4C05-9201-0F66297EF0C0}"/>
+              </a:ext>
+            </a:extLst>
+          </p:cNvPr>
+          <p:cNvSpPr txBox="1"/>
+          <p:nvPr/>
+        </p:nvSpPr>
+        <p:spPr>
+          <a:xfrm>
+            <a:off x="-1099128" y="1748133"/>
+            <a:ext cx="5181600" cy="954107"/>
+          </a:xfrm>
+          <a:prstGeom prst="rect">
+            <a:avLst/>
+          </a:prstGeom>
+          <a:noFill/>
+        </p:spPr>
+        <p:txBody>
+          <a:bodyPr wrap="square" rtlCol="0">
+            <a:spAutoFit/>
+          </a:bodyPr>
+          <a:lstStyle/>
+          <a:p>
+            <a:pPr algn="ctr"/>
+            <a:r>
+              <a:rPr lang="en-US" sz="2800" b="1" dirty="0">
+                <a:latin typeface="Arial" panose="020B0604020202020204" pitchFamily="34" charset="0"/>
+                <a:cs typeface="Arial" panose="020B0604020202020204" pitchFamily="34" charset="0"/>
+              </a:rPr>
+              <a:t>SATS Functional Requirements</a:t>
+            </a:r>
+          </a:p>
+        </p:txBody>
+      </p:sp>
     </p:spTree>
     <p:extLst>
       <p:ext uri="{BB962C8B-B14F-4D97-AF65-F5344CB8AC3E}">
         <p14:creationId xmlns:p14="http://schemas.microsoft.com/office/powerpoint/2010/main" val="4218143676"/>
+      </p:ext>
+    </p:extLst>
+  </p:cSld>
+  <p:clrMapOvr>
+    <a:masterClrMapping/>
+  </p:clrMapOvr>
+</p:sld>
+</file>
+
+<file path=ppt/slides/slide11.xml><?xml version="1.0" encoding="utf-8"?>
+<p:sld xmlns:a="http://schemas.openxmlformats.org/drawingml/2006/main" xmlns:r="http://schemas.openxmlformats.org/officeDocument/2006/relationships" xmlns:p="http://schemas.openxmlformats.org/presentationml/2006/main">
+  <p:cSld>
+    <p:spTree>
+      <p:nvGrpSpPr>
+        <p:cNvPr id="1" name=""/>
+        <p:cNvGrpSpPr/>
+        <p:nvPr/>
+      </p:nvGrpSpPr>
+      <p:grpSpPr>
+        <a:xfrm>
+          <a:off x="0" y="0"/>
+          <a:ext cx="0" cy="0"/>
+          <a:chOff x="0" y="0"/>
+          <a:chExt cx="0" cy="0"/>
+        </a:xfrm>
+      </p:grpSpPr>
+      <p:sp>
+        <p:nvSpPr>
+          <p:cNvPr id="2" name="Rectangle 1">
+            <a:extLst>
+              <a:ext uri="{FF2B5EF4-FFF2-40B4-BE49-F238E27FC236}">
+                <a16:creationId xmlns:a16="http://schemas.microsoft.com/office/drawing/2014/main" id="{1DCAEBAE-A405-46C3-9EC1-01E88C229DCF}"/>
+              </a:ext>
+            </a:extLst>
+          </p:cNvPr>
+          <p:cNvSpPr/>
+          <p:nvPr/>
+        </p:nvSpPr>
+        <p:spPr>
+          <a:xfrm>
+            <a:off x="1" y="0"/>
+            <a:ext cx="3288484" cy="6858000"/>
+          </a:xfrm>
+          <a:prstGeom prst="rect">
+            <a:avLst/>
+          </a:prstGeom>
+        </p:spPr>
+        <p:style>
+          <a:lnRef idx="2">
+            <a:schemeClr val="accent1">
+              <a:shade val="50000"/>
+            </a:schemeClr>
+          </a:lnRef>
+          <a:fillRef idx="1">
+            <a:schemeClr val="accent1"/>
+          </a:fillRef>
+          <a:effectRef idx="0">
+            <a:schemeClr val="accent1"/>
+          </a:effectRef>
+          <a:fontRef idx="minor">
+            <a:schemeClr val="lt1"/>
+          </a:fontRef>
+        </p:style>
+        <p:txBody>
+          <a:bodyPr rtlCol="0" anchor="ctr"/>
+          <a:lstStyle/>
+          <a:p>
+            <a:pPr algn="ctr"/>
+            <a:endParaRPr lang="en-US" dirty="0"/>
+          </a:p>
+        </p:txBody>
+      </p:sp>
+      <p:sp>
+        <p:nvSpPr>
+          <p:cNvPr id="3" name="Rectangle 2">
+            <a:extLst>
+              <a:ext uri="{FF2B5EF4-FFF2-40B4-BE49-F238E27FC236}">
+                <a16:creationId xmlns:a16="http://schemas.microsoft.com/office/drawing/2014/main" id="{DD2EB3AD-6D95-4439-92D6-88BFBF74F1F5}"/>
+              </a:ext>
+            </a:extLst>
+          </p:cNvPr>
+          <p:cNvSpPr/>
+          <p:nvPr/>
+        </p:nvSpPr>
+        <p:spPr>
+          <a:xfrm>
+            <a:off x="3288485" y="0"/>
+            <a:ext cx="8903516" cy="6858000"/>
+          </a:xfrm>
+          <a:prstGeom prst="rect">
+            <a:avLst/>
+          </a:prstGeom>
+          <a:solidFill>
+            <a:schemeClr val="accent1">
+              <a:lumMod val="40000"/>
+              <a:lumOff val="60000"/>
+            </a:schemeClr>
+          </a:solidFill>
+        </p:spPr>
+        <p:style>
+          <a:lnRef idx="2">
+            <a:schemeClr val="accent1">
+              <a:shade val="50000"/>
+            </a:schemeClr>
+          </a:lnRef>
+          <a:fillRef idx="1">
+            <a:schemeClr val="accent1"/>
+          </a:fillRef>
+          <a:effectRef idx="0">
+            <a:schemeClr val="accent1"/>
+          </a:effectRef>
+          <a:fontRef idx="minor">
+            <a:schemeClr val="lt1"/>
+          </a:fontRef>
+        </p:style>
+        <p:txBody>
+          <a:bodyPr rtlCol="0" anchor="ctr"/>
+          <a:lstStyle/>
+          <a:p>
+            <a:pPr algn="ctr"/>
+            <a:endParaRPr lang="en-US"/>
+          </a:p>
+        </p:txBody>
+      </p:sp>
+      <p:sp>
+        <p:nvSpPr>
+          <p:cNvPr id="4" name="TextBox 3">
+            <a:extLst>
+              <a:ext uri="{FF2B5EF4-FFF2-40B4-BE49-F238E27FC236}">
+                <a16:creationId xmlns:a16="http://schemas.microsoft.com/office/drawing/2014/main" id="{41C66008-054D-40E4-A449-2275D37AD1E3}"/>
+              </a:ext>
+            </a:extLst>
+          </p:cNvPr>
+          <p:cNvSpPr txBox="1"/>
+          <p:nvPr/>
+        </p:nvSpPr>
+        <p:spPr>
+          <a:xfrm>
+            <a:off x="-306198" y="1543575"/>
+            <a:ext cx="3900880" cy="830997"/>
+          </a:xfrm>
+          <a:prstGeom prst="rect">
+            <a:avLst/>
+          </a:prstGeom>
+          <a:noFill/>
+        </p:spPr>
+        <p:txBody>
+          <a:bodyPr wrap="square" rtlCol="0">
+            <a:spAutoFit/>
+          </a:bodyPr>
+          <a:lstStyle/>
+          <a:p>
+            <a:pPr algn="ctr"/>
+            <a:r>
+              <a:rPr lang="en-US" sz="2400" b="1" dirty="0">
+                <a:latin typeface="Arial" panose="020B0604020202020204" pitchFamily="34" charset="0"/>
+                <a:cs typeface="Arial" panose="020B0604020202020204" pitchFamily="34" charset="0"/>
+              </a:rPr>
+              <a:t>SATS Non-Functional Requirement </a:t>
+            </a:r>
+          </a:p>
+        </p:txBody>
+      </p:sp>
+      <p:pic>
+        <p:nvPicPr>
+          <p:cNvPr id="6" name="Picture 5" descr="A picture containing drawing, computer&#10;&#10;Description automatically generated">
+            <a:extLst>
+              <a:ext uri="{FF2B5EF4-FFF2-40B4-BE49-F238E27FC236}">
+                <a16:creationId xmlns:a16="http://schemas.microsoft.com/office/drawing/2014/main" id="{6437E171-2AD1-49FD-BEFB-7ECFEAF86159}"/>
+              </a:ext>
+            </a:extLst>
+          </p:cNvPr>
+          <p:cNvPicPr>
+            <a:picLocks noChangeAspect="1"/>
+          </p:cNvPicPr>
+          <p:nvPr/>
+        </p:nvPicPr>
+        <p:blipFill>
+          <a:blip r:embed="rId2">
+            <a:extLst>
+              <a:ext uri="{28A0092B-C50C-407E-A947-70E740481C1C}">
+                <a14:useLocalDpi xmlns:a14="http://schemas.microsoft.com/office/drawing/2010/main" val="0"/>
+              </a:ext>
+            </a:extLst>
+          </a:blip>
+          <a:stretch>
+            <a:fillRect/>
+          </a:stretch>
+        </p:blipFill>
+        <p:spPr>
+          <a:xfrm>
+            <a:off x="243282" y="2860645"/>
+            <a:ext cx="2554447" cy="2516697"/>
+          </a:xfrm>
+          <a:prstGeom prst="rect">
+            <a:avLst/>
+          </a:prstGeom>
+        </p:spPr>
+      </p:pic>
+      <p:pic>
+        <p:nvPicPr>
+          <p:cNvPr id="8" name="Picture 7" descr="A picture containing drawing&#10;&#10;Description automatically generated">
+            <a:extLst>
+              <a:ext uri="{FF2B5EF4-FFF2-40B4-BE49-F238E27FC236}">
+                <a16:creationId xmlns:a16="http://schemas.microsoft.com/office/drawing/2014/main" id="{1C179B45-3431-46E6-91D5-21AB44AD9621}"/>
+              </a:ext>
+            </a:extLst>
+          </p:cNvPr>
+          <p:cNvPicPr>
+            <a:picLocks noChangeAspect="1"/>
+          </p:cNvPicPr>
+          <p:nvPr/>
+        </p:nvPicPr>
+        <p:blipFill>
+          <a:blip r:embed="rId3">
+            <a:extLst>
+              <a:ext uri="{28A0092B-C50C-407E-A947-70E740481C1C}">
+                <a14:useLocalDpi xmlns:a14="http://schemas.microsoft.com/office/drawing/2010/main" val="0"/>
+              </a:ext>
+            </a:extLst>
+          </a:blip>
+          <a:stretch>
+            <a:fillRect/>
+          </a:stretch>
+        </p:blipFill>
+        <p:spPr>
+          <a:xfrm>
+            <a:off x="6927544" y="1146374"/>
+            <a:ext cx="1625397" cy="1625397"/>
+          </a:xfrm>
+          <a:prstGeom prst="rect">
+            <a:avLst/>
+          </a:prstGeom>
+        </p:spPr>
+      </p:pic>
+      <p:sp>
+        <p:nvSpPr>
+          <p:cNvPr id="9" name="TextBox 8">
+            <a:extLst>
+              <a:ext uri="{FF2B5EF4-FFF2-40B4-BE49-F238E27FC236}">
+                <a16:creationId xmlns:a16="http://schemas.microsoft.com/office/drawing/2014/main" id="{BAC9A316-BC6E-4D25-A4E5-1D167701BA3F}"/>
+              </a:ext>
+            </a:extLst>
+          </p:cNvPr>
+          <p:cNvSpPr txBox="1"/>
+          <p:nvPr/>
+        </p:nvSpPr>
+        <p:spPr>
+          <a:xfrm>
+            <a:off x="3921155" y="3429000"/>
+            <a:ext cx="7638176" cy="400110"/>
+          </a:xfrm>
+          <a:prstGeom prst="rect">
+            <a:avLst/>
+          </a:prstGeom>
+          <a:noFill/>
+        </p:spPr>
+        <p:txBody>
+          <a:bodyPr wrap="square" rtlCol="0">
+            <a:spAutoFit/>
+          </a:bodyPr>
+          <a:lstStyle/>
+          <a:p>
+            <a:r>
+              <a:rPr lang="en-US" sz="2000" dirty="0">
+                <a:latin typeface="Arial" panose="020B0604020202020204" pitchFamily="34" charset="0"/>
+                <a:cs typeface="Arial" panose="020B0604020202020204" pitchFamily="34" charset="0"/>
+              </a:rPr>
+              <a:t>Database with </a:t>
+            </a:r>
+            <a:r>
+              <a:rPr lang="en-US" sz="2000" b="1" dirty="0">
+                <a:latin typeface="Arial" panose="020B0604020202020204" pitchFamily="34" charset="0"/>
+                <a:cs typeface="Arial" panose="020B0604020202020204" pitchFamily="34" charset="0"/>
+              </a:rPr>
+              <a:t>good capacity </a:t>
+            </a:r>
+            <a:r>
+              <a:rPr lang="en-US" sz="2000" dirty="0">
+                <a:latin typeface="Arial" panose="020B0604020202020204" pitchFamily="34" charset="0"/>
+                <a:cs typeface="Arial" panose="020B0604020202020204" pitchFamily="34" charset="0"/>
+              </a:rPr>
+              <a:t>to store all student's information. </a:t>
+            </a:r>
+          </a:p>
+        </p:txBody>
+      </p:sp>
+    </p:spTree>
+    <p:extLst>
+      <p:ext uri="{BB962C8B-B14F-4D97-AF65-F5344CB8AC3E}">
+        <p14:creationId xmlns:p14="http://schemas.microsoft.com/office/powerpoint/2010/main" val="4030796340"/>
+      </p:ext>
+    </p:extLst>
+  </p:cSld>
+  <p:clrMapOvr>
+    <a:masterClrMapping/>
+  </p:clrMapOvr>
+</p:sld>
+</file>
+
+<file path=ppt/slides/slide12.xml><?xml version="1.0" encoding="utf-8"?>
+<p:sld xmlns:a="http://schemas.openxmlformats.org/drawingml/2006/main" xmlns:r="http://schemas.openxmlformats.org/officeDocument/2006/relationships" xmlns:p="http://schemas.openxmlformats.org/presentationml/2006/main">
+  <p:cSld>
+    <p:spTree>
+      <p:nvGrpSpPr>
+        <p:cNvPr id="1" name=""/>
+        <p:cNvGrpSpPr/>
+        <p:nvPr/>
+      </p:nvGrpSpPr>
+      <p:grpSpPr>
+        <a:xfrm>
+          <a:off x="0" y="0"/>
+          <a:ext cx="0" cy="0"/>
+          <a:chOff x="0" y="0"/>
+          <a:chExt cx="0" cy="0"/>
+        </a:xfrm>
+      </p:grpSpPr>
+      <p:sp>
+        <p:nvSpPr>
+          <p:cNvPr id="8" name="Rectangle 7">
+            <a:extLst>
+              <a:ext uri="{FF2B5EF4-FFF2-40B4-BE49-F238E27FC236}">
+                <a16:creationId xmlns:a16="http://schemas.microsoft.com/office/drawing/2014/main" id="{CB3CA986-C31B-4906-8D2B-6E0ED7A5BD32}"/>
+              </a:ext>
+            </a:extLst>
+          </p:cNvPr>
+          <p:cNvSpPr/>
+          <p:nvPr/>
+        </p:nvSpPr>
+        <p:spPr>
+          <a:xfrm>
+            <a:off x="1" y="0"/>
+            <a:ext cx="3825380" cy="6858000"/>
+          </a:xfrm>
+          <a:prstGeom prst="rect">
+            <a:avLst/>
+          </a:prstGeom>
+        </p:spPr>
+        <p:style>
+          <a:lnRef idx="2">
+            <a:schemeClr val="accent1">
+              <a:shade val="50000"/>
+            </a:schemeClr>
+          </a:lnRef>
+          <a:fillRef idx="1">
+            <a:schemeClr val="accent1"/>
+          </a:fillRef>
+          <a:effectRef idx="0">
+            <a:schemeClr val="accent1"/>
+          </a:effectRef>
+          <a:fontRef idx="minor">
+            <a:schemeClr val="lt1"/>
+          </a:fontRef>
+        </p:style>
+        <p:txBody>
+          <a:bodyPr rtlCol="0" anchor="ctr"/>
+          <a:lstStyle/>
+          <a:p>
+            <a:pPr algn="ctr"/>
+            <a:endParaRPr lang="en-US"/>
+          </a:p>
+        </p:txBody>
+      </p:sp>
+      <p:pic>
+        <p:nvPicPr>
+          <p:cNvPr id="7" name="Picture 6" descr="A picture containing clock, plate&#10;&#10;Description automatically generated">
+            <a:extLst>
+              <a:ext uri="{FF2B5EF4-FFF2-40B4-BE49-F238E27FC236}">
+                <a16:creationId xmlns:a16="http://schemas.microsoft.com/office/drawing/2014/main" id="{6E1D7C95-B202-4A00-A6B9-90819AE16BF3}"/>
+              </a:ext>
+            </a:extLst>
+          </p:cNvPr>
+          <p:cNvPicPr>
+            <a:picLocks noChangeAspect="1"/>
+          </p:cNvPicPr>
+          <p:nvPr/>
+        </p:nvPicPr>
+        <p:blipFill>
+          <a:blip r:embed="rId2">
+            <a:extLst>
+              <a:ext uri="{28A0092B-C50C-407E-A947-70E740481C1C}">
+                <a14:useLocalDpi xmlns:a14="http://schemas.microsoft.com/office/drawing/2010/main" val="0"/>
+              </a:ext>
+            </a:extLst>
+          </a:blip>
+          <a:stretch>
+            <a:fillRect/>
+          </a:stretch>
+        </p:blipFill>
+        <p:spPr>
+          <a:xfrm>
+            <a:off x="280136" y="1736521"/>
+            <a:ext cx="3020935" cy="2099849"/>
+          </a:xfrm>
+          <a:prstGeom prst="rect">
+            <a:avLst/>
+          </a:prstGeom>
+        </p:spPr>
+      </p:pic>
+      <p:pic>
+        <p:nvPicPr>
+          <p:cNvPr id="5" name="Picture 4" descr="A picture containing comb, plate&#10;&#10;Description automatically generated">
+            <a:extLst>
+              <a:ext uri="{FF2B5EF4-FFF2-40B4-BE49-F238E27FC236}">
+                <a16:creationId xmlns:a16="http://schemas.microsoft.com/office/drawing/2014/main" id="{2C0F5D0D-ED8A-499C-8710-DF749BE9834E}"/>
+              </a:ext>
+            </a:extLst>
+          </p:cNvPr>
+          <p:cNvPicPr>
+            <a:picLocks noChangeAspect="1"/>
+          </p:cNvPicPr>
+          <p:nvPr/>
+        </p:nvPicPr>
+        <p:blipFill>
+          <a:blip r:embed="rId3">
+            <a:extLst>
+              <a:ext uri="{28A0092B-C50C-407E-A947-70E740481C1C}">
+                <a14:useLocalDpi xmlns:a14="http://schemas.microsoft.com/office/drawing/2010/main" val="0"/>
+              </a:ext>
+            </a:extLst>
+          </a:blip>
+          <a:stretch>
+            <a:fillRect/>
+          </a:stretch>
+        </p:blipFill>
+        <p:spPr>
+          <a:xfrm>
+            <a:off x="280135" y="4320834"/>
+            <a:ext cx="3020935" cy="2504114"/>
+          </a:xfrm>
+          <a:prstGeom prst="rect">
+            <a:avLst/>
+          </a:prstGeom>
+        </p:spPr>
+      </p:pic>
+      <p:sp>
+        <p:nvSpPr>
+          <p:cNvPr id="9" name="Rectangle 8">
+            <a:extLst>
+              <a:ext uri="{FF2B5EF4-FFF2-40B4-BE49-F238E27FC236}">
+                <a16:creationId xmlns:a16="http://schemas.microsoft.com/office/drawing/2014/main" id="{52F33B9B-EA66-4EDE-9FFC-12082DBF4E1B}"/>
+              </a:ext>
+            </a:extLst>
+          </p:cNvPr>
+          <p:cNvSpPr/>
+          <p:nvPr/>
+        </p:nvSpPr>
+        <p:spPr>
+          <a:xfrm>
+            <a:off x="3610564" y="-33052"/>
+            <a:ext cx="402670" cy="6891052"/>
+          </a:xfrm>
+          <a:prstGeom prst="rect">
+            <a:avLst/>
+          </a:prstGeom>
+          <a:solidFill>
+            <a:schemeClr val="tx1">
+              <a:lumMod val="75000"/>
+              <a:lumOff val="25000"/>
+            </a:schemeClr>
+          </a:solidFill>
+        </p:spPr>
+        <p:style>
+          <a:lnRef idx="2">
+            <a:schemeClr val="accent1">
+              <a:shade val="50000"/>
+            </a:schemeClr>
+          </a:lnRef>
+          <a:fillRef idx="1">
+            <a:schemeClr val="accent1"/>
+          </a:fillRef>
+          <a:effectRef idx="0">
+            <a:schemeClr val="accent1"/>
+          </a:effectRef>
+          <a:fontRef idx="minor">
+            <a:schemeClr val="lt1"/>
+          </a:fontRef>
+        </p:style>
+        <p:txBody>
+          <a:bodyPr rtlCol="0" anchor="ctr"/>
+          <a:lstStyle/>
+          <a:p>
+            <a:pPr algn="ctr"/>
+            <a:endParaRPr lang="en-US" dirty="0"/>
+          </a:p>
+        </p:txBody>
+      </p:sp>
+      <p:sp>
+        <p:nvSpPr>
+          <p:cNvPr id="12" name="Rectangle 11">
+            <a:extLst>
+              <a:ext uri="{FF2B5EF4-FFF2-40B4-BE49-F238E27FC236}">
+                <a16:creationId xmlns:a16="http://schemas.microsoft.com/office/drawing/2014/main" id="{F95031B9-9055-4A9C-942D-055DF92679A9}"/>
+              </a:ext>
+            </a:extLst>
+          </p:cNvPr>
+          <p:cNvSpPr/>
+          <p:nvPr/>
+        </p:nvSpPr>
+        <p:spPr>
+          <a:xfrm>
+            <a:off x="67112" y="302004"/>
+            <a:ext cx="3464653" cy="1040235"/>
+          </a:xfrm>
+          <a:prstGeom prst="rect">
+            <a:avLst/>
+          </a:prstGeom>
+          <a:solidFill>
+            <a:schemeClr val="accent1"/>
+          </a:solidFill>
+        </p:spPr>
+        <p:style>
+          <a:lnRef idx="2">
+            <a:schemeClr val="dk1"/>
+          </a:lnRef>
+          <a:fillRef idx="1">
+            <a:schemeClr val="lt1"/>
+          </a:fillRef>
+          <a:effectRef idx="0">
+            <a:schemeClr val="dk1"/>
+          </a:effectRef>
+          <a:fontRef idx="minor">
+            <a:schemeClr val="dk1"/>
+          </a:fontRef>
+        </p:style>
+        <p:txBody>
+          <a:bodyPr rtlCol="0" anchor="ctr"/>
+          <a:lstStyle/>
+          <a:p>
+            <a:pPr algn="ctr"/>
+            <a:r>
+              <a:rPr lang="en-US" sz="3600" b="1" dirty="0">
+                <a:latin typeface="Arial" panose="020B0604020202020204" pitchFamily="34" charset="0"/>
+                <a:cs typeface="Arial" panose="020B0604020202020204" pitchFamily="34" charset="0"/>
+              </a:rPr>
+              <a:t>Slides Content</a:t>
+            </a:r>
+          </a:p>
+        </p:txBody>
+      </p:sp>
+      <p:sp>
+        <p:nvSpPr>
+          <p:cNvPr id="13" name="Rectangle 12">
+            <a:extLst>
+              <a:ext uri="{FF2B5EF4-FFF2-40B4-BE49-F238E27FC236}">
+                <a16:creationId xmlns:a16="http://schemas.microsoft.com/office/drawing/2014/main" id="{175AF54C-E3C8-4EB4-8446-F73863014B40}"/>
+              </a:ext>
+            </a:extLst>
+          </p:cNvPr>
+          <p:cNvSpPr/>
+          <p:nvPr/>
+        </p:nvSpPr>
+        <p:spPr>
+          <a:xfrm>
+            <a:off x="4013234" y="0"/>
+            <a:ext cx="8178765" cy="6858000"/>
+          </a:xfrm>
+          <a:prstGeom prst="rect">
+            <a:avLst/>
+          </a:prstGeom>
+          <a:solidFill>
+            <a:schemeClr val="accent1">
+              <a:lumMod val="60000"/>
+              <a:lumOff val="40000"/>
+            </a:schemeClr>
+          </a:solidFill>
+        </p:spPr>
+        <p:style>
+          <a:lnRef idx="2">
+            <a:schemeClr val="accent1">
+              <a:shade val="50000"/>
+            </a:schemeClr>
+          </a:lnRef>
+          <a:fillRef idx="1">
+            <a:schemeClr val="accent1"/>
+          </a:fillRef>
+          <a:effectRef idx="0">
+            <a:schemeClr val="accent1"/>
+          </a:effectRef>
+          <a:fontRef idx="minor">
+            <a:schemeClr val="lt1"/>
+          </a:fontRef>
+        </p:style>
+        <p:txBody>
+          <a:bodyPr rtlCol="0" anchor="ctr"/>
+          <a:lstStyle/>
+          <a:p>
+            <a:pPr algn="ctr"/>
+            <a:endParaRPr lang="en-US" dirty="0"/>
+          </a:p>
+        </p:txBody>
+      </p:sp>
+      <p:sp>
+        <p:nvSpPr>
+          <p:cNvPr id="29" name="Rectangle: Rounded Corners 28">
+            <a:extLst>
+              <a:ext uri="{FF2B5EF4-FFF2-40B4-BE49-F238E27FC236}">
+                <a16:creationId xmlns:a16="http://schemas.microsoft.com/office/drawing/2014/main" id="{6A36487B-D9F4-46EB-B2A3-D12643142E68}"/>
+              </a:ext>
+            </a:extLst>
+          </p:cNvPr>
+          <p:cNvSpPr/>
+          <p:nvPr/>
+        </p:nvSpPr>
+        <p:spPr>
+          <a:xfrm>
+            <a:off x="4013234" y="381699"/>
+            <a:ext cx="7677725" cy="583036"/>
+          </a:xfrm>
+          <a:prstGeom prst="roundRect">
+            <a:avLst/>
+          </a:prstGeom>
+        </p:spPr>
+        <p:style>
+          <a:lnRef idx="2">
+            <a:schemeClr val="accent1">
+              <a:shade val="50000"/>
+            </a:schemeClr>
+          </a:lnRef>
+          <a:fillRef idx="1">
+            <a:schemeClr val="accent1"/>
+          </a:fillRef>
+          <a:effectRef idx="0">
+            <a:schemeClr val="accent1"/>
+          </a:effectRef>
+          <a:fontRef idx="minor">
+            <a:schemeClr val="lt1"/>
+          </a:fontRef>
+        </p:style>
+        <p:txBody>
+          <a:bodyPr rtlCol="0" anchor="ctr"/>
+          <a:lstStyle/>
+          <a:p>
+            <a:pPr algn="ctr"/>
+            <a:r>
+              <a:rPr lang="en-US" sz="2400" b="1" dirty="0">
+                <a:solidFill>
+                  <a:schemeClr val="tx1"/>
+                </a:solidFill>
+                <a:latin typeface="Arial" panose="020B0604020202020204" pitchFamily="34" charset="0"/>
+                <a:cs typeface="Arial" panose="020B0604020202020204" pitchFamily="34" charset="0"/>
+              </a:rPr>
+              <a:t>Introduction To SATS</a:t>
+            </a:r>
+          </a:p>
+        </p:txBody>
+      </p:sp>
+      <p:sp>
+        <p:nvSpPr>
+          <p:cNvPr id="20" name="Oval 19">
+            <a:extLst>
+              <a:ext uri="{FF2B5EF4-FFF2-40B4-BE49-F238E27FC236}">
+                <a16:creationId xmlns:a16="http://schemas.microsoft.com/office/drawing/2014/main" id="{04AA1731-12EF-4A04-8AC6-C99577549CEE}"/>
+              </a:ext>
+            </a:extLst>
+          </p:cNvPr>
+          <p:cNvSpPr/>
+          <p:nvPr/>
+        </p:nvSpPr>
+        <p:spPr>
+          <a:xfrm>
+            <a:off x="4092033" y="436226"/>
+            <a:ext cx="547082" cy="469783"/>
+          </a:xfrm>
+          <a:prstGeom prst="ellipse">
+            <a:avLst/>
+          </a:prstGeom>
+        </p:spPr>
+        <p:style>
+          <a:lnRef idx="2">
+            <a:schemeClr val="dk1"/>
+          </a:lnRef>
+          <a:fillRef idx="1">
+            <a:schemeClr val="lt1"/>
+          </a:fillRef>
+          <a:effectRef idx="0">
+            <a:schemeClr val="dk1"/>
+          </a:effectRef>
+          <a:fontRef idx="minor">
+            <a:schemeClr val="dk1"/>
+          </a:fontRef>
+        </p:style>
+        <p:txBody>
+          <a:bodyPr rtlCol="0" anchor="ctr"/>
+          <a:lstStyle/>
+          <a:p>
+            <a:pPr algn="ctr"/>
+            <a:r>
+              <a:rPr lang="en-US" sz="3200" b="1" dirty="0">
+                <a:latin typeface="Arial" panose="020B0604020202020204" pitchFamily="34" charset="0"/>
+                <a:cs typeface="Arial" panose="020B0604020202020204" pitchFamily="34" charset="0"/>
+              </a:rPr>
+              <a:t>1</a:t>
+            </a:r>
+          </a:p>
+        </p:txBody>
+      </p:sp>
+      <p:sp>
+        <p:nvSpPr>
+          <p:cNvPr id="30" name="Rectangle: Rounded Corners 29">
+            <a:extLst>
+              <a:ext uri="{FF2B5EF4-FFF2-40B4-BE49-F238E27FC236}">
+                <a16:creationId xmlns:a16="http://schemas.microsoft.com/office/drawing/2014/main" id="{199D13A5-D0F5-47DD-9A65-022E27FC8697}"/>
+              </a:ext>
+            </a:extLst>
+          </p:cNvPr>
+          <p:cNvSpPr/>
+          <p:nvPr/>
+        </p:nvSpPr>
+        <p:spPr>
+          <a:xfrm>
+            <a:off x="4013234" y="1206170"/>
+            <a:ext cx="7677725" cy="583036"/>
+          </a:xfrm>
+          <a:prstGeom prst="roundRect">
+            <a:avLst/>
+          </a:prstGeom>
+        </p:spPr>
+        <p:style>
+          <a:lnRef idx="2">
+            <a:schemeClr val="accent1">
+              <a:shade val="50000"/>
+            </a:schemeClr>
+          </a:lnRef>
+          <a:fillRef idx="1">
+            <a:schemeClr val="accent1"/>
+          </a:fillRef>
+          <a:effectRef idx="0">
+            <a:schemeClr val="accent1"/>
+          </a:effectRef>
+          <a:fontRef idx="minor">
+            <a:schemeClr val="lt1"/>
+          </a:fontRef>
+        </p:style>
+        <p:txBody>
+          <a:bodyPr rtlCol="0" anchor="ctr"/>
+          <a:lstStyle/>
+          <a:p>
+            <a:pPr algn="ctr"/>
+            <a:r>
+              <a:rPr lang="en-US" sz="2400" b="1" dirty="0">
+                <a:solidFill>
+                  <a:schemeClr val="tx1"/>
+                </a:solidFill>
+                <a:latin typeface="Arial" panose="020B0604020202020204" pitchFamily="34" charset="0"/>
+                <a:cs typeface="Arial" panose="020B0604020202020204" pitchFamily="34" charset="0"/>
+              </a:rPr>
+              <a:t>SATS Requirements </a:t>
+            </a:r>
+          </a:p>
+        </p:txBody>
+      </p:sp>
+      <p:sp>
+        <p:nvSpPr>
+          <p:cNvPr id="26" name="Oval 25">
+            <a:extLst>
+              <a:ext uri="{FF2B5EF4-FFF2-40B4-BE49-F238E27FC236}">
+                <a16:creationId xmlns:a16="http://schemas.microsoft.com/office/drawing/2014/main" id="{98264DA2-3EA7-4849-8A40-2D53787AB9AA}"/>
+              </a:ext>
+            </a:extLst>
+          </p:cNvPr>
+          <p:cNvSpPr/>
+          <p:nvPr/>
+        </p:nvSpPr>
+        <p:spPr>
+          <a:xfrm>
+            <a:off x="4105516" y="1266738"/>
+            <a:ext cx="547082" cy="469783"/>
+          </a:xfrm>
+          <a:prstGeom prst="ellipse">
+            <a:avLst/>
+          </a:prstGeom>
+        </p:spPr>
+        <p:style>
+          <a:lnRef idx="2">
+            <a:schemeClr val="dk1"/>
+          </a:lnRef>
+          <a:fillRef idx="1">
+            <a:schemeClr val="lt1"/>
+          </a:fillRef>
+          <a:effectRef idx="0">
+            <a:schemeClr val="dk1"/>
+          </a:effectRef>
+          <a:fontRef idx="minor">
+            <a:schemeClr val="dk1"/>
+          </a:fontRef>
+        </p:style>
+        <p:txBody>
+          <a:bodyPr rtlCol="0" anchor="ctr"/>
+          <a:lstStyle/>
+          <a:p>
+            <a:pPr algn="ctr"/>
+            <a:r>
+              <a:rPr lang="en-US" sz="3200" b="1" dirty="0">
+                <a:latin typeface="Arial" panose="020B0604020202020204" pitchFamily="34" charset="0"/>
+                <a:cs typeface="Arial" panose="020B0604020202020204" pitchFamily="34" charset="0"/>
+              </a:rPr>
+              <a:t>2</a:t>
+            </a:r>
+          </a:p>
+        </p:txBody>
+      </p:sp>
+      <p:sp>
+        <p:nvSpPr>
+          <p:cNvPr id="31" name="Rectangle: Rounded Corners 30">
+            <a:extLst>
+              <a:ext uri="{FF2B5EF4-FFF2-40B4-BE49-F238E27FC236}">
+                <a16:creationId xmlns:a16="http://schemas.microsoft.com/office/drawing/2014/main" id="{24866992-5A25-464E-B61C-579785BE618E}"/>
+              </a:ext>
+            </a:extLst>
+          </p:cNvPr>
+          <p:cNvSpPr/>
+          <p:nvPr/>
+        </p:nvSpPr>
+        <p:spPr>
+          <a:xfrm>
+            <a:off x="4013234" y="2037357"/>
+            <a:ext cx="7677725" cy="583036"/>
+          </a:xfrm>
+          <a:prstGeom prst="roundRect">
+            <a:avLst/>
+          </a:prstGeom>
+        </p:spPr>
+        <p:style>
+          <a:lnRef idx="2">
+            <a:schemeClr val="accent1">
+              <a:shade val="50000"/>
+            </a:schemeClr>
+          </a:lnRef>
+          <a:fillRef idx="1">
+            <a:schemeClr val="accent1"/>
+          </a:fillRef>
+          <a:effectRef idx="0">
+            <a:schemeClr val="accent1"/>
+          </a:effectRef>
+          <a:fontRef idx="minor">
+            <a:schemeClr val="lt1"/>
+          </a:fontRef>
+        </p:style>
+        <p:txBody>
+          <a:bodyPr rtlCol="0" anchor="ctr"/>
+          <a:lstStyle/>
+          <a:p>
+            <a:pPr algn="ctr"/>
+            <a:r>
+              <a:rPr lang="en-US" sz="2400" b="1" dirty="0">
+                <a:solidFill>
+                  <a:schemeClr val="tx1"/>
+                </a:solidFill>
+                <a:latin typeface="Arial" panose="020B0604020202020204" pitchFamily="34" charset="0"/>
+                <a:cs typeface="Arial" panose="020B0604020202020204" pitchFamily="34" charset="0"/>
+              </a:rPr>
+              <a:t>SATS Design </a:t>
+            </a:r>
+          </a:p>
+        </p:txBody>
+      </p:sp>
+      <p:sp>
+        <p:nvSpPr>
+          <p:cNvPr id="23" name="Oval 22">
+            <a:extLst>
+              <a:ext uri="{FF2B5EF4-FFF2-40B4-BE49-F238E27FC236}">
+                <a16:creationId xmlns:a16="http://schemas.microsoft.com/office/drawing/2014/main" id="{87E32ED1-BDD1-4556-BE60-60AAA4054732}"/>
+              </a:ext>
+            </a:extLst>
+          </p:cNvPr>
+          <p:cNvSpPr/>
+          <p:nvPr/>
+        </p:nvSpPr>
+        <p:spPr>
+          <a:xfrm>
+            <a:off x="4092033" y="2097250"/>
+            <a:ext cx="547082" cy="469783"/>
+          </a:xfrm>
+          <a:prstGeom prst="ellipse">
+            <a:avLst/>
+          </a:prstGeom>
+        </p:spPr>
+        <p:style>
+          <a:lnRef idx="2">
+            <a:schemeClr val="dk1"/>
+          </a:lnRef>
+          <a:fillRef idx="1">
+            <a:schemeClr val="lt1"/>
+          </a:fillRef>
+          <a:effectRef idx="0">
+            <a:schemeClr val="dk1"/>
+          </a:effectRef>
+          <a:fontRef idx="minor">
+            <a:schemeClr val="dk1"/>
+          </a:fontRef>
+        </p:style>
+        <p:txBody>
+          <a:bodyPr rtlCol="0" anchor="ctr"/>
+          <a:lstStyle/>
+          <a:p>
+            <a:pPr algn="ctr"/>
+            <a:r>
+              <a:rPr lang="en-US" sz="3200" b="1" dirty="0">
+                <a:latin typeface="Arial" panose="020B0604020202020204" pitchFamily="34" charset="0"/>
+                <a:cs typeface="Arial" panose="020B0604020202020204" pitchFamily="34" charset="0"/>
+              </a:rPr>
+              <a:t>3</a:t>
+            </a:r>
+          </a:p>
+        </p:txBody>
+      </p:sp>
+      <p:sp>
+        <p:nvSpPr>
+          <p:cNvPr id="32" name="Rectangle: Rounded Corners 31">
+            <a:extLst>
+              <a:ext uri="{FF2B5EF4-FFF2-40B4-BE49-F238E27FC236}">
+                <a16:creationId xmlns:a16="http://schemas.microsoft.com/office/drawing/2014/main" id="{B2160D19-0DD2-4B53-A664-04F7A43C2596}"/>
+              </a:ext>
+            </a:extLst>
+          </p:cNvPr>
+          <p:cNvSpPr/>
+          <p:nvPr/>
+        </p:nvSpPr>
+        <p:spPr>
+          <a:xfrm>
+            <a:off x="4013234" y="2927087"/>
+            <a:ext cx="7677725" cy="583036"/>
+          </a:xfrm>
+          <a:prstGeom prst="roundRect">
+            <a:avLst/>
+          </a:prstGeom>
+        </p:spPr>
+        <p:style>
+          <a:lnRef idx="2">
+            <a:schemeClr val="accent1">
+              <a:shade val="50000"/>
+            </a:schemeClr>
+          </a:lnRef>
+          <a:fillRef idx="1">
+            <a:schemeClr val="accent1"/>
+          </a:fillRef>
+          <a:effectRef idx="0">
+            <a:schemeClr val="accent1"/>
+          </a:effectRef>
+          <a:fontRef idx="minor">
+            <a:schemeClr val="lt1"/>
+          </a:fontRef>
+        </p:style>
+        <p:txBody>
+          <a:bodyPr rtlCol="0" anchor="ctr"/>
+          <a:lstStyle/>
+          <a:p>
+            <a:pPr algn="ctr"/>
+            <a:r>
+              <a:rPr lang="en-US" sz="2400" b="1" dirty="0">
+                <a:solidFill>
+                  <a:schemeClr val="tx1"/>
+                </a:solidFill>
+                <a:latin typeface="Arial" panose="020B0604020202020204" pitchFamily="34" charset="0"/>
+                <a:cs typeface="Arial" panose="020B0604020202020204" pitchFamily="34" charset="0"/>
+              </a:rPr>
+              <a:t>SATS Results</a:t>
+            </a:r>
+          </a:p>
+        </p:txBody>
+      </p:sp>
+      <p:sp>
+        <p:nvSpPr>
+          <p:cNvPr id="25" name="Oval 24">
+            <a:extLst>
+              <a:ext uri="{FF2B5EF4-FFF2-40B4-BE49-F238E27FC236}">
+                <a16:creationId xmlns:a16="http://schemas.microsoft.com/office/drawing/2014/main" id="{070DD079-C452-4889-B52C-C974F6372314}"/>
+              </a:ext>
+            </a:extLst>
+          </p:cNvPr>
+          <p:cNvSpPr/>
+          <p:nvPr/>
+        </p:nvSpPr>
+        <p:spPr>
+          <a:xfrm>
+            <a:off x="4105516" y="2944540"/>
+            <a:ext cx="547082" cy="469783"/>
+          </a:xfrm>
+          <a:prstGeom prst="ellipse">
+            <a:avLst/>
+          </a:prstGeom>
+        </p:spPr>
+        <p:style>
+          <a:lnRef idx="2">
+            <a:schemeClr val="dk1"/>
+          </a:lnRef>
+          <a:fillRef idx="1">
+            <a:schemeClr val="lt1"/>
+          </a:fillRef>
+          <a:effectRef idx="0">
+            <a:schemeClr val="dk1"/>
+          </a:effectRef>
+          <a:fontRef idx="minor">
+            <a:schemeClr val="dk1"/>
+          </a:fontRef>
+        </p:style>
+        <p:txBody>
+          <a:bodyPr rtlCol="0" anchor="ctr"/>
+          <a:lstStyle/>
+          <a:p>
+            <a:pPr algn="ctr"/>
+            <a:r>
+              <a:rPr lang="en-US" sz="3200" b="1" dirty="0">
+                <a:latin typeface="Arial" panose="020B0604020202020204" pitchFamily="34" charset="0"/>
+                <a:cs typeface="Arial" panose="020B0604020202020204" pitchFamily="34" charset="0"/>
+              </a:rPr>
+              <a:t>4</a:t>
+            </a:r>
+          </a:p>
+        </p:txBody>
+      </p:sp>
+      <p:sp>
+        <p:nvSpPr>
+          <p:cNvPr id="33" name="Rectangle: Rounded Corners 32">
+            <a:extLst>
+              <a:ext uri="{FF2B5EF4-FFF2-40B4-BE49-F238E27FC236}">
+                <a16:creationId xmlns:a16="http://schemas.microsoft.com/office/drawing/2014/main" id="{891006D7-EA72-4F71-B147-710197CB3583}"/>
+              </a:ext>
+            </a:extLst>
+          </p:cNvPr>
+          <p:cNvSpPr/>
+          <p:nvPr/>
+        </p:nvSpPr>
+        <p:spPr>
+          <a:xfrm>
+            <a:off x="4013233" y="3697706"/>
+            <a:ext cx="7677725" cy="583036"/>
+          </a:xfrm>
+          <a:prstGeom prst="roundRect">
+            <a:avLst/>
+          </a:prstGeom>
+        </p:spPr>
+        <p:style>
+          <a:lnRef idx="2">
+            <a:schemeClr val="accent1">
+              <a:shade val="50000"/>
+            </a:schemeClr>
+          </a:lnRef>
+          <a:fillRef idx="1">
+            <a:schemeClr val="accent1"/>
+          </a:fillRef>
+          <a:effectRef idx="0">
+            <a:schemeClr val="accent1"/>
+          </a:effectRef>
+          <a:fontRef idx="minor">
+            <a:schemeClr val="lt1"/>
+          </a:fontRef>
+        </p:style>
+        <p:txBody>
+          <a:bodyPr rtlCol="0" anchor="ctr"/>
+          <a:lstStyle/>
+          <a:p>
+            <a:pPr algn="ctr"/>
+            <a:r>
+              <a:rPr lang="en-US" sz="2400" b="1" dirty="0">
+                <a:solidFill>
+                  <a:schemeClr val="tx1"/>
+                </a:solidFill>
+                <a:latin typeface="Arial" panose="020B0604020202020204" pitchFamily="34" charset="0"/>
+                <a:cs typeface="Arial" panose="020B0604020202020204" pitchFamily="34" charset="0"/>
+              </a:rPr>
+              <a:t>Team Contributions </a:t>
+            </a:r>
+          </a:p>
+        </p:txBody>
+      </p:sp>
+      <p:sp>
+        <p:nvSpPr>
+          <p:cNvPr id="24" name="Oval 23">
+            <a:extLst>
+              <a:ext uri="{FF2B5EF4-FFF2-40B4-BE49-F238E27FC236}">
+                <a16:creationId xmlns:a16="http://schemas.microsoft.com/office/drawing/2014/main" id="{710F38CD-AB08-42AA-AFAC-ADF2C84B1C08}"/>
+              </a:ext>
+            </a:extLst>
+          </p:cNvPr>
+          <p:cNvSpPr/>
+          <p:nvPr/>
+        </p:nvSpPr>
+        <p:spPr>
+          <a:xfrm>
+            <a:off x="4134874" y="3758274"/>
+            <a:ext cx="547082" cy="469783"/>
+          </a:xfrm>
+          <a:prstGeom prst="ellipse">
+            <a:avLst/>
+          </a:prstGeom>
+        </p:spPr>
+        <p:style>
+          <a:lnRef idx="2">
+            <a:schemeClr val="dk1"/>
+          </a:lnRef>
+          <a:fillRef idx="1">
+            <a:schemeClr val="lt1"/>
+          </a:fillRef>
+          <a:effectRef idx="0">
+            <a:schemeClr val="dk1"/>
+          </a:effectRef>
+          <a:fontRef idx="minor">
+            <a:schemeClr val="dk1"/>
+          </a:fontRef>
+        </p:style>
+        <p:txBody>
+          <a:bodyPr rtlCol="0" anchor="ctr"/>
+          <a:lstStyle/>
+          <a:p>
+            <a:pPr algn="ctr"/>
+            <a:r>
+              <a:rPr lang="en-US" sz="3200" b="1" dirty="0">
+                <a:latin typeface="Arial" panose="020B0604020202020204" pitchFamily="34" charset="0"/>
+                <a:cs typeface="Arial" panose="020B0604020202020204" pitchFamily="34" charset="0"/>
+              </a:rPr>
+              <a:t>5</a:t>
+            </a:r>
+          </a:p>
+        </p:txBody>
+      </p:sp>
+      <p:sp>
+        <p:nvSpPr>
+          <p:cNvPr id="34" name="Rectangle: Rounded Corners 33">
+            <a:extLst>
+              <a:ext uri="{FF2B5EF4-FFF2-40B4-BE49-F238E27FC236}">
+                <a16:creationId xmlns:a16="http://schemas.microsoft.com/office/drawing/2014/main" id="{9FDCC7E9-0182-48FD-91E0-F9528CBC45D3}"/>
+              </a:ext>
+            </a:extLst>
+          </p:cNvPr>
+          <p:cNvSpPr/>
+          <p:nvPr/>
+        </p:nvSpPr>
+        <p:spPr>
+          <a:xfrm>
+            <a:off x="4013233" y="4532159"/>
+            <a:ext cx="7677725" cy="583036"/>
+          </a:xfrm>
+          <a:prstGeom prst="roundRect">
+            <a:avLst/>
+          </a:prstGeom>
+        </p:spPr>
+        <p:style>
+          <a:lnRef idx="2">
+            <a:schemeClr val="accent1">
+              <a:shade val="50000"/>
+            </a:schemeClr>
+          </a:lnRef>
+          <a:fillRef idx="1">
+            <a:schemeClr val="accent1"/>
+          </a:fillRef>
+          <a:effectRef idx="0">
+            <a:schemeClr val="accent1"/>
+          </a:effectRef>
+          <a:fontRef idx="minor">
+            <a:schemeClr val="lt1"/>
+          </a:fontRef>
+        </p:style>
+        <p:txBody>
+          <a:bodyPr rtlCol="0" anchor="ctr"/>
+          <a:lstStyle/>
+          <a:p>
+            <a:pPr algn="ctr"/>
+            <a:r>
+              <a:rPr lang="en-US" sz="2400" b="1" dirty="0">
+                <a:solidFill>
+                  <a:schemeClr val="tx1"/>
+                </a:solidFill>
+                <a:latin typeface="Arial" panose="020B0604020202020204" pitchFamily="34" charset="0"/>
+                <a:cs typeface="Arial" panose="020B0604020202020204" pitchFamily="34" charset="0"/>
+              </a:rPr>
+              <a:t>Introduction To SATS</a:t>
+            </a:r>
+          </a:p>
+        </p:txBody>
+      </p:sp>
+      <p:sp>
+        <p:nvSpPr>
+          <p:cNvPr id="22" name="Oval 21">
+            <a:extLst>
+              <a:ext uri="{FF2B5EF4-FFF2-40B4-BE49-F238E27FC236}">
+                <a16:creationId xmlns:a16="http://schemas.microsoft.com/office/drawing/2014/main" id="{DF469DCE-1D47-428C-B082-4E57A24682E8}"/>
+              </a:ext>
+            </a:extLst>
+          </p:cNvPr>
+          <p:cNvSpPr/>
+          <p:nvPr/>
+        </p:nvSpPr>
+        <p:spPr>
+          <a:xfrm>
+            <a:off x="4139570" y="4588786"/>
+            <a:ext cx="547082" cy="469783"/>
+          </a:xfrm>
+          <a:prstGeom prst="ellipse">
+            <a:avLst/>
+          </a:prstGeom>
+        </p:spPr>
+        <p:style>
+          <a:lnRef idx="2">
+            <a:schemeClr val="dk1"/>
+          </a:lnRef>
+          <a:fillRef idx="1">
+            <a:schemeClr val="lt1"/>
+          </a:fillRef>
+          <a:effectRef idx="0">
+            <a:schemeClr val="dk1"/>
+          </a:effectRef>
+          <a:fontRef idx="minor">
+            <a:schemeClr val="dk1"/>
+          </a:fontRef>
+        </p:style>
+        <p:txBody>
+          <a:bodyPr rtlCol="0" anchor="ctr"/>
+          <a:lstStyle/>
+          <a:p>
+            <a:pPr algn="ctr"/>
+            <a:r>
+              <a:rPr lang="en-US" sz="3200" b="1" dirty="0">
+                <a:latin typeface="Arial" panose="020B0604020202020204" pitchFamily="34" charset="0"/>
+                <a:cs typeface="Arial" panose="020B0604020202020204" pitchFamily="34" charset="0"/>
+              </a:rPr>
+              <a:t>6</a:t>
+            </a:r>
+          </a:p>
+        </p:txBody>
+      </p:sp>
+      <p:pic>
+        <p:nvPicPr>
+          <p:cNvPr id="28" name="Picture 27" descr="A picture containing drawing&#10;&#10;Description automatically generated">
+            <a:extLst>
+              <a:ext uri="{FF2B5EF4-FFF2-40B4-BE49-F238E27FC236}">
+                <a16:creationId xmlns:a16="http://schemas.microsoft.com/office/drawing/2014/main" id="{B1FB34BB-937E-4ACB-9CCB-DD01B0A76610}"/>
+              </a:ext>
+            </a:extLst>
+          </p:cNvPr>
+          <p:cNvPicPr>
+            <a:picLocks noChangeAspect="1"/>
+          </p:cNvPicPr>
+          <p:nvPr/>
+        </p:nvPicPr>
+        <p:blipFill>
+          <a:blip r:embed="rId4">
+            <a:extLst>
+              <a:ext uri="{28A0092B-C50C-407E-A947-70E740481C1C}">
+                <a14:useLocalDpi xmlns:a14="http://schemas.microsoft.com/office/drawing/2010/main" val="0"/>
+              </a:ext>
+            </a:extLst>
+          </a:blip>
+          <a:stretch>
+            <a:fillRect/>
+          </a:stretch>
+        </p:blipFill>
+        <p:spPr>
+          <a:xfrm>
+            <a:off x="11022887" y="2064620"/>
+            <a:ext cx="612395" cy="528509"/>
+          </a:xfrm>
+          <a:prstGeom prst="rect">
+            <a:avLst/>
+          </a:prstGeom>
+        </p:spPr>
+      </p:pic>
+    </p:spTree>
+    <p:extLst>
+      <p:ext uri="{BB962C8B-B14F-4D97-AF65-F5344CB8AC3E}">
+        <p14:creationId xmlns:p14="http://schemas.microsoft.com/office/powerpoint/2010/main" val="4099355989"/>
+      </p:ext>
+    </p:extLst>
+  </p:cSld>
+  <p:clrMapOvr>
+    <a:masterClrMapping/>
+  </p:clrMapOvr>
+</p:sld>
+</file>
+
+<file path=ppt/slides/slide13.xml><?xml version="1.0" encoding="utf-8"?>
+<p:sld xmlns:a="http://schemas.openxmlformats.org/drawingml/2006/main" xmlns:r="http://schemas.openxmlformats.org/officeDocument/2006/relationships" xmlns:p="http://schemas.openxmlformats.org/presentationml/2006/main">
+  <p:cSld>
+    <p:spTree>
+      <p:nvGrpSpPr>
+        <p:cNvPr id="1" name=""/>
+        <p:cNvGrpSpPr/>
+        <p:nvPr/>
+      </p:nvGrpSpPr>
+      <p:grpSpPr>
+        <a:xfrm>
+          <a:off x="0" y="0"/>
+          <a:ext cx="0" cy="0"/>
+          <a:chOff x="0" y="0"/>
+          <a:chExt cx="0" cy="0"/>
+        </a:xfrm>
+      </p:grpSpPr>
+      <p:sp>
+        <p:nvSpPr>
+          <p:cNvPr id="3" name="Rectangle 2">
+            <a:extLst>
+              <a:ext uri="{FF2B5EF4-FFF2-40B4-BE49-F238E27FC236}">
+                <a16:creationId xmlns:a16="http://schemas.microsoft.com/office/drawing/2014/main" id="{1F8219CE-41F6-462E-98F6-5F733C0B71EB}"/>
+              </a:ext>
+            </a:extLst>
+          </p:cNvPr>
+          <p:cNvSpPr/>
+          <p:nvPr/>
+        </p:nvSpPr>
+        <p:spPr>
+          <a:xfrm>
+            <a:off x="0" y="0"/>
+            <a:ext cx="3325091" cy="6858000"/>
+          </a:xfrm>
+          <a:prstGeom prst="rect">
+            <a:avLst/>
+          </a:prstGeom>
+          <a:ln>
+            <a:solidFill>
+              <a:srgbClr val="565656"/>
+            </a:solidFill>
+          </a:ln>
+        </p:spPr>
+        <p:style>
+          <a:lnRef idx="2">
+            <a:schemeClr val="accent1">
+              <a:shade val="50000"/>
+            </a:schemeClr>
+          </a:lnRef>
+          <a:fillRef idx="1">
+            <a:schemeClr val="accent1"/>
+          </a:fillRef>
+          <a:effectRef idx="0">
+            <a:schemeClr val="accent1"/>
+          </a:effectRef>
+          <a:fontRef idx="minor">
+            <a:schemeClr val="lt1"/>
+          </a:fontRef>
+        </p:style>
+        <p:txBody>
+          <a:bodyPr rtlCol="0" anchor="ctr"/>
+          <a:lstStyle/>
+          <a:p>
+            <a:pPr algn="ctr"/>
+            <a:endParaRPr lang="en-US"/>
+          </a:p>
+        </p:txBody>
+      </p:sp>
+      <p:sp>
+        <p:nvSpPr>
+          <p:cNvPr id="4" name="TextBox 3">
+            <a:extLst>
+              <a:ext uri="{FF2B5EF4-FFF2-40B4-BE49-F238E27FC236}">
+                <a16:creationId xmlns:a16="http://schemas.microsoft.com/office/drawing/2014/main" id="{6DB80FF8-8817-4126-8BE5-F231491309EB}"/>
+              </a:ext>
+            </a:extLst>
+          </p:cNvPr>
+          <p:cNvSpPr txBox="1"/>
+          <p:nvPr/>
+        </p:nvSpPr>
+        <p:spPr>
+          <a:xfrm>
+            <a:off x="0" y="1384183"/>
+            <a:ext cx="4605556" cy="523220"/>
+          </a:xfrm>
+          <a:prstGeom prst="rect">
+            <a:avLst/>
+          </a:prstGeom>
+          <a:noFill/>
+        </p:spPr>
+        <p:txBody>
+          <a:bodyPr wrap="square" rtlCol="0">
+            <a:spAutoFit/>
+          </a:bodyPr>
+          <a:lstStyle/>
+          <a:p>
+            <a:r>
+              <a:rPr lang="en-US" sz="2800" b="1" dirty="0">
+                <a:latin typeface="Arial" panose="020B0604020202020204" pitchFamily="34" charset="0"/>
+                <a:cs typeface="Arial" panose="020B0604020202020204" pitchFamily="34" charset="0"/>
+              </a:rPr>
+              <a:t>Use Case Diagram</a:t>
+            </a:r>
+          </a:p>
+        </p:txBody>
+      </p:sp>
+      <p:sp>
+        <p:nvSpPr>
+          <p:cNvPr id="5" name="TextBox 4">
+            <a:extLst>
+              <a:ext uri="{FF2B5EF4-FFF2-40B4-BE49-F238E27FC236}">
+                <a16:creationId xmlns:a16="http://schemas.microsoft.com/office/drawing/2014/main" id="{0E5C73D7-102C-497D-8292-E2B83E92CB52}"/>
+              </a:ext>
+            </a:extLst>
+          </p:cNvPr>
+          <p:cNvSpPr txBox="1"/>
+          <p:nvPr/>
+        </p:nvSpPr>
+        <p:spPr>
+          <a:xfrm>
+            <a:off x="152526" y="2002167"/>
+            <a:ext cx="2852257" cy="923330"/>
+          </a:xfrm>
+          <a:prstGeom prst="rect">
+            <a:avLst/>
+          </a:prstGeom>
+          <a:noFill/>
+        </p:spPr>
+        <p:txBody>
+          <a:bodyPr wrap="square" rtlCol="0">
+            <a:spAutoFit/>
+          </a:bodyPr>
+          <a:lstStyle/>
+          <a:p>
+            <a:r>
+              <a:rPr lang="en-US" dirty="0">
+                <a:latin typeface="Arial" panose="020B0604020202020204" pitchFamily="34" charset="0"/>
+                <a:cs typeface="Arial" panose="020B0604020202020204" pitchFamily="34" charset="0"/>
+              </a:rPr>
+              <a:t>It’s a representation of user interaction with the system in SATS.</a:t>
+            </a:r>
+          </a:p>
+        </p:txBody>
+      </p:sp>
+      <p:pic>
+        <p:nvPicPr>
+          <p:cNvPr id="7" name="Picture 6" descr="A close up of a sign&#10;&#10;Description automatically generated">
+            <a:extLst>
+              <a:ext uri="{FF2B5EF4-FFF2-40B4-BE49-F238E27FC236}">
+                <a16:creationId xmlns:a16="http://schemas.microsoft.com/office/drawing/2014/main" id="{42429400-407A-44B8-8812-FD7ECDA2CE89}"/>
+              </a:ext>
+            </a:extLst>
+          </p:cNvPr>
+          <p:cNvPicPr>
+            <a:picLocks noChangeAspect="1"/>
+          </p:cNvPicPr>
+          <p:nvPr/>
+        </p:nvPicPr>
+        <p:blipFill>
+          <a:blip r:embed="rId2">
+            <a:extLst>
+              <a:ext uri="{28A0092B-C50C-407E-A947-70E740481C1C}">
+                <a14:useLocalDpi xmlns:a14="http://schemas.microsoft.com/office/drawing/2010/main" val="0"/>
+              </a:ext>
+            </a:extLst>
+          </a:blip>
+          <a:stretch>
+            <a:fillRect/>
+          </a:stretch>
+        </p:blipFill>
+        <p:spPr>
+          <a:xfrm>
+            <a:off x="439683" y="3531765"/>
+            <a:ext cx="2277941" cy="2000969"/>
+          </a:xfrm>
+          <a:prstGeom prst="rect">
+            <a:avLst/>
+          </a:prstGeom>
+        </p:spPr>
+      </p:pic>
+      <p:sp>
+        <p:nvSpPr>
+          <p:cNvPr id="8" name="Rectangle 7">
+            <a:extLst>
+              <a:ext uri="{FF2B5EF4-FFF2-40B4-BE49-F238E27FC236}">
+                <a16:creationId xmlns:a16="http://schemas.microsoft.com/office/drawing/2014/main" id="{562389A1-E788-4C7B-89E4-E31A3DBABCF6}"/>
+              </a:ext>
+            </a:extLst>
+          </p:cNvPr>
+          <p:cNvSpPr/>
+          <p:nvPr/>
+        </p:nvSpPr>
+        <p:spPr>
+          <a:xfrm>
+            <a:off x="3325091" y="0"/>
+            <a:ext cx="8866909" cy="6858000"/>
+          </a:xfrm>
+          <a:prstGeom prst="rect">
+            <a:avLst/>
+          </a:prstGeom>
+          <a:solidFill>
+            <a:schemeClr val="bg1"/>
+          </a:solidFill>
+        </p:spPr>
+        <p:style>
+          <a:lnRef idx="2">
+            <a:schemeClr val="accent1">
+              <a:shade val="50000"/>
+            </a:schemeClr>
+          </a:lnRef>
+          <a:fillRef idx="1">
+            <a:schemeClr val="accent1"/>
+          </a:fillRef>
+          <a:effectRef idx="0">
+            <a:schemeClr val="accent1"/>
+          </a:effectRef>
+          <a:fontRef idx="minor">
+            <a:schemeClr val="lt1"/>
+          </a:fontRef>
+        </p:style>
+        <p:txBody>
+          <a:bodyPr rtlCol="0" anchor="ctr"/>
+          <a:lstStyle/>
+          <a:p>
+            <a:pPr algn="ctr"/>
+            <a:endParaRPr lang="en-US"/>
+          </a:p>
+        </p:txBody>
+      </p:sp>
+      <p:pic>
+        <p:nvPicPr>
+          <p:cNvPr id="29" name="Picture 28" descr="A picture containing game, table, man, white&#10;&#10;Description automatically generated">
+            <a:extLst>
+              <a:ext uri="{FF2B5EF4-FFF2-40B4-BE49-F238E27FC236}">
+                <a16:creationId xmlns:a16="http://schemas.microsoft.com/office/drawing/2014/main" id="{FA70B197-8045-4EAC-B878-99296671B37C}"/>
+              </a:ext>
+            </a:extLst>
+          </p:cNvPr>
+          <p:cNvPicPr>
+            <a:picLocks noChangeAspect="1"/>
+          </p:cNvPicPr>
+          <p:nvPr/>
+        </p:nvPicPr>
+        <p:blipFill>
+          <a:blip r:embed="rId3">
+            <a:extLst>
+              <a:ext uri="{28A0092B-C50C-407E-A947-70E740481C1C}">
+                <a14:useLocalDpi xmlns:a14="http://schemas.microsoft.com/office/drawing/2010/main" val="0"/>
+              </a:ext>
+            </a:extLst>
+          </a:blip>
+          <a:stretch>
+            <a:fillRect/>
+          </a:stretch>
+        </p:blipFill>
+        <p:spPr>
+          <a:xfrm>
+            <a:off x="3900053" y="735165"/>
+            <a:ext cx="1838582" cy="2534004"/>
+          </a:xfrm>
+          <a:prstGeom prst="rect">
+            <a:avLst/>
+          </a:prstGeom>
+        </p:spPr>
+      </p:pic>
+      <p:pic>
+        <p:nvPicPr>
+          <p:cNvPr id="31" name="Picture 30" descr="A picture containing game, table, man, white&#10;&#10;Description automatically generated">
+            <a:extLst>
+              <a:ext uri="{FF2B5EF4-FFF2-40B4-BE49-F238E27FC236}">
+                <a16:creationId xmlns:a16="http://schemas.microsoft.com/office/drawing/2014/main" id="{54AA39CC-3EE2-46C0-9AC1-D9BB661ACE73}"/>
+              </a:ext>
+            </a:extLst>
+          </p:cNvPr>
+          <p:cNvPicPr>
+            <a:picLocks noChangeAspect="1"/>
+          </p:cNvPicPr>
+          <p:nvPr/>
+        </p:nvPicPr>
+        <p:blipFill>
+          <a:blip r:embed="rId3">
+            <a:extLst>
+              <a:ext uri="{28A0092B-C50C-407E-A947-70E740481C1C}">
+                <a14:useLocalDpi xmlns:a14="http://schemas.microsoft.com/office/drawing/2010/main" val="0"/>
+              </a:ext>
+            </a:extLst>
+          </a:blip>
+          <a:stretch>
+            <a:fillRect/>
+          </a:stretch>
+        </p:blipFill>
+        <p:spPr>
+          <a:xfrm>
+            <a:off x="3900053" y="3800073"/>
+            <a:ext cx="1838582" cy="2534004"/>
+          </a:xfrm>
+          <a:prstGeom prst="rect">
+            <a:avLst/>
+          </a:prstGeom>
+        </p:spPr>
+      </p:pic>
+      <p:sp>
+        <p:nvSpPr>
+          <p:cNvPr id="36" name="Oval 35">
+            <a:extLst>
+              <a:ext uri="{FF2B5EF4-FFF2-40B4-BE49-F238E27FC236}">
+                <a16:creationId xmlns:a16="http://schemas.microsoft.com/office/drawing/2014/main" id="{0B8A67F1-8DC1-4462-9CAA-184C8BE3D9BF}"/>
+              </a:ext>
+            </a:extLst>
+          </p:cNvPr>
+          <p:cNvSpPr/>
+          <p:nvPr/>
+        </p:nvSpPr>
+        <p:spPr>
+          <a:xfrm>
+            <a:off x="7762875" y="279834"/>
+            <a:ext cx="3263531" cy="649018"/>
+          </a:xfrm>
+          <a:prstGeom prst="ellipse">
+            <a:avLst/>
+          </a:prstGeom>
+          <a:solidFill>
+            <a:schemeClr val="accent1">
+              <a:lumMod val="20000"/>
+              <a:lumOff val="80000"/>
+            </a:schemeClr>
+          </a:solidFill>
+        </p:spPr>
+        <p:style>
+          <a:lnRef idx="2">
+            <a:schemeClr val="accent1">
+              <a:shade val="50000"/>
+            </a:schemeClr>
+          </a:lnRef>
+          <a:fillRef idx="1">
+            <a:schemeClr val="accent1"/>
+          </a:fillRef>
+          <a:effectRef idx="0">
+            <a:schemeClr val="accent1"/>
+          </a:effectRef>
+          <a:fontRef idx="minor">
+            <a:schemeClr val="lt1"/>
+          </a:fontRef>
+        </p:style>
+        <p:txBody>
+          <a:bodyPr rtlCol="0" anchor="ctr"/>
+          <a:lstStyle/>
+          <a:p>
+            <a:pPr algn="ctr"/>
+            <a:r>
+              <a:rPr lang="en-US" sz="1600" dirty="0">
+                <a:solidFill>
+                  <a:schemeClr val="tx1"/>
+                </a:solidFill>
+                <a:latin typeface="Arial" panose="020B0604020202020204" pitchFamily="34" charset="0"/>
+                <a:cs typeface="Arial" panose="020B0604020202020204" pitchFamily="34" charset="0"/>
+              </a:rPr>
+              <a:t>Start the system</a:t>
+            </a:r>
+          </a:p>
+        </p:txBody>
+      </p:sp>
+      <p:sp>
+        <p:nvSpPr>
+          <p:cNvPr id="37" name="Oval 36">
+            <a:extLst>
+              <a:ext uri="{FF2B5EF4-FFF2-40B4-BE49-F238E27FC236}">
+                <a16:creationId xmlns:a16="http://schemas.microsoft.com/office/drawing/2014/main" id="{B3B1DC5F-9678-4A55-AEC6-EBE1F33D5B53}"/>
+              </a:ext>
+            </a:extLst>
+          </p:cNvPr>
+          <p:cNvSpPr/>
+          <p:nvPr/>
+        </p:nvSpPr>
+        <p:spPr>
+          <a:xfrm>
+            <a:off x="7762875" y="1192876"/>
+            <a:ext cx="3263531" cy="649018"/>
+          </a:xfrm>
+          <a:prstGeom prst="ellipse">
+            <a:avLst/>
+          </a:prstGeom>
+          <a:solidFill>
+            <a:schemeClr val="accent1">
+              <a:lumMod val="20000"/>
+              <a:lumOff val="80000"/>
+            </a:schemeClr>
+          </a:solidFill>
+        </p:spPr>
+        <p:style>
+          <a:lnRef idx="2">
+            <a:schemeClr val="accent1">
+              <a:shade val="50000"/>
+            </a:schemeClr>
+          </a:lnRef>
+          <a:fillRef idx="1">
+            <a:schemeClr val="accent1"/>
+          </a:fillRef>
+          <a:effectRef idx="0">
+            <a:schemeClr val="accent1"/>
+          </a:effectRef>
+          <a:fontRef idx="minor">
+            <a:schemeClr val="lt1"/>
+          </a:fontRef>
+        </p:style>
+        <p:txBody>
+          <a:bodyPr rtlCol="0" anchor="ctr"/>
+          <a:lstStyle/>
+          <a:p>
+            <a:pPr algn="ctr"/>
+            <a:r>
+              <a:rPr lang="en-US" sz="1600" dirty="0">
+                <a:solidFill>
+                  <a:schemeClr val="tx1"/>
+                </a:solidFill>
+                <a:latin typeface="Arial" panose="020B0604020202020204" pitchFamily="34" charset="0"/>
+                <a:cs typeface="Arial" panose="020B0604020202020204" pitchFamily="34" charset="0"/>
+              </a:rPr>
+              <a:t>Access student data</a:t>
+            </a:r>
+          </a:p>
+        </p:txBody>
+      </p:sp>
+      <p:sp>
+        <p:nvSpPr>
+          <p:cNvPr id="38" name="Oval 37">
+            <a:extLst>
+              <a:ext uri="{FF2B5EF4-FFF2-40B4-BE49-F238E27FC236}">
+                <a16:creationId xmlns:a16="http://schemas.microsoft.com/office/drawing/2014/main" id="{DC3DBE69-61C1-4343-93DF-03C386D76216}"/>
+              </a:ext>
+            </a:extLst>
+          </p:cNvPr>
+          <p:cNvSpPr/>
+          <p:nvPr/>
+        </p:nvSpPr>
+        <p:spPr>
+          <a:xfrm>
+            <a:off x="7762875" y="2105918"/>
+            <a:ext cx="3263531" cy="649018"/>
+          </a:xfrm>
+          <a:prstGeom prst="ellipse">
+            <a:avLst/>
+          </a:prstGeom>
+          <a:solidFill>
+            <a:schemeClr val="accent1">
+              <a:lumMod val="20000"/>
+              <a:lumOff val="80000"/>
+            </a:schemeClr>
+          </a:solidFill>
+        </p:spPr>
+        <p:style>
+          <a:lnRef idx="2">
+            <a:schemeClr val="accent1">
+              <a:shade val="50000"/>
+            </a:schemeClr>
+          </a:lnRef>
+          <a:fillRef idx="1">
+            <a:schemeClr val="accent1"/>
+          </a:fillRef>
+          <a:effectRef idx="0">
+            <a:schemeClr val="accent1"/>
+          </a:effectRef>
+          <a:fontRef idx="minor">
+            <a:schemeClr val="lt1"/>
+          </a:fontRef>
+        </p:style>
+        <p:txBody>
+          <a:bodyPr rtlCol="0" anchor="ctr"/>
+          <a:lstStyle/>
+          <a:p>
+            <a:pPr algn="ctr"/>
+            <a:r>
+              <a:rPr lang="en-US" sz="1600" dirty="0">
+                <a:solidFill>
+                  <a:schemeClr val="tx1"/>
+                </a:solidFill>
+                <a:latin typeface="Arial" panose="020B0604020202020204" pitchFamily="34" charset="0"/>
+                <a:cs typeface="Arial" panose="020B0604020202020204" pitchFamily="34" charset="0"/>
+              </a:rPr>
+              <a:t>View data</a:t>
+            </a:r>
+          </a:p>
+        </p:txBody>
+      </p:sp>
+      <p:sp>
+        <p:nvSpPr>
+          <p:cNvPr id="39" name="Oval 38">
+            <a:extLst>
+              <a:ext uri="{FF2B5EF4-FFF2-40B4-BE49-F238E27FC236}">
+                <a16:creationId xmlns:a16="http://schemas.microsoft.com/office/drawing/2014/main" id="{755709E9-EE30-40BB-806B-E30AD0C22320}"/>
+              </a:ext>
+            </a:extLst>
+          </p:cNvPr>
+          <p:cNvSpPr/>
+          <p:nvPr/>
+        </p:nvSpPr>
+        <p:spPr>
+          <a:xfrm>
+            <a:off x="7762875" y="3019352"/>
+            <a:ext cx="3263531" cy="649018"/>
+          </a:xfrm>
+          <a:prstGeom prst="ellipse">
+            <a:avLst/>
+          </a:prstGeom>
+          <a:solidFill>
+            <a:schemeClr val="accent1">
+              <a:lumMod val="20000"/>
+              <a:lumOff val="80000"/>
+            </a:schemeClr>
+          </a:solidFill>
+        </p:spPr>
+        <p:style>
+          <a:lnRef idx="2">
+            <a:schemeClr val="accent1">
+              <a:shade val="50000"/>
+            </a:schemeClr>
+          </a:lnRef>
+          <a:fillRef idx="1">
+            <a:schemeClr val="accent1"/>
+          </a:fillRef>
+          <a:effectRef idx="0">
+            <a:schemeClr val="accent1"/>
+          </a:effectRef>
+          <a:fontRef idx="minor">
+            <a:schemeClr val="lt1"/>
+          </a:fontRef>
+        </p:style>
+        <p:txBody>
+          <a:bodyPr rtlCol="0" anchor="ctr"/>
+          <a:lstStyle/>
+          <a:p>
+            <a:pPr algn="ctr"/>
+            <a:r>
+              <a:rPr lang="en-US" sz="1600" dirty="0">
+                <a:solidFill>
+                  <a:schemeClr val="tx1"/>
+                </a:solidFill>
+                <a:latin typeface="Arial" panose="020B0604020202020204" pitchFamily="34" charset="0"/>
+                <a:cs typeface="Arial" panose="020B0604020202020204" pitchFamily="34" charset="0"/>
+              </a:rPr>
+              <a:t>Professor can stop the system as optional</a:t>
+            </a:r>
+          </a:p>
+        </p:txBody>
+      </p:sp>
+      <p:sp>
+        <p:nvSpPr>
+          <p:cNvPr id="41" name="TextBox 40">
+            <a:extLst>
+              <a:ext uri="{FF2B5EF4-FFF2-40B4-BE49-F238E27FC236}">
+                <a16:creationId xmlns:a16="http://schemas.microsoft.com/office/drawing/2014/main" id="{350F74C9-6415-4EED-BE20-55F1F92697F7}"/>
+              </a:ext>
+            </a:extLst>
+          </p:cNvPr>
+          <p:cNvSpPr txBox="1"/>
+          <p:nvPr/>
+        </p:nvSpPr>
+        <p:spPr>
+          <a:xfrm>
+            <a:off x="3747910" y="3085345"/>
+            <a:ext cx="1990725" cy="646331"/>
+          </a:xfrm>
+          <a:prstGeom prst="rect">
+            <a:avLst/>
+          </a:prstGeom>
+          <a:noFill/>
+        </p:spPr>
+        <p:txBody>
+          <a:bodyPr wrap="square" rtlCol="0">
+            <a:spAutoFit/>
+          </a:bodyPr>
+          <a:lstStyle/>
+          <a:p>
+            <a:pPr algn="ctr"/>
+            <a:r>
+              <a:rPr lang="en-US" dirty="0">
+                <a:latin typeface="Arial" panose="020B0604020202020204" pitchFamily="34" charset="0"/>
+                <a:cs typeface="Arial" panose="020B0604020202020204" pitchFamily="34" charset="0"/>
+              </a:rPr>
+              <a:t>Professor</a:t>
+            </a:r>
+          </a:p>
+          <a:p>
+            <a:endParaRPr lang="en-US" dirty="0"/>
+          </a:p>
+        </p:txBody>
+      </p:sp>
+      <p:sp>
+        <p:nvSpPr>
+          <p:cNvPr id="42" name="TextBox 41">
+            <a:extLst>
+              <a:ext uri="{FF2B5EF4-FFF2-40B4-BE49-F238E27FC236}">
+                <a16:creationId xmlns:a16="http://schemas.microsoft.com/office/drawing/2014/main" id="{1DABD02B-B50E-4F4F-B7E1-23C6B37950BE}"/>
+              </a:ext>
+            </a:extLst>
+          </p:cNvPr>
+          <p:cNvSpPr txBox="1"/>
+          <p:nvPr/>
+        </p:nvSpPr>
+        <p:spPr>
+          <a:xfrm>
+            <a:off x="3823981" y="6010911"/>
+            <a:ext cx="1990725" cy="646331"/>
+          </a:xfrm>
+          <a:prstGeom prst="rect">
+            <a:avLst/>
+          </a:prstGeom>
+          <a:noFill/>
+        </p:spPr>
+        <p:txBody>
+          <a:bodyPr wrap="square" rtlCol="0">
+            <a:spAutoFit/>
+          </a:bodyPr>
+          <a:lstStyle/>
+          <a:p>
+            <a:pPr algn="ctr"/>
+            <a:r>
+              <a:rPr lang="en-US" dirty="0">
+                <a:latin typeface="Arial" panose="020B0604020202020204" pitchFamily="34" charset="0"/>
+                <a:cs typeface="Arial" panose="020B0604020202020204" pitchFamily="34" charset="0"/>
+              </a:rPr>
+              <a:t>Student</a:t>
+            </a:r>
+          </a:p>
+          <a:p>
+            <a:endParaRPr lang="en-US" dirty="0"/>
+          </a:p>
+        </p:txBody>
+      </p:sp>
+      <p:sp>
+        <p:nvSpPr>
+          <p:cNvPr id="43" name="Oval 42">
+            <a:extLst>
+              <a:ext uri="{FF2B5EF4-FFF2-40B4-BE49-F238E27FC236}">
+                <a16:creationId xmlns:a16="http://schemas.microsoft.com/office/drawing/2014/main" id="{283CF638-4281-42AD-88CE-55158113020D}"/>
+              </a:ext>
+            </a:extLst>
+          </p:cNvPr>
+          <p:cNvSpPr/>
+          <p:nvPr/>
+        </p:nvSpPr>
+        <p:spPr>
+          <a:xfrm>
+            <a:off x="7762875" y="4666815"/>
+            <a:ext cx="3263531" cy="649018"/>
+          </a:xfrm>
+          <a:prstGeom prst="ellipse">
+            <a:avLst/>
+          </a:prstGeom>
+          <a:solidFill>
+            <a:schemeClr val="accent2">
+              <a:lumMod val="60000"/>
+              <a:lumOff val="40000"/>
+            </a:schemeClr>
+          </a:solidFill>
+        </p:spPr>
+        <p:style>
+          <a:lnRef idx="2">
+            <a:schemeClr val="accent1">
+              <a:shade val="50000"/>
+            </a:schemeClr>
+          </a:lnRef>
+          <a:fillRef idx="1">
+            <a:schemeClr val="accent1"/>
+          </a:fillRef>
+          <a:effectRef idx="0">
+            <a:schemeClr val="accent1"/>
+          </a:effectRef>
+          <a:fontRef idx="minor">
+            <a:schemeClr val="lt1"/>
+          </a:fontRef>
+        </p:style>
+        <p:txBody>
+          <a:bodyPr rtlCol="0" anchor="ctr"/>
+          <a:lstStyle/>
+          <a:p>
+            <a:pPr algn="ctr"/>
+            <a:r>
+              <a:rPr lang="en-US" sz="1600" dirty="0">
+                <a:solidFill>
+                  <a:schemeClr val="tx1"/>
+                </a:solidFill>
+                <a:latin typeface="Arial" panose="020B0604020202020204" pitchFamily="34" charset="0"/>
+                <a:cs typeface="Arial" panose="020B0604020202020204" pitchFamily="34" charset="0"/>
+              </a:rPr>
+              <a:t>Scan badge</a:t>
+            </a:r>
+          </a:p>
+        </p:txBody>
+      </p:sp>
+      <p:cxnSp>
+        <p:nvCxnSpPr>
+          <p:cNvPr id="45" name="Straight Connector 44">
+            <a:extLst>
+              <a:ext uri="{FF2B5EF4-FFF2-40B4-BE49-F238E27FC236}">
+                <a16:creationId xmlns:a16="http://schemas.microsoft.com/office/drawing/2014/main" id="{9CC3405C-3D6D-4A7E-B44F-D275D86838F0}"/>
+              </a:ext>
+            </a:extLst>
+          </p:cNvPr>
+          <p:cNvCxnSpPr>
+            <a:cxnSpLocks/>
+            <a:endCxn id="36" idx="2"/>
+          </p:cNvCxnSpPr>
+          <p:nvPr/>
+        </p:nvCxnSpPr>
+        <p:spPr>
+          <a:xfrm flipV="1">
+            <a:off x="5425690" y="604343"/>
+            <a:ext cx="2337185" cy="926094"/>
+          </a:xfrm>
+          <a:prstGeom prst="line">
+            <a:avLst/>
+          </a:prstGeom>
+          <a:ln w="6350">
+            <a:solidFill>
+              <a:schemeClr val="tx1"/>
+            </a:solidFill>
+          </a:ln>
+        </p:spPr>
+        <p:style>
+          <a:lnRef idx="2">
+            <a:schemeClr val="dk1"/>
+          </a:lnRef>
+          <a:fillRef idx="0">
+            <a:schemeClr val="dk1"/>
+          </a:fillRef>
+          <a:effectRef idx="1">
+            <a:schemeClr val="dk1"/>
+          </a:effectRef>
+          <a:fontRef idx="minor">
+            <a:schemeClr val="tx1"/>
+          </a:fontRef>
+        </p:style>
+      </p:cxnSp>
+      <p:cxnSp>
+        <p:nvCxnSpPr>
+          <p:cNvPr id="49" name="Straight Connector 48">
+            <a:extLst>
+              <a:ext uri="{FF2B5EF4-FFF2-40B4-BE49-F238E27FC236}">
+                <a16:creationId xmlns:a16="http://schemas.microsoft.com/office/drawing/2014/main" id="{84693880-8BFD-4F02-8344-3FE9101316BF}"/>
+              </a:ext>
+            </a:extLst>
+          </p:cNvPr>
+          <p:cNvCxnSpPr>
+            <a:cxnSpLocks/>
+            <a:endCxn id="37" idx="2"/>
+          </p:cNvCxnSpPr>
+          <p:nvPr/>
+        </p:nvCxnSpPr>
+        <p:spPr>
+          <a:xfrm flipV="1">
+            <a:off x="5435415" y="1517385"/>
+            <a:ext cx="2327460" cy="7958"/>
+          </a:xfrm>
+          <a:prstGeom prst="line">
+            <a:avLst/>
+          </a:prstGeom>
+          <a:ln w="6350">
+            <a:solidFill>
+              <a:schemeClr val="tx1"/>
+            </a:solidFill>
+          </a:ln>
+        </p:spPr>
+        <p:style>
+          <a:lnRef idx="1">
+            <a:schemeClr val="dk1"/>
+          </a:lnRef>
+          <a:fillRef idx="0">
+            <a:schemeClr val="dk1"/>
+          </a:fillRef>
+          <a:effectRef idx="0">
+            <a:schemeClr val="dk1"/>
+          </a:effectRef>
+          <a:fontRef idx="minor">
+            <a:schemeClr val="tx1"/>
+          </a:fontRef>
+        </p:style>
+      </p:cxnSp>
+      <p:cxnSp>
+        <p:nvCxnSpPr>
+          <p:cNvPr id="50" name="Straight Connector 49">
+            <a:extLst>
+              <a:ext uri="{FF2B5EF4-FFF2-40B4-BE49-F238E27FC236}">
+                <a16:creationId xmlns:a16="http://schemas.microsoft.com/office/drawing/2014/main" id="{9C5EB36C-25EF-4587-BEE4-9F206233BC9C}"/>
+              </a:ext>
+            </a:extLst>
+          </p:cNvPr>
+          <p:cNvCxnSpPr>
+            <a:cxnSpLocks/>
+          </p:cNvCxnSpPr>
+          <p:nvPr/>
+        </p:nvCxnSpPr>
+        <p:spPr>
+          <a:xfrm>
+            <a:off x="5425690" y="1525343"/>
+            <a:ext cx="2332855" cy="1818518"/>
+          </a:xfrm>
+          <a:prstGeom prst="line">
+            <a:avLst/>
+          </a:prstGeom>
+          <a:ln w="6350">
+            <a:solidFill>
+              <a:schemeClr val="tx1"/>
+            </a:solidFill>
+          </a:ln>
+        </p:spPr>
+        <p:style>
+          <a:lnRef idx="1">
+            <a:schemeClr val="dk1"/>
+          </a:lnRef>
+          <a:fillRef idx="0">
+            <a:schemeClr val="dk1"/>
+          </a:fillRef>
+          <a:effectRef idx="0">
+            <a:schemeClr val="dk1"/>
+          </a:effectRef>
+          <a:fontRef idx="minor">
+            <a:schemeClr val="tx1"/>
+          </a:fontRef>
+        </p:style>
+      </p:cxnSp>
+      <p:cxnSp>
+        <p:nvCxnSpPr>
+          <p:cNvPr id="51" name="Straight Connector 50">
+            <a:extLst>
+              <a:ext uri="{FF2B5EF4-FFF2-40B4-BE49-F238E27FC236}">
+                <a16:creationId xmlns:a16="http://schemas.microsoft.com/office/drawing/2014/main" id="{8F0DC3A2-ECD5-46D6-956E-D925C6537FAE}"/>
+              </a:ext>
+            </a:extLst>
+          </p:cNvPr>
+          <p:cNvCxnSpPr>
+            <a:cxnSpLocks/>
+          </p:cNvCxnSpPr>
+          <p:nvPr/>
+        </p:nvCxnSpPr>
+        <p:spPr>
+          <a:xfrm>
+            <a:off x="5425690" y="1525343"/>
+            <a:ext cx="2332855" cy="908119"/>
+          </a:xfrm>
+          <a:prstGeom prst="line">
+            <a:avLst/>
+          </a:prstGeom>
+          <a:ln w="6350">
+            <a:solidFill>
+              <a:schemeClr val="tx1"/>
+            </a:solidFill>
+          </a:ln>
+        </p:spPr>
+        <p:style>
+          <a:lnRef idx="1">
+            <a:schemeClr val="dk1"/>
+          </a:lnRef>
+          <a:fillRef idx="0">
+            <a:schemeClr val="dk1"/>
+          </a:fillRef>
+          <a:effectRef idx="0">
+            <a:schemeClr val="dk1"/>
+          </a:effectRef>
+          <a:fontRef idx="minor">
+            <a:schemeClr val="tx1"/>
+          </a:fontRef>
+        </p:style>
+      </p:cxnSp>
+      <p:cxnSp>
+        <p:nvCxnSpPr>
+          <p:cNvPr id="64" name="Straight Connector 63">
+            <a:extLst>
+              <a:ext uri="{FF2B5EF4-FFF2-40B4-BE49-F238E27FC236}">
+                <a16:creationId xmlns:a16="http://schemas.microsoft.com/office/drawing/2014/main" id="{49A95955-46C1-4D01-8D7E-14485211BDAA}"/>
+              </a:ext>
+            </a:extLst>
+          </p:cNvPr>
+          <p:cNvCxnSpPr>
+            <a:cxnSpLocks/>
+            <a:endCxn id="43" idx="2"/>
+          </p:cNvCxnSpPr>
+          <p:nvPr/>
+        </p:nvCxnSpPr>
+        <p:spPr>
+          <a:xfrm>
+            <a:off x="5435415" y="4594789"/>
+            <a:ext cx="2327460" cy="396535"/>
+          </a:xfrm>
+          <a:prstGeom prst="line">
+            <a:avLst/>
+          </a:prstGeom>
+          <a:ln w="6350">
+            <a:solidFill>
+              <a:schemeClr val="tx1"/>
+            </a:solidFill>
+          </a:ln>
+        </p:spPr>
+        <p:style>
+          <a:lnRef idx="1">
+            <a:schemeClr val="dk1"/>
+          </a:lnRef>
+          <a:fillRef idx="0">
+            <a:schemeClr val="dk1"/>
+          </a:fillRef>
+          <a:effectRef idx="0">
+            <a:schemeClr val="dk1"/>
+          </a:effectRef>
+          <a:fontRef idx="minor">
+            <a:schemeClr val="tx1"/>
+          </a:fontRef>
+        </p:style>
+      </p:cxnSp>
+    </p:spTree>
+    <p:extLst>
+      <p:ext uri="{BB962C8B-B14F-4D97-AF65-F5344CB8AC3E}">
+        <p14:creationId xmlns:p14="http://schemas.microsoft.com/office/powerpoint/2010/main" val="760632979"/>
+      </p:ext>
+    </p:extLst>
+  </p:cSld>
+  <p:clrMapOvr>
+    <a:masterClrMapping/>
+  </p:clrMapOvr>
+</p:sld>
+</file>
+
+<file path=ppt/slides/slide14.xml><?xml version="1.0" encoding="utf-8"?>
+<p:sld xmlns:a="http://schemas.openxmlformats.org/drawingml/2006/main" xmlns:r="http://schemas.openxmlformats.org/officeDocument/2006/relationships" xmlns:p="http://schemas.openxmlformats.org/presentationml/2006/main">
+  <p:cSld>
+    <p:spTree>
+      <p:nvGrpSpPr>
+        <p:cNvPr id="1" name=""/>
+        <p:cNvGrpSpPr/>
+        <p:nvPr/>
+      </p:nvGrpSpPr>
+      <p:grpSpPr>
+        <a:xfrm>
+          <a:off x="0" y="0"/>
+          <a:ext cx="0" cy="0"/>
+          <a:chOff x="0" y="0"/>
+          <a:chExt cx="0" cy="0"/>
+        </a:xfrm>
+      </p:grpSpPr>
+      <p:sp>
+        <p:nvSpPr>
+          <p:cNvPr id="2" name="Rectangle 1">
+            <a:extLst>
+              <a:ext uri="{FF2B5EF4-FFF2-40B4-BE49-F238E27FC236}">
+                <a16:creationId xmlns:a16="http://schemas.microsoft.com/office/drawing/2014/main" id="{FE72583F-D2F7-431B-9395-176B3A4AB05F}"/>
+              </a:ext>
+            </a:extLst>
+          </p:cNvPr>
+          <p:cNvSpPr/>
+          <p:nvPr/>
+        </p:nvSpPr>
+        <p:spPr>
+          <a:xfrm>
+            <a:off x="0" y="0"/>
+            <a:ext cx="3598877" cy="6858000"/>
+          </a:xfrm>
+          <a:prstGeom prst="rect">
+            <a:avLst/>
+          </a:prstGeom>
+        </p:spPr>
+        <p:style>
+          <a:lnRef idx="2">
+            <a:schemeClr val="accent1">
+              <a:shade val="50000"/>
+            </a:schemeClr>
+          </a:lnRef>
+          <a:fillRef idx="1">
+            <a:schemeClr val="accent1"/>
+          </a:fillRef>
+          <a:effectRef idx="0">
+            <a:schemeClr val="accent1"/>
+          </a:effectRef>
+          <a:fontRef idx="minor">
+            <a:schemeClr val="lt1"/>
+          </a:fontRef>
+        </p:style>
+        <p:txBody>
+          <a:bodyPr rtlCol="0" anchor="ctr"/>
+          <a:lstStyle/>
+          <a:p>
+            <a:pPr algn="ctr"/>
+            <a:endParaRPr lang="en-US"/>
+          </a:p>
+        </p:txBody>
+      </p:sp>
+      <p:sp>
+        <p:nvSpPr>
+          <p:cNvPr id="3" name="Rectangle 2">
+            <a:extLst>
+              <a:ext uri="{FF2B5EF4-FFF2-40B4-BE49-F238E27FC236}">
+                <a16:creationId xmlns:a16="http://schemas.microsoft.com/office/drawing/2014/main" id="{7B5B443F-17E6-47A6-ADCA-673AB3F695DC}"/>
+              </a:ext>
+            </a:extLst>
+          </p:cNvPr>
+          <p:cNvSpPr/>
+          <p:nvPr/>
+        </p:nvSpPr>
+        <p:spPr>
+          <a:xfrm>
+            <a:off x="3598877" y="0"/>
+            <a:ext cx="8593123" cy="6858000"/>
+          </a:xfrm>
+          <a:prstGeom prst="rect">
+            <a:avLst/>
+          </a:prstGeom>
+        </p:spPr>
+        <p:style>
+          <a:lnRef idx="2">
+            <a:schemeClr val="accent1">
+              <a:shade val="50000"/>
+            </a:schemeClr>
+          </a:lnRef>
+          <a:fillRef idx="1">
+            <a:schemeClr val="accent1"/>
+          </a:fillRef>
+          <a:effectRef idx="0">
+            <a:schemeClr val="accent1"/>
+          </a:effectRef>
+          <a:fontRef idx="minor">
+            <a:schemeClr val="lt1"/>
+          </a:fontRef>
+        </p:style>
+        <p:txBody>
+          <a:bodyPr rtlCol="0" anchor="ctr"/>
+          <a:lstStyle/>
+          <a:p>
+            <a:pPr algn="ctr"/>
+            <a:endParaRPr lang="en-US"/>
+          </a:p>
+        </p:txBody>
+      </p:sp>
+      <p:sp>
+        <p:nvSpPr>
+          <p:cNvPr id="5" name="TextBox 4">
+            <a:extLst>
+              <a:ext uri="{FF2B5EF4-FFF2-40B4-BE49-F238E27FC236}">
+                <a16:creationId xmlns:a16="http://schemas.microsoft.com/office/drawing/2014/main" id="{67AD8EF5-95BE-4EB1-9B27-48650D4C7F78}"/>
+              </a:ext>
+            </a:extLst>
+          </p:cNvPr>
+          <p:cNvSpPr txBox="1"/>
+          <p:nvPr/>
+        </p:nvSpPr>
+        <p:spPr>
+          <a:xfrm>
+            <a:off x="96982" y="1163781"/>
+            <a:ext cx="3404913" cy="523220"/>
+          </a:xfrm>
+          <a:prstGeom prst="rect">
+            <a:avLst/>
+          </a:prstGeom>
+          <a:noFill/>
+          <a:ln>
+            <a:solidFill>
+              <a:schemeClr val="accent1"/>
+            </a:solidFill>
+          </a:ln>
+        </p:spPr>
+        <p:txBody>
+          <a:bodyPr wrap="square" rtlCol="0">
+            <a:spAutoFit/>
+          </a:bodyPr>
+          <a:lstStyle/>
+          <a:p>
+            <a:pPr algn="ctr"/>
+            <a:r>
+              <a:rPr lang="en-US" sz="2800" b="1" dirty="0">
+                <a:latin typeface="Arial" panose="020B0604020202020204" pitchFamily="34" charset="0"/>
+                <a:cs typeface="Arial" panose="020B0604020202020204" pitchFamily="34" charset="0"/>
+              </a:rPr>
+              <a:t>Activity Diagram</a:t>
+            </a:r>
+          </a:p>
+        </p:txBody>
+      </p:sp>
+      <p:sp>
+        <p:nvSpPr>
+          <p:cNvPr id="7" name="TextBox 6">
+            <a:extLst>
+              <a:ext uri="{FF2B5EF4-FFF2-40B4-BE49-F238E27FC236}">
+                <a16:creationId xmlns:a16="http://schemas.microsoft.com/office/drawing/2014/main" id="{51233EE6-9A99-4853-A6CA-291C6792C7EF}"/>
+              </a:ext>
+            </a:extLst>
+          </p:cNvPr>
+          <p:cNvSpPr txBox="1"/>
+          <p:nvPr/>
+        </p:nvSpPr>
+        <p:spPr>
+          <a:xfrm>
+            <a:off x="159390" y="2097054"/>
+            <a:ext cx="3404913" cy="923330"/>
+          </a:xfrm>
+          <a:prstGeom prst="rect">
+            <a:avLst/>
+          </a:prstGeom>
+          <a:noFill/>
+        </p:spPr>
+        <p:txBody>
+          <a:bodyPr wrap="square" rtlCol="0">
+            <a:spAutoFit/>
+          </a:bodyPr>
+          <a:lstStyle/>
+          <a:p>
+            <a:r>
+              <a:rPr lang="en-US" dirty="0">
+                <a:latin typeface="Arial" panose="020B0604020202020204" pitchFamily="34" charset="0"/>
+                <a:cs typeface="Arial" panose="020B0604020202020204" pitchFamily="34" charset="0"/>
+              </a:rPr>
+              <a:t>Shows the activities involved when the system start scanning  in SATS.</a:t>
+            </a:r>
+          </a:p>
+        </p:txBody>
+      </p:sp>
+      <p:pic>
+        <p:nvPicPr>
+          <p:cNvPr id="13" name="Picture 12" descr="A picture containing drawing&#10;&#10;Description automatically generated">
+            <a:extLst>
+              <a:ext uri="{FF2B5EF4-FFF2-40B4-BE49-F238E27FC236}">
+                <a16:creationId xmlns:a16="http://schemas.microsoft.com/office/drawing/2014/main" id="{5CCF1C37-FA2D-4BD2-8F87-13578E3F46F5}"/>
+              </a:ext>
+            </a:extLst>
+          </p:cNvPr>
+          <p:cNvPicPr>
+            <a:picLocks noChangeAspect="1"/>
+          </p:cNvPicPr>
+          <p:nvPr/>
+        </p:nvPicPr>
+        <p:blipFill>
+          <a:blip r:embed="rId2">
+            <a:extLst>
+              <a:ext uri="{28A0092B-C50C-407E-A947-70E740481C1C}">
+                <a14:useLocalDpi xmlns:a14="http://schemas.microsoft.com/office/drawing/2010/main" val="0"/>
+              </a:ext>
+            </a:extLst>
+          </a:blip>
+          <a:stretch>
+            <a:fillRect/>
+          </a:stretch>
+        </p:blipFill>
+        <p:spPr>
+          <a:xfrm>
+            <a:off x="733154" y="3429000"/>
+            <a:ext cx="2132568" cy="2184391"/>
+          </a:xfrm>
+          <a:prstGeom prst="rect">
+            <a:avLst/>
+          </a:prstGeom>
+        </p:spPr>
+      </p:pic>
+      <p:pic>
+        <p:nvPicPr>
+          <p:cNvPr id="14" name="Picture 13">
+            <a:extLst>
+              <a:ext uri="{FF2B5EF4-FFF2-40B4-BE49-F238E27FC236}">
+                <a16:creationId xmlns:a16="http://schemas.microsoft.com/office/drawing/2014/main" id="{684C9D68-80CB-4AE8-9FBC-17F2F38D79E2}"/>
+              </a:ext>
+            </a:extLst>
+          </p:cNvPr>
+          <p:cNvPicPr>
+            <a:picLocks noChangeAspect="1"/>
+          </p:cNvPicPr>
+          <p:nvPr/>
+        </p:nvPicPr>
+        <p:blipFill>
+          <a:blip r:embed="rId3"/>
+          <a:stretch>
+            <a:fillRect/>
+          </a:stretch>
+        </p:blipFill>
+        <p:spPr>
+          <a:xfrm>
+            <a:off x="3564303" y="0"/>
+            <a:ext cx="8627698" cy="6857999"/>
+          </a:xfrm>
+          <a:prstGeom prst="rect">
+            <a:avLst/>
+          </a:prstGeom>
+        </p:spPr>
+      </p:pic>
+    </p:spTree>
+    <p:extLst>
+      <p:ext uri="{BB962C8B-B14F-4D97-AF65-F5344CB8AC3E}">
+        <p14:creationId xmlns:p14="http://schemas.microsoft.com/office/powerpoint/2010/main" val="2587480458"/>
+      </p:ext>
+    </p:extLst>
+  </p:cSld>
+  <p:clrMapOvr>
+    <a:masterClrMapping/>
+  </p:clrMapOvr>
+</p:sld>
+</file>
+
+<file path=ppt/slides/slide15.xml><?xml version="1.0" encoding="utf-8"?>
+<p:sld xmlns:a="http://schemas.openxmlformats.org/drawingml/2006/main" xmlns:r="http://schemas.openxmlformats.org/officeDocument/2006/relationships" xmlns:p="http://schemas.openxmlformats.org/presentationml/2006/main">
+  <p:cSld>
+    <p:spTree>
+      <p:nvGrpSpPr>
+        <p:cNvPr id="1" name=""/>
+        <p:cNvGrpSpPr/>
+        <p:nvPr/>
+      </p:nvGrpSpPr>
+      <p:grpSpPr>
+        <a:xfrm>
+          <a:off x="0" y="0"/>
+          <a:ext cx="0" cy="0"/>
+          <a:chOff x="0" y="0"/>
+          <a:chExt cx="0" cy="0"/>
+        </a:xfrm>
+      </p:grpSpPr>
+      <p:sp>
+        <p:nvSpPr>
+          <p:cNvPr id="4" name="Rectangle 3">
+            <a:extLst>
+              <a:ext uri="{FF2B5EF4-FFF2-40B4-BE49-F238E27FC236}">
+                <a16:creationId xmlns:a16="http://schemas.microsoft.com/office/drawing/2014/main" id="{CFA51E12-A631-4E97-9554-19525C881229}"/>
+              </a:ext>
+            </a:extLst>
+          </p:cNvPr>
+          <p:cNvSpPr/>
+          <p:nvPr/>
+        </p:nvSpPr>
+        <p:spPr>
+          <a:xfrm>
+            <a:off x="3196206" y="1"/>
+            <a:ext cx="8995794" cy="6858000"/>
+          </a:xfrm>
+          <a:prstGeom prst="rect">
+            <a:avLst/>
+          </a:prstGeom>
+        </p:spPr>
+        <p:style>
+          <a:lnRef idx="2">
+            <a:schemeClr val="accent1">
+              <a:shade val="50000"/>
+            </a:schemeClr>
+          </a:lnRef>
+          <a:fillRef idx="1">
+            <a:schemeClr val="accent1"/>
+          </a:fillRef>
+          <a:effectRef idx="0">
+            <a:schemeClr val="accent1"/>
+          </a:effectRef>
+          <a:fontRef idx="minor">
+            <a:schemeClr val="lt1"/>
+          </a:fontRef>
+        </p:style>
+        <p:txBody>
+          <a:bodyPr rtlCol="0" anchor="ctr"/>
+          <a:lstStyle/>
+          <a:p>
+            <a:pPr algn="ctr"/>
+            <a:endParaRPr lang="en-US"/>
+          </a:p>
+        </p:txBody>
+      </p:sp>
+      <p:sp>
+        <p:nvSpPr>
+          <p:cNvPr id="2" name="Rectangle 1">
+            <a:extLst>
+              <a:ext uri="{FF2B5EF4-FFF2-40B4-BE49-F238E27FC236}">
+                <a16:creationId xmlns:a16="http://schemas.microsoft.com/office/drawing/2014/main" id="{53F4DEF9-1B99-4ABD-86BD-4C102C4CB7BA}"/>
+              </a:ext>
+            </a:extLst>
+          </p:cNvPr>
+          <p:cNvSpPr/>
+          <p:nvPr/>
+        </p:nvSpPr>
+        <p:spPr>
+          <a:xfrm>
+            <a:off x="0" y="0"/>
+            <a:ext cx="3196206" cy="6858000"/>
+          </a:xfrm>
+          <a:prstGeom prst="rect">
+            <a:avLst/>
+          </a:prstGeom>
+        </p:spPr>
+        <p:style>
+          <a:lnRef idx="2">
+            <a:schemeClr val="accent1">
+              <a:shade val="50000"/>
+            </a:schemeClr>
+          </a:lnRef>
+          <a:fillRef idx="1">
+            <a:schemeClr val="accent1"/>
+          </a:fillRef>
+          <a:effectRef idx="0">
+            <a:schemeClr val="accent1"/>
+          </a:effectRef>
+          <a:fontRef idx="minor">
+            <a:schemeClr val="lt1"/>
+          </a:fontRef>
+        </p:style>
+        <p:txBody>
+          <a:bodyPr rtlCol="0" anchor="ctr"/>
+          <a:lstStyle/>
+          <a:p>
+            <a:pPr algn="ctr"/>
+            <a:endParaRPr lang="en-US"/>
+          </a:p>
+        </p:txBody>
+      </p:sp>
+      <p:sp>
+        <p:nvSpPr>
+          <p:cNvPr id="5" name="TextBox 4">
+            <a:extLst>
+              <a:ext uri="{FF2B5EF4-FFF2-40B4-BE49-F238E27FC236}">
+                <a16:creationId xmlns:a16="http://schemas.microsoft.com/office/drawing/2014/main" id="{74381CE5-C985-43D5-9E0D-2CB445384469}"/>
+              </a:ext>
+            </a:extLst>
+          </p:cNvPr>
+          <p:cNvSpPr txBox="1"/>
+          <p:nvPr/>
+        </p:nvSpPr>
+        <p:spPr>
+          <a:xfrm>
+            <a:off x="0" y="1132514"/>
+            <a:ext cx="3196206" cy="584775"/>
+          </a:xfrm>
+          <a:prstGeom prst="rect">
+            <a:avLst/>
+          </a:prstGeom>
+          <a:noFill/>
+        </p:spPr>
+        <p:txBody>
+          <a:bodyPr wrap="square" rtlCol="0">
+            <a:spAutoFit/>
+          </a:bodyPr>
+          <a:lstStyle/>
+          <a:p>
+            <a:pPr algn="ctr"/>
+            <a:r>
+              <a:rPr lang="en-US" sz="3200" b="1" dirty="0">
+                <a:latin typeface="Arial" panose="020B0604020202020204" pitchFamily="34" charset="0"/>
+                <a:cs typeface="Arial" panose="020B0604020202020204" pitchFamily="34" charset="0"/>
+              </a:rPr>
+              <a:t>Flowchart</a:t>
+            </a:r>
+          </a:p>
+        </p:txBody>
+      </p:sp>
+      <p:sp>
+        <p:nvSpPr>
+          <p:cNvPr id="6" name="TextBox 5">
+            <a:extLst>
+              <a:ext uri="{FF2B5EF4-FFF2-40B4-BE49-F238E27FC236}">
+                <a16:creationId xmlns:a16="http://schemas.microsoft.com/office/drawing/2014/main" id="{48A2D41A-F500-4BDB-8090-2B2937A8938C}"/>
+              </a:ext>
+            </a:extLst>
+          </p:cNvPr>
+          <p:cNvSpPr txBox="1"/>
+          <p:nvPr/>
+        </p:nvSpPr>
+        <p:spPr>
+          <a:xfrm>
+            <a:off x="0" y="2298584"/>
+            <a:ext cx="3196206" cy="923330"/>
+          </a:xfrm>
+          <a:prstGeom prst="rect">
+            <a:avLst/>
+          </a:prstGeom>
+          <a:noFill/>
+        </p:spPr>
+        <p:txBody>
+          <a:bodyPr wrap="square" rtlCol="0">
+            <a:spAutoFit/>
+          </a:bodyPr>
+          <a:lstStyle/>
+          <a:p>
+            <a:r>
+              <a:rPr lang="en-US" dirty="0">
+                <a:latin typeface="Arial" panose="020B0604020202020204" pitchFamily="34" charset="0"/>
+                <a:cs typeface="Arial" panose="020B0604020202020204" pitchFamily="34" charset="0"/>
+              </a:rPr>
+              <a:t>Shows the details of the </a:t>
+            </a:r>
+            <a:r>
+              <a:rPr lang="en-US" dirty="0" err="1">
+                <a:latin typeface="Arial" panose="020B0604020202020204" pitchFamily="34" charset="0"/>
+                <a:cs typeface="Arial" panose="020B0604020202020204" pitchFamily="34" charset="0"/>
+              </a:rPr>
+              <a:t>checkByID</a:t>
+            </a:r>
+            <a:r>
+              <a:rPr lang="en-US" dirty="0">
+                <a:latin typeface="Arial" panose="020B0604020202020204" pitchFamily="34" charset="0"/>
+                <a:cs typeface="Arial" panose="020B0604020202020204" pitchFamily="34" charset="0"/>
+              </a:rPr>
+              <a:t>(String id) method that manipulate the database.</a:t>
+            </a:r>
+          </a:p>
+        </p:txBody>
+      </p:sp>
+      <p:pic>
+        <p:nvPicPr>
+          <p:cNvPr id="8" name="Picture 7" descr="A picture containing train, clock&#10;&#10;Description automatically generated">
+            <a:extLst>
+              <a:ext uri="{FF2B5EF4-FFF2-40B4-BE49-F238E27FC236}">
+                <a16:creationId xmlns:a16="http://schemas.microsoft.com/office/drawing/2014/main" id="{6594587F-C9CC-4B2F-A4F1-D14D1957362C}"/>
+              </a:ext>
+            </a:extLst>
+          </p:cNvPr>
+          <p:cNvPicPr>
+            <a:picLocks noChangeAspect="1"/>
+          </p:cNvPicPr>
+          <p:nvPr/>
+        </p:nvPicPr>
+        <p:blipFill>
+          <a:blip r:embed="rId2">
+            <a:extLst>
+              <a:ext uri="{28A0092B-C50C-407E-A947-70E740481C1C}">
+                <a14:useLocalDpi xmlns:a14="http://schemas.microsoft.com/office/drawing/2010/main" val="0"/>
+              </a:ext>
+            </a:extLst>
+          </a:blip>
+          <a:stretch>
+            <a:fillRect/>
+          </a:stretch>
+        </p:blipFill>
+        <p:spPr>
+          <a:xfrm>
+            <a:off x="624281" y="3716864"/>
+            <a:ext cx="1947644" cy="2009163"/>
+          </a:xfrm>
+          <a:prstGeom prst="rect">
+            <a:avLst/>
+          </a:prstGeom>
+        </p:spPr>
+      </p:pic>
+      <p:pic>
+        <p:nvPicPr>
+          <p:cNvPr id="9" name="Picture 8">
+            <a:extLst>
+              <a:ext uri="{FF2B5EF4-FFF2-40B4-BE49-F238E27FC236}">
+                <a16:creationId xmlns:a16="http://schemas.microsoft.com/office/drawing/2014/main" id="{00165DE0-7113-4FDF-92C0-039C630900BC}"/>
+              </a:ext>
+            </a:extLst>
+          </p:cNvPr>
+          <p:cNvPicPr>
+            <a:picLocks noChangeAspect="1"/>
+          </p:cNvPicPr>
+          <p:nvPr/>
+        </p:nvPicPr>
+        <p:blipFill>
+          <a:blip r:embed="rId3"/>
+          <a:stretch>
+            <a:fillRect/>
+          </a:stretch>
+        </p:blipFill>
+        <p:spPr>
+          <a:xfrm>
+            <a:off x="3196206" y="0"/>
+            <a:ext cx="8995793" cy="6857999"/>
+          </a:xfrm>
+          <a:prstGeom prst="rect">
+            <a:avLst/>
+          </a:prstGeom>
+        </p:spPr>
+      </p:pic>
+    </p:spTree>
+    <p:extLst>
+      <p:ext uri="{BB962C8B-B14F-4D97-AF65-F5344CB8AC3E}">
+        <p14:creationId xmlns:p14="http://schemas.microsoft.com/office/powerpoint/2010/main" val="379154893"/>
+      </p:ext>
+    </p:extLst>
+  </p:cSld>
+  <p:clrMapOvr>
+    <a:masterClrMapping/>
+  </p:clrMapOvr>
+</p:sld>
+</file>
+
+<file path=ppt/slides/slide16.xml><?xml version="1.0" encoding="utf-8"?>
+<p:sld xmlns:a="http://schemas.openxmlformats.org/drawingml/2006/main" xmlns:r="http://schemas.openxmlformats.org/officeDocument/2006/relationships" xmlns:p="http://schemas.openxmlformats.org/presentationml/2006/main">
+  <p:cSld>
+    <p:spTree>
+      <p:nvGrpSpPr>
+        <p:cNvPr id="1" name=""/>
+        <p:cNvGrpSpPr/>
+        <p:nvPr/>
+      </p:nvGrpSpPr>
+      <p:grpSpPr>
+        <a:xfrm>
+          <a:off x="0" y="0"/>
+          <a:ext cx="0" cy="0"/>
+          <a:chOff x="0" y="0"/>
+          <a:chExt cx="0" cy="0"/>
+        </a:xfrm>
+      </p:grpSpPr>
+      <p:sp>
+        <p:nvSpPr>
+          <p:cNvPr id="3" name="Rectangle 2">
+            <a:extLst>
+              <a:ext uri="{FF2B5EF4-FFF2-40B4-BE49-F238E27FC236}">
+                <a16:creationId xmlns:a16="http://schemas.microsoft.com/office/drawing/2014/main" id="{BF38794C-5951-4CC3-910A-C520B4B501B1}"/>
+              </a:ext>
+            </a:extLst>
+          </p:cNvPr>
+          <p:cNvSpPr/>
+          <p:nvPr/>
+        </p:nvSpPr>
+        <p:spPr>
+          <a:xfrm>
+            <a:off x="0" y="0"/>
+            <a:ext cx="3204594" cy="6858000"/>
+          </a:xfrm>
+          <a:prstGeom prst="rect">
+            <a:avLst/>
+          </a:prstGeom>
+        </p:spPr>
+        <p:style>
+          <a:lnRef idx="2">
+            <a:schemeClr val="accent1">
+              <a:shade val="50000"/>
+            </a:schemeClr>
+          </a:lnRef>
+          <a:fillRef idx="1">
+            <a:schemeClr val="accent1"/>
+          </a:fillRef>
+          <a:effectRef idx="0">
+            <a:schemeClr val="accent1"/>
+          </a:effectRef>
+          <a:fontRef idx="minor">
+            <a:schemeClr val="lt1"/>
+          </a:fontRef>
+        </p:style>
+        <p:txBody>
+          <a:bodyPr rtlCol="0" anchor="ctr"/>
+          <a:lstStyle/>
+          <a:p>
+            <a:pPr algn="ctr"/>
+            <a:endParaRPr lang="en-US"/>
+          </a:p>
+        </p:txBody>
+      </p:sp>
+      <p:sp>
+        <p:nvSpPr>
+          <p:cNvPr id="4" name="Rectangle 3">
+            <a:extLst>
+              <a:ext uri="{FF2B5EF4-FFF2-40B4-BE49-F238E27FC236}">
+                <a16:creationId xmlns:a16="http://schemas.microsoft.com/office/drawing/2014/main" id="{B5C1A586-EC92-4DC4-9EAD-8C3143055345}"/>
+              </a:ext>
+            </a:extLst>
+          </p:cNvPr>
+          <p:cNvSpPr/>
+          <p:nvPr/>
+        </p:nvSpPr>
+        <p:spPr>
+          <a:xfrm>
+            <a:off x="3204594" y="0"/>
+            <a:ext cx="8987406" cy="6858000"/>
+          </a:xfrm>
+          <a:prstGeom prst="rect">
+            <a:avLst/>
+          </a:prstGeom>
+        </p:spPr>
+        <p:style>
+          <a:lnRef idx="2">
+            <a:schemeClr val="accent1">
+              <a:shade val="50000"/>
+            </a:schemeClr>
+          </a:lnRef>
+          <a:fillRef idx="1">
+            <a:schemeClr val="accent1"/>
+          </a:fillRef>
+          <a:effectRef idx="0">
+            <a:schemeClr val="accent1"/>
+          </a:effectRef>
+          <a:fontRef idx="minor">
+            <a:schemeClr val="lt1"/>
+          </a:fontRef>
+        </p:style>
+        <p:txBody>
+          <a:bodyPr rtlCol="0" anchor="ctr"/>
+          <a:lstStyle/>
+          <a:p>
+            <a:pPr algn="ctr"/>
+            <a:endParaRPr lang="en-US"/>
+          </a:p>
+        </p:txBody>
+      </p:sp>
+      <p:sp>
+        <p:nvSpPr>
+          <p:cNvPr id="6" name="TextBox 5">
+            <a:extLst>
+              <a:ext uri="{FF2B5EF4-FFF2-40B4-BE49-F238E27FC236}">
+                <a16:creationId xmlns:a16="http://schemas.microsoft.com/office/drawing/2014/main" id="{4F8570F9-501D-436C-93A1-FBAEBAD4BD2A}"/>
+              </a:ext>
+            </a:extLst>
+          </p:cNvPr>
+          <p:cNvSpPr txBox="1"/>
+          <p:nvPr/>
+        </p:nvSpPr>
+        <p:spPr>
+          <a:xfrm>
+            <a:off x="0" y="464080"/>
+            <a:ext cx="3204593" cy="1569660"/>
+          </a:xfrm>
+          <a:prstGeom prst="rect">
+            <a:avLst/>
+          </a:prstGeom>
+          <a:noFill/>
+        </p:spPr>
+        <p:txBody>
+          <a:bodyPr wrap="square" rtlCol="0">
+            <a:spAutoFit/>
+          </a:bodyPr>
+          <a:lstStyle/>
+          <a:p>
+            <a:pPr algn="ctr"/>
+            <a:r>
+              <a:rPr lang="en-US" sz="3200" b="1" dirty="0">
+                <a:latin typeface="Arial" panose="020B0604020202020204" pitchFamily="34" charset="0"/>
+                <a:cs typeface="Arial" panose="020B0604020202020204" pitchFamily="34" charset="0"/>
+              </a:rPr>
+              <a:t>SATS Architectural Pattern</a:t>
+            </a:r>
+          </a:p>
+        </p:txBody>
+      </p:sp>
+      <p:pic>
+        <p:nvPicPr>
+          <p:cNvPr id="10" name="Picture 9" descr="A close up of a sign&#10;&#10;Description automatically generated">
+            <a:extLst>
+              <a:ext uri="{FF2B5EF4-FFF2-40B4-BE49-F238E27FC236}">
+                <a16:creationId xmlns:a16="http://schemas.microsoft.com/office/drawing/2014/main" id="{FE7A606D-4438-4F8B-9A31-124C7A9E7083}"/>
+              </a:ext>
+            </a:extLst>
+          </p:cNvPr>
+          <p:cNvPicPr>
+            <a:picLocks noChangeAspect="1"/>
+          </p:cNvPicPr>
+          <p:nvPr/>
+        </p:nvPicPr>
+        <p:blipFill>
+          <a:blip r:embed="rId2">
+            <a:extLst>
+              <a:ext uri="{28A0092B-C50C-407E-A947-70E740481C1C}">
+                <a14:useLocalDpi xmlns:a14="http://schemas.microsoft.com/office/drawing/2010/main" val="0"/>
+              </a:ext>
+            </a:extLst>
+          </a:blip>
+          <a:stretch>
+            <a:fillRect/>
+          </a:stretch>
+        </p:blipFill>
+        <p:spPr>
+          <a:xfrm>
+            <a:off x="498549" y="3597871"/>
+            <a:ext cx="2207491" cy="2011219"/>
+          </a:xfrm>
+          <a:prstGeom prst="rect">
+            <a:avLst/>
+          </a:prstGeom>
+        </p:spPr>
+      </p:pic>
+      <p:sp>
+        <p:nvSpPr>
+          <p:cNvPr id="11" name="TextBox 10">
+            <a:extLst>
+              <a:ext uri="{FF2B5EF4-FFF2-40B4-BE49-F238E27FC236}">
+                <a16:creationId xmlns:a16="http://schemas.microsoft.com/office/drawing/2014/main" id="{14A12CB2-B6A6-4785-A7E4-38058E26E932}"/>
+              </a:ext>
+            </a:extLst>
+          </p:cNvPr>
+          <p:cNvSpPr txBox="1"/>
+          <p:nvPr/>
+        </p:nvSpPr>
+        <p:spPr>
+          <a:xfrm>
+            <a:off x="0" y="2206931"/>
+            <a:ext cx="3204592" cy="369332"/>
+          </a:xfrm>
+          <a:prstGeom prst="rect">
+            <a:avLst/>
+          </a:prstGeom>
+          <a:noFill/>
+        </p:spPr>
+        <p:txBody>
+          <a:bodyPr wrap="square" rtlCol="0">
+            <a:spAutoFit/>
+          </a:bodyPr>
+          <a:lstStyle/>
+          <a:p>
+            <a:r>
+              <a:rPr lang="en-US" dirty="0">
+                <a:latin typeface="Arial" panose="020B0604020202020204" pitchFamily="34" charset="0"/>
+                <a:cs typeface="Arial" panose="020B0604020202020204" pitchFamily="34" charset="0"/>
+              </a:rPr>
+              <a:t>……………….........................</a:t>
+            </a:r>
+          </a:p>
+        </p:txBody>
+      </p:sp>
+      <p:pic>
+        <p:nvPicPr>
+          <p:cNvPr id="13" name="Picture 12" descr="A screenshot of a social media post&#10;&#10;Description automatically generated">
+            <a:extLst>
+              <a:ext uri="{FF2B5EF4-FFF2-40B4-BE49-F238E27FC236}">
+                <a16:creationId xmlns:a16="http://schemas.microsoft.com/office/drawing/2014/main" id="{E014EB4B-9937-4452-87D4-411DFF4A2C91}"/>
+              </a:ext>
+            </a:extLst>
+          </p:cNvPr>
+          <p:cNvPicPr>
+            <a:picLocks noChangeAspect="1"/>
+          </p:cNvPicPr>
+          <p:nvPr/>
+        </p:nvPicPr>
+        <p:blipFill>
+          <a:blip r:embed="rId3">
+            <a:extLst>
+              <a:ext uri="{28A0092B-C50C-407E-A947-70E740481C1C}">
+                <a14:useLocalDpi xmlns:a14="http://schemas.microsoft.com/office/drawing/2010/main" val="0"/>
+              </a:ext>
+            </a:extLst>
+          </a:blip>
+          <a:stretch>
+            <a:fillRect/>
+          </a:stretch>
+        </p:blipFill>
+        <p:spPr>
+          <a:xfrm>
+            <a:off x="3204591" y="0"/>
+            <a:ext cx="8987411" cy="6857999"/>
+          </a:xfrm>
+          <a:prstGeom prst="rect">
+            <a:avLst/>
+          </a:prstGeom>
+        </p:spPr>
+      </p:pic>
+    </p:spTree>
+    <p:extLst>
+      <p:ext uri="{BB962C8B-B14F-4D97-AF65-F5344CB8AC3E}">
+        <p14:creationId xmlns:p14="http://schemas.microsoft.com/office/powerpoint/2010/main" val="3321385058"/>
+      </p:ext>
+    </p:extLst>
+  </p:cSld>
+  <p:clrMapOvr>
+    <a:masterClrMapping/>
+  </p:clrMapOvr>
+</p:sld>
+</file>
+
+<file path=ppt/slides/slide17.xml><?xml version="1.0" encoding="utf-8"?>
+<p:sld xmlns:a="http://schemas.openxmlformats.org/drawingml/2006/main" xmlns:r="http://schemas.openxmlformats.org/officeDocument/2006/relationships" xmlns:p="http://schemas.openxmlformats.org/presentationml/2006/main">
+  <p:cSld>
+    <p:spTree>
+      <p:nvGrpSpPr>
+        <p:cNvPr id="1" name=""/>
+        <p:cNvGrpSpPr/>
+        <p:nvPr/>
+      </p:nvGrpSpPr>
+      <p:grpSpPr>
+        <a:xfrm>
+          <a:off x="0" y="0"/>
+          <a:ext cx="0" cy="0"/>
+          <a:chOff x="0" y="0"/>
+          <a:chExt cx="0" cy="0"/>
+        </a:xfrm>
+      </p:grpSpPr>
+      <p:sp>
+        <p:nvSpPr>
+          <p:cNvPr id="8" name="Rectangle 7">
+            <a:extLst>
+              <a:ext uri="{FF2B5EF4-FFF2-40B4-BE49-F238E27FC236}">
+                <a16:creationId xmlns:a16="http://schemas.microsoft.com/office/drawing/2014/main" id="{CB3CA986-C31B-4906-8D2B-6E0ED7A5BD32}"/>
+              </a:ext>
+            </a:extLst>
+          </p:cNvPr>
+          <p:cNvSpPr/>
+          <p:nvPr/>
+        </p:nvSpPr>
+        <p:spPr>
+          <a:xfrm>
+            <a:off x="1" y="0"/>
+            <a:ext cx="3825380" cy="6858000"/>
+          </a:xfrm>
+          <a:prstGeom prst="rect">
+            <a:avLst/>
+          </a:prstGeom>
+        </p:spPr>
+        <p:style>
+          <a:lnRef idx="2">
+            <a:schemeClr val="accent1">
+              <a:shade val="50000"/>
+            </a:schemeClr>
+          </a:lnRef>
+          <a:fillRef idx="1">
+            <a:schemeClr val="accent1"/>
+          </a:fillRef>
+          <a:effectRef idx="0">
+            <a:schemeClr val="accent1"/>
+          </a:effectRef>
+          <a:fontRef idx="minor">
+            <a:schemeClr val="lt1"/>
+          </a:fontRef>
+        </p:style>
+        <p:txBody>
+          <a:bodyPr rtlCol="0" anchor="ctr"/>
+          <a:lstStyle/>
+          <a:p>
+            <a:pPr algn="ctr"/>
+            <a:endParaRPr lang="en-US"/>
+          </a:p>
+        </p:txBody>
+      </p:sp>
+      <p:pic>
+        <p:nvPicPr>
+          <p:cNvPr id="7" name="Picture 6" descr="A picture containing clock, plate&#10;&#10;Description automatically generated">
+            <a:extLst>
+              <a:ext uri="{FF2B5EF4-FFF2-40B4-BE49-F238E27FC236}">
+                <a16:creationId xmlns:a16="http://schemas.microsoft.com/office/drawing/2014/main" id="{6E1D7C95-B202-4A00-A6B9-90819AE16BF3}"/>
+              </a:ext>
+            </a:extLst>
+          </p:cNvPr>
+          <p:cNvPicPr>
+            <a:picLocks noChangeAspect="1"/>
+          </p:cNvPicPr>
+          <p:nvPr/>
+        </p:nvPicPr>
+        <p:blipFill>
+          <a:blip r:embed="rId2">
+            <a:extLst>
+              <a:ext uri="{28A0092B-C50C-407E-A947-70E740481C1C}">
+                <a14:useLocalDpi xmlns:a14="http://schemas.microsoft.com/office/drawing/2010/main" val="0"/>
+              </a:ext>
+            </a:extLst>
+          </a:blip>
+          <a:stretch>
+            <a:fillRect/>
+          </a:stretch>
+        </p:blipFill>
+        <p:spPr>
+          <a:xfrm>
+            <a:off x="280136" y="1736521"/>
+            <a:ext cx="3020935" cy="2099849"/>
+          </a:xfrm>
+          <a:prstGeom prst="rect">
+            <a:avLst/>
+          </a:prstGeom>
+        </p:spPr>
+      </p:pic>
+      <p:pic>
+        <p:nvPicPr>
+          <p:cNvPr id="5" name="Picture 4" descr="A picture containing comb, plate&#10;&#10;Description automatically generated">
+            <a:extLst>
+              <a:ext uri="{FF2B5EF4-FFF2-40B4-BE49-F238E27FC236}">
+                <a16:creationId xmlns:a16="http://schemas.microsoft.com/office/drawing/2014/main" id="{2C0F5D0D-ED8A-499C-8710-DF749BE9834E}"/>
+              </a:ext>
+            </a:extLst>
+          </p:cNvPr>
+          <p:cNvPicPr>
+            <a:picLocks noChangeAspect="1"/>
+          </p:cNvPicPr>
+          <p:nvPr/>
+        </p:nvPicPr>
+        <p:blipFill>
+          <a:blip r:embed="rId3">
+            <a:extLst>
+              <a:ext uri="{28A0092B-C50C-407E-A947-70E740481C1C}">
+                <a14:useLocalDpi xmlns:a14="http://schemas.microsoft.com/office/drawing/2010/main" val="0"/>
+              </a:ext>
+            </a:extLst>
+          </a:blip>
+          <a:stretch>
+            <a:fillRect/>
+          </a:stretch>
+        </p:blipFill>
+        <p:spPr>
+          <a:xfrm>
+            <a:off x="280135" y="4320834"/>
+            <a:ext cx="3020935" cy="2504114"/>
+          </a:xfrm>
+          <a:prstGeom prst="rect">
+            <a:avLst/>
+          </a:prstGeom>
+        </p:spPr>
+      </p:pic>
+      <p:sp>
+        <p:nvSpPr>
+          <p:cNvPr id="9" name="Rectangle 8">
+            <a:extLst>
+              <a:ext uri="{FF2B5EF4-FFF2-40B4-BE49-F238E27FC236}">
+                <a16:creationId xmlns:a16="http://schemas.microsoft.com/office/drawing/2014/main" id="{52F33B9B-EA66-4EDE-9FFC-12082DBF4E1B}"/>
+              </a:ext>
+            </a:extLst>
+          </p:cNvPr>
+          <p:cNvSpPr/>
+          <p:nvPr/>
+        </p:nvSpPr>
+        <p:spPr>
+          <a:xfrm>
+            <a:off x="3610564" y="-33052"/>
+            <a:ext cx="402670" cy="6891052"/>
+          </a:xfrm>
+          <a:prstGeom prst="rect">
+            <a:avLst/>
+          </a:prstGeom>
+          <a:solidFill>
+            <a:schemeClr val="tx1">
+              <a:lumMod val="75000"/>
+              <a:lumOff val="25000"/>
+            </a:schemeClr>
+          </a:solidFill>
+        </p:spPr>
+        <p:style>
+          <a:lnRef idx="2">
+            <a:schemeClr val="accent1">
+              <a:shade val="50000"/>
+            </a:schemeClr>
+          </a:lnRef>
+          <a:fillRef idx="1">
+            <a:schemeClr val="accent1"/>
+          </a:fillRef>
+          <a:effectRef idx="0">
+            <a:schemeClr val="accent1"/>
+          </a:effectRef>
+          <a:fontRef idx="minor">
+            <a:schemeClr val="lt1"/>
+          </a:fontRef>
+        </p:style>
+        <p:txBody>
+          <a:bodyPr rtlCol="0" anchor="ctr"/>
+          <a:lstStyle/>
+          <a:p>
+            <a:pPr algn="ctr"/>
+            <a:endParaRPr lang="en-US" dirty="0"/>
+          </a:p>
+        </p:txBody>
+      </p:sp>
+      <p:sp>
+        <p:nvSpPr>
+          <p:cNvPr id="12" name="Rectangle 11">
+            <a:extLst>
+              <a:ext uri="{FF2B5EF4-FFF2-40B4-BE49-F238E27FC236}">
+                <a16:creationId xmlns:a16="http://schemas.microsoft.com/office/drawing/2014/main" id="{F95031B9-9055-4A9C-942D-055DF92679A9}"/>
+              </a:ext>
+            </a:extLst>
+          </p:cNvPr>
+          <p:cNvSpPr/>
+          <p:nvPr/>
+        </p:nvSpPr>
+        <p:spPr>
+          <a:xfrm>
+            <a:off x="67112" y="302004"/>
+            <a:ext cx="3464653" cy="1040235"/>
+          </a:xfrm>
+          <a:prstGeom prst="rect">
+            <a:avLst/>
+          </a:prstGeom>
+          <a:solidFill>
+            <a:schemeClr val="accent1"/>
+          </a:solidFill>
+        </p:spPr>
+        <p:style>
+          <a:lnRef idx="2">
+            <a:schemeClr val="dk1"/>
+          </a:lnRef>
+          <a:fillRef idx="1">
+            <a:schemeClr val="lt1"/>
+          </a:fillRef>
+          <a:effectRef idx="0">
+            <a:schemeClr val="dk1"/>
+          </a:effectRef>
+          <a:fontRef idx="minor">
+            <a:schemeClr val="dk1"/>
+          </a:fontRef>
+        </p:style>
+        <p:txBody>
+          <a:bodyPr rtlCol="0" anchor="ctr"/>
+          <a:lstStyle/>
+          <a:p>
+            <a:pPr algn="ctr"/>
+            <a:r>
+              <a:rPr lang="en-US" sz="3600" b="1" dirty="0">
+                <a:latin typeface="Arial" panose="020B0604020202020204" pitchFamily="34" charset="0"/>
+                <a:cs typeface="Arial" panose="020B0604020202020204" pitchFamily="34" charset="0"/>
+              </a:rPr>
+              <a:t>Slides Content</a:t>
+            </a:r>
+          </a:p>
+        </p:txBody>
+      </p:sp>
+      <p:sp>
+        <p:nvSpPr>
+          <p:cNvPr id="13" name="Rectangle 12">
+            <a:extLst>
+              <a:ext uri="{FF2B5EF4-FFF2-40B4-BE49-F238E27FC236}">
+                <a16:creationId xmlns:a16="http://schemas.microsoft.com/office/drawing/2014/main" id="{175AF54C-E3C8-4EB4-8446-F73863014B40}"/>
+              </a:ext>
+            </a:extLst>
+          </p:cNvPr>
+          <p:cNvSpPr/>
+          <p:nvPr/>
+        </p:nvSpPr>
+        <p:spPr>
+          <a:xfrm>
+            <a:off x="4013234" y="0"/>
+            <a:ext cx="8178765" cy="6858000"/>
+          </a:xfrm>
+          <a:prstGeom prst="rect">
+            <a:avLst/>
+          </a:prstGeom>
+          <a:solidFill>
+            <a:schemeClr val="accent1">
+              <a:lumMod val="60000"/>
+              <a:lumOff val="40000"/>
+            </a:schemeClr>
+          </a:solidFill>
+        </p:spPr>
+        <p:style>
+          <a:lnRef idx="2">
+            <a:schemeClr val="accent1">
+              <a:shade val="50000"/>
+            </a:schemeClr>
+          </a:lnRef>
+          <a:fillRef idx="1">
+            <a:schemeClr val="accent1"/>
+          </a:fillRef>
+          <a:effectRef idx="0">
+            <a:schemeClr val="accent1"/>
+          </a:effectRef>
+          <a:fontRef idx="minor">
+            <a:schemeClr val="lt1"/>
+          </a:fontRef>
+        </p:style>
+        <p:txBody>
+          <a:bodyPr rtlCol="0" anchor="ctr"/>
+          <a:lstStyle/>
+          <a:p>
+            <a:pPr algn="ctr"/>
+            <a:endParaRPr lang="en-US" dirty="0"/>
+          </a:p>
+        </p:txBody>
+      </p:sp>
+      <p:sp>
+        <p:nvSpPr>
+          <p:cNvPr id="29" name="Rectangle: Rounded Corners 28">
+            <a:extLst>
+              <a:ext uri="{FF2B5EF4-FFF2-40B4-BE49-F238E27FC236}">
+                <a16:creationId xmlns:a16="http://schemas.microsoft.com/office/drawing/2014/main" id="{6A36487B-D9F4-46EB-B2A3-D12643142E68}"/>
+              </a:ext>
+            </a:extLst>
+          </p:cNvPr>
+          <p:cNvSpPr/>
+          <p:nvPr/>
+        </p:nvSpPr>
+        <p:spPr>
+          <a:xfrm>
+            <a:off x="4013234" y="381699"/>
+            <a:ext cx="7677725" cy="583036"/>
+          </a:xfrm>
+          <a:prstGeom prst="roundRect">
+            <a:avLst/>
+          </a:prstGeom>
+        </p:spPr>
+        <p:style>
+          <a:lnRef idx="2">
+            <a:schemeClr val="accent1">
+              <a:shade val="50000"/>
+            </a:schemeClr>
+          </a:lnRef>
+          <a:fillRef idx="1">
+            <a:schemeClr val="accent1"/>
+          </a:fillRef>
+          <a:effectRef idx="0">
+            <a:schemeClr val="accent1"/>
+          </a:effectRef>
+          <a:fontRef idx="minor">
+            <a:schemeClr val="lt1"/>
+          </a:fontRef>
+        </p:style>
+        <p:txBody>
+          <a:bodyPr rtlCol="0" anchor="ctr"/>
+          <a:lstStyle/>
+          <a:p>
+            <a:pPr algn="ctr"/>
+            <a:r>
+              <a:rPr lang="en-US" sz="2400" b="1" dirty="0">
+                <a:solidFill>
+                  <a:schemeClr val="tx1"/>
+                </a:solidFill>
+                <a:latin typeface="Arial" panose="020B0604020202020204" pitchFamily="34" charset="0"/>
+                <a:cs typeface="Arial" panose="020B0604020202020204" pitchFamily="34" charset="0"/>
+              </a:rPr>
+              <a:t>Introduction To SATS</a:t>
+            </a:r>
+          </a:p>
+        </p:txBody>
+      </p:sp>
+      <p:sp>
+        <p:nvSpPr>
+          <p:cNvPr id="20" name="Oval 19">
+            <a:extLst>
+              <a:ext uri="{FF2B5EF4-FFF2-40B4-BE49-F238E27FC236}">
+                <a16:creationId xmlns:a16="http://schemas.microsoft.com/office/drawing/2014/main" id="{04AA1731-12EF-4A04-8AC6-C99577549CEE}"/>
+              </a:ext>
+            </a:extLst>
+          </p:cNvPr>
+          <p:cNvSpPr/>
+          <p:nvPr/>
+        </p:nvSpPr>
+        <p:spPr>
+          <a:xfrm>
+            <a:off x="4092033" y="436226"/>
+            <a:ext cx="547082" cy="469783"/>
+          </a:xfrm>
+          <a:prstGeom prst="ellipse">
+            <a:avLst/>
+          </a:prstGeom>
+        </p:spPr>
+        <p:style>
+          <a:lnRef idx="2">
+            <a:schemeClr val="dk1"/>
+          </a:lnRef>
+          <a:fillRef idx="1">
+            <a:schemeClr val="lt1"/>
+          </a:fillRef>
+          <a:effectRef idx="0">
+            <a:schemeClr val="dk1"/>
+          </a:effectRef>
+          <a:fontRef idx="minor">
+            <a:schemeClr val="dk1"/>
+          </a:fontRef>
+        </p:style>
+        <p:txBody>
+          <a:bodyPr rtlCol="0" anchor="ctr"/>
+          <a:lstStyle/>
+          <a:p>
+            <a:pPr algn="ctr"/>
+            <a:r>
+              <a:rPr lang="en-US" sz="3200" b="1" dirty="0">
+                <a:latin typeface="Arial" panose="020B0604020202020204" pitchFamily="34" charset="0"/>
+                <a:cs typeface="Arial" panose="020B0604020202020204" pitchFamily="34" charset="0"/>
+              </a:rPr>
+              <a:t>1</a:t>
+            </a:r>
+          </a:p>
+        </p:txBody>
+      </p:sp>
+      <p:sp>
+        <p:nvSpPr>
+          <p:cNvPr id="30" name="Rectangle: Rounded Corners 29">
+            <a:extLst>
+              <a:ext uri="{FF2B5EF4-FFF2-40B4-BE49-F238E27FC236}">
+                <a16:creationId xmlns:a16="http://schemas.microsoft.com/office/drawing/2014/main" id="{199D13A5-D0F5-47DD-9A65-022E27FC8697}"/>
+              </a:ext>
+            </a:extLst>
+          </p:cNvPr>
+          <p:cNvSpPr/>
+          <p:nvPr/>
+        </p:nvSpPr>
+        <p:spPr>
+          <a:xfrm>
+            <a:off x="4013234" y="1206170"/>
+            <a:ext cx="7677725" cy="583036"/>
+          </a:xfrm>
+          <a:prstGeom prst="roundRect">
+            <a:avLst/>
+          </a:prstGeom>
+        </p:spPr>
+        <p:style>
+          <a:lnRef idx="2">
+            <a:schemeClr val="accent1">
+              <a:shade val="50000"/>
+            </a:schemeClr>
+          </a:lnRef>
+          <a:fillRef idx="1">
+            <a:schemeClr val="accent1"/>
+          </a:fillRef>
+          <a:effectRef idx="0">
+            <a:schemeClr val="accent1"/>
+          </a:effectRef>
+          <a:fontRef idx="minor">
+            <a:schemeClr val="lt1"/>
+          </a:fontRef>
+        </p:style>
+        <p:txBody>
+          <a:bodyPr rtlCol="0" anchor="ctr"/>
+          <a:lstStyle/>
+          <a:p>
+            <a:pPr algn="ctr"/>
+            <a:r>
+              <a:rPr lang="en-US" sz="2400" b="1" dirty="0">
+                <a:solidFill>
+                  <a:schemeClr val="tx1"/>
+                </a:solidFill>
+                <a:latin typeface="Arial" panose="020B0604020202020204" pitchFamily="34" charset="0"/>
+                <a:cs typeface="Arial" panose="020B0604020202020204" pitchFamily="34" charset="0"/>
+              </a:rPr>
+              <a:t>SATS Requirements </a:t>
+            </a:r>
+          </a:p>
+        </p:txBody>
+      </p:sp>
+      <p:sp>
+        <p:nvSpPr>
+          <p:cNvPr id="26" name="Oval 25">
+            <a:extLst>
+              <a:ext uri="{FF2B5EF4-FFF2-40B4-BE49-F238E27FC236}">
+                <a16:creationId xmlns:a16="http://schemas.microsoft.com/office/drawing/2014/main" id="{98264DA2-3EA7-4849-8A40-2D53787AB9AA}"/>
+              </a:ext>
+            </a:extLst>
+          </p:cNvPr>
+          <p:cNvSpPr/>
+          <p:nvPr/>
+        </p:nvSpPr>
+        <p:spPr>
+          <a:xfrm>
+            <a:off x="4105516" y="1266738"/>
+            <a:ext cx="547082" cy="469783"/>
+          </a:xfrm>
+          <a:prstGeom prst="ellipse">
+            <a:avLst/>
+          </a:prstGeom>
+        </p:spPr>
+        <p:style>
+          <a:lnRef idx="2">
+            <a:schemeClr val="dk1"/>
+          </a:lnRef>
+          <a:fillRef idx="1">
+            <a:schemeClr val="lt1"/>
+          </a:fillRef>
+          <a:effectRef idx="0">
+            <a:schemeClr val="dk1"/>
+          </a:effectRef>
+          <a:fontRef idx="minor">
+            <a:schemeClr val="dk1"/>
+          </a:fontRef>
+        </p:style>
+        <p:txBody>
+          <a:bodyPr rtlCol="0" anchor="ctr"/>
+          <a:lstStyle/>
+          <a:p>
+            <a:pPr algn="ctr"/>
+            <a:r>
+              <a:rPr lang="en-US" sz="3200" b="1" dirty="0">
+                <a:latin typeface="Arial" panose="020B0604020202020204" pitchFamily="34" charset="0"/>
+                <a:cs typeface="Arial" panose="020B0604020202020204" pitchFamily="34" charset="0"/>
+              </a:rPr>
+              <a:t>2</a:t>
+            </a:r>
+          </a:p>
+        </p:txBody>
+      </p:sp>
+      <p:sp>
+        <p:nvSpPr>
+          <p:cNvPr id="31" name="Rectangle: Rounded Corners 30">
+            <a:extLst>
+              <a:ext uri="{FF2B5EF4-FFF2-40B4-BE49-F238E27FC236}">
+                <a16:creationId xmlns:a16="http://schemas.microsoft.com/office/drawing/2014/main" id="{24866992-5A25-464E-B61C-579785BE618E}"/>
+              </a:ext>
+            </a:extLst>
+          </p:cNvPr>
+          <p:cNvSpPr/>
+          <p:nvPr/>
+        </p:nvSpPr>
+        <p:spPr>
+          <a:xfrm>
+            <a:off x="4013234" y="2037357"/>
+            <a:ext cx="7677725" cy="583036"/>
+          </a:xfrm>
+          <a:prstGeom prst="roundRect">
+            <a:avLst/>
+          </a:prstGeom>
+        </p:spPr>
+        <p:style>
+          <a:lnRef idx="2">
+            <a:schemeClr val="accent1">
+              <a:shade val="50000"/>
+            </a:schemeClr>
+          </a:lnRef>
+          <a:fillRef idx="1">
+            <a:schemeClr val="accent1"/>
+          </a:fillRef>
+          <a:effectRef idx="0">
+            <a:schemeClr val="accent1"/>
+          </a:effectRef>
+          <a:fontRef idx="minor">
+            <a:schemeClr val="lt1"/>
+          </a:fontRef>
+        </p:style>
+        <p:txBody>
+          <a:bodyPr rtlCol="0" anchor="ctr"/>
+          <a:lstStyle/>
+          <a:p>
+            <a:pPr algn="ctr"/>
+            <a:r>
+              <a:rPr lang="en-US" sz="2400" b="1" dirty="0">
+                <a:solidFill>
+                  <a:schemeClr val="tx1"/>
+                </a:solidFill>
+                <a:latin typeface="Arial" panose="020B0604020202020204" pitchFamily="34" charset="0"/>
+                <a:cs typeface="Arial" panose="020B0604020202020204" pitchFamily="34" charset="0"/>
+              </a:rPr>
+              <a:t>SATS Design </a:t>
+            </a:r>
+          </a:p>
+        </p:txBody>
+      </p:sp>
+      <p:sp>
+        <p:nvSpPr>
+          <p:cNvPr id="23" name="Oval 22">
+            <a:extLst>
+              <a:ext uri="{FF2B5EF4-FFF2-40B4-BE49-F238E27FC236}">
+                <a16:creationId xmlns:a16="http://schemas.microsoft.com/office/drawing/2014/main" id="{87E32ED1-BDD1-4556-BE60-60AAA4054732}"/>
+              </a:ext>
+            </a:extLst>
+          </p:cNvPr>
+          <p:cNvSpPr/>
+          <p:nvPr/>
+        </p:nvSpPr>
+        <p:spPr>
+          <a:xfrm>
+            <a:off x="4092033" y="2097250"/>
+            <a:ext cx="547082" cy="469783"/>
+          </a:xfrm>
+          <a:prstGeom prst="ellipse">
+            <a:avLst/>
+          </a:prstGeom>
+        </p:spPr>
+        <p:style>
+          <a:lnRef idx="2">
+            <a:schemeClr val="dk1"/>
+          </a:lnRef>
+          <a:fillRef idx="1">
+            <a:schemeClr val="lt1"/>
+          </a:fillRef>
+          <a:effectRef idx="0">
+            <a:schemeClr val="dk1"/>
+          </a:effectRef>
+          <a:fontRef idx="minor">
+            <a:schemeClr val="dk1"/>
+          </a:fontRef>
+        </p:style>
+        <p:txBody>
+          <a:bodyPr rtlCol="0" anchor="ctr"/>
+          <a:lstStyle/>
+          <a:p>
+            <a:pPr algn="ctr"/>
+            <a:r>
+              <a:rPr lang="en-US" sz="3200" b="1" dirty="0">
+                <a:latin typeface="Arial" panose="020B0604020202020204" pitchFamily="34" charset="0"/>
+                <a:cs typeface="Arial" panose="020B0604020202020204" pitchFamily="34" charset="0"/>
+              </a:rPr>
+              <a:t>3</a:t>
+            </a:r>
+          </a:p>
+        </p:txBody>
+      </p:sp>
+      <p:sp>
+        <p:nvSpPr>
+          <p:cNvPr id="32" name="Rectangle: Rounded Corners 31">
+            <a:extLst>
+              <a:ext uri="{FF2B5EF4-FFF2-40B4-BE49-F238E27FC236}">
+                <a16:creationId xmlns:a16="http://schemas.microsoft.com/office/drawing/2014/main" id="{B2160D19-0DD2-4B53-A664-04F7A43C2596}"/>
+              </a:ext>
+            </a:extLst>
+          </p:cNvPr>
+          <p:cNvSpPr/>
+          <p:nvPr/>
+        </p:nvSpPr>
+        <p:spPr>
+          <a:xfrm>
+            <a:off x="4013234" y="2927087"/>
+            <a:ext cx="7677725" cy="583036"/>
+          </a:xfrm>
+          <a:prstGeom prst="roundRect">
+            <a:avLst/>
+          </a:prstGeom>
+        </p:spPr>
+        <p:style>
+          <a:lnRef idx="2">
+            <a:schemeClr val="accent1">
+              <a:shade val="50000"/>
+            </a:schemeClr>
+          </a:lnRef>
+          <a:fillRef idx="1">
+            <a:schemeClr val="accent1"/>
+          </a:fillRef>
+          <a:effectRef idx="0">
+            <a:schemeClr val="accent1"/>
+          </a:effectRef>
+          <a:fontRef idx="minor">
+            <a:schemeClr val="lt1"/>
+          </a:fontRef>
+        </p:style>
+        <p:txBody>
+          <a:bodyPr rtlCol="0" anchor="ctr"/>
+          <a:lstStyle/>
+          <a:p>
+            <a:pPr algn="ctr"/>
+            <a:r>
+              <a:rPr lang="en-US" sz="2400" b="1" dirty="0">
+                <a:solidFill>
+                  <a:schemeClr val="tx1"/>
+                </a:solidFill>
+                <a:latin typeface="Arial" panose="020B0604020202020204" pitchFamily="34" charset="0"/>
+                <a:cs typeface="Arial" panose="020B0604020202020204" pitchFamily="34" charset="0"/>
+              </a:rPr>
+              <a:t>SATS Results</a:t>
+            </a:r>
+          </a:p>
+        </p:txBody>
+      </p:sp>
+      <p:sp>
+        <p:nvSpPr>
+          <p:cNvPr id="25" name="Oval 24">
+            <a:extLst>
+              <a:ext uri="{FF2B5EF4-FFF2-40B4-BE49-F238E27FC236}">
+                <a16:creationId xmlns:a16="http://schemas.microsoft.com/office/drawing/2014/main" id="{070DD079-C452-4889-B52C-C974F6372314}"/>
+              </a:ext>
+            </a:extLst>
+          </p:cNvPr>
+          <p:cNvSpPr/>
+          <p:nvPr/>
+        </p:nvSpPr>
+        <p:spPr>
+          <a:xfrm>
+            <a:off x="4105516" y="2944540"/>
+            <a:ext cx="547082" cy="469783"/>
+          </a:xfrm>
+          <a:prstGeom prst="ellipse">
+            <a:avLst/>
+          </a:prstGeom>
+        </p:spPr>
+        <p:style>
+          <a:lnRef idx="2">
+            <a:schemeClr val="dk1"/>
+          </a:lnRef>
+          <a:fillRef idx="1">
+            <a:schemeClr val="lt1"/>
+          </a:fillRef>
+          <a:effectRef idx="0">
+            <a:schemeClr val="dk1"/>
+          </a:effectRef>
+          <a:fontRef idx="minor">
+            <a:schemeClr val="dk1"/>
+          </a:fontRef>
+        </p:style>
+        <p:txBody>
+          <a:bodyPr rtlCol="0" anchor="ctr"/>
+          <a:lstStyle/>
+          <a:p>
+            <a:pPr algn="ctr"/>
+            <a:r>
+              <a:rPr lang="en-US" sz="3200" b="1" dirty="0">
+                <a:latin typeface="Arial" panose="020B0604020202020204" pitchFamily="34" charset="0"/>
+                <a:cs typeface="Arial" panose="020B0604020202020204" pitchFamily="34" charset="0"/>
+              </a:rPr>
+              <a:t>4</a:t>
+            </a:r>
+          </a:p>
+        </p:txBody>
+      </p:sp>
+      <p:sp>
+        <p:nvSpPr>
+          <p:cNvPr id="33" name="Rectangle: Rounded Corners 32">
+            <a:extLst>
+              <a:ext uri="{FF2B5EF4-FFF2-40B4-BE49-F238E27FC236}">
+                <a16:creationId xmlns:a16="http://schemas.microsoft.com/office/drawing/2014/main" id="{891006D7-EA72-4F71-B147-710197CB3583}"/>
+              </a:ext>
+            </a:extLst>
+          </p:cNvPr>
+          <p:cNvSpPr/>
+          <p:nvPr/>
+        </p:nvSpPr>
+        <p:spPr>
+          <a:xfrm>
+            <a:off x="4013233" y="3697706"/>
+            <a:ext cx="7677725" cy="583036"/>
+          </a:xfrm>
+          <a:prstGeom prst="roundRect">
+            <a:avLst/>
+          </a:prstGeom>
+        </p:spPr>
+        <p:style>
+          <a:lnRef idx="2">
+            <a:schemeClr val="accent1">
+              <a:shade val="50000"/>
+            </a:schemeClr>
+          </a:lnRef>
+          <a:fillRef idx="1">
+            <a:schemeClr val="accent1"/>
+          </a:fillRef>
+          <a:effectRef idx="0">
+            <a:schemeClr val="accent1"/>
+          </a:effectRef>
+          <a:fontRef idx="minor">
+            <a:schemeClr val="lt1"/>
+          </a:fontRef>
+        </p:style>
+        <p:txBody>
+          <a:bodyPr rtlCol="0" anchor="ctr"/>
+          <a:lstStyle/>
+          <a:p>
+            <a:pPr algn="ctr"/>
+            <a:r>
+              <a:rPr lang="en-US" sz="2400" b="1" dirty="0">
+                <a:solidFill>
+                  <a:schemeClr val="tx1"/>
+                </a:solidFill>
+                <a:latin typeface="Arial" panose="020B0604020202020204" pitchFamily="34" charset="0"/>
+                <a:cs typeface="Arial" panose="020B0604020202020204" pitchFamily="34" charset="0"/>
+              </a:rPr>
+              <a:t>Team Contributions </a:t>
+            </a:r>
+          </a:p>
+        </p:txBody>
+      </p:sp>
+      <p:sp>
+        <p:nvSpPr>
+          <p:cNvPr id="24" name="Oval 23">
+            <a:extLst>
+              <a:ext uri="{FF2B5EF4-FFF2-40B4-BE49-F238E27FC236}">
+                <a16:creationId xmlns:a16="http://schemas.microsoft.com/office/drawing/2014/main" id="{710F38CD-AB08-42AA-AFAC-ADF2C84B1C08}"/>
+              </a:ext>
+            </a:extLst>
+          </p:cNvPr>
+          <p:cNvSpPr/>
+          <p:nvPr/>
+        </p:nvSpPr>
+        <p:spPr>
+          <a:xfrm>
+            <a:off x="4134874" y="3758274"/>
+            <a:ext cx="547082" cy="469783"/>
+          </a:xfrm>
+          <a:prstGeom prst="ellipse">
+            <a:avLst/>
+          </a:prstGeom>
+        </p:spPr>
+        <p:style>
+          <a:lnRef idx="2">
+            <a:schemeClr val="dk1"/>
+          </a:lnRef>
+          <a:fillRef idx="1">
+            <a:schemeClr val="lt1"/>
+          </a:fillRef>
+          <a:effectRef idx="0">
+            <a:schemeClr val="dk1"/>
+          </a:effectRef>
+          <a:fontRef idx="minor">
+            <a:schemeClr val="dk1"/>
+          </a:fontRef>
+        </p:style>
+        <p:txBody>
+          <a:bodyPr rtlCol="0" anchor="ctr"/>
+          <a:lstStyle/>
+          <a:p>
+            <a:pPr algn="ctr"/>
+            <a:r>
+              <a:rPr lang="en-US" sz="3200" b="1" dirty="0">
+                <a:latin typeface="Arial" panose="020B0604020202020204" pitchFamily="34" charset="0"/>
+                <a:cs typeface="Arial" panose="020B0604020202020204" pitchFamily="34" charset="0"/>
+              </a:rPr>
+              <a:t>5</a:t>
+            </a:r>
+          </a:p>
+        </p:txBody>
+      </p:sp>
+      <p:sp>
+        <p:nvSpPr>
+          <p:cNvPr id="34" name="Rectangle: Rounded Corners 33">
+            <a:extLst>
+              <a:ext uri="{FF2B5EF4-FFF2-40B4-BE49-F238E27FC236}">
+                <a16:creationId xmlns:a16="http://schemas.microsoft.com/office/drawing/2014/main" id="{9FDCC7E9-0182-48FD-91E0-F9528CBC45D3}"/>
+              </a:ext>
+            </a:extLst>
+          </p:cNvPr>
+          <p:cNvSpPr/>
+          <p:nvPr/>
+        </p:nvSpPr>
+        <p:spPr>
+          <a:xfrm>
+            <a:off x="4013233" y="4532159"/>
+            <a:ext cx="7677725" cy="583036"/>
+          </a:xfrm>
+          <a:prstGeom prst="roundRect">
+            <a:avLst/>
+          </a:prstGeom>
+        </p:spPr>
+        <p:style>
+          <a:lnRef idx="2">
+            <a:schemeClr val="accent1">
+              <a:shade val="50000"/>
+            </a:schemeClr>
+          </a:lnRef>
+          <a:fillRef idx="1">
+            <a:schemeClr val="accent1"/>
+          </a:fillRef>
+          <a:effectRef idx="0">
+            <a:schemeClr val="accent1"/>
+          </a:effectRef>
+          <a:fontRef idx="minor">
+            <a:schemeClr val="lt1"/>
+          </a:fontRef>
+        </p:style>
+        <p:txBody>
+          <a:bodyPr rtlCol="0" anchor="ctr"/>
+          <a:lstStyle/>
+          <a:p>
+            <a:pPr algn="ctr"/>
+            <a:r>
+              <a:rPr lang="en-US" sz="2400" b="1" dirty="0">
+                <a:solidFill>
+                  <a:schemeClr val="tx1"/>
+                </a:solidFill>
+                <a:latin typeface="Arial" panose="020B0604020202020204" pitchFamily="34" charset="0"/>
+                <a:cs typeface="Arial" panose="020B0604020202020204" pitchFamily="34" charset="0"/>
+              </a:rPr>
+              <a:t>Introduction To SATS</a:t>
+            </a:r>
+          </a:p>
+        </p:txBody>
+      </p:sp>
+      <p:sp>
+        <p:nvSpPr>
+          <p:cNvPr id="22" name="Oval 21">
+            <a:extLst>
+              <a:ext uri="{FF2B5EF4-FFF2-40B4-BE49-F238E27FC236}">
+                <a16:creationId xmlns:a16="http://schemas.microsoft.com/office/drawing/2014/main" id="{DF469DCE-1D47-428C-B082-4E57A24682E8}"/>
+              </a:ext>
+            </a:extLst>
+          </p:cNvPr>
+          <p:cNvSpPr/>
+          <p:nvPr/>
+        </p:nvSpPr>
+        <p:spPr>
+          <a:xfrm>
+            <a:off x="4139570" y="4588786"/>
+            <a:ext cx="547082" cy="469783"/>
+          </a:xfrm>
+          <a:prstGeom prst="ellipse">
+            <a:avLst/>
+          </a:prstGeom>
+        </p:spPr>
+        <p:style>
+          <a:lnRef idx="2">
+            <a:schemeClr val="dk1"/>
+          </a:lnRef>
+          <a:fillRef idx="1">
+            <a:schemeClr val="lt1"/>
+          </a:fillRef>
+          <a:effectRef idx="0">
+            <a:schemeClr val="dk1"/>
+          </a:effectRef>
+          <a:fontRef idx="minor">
+            <a:schemeClr val="dk1"/>
+          </a:fontRef>
+        </p:style>
+        <p:txBody>
+          <a:bodyPr rtlCol="0" anchor="ctr"/>
+          <a:lstStyle/>
+          <a:p>
+            <a:pPr algn="ctr"/>
+            <a:r>
+              <a:rPr lang="en-US" sz="3200" b="1" dirty="0">
+                <a:latin typeface="Arial" panose="020B0604020202020204" pitchFamily="34" charset="0"/>
+                <a:cs typeface="Arial" panose="020B0604020202020204" pitchFamily="34" charset="0"/>
+              </a:rPr>
+              <a:t>6</a:t>
+            </a:r>
+          </a:p>
+        </p:txBody>
+      </p:sp>
+      <p:pic>
+        <p:nvPicPr>
+          <p:cNvPr id="28" name="Picture 27" descr="A picture containing drawing&#10;&#10;Description automatically generated">
+            <a:extLst>
+              <a:ext uri="{FF2B5EF4-FFF2-40B4-BE49-F238E27FC236}">
+                <a16:creationId xmlns:a16="http://schemas.microsoft.com/office/drawing/2014/main" id="{B1FB34BB-937E-4ACB-9CCB-DD01B0A76610}"/>
+              </a:ext>
+            </a:extLst>
+          </p:cNvPr>
+          <p:cNvPicPr>
+            <a:picLocks noChangeAspect="1"/>
+          </p:cNvPicPr>
+          <p:nvPr/>
+        </p:nvPicPr>
+        <p:blipFill>
+          <a:blip r:embed="rId4">
+            <a:extLst>
+              <a:ext uri="{28A0092B-C50C-407E-A947-70E740481C1C}">
+                <a14:useLocalDpi xmlns:a14="http://schemas.microsoft.com/office/drawing/2010/main" val="0"/>
+              </a:ext>
+            </a:extLst>
+          </a:blip>
+          <a:stretch>
+            <a:fillRect/>
+          </a:stretch>
+        </p:blipFill>
+        <p:spPr>
+          <a:xfrm>
+            <a:off x="11022887" y="2954350"/>
+            <a:ext cx="612395" cy="528509"/>
+          </a:xfrm>
+          <a:prstGeom prst="rect">
+            <a:avLst/>
+          </a:prstGeom>
+        </p:spPr>
+      </p:pic>
+    </p:spTree>
+    <p:extLst>
+      <p:ext uri="{BB962C8B-B14F-4D97-AF65-F5344CB8AC3E}">
+        <p14:creationId xmlns:p14="http://schemas.microsoft.com/office/powerpoint/2010/main" val="785215968"/>
+      </p:ext>
+    </p:extLst>
+  </p:cSld>
+  <p:clrMapOvr>
+    <a:masterClrMapping/>
+  </p:clrMapOvr>
+</p:sld>
+</file>
+
+<file path=ppt/slides/slide18.xml><?xml version="1.0" encoding="utf-8"?>
+<p:sld xmlns:a="http://schemas.openxmlformats.org/drawingml/2006/main" xmlns:r="http://schemas.openxmlformats.org/officeDocument/2006/relationships" xmlns:p="http://schemas.openxmlformats.org/presentationml/2006/main">
+  <p:cSld>
+    <p:spTree>
+      <p:nvGrpSpPr>
+        <p:cNvPr id="1" name=""/>
+        <p:cNvGrpSpPr/>
+        <p:nvPr/>
+      </p:nvGrpSpPr>
+      <p:grpSpPr>
+        <a:xfrm>
+          <a:off x="0" y="0"/>
+          <a:ext cx="0" cy="0"/>
+          <a:chOff x="0" y="0"/>
+          <a:chExt cx="0" cy="0"/>
+        </a:xfrm>
+      </p:grpSpPr>
+      <p:sp>
+        <p:nvSpPr>
+          <p:cNvPr id="2" name="Rectangle 1">
+            <a:extLst>
+              <a:ext uri="{FF2B5EF4-FFF2-40B4-BE49-F238E27FC236}">
+                <a16:creationId xmlns:a16="http://schemas.microsoft.com/office/drawing/2014/main" id="{85D25B29-20FB-4A9C-8B61-5BF6FCFB76B4}"/>
+              </a:ext>
+            </a:extLst>
+          </p:cNvPr>
+          <p:cNvSpPr/>
+          <p:nvPr/>
+        </p:nvSpPr>
+        <p:spPr>
+          <a:xfrm>
+            <a:off x="-101600" y="0"/>
+            <a:ext cx="3315855" cy="6858000"/>
+          </a:xfrm>
+          <a:prstGeom prst="rect">
+            <a:avLst/>
+          </a:prstGeom>
+        </p:spPr>
+        <p:style>
+          <a:lnRef idx="2">
+            <a:schemeClr val="accent1">
+              <a:shade val="50000"/>
+            </a:schemeClr>
+          </a:lnRef>
+          <a:fillRef idx="1">
+            <a:schemeClr val="accent1"/>
+          </a:fillRef>
+          <a:effectRef idx="0">
+            <a:schemeClr val="accent1"/>
+          </a:effectRef>
+          <a:fontRef idx="minor">
+            <a:schemeClr val="lt1"/>
+          </a:fontRef>
+        </p:style>
+        <p:txBody>
+          <a:bodyPr rtlCol="0" anchor="ctr"/>
+          <a:lstStyle/>
+          <a:p>
+            <a:pPr algn="ctr"/>
+            <a:endParaRPr lang="en-US"/>
+          </a:p>
+        </p:txBody>
+      </p:sp>
+      <p:sp>
+        <p:nvSpPr>
+          <p:cNvPr id="3" name="Rectangle 2">
+            <a:extLst>
+              <a:ext uri="{FF2B5EF4-FFF2-40B4-BE49-F238E27FC236}">
+                <a16:creationId xmlns:a16="http://schemas.microsoft.com/office/drawing/2014/main" id="{7FEDA44C-D53E-4E1C-8AC4-FD56A95B19D3}"/>
+              </a:ext>
+            </a:extLst>
+          </p:cNvPr>
+          <p:cNvSpPr/>
+          <p:nvPr/>
+        </p:nvSpPr>
+        <p:spPr>
+          <a:xfrm>
+            <a:off x="3214255" y="0"/>
+            <a:ext cx="8977745" cy="6858000"/>
+          </a:xfrm>
+          <a:prstGeom prst="rect">
+            <a:avLst/>
+          </a:prstGeom>
+        </p:spPr>
+        <p:style>
+          <a:lnRef idx="2">
+            <a:schemeClr val="accent1">
+              <a:shade val="50000"/>
+            </a:schemeClr>
+          </a:lnRef>
+          <a:fillRef idx="1">
+            <a:schemeClr val="accent1"/>
+          </a:fillRef>
+          <a:effectRef idx="0">
+            <a:schemeClr val="accent1"/>
+          </a:effectRef>
+          <a:fontRef idx="minor">
+            <a:schemeClr val="lt1"/>
+          </a:fontRef>
+        </p:style>
+        <p:txBody>
+          <a:bodyPr rtlCol="0" anchor="ctr"/>
+          <a:lstStyle/>
+          <a:p>
+            <a:pPr algn="ctr"/>
+            <a:endParaRPr lang="en-US"/>
+          </a:p>
+        </p:txBody>
+      </p:sp>
+    </p:spTree>
+    <p:extLst>
+      <p:ext uri="{BB962C8B-B14F-4D97-AF65-F5344CB8AC3E}">
+        <p14:creationId xmlns:p14="http://schemas.microsoft.com/office/powerpoint/2010/main" val="589110597"/>
+      </p:ext>
+    </p:extLst>
+  </p:cSld>
+  <p:clrMapOvr>
+    <a:masterClrMapping/>
+  </p:clrMapOvr>
+</p:sld>
+</file>
+
+<file path=ppt/slides/slide19.xml><?xml version="1.0" encoding="utf-8"?>
+<p:sld xmlns:a="http://schemas.openxmlformats.org/drawingml/2006/main" xmlns:r="http://schemas.openxmlformats.org/officeDocument/2006/relationships" xmlns:p="http://schemas.openxmlformats.org/presentationml/2006/main">
+  <p:cSld>
+    <p:spTree>
+      <p:nvGrpSpPr>
+        <p:cNvPr id="1" name=""/>
+        <p:cNvGrpSpPr/>
+        <p:nvPr/>
+      </p:nvGrpSpPr>
+      <p:grpSpPr>
+        <a:xfrm>
+          <a:off x="0" y="0"/>
+          <a:ext cx="0" cy="0"/>
+          <a:chOff x="0" y="0"/>
+          <a:chExt cx="0" cy="0"/>
+        </a:xfrm>
+      </p:grpSpPr>
+      <p:sp>
+        <p:nvSpPr>
+          <p:cNvPr id="8" name="Rectangle 7">
+            <a:extLst>
+              <a:ext uri="{FF2B5EF4-FFF2-40B4-BE49-F238E27FC236}">
+                <a16:creationId xmlns:a16="http://schemas.microsoft.com/office/drawing/2014/main" id="{CB3CA986-C31B-4906-8D2B-6E0ED7A5BD32}"/>
+              </a:ext>
+            </a:extLst>
+          </p:cNvPr>
+          <p:cNvSpPr/>
+          <p:nvPr/>
+        </p:nvSpPr>
+        <p:spPr>
+          <a:xfrm>
+            <a:off x="1" y="0"/>
+            <a:ext cx="3825380" cy="6858000"/>
+          </a:xfrm>
+          <a:prstGeom prst="rect">
+            <a:avLst/>
+          </a:prstGeom>
+        </p:spPr>
+        <p:style>
+          <a:lnRef idx="2">
+            <a:schemeClr val="accent1">
+              <a:shade val="50000"/>
+            </a:schemeClr>
+          </a:lnRef>
+          <a:fillRef idx="1">
+            <a:schemeClr val="accent1"/>
+          </a:fillRef>
+          <a:effectRef idx="0">
+            <a:schemeClr val="accent1"/>
+          </a:effectRef>
+          <a:fontRef idx="minor">
+            <a:schemeClr val="lt1"/>
+          </a:fontRef>
+        </p:style>
+        <p:txBody>
+          <a:bodyPr rtlCol="0" anchor="ctr"/>
+          <a:lstStyle/>
+          <a:p>
+            <a:pPr algn="ctr"/>
+            <a:endParaRPr lang="en-US"/>
+          </a:p>
+        </p:txBody>
+      </p:sp>
+      <p:pic>
+        <p:nvPicPr>
+          <p:cNvPr id="7" name="Picture 6" descr="A picture containing clock, plate&#10;&#10;Description automatically generated">
+            <a:extLst>
+              <a:ext uri="{FF2B5EF4-FFF2-40B4-BE49-F238E27FC236}">
+                <a16:creationId xmlns:a16="http://schemas.microsoft.com/office/drawing/2014/main" id="{6E1D7C95-B202-4A00-A6B9-90819AE16BF3}"/>
+              </a:ext>
+            </a:extLst>
+          </p:cNvPr>
+          <p:cNvPicPr>
+            <a:picLocks noChangeAspect="1"/>
+          </p:cNvPicPr>
+          <p:nvPr/>
+        </p:nvPicPr>
+        <p:blipFill>
+          <a:blip r:embed="rId2">
+            <a:extLst>
+              <a:ext uri="{28A0092B-C50C-407E-A947-70E740481C1C}">
+                <a14:useLocalDpi xmlns:a14="http://schemas.microsoft.com/office/drawing/2010/main" val="0"/>
+              </a:ext>
+            </a:extLst>
+          </a:blip>
+          <a:stretch>
+            <a:fillRect/>
+          </a:stretch>
+        </p:blipFill>
+        <p:spPr>
+          <a:xfrm>
+            <a:off x="280136" y="1736521"/>
+            <a:ext cx="3020935" cy="2099849"/>
+          </a:xfrm>
+          <a:prstGeom prst="rect">
+            <a:avLst/>
+          </a:prstGeom>
+        </p:spPr>
+      </p:pic>
+      <p:pic>
+        <p:nvPicPr>
+          <p:cNvPr id="5" name="Picture 4" descr="A picture containing comb, plate&#10;&#10;Description automatically generated">
+            <a:extLst>
+              <a:ext uri="{FF2B5EF4-FFF2-40B4-BE49-F238E27FC236}">
+                <a16:creationId xmlns:a16="http://schemas.microsoft.com/office/drawing/2014/main" id="{2C0F5D0D-ED8A-499C-8710-DF749BE9834E}"/>
+              </a:ext>
+            </a:extLst>
+          </p:cNvPr>
+          <p:cNvPicPr>
+            <a:picLocks noChangeAspect="1"/>
+          </p:cNvPicPr>
+          <p:nvPr/>
+        </p:nvPicPr>
+        <p:blipFill>
+          <a:blip r:embed="rId3">
+            <a:extLst>
+              <a:ext uri="{28A0092B-C50C-407E-A947-70E740481C1C}">
+                <a14:useLocalDpi xmlns:a14="http://schemas.microsoft.com/office/drawing/2010/main" val="0"/>
+              </a:ext>
+            </a:extLst>
+          </a:blip>
+          <a:stretch>
+            <a:fillRect/>
+          </a:stretch>
+        </p:blipFill>
+        <p:spPr>
+          <a:xfrm>
+            <a:off x="280135" y="4320834"/>
+            <a:ext cx="3020935" cy="2504114"/>
+          </a:xfrm>
+          <a:prstGeom prst="rect">
+            <a:avLst/>
+          </a:prstGeom>
+        </p:spPr>
+      </p:pic>
+      <p:sp>
+        <p:nvSpPr>
+          <p:cNvPr id="9" name="Rectangle 8">
+            <a:extLst>
+              <a:ext uri="{FF2B5EF4-FFF2-40B4-BE49-F238E27FC236}">
+                <a16:creationId xmlns:a16="http://schemas.microsoft.com/office/drawing/2014/main" id="{52F33B9B-EA66-4EDE-9FFC-12082DBF4E1B}"/>
+              </a:ext>
+            </a:extLst>
+          </p:cNvPr>
+          <p:cNvSpPr/>
+          <p:nvPr/>
+        </p:nvSpPr>
+        <p:spPr>
+          <a:xfrm>
+            <a:off x="3610564" y="-33052"/>
+            <a:ext cx="402670" cy="6891052"/>
+          </a:xfrm>
+          <a:prstGeom prst="rect">
+            <a:avLst/>
+          </a:prstGeom>
+          <a:solidFill>
+            <a:schemeClr val="tx1">
+              <a:lumMod val="75000"/>
+              <a:lumOff val="25000"/>
+            </a:schemeClr>
+          </a:solidFill>
+        </p:spPr>
+        <p:style>
+          <a:lnRef idx="2">
+            <a:schemeClr val="accent1">
+              <a:shade val="50000"/>
+            </a:schemeClr>
+          </a:lnRef>
+          <a:fillRef idx="1">
+            <a:schemeClr val="accent1"/>
+          </a:fillRef>
+          <a:effectRef idx="0">
+            <a:schemeClr val="accent1"/>
+          </a:effectRef>
+          <a:fontRef idx="minor">
+            <a:schemeClr val="lt1"/>
+          </a:fontRef>
+        </p:style>
+        <p:txBody>
+          <a:bodyPr rtlCol="0" anchor="ctr"/>
+          <a:lstStyle/>
+          <a:p>
+            <a:pPr algn="ctr"/>
+            <a:endParaRPr lang="en-US" dirty="0"/>
+          </a:p>
+        </p:txBody>
+      </p:sp>
+      <p:sp>
+        <p:nvSpPr>
+          <p:cNvPr id="12" name="Rectangle 11">
+            <a:extLst>
+              <a:ext uri="{FF2B5EF4-FFF2-40B4-BE49-F238E27FC236}">
+                <a16:creationId xmlns:a16="http://schemas.microsoft.com/office/drawing/2014/main" id="{F95031B9-9055-4A9C-942D-055DF92679A9}"/>
+              </a:ext>
+            </a:extLst>
+          </p:cNvPr>
+          <p:cNvSpPr/>
+          <p:nvPr/>
+        </p:nvSpPr>
+        <p:spPr>
+          <a:xfrm>
+            <a:off x="67112" y="302004"/>
+            <a:ext cx="3464653" cy="1040235"/>
+          </a:xfrm>
+          <a:prstGeom prst="rect">
+            <a:avLst/>
+          </a:prstGeom>
+          <a:solidFill>
+            <a:schemeClr val="accent1"/>
+          </a:solidFill>
+        </p:spPr>
+        <p:style>
+          <a:lnRef idx="2">
+            <a:schemeClr val="dk1"/>
+          </a:lnRef>
+          <a:fillRef idx="1">
+            <a:schemeClr val="lt1"/>
+          </a:fillRef>
+          <a:effectRef idx="0">
+            <a:schemeClr val="dk1"/>
+          </a:effectRef>
+          <a:fontRef idx="minor">
+            <a:schemeClr val="dk1"/>
+          </a:fontRef>
+        </p:style>
+        <p:txBody>
+          <a:bodyPr rtlCol="0" anchor="ctr"/>
+          <a:lstStyle/>
+          <a:p>
+            <a:pPr algn="ctr"/>
+            <a:r>
+              <a:rPr lang="en-US" sz="3600" b="1" dirty="0">
+                <a:latin typeface="Arial" panose="020B0604020202020204" pitchFamily="34" charset="0"/>
+                <a:cs typeface="Arial" panose="020B0604020202020204" pitchFamily="34" charset="0"/>
+              </a:rPr>
+              <a:t>Slides Content</a:t>
+            </a:r>
+          </a:p>
+        </p:txBody>
+      </p:sp>
+      <p:sp>
+        <p:nvSpPr>
+          <p:cNvPr id="13" name="Rectangle 12">
+            <a:extLst>
+              <a:ext uri="{FF2B5EF4-FFF2-40B4-BE49-F238E27FC236}">
+                <a16:creationId xmlns:a16="http://schemas.microsoft.com/office/drawing/2014/main" id="{175AF54C-E3C8-4EB4-8446-F73863014B40}"/>
+              </a:ext>
+            </a:extLst>
+          </p:cNvPr>
+          <p:cNvSpPr/>
+          <p:nvPr/>
+        </p:nvSpPr>
+        <p:spPr>
+          <a:xfrm>
+            <a:off x="4013234" y="0"/>
+            <a:ext cx="8178765" cy="6858000"/>
+          </a:xfrm>
+          <a:prstGeom prst="rect">
+            <a:avLst/>
+          </a:prstGeom>
+          <a:solidFill>
+            <a:schemeClr val="accent1">
+              <a:lumMod val="60000"/>
+              <a:lumOff val="40000"/>
+            </a:schemeClr>
+          </a:solidFill>
+        </p:spPr>
+        <p:style>
+          <a:lnRef idx="2">
+            <a:schemeClr val="accent1">
+              <a:shade val="50000"/>
+            </a:schemeClr>
+          </a:lnRef>
+          <a:fillRef idx="1">
+            <a:schemeClr val="accent1"/>
+          </a:fillRef>
+          <a:effectRef idx="0">
+            <a:schemeClr val="accent1"/>
+          </a:effectRef>
+          <a:fontRef idx="minor">
+            <a:schemeClr val="lt1"/>
+          </a:fontRef>
+        </p:style>
+        <p:txBody>
+          <a:bodyPr rtlCol="0" anchor="ctr"/>
+          <a:lstStyle/>
+          <a:p>
+            <a:pPr algn="ctr"/>
+            <a:endParaRPr lang="en-US" dirty="0"/>
+          </a:p>
+        </p:txBody>
+      </p:sp>
+      <p:sp>
+        <p:nvSpPr>
+          <p:cNvPr id="29" name="Rectangle: Rounded Corners 28">
+            <a:extLst>
+              <a:ext uri="{FF2B5EF4-FFF2-40B4-BE49-F238E27FC236}">
+                <a16:creationId xmlns:a16="http://schemas.microsoft.com/office/drawing/2014/main" id="{6A36487B-D9F4-46EB-B2A3-D12643142E68}"/>
+              </a:ext>
+            </a:extLst>
+          </p:cNvPr>
+          <p:cNvSpPr/>
+          <p:nvPr/>
+        </p:nvSpPr>
+        <p:spPr>
+          <a:xfrm>
+            <a:off x="4013234" y="381699"/>
+            <a:ext cx="7677725" cy="583036"/>
+          </a:xfrm>
+          <a:prstGeom prst="roundRect">
+            <a:avLst/>
+          </a:prstGeom>
+        </p:spPr>
+        <p:style>
+          <a:lnRef idx="2">
+            <a:schemeClr val="accent1">
+              <a:shade val="50000"/>
+            </a:schemeClr>
+          </a:lnRef>
+          <a:fillRef idx="1">
+            <a:schemeClr val="accent1"/>
+          </a:fillRef>
+          <a:effectRef idx="0">
+            <a:schemeClr val="accent1"/>
+          </a:effectRef>
+          <a:fontRef idx="minor">
+            <a:schemeClr val="lt1"/>
+          </a:fontRef>
+        </p:style>
+        <p:txBody>
+          <a:bodyPr rtlCol="0" anchor="ctr"/>
+          <a:lstStyle/>
+          <a:p>
+            <a:pPr algn="ctr"/>
+            <a:r>
+              <a:rPr lang="en-US" sz="2400" b="1" dirty="0">
+                <a:solidFill>
+                  <a:schemeClr val="tx1"/>
+                </a:solidFill>
+                <a:latin typeface="Arial" panose="020B0604020202020204" pitchFamily="34" charset="0"/>
+                <a:cs typeface="Arial" panose="020B0604020202020204" pitchFamily="34" charset="0"/>
+              </a:rPr>
+              <a:t>Introduction To SATS</a:t>
+            </a:r>
+          </a:p>
+        </p:txBody>
+      </p:sp>
+      <p:sp>
+        <p:nvSpPr>
+          <p:cNvPr id="20" name="Oval 19">
+            <a:extLst>
+              <a:ext uri="{FF2B5EF4-FFF2-40B4-BE49-F238E27FC236}">
+                <a16:creationId xmlns:a16="http://schemas.microsoft.com/office/drawing/2014/main" id="{04AA1731-12EF-4A04-8AC6-C99577549CEE}"/>
+              </a:ext>
+            </a:extLst>
+          </p:cNvPr>
+          <p:cNvSpPr/>
+          <p:nvPr/>
+        </p:nvSpPr>
+        <p:spPr>
+          <a:xfrm>
+            <a:off x="4092033" y="436226"/>
+            <a:ext cx="547082" cy="469783"/>
+          </a:xfrm>
+          <a:prstGeom prst="ellipse">
+            <a:avLst/>
+          </a:prstGeom>
+        </p:spPr>
+        <p:style>
+          <a:lnRef idx="2">
+            <a:schemeClr val="dk1"/>
+          </a:lnRef>
+          <a:fillRef idx="1">
+            <a:schemeClr val="lt1"/>
+          </a:fillRef>
+          <a:effectRef idx="0">
+            <a:schemeClr val="dk1"/>
+          </a:effectRef>
+          <a:fontRef idx="minor">
+            <a:schemeClr val="dk1"/>
+          </a:fontRef>
+        </p:style>
+        <p:txBody>
+          <a:bodyPr rtlCol="0" anchor="ctr"/>
+          <a:lstStyle/>
+          <a:p>
+            <a:pPr algn="ctr"/>
+            <a:r>
+              <a:rPr lang="en-US" sz="3200" b="1" dirty="0">
+                <a:latin typeface="Arial" panose="020B0604020202020204" pitchFamily="34" charset="0"/>
+                <a:cs typeface="Arial" panose="020B0604020202020204" pitchFamily="34" charset="0"/>
+              </a:rPr>
+              <a:t>1</a:t>
+            </a:r>
+          </a:p>
+        </p:txBody>
+      </p:sp>
+      <p:sp>
+        <p:nvSpPr>
+          <p:cNvPr id="30" name="Rectangle: Rounded Corners 29">
+            <a:extLst>
+              <a:ext uri="{FF2B5EF4-FFF2-40B4-BE49-F238E27FC236}">
+                <a16:creationId xmlns:a16="http://schemas.microsoft.com/office/drawing/2014/main" id="{199D13A5-D0F5-47DD-9A65-022E27FC8697}"/>
+              </a:ext>
+            </a:extLst>
+          </p:cNvPr>
+          <p:cNvSpPr/>
+          <p:nvPr/>
+        </p:nvSpPr>
+        <p:spPr>
+          <a:xfrm>
+            <a:off x="4013234" y="1206170"/>
+            <a:ext cx="7677725" cy="583036"/>
+          </a:xfrm>
+          <a:prstGeom prst="roundRect">
+            <a:avLst/>
+          </a:prstGeom>
+        </p:spPr>
+        <p:style>
+          <a:lnRef idx="2">
+            <a:schemeClr val="accent1">
+              <a:shade val="50000"/>
+            </a:schemeClr>
+          </a:lnRef>
+          <a:fillRef idx="1">
+            <a:schemeClr val="accent1"/>
+          </a:fillRef>
+          <a:effectRef idx="0">
+            <a:schemeClr val="accent1"/>
+          </a:effectRef>
+          <a:fontRef idx="minor">
+            <a:schemeClr val="lt1"/>
+          </a:fontRef>
+        </p:style>
+        <p:txBody>
+          <a:bodyPr rtlCol="0" anchor="ctr"/>
+          <a:lstStyle/>
+          <a:p>
+            <a:pPr algn="ctr"/>
+            <a:r>
+              <a:rPr lang="en-US" sz="2400" b="1" dirty="0">
+                <a:solidFill>
+                  <a:schemeClr val="tx1"/>
+                </a:solidFill>
+                <a:latin typeface="Arial" panose="020B0604020202020204" pitchFamily="34" charset="0"/>
+                <a:cs typeface="Arial" panose="020B0604020202020204" pitchFamily="34" charset="0"/>
+              </a:rPr>
+              <a:t>SATS Requirements </a:t>
+            </a:r>
+          </a:p>
+        </p:txBody>
+      </p:sp>
+      <p:sp>
+        <p:nvSpPr>
+          <p:cNvPr id="26" name="Oval 25">
+            <a:extLst>
+              <a:ext uri="{FF2B5EF4-FFF2-40B4-BE49-F238E27FC236}">
+                <a16:creationId xmlns:a16="http://schemas.microsoft.com/office/drawing/2014/main" id="{98264DA2-3EA7-4849-8A40-2D53787AB9AA}"/>
+              </a:ext>
+            </a:extLst>
+          </p:cNvPr>
+          <p:cNvSpPr/>
+          <p:nvPr/>
+        </p:nvSpPr>
+        <p:spPr>
+          <a:xfrm>
+            <a:off x="4105516" y="1266738"/>
+            <a:ext cx="547082" cy="469783"/>
+          </a:xfrm>
+          <a:prstGeom prst="ellipse">
+            <a:avLst/>
+          </a:prstGeom>
+        </p:spPr>
+        <p:style>
+          <a:lnRef idx="2">
+            <a:schemeClr val="dk1"/>
+          </a:lnRef>
+          <a:fillRef idx="1">
+            <a:schemeClr val="lt1"/>
+          </a:fillRef>
+          <a:effectRef idx="0">
+            <a:schemeClr val="dk1"/>
+          </a:effectRef>
+          <a:fontRef idx="minor">
+            <a:schemeClr val="dk1"/>
+          </a:fontRef>
+        </p:style>
+        <p:txBody>
+          <a:bodyPr rtlCol="0" anchor="ctr"/>
+          <a:lstStyle/>
+          <a:p>
+            <a:pPr algn="ctr"/>
+            <a:r>
+              <a:rPr lang="en-US" sz="3200" b="1" dirty="0">
+                <a:latin typeface="Arial" panose="020B0604020202020204" pitchFamily="34" charset="0"/>
+                <a:cs typeface="Arial" panose="020B0604020202020204" pitchFamily="34" charset="0"/>
+              </a:rPr>
+              <a:t>2</a:t>
+            </a:r>
+          </a:p>
+        </p:txBody>
+      </p:sp>
+      <p:sp>
+        <p:nvSpPr>
+          <p:cNvPr id="31" name="Rectangle: Rounded Corners 30">
+            <a:extLst>
+              <a:ext uri="{FF2B5EF4-FFF2-40B4-BE49-F238E27FC236}">
+                <a16:creationId xmlns:a16="http://schemas.microsoft.com/office/drawing/2014/main" id="{24866992-5A25-464E-B61C-579785BE618E}"/>
+              </a:ext>
+            </a:extLst>
+          </p:cNvPr>
+          <p:cNvSpPr/>
+          <p:nvPr/>
+        </p:nvSpPr>
+        <p:spPr>
+          <a:xfrm>
+            <a:off x="4013234" y="2037357"/>
+            <a:ext cx="7677725" cy="583036"/>
+          </a:xfrm>
+          <a:prstGeom prst="roundRect">
+            <a:avLst/>
+          </a:prstGeom>
+        </p:spPr>
+        <p:style>
+          <a:lnRef idx="2">
+            <a:schemeClr val="accent1">
+              <a:shade val="50000"/>
+            </a:schemeClr>
+          </a:lnRef>
+          <a:fillRef idx="1">
+            <a:schemeClr val="accent1"/>
+          </a:fillRef>
+          <a:effectRef idx="0">
+            <a:schemeClr val="accent1"/>
+          </a:effectRef>
+          <a:fontRef idx="minor">
+            <a:schemeClr val="lt1"/>
+          </a:fontRef>
+        </p:style>
+        <p:txBody>
+          <a:bodyPr rtlCol="0" anchor="ctr"/>
+          <a:lstStyle/>
+          <a:p>
+            <a:pPr algn="ctr"/>
+            <a:r>
+              <a:rPr lang="en-US" sz="2400" b="1" dirty="0">
+                <a:solidFill>
+                  <a:schemeClr val="tx1"/>
+                </a:solidFill>
+                <a:latin typeface="Arial" panose="020B0604020202020204" pitchFamily="34" charset="0"/>
+                <a:cs typeface="Arial" panose="020B0604020202020204" pitchFamily="34" charset="0"/>
+              </a:rPr>
+              <a:t>SATS Design </a:t>
+            </a:r>
+          </a:p>
+        </p:txBody>
+      </p:sp>
+      <p:sp>
+        <p:nvSpPr>
+          <p:cNvPr id="23" name="Oval 22">
+            <a:extLst>
+              <a:ext uri="{FF2B5EF4-FFF2-40B4-BE49-F238E27FC236}">
+                <a16:creationId xmlns:a16="http://schemas.microsoft.com/office/drawing/2014/main" id="{87E32ED1-BDD1-4556-BE60-60AAA4054732}"/>
+              </a:ext>
+            </a:extLst>
+          </p:cNvPr>
+          <p:cNvSpPr/>
+          <p:nvPr/>
+        </p:nvSpPr>
+        <p:spPr>
+          <a:xfrm>
+            <a:off x="4092033" y="2097250"/>
+            <a:ext cx="547082" cy="469783"/>
+          </a:xfrm>
+          <a:prstGeom prst="ellipse">
+            <a:avLst/>
+          </a:prstGeom>
+        </p:spPr>
+        <p:style>
+          <a:lnRef idx="2">
+            <a:schemeClr val="dk1"/>
+          </a:lnRef>
+          <a:fillRef idx="1">
+            <a:schemeClr val="lt1"/>
+          </a:fillRef>
+          <a:effectRef idx="0">
+            <a:schemeClr val="dk1"/>
+          </a:effectRef>
+          <a:fontRef idx="minor">
+            <a:schemeClr val="dk1"/>
+          </a:fontRef>
+        </p:style>
+        <p:txBody>
+          <a:bodyPr rtlCol="0" anchor="ctr"/>
+          <a:lstStyle/>
+          <a:p>
+            <a:pPr algn="ctr"/>
+            <a:r>
+              <a:rPr lang="en-US" sz="3200" b="1" dirty="0">
+                <a:latin typeface="Arial" panose="020B0604020202020204" pitchFamily="34" charset="0"/>
+                <a:cs typeface="Arial" panose="020B0604020202020204" pitchFamily="34" charset="0"/>
+              </a:rPr>
+              <a:t>3</a:t>
+            </a:r>
+          </a:p>
+        </p:txBody>
+      </p:sp>
+      <p:sp>
+        <p:nvSpPr>
+          <p:cNvPr id="32" name="Rectangle: Rounded Corners 31">
+            <a:extLst>
+              <a:ext uri="{FF2B5EF4-FFF2-40B4-BE49-F238E27FC236}">
+                <a16:creationId xmlns:a16="http://schemas.microsoft.com/office/drawing/2014/main" id="{B2160D19-0DD2-4B53-A664-04F7A43C2596}"/>
+              </a:ext>
+            </a:extLst>
+          </p:cNvPr>
+          <p:cNvSpPr/>
+          <p:nvPr/>
+        </p:nvSpPr>
+        <p:spPr>
+          <a:xfrm>
+            <a:off x="4013234" y="2927087"/>
+            <a:ext cx="7677725" cy="583036"/>
+          </a:xfrm>
+          <a:prstGeom prst="roundRect">
+            <a:avLst/>
+          </a:prstGeom>
+        </p:spPr>
+        <p:style>
+          <a:lnRef idx="2">
+            <a:schemeClr val="accent1">
+              <a:shade val="50000"/>
+            </a:schemeClr>
+          </a:lnRef>
+          <a:fillRef idx="1">
+            <a:schemeClr val="accent1"/>
+          </a:fillRef>
+          <a:effectRef idx="0">
+            <a:schemeClr val="accent1"/>
+          </a:effectRef>
+          <a:fontRef idx="minor">
+            <a:schemeClr val="lt1"/>
+          </a:fontRef>
+        </p:style>
+        <p:txBody>
+          <a:bodyPr rtlCol="0" anchor="ctr"/>
+          <a:lstStyle/>
+          <a:p>
+            <a:pPr algn="ctr"/>
+            <a:r>
+              <a:rPr lang="en-US" sz="2400" b="1" dirty="0">
+                <a:solidFill>
+                  <a:schemeClr val="tx1"/>
+                </a:solidFill>
+                <a:latin typeface="Arial" panose="020B0604020202020204" pitchFamily="34" charset="0"/>
+                <a:cs typeface="Arial" panose="020B0604020202020204" pitchFamily="34" charset="0"/>
+              </a:rPr>
+              <a:t>SATS Results</a:t>
+            </a:r>
+          </a:p>
+        </p:txBody>
+      </p:sp>
+      <p:sp>
+        <p:nvSpPr>
+          <p:cNvPr id="25" name="Oval 24">
+            <a:extLst>
+              <a:ext uri="{FF2B5EF4-FFF2-40B4-BE49-F238E27FC236}">
+                <a16:creationId xmlns:a16="http://schemas.microsoft.com/office/drawing/2014/main" id="{070DD079-C452-4889-B52C-C974F6372314}"/>
+              </a:ext>
+            </a:extLst>
+          </p:cNvPr>
+          <p:cNvSpPr/>
+          <p:nvPr/>
+        </p:nvSpPr>
+        <p:spPr>
+          <a:xfrm>
+            <a:off x="4105516" y="2944540"/>
+            <a:ext cx="547082" cy="469783"/>
+          </a:xfrm>
+          <a:prstGeom prst="ellipse">
+            <a:avLst/>
+          </a:prstGeom>
+        </p:spPr>
+        <p:style>
+          <a:lnRef idx="2">
+            <a:schemeClr val="dk1"/>
+          </a:lnRef>
+          <a:fillRef idx="1">
+            <a:schemeClr val="lt1"/>
+          </a:fillRef>
+          <a:effectRef idx="0">
+            <a:schemeClr val="dk1"/>
+          </a:effectRef>
+          <a:fontRef idx="minor">
+            <a:schemeClr val="dk1"/>
+          </a:fontRef>
+        </p:style>
+        <p:txBody>
+          <a:bodyPr rtlCol="0" anchor="ctr"/>
+          <a:lstStyle/>
+          <a:p>
+            <a:pPr algn="ctr"/>
+            <a:r>
+              <a:rPr lang="en-US" sz="3200" b="1" dirty="0">
+                <a:latin typeface="Arial" panose="020B0604020202020204" pitchFamily="34" charset="0"/>
+                <a:cs typeface="Arial" panose="020B0604020202020204" pitchFamily="34" charset="0"/>
+              </a:rPr>
+              <a:t>4</a:t>
+            </a:r>
+          </a:p>
+        </p:txBody>
+      </p:sp>
+      <p:sp>
+        <p:nvSpPr>
+          <p:cNvPr id="33" name="Rectangle: Rounded Corners 32">
+            <a:extLst>
+              <a:ext uri="{FF2B5EF4-FFF2-40B4-BE49-F238E27FC236}">
+                <a16:creationId xmlns:a16="http://schemas.microsoft.com/office/drawing/2014/main" id="{891006D7-EA72-4F71-B147-710197CB3583}"/>
+              </a:ext>
+            </a:extLst>
+          </p:cNvPr>
+          <p:cNvSpPr/>
+          <p:nvPr/>
+        </p:nvSpPr>
+        <p:spPr>
+          <a:xfrm>
+            <a:off x="4013233" y="3697706"/>
+            <a:ext cx="7677725" cy="583036"/>
+          </a:xfrm>
+          <a:prstGeom prst="roundRect">
+            <a:avLst/>
+          </a:prstGeom>
+        </p:spPr>
+        <p:style>
+          <a:lnRef idx="2">
+            <a:schemeClr val="accent1">
+              <a:shade val="50000"/>
+            </a:schemeClr>
+          </a:lnRef>
+          <a:fillRef idx="1">
+            <a:schemeClr val="accent1"/>
+          </a:fillRef>
+          <a:effectRef idx="0">
+            <a:schemeClr val="accent1"/>
+          </a:effectRef>
+          <a:fontRef idx="minor">
+            <a:schemeClr val="lt1"/>
+          </a:fontRef>
+        </p:style>
+        <p:txBody>
+          <a:bodyPr rtlCol="0" anchor="ctr"/>
+          <a:lstStyle/>
+          <a:p>
+            <a:pPr algn="ctr"/>
+            <a:r>
+              <a:rPr lang="en-US" sz="2400" b="1" dirty="0">
+                <a:solidFill>
+                  <a:schemeClr val="tx1"/>
+                </a:solidFill>
+                <a:latin typeface="Arial" panose="020B0604020202020204" pitchFamily="34" charset="0"/>
+                <a:cs typeface="Arial" panose="020B0604020202020204" pitchFamily="34" charset="0"/>
+              </a:rPr>
+              <a:t>Team Contributions </a:t>
+            </a:r>
+          </a:p>
+        </p:txBody>
+      </p:sp>
+      <p:sp>
+        <p:nvSpPr>
+          <p:cNvPr id="24" name="Oval 23">
+            <a:extLst>
+              <a:ext uri="{FF2B5EF4-FFF2-40B4-BE49-F238E27FC236}">
+                <a16:creationId xmlns:a16="http://schemas.microsoft.com/office/drawing/2014/main" id="{710F38CD-AB08-42AA-AFAC-ADF2C84B1C08}"/>
+              </a:ext>
+            </a:extLst>
+          </p:cNvPr>
+          <p:cNvSpPr/>
+          <p:nvPr/>
+        </p:nvSpPr>
+        <p:spPr>
+          <a:xfrm>
+            <a:off x="4134874" y="3758274"/>
+            <a:ext cx="547082" cy="469783"/>
+          </a:xfrm>
+          <a:prstGeom prst="ellipse">
+            <a:avLst/>
+          </a:prstGeom>
+        </p:spPr>
+        <p:style>
+          <a:lnRef idx="2">
+            <a:schemeClr val="dk1"/>
+          </a:lnRef>
+          <a:fillRef idx="1">
+            <a:schemeClr val="lt1"/>
+          </a:fillRef>
+          <a:effectRef idx="0">
+            <a:schemeClr val="dk1"/>
+          </a:effectRef>
+          <a:fontRef idx="minor">
+            <a:schemeClr val="dk1"/>
+          </a:fontRef>
+        </p:style>
+        <p:txBody>
+          <a:bodyPr rtlCol="0" anchor="ctr"/>
+          <a:lstStyle/>
+          <a:p>
+            <a:pPr algn="ctr"/>
+            <a:r>
+              <a:rPr lang="en-US" sz="3200" b="1" dirty="0">
+                <a:latin typeface="Arial" panose="020B0604020202020204" pitchFamily="34" charset="0"/>
+                <a:cs typeface="Arial" panose="020B0604020202020204" pitchFamily="34" charset="0"/>
+              </a:rPr>
+              <a:t>5</a:t>
+            </a:r>
+          </a:p>
+        </p:txBody>
+      </p:sp>
+      <p:sp>
+        <p:nvSpPr>
+          <p:cNvPr id="34" name="Rectangle: Rounded Corners 33">
+            <a:extLst>
+              <a:ext uri="{FF2B5EF4-FFF2-40B4-BE49-F238E27FC236}">
+                <a16:creationId xmlns:a16="http://schemas.microsoft.com/office/drawing/2014/main" id="{9FDCC7E9-0182-48FD-91E0-F9528CBC45D3}"/>
+              </a:ext>
+            </a:extLst>
+          </p:cNvPr>
+          <p:cNvSpPr/>
+          <p:nvPr/>
+        </p:nvSpPr>
+        <p:spPr>
+          <a:xfrm>
+            <a:off x="4013233" y="4532159"/>
+            <a:ext cx="7677725" cy="583036"/>
+          </a:xfrm>
+          <a:prstGeom prst="roundRect">
+            <a:avLst/>
+          </a:prstGeom>
+        </p:spPr>
+        <p:style>
+          <a:lnRef idx="2">
+            <a:schemeClr val="accent1">
+              <a:shade val="50000"/>
+            </a:schemeClr>
+          </a:lnRef>
+          <a:fillRef idx="1">
+            <a:schemeClr val="accent1"/>
+          </a:fillRef>
+          <a:effectRef idx="0">
+            <a:schemeClr val="accent1"/>
+          </a:effectRef>
+          <a:fontRef idx="minor">
+            <a:schemeClr val="lt1"/>
+          </a:fontRef>
+        </p:style>
+        <p:txBody>
+          <a:bodyPr rtlCol="0" anchor="ctr"/>
+          <a:lstStyle/>
+          <a:p>
+            <a:pPr algn="ctr"/>
+            <a:r>
+              <a:rPr lang="en-US" sz="2400" b="1" dirty="0">
+                <a:solidFill>
+                  <a:schemeClr val="tx1"/>
+                </a:solidFill>
+                <a:latin typeface="Arial" panose="020B0604020202020204" pitchFamily="34" charset="0"/>
+                <a:cs typeface="Arial" panose="020B0604020202020204" pitchFamily="34" charset="0"/>
+              </a:rPr>
+              <a:t>Introduction To SATS</a:t>
+            </a:r>
+          </a:p>
+        </p:txBody>
+      </p:sp>
+      <p:sp>
+        <p:nvSpPr>
+          <p:cNvPr id="22" name="Oval 21">
+            <a:extLst>
+              <a:ext uri="{FF2B5EF4-FFF2-40B4-BE49-F238E27FC236}">
+                <a16:creationId xmlns:a16="http://schemas.microsoft.com/office/drawing/2014/main" id="{DF469DCE-1D47-428C-B082-4E57A24682E8}"/>
+              </a:ext>
+            </a:extLst>
+          </p:cNvPr>
+          <p:cNvSpPr/>
+          <p:nvPr/>
+        </p:nvSpPr>
+        <p:spPr>
+          <a:xfrm>
+            <a:off x="4139570" y="4588786"/>
+            <a:ext cx="547082" cy="469783"/>
+          </a:xfrm>
+          <a:prstGeom prst="ellipse">
+            <a:avLst/>
+          </a:prstGeom>
+        </p:spPr>
+        <p:style>
+          <a:lnRef idx="2">
+            <a:schemeClr val="dk1"/>
+          </a:lnRef>
+          <a:fillRef idx="1">
+            <a:schemeClr val="lt1"/>
+          </a:fillRef>
+          <a:effectRef idx="0">
+            <a:schemeClr val="dk1"/>
+          </a:effectRef>
+          <a:fontRef idx="minor">
+            <a:schemeClr val="dk1"/>
+          </a:fontRef>
+        </p:style>
+        <p:txBody>
+          <a:bodyPr rtlCol="0" anchor="ctr"/>
+          <a:lstStyle/>
+          <a:p>
+            <a:pPr algn="ctr"/>
+            <a:r>
+              <a:rPr lang="en-US" sz="3200" b="1" dirty="0">
+                <a:latin typeface="Arial" panose="020B0604020202020204" pitchFamily="34" charset="0"/>
+                <a:cs typeface="Arial" panose="020B0604020202020204" pitchFamily="34" charset="0"/>
+              </a:rPr>
+              <a:t>6</a:t>
+            </a:r>
+          </a:p>
+        </p:txBody>
+      </p:sp>
+      <p:pic>
+        <p:nvPicPr>
+          <p:cNvPr id="28" name="Picture 27" descr="A picture containing drawing&#10;&#10;Description automatically generated">
+            <a:extLst>
+              <a:ext uri="{FF2B5EF4-FFF2-40B4-BE49-F238E27FC236}">
+                <a16:creationId xmlns:a16="http://schemas.microsoft.com/office/drawing/2014/main" id="{B1FB34BB-937E-4ACB-9CCB-DD01B0A76610}"/>
+              </a:ext>
+            </a:extLst>
+          </p:cNvPr>
+          <p:cNvPicPr>
+            <a:picLocks noChangeAspect="1"/>
+          </p:cNvPicPr>
+          <p:nvPr/>
+        </p:nvPicPr>
+        <p:blipFill>
+          <a:blip r:embed="rId4">
+            <a:extLst>
+              <a:ext uri="{28A0092B-C50C-407E-A947-70E740481C1C}">
+                <a14:useLocalDpi xmlns:a14="http://schemas.microsoft.com/office/drawing/2010/main" val="0"/>
+              </a:ext>
+            </a:extLst>
+          </a:blip>
+          <a:stretch>
+            <a:fillRect/>
+          </a:stretch>
+        </p:blipFill>
+        <p:spPr>
+          <a:xfrm>
+            <a:off x="11022886" y="3724969"/>
+            <a:ext cx="612395" cy="528509"/>
+          </a:xfrm>
+          <a:prstGeom prst="rect">
+            <a:avLst/>
+          </a:prstGeom>
+        </p:spPr>
+      </p:pic>
+    </p:spTree>
+    <p:extLst>
+      <p:ext uri="{BB962C8B-B14F-4D97-AF65-F5344CB8AC3E}">
+        <p14:creationId xmlns:p14="http://schemas.microsoft.com/office/powerpoint/2010/main" val="2096969276"/>
       </p:ext>
     </p:extLst>
   </p:cSld>
@@ -7658,6 +12735,1417 @@
 </p:sld>
 </file>
 
+<file path=ppt/slides/slide20.xml><?xml version="1.0" encoding="utf-8"?>
+<p:sld xmlns:a="http://schemas.openxmlformats.org/drawingml/2006/main" xmlns:r="http://schemas.openxmlformats.org/officeDocument/2006/relationships" xmlns:p="http://schemas.openxmlformats.org/presentationml/2006/main">
+  <p:cSld>
+    <p:spTree>
+      <p:nvGrpSpPr>
+        <p:cNvPr id="1" name=""/>
+        <p:cNvGrpSpPr/>
+        <p:nvPr/>
+      </p:nvGrpSpPr>
+      <p:grpSpPr>
+        <a:xfrm>
+          <a:off x="0" y="0"/>
+          <a:ext cx="0" cy="0"/>
+          <a:chOff x="0" y="0"/>
+          <a:chExt cx="0" cy="0"/>
+        </a:xfrm>
+      </p:grpSpPr>
+      <p:sp>
+        <p:nvSpPr>
+          <p:cNvPr id="22" name="Rectangle 21">
+            <a:extLst>
+              <a:ext uri="{FF2B5EF4-FFF2-40B4-BE49-F238E27FC236}">
+                <a16:creationId xmlns:a16="http://schemas.microsoft.com/office/drawing/2014/main" id="{771E1EDC-B021-4096-957D-3553CE6F854D}"/>
+              </a:ext>
+            </a:extLst>
+          </p:cNvPr>
+          <p:cNvSpPr/>
+          <p:nvPr/>
+        </p:nvSpPr>
+        <p:spPr>
+          <a:xfrm>
+            <a:off x="0" y="0"/>
+            <a:ext cx="12192000" cy="6858000"/>
+          </a:xfrm>
+          <a:prstGeom prst="rect">
+            <a:avLst/>
+          </a:prstGeom>
+        </p:spPr>
+        <p:style>
+          <a:lnRef idx="2">
+            <a:schemeClr val="accent1">
+              <a:shade val="50000"/>
+            </a:schemeClr>
+          </a:lnRef>
+          <a:fillRef idx="1">
+            <a:schemeClr val="accent1"/>
+          </a:fillRef>
+          <a:effectRef idx="0">
+            <a:schemeClr val="accent1"/>
+          </a:effectRef>
+          <a:fontRef idx="minor">
+            <a:schemeClr val="lt1"/>
+          </a:fontRef>
+        </p:style>
+        <p:txBody>
+          <a:bodyPr rtlCol="0" anchor="ctr"/>
+          <a:lstStyle/>
+          <a:p>
+            <a:pPr algn="ctr"/>
+            <a:endParaRPr lang="en-US"/>
+          </a:p>
+        </p:txBody>
+      </p:sp>
+      <p:sp>
+        <p:nvSpPr>
+          <p:cNvPr id="24" name="Rectangle 23">
+            <a:extLst>
+              <a:ext uri="{FF2B5EF4-FFF2-40B4-BE49-F238E27FC236}">
+                <a16:creationId xmlns:a16="http://schemas.microsoft.com/office/drawing/2014/main" id="{D6E5314C-0EED-4E11-BD99-64BC405C5679}"/>
+              </a:ext>
+            </a:extLst>
+          </p:cNvPr>
+          <p:cNvSpPr/>
+          <p:nvPr/>
+        </p:nvSpPr>
+        <p:spPr>
+          <a:xfrm>
+            <a:off x="7573821" y="0"/>
+            <a:ext cx="4618180" cy="6857999"/>
+          </a:xfrm>
+          <a:prstGeom prst="rect">
+            <a:avLst/>
+          </a:prstGeom>
+        </p:spPr>
+        <p:style>
+          <a:lnRef idx="2">
+            <a:schemeClr val="accent2">
+              <a:shade val="50000"/>
+            </a:schemeClr>
+          </a:lnRef>
+          <a:fillRef idx="1">
+            <a:schemeClr val="accent2"/>
+          </a:fillRef>
+          <a:effectRef idx="0">
+            <a:schemeClr val="accent2"/>
+          </a:effectRef>
+          <a:fontRef idx="minor">
+            <a:schemeClr val="lt1"/>
+          </a:fontRef>
+        </p:style>
+        <p:txBody>
+          <a:bodyPr rtlCol="0" anchor="ctr"/>
+          <a:lstStyle/>
+          <a:p>
+            <a:pPr algn="ctr"/>
+            <a:endParaRPr lang="en-US"/>
+          </a:p>
+        </p:txBody>
+      </p:sp>
+      <p:pic>
+        <p:nvPicPr>
+          <p:cNvPr id="62" name="Picture 61" descr="A picture containing drawing&#10;&#10;Description automatically generated">
+            <a:extLst>
+              <a:ext uri="{FF2B5EF4-FFF2-40B4-BE49-F238E27FC236}">
+                <a16:creationId xmlns:a16="http://schemas.microsoft.com/office/drawing/2014/main" id="{F46D1C04-E1F1-48B5-B92D-1E36601F7B13}"/>
+              </a:ext>
+            </a:extLst>
+          </p:cNvPr>
+          <p:cNvPicPr>
+            <a:picLocks noChangeAspect="1"/>
+          </p:cNvPicPr>
+          <p:nvPr/>
+        </p:nvPicPr>
+        <p:blipFill>
+          <a:blip r:embed="rId2">
+            <a:extLst>
+              <a:ext uri="{28A0092B-C50C-407E-A947-70E740481C1C}">
+                <a14:useLocalDpi xmlns:a14="http://schemas.microsoft.com/office/drawing/2010/main" val="0"/>
+              </a:ext>
+            </a:extLst>
+          </a:blip>
+          <a:stretch>
+            <a:fillRect/>
+          </a:stretch>
+        </p:blipFill>
+        <p:spPr>
+          <a:xfrm>
+            <a:off x="240145" y="4426527"/>
+            <a:ext cx="1219200" cy="1219200"/>
+          </a:xfrm>
+          <a:prstGeom prst="rect">
+            <a:avLst/>
+          </a:prstGeom>
+        </p:spPr>
+      </p:pic>
+      <p:pic>
+        <p:nvPicPr>
+          <p:cNvPr id="63" name="Picture 62" descr="A picture containing drawing&#10;&#10;Description automatically generated">
+            <a:extLst>
+              <a:ext uri="{FF2B5EF4-FFF2-40B4-BE49-F238E27FC236}">
+                <a16:creationId xmlns:a16="http://schemas.microsoft.com/office/drawing/2014/main" id="{EE329FDB-5BF3-481B-872D-3C10273196FB}"/>
+              </a:ext>
+            </a:extLst>
+          </p:cNvPr>
+          <p:cNvPicPr>
+            <a:picLocks noChangeAspect="1"/>
+          </p:cNvPicPr>
+          <p:nvPr/>
+        </p:nvPicPr>
+        <p:blipFill>
+          <a:blip r:embed="rId2">
+            <a:extLst>
+              <a:ext uri="{28A0092B-C50C-407E-A947-70E740481C1C}">
+                <a14:useLocalDpi xmlns:a14="http://schemas.microsoft.com/office/drawing/2010/main" val="0"/>
+              </a:ext>
+            </a:extLst>
+          </a:blip>
+          <a:stretch>
+            <a:fillRect/>
+          </a:stretch>
+        </p:blipFill>
+        <p:spPr>
+          <a:xfrm>
+            <a:off x="1699490" y="4426527"/>
+            <a:ext cx="1219200" cy="1219200"/>
+          </a:xfrm>
+          <a:prstGeom prst="rect">
+            <a:avLst/>
+          </a:prstGeom>
+        </p:spPr>
+      </p:pic>
+      <p:pic>
+        <p:nvPicPr>
+          <p:cNvPr id="64" name="Picture 63" descr="A picture containing drawing&#10;&#10;Description automatically generated">
+            <a:extLst>
+              <a:ext uri="{FF2B5EF4-FFF2-40B4-BE49-F238E27FC236}">
+                <a16:creationId xmlns:a16="http://schemas.microsoft.com/office/drawing/2014/main" id="{D4709CB4-E15C-48B5-BD8D-4AC16497572B}"/>
+              </a:ext>
+            </a:extLst>
+          </p:cNvPr>
+          <p:cNvPicPr>
+            <a:picLocks noChangeAspect="1"/>
+          </p:cNvPicPr>
+          <p:nvPr/>
+        </p:nvPicPr>
+        <p:blipFill>
+          <a:blip r:embed="rId2">
+            <a:extLst>
+              <a:ext uri="{28A0092B-C50C-407E-A947-70E740481C1C}">
+                <a14:useLocalDpi xmlns:a14="http://schemas.microsoft.com/office/drawing/2010/main" val="0"/>
+              </a:ext>
+            </a:extLst>
+          </a:blip>
+          <a:stretch>
+            <a:fillRect/>
+          </a:stretch>
+        </p:blipFill>
+        <p:spPr>
+          <a:xfrm>
+            <a:off x="3158835" y="4426527"/>
+            <a:ext cx="1219200" cy="1219200"/>
+          </a:xfrm>
+          <a:prstGeom prst="rect">
+            <a:avLst/>
+          </a:prstGeom>
+        </p:spPr>
+      </p:pic>
+      <p:pic>
+        <p:nvPicPr>
+          <p:cNvPr id="65" name="Picture 64" descr="A picture containing drawing&#10;&#10;Description automatically generated">
+            <a:extLst>
+              <a:ext uri="{FF2B5EF4-FFF2-40B4-BE49-F238E27FC236}">
+                <a16:creationId xmlns:a16="http://schemas.microsoft.com/office/drawing/2014/main" id="{B38FA981-33DF-45D6-8596-D60F4E9E9753}"/>
+              </a:ext>
+            </a:extLst>
+          </p:cNvPr>
+          <p:cNvPicPr>
+            <a:picLocks noChangeAspect="1"/>
+          </p:cNvPicPr>
+          <p:nvPr/>
+        </p:nvPicPr>
+        <p:blipFill>
+          <a:blip r:embed="rId2">
+            <a:extLst>
+              <a:ext uri="{28A0092B-C50C-407E-A947-70E740481C1C}">
+                <a14:useLocalDpi xmlns:a14="http://schemas.microsoft.com/office/drawing/2010/main" val="0"/>
+              </a:ext>
+            </a:extLst>
+          </a:blip>
+          <a:stretch>
+            <a:fillRect/>
+          </a:stretch>
+        </p:blipFill>
+        <p:spPr>
+          <a:xfrm>
+            <a:off x="4618180" y="4426527"/>
+            <a:ext cx="1219200" cy="1219200"/>
+          </a:xfrm>
+          <a:prstGeom prst="rect">
+            <a:avLst/>
+          </a:prstGeom>
+        </p:spPr>
+      </p:pic>
+      <p:pic>
+        <p:nvPicPr>
+          <p:cNvPr id="66" name="Picture 65" descr="A picture containing drawing&#10;&#10;Description automatically generated">
+            <a:extLst>
+              <a:ext uri="{FF2B5EF4-FFF2-40B4-BE49-F238E27FC236}">
+                <a16:creationId xmlns:a16="http://schemas.microsoft.com/office/drawing/2014/main" id="{5E16E98F-91D0-4E1E-9BEF-141D5A97A976}"/>
+              </a:ext>
+            </a:extLst>
+          </p:cNvPr>
+          <p:cNvPicPr>
+            <a:picLocks noChangeAspect="1"/>
+          </p:cNvPicPr>
+          <p:nvPr/>
+        </p:nvPicPr>
+        <p:blipFill>
+          <a:blip r:embed="rId2">
+            <a:extLst>
+              <a:ext uri="{28A0092B-C50C-407E-A947-70E740481C1C}">
+                <a14:useLocalDpi xmlns:a14="http://schemas.microsoft.com/office/drawing/2010/main" val="0"/>
+              </a:ext>
+            </a:extLst>
+          </a:blip>
+          <a:stretch>
+            <a:fillRect/>
+          </a:stretch>
+        </p:blipFill>
+        <p:spPr>
+          <a:xfrm>
+            <a:off x="6096000" y="4426527"/>
+            <a:ext cx="1219200" cy="1219200"/>
+          </a:xfrm>
+          <a:prstGeom prst="rect">
+            <a:avLst/>
+          </a:prstGeom>
+        </p:spPr>
+      </p:pic>
+      <p:sp>
+        <p:nvSpPr>
+          <p:cNvPr id="67" name="TextBox 66">
+            <a:extLst>
+              <a:ext uri="{FF2B5EF4-FFF2-40B4-BE49-F238E27FC236}">
+                <a16:creationId xmlns:a16="http://schemas.microsoft.com/office/drawing/2014/main" id="{AC87AA11-0B09-43FF-81BE-E0DF7A566DAD}"/>
+              </a:ext>
+            </a:extLst>
+          </p:cNvPr>
+          <p:cNvSpPr txBox="1"/>
+          <p:nvPr/>
+        </p:nvSpPr>
+        <p:spPr>
+          <a:xfrm>
+            <a:off x="3094182" y="5936887"/>
+            <a:ext cx="1339273" cy="584775"/>
+          </a:xfrm>
+          <a:prstGeom prst="rect">
+            <a:avLst/>
+          </a:prstGeom>
+          <a:noFill/>
+        </p:spPr>
+        <p:txBody>
+          <a:bodyPr wrap="square" rtlCol="0">
+            <a:spAutoFit/>
+          </a:bodyPr>
+          <a:lstStyle/>
+          <a:p>
+            <a:pPr algn="ctr"/>
+            <a:r>
+              <a:rPr lang="en-US" sz="1600" dirty="0" err="1">
+                <a:latin typeface="Arial" panose="020B0604020202020204" pitchFamily="34" charset="0"/>
+                <a:cs typeface="Arial" panose="020B0604020202020204" pitchFamily="34" charset="0"/>
+              </a:rPr>
+              <a:t>Abdulilah</a:t>
+            </a:r>
+            <a:r>
+              <a:rPr lang="en-US" sz="1600" dirty="0">
+                <a:latin typeface="Arial" panose="020B0604020202020204" pitchFamily="34" charset="0"/>
+                <a:cs typeface="Arial" panose="020B0604020202020204" pitchFamily="34" charset="0"/>
+              </a:rPr>
+              <a:t> Alqasem</a:t>
+            </a:r>
+          </a:p>
+        </p:txBody>
+      </p:sp>
+      <p:sp>
+        <p:nvSpPr>
+          <p:cNvPr id="69" name="TextBox 68">
+            <a:extLst>
+              <a:ext uri="{FF2B5EF4-FFF2-40B4-BE49-F238E27FC236}">
+                <a16:creationId xmlns:a16="http://schemas.microsoft.com/office/drawing/2014/main" id="{5FACDE7D-9F08-4BB9-8C07-2EB2D9D11FFA}"/>
+              </a:ext>
+            </a:extLst>
+          </p:cNvPr>
+          <p:cNvSpPr txBox="1"/>
+          <p:nvPr/>
+        </p:nvSpPr>
+        <p:spPr>
+          <a:xfrm>
+            <a:off x="4562766" y="5936887"/>
+            <a:ext cx="1339273" cy="584775"/>
+          </a:xfrm>
+          <a:prstGeom prst="rect">
+            <a:avLst/>
+          </a:prstGeom>
+          <a:noFill/>
+        </p:spPr>
+        <p:txBody>
+          <a:bodyPr wrap="square" rtlCol="0">
+            <a:spAutoFit/>
+          </a:bodyPr>
+          <a:lstStyle/>
+          <a:p>
+            <a:pPr algn="ctr"/>
+            <a:r>
+              <a:rPr lang="en-US" sz="1600" dirty="0">
+                <a:latin typeface="Arial" panose="020B0604020202020204" pitchFamily="34" charset="0"/>
+                <a:cs typeface="Arial" panose="020B0604020202020204" pitchFamily="34" charset="0"/>
+              </a:rPr>
+              <a:t>Mohammad </a:t>
+            </a:r>
+            <a:r>
+              <a:rPr lang="en-US" sz="1600" dirty="0" err="1">
+                <a:latin typeface="Arial" panose="020B0604020202020204" pitchFamily="34" charset="0"/>
+                <a:cs typeface="Arial" panose="020B0604020202020204" pitchFamily="34" charset="0"/>
+              </a:rPr>
+              <a:t>Zouman</a:t>
+            </a:r>
+            <a:endParaRPr lang="en-US" sz="1600" dirty="0">
+              <a:latin typeface="Arial" panose="020B0604020202020204" pitchFamily="34" charset="0"/>
+              <a:cs typeface="Arial" panose="020B0604020202020204" pitchFamily="34" charset="0"/>
+            </a:endParaRPr>
+          </a:p>
+        </p:txBody>
+      </p:sp>
+      <p:sp>
+        <p:nvSpPr>
+          <p:cNvPr id="70" name="TextBox 69">
+            <a:extLst>
+              <a:ext uri="{FF2B5EF4-FFF2-40B4-BE49-F238E27FC236}">
+                <a16:creationId xmlns:a16="http://schemas.microsoft.com/office/drawing/2014/main" id="{A064D98A-8030-4F97-B531-B632DF7082CC}"/>
+              </a:ext>
+            </a:extLst>
+          </p:cNvPr>
+          <p:cNvSpPr txBox="1"/>
+          <p:nvPr/>
+        </p:nvSpPr>
+        <p:spPr>
+          <a:xfrm>
+            <a:off x="6031350" y="5936887"/>
+            <a:ext cx="1339273" cy="584775"/>
+          </a:xfrm>
+          <a:prstGeom prst="rect">
+            <a:avLst/>
+          </a:prstGeom>
+          <a:noFill/>
+        </p:spPr>
+        <p:txBody>
+          <a:bodyPr wrap="square" rtlCol="0">
+            <a:spAutoFit/>
+          </a:bodyPr>
+          <a:lstStyle/>
+          <a:p>
+            <a:pPr algn="ctr"/>
+            <a:r>
+              <a:rPr lang="en-US" sz="1600" dirty="0">
+                <a:latin typeface="Arial" panose="020B0604020202020204" pitchFamily="34" charset="0"/>
+                <a:cs typeface="Arial" panose="020B0604020202020204" pitchFamily="34" charset="0"/>
+              </a:rPr>
+              <a:t>Saleh </a:t>
+            </a:r>
+            <a:r>
+              <a:rPr lang="en-US" sz="1600" dirty="0" err="1">
+                <a:latin typeface="Arial" panose="020B0604020202020204" pitchFamily="34" charset="0"/>
+                <a:cs typeface="Arial" panose="020B0604020202020204" pitchFamily="34" charset="0"/>
+              </a:rPr>
+              <a:t>Sawab</a:t>
+            </a:r>
+            <a:endParaRPr lang="en-US" sz="1600" dirty="0">
+              <a:latin typeface="Arial" panose="020B0604020202020204" pitchFamily="34" charset="0"/>
+              <a:cs typeface="Arial" panose="020B0604020202020204" pitchFamily="34" charset="0"/>
+            </a:endParaRPr>
+          </a:p>
+        </p:txBody>
+      </p:sp>
+      <p:sp>
+        <p:nvSpPr>
+          <p:cNvPr id="71" name="TextBox 70">
+            <a:extLst>
+              <a:ext uri="{FF2B5EF4-FFF2-40B4-BE49-F238E27FC236}">
+                <a16:creationId xmlns:a16="http://schemas.microsoft.com/office/drawing/2014/main" id="{75EB3E54-0E65-4B88-91B4-9F17E0C10E46}"/>
+              </a:ext>
+            </a:extLst>
+          </p:cNvPr>
+          <p:cNvSpPr txBox="1"/>
+          <p:nvPr/>
+        </p:nvSpPr>
+        <p:spPr>
+          <a:xfrm>
+            <a:off x="1639453" y="5936887"/>
+            <a:ext cx="1339273" cy="584775"/>
+          </a:xfrm>
+          <a:prstGeom prst="rect">
+            <a:avLst/>
+          </a:prstGeom>
+          <a:noFill/>
+        </p:spPr>
+        <p:txBody>
+          <a:bodyPr wrap="square" rtlCol="0">
+            <a:spAutoFit/>
+          </a:bodyPr>
+          <a:lstStyle/>
+          <a:p>
+            <a:pPr algn="ctr"/>
+            <a:r>
+              <a:rPr lang="en-US" sz="1600" dirty="0" err="1">
+                <a:latin typeface="Arial" panose="020B0604020202020204" pitchFamily="34" charset="0"/>
+                <a:cs typeface="Arial" panose="020B0604020202020204" pitchFamily="34" charset="0"/>
+              </a:rPr>
+              <a:t>Abdulaziz</a:t>
+            </a:r>
+            <a:r>
+              <a:rPr lang="en-US" sz="1600" dirty="0">
+                <a:latin typeface="Arial" panose="020B0604020202020204" pitchFamily="34" charset="0"/>
+                <a:cs typeface="Arial" panose="020B0604020202020204" pitchFamily="34" charset="0"/>
+              </a:rPr>
+              <a:t> </a:t>
+            </a:r>
+            <a:r>
+              <a:rPr lang="en-US" sz="1600" dirty="0" err="1">
+                <a:latin typeface="Arial" panose="020B0604020202020204" pitchFamily="34" charset="0"/>
+                <a:cs typeface="Arial" panose="020B0604020202020204" pitchFamily="34" charset="0"/>
+              </a:rPr>
+              <a:t>Aldukhaiel</a:t>
+            </a:r>
+            <a:endParaRPr lang="en-US" sz="1600" dirty="0">
+              <a:latin typeface="Arial" panose="020B0604020202020204" pitchFamily="34" charset="0"/>
+              <a:cs typeface="Arial" panose="020B0604020202020204" pitchFamily="34" charset="0"/>
+            </a:endParaRPr>
+          </a:p>
+        </p:txBody>
+      </p:sp>
+      <p:sp>
+        <p:nvSpPr>
+          <p:cNvPr id="72" name="TextBox 71">
+            <a:extLst>
+              <a:ext uri="{FF2B5EF4-FFF2-40B4-BE49-F238E27FC236}">
+                <a16:creationId xmlns:a16="http://schemas.microsoft.com/office/drawing/2014/main" id="{18BA1362-3486-4CA3-BADD-24DB71EAAE41}"/>
+              </a:ext>
+            </a:extLst>
+          </p:cNvPr>
+          <p:cNvSpPr txBox="1"/>
+          <p:nvPr/>
+        </p:nvSpPr>
+        <p:spPr>
+          <a:xfrm>
+            <a:off x="180108" y="5936887"/>
+            <a:ext cx="1339273" cy="584775"/>
+          </a:xfrm>
+          <a:prstGeom prst="rect">
+            <a:avLst/>
+          </a:prstGeom>
+          <a:noFill/>
+        </p:spPr>
+        <p:txBody>
+          <a:bodyPr wrap="square" rtlCol="0">
+            <a:spAutoFit/>
+          </a:bodyPr>
+          <a:lstStyle/>
+          <a:p>
+            <a:pPr algn="ctr"/>
+            <a:r>
+              <a:rPr lang="en-US" sz="1600" dirty="0">
+                <a:latin typeface="Arial" panose="020B0604020202020204" pitchFamily="34" charset="0"/>
+                <a:cs typeface="Arial" panose="020B0604020202020204" pitchFamily="34" charset="0"/>
+              </a:rPr>
+              <a:t>Hashem </a:t>
+            </a:r>
+            <a:r>
+              <a:rPr lang="en-US" sz="1600" dirty="0" err="1">
+                <a:latin typeface="Arial" panose="020B0604020202020204" pitchFamily="34" charset="0"/>
+                <a:cs typeface="Arial" panose="020B0604020202020204" pitchFamily="34" charset="0"/>
+              </a:rPr>
+              <a:t>Bajabaa</a:t>
+            </a:r>
+            <a:endParaRPr lang="en-US" sz="1600" dirty="0">
+              <a:latin typeface="Arial" panose="020B0604020202020204" pitchFamily="34" charset="0"/>
+              <a:cs typeface="Arial" panose="020B0604020202020204" pitchFamily="34" charset="0"/>
+            </a:endParaRPr>
+          </a:p>
+        </p:txBody>
+      </p:sp>
+      <p:cxnSp>
+        <p:nvCxnSpPr>
+          <p:cNvPr id="74" name="Straight Connector 73">
+            <a:extLst>
+              <a:ext uri="{FF2B5EF4-FFF2-40B4-BE49-F238E27FC236}">
+                <a16:creationId xmlns:a16="http://schemas.microsoft.com/office/drawing/2014/main" id="{20E5360C-9E16-4AB0-BB5D-7BDE5E749D46}"/>
+              </a:ext>
+            </a:extLst>
+          </p:cNvPr>
+          <p:cNvCxnSpPr>
+            <a:cxnSpLocks/>
+          </p:cNvCxnSpPr>
+          <p:nvPr/>
+        </p:nvCxnSpPr>
+        <p:spPr>
+          <a:xfrm>
+            <a:off x="219075" y="4090191"/>
+            <a:ext cx="7122319" cy="0"/>
+          </a:xfrm>
+          <a:prstGeom prst="line">
+            <a:avLst/>
+          </a:prstGeom>
+          <a:ln w="38100"/>
+        </p:spPr>
+        <p:style>
+          <a:lnRef idx="1">
+            <a:schemeClr val="dk1"/>
+          </a:lnRef>
+          <a:fillRef idx="0">
+            <a:schemeClr val="dk1"/>
+          </a:fillRef>
+          <a:effectRef idx="0">
+            <a:schemeClr val="dk1"/>
+          </a:effectRef>
+          <a:fontRef idx="minor">
+            <a:schemeClr val="tx1"/>
+          </a:fontRef>
+        </p:style>
+      </p:cxnSp>
+      <p:cxnSp>
+        <p:nvCxnSpPr>
+          <p:cNvPr id="82" name="Straight Connector 81">
+            <a:extLst>
+              <a:ext uri="{FF2B5EF4-FFF2-40B4-BE49-F238E27FC236}">
+                <a16:creationId xmlns:a16="http://schemas.microsoft.com/office/drawing/2014/main" id="{BDCDEA45-C6D3-4AE3-992A-43DBD3CBFEC4}"/>
+              </a:ext>
+            </a:extLst>
+          </p:cNvPr>
+          <p:cNvCxnSpPr/>
+          <p:nvPr/>
+        </p:nvCxnSpPr>
+        <p:spPr>
+          <a:xfrm>
+            <a:off x="6700986" y="3916218"/>
+            <a:ext cx="0" cy="369455"/>
+          </a:xfrm>
+          <a:prstGeom prst="line">
+            <a:avLst/>
+          </a:prstGeom>
+        </p:spPr>
+        <p:style>
+          <a:lnRef idx="1">
+            <a:schemeClr val="dk1"/>
+          </a:lnRef>
+          <a:fillRef idx="0">
+            <a:schemeClr val="dk1"/>
+          </a:fillRef>
+          <a:effectRef idx="0">
+            <a:schemeClr val="dk1"/>
+          </a:effectRef>
+          <a:fontRef idx="minor">
+            <a:schemeClr val="tx1"/>
+          </a:fontRef>
+        </p:style>
+      </p:cxnSp>
+      <p:cxnSp>
+        <p:nvCxnSpPr>
+          <p:cNvPr id="83" name="Straight Connector 82">
+            <a:extLst>
+              <a:ext uri="{FF2B5EF4-FFF2-40B4-BE49-F238E27FC236}">
+                <a16:creationId xmlns:a16="http://schemas.microsoft.com/office/drawing/2014/main" id="{5485E783-0448-4BE3-91C7-6B9BA7A08155}"/>
+              </a:ext>
+            </a:extLst>
+          </p:cNvPr>
+          <p:cNvCxnSpPr/>
+          <p:nvPr/>
+        </p:nvCxnSpPr>
+        <p:spPr>
+          <a:xfrm>
+            <a:off x="5227780" y="3916218"/>
+            <a:ext cx="0" cy="369455"/>
+          </a:xfrm>
+          <a:prstGeom prst="line">
+            <a:avLst/>
+          </a:prstGeom>
+        </p:spPr>
+        <p:style>
+          <a:lnRef idx="1">
+            <a:schemeClr val="dk1"/>
+          </a:lnRef>
+          <a:fillRef idx="0">
+            <a:schemeClr val="dk1"/>
+          </a:fillRef>
+          <a:effectRef idx="0">
+            <a:schemeClr val="dk1"/>
+          </a:effectRef>
+          <a:fontRef idx="minor">
+            <a:schemeClr val="tx1"/>
+          </a:fontRef>
+        </p:style>
+      </p:cxnSp>
+      <p:cxnSp>
+        <p:nvCxnSpPr>
+          <p:cNvPr id="84" name="Straight Connector 83">
+            <a:extLst>
+              <a:ext uri="{FF2B5EF4-FFF2-40B4-BE49-F238E27FC236}">
+                <a16:creationId xmlns:a16="http://schemas.microsoft.com/office/drawing/2014/main" id="{56FF7FAB-A99D-4780-B987-D1B49A3015A1}"/>
+              </a:ext>
+            </a:extLst>
+          </p:cNvPr>
+          <p:cNvCxnSpPr/>
+          <p:nvPr/>
+        </p:nvCxnSpPr>
+        <p:spPr>
+          <a:xfrm>
+            <a:off x="3752061" y="3916217"/>
+            <a:ext cx="0" cy="369455"/>
+          </a:xfrm>
+          <a:prstGeom prst="line">
+            <a:avLst/>
+          </a:prstGeom>
+        </p:spPr>
+        <p:style>
+          <a:lnRef idx="1">
+            <a:schemeClr val="dk1"/>
+          </a:lnRef>
+          <a:fillRef idx="0">
+            <a:schemeClr val="dk1"/>
+          </a:fillRef>
+          <a:effectRef idx="0">
+            <a:schemeClr val="dk1"/>
+          </a:effectRef>
+          <a:fontRef idx="minor">
+            <a:schemeClr val="tx1"/>
+          </a:fontRef>
+        </p:style>
+      </p:cxnSp>
+      <p:cxnSp>
+        <p:nvCxnSpPr>
+          <p:cNvPr id="85" name="Straight Connector 84">
+            <a:extLst>
+              <a:ext uri="{FF2B5EF4-FFF2-40B4-BE49-F238E27FC236}">
+                <a16:creationId xmlns:a16="http://schemas.microsoft.com/office/drawing/2014/main" id="{6958D3E5-574C-43EE-A92E-E67CAE9676D9}"/>
+              </a:ext>
+            </a:extLst>
+          </p:cNvPr>
+          <p:cNvCxnSpPr/>
+          <p:nvPr/>
+        </p:nvCxnSpPr>
+        <p:spPr>
+          <a:xfrm>
+            <a:off x="2309089" y="3916216"/>
+            <a:ext cx="0" cy="369455"/>
+          </a:xfrm>
+          <a:prstGeom prst="line">
+            <a:avLst/>
+          </a:prstGeom>
+        </p:spPr>
+        <p:style>
+          <a:lnRef idx="1">
+            <a:schemeClr val="dk1"/>
+          </a:lnRef>
+          <a:fillRef idx="0">
+            <a:schemeClr val="dk1"/>
+          </a:fillRef>
+          <a:effectRef idx="0">
+            <a:schemeClr val="dk1"/>
+          </a:effectRef>
+          <a:fontRef idx="minor">
+            <a:schemeClr val="tx1"/>
+          </a:fontRef>
+        </p:style>
+      </p:cxnSp>
+      <p:cxnSp>
+        <p:nvCxnSpPr>
+          <p:cNvPr id="86" name="Straight Connector 85">
+            <a:extLst>
+              <a:ext uri="{FF2B5EF4-FFF2-40B4-BE49-F238E27FC236}">
+                <a16:creationId xmlns:a16="http://schemas.microsoft.com/office/drawing/2014/main" id="{33881E4F-7B53-4BA0-A27D-D3C786456446}"/>
+              </a:ext>
+            </a:extLst>
+          </p:cNvPr>
+          <p:cNvCxnSpPr/>
+          <p:nvPr/>
+        </p:nvCxnSpPr>
+        <p:spPr>
+          <a:xfrm>
+            <a:off x="849892" y="3916216"/>
+            <a:ext cx="0" cy="369455"/>
+          </a:xfrm>
+          <a:prstGeom prst="line">
+            <a:avLst/>
+          </a:prstGeom>
+        </p:spPr>
+        <p:style>
+          <a:lnRef idx="1">
+            <a:schemeClr val="dk1"/>
+          </a:lnRef>
+          <a:fillRef idx="0">
+            <a:schemeClr val="dk1"/>
+          </a:fillRef>
+          <a:effectRef idx="0">
+            <a:schemeClr val="dk1"/>
+          </a:effectRef>
+          <a:fontRef idx="minor">
+            <a:schemeClr val="tx1"/>
+          </a:fontRef>
+        </p:style>
+      </p:cxnSp>
+      <p:sp>
+        <p:nvSpPr>
+          <p:cNvPr id="87" name="TextBox 86">
+            <a:extLst>
+              <a:ext uri="{FF2B5EF4-FFF2-40B4-BE49-F238E27FC236}">
+                <a16:creationId xmlns:a16="http://schemas.microsoft.com/office/drawing/2014/main" id="{398925B9-A840-4BB9-AD1D-C7951E92DCF0}"/>
+              </a:ext>
+            </a:extLst>
+          </p:cNvPr>
+          <p:cNvSpPr txBox="1"/>
+          <p:nvPr/>
+        </p:nvSpPr>
+        <p:spPr>
+          <a:xfrm>
+            <a:off x="8054109" y="336338"/>
+            <a:ext cx="3694546" cy="523220"/>
+          </a:xfrm>
+          <a:prstGeom prst="rect">
+            <a:avLst/>
+          </a:prstGeom>
+          <a:noFill/>
+        </p:spPr>
+        <p:txBody>
+          <a:bodyPr wrap="square" rtlCol="0">
+            <a:spAutoFit/>
+          </a:bodyPr>
+          <a:lstStyle/>
+          <a:p>
+            <a:pPr algn="ctr"/>
+            <a:r>
+              <a:rPr lang="en-US" sz="2800" b="1" dirty="0">
+                <a:latin typeface="Arial" panose="020B0604020202020204" pitchFamily="34" charset="0"/>
+                <a:cs typeface="Arial" panose="020B0604020202020204" pitchFamily="34" charset="0"/>
+              </a:rPr>
+              <a:t>Team Contributions </a:t>
+            </a:r>
+          </a:p>
+        </p:txBody>
+      </p:sp>
+      <p:sp>
+        <p:nvSpPr>
+          <p:cNvPr id="89" name="Rectangle 88">
+            <a:extLst>
+              <a:ext uri="{FF2B5EF4-FFF2-40B4-BE49-F238E27FC236}">
+                <a16:creationId xmlns:a16="http://schemas.microsoft.com/office/drawing/2014/main" id="{8B0A8103-2501-46F1-A901-A127101AA294}"/>
+              </a:ext>
+            </a:extLst>
+          </p:cNvPr>
+          <p:cNvSpPr/>
+          <p:nvPr/>
+        </p:nvSpPr>
+        <p:spPr>
+          <a:xfrm>
+            <a:off x="7952511" y="1235547"/>
+            <a:ext cx="221672" cy="166252"/>
+          </a:xfrm>
+          <a:prstGeom prst="rect">
+            <a:avLst/>
+          </a:prstGeom>
+        </p:spPr>
+        <p:style>
+          <a:lnRef idx="2">
+            <a:schemeClr val="accent1">
+              <a:shade val="50000"/>
+            </a:schemeClr>
+          </a:lnRef>
+          <a:fillRef idx="1">
+            <a:schemeClr val="accent1"/>
+          </a:fillRef>
+          <a:effectRef idx="0">
+            <a:schemeClr val="accent1"/>
+          </a:effectRef>
+          <a:fontRef idx="minor">
+            <a:schemeClr val="lt1"/>
+          </a:fontRef>
+        </p:style>
+        <p:txBody>
+          <a:bodyPr rtlCol="0" anchor="ctr"/>
+          <a:lstStyle/>
+          <a:p>
+            <a:pPr algn="ctr"/>
+            <a:endParaRPr lang="en-US"/>
+          </a:p>
+        </p:txBody>
+      </p:sp>
+      <p:sp>
+        <p:nvSpPr>
+          <p:cNvPr id="90" name="Rectangle 89">
+            <a:extLst>
+              <a:ext uri="{FF2B5EF4-FFF2-40B4-BE49-F238E27FC236}">
+                <a16:creationId xmlns:a16="http://schemas.microsoft.com/office/drawing/2014/main" id="{3E5360E2-449F-48C3-A6DF-89E5A8E6BE09}"/>
+              </a:ext>
+            </a:extLst>
+          </p:cNvPr>
+          <p:cNvSpPr/>
+          <p:nvPr/>
+        </p:nvSpPr>
+        <p:spPr>
+          <a:xfrm>
+            <a:off x="7948040" y="1619470"/>
+            <a:ext cx="221672" cy="166252"/>
+          </a:xfrm>
+          <a:prstGeom prst="rect">
+            <a:avLst/>
+          </a:prstGeom>
+        </p:spPr>
+        <p:style>
+          <a:lnRef idx="2">
+            <a:schemeClr val="accent1">
+              <a:shade val="50000"/>
+            </a:schemeClr>
+          </a:lnRef>
+          <a:fillRef idx="1">
+            <a:schemeClr val="accent1"/>
+          </a:fillRef>
+          <a:effectRef idx="0">
+            <a:schemeClr val="accent1"/>
+          </a:effectRef>
+          <a:fontRef idx="minor">
+            <a:schemeClr val="lt1"/>
+          </a:fontRef>
+        </p:style>
+        <p:txBody>
+          <a:bodyPr rtlCol="0" anchor="ctr"/>
+          <a:lstStyle/>
+          <a:p>
+            <a:pPr algn="ctr"/>
+            <a:endParaRPr lang="en-US"/>
+          </a:p>
+        </p:txBody>
+      </p:sp>
+      <p:sp>
+        <p:nvSpPr>
+          <p:cNvPr id="91" name="Rectangle 90">
+            <a:extLst>
+              <a:ext uri="{FF2B5EF4-FFF2-40B4-BE49-F238E27FC236}">
+                <a16:creationId xmlns:a16="http://schemas.microsoft.com/office/drawing/2014/main" id="{9619EEB1-00D2-434E-A255-19509ABB98CC}"/>
+              </a:ext>
+            </a:extLst>
+          </p:cNvPr>
+          <p:cNvSpPr/>
+          <p:nvPr/>
+        </p:nvSpPr>
+        <p:spPr>
+          <a:xfrm>
+            <a:off x="7952511" y="2003394"/>
+            <a:ext cx="221672" cy="166252"/>
+          </a:xfrm>
+          <a:prstGeom prst="rect">
+            <a:avLst/>
+          </a:prstGeom>
+        </p:spPr>
+        <p:style>
+          <a:lnRef idx="2">
+            <a:schemeClr val="accent1">
+              <a:shade val="50000"/>
+            </a:schemeClr>
+          </a:lnRef>
+          <a:fillRef idx="1">
+            <a:schemeClr val="accent1"/>
+          </a:fillRef>
+          <a:effectRef idx="0">
+            <a:schemeClr val="accent1"/>
+          </a:effectRef>
+          <a:fontRef idx="minor">
+            <a:schemeClr val="lt1"/>
+          </a:fontRef>
+        </p:style>
+        <p:txBody>
+          <a:bodyPr rtlCol="0" anchor="ctr"/>
+          <a:lstStyle/>
+          <a:p>
+            <a:pPr algn="ctr"/>
+            <a:endParaRPr lang="en-US"/>
+          </a:p>
+        </p:txBody>
+      </p:sp>
+      <p:sp>
+        <p:nvSpPr>
+          <p:cNvPr id="92" name="Rectangle 91">
+            <a:extLst>
+              <a:ext uri="{FF2B5EF4-FFF2-40B4-BE49-F238E27FC236}">
+                <a16:creationId xmlns:a16="http://schemas.microsoft.com/office/drawing/2014/main" id="{1B290795-60E2-4348-8558-FDC68F3C31D6}"/>
+              </a:ext>
+            </a:extLst>
+          </p:cNvPr>
+          <p:cNvSpPr/>
+          <p:nvPr/>
+        </p:nvSpPr>
+        <p:spPr>
+          <a:xfrm>
+            <a:off x="7948040" y="2387317"/>
+            <a:ext cx="221672" cy="166252"/>
+          </a:xfrm>
+          <a:prstGeom prst="rect">
+            <a:avLst/>
+          </a:prstGeom>
+        </p:spPr>
+        <p:style>
+          <a:lnRef idx="2">
+            <a:schemeClr val="accent1">
+              <a:shade val="50000"/>
+            </a:schemeClr>
+          </a:lnRef>
+          <a:fillRef idx="1">
+            <a:schemeClr val="accent1"/>
+          </a:fillRef>
+          <a:effectRef idx="0">
+            <a:schemeClr val="accent1"/>
+          </a:effectRef>
+          <a:fontRef idx="minor">
+            <a:schemeClr val="lt1"/>
+          </a:fontRef>
+        </p:style>
+        <p:txBody>
+          <a:bodyPr rtlCol="0" anchor="ctr"/>
+          <a:lstStyle/>
+          <a:p>
+            <a:pPr algn="ctr"/>
+            <a:endParaRPr lang="en-US"/>
+          </a:p>
+        </p:txBody>
+      </p:sp>
+      <p:sp>
+        <p:nvSpPr>
+          <p:cNvPr id="93" name="Rectangle 92">
+            <a:extLst>
+              <a:ext uri="{FF2B5EF4-FFF2-40B4-BE49-F238E27FC236}">
+                <a16:creationId xmlns:a16="http://schemas.microsoft.com/office/drawing/2014/main" id="{38980F34-AB63-4FAD-BF2C-0B90D8F7F4E5}"/>
+              </a:ext>
+            </a:extLst>
+          </p:cNvPr>
+          <p:cNvSpPr/>
+          <p:nvPr/>
+        </p:nvSpPr>
+        <p:spPr>
+          <a:xfrm>
+            <a:off x="7943273" y="2768894"/>
+            <a:ext cx="221672" cy="166252"/>
+          </a:xfrm>
+          <a:prstGeom prst="rect">
+            <a:avLst/>
+          </a:prstGeom>
+        </p:spPr>
+        <p:style>
+          <a:lnRef idx="2">
+            <a:schemeClr val="accent1">
+              <a:shade val="50000"/>
+            </a:schemeClr>
+          </a:lnRef>
+          <a:fillRef idx="1">
+            <a:schemeClr val="accent1"/>
+          </a:fillRef>
+          <a:effectRef idx="0">
+            <a:schemeClr val="accent1"/>
+          </a:effectRef>
+          <a:fontRef idx="minor">
+            <a:schemeClr val="lt1"/>
+          </a:fontRef>
+        </p:style>
+        <p:txBody>
+          <a:bodyPr rtlCol="0" anchor="ctr"/>
+          <a:lstStyle/>
+          <a:p>
+            <a:pPr algn="ctr"/>
+            <a:endParaRPr lang="en-US"/>
+          </a:p>
+        </p:txBody>
+      </p:sp>
+      <p:sp>
+        <p:nvSpPr>
+          <p:cNvPr id="94" name="Rectangle 93">
+            <a:extLst>
+              <a:ext uri="{FF2B5EF4-FFF2-40B4-BE49-F238E27FC236}">
+                <a16:creationId xmlns:a16="http://schemas.microsoft.com/office/drawing/2014/main" id="{9DB43D37-1EBE-4DCA-81A1-16BDD32161F4}"/>
+              </a:ext>
+            </a:extLst>
+          </p:cNvPr>
+          <p:cNvSpPr/>
+          <p:nvPr/>
+        </p:nvSpPr>
+        <p:spPr>
+          <a:xfrm>
+            <a:off x="7943273" y="3150471"/>
+            <a:ext cx="221672" cy="166252"/>
+          </a:xfrm>
+          <a:prstGeom prst="rect">
+            <a:avLst/>
+          </a:prstGeom>
+        </p:spPr>
+        <p:style>
+          <a:lnRef idx="2">
+            <a:schemeClr val="accent1">
+              <a:shade val="50000"/>
+            </a:schemeClr>
+          </a:lnRef>
+          <a:fillRef idx="1">
+            <a:schemeClr val="accent1"/>
+          </a:fillRef>
+          <a:effectRef idx="0">
+            <a:schemeClr val="accent1"/>
+          </a:effectRef>
+          <a:fontRef idx="minor">
+            <a:schemeClr val="lt1"/>
+          </a:fontRef>
+        </p:style>
+        <p:txBody>
+          <a:bodyPr rtlCol="0" anchor="ctr"/>
+          <a:lstStyle/>
+          <a:p>
+            <a:pPr algn="ctr"/>
+            <a:endParaRPr lang="en-US"/>
+          </a:p>
+        </p:txBody>
+      </p:sp>
+      <p:sp>
+        <p:nvSpPr>
+          <p:cNvPr id="95" name="Rectangle 94">
+            <a:extLst>
+              <a:ext uri="{FF2B5EF4-FFF2-40B4-BE49-F238E27FC236}">
+                <a16:creationId xmlns:a16="http://schemas.microsoft.com/office/drawing/2014/main" id="{DACDA99F-7170-4064-8F89-51DBEE55FC99}"/>
+              </a:ext>
+            </a:extLst>
+          </p:cNvPr>
+          <p:cNvSpPr/>
+          <p:nvPr/>
+        </p:nvSpPr>
+        <p:spPr>
+          <a:xfrm>
+            <a:off x="7952511" y="5814840"/>
+            <a:ext cx="221672" cy="166252"/>
+          </a:xfrm>
+          <a:prstGeom prst="rect">
+            <a:avLst/>
+          </a:prstGeom>
+        </p:spPr>
+        <p:style>
+          <a:lnRef idx="2">
+            <a:schemeClr val="accent1">
+              <a:shade val="50000"/>
+            </a:schemeClr>
+          </a:lnRef>
+          <a:fillRef idx="1">
+            <a:schemeClr val="accent1"/>
+          </a:fillRef>
+          <a:effectRef idx="0">
+            <a:schemeClr val="accent1"/>
+          </a:effectRef>
+          <a:fontRef idx="minor">
+            <a:schemeClr val="lt1"/>
+          </a:fontRef>
+        </p:style>
+        <p:txBody>
+          <a:bodyPr rtlCol="0" anchor="ctr"/>
+          <a:lstStyle/>
+          <a:p>
+            <a:pPr algn="ctr"/>
+            <a:endParaRPr lang="en-US"/>
+          </a:p>
+        </p:txBody>
+      </p:sp>
+      <p:sp>
+        <p:nvSpPr>
+          <p:cNvPr id="96" name="Rectangle 95">
+            <a:extLst>
+              <a:ext uri="{FF2B5EF4-FFF2-40B4-BE49-F238E27FC236}">
+                <a16:creationId xmlns:a16="http://schemas.microsoft.com/office/drawing/2014/main" id="{43FB4E5B-1DAE-4DA6-ADF6-5CA28204FB17}"/>
+              </a:ext>
+            </a:extLst>
+          </p:cNvPr>
+          <p:cNvSpPr/>
+          <p:nvPr/>
+        </p:nvSpPr>
+        <p:spPr>
+          <a:xfrm>
+            <a:off x="7952511" y="5436066"/>
+            <a:ext cx="221672" cy="166252"/>
+          </a:xfrm>
+          <a:prstGeom prst="rect">
+            <a:avLst/>
+          </a:prstGeom>
+        </p:spPr>
+        <p:style>
+          <a:lnRef idx="2">
+            <a:schemeClr val="accent1">
+              <a:shade val="50000"/>
+            </a:schemeClr>
+          </a:lnRef>
+          <a:fillRef idx="1">
+            <a:schemeClr val="accent1"/>
+          </a:fillRef>
+          <a:effectRef idx="0">
+            <a:schemeClr val="accent1"/>
+          </a:effectRef>
+          <a:fontRef idx="minor">
+            <a:schemeClr val="lt1"/>
+          </a:fontRef>
+        </p:style>
+        <p:txBody>
+          <a:bodyPr rtlCol="0" anchor="ctr"/>
+          <a:lstStyle/>
+          <a:p>
+            <a:pPr algn="ctr"/>
+            <a:endParaRPr lang="en-US" dirty="0"/>
+          </a:p>
+        </p:txBody>
+      </p:sp>
+      <p:sp>
+        <p:nvSpPr>
+          <p:cNvPr id="97" name="Rectangle 96">
+            <a:extLst>
+              <a:ext uri="{FF2B5EF4-FFF2-40B4-BE49-F238E27FC236}">
+                <a16:creationId xmlns:a16="http://schemas.microsoft.com/office/drawing/2014/main" id="{15F53B11-D65B-49F2-8F59-05F1DC928BC9}"/>
+              </a:ext>
+            </a:extLst>
+          </p:cNvPr>
+          <p:cNvSpPr/>
+          <p:nvPr/>
+        </p:nvSpPr>
+        <p:spPr>
+          <a:xfrm>
+            <a:off x="7952511" y="5057292"/>
+            <a:ext cx="221672" cy="166252"/>
+          </a:xfrm>
+          <a:prstGeom prst="rect">
+            <a:avLst/>
+          </a:prstGeom>
+        </p:spPr>
+        <p:style>
+          <a:lnRef idx="2">
+            <a:schemeClr val="accent1">
+              <a:shade val="50000"/>
+            </a:schemeClr>
+          </a:lnRef>
+          <a:fillRef idx="1">
+            <a:schemeClr val="accent1"/>
+          </a:fillRef>
+          <a:effectRef idx="0">
+            <a:schemeClr val="accent1"/>
+          </a:effectRef>
+          <a:fontRef idx="minor">
+            <a:schemeClr val="lt1"/>
+          </a:fontRef>
+        </p:style>
+        <p:txBody>
+          <a:bodyPr rtlCol="0" anchor="ctr"/>
+          <a:lstStyle/>
+          <a:p>
+            <a:pPr algn="ctr"/>
+            <a:endParaRPr lang="en-US" dirty="0"/>
+          </a:p>
+        </p:txBody>
+      </p:sp>
+      <p:sp>
+        <p:nvSpPr>
+          <p:cNvPr id="98" name="Rectangle 97">
+            <a:extLst>
+              <a:ext uri="{FF2B5EF4-FFF2-40B4-BE49-F238E27FC236}">
+                <a16:creationId xmlns:a16="http://schemas.microsoft.com/office/drawing/2014/main" id="{A879895B-D998-4AC1-B9EE-8E6B79080A2D}"/>
+              </a:ext>
+            </a:extLst>
+          </p:cNvPr>
+          <p:cNvSpPr/>
+          <p:nvPr/>
+        </p:nvSpPr>
+        <p:spPr>
+          <a:xfrm>
+            <a:off x="7948470" y="4673976"/>
+            <a:ext cx="221672" cy="166252"/>
+          </a:xfrm>
+          <a:prstGeom prst="rect">
+            <a:avLst/>
+          </a:prstGeom>
+        </p:spPr>
+        <p:style>
+          <a:lnRef idx="2">
+            <a:schemeClr val="accent1">
+              <a:shade val="50000"/>
+            </a:schemeClr>
+          </a:lnRef>
+          <a:fillRef idx="1">
+            <a:schemeClr val="accent1"/>
+          </a:fillRef>
+          <a:effectRef idx="0">
+            <a:schemeClr val="accent1"/>
+          </a:effectRef>
+          <a:fontRef idx="minor">
+            <a:schemeClr val="lt1"/>
+          </a:fontRef>
+        </p:style>
+        <p:txBody>
+          <a:bodyPr rtlCol="0" anchor="ctr"/>
+          <a:lstStyle/>
+          <a:p>
+            <a:pPr algn="ctr"/>
+            <a:endParaRPr lang="en-US"/>
+          </a:p>
+        </p:txBody>
+      </p:sp>
+      <p:sp>
+        <p:nvSpPr>
+          <p:cNvPr id="99" name="Rectangle 98">
+            <a:extLst>
+              <a:ext uri="{FF2B5EF4-FFF2-40B4-BE49-F238E27FC236}">
+                <a16:creationId xmlns:a16="http://schemas.microsoft.com/office/drawing/2014/main" id="{A6CF52F6-F5C1-4667-A67A-44CCA0280F97}"/>
+              </a:ext>
+            </a:extLst>
+          </p:cNvPr>
+          <p:cNvSpPr/>
+          <p:nvPr/>
+        </p:nvSpPr>
+        <p:spPr>
+          <a:xfrm>
+            <a:off x="7948035" y="4295202"/>
+            <a:ext cx="221672" cy="166252"/>
+          </a:xfrm>
+          <a:prstGeom prst="rect">
+            <a:avLst/>
+          </a:prstGeom>
+        </p:spPr>
+        <p:style>
+          <a:lnRef idx="2">
+            <a:schemeClr val="accent1">
+              <a:shade val="50000"/>
+            </a:schemeClr>
+          </a:lnRef>
+          <a:fillRef idx="1">
+            <a:schemeClr val="accent1"/>
+          </a:fillRef>
+          <a:effectRef idx="0">
+            <a:schemeClr val="accent1"/>
+          </a:effectRef>
+          <a:fontRef idx="minor">
+            <a:schemeClr val="lt1"/>
+          </a:fontRef>
+        </p:style>
+        <p:txBody>
+          <a:bodyPr rtlCol="0" anchor="ctr"/>
+          <a:lstStyle/>
+          <a:p>
+            <a:pPr algn="ctr"/>
+            <a:endParaRPr lang="en-US"/>
+          </a:p>
+        </p:txBody>
+      </p:sp>
+      <p:sp>
+        <p:nvSpPr>
+          <p:cNvPr id="100" name="Rectangle 99">
+            <a:extLst>
+              <a:ext uri="{FF2B5EF4-FFF2-40B4-BE49-F238E27FC236}">
+                <a16:creationId xmlns:a16="http://schemas.microsoft.com/office/drawing/2014/main" id="{D9E62812-EA24-4E4A-BB4E-5328EFA3DF61}"/>
+              </a:ext>
+            </a:extLst>
+          </p:cNvPr>
+          <p:cNvSpPr/>
+          <p:nvPr/>
+        </p:nvSpPr>
+        <p:spPr>
+          <a:xfrm>
+            <a:off x="7952511" y="3910822"/>
+            <a:ext cx="221672" cy="166252"/>
+          </a:xfrm>
+          <a:prstGeom prst="rect">
+            <a:avLst/>
+          </a:prstGeom>
+        </p:spPr>
+        <p:style>
+          <a:lnRef idx="2">
+            <a:schemeClr val="accent1">
+              <a:shade val="50000"/>
+            </a:schemeClr>
+          </a:lnRef>
+          <a:fillRef idx="1">
+            <a:schemeClr val="accent1"/>
+          </a:fillRef>
+          <a:effectRef idx="0">
+            <a:schemeClr val="accent1"/>
+          </a:effectRef>
+          <a:fontRef idx="minor">
+            <a:schemeClr val="lt1"/>
+          </a:fontRef>
+        </p:style>
+        <p:txBody>
+          <a:bodyPr rtlCol="0" anchor="ctr"/>
+          <a:lstStyle/>
+          <a:p>
+            <a:pPr algn="ctr"/>
+            <a:endParaRPr lang="en-US"/>
+          </a:p>
+        </p:txBody>
+      </p:sp>
+      <p:sp>
+        <p:nvSpPr>
+          <p:cNvPr id="101" name="Rectangle 100">
+            <a:extLst>
+              <a:ext uri="{FF2B5EF4-FFF2-40B4-BE49-F238E27FC236}">
+                <a16:creationId xmlns:a16="http://schemas.microsoft.com/office/drawing/2014/main" id="{E687ACE0-43EF-4357-BABD-697970CDAA2F}"/>
+              </a:ext>
+            </a:extLst>
+          </p:cNvPr>
+          <p:cNvSpPr/>
+          <p:nvPr/>
+        </p:nvSpPr>
+        <p:spPr>
+          <a:xfrm>
+            <a:off x="7952511" y="3532048"/>
+            <a:ext cx="221672" cy="166252"/>
+          </a:xfrm>
+          <a:prstGeom prst="rect">
+            <a:avLst/>
+          </a:prstGeom>
+        </p:spPr>
+        <p:style>
+          <a:lnRef idx="2">
+            <a:schemeClr val="accent1">
+              <a:shade val="50000"/>
+            </a:schemeClr>
+          </a:lnRef>
+          <a:fillRef idx="1">
+            <a:schemeClr val="accent1"/>
+          </a:fillRef>
+          <a:effectRef idx="0">
+            <a:schemeClr val="accent1"/>
+          </a:effectRef>
+          <a:fontRef idx="minor">
+            <a:schemeClr val="lt1"/>
+          </a:fontRef>
+        </p:style>
+        <p:txBody>
+          <a:bodyPr rtlCol="0" anchor="ctr"/>
+          <a:lstStyle/>
+          <a:p>
+            <a:pPr algn="ctr"/>
+            <a:endParaRPr lang="en-US"/>
+          </a:p>
+        </p:txBody>
+      </p:sp>
+    </p:spTree>
+    <p:extLst>
+      <p:ext uri="{BB962C8B-B14F-4D97-AF65-F5344CB8AC3E}">
+        <p14:creationId xmlns:p14="http://schemas.microsoft.com/office/powerpoint/2010/main" val="2056782336"/>
+      </p:ext>
+    </p:extLst>
+  </p:cSld>
+  <p:clrMapOvr>
+    <a:masterClrMapping/>
+  </p:clrMapOvr>
+</p:sld>
+</file>
+
 <file path=ppt/slides/slide3.xml><?xml version="1.0" encoding="utf-8"?>
 <p:sld xmlns:a="http://schemas.openxmlformats.org/drawingml/2006/main" xmlns:r="http://schemas.openxmlformats.org/officeDocument/2006/relationships" xmlns:p="http://schemas.openxmlformats.org/presentationml/2006/main">
   <p:cSld>
@@ -8246,7 +14734,7 @@
                 <a:latin typeface="Arial" panose="020B0604020202020204" pitchFamily="34" charset="0"/>
                 <a:cs typeface="Arial" panose="020B0604020202020204" pitchFamily="34" charset="0"/>
               </a:rPr>
-              <a:t>Introduction To SATS</a:t>
+              <a:t>SATS Design </a:t>
             </a:r>
           </a:p>
         </p:txBody>
@@ -8351,7 +14839,7 @@
                 <a:latin typeface="Arial" panose="020B0604020202020204" pitchFamily="34" charset="0"/>
                 <a:cs typeface="Arial" panose="020B0604020202020204" pitchFamily="34" charset="0"/>
               </a:rPr>
-              <a:t>Introduction To SATS</a:t>
+              <a:t>SATS Results</a:t>
             </a:r>
           </a:p>
         </p:txBody>
@@ -8456,7 +14944,7 @@
                 <a:latin typeface="Arial" panose="020B0604020202020204" pitchFamily="34" charset="0"/>
                 <a:cs typeface="Arial" panose="020B0604020202020204" pitchFamily="34" charset="0"/>
               </a:rPr>
-              <a:t>Introduction To SATS</a:t>
+              <a:t>Team Contributions </a:t>
             </a:r>
           </a:p>
         </p:txBody>
@@ -9110,7 +15598,151 @@
                 <a:latin typeface="Arial" panose="020B0604020202020204" pitchFamily="34" charset="0"/>
                 <a:cs typeface="Arial" panose="020B0604020202020204" pitchFamily="34" charset="0"/>
               </a:rPr>
-              <a:t>Assume that it takes 8 minutes to take attendance in the traditional way, and the semester is 16 weeks long that is 80 days excluding weekends, and every day you have 3 courses, then in one day it takes 24 minutes just for taking attendance, in the whole semester that is 80 days 1920 minutes have been wasted just for taking attendance.   </a:t>
+              <a:t>Assume that it takes 3 minutes to take attendance in the traditional way, and the semester is 16 weeks long that is 80 days excluding weekends, and every day you have 2 courses, then in one day it takes 6 minutes just for taking attendance, in the whole semester that is 80 days 480 minutes have been wasted just for taking attendance.   </a:t>
+            </a:r>
+          </a:p>
+        </p:txBody>
+      </p:sp>
+      <p:pic>
+        <p:nvPicPr>
+          <p:cNvPr id="20" name="Picture 19" descr="A close up of a clock&#10;&#10;Description automatically generated">
+            <a:extLst>
+              <a:ext uri="{FF2B5EF4-FFF2-40B4-BE49-F238E27FC236}">
+                <a16:creationId xmlns:a16="http://schemas.microsoft.com/office/drawing/2014/main" id="{C9AD87D9-C686-4B10-8CF9-F246FAC204DE}"/>
+              </a:ext>
+            </a:extLst>
+          </p:cNvPr>
+          <p:cNvPicPr>
+            <a:picLocks noChangeAspect="1"/>
+          </p:cNvPicPr>
+          <p:nvPr/>
+        </p:nvPicPr>
+        <p:blipFill>
+          <a:blip r:embed="rId2">
+            <a:extLst>
+              <a:ext uri="{28A0092B-C50C-407E-A947-70E740481C1C}">
+                <a14:useLocalDpi xmlns:a14="http://schemas.microsoft.com/office/drawing/2010/main" val="0"/>
+              </a:ext>
+            </a:extLst>
+          </a:blip>
+          <a:stretch>
+            <a:fillRect/>
+          </a:stretch>
+        </p:blipFill>
+        <p:spPr>
+          <a:xfrm>
+            <a:off x="8444146" y="4233636"/>
+            <a:ext cx="3535418" cy="2404861"/>
+          </a:xfrm>
+          <a:prstGeom prst="rect">
+            <a:avLst/>
+          </a:prstGeom>
+        </p:spPr>
+      </p:pic>
+      <p:pic>
+        <p:nvPicPr>
+          <p:cNvPr id="26" name="Picture 25" descr="A picture containing clock&#10;&#10;Description automatically generated">
+            <a:extLst>
+              <a:ext uri="{FF2B5EF4-FFF2-40B4-BE49-F238E27FC236}">
+                <a16:creationId xmlns:a16="http://schemas.microsoft.com/office/drawing/2014/main" id="{493D077F-15BF-4F9C-B0F0-BBCC823185A2}"/>
+              </a:ext>
+            </a:extLst>
+          </p:cNvPr>
+          <p:cNvPicPr>
+            <a:picLocks noChangeAspect="1"/>
+          </p:cNvPicPr>
+          <p:nvPr/>
+        </p:nvPicPr>
+        <p:blipFill>
+          <a:blip r:embed="rId3">
+            <a:extLst>
+              <a:ext uri="{28A0092B-C50C-407E-A947-70E740481C1C}">
+                <a14:useLocalDpi xmlns:a14="http://schemas.microsoft.com/office/drawing/2010/main" val="0"/>
+              </a:ext>
+            </a:extLst>
+          </a:blip>
+          <a:stretch>
+            <a:fillRect/>
+          </a:stretch>
+        </p:blipFill>
+        <p:spPr>
+          <a:xfrm>
+            <a:off x="472581" y="4146048"/>
+            <a:ext cx="2752437" cy="2580038"/>
+          </a:xfrm>
+          <a:prstGeom prst="rect">
+            <a:avLst/>
+          </a:prstGeom>
+        </p:spPr>
+      </p:pic>
+      <p:pic>
+        <p:nvPicPr>
+          <p:cNvPr id="14" name="Picture 13" descr="A close up of a logo&#10;&#10;Description automatically generated">
+            <a:extLst>
+              <a:ext uri="{FF2B5EF4-FFF2-40B4-BE49-F238E27FC236}">
+                <a16:creationId xmlns:a16="http://schemas.microsoft.com/office/drawing/2014/main" id="{8FDE4AE8-CE26-4FAE-AF97-4DBE71F9DC45}"/>
+              </a:ext>
+            </a:extLst>
+          </p:cNvPr>
+          <p:cNvPicPr>
+            <a:picLocks noChangeAspect="1"/>
+          </p:cNvPicPr>
+          <p:nvPr/>
+        </p:nvPicPr>
+        <p:blipFill>
+          <a:blip r:embed="rId4">
+            <a:extLst>
+              <a:ext uri="{28A0092B-C50C-407E-A947-70E740481C1C}">
+                <a14:useLocalDpi xmlns:a14="http://schemas.microsoft.com/office/drawing/2010/main" val="0"/>
+              </a:ext>
+            </a:extLst>
+          </a:blip>
+          <a:stretch>
+            <a:fillRect/>
+          </a:stretch>
+        </p:blipFill>
+        <p:spPr>
+          <a:xfrm>
+            <a:off x="5044857" y="3942031"/>
+            <a:ext cx="2267266" cy="1755512"/>
+          </a:xfrm>
+          <a:prstGeom prst="rect">
+            <a:avLst/>
+          </a:prstGeom>
+        </p:spPr>
+      </p:pic>
+      <p:sp>
+        <p:nvSpPr>
+          <p:cNvPr id="10" name="TextBox 9">
+            <a:extLst>
+              <a:ext uri="{FF2B5EF4-FFF2-40B4-BE49-F238E27FC236}">
+                <a16:creationId xmlns:a16="http://schemas.microsoft.com/office/drawing/2014/main" id="{8B6963FD-6AE6-4114-9AFB-DF0D342B3399}"/>
+              </a:ext>
+            </a:extLst>
+          </p:cNvPr>
+          <p:cNvSpPr txBox="1"/>
+          <p:nvPr/>
+        </p:nvSpPr>
+        <p:spPr>
+          <a:xfrm>
+            <a:off x="555071" y="5561684"/>
+            <a:ext cx="11081857" cy="369332"/>
+          </a:xfrm>
+          <a:prstGeom prst="rect">
+            <a:avLst/>
+          </a:prstGeom>
+          <a:noFill/>
+        </p:spPr>
+        <p:txBody>
+          <a:bodyPr wrap="square" rtlCol="0">
+            <a:spAutoFit/>
+          </a:bodyPr>
+          <a:lstStyle/>
+          <a:p>
+            <a:pPr algn="ctr"/>
+            <a:r>
+              <a:rPr lang="en-US" dirty="0"/>
+              <a:t>The percentage of saved time using SATS</a:t>
             </a:r>
           </a:p>
         </p:txBody>
@@ -9170,150 +15802,6 @@
           </a:p>
         </p:txBody>
       </p:sp>
-      <p:sp>
-        <p:nvSpPr>
-          <p:cNvPr id="10" name="TextBox 9">
-            <a:extLst>
-              <a:ext uri="{FF2B5EF4-FFF2-40B4-BE49-F238E27FC236}">
-                <a16:creationId xmlns:a16="http://schemas.microsoft.com/office/drawing/2014/main" id="{8B6963FD-6AE6-4114-9AFB-DF0D342B3399}"/>
-              </a:ext>
-            </a:extLst>
-          </p:cNvPr>
-          <p:cNvSpPr txBox="1"/>
-          <p:nvPr/>
-        </p:nvSpPr>
-        <p:spPr>
-          <a:xfrm>
-            <a:off x="555071" y="5561684"/>
-            <a:ext cx="11081857" cy="369332"/>
-          </a:xfrm>
-          <a:prstGeom prst="rect">
-            <a:avLst/>
-          </a:prstGeom>
-          <a:noFill/>
-        </p:spPr>
-        <p:txBody>
-          <a:bodyPr wrap="square" rtlCol="0">
-            <a:spAutoFit/>
-          </a:bodyPr>
-          <a:lstStyle/>
-          <a:p>
-            <a:pPr algn="ctr"/>
-            <a:r>
-              <a:rPr lang="en-US" dirty="0"/>
-              <a:t>The percentage of saved time using SATS</a:t>
-            </a:r>
-          </a:p>
-        </p:txBody>
-      </p:sp>
-      <p:pic>
-        <p:nvPicPr>
-          <p:cNvPr id="20" name="Picture 19" descr="A close up of a clock&#10;&#10;Description automatically generated">
-            <a:extLst>
-              <a:ext uri="{FF2B5EF4-FFF2-40B4-BE49-F238E27FC236}">
-                <a16:creationId xmlns:a16="http://schemas.microsoft.com/office/drawing/2014/main" id="{C9AD87D9-C686-4B10-8CF9-F246FAC204DE}"/>
-              </a:ext>
-            </a:extLst>
-          </p:cNvPr>
-          <p:cNvPicPr>
-            <a:picLocks noChangeAspect="1"/>
-          </p:cNvPicPr>
-          <p:nvPr/>
-        </p:nvPicPr>
-        <p:blipFill>
-          <a:blip r:embed="rId2">
-            <a:extLst>
-              <a:ext uri="{28A0092B-C50C-407E-A947-70E740481C1C}">
-                <a14:useLocalDpi xmlns:a14="http://schemas.microsoft.com/office/drawing/2010/main" val="0"/>
-              </a:ext>
-            </a:extLst>
-          </a:blip>
-          <a:stretch>
-            <a:fillRect/>
-          </a:stretch>
-        </p:blipFill>
-        <p:spPr>
-          <a:xfrm>
-            <a:off x="8444146" y="4233636"/>
-            <a:ext cx="3535418" cy="2404861"/>
-          </a:xfrm>
-          <a:prstGeom prst="rect">
-            <a:avLst/>
-          </a:prstGeom>
-        </p:spPr>
-      </p:pic>
-      <p:pic>
-        <p:nvPicPr>
-          <p:cNvPr id="24" name="Picture 23" descr="A picture containing room&#10;&#10;Description automatically generated">
-            <a:extLst>
-              <a:ext uri="{FF2B5EF4-FFF2-40B4-BE49-F238E27FC236}">
-                <a16:creationId xmlns:a16="http://schemas.microsoft.com/office/drawing/2014/main" id="{92A753AC-C9CE-47D5-97D4-2AAC57DCEF91}"/>
-              </a:ext>
-            </a:extLst>
-          </p:cNvPr>
-          <p:cNvPicPr>
-            <a:picLocks noChangeAspect="1"/>
-          </p:cNvPicPr>
-          <p:nvPr/>
-        </p:nvPicPr>
-        <p:blipFill>
-          <a:blip r:embed="rId3">
-            <a:extLst>
-              <a:ext uri="{28A0092B-C50C-407E-A947-70E740481C1C}">
-                <a14:useLocalDpi xmlns:a14="http://schemas.microsoft.com/office/drawing/2010/main" val="0"/>
-              </a:ext>
-            </a:extLst>
-          </a:blip>
-          <a:stretch>
-            <a:fillRect/>
-          </a:stretch>
-        </p:blipFill>
-        <p:spPr>
-          <a:xfrm>
-            <a:off x="5115235" y="3951377"/>
-            <a:ext cx="1961530" cy="1570059"/>
-          </a:xfrm>
-          <a:prstGeom prst="rect">
-            <a:avLst/>
-          </a:prstGeom>
-        </p:spPr>
-      </p:pic>
-      <p:pic>
-        <p:nvPicPr>
-          <p:cNvPr id="26" name="Picture 25" descr="A picture containing clock&#10;&#10;Description automatically generated">
-            <a:extLst>
-              <a:ext uri="{FF2B5EF4-FFF2-40B4-BE49-F238E27FC236}">
-                <a16:creationId xmlns:a16="http://schemas.microsoft.com/office/drawing/2014/main" id="{493D077F-15BF-4F9C-B0F0-BBCC823185A2}"/>
-              </a:ext>
-            </a:extLst>
-          </p:cNvPr>
-          <p:cNvPicPr>
-            <a:picLocks noChangeAspect="1"/>
-          </p:cNvPicPr>
-          <p:nvPr/>
-        </p:nvPicPr>
-        <p:blipFill>
-          <a:blip r:embed="rId4">
-            <a:extLst>
-              <a:ext uri="{28A0092B-C50C-407E-A947-70E740481C1C}">
-                <a14:useLocalDpi xmlns:a14="http://schemas.microsoft.com/office/drawing/2010/main" val="0"/>
-              </a:ext>
-            </a:extLst>
-          </a:blip>
-          <a:stretch>
-            <a:fillRect/>
-          </a:stretch>
-        </p:blipFill>
-        <p:spPr>
-          <a:xfrm>
-            <a:off x="472581" y="4146048"/>
-            <a:ext cx="2752437" cy="2580038"/>
-          </a:xfrm>
-          <a:prstGeom prst="rect">
-            <a:avLst/>
-          </a:prstGeom>
-        </p:spPr>
-      </p:pic>
     </p:spTree>
     <p:extLst>
       <p:ext uri="{BB962C8B-B14F-4D97-AF65-F5344CB8AC3E}">
@@ -9733,7 +16221,7 @@
         </p:nvSpPr>
         <p:spPr>
           <a:xfrm>
-            <a:off x="6806499" y="4775829"/>
+            <a:off x="6803643" y="4821995"/>
             <a:ext cx="1960906" cy="1877437"/>
           </a:xfrm>
           <a:prstGeom prst="rect">
@@ -9794,7 +16282,7 @@
         </p:nvSpPr>
         <p:spPr>
           <a:xfrm>
-            <a:off x="9801466" y="4837384"/>
+            <a:off x="9801466" y="4821995"/>
             <a:ext cx="1960906" cy="1815882"/>
           </a:xfrm>
           <a:prstGeom prst="rect">
@@ -11457,7 +17945,7 @@
                 <a:latin typeface="Arial" panose="020B0604020202020204" pitchFamily="34" charset="0"/>
                 <a:cs typeface="Arial" panose="020B0604020202020204" pitchFamily="34" charset="0"/>
               </a:rPr>
-              <a:t>Introduction To SATS</a:t>
+              <a:t>SATS Design </a:t>
             </a:r>
           </a:p>
         </p:txBody>
@@ -11562,7 +18050,7 @@
                 <a:latin typeface="Arial" panose="020B0604020202020204" pitchFamily="34" charset="0"/>
                 <a:cs typeface="Arial" panose="020B0604020202020204" pitchFamily="34" charset="0"/>
               </a:rPr>
-              <a:t>Introduction To SATS</a:t>
+              <a:t>SATS Results</a:t>
             </a:r>
           </a:p>
         </p:txBody>
@@ -11667,7 +18155,7 @@
                 <a:latin typeface="Arial" panose="020B0604020202020204" pitchFamily="34" charset="0"/>
                 <a:cs typeface="Arial" panose="020B0604020202020204" pitchFamily="34" charset="0"/>
               </a:rPr>
-              <a:t>Introduction To SATS</a:t>
+              <a:t>Team Contributions </a:t>
             </a:r>
           </a:p>
         </p:txBody>

--- a/ProjectPhases/Project-Phase-03-CS310-F-171.pptx
+++ b/ProjectPhases/Project-Phase-03-CS310-F-171.pptx
@@ -25,6 +25,10 @@
     <p:sldId id="274" r:id="rId19"/>
     <p:sldId id="275" r:id="rId20"/>
     <p:sldId id="276" r:id="rId21"/>
+    <p:sldId id="277" r:id="rId22"/>
+    <p:sldId id="278" r:id="rId23"/>
+    <p:sldId id="279" r:id="rId24"/>
+    <p:sldId id="280" r:id="rId25"/>
   </p:sldIdLst>
   <p:sldSz cx="12192000" cy="6858000"/>
   <p:notesSz cx="6858000" cy="9144000"/>
@@ -134,13 +138,1433 @@
 <file path=ppt/revisionInfo.xml><?xml version="1.0" encoding="utf-8"?>
 <p1510:revInfo xmlns:a="http://schemas.openxmlformats.org/drawingml/2006/main" xmlns:r="http://schemas.openxmlformats.org/officeDocument/2006/relationships" xmlns:p1510="http://schemas.microsoft.com/office/powerpoint/2015/10/main">
   <p1510:revLst>
-    <p1510:client id="{ADA99D81-B028-4AD4-ABAA-0E952828D3D8}" v="76" dt="2020-04-16T13:21:21.342"/>
+    <p1510:client id="{BECE3EA7-29FD-435D-BC21-618513B96673}" v="226" dt="2020-04-18T14:21:02.447"/>
   </p1510:revLst>
 </p1510:revInfo>
 </file>
 
 <file path=ppt/changesInfos/changesInfo1.xml><?xml version="1.0" encoding="utf-8"?>
 <pc:chgInfo xmlns:a="http://schemas.openxmlformats.org/drawingml/2006/main" xmlns:r="http://schemas.openxmlformats.org/officeDocument/2006/relationships" xmlns:ac="http://schemas.microsoft.com/office/drawing/2013/main/command" xmlns:pc="http://schemas.microsoft.com/office/powerpoint/2013/main/command">
+  <pc:docChgLst>
+    <pc:chgData name="abdulilah.q@outlook.com" userId="e558258b1f0d0369" providerId="LiveId" clId="{BECE3EA7-29FD-435D-BC21-618513B96673}"/>
+    <pc:docChg chg="undo custSel addSld delSld modSld sldOrd">
+      <pc:chgData name="abdulilah.q@outlook.com" userId="e558258b1f0d0369" providerId="LiveId" clId="{BECE3EA7-29FD-435D-BC21-618513B96673}" dt="2020-04-18T14:22:58.394" v="1655" actId="1076"/>
+      <pc:docMkLst>
+        <pc:docMk/>
+      </pc:docMkLst>
+      <pc:sldChg chg="ord">
+        <pc:chgData name="abdulilah.q@outlook.com" userId="e558258b1f0d0369" providerId="LiveId" clId="{BECE3EA7-29FD-435D-BC21-618513B96673}" dt="2020-04-18T10:46:41.766" v="1"/>
+        <pc:sldMkLst>
+          <pc:docMk/>
+          <pc:sldMk cId="1668517224" sldId="257"/>
+        </pc:sldMkLst>
+      </pc:sldChg>
+      <pc:sldChg chg="modSp">
+        <pc:chgData name="abdulilah.q@outlook.com" userId="e558258b1f0d0369" providerId="LiveId" clId="{BECE3EA7-29FD-435D-BC21-618513B96673}" dt="2020-04-18T13:19:09.732" v="944"/>
+        <pc:sldMkLst>
+          <pc:docMk/>
+          <pc:sldMk cId="2289202601" sldId="258"/>
+        </pc:sldMkLst>
+        <pc:spChg chg="mod">
+          <ac:chgData name="abdulilah.q@outlook.com" userId="e558258b1f0d0369" providerId="LiveId" clId="{BECE3EA7-29FD-435D-BC21-618513B96673}" dt="2020-04-18T13:19:09.732" v="944"/>
+          <ac:spMkLst>
+            <pc:docMk/>
+            <pc:sldMk cId="2289202601" sldId="258"/>
+            <ac:spMk id="34" creationId="{9FDCC7E9-0182-48FD-91E0-F9528CBC45D3}"/>
+          </ac:spMkLst>
+        </pc:spChg>
+      </pc:sldChg>
+      <pc:sldChg chg="modSp">
+        <pc:chgData name="abdulilah.q@outlook.com" userId="e558258b1f0d0369" providerId="LiveId" clId="{BECE3EA7-29FD-435D-BC21-618513B96673}" dt="2020-04-18T13:19:05.498" v="943"/>
+        <pc:sldMkLst>
+          <pc:docMk/>
+          <pc:sldMk cId="4237941569" sldId="266"/>
+        </pc:sldMkLst>
+        <pc:spChg chg="mod">
+          <ac:chgData name="abdulilah.q@outlook.com" userId="e558258b1f0d0369" providerId="LiveId" clId="{BECE3EA7-29FD-435D-BC21-618513B96673}" dt="2020-04-18T13:19:05.498" v="943"/>
+          <ac:spMkLst>
+            <pc:docMk/>
+            <pc:sldMk cId="4237941569" sldId="266"/>
+            <ac:spMk id="34" creationId="{9FDCC7E9-0182-48FD-91E0-F9528CBC45D3}"/>
+          </ac:spMkLst>
+        </pc:spChg>
+      </pc:sldChg>
+      <pc:sldChg chg="modSp">
+        <pc:chgData name="abdulilah.q@outlook.com" userId="e558258b1f0d0369" providerId="LiveId" clId="{BECE3EA7-29FD-435D-BC21-618513B96673}" dt="2020-04-18T13:19:02.373" v="942"/>
+        <pc:sldMkLst>
+          <pc:docMk/>
+          <pc:sldMk cId="4099355989" sldId="268"/>
+        </pc:sldMkLst>
+        <pc:spChg chg="mod">
+          <ac:chgData name="abdulilah.q@outlook.com" userId="e558258b1f0d0369" providerId="LiveId" clId="{BECE3EA7-29FD-435D-BC21-618513B96673}" dt="2020-04-18T13:19:02.373" v="942"/>
+          <ac:spMkLst>
+            <pc:docMk/>
+            <pc:sldMk cId="4099355989" sldId="268"/>
+            <ac:spMk id="34" creationId="{9FDCC7E9-0182-48FD-91E0-F9528CBC45D3}"/>
+          </ac:spMkLst>
+        </pc:spChg>
+      </pc:sldChg>
+      <pc:sldChg chg="addSp delSp modSp">
+        <pc:chgData name="abdulilah.q@outlook.com" userId="e558258b1f0d0369" providerId="LiveId" clId="{BECE3EA7-29FD-435D-BC21-618513B96673}" dt="2020-04-18T11:13:21.018" v="420" actId="478"/>
+        <pc:sldMkLst>
+          <pc:docMk/>
+          <pc:sldMk cId="379154893" sldId="272"/>
+        </pc:sldMkLst>
+        <pc:spChg chg="add mod">
+          <ac:chgData name="abdulilah.q@outlook.com" userId="e558258b1f0d0369" providerId="LiveId" clId="{BECE3EA7-29FD-435D-BC21-618513B96673}" dt="2020-04-18T10:57:23.555" v="185" actId="404"/>
+          <ac:spMkLst>
+            <pc:docMk/>
+            <pc:sldMk cId="379154893" sldId="272"/>
+            <ac:spMk id="3" creationId="{337DD296-0257-476A-9F02-72B736EEDE40}"/>
+          </ac:spMkLst>
+        </pc:spChg>
+        <pc:spChg chg="mod">
+          <ac:chgData name="abdulilah.q@outlook.com" userId="e558258b1f0d0369" providerId="LiveId" clId="{BECE3EA7-29FD-435D-BC21-618513B96673}" dt="2020-04-18T11:13:07.293" v="417" actId="14100"/>
+          <ac:spMkLst>
+            <pc:docMk/>
+            <pc:sldMk cId="379154893" sldId="272"/>
+            <ac:spMk id="4" creationId="{CFA51E12-A631-4E97-9554-19525C881229}"/>
+          </ac:spMkLst>
+        </pc:spChg>
+        <pc:spChg chg="add del mod">
+          <ac:chgData name="abdulilah.q@outlook.com" userId="e558258b1f0d0369" providerId="LiveId" clId="{BECE3EA7-29FD-435D-BC21-618513B96673}" dt="2020-04-18T10:50:37.186" v="79" actId="478"/>
+          <ac:spMkLst>
+            <pc:docMk/>
+            <pc:sldMk cId="379154893" sldId="272"/>
+            <ac:spMk id="7" creationId="{7EF9F22A-9CB0-4767-A921-49C8FE904399}"/>
+          </ac:spMkLst>
+        </pc:spChg>
+        <pc:spChg chg="add mod">
+          <ac:chgData name="abdulilah.q@outlook.com" userId="e558258b1f0d0369" providerId="LiveId" clId="{BECE3EA7-29FD-435D-BC21-618513B96673}" dt="2020-04-18T10:57:53.715" v="189" actId="1076"/>
+          <ac:spMkLst>
+            <pc:docMk/>
+            <pc:sldMk cId="379154893" sldId="272"/>
+            <ac:spMk id="12" creationId="{D3490677-773E-4356-9A84-2AEAFB591C1D}"/>
+          </ac:spMkLst>
+        </pc:spChg>
+        <pc:spChg chg="add mod">
+          <ac:chgData name="abdulilah.q@outlook.com" userId="e558258b1f0d0369" providerId="LiveId" clId="{BECE3EA7-29FD-435D-BC21-618513B96673}" dt="2020-04-18T11:00:57.010" v="235" actId="1076"/>
+          <ac:spMkLst>
+            <pc:docMk/>
+            <pc:sldMk cId="379154893" sldId="272"/>
+            <ac:spMk id="15" creationId="{46243D71-70C8-4023-B31E-743B368EFD73}"/>
+          </ac:spMkLst>
+        </pc:spChg>
+        <pc:spChg chg="add mod">
+          <ac:chgData name="abdulilah.q@outlook.com" userId="e558258b1f0d0369" providerId="LiveId" clId="{BECE3EA7-29FD-435D-BC21-618513B96673}" dt="2020-04-18T11:02:30.551" v="260" actId="20577"/>
+          <ac:spMkLst>
+            <pc:docMk/>
+            <pc:sldMk cId="379154893" sldId="272"/>
+            <ac:spMk id="19" creationId="{FCEDC7B3-4556-47D6-A551-6F2FA286EC3A}"/>
+          </ac:spMkLst>
+        </pc:spChg>
+        <pc:spChg chg="add mod">
+          <ac:chgData name="abdulilah.q@outlook.com" userId="e558258b1f0d0369" providerId="LiveId" clId="{BECE3EA7-29FD-435D-BC21-618513B96673}" dt="2020-04-18T11:03:23.128" v="287" actId="1076"/>
+          <ac:spMkLst>
+            <pc:docMk/>
+            <pc:sldMk cId="379154893" sldId="272"/>
+            <ac:spMk id="20" creationId="{C892AE23-D991-4C4E-A30B-5039552E7253}"/>
+          </ac:spMkLst>
+        </pc:spChg>
+        <pc:spChg chg="add mod">
+          <ac:chgData name="abdulilah.q@outlook.com" userId="e558258b1f0d0369" providerId="LiveId" clId="{BECE3EA7-29FD-435D-BC21-618513B96673}" dt="2020-04-18T11:04:09.402" v="298" actId="1076"/>
+          <ac:spMkLst>
+            <pc:docMk/>
+            <pc:sldMk cId="379154893" sldId="272"/>
+            <ac:spMk id="21" creationId="{D4189664-EEEC-4EF7-B2AE-FCBCD8B80276}"/>
+          </ac:spMkLst>
+        </pc:spChg>
+        <pc:spChg chg="add mod">
+          <ac:chgData name="abdulilah.q@outlook.com" userId="e558258b1f0d0369" providerId="LiveId" clId="{BECE3EA7-29FD-435D-BC21-618513B96673}" dt="2020-04-18T11:04:25.709" v="305" actId="20577"/>
+          <ac:spMkLst>
+            <pc:docMk/>
+            <pc:sldMk cId="379154893" sldId="272"/>
+            <ac:spMk id="22" creationId="{4F5651DF-E1F2-4212-9D62-007159041FBC}"/>
+          </ac:spMkLst>
+        </pc:spChg>
+        <pc:spChg chg="add mod">
+          <ac:chgData name="abdulilah.q@outlook.com" userId="e558258b1f0d0369" providerId="LiveId" clId="{BECE3EA7-29FD-435D-BC21-618513B96673}" dt="2020-04-18T11:09:01.543" v="373" actId="1076"/>
+          <ac:spMkLst>
+            <pc:docMk/>
+            <pc:sldMk cId="379154893" sldId="272"/>
+            <ac:spMk id="44" creationId="{27E9E434-2DB1-4DCF-A200-5DACCA4305AF}"/>
+          </ac:spMkLst>
+        </pc:spChg>
+        <pc:spChg chg="add mod">
+          <ac:chgData name="abdulilah.q@outlook.com" userId="e558258b1f0d0369" providerId="LiveId" clId="{BECE3EA7-29FD-435D-BC21-618513B96673}" dt="2020-04-18T11:09:49.913" v="378" actId="1076"/>
+          <ac:spMkLst>
+            <pc:docMk/>
+            <pc:sldMk cId="379154893" sldId="272"/>
+            <ac:spMk id="48" creationId="{5FCD7223-4064-4860-9A06-A1952A47CC59}"/>
+          </ac:spMkLst>
+        </pc:spChg>
+        <pc:spChg chg="add mod">
+          <ac:chgData name="abdulilah.q@outlook.com" userId="e558258b1f0d0369" providerId="LiveId" clId="{BECE3EA7-29FD-435D-BC21-618513B96673}" dt="2020-04-18T11:11:13.023" v="405" actId="1076"/>
+          <ac:spMkLst>
+            <pc:docMk/>
+            <pc:sldMk cId="379154893" sldId="272"/>
+            <ac:spMk id="49" creationId="{C2A7B09D-9F3E-47EC-8395-5C9D8E97E437}"/>
+          </ac:spMkLst>
+        </pc:spChg>
+        <pc:spChg chg="add mod">
+          <ac:chgData name="abdulilah.q@outlook.com" userId="e558258b1f0d0369" providerId="LiveId" clId="{BECE3EA7-29FD-435D-BC21-618513B96673}" dt="2020-04-18T11:11:37.800" v="409" actId="1076"/>
+          <ac:spMkLst>
+            <pc:docMk/>
+            <pc:sldMk cId="379154893" sldId="272"/>
+            <ac:spMk id="52" creationId="{9594BAF1-873E-4195-A63F-F9BDA5D132F2}"/>
+          </ac:spMkLst>
+        </pc:spChg>
+        <pc:picChg chg="del mod">
+          <ac:chgData name="abdulilah.q@outlook.com" userId="e558258b1f0d0369" providerId="LiveId" clId="{BECE3EA7-29FD-435D-BC21-618513B96673}" dt="2020-04-18T11:13:21.018" v="420" actId="478"/>
+          <ac:picMkLst>
+            <pc:docMk/>
+            <pc:sldMk cId="379154893" sldId="272"/>
+            <ac:picMk id="9" creationId="{00165DE0-7113-4FDF-92C0-039C630900BC}"/>
+          </ac:picMkLst>
+        </pc:picChg>
+        <pc:cxnChg chg="add mod">
+          <ac:chgData name="abdulilah.q@outlook.com" userId="e558258b1f0d0369" providerId="LiveId" clId="{BECE3EA7-29FD-435D-BC21-618513B96673}" dt="2020-04-18T10:52:56.502" v="90" actId="13822"/>
+          <ac:cxnSpMkLst>
+            <pc:docMk/>
+            <pc:sldMk cId="379154893" sldId="272"/>
+            <ac:cxnSpMk id="10" creationId="{BA244EF4-84B7-40FD-A135-B724F5C02C91}"/>
+          </ac:cxnSpMkLst>
+        </pc:cxnChg>
+        <pc:cxnChg chg="add mod">
+          <ac:chgData name="abdulilah.q@outlook.com" userId="e558258b1f0d0369" providerId="LiveId" clId="{BECE3EA7-29FD-435D-BC21-618513B96673}" dt="2020-04-18T10:58:12.702" v="192" actId="13822"/>
+          <ac:cxnSpMkLst>
+            <pc:docMk/>
+            <pc:sldMk cId="379154893" sldId="272"/>
+            <ac:cxnSpMk id="14" creationId="{186A7BB7-C55F-4209-8D8B-9495CA19DAC4}"/>
+          </ac:cxnSpMkLst>
+        </pc:cxnChg>
+        <pc:cxnChg chg="add mod">
+          <ac:chgData name="abdulilah.q@outlook.com" userId="e558258b1f0d0369" providerId="LiveId" clId="{BECE3EA7-29FD-435D-BC21-618513B96673}" dt="2020-04-18T11:01:40.219" v="242" actId="14100"/>
+          <ac:cxnSpMkLst>
+            <pc:docMk/>
+            <pc:sldMk cId="379154893" sldId="272"/>
+            <ac:cxnSpMk id="17" creationId="{F0C2F2B3-7B0A-47D5-AC5E-C00390D962B5}"/>
+          </ac:cxnSpMkLst>
+        </pc:cxnChg>
+        <pc:cxnChg chg="add del mod">
+          <ac:chgData name="abdulilah.q@outlook.com" userId="e558258b1f0d0369" providerId="LiveId" clId="{BECE3EA7-29FD-435D-BC21-618513B96673}" dt="2020-04-18T11:05:06.070" v="309" actId="478"/>
+          <ac:cxnSpMkLst>
+            <pc:docMk/>
+            <pc:sldMk cId="379154893" sldId="272"/>
+            <ac:cxnSpMk id="24" creationId="{CAE540C7-C887-4C92-8359-518D46EF5F0B}"/>
+          </ac:cxnSpMkLst>
+        </pc:cxnChg>
+        <pc:cxnChg chg="add mod">
+          <ac:chgData name="abdulilah.q@outlook.com" userId="e558258b1f0d0369" providerId="LiveId" clId="{BECE3EA7-29FD-435D-BC21-618513B96673}" dt="2020-04-18T11:06:06.643" v="324" actId="14100"/>
+          <ac:cxnSpMkLst>
+            <pc:docMk/>
+            <pc:sldMk cId="379154893" sldId="272"/>
+            <ac:cxnSpMk id="27" creationId="{9BE393C0-FA19-4543-ACCF-1307D26397C9}"/>
+          </ac:cxnSpMkLst>
+        </pc:cxnChg>
+        <pc:cxnChg chg="add mod">
+          <ac:chgData name="abdulilah.q@outlook.com" userId="e558258b1f0d0369" providerId="LiveId" clId="{BECE3EA7-29FD-435D-BC21-618513B96673}" dt="2020-04-18T11:06:44.242" v="333" actId="14100"/>
+          <ac:cxnSpMkLst>
+            <pc:docMk/>
+            <pc:sldMk cId="379154893" sldId="272"/>
+            <ac:cxnSpMk id="29" creationId="{4CAB32B7-1318-4317-97F5-41882542749F}"/>
+          </ac:cxnSpMkLst>
+        </pc:cxnChg>
+        <pc:cxnChg chg="add mod">
+          <ac:chgData name="abdulilah.q@outlook.com" userId="e558258b1f0d0369" providerId="LiveId" clId="{BECE3EA7-29FD-435D-BC21-618513B96673}" dt="2020-04-18T11:06:48.053" v="335" actId="14100"/>
+          <ac:cxnSpMkLst>
+            <pc:docMk/>
+            <pc:sldMk cId="379154893" sldId="272"/>
+            <ac:cxnSpMk id="41" creationId="{1359D139-532F-4826-9D88-9C2C62248DEF}"/>
+          </ac:cxnSpMkLst>
+        </pc:cxnChg>
+        <pc:cxnChg chg="add mod">
+          <ac:chgData name="abdulilah.q@outlook.com" userId="e558258b1f0d0369" providerId="LiveId" clId="{BECE3EA7-29FD-435D-BC21-618513B96673}" dt="2020-04-18T11:08:48.929" v="370" actId="14100"/>
+          <ac:cxnSpMkLst>
+            <pc:docMk/>
+            <pc:sldMk cId="379154893" sldId="272"/>
+            <ac:cxnSpMk id="46" creationId="{43C57FF4-DDB9-4B61-A819-084CBEAAAE1B}"/>
+          </ac:cxnSpMkLst>
+        </pc:cxnChg>
+        <pc:cxnChg chg="add mod">
+          <ac:chgData name="abdulilah.q@outlook.com" userId="e558258b1f0d0369" providerId="LiveId" clId="{BECE3EA7-29FD-435D-BC21-618513B96673}" dt="2020-04-18T11:11:27.168" v="407" actId="13822"/>
+          <ac:cxnSpMkLst>
+            <pc:docMk/>
+            <pc:sldMk cId="379154893" sldId="272"/>
+            <ac:cxnSpMk id="51" creationId="{5AF3C718-9B7E-4CB0-B1A7-5AC8269BB97D}"/>
+          </ac:cxnSpMkLst>
+        </pc:cxnChg>
+        <pc:cxnChg chg="add mod">
+          <ac:chgData name="abdulilah.q@outlook.com" userId="e558258b1f0d0369" providerId="LiveId" clId="{BECE3EA7-29FD-435D-BC21-618513B96673}" dt="2020-04-18T11:11:58.340" v="411" actId="13822"/>
+          <ac:cxnSpMkLst>
+            <pc:docMk/>
+            <pc:sldMk cId="379154893" sldId="272"/>
+            <ac:cxnSpMk id="54" creationId="{0EB3D5C9-FC9D-45C8-8997-13D35E5F5F7B}"/>
+          </ac:cxnSpMkLst>
+        </pc:cxnChg>
+        <pc:cxnChg chg="add mod">
+          <ac:chgData name="abdulilah.q@outlook.com" userId="e558258b1f0d0369" providerId="LiveId" clId="{BECE3EA7-29FD-435D-BC21-618513B96673}" dt="2020-04-18T11:12:13.723" v="413" actId="13822"/>
+          <ac:cxnSpMkLst>
+            <pc:docMk/>
+            <pc:sldMk cId="379154893" sldId="272"/>
+            <ac:cxnSpMk id="56" creationId="{9A4E5518-D03D-4242-831A-D2DD431F2949}"/>
+          </ac:cxnSpMkLst>
+        </pc:cxnChg>
+      </pc:sldChg>
+      <pc:sldChg chg="modSp">
+        <pc:chgData name="abdulilah.q@outlook.com" userId="e558258b1f0d0369" providerId="LiveId" clId="{BECE3EA7-29FD-435D-BC21-618513B96673}" dt="2020-04-18T13:18:57.566" v="941"/>
+        <pc:sldMkLst>
+          <pc:docMk/>
+          <pc:sldMk cId="785215968" sldId="273"/>
+        </pc:sldMkLst>
+        <pc:spChg chg="mod">
+          <ac:chgData name="abdulilah.q@outlook.com" userId="e558258b1f0d0369" providerId="LiveId" clId="{BECE3EA7-29FD-435D-BC21-618513B96673}" dt="2020-04-18T13:18:57.566" v="941"/>
+          <ac:spMkLst>
+            <pc:docMk/>
+            <pc:sldMk cId="785215968" sldId="273"/>
+            <ac:spMk id="34" creationId="{9FDCC7E9-0182-48FD-91E0-F9528CBC45D3}"/>
+          </ac:spMkLst>
+        </pc:spChg>
+      </pc:sldChg>
+      <pc:sldChg chg="modSp">
+        <pc:chgData name="abdulilah.q@outlook.com" userId="e558258b1f0d0369" providerId="LiveId" clId="{BECE3EA7-29FD-435D-BC21-618513B96673}" dt="2020-04-18T13:18:54.680" v="940"/>
+        <pc:sldMkLst>
+          <pc:docMk/>
+          <pc:sldMk cId="2096969276" sldId="275"/>
+        </pc:sldMkLst>
+        <pc:spChg chg="mod">
+          <ac:chgData name="abdulilah.q@outlook.com" userId="e558258b1f0d0369" providerId="LiveId" clId="{BECE3EA7-29FD-435D-BC21-618513B96673}" dt="2020-04-18T13:18:54.680" v="940"/>
+          <ac:spMkLst>
+            <pc:docMk/>
+            <pc:sldMk cId="2096969276" sldId="275"/>
+            <ac:spMk id="34" creationId="{9FDCC7E9-0182-48FD-91E0-F9528CBC45D3}"/>
+          </ac:spMkLst>
+        </pc:spChg>
+      </pc:sldChg>
+      <pc:sldChg chg="addSp delSp modSp">
+        <pc:chgData name="abdulilah.q@outlook.com" userId="e558258b1f0d0369" providerId="LiveId" clId="{BECE3EA7-29FD-435D-BC21-618513B96673}" dt="2020-04-18T13:17:32.242" v="933" actId="478"/>
+        <pc:sldMkLst>
+          <pc:docMk/>
+          <pc:sldMk cId="2056782336" sldId="276"/>
+        </pc:sldMkLst>
+        <pc:spChg chg="add mod ord">
+          <ac:chgData name="abdulilah.q@outlook.com" userId="e558258b1f0d0369" providerId="LiveId" clId="{BECE3EA7-29FD-435D-BC21-618513B96673}" dt="2020-04-18T12:48:08.119" v="758" actId="20577"/>
+          <ac:spMkLst>
+            <pc:docMk/>
+            <pc:sldMk cId="2056782336" sldId="276"/>
+            <ac:spMk id="2" creationId="{EBECDE48-743B-4053-981C-2ED018D42D84}"/>
+          </ac:spMkLst>
+        </pc:spChg>
+        <pc:spChg chg="add mod">
+          <ac:chgData name="abdulilah.q@outlook.com" userId="e558258b1f0d0369" providerId="LiveId" clId="{BECE3EA7-29FD-435D-BC21-618513B96673}" dt="2020-04-18T12:34:57.901" v="624" actId="1076"/>
+          <ac:spMkLst>
+            <pc:docMk/>
+            <pc:sldMk cId="2056782336" sldId="276"/>
+            <ac:spMk id="3" creationId="{D67BE15F-C00D-4344-8FCE-F4C6A0F5D5B0}"/>
+          </ac:spMkLst>
+        </pc:spChg>
+        <pc:spChg chg="add mod">
+          <ac:chgData name="abdulilah.q@outlook.com" userId="e558258b1f0d0369" providerId="LiveId" clId="{BECE3EA7-29FD-435D-BC21-618513B96673}" dt="2020-04-18T12:32:08.916" v="589" actId="14100"/>
+          <ac:spMkLst>
+            <pc:docMk/>
+            <pc:sldMk cId="2056782336" sldId="276"/>
+            <ac:spMk id="4" creationId="{10EA7E07-49A5-410A-80AC-584568577F20}"/>
+          </ac:spMkLst>
+        </pc:spChg>
+        <pc:spChg chg="add del mod">
+          <ac:chgData name="abdulilah.q@outlook.com" userId="e558258b1f0d0369" providerId="LiveId" clId="{BECE3EA7-29FD-435D-BC21-618513B96673}" dt="2020-04-18T12:34:21.407" v="613" actId="478"/>
+          <ac:spMkLst>
+            <pc:docMk/>
+            <pc:sldMk cId="2056782336" sldId="276"/>
+            <ac:spMk id="5" creationId="{F43F337D-BCDD-46B1-9E5E-E7D0EB00B580}"/>
+          </ac:spMkLst>
+        </pc:spChg>
+        <pc:spChg chg="mod">
+          <ac:chgData name="abdulilah.q@outlook.com" userId="e558258b1f0d0369" providerId="LiveId" clId="{BECE3EA7-29FD-435D-BC21-618513B96673}" dt="2020-04-18T12:31:57.145" v="585" actId="1076"/>
+          <ac:spMkLst>
+            <pc:docMk/>
+            <pc:sldMk cId="2056782336" sldId="276"/>
+            <ac:spMk id="22" creationId="{771E1EDC-B021-4096-957D-3553CE6F854D}"/>
+          </ac:spMkLst>
+        </pc:spChg>
+        <pc:spChg chg="mod ord">
+          <ac:chgData name="abdulilah.q@outlook.com" userId="e558258b1f0d0369" providerId="LiveId" clId="{BECE3EA7-29FD-435D-BC21-618513B96673}" dt="2020-04-18T12:25:44.855" v="500" actId="1076"/>
+          <ac:spMkLst>
+            <pc:docMk/>
+            <pc:sldMk cId="2056782336" sldId="276"/>
+            <ac:spMk id="24" creationId="{D6E5314C-0EED-4E11-BD99-64BC405C5679}"/>
+          </ac:spMkLst>
+        </pc:spChg>
+        <pc:spChg chg="add mod">
+          <ac:chgData name="abdulilah.q@outlook.com" userId="e558258b1f0d0369" providerId="LiveId" clId="{BECE3EA7-29FD-435D-BC21-618513B96673}" dt="2020-04-18T12:32:42.751" v="596" actId="14100"/>
+          <ac:spMkLst>
+            <pc:docMk/>
+            <pc:sldMk cId="2056782336" sldId="276"/>
+            <ac:spMk id="36" creationId="{9BCB9E69-D0E0-44AE-A93F-AA071CE9F9E8}"/>
+          </ac:spMkLst>
+        </pc:spChg>
+        <pc:spChg chg="add mod">
+          <ac:chgData name="abdulilah.q@outlook.com" userId="e558258b1f0d0369" providerId="LiveId" clId="{BECE3EA7-29FD-435D-BC21-618513B96673}" dt="2020-04-18T12:26:08.211" v="508" actId="208"/>
+          <ac:spMkLst>
+            <pc:docMk/>
+            <pc:sldMk cId="2056782336" sldId="276"/>
+            <ac:spMk id="37" creationId="{739E803A-3837-49AC-B604-F814F96146CB}"/>
+          </ac:spMkLst>
+        </pc:spChg>
+        <pc:spChg chg="add del mod">
+          <ac:chgData name="abdulilah.q@outlook.com" userId="e558258b1f0d0369" providerId="LiveId" clId="{BECE3EA7-29FD-435D-BC21-618513B96673}" dt="2020-04-18T12:25:16.268" v="492" actId="478"/>
+          <ac:spMkLst>
+            <pc:docMk/>
+            <pc:sldMk cId="2056782336" sldId="276"/>
+            <ac:spMk id="38" creationId="{557A80A3-C14E-4646-A762-8D8BC16A4FB9}"/>
+          </ac:spMkLst>
+        </pc:spChg>
+        <pc:spChg chg="add mod">
+          <ac:chgData name="abdulilah.q@outlook.com" userId="e558258b1f0d0369" providerId="LiveId" clId="{BECE3EA7-29FD-435D-BC21-618513B96673}" dt="2020-04-18T12:26:11.021" v="510" actId="208"/>
+          <ac:spMkLst>
+            <pc:docMk/>
+            <pc:sldMk cId="2056782336" sldId="276"/>
+            <ac:spMk id="39" creationId="{4133BC0A-1747-4A07-8995-5CBA10F41F85}"/>
+          </ac:spMkLst>
+        </pc:spChg>
+        <pc:spChg chg="add mod">
+          <ac:chgData name="abdulilah.q@outlook.com" userId="e558258b1f0d0369" providerId="LiveId" clId="{BECE3EA7-29FD-435D-BC21-618513B96673}" dt="2020-04-18T12:32:32.236" v="593" actId="1076"/>
+          <ac:spMkLst>
+            <pc:docMk/>
+            <pc:sldMk cId="2056782336" sldId="276"/>
+            <ac:spMk id="41" creationId="{A1F1BE65-33DC-4F44-84DE-BBE31B15A7EC}"/>
+          </ac:spMkLst>
+        </pc:spChg>
+        <pc:spChg chg="add mod">
+          <ac:chgData name="abdulilah.q@outlook.com" userId="e558258b1f0d0369" providerId="LiveId" clId="{BECE3EA7-29FD-435D-BC21-618513B96673}" dt="2020-04-18T12:48:59.160" v="767" actId="14100"/>
+          <ac:spMkLst>
+            <pc:docMk/>
+            <pc:sldMk cId="2056782336" sldId="276"/>
+            <ac:spMk id="42" creationId="{CBEBBC27-1A6B-484D-8778-AACAAFDDE523}"/>
+          </ac:spMkLst>
+        </pc:spChg>
+        <pc:spChg chg="add mod">
+          <ac:chgData name="abdulilah.q@outlook.com" userId="e558258b1f0d0369" providerId="LiveId" clId="{BECE3EA7-29FD-435D-BC21-618513B96673}" dt="2020-04-18T12:47:48.677" v="754" actId="14100"/>
+          <ac:spMkLst>
+            <pc:docMk/>
+            <pc:sldMk cId="2056782336" sldId="276"/>
+            <ac:spMk id="43" creationId="{EB42CD60-9FB2-42C3-BD29-93DBF8B77875}"/>
+          </ac:spMkLst>
+        </pc:spChg>
+        <pc:spChg chg="add mod">
+          <ac:chgData name="abdulilah.q@outlook.com" userId="e558258b1f0d0369" providerId="LiveId" clId="{BECE3EA7-29FD-435D-BC21-618513B96673}" dt="2020-04-18T12:33:32.579" v="604" actId="207"/>
+          <ac:spMkLst>
+            <pc:docMk/>
+            <pc:sldMk cId="2056782336" sldId="276"/>
+            <ac:spMk id="44" creationId="{454BB94A-5113-4A9C-9390-EBD7D0CFC41A}"/>
+          </ac:spMkLst>
+        </pc:spChg>
+        <pc:spChg chg="add mod">
+          <ac:chgData name="abdulilah.q@outlook.com" userId="e558258b1f0d0369" providerId="LiveId" clId="{BECE3EA7-29FD-435D-BC21-618513B96673}" dt="2020-04-18T12:33:49.906" v="606" actId="207"/>
+          <ac:spMkLst>
+            <pc:docMk/>
+            <pc:sldMk cId="2056782336" sldId="276"/>
+            <ac:spMk id="45" creationId="{B8CF47D1-E78C-4C77-811D-EA30B5F024B6}"/>
+          </ac:spMkLst>
+        </pc:spChg>
+        <pc:spChg chg="add mod">
+          <ac:chgData name="abdulilah.q@outlook.com" userId="e558258b1f0d0369" providerId="LiveId" clId="{BECE3EA7-29FD-435D-BC21-618513B96673}" dt="2020-04-18T12:33:42.700" v="605" actId="207"/>
+          <ac:spMkLst>
+            <pc:docMk/>
+            <pc:sldMk cId="2056782336" sldId="276"/>
+            <ac:spMk id="46" creationId="{64DA54B5-9F05-45A9-8072-4B53DEC5E614}"/>
+          </ac:spMkLst>
+        </pc:spChg>
+        <pc:spChg chg="add mod">
+          <ac:chgData name="abdulilah.q@outlook.com" userId="e558258b1f0d0369" providerId="LiveId" clId="{BECE3EA7-29FD-435D-BC21-618513B96673}" dt="2020-04-18T12:40:56.893" v="683" actId="20577"/>
+          <ac:spMkLst>
+            <pc:docMk/>
+            <pc:sldMk cId="2056782336" sldId="276"/>
+            <ac:spMk id="48" creationId="{B0CC432A-F8F9-41F0-ACD1-A3C1F72660CB}"/>
+          </ac:spMkLst>
+        </pc:spChg>
+        <pc:spChg chg="add mod">
+          <ac:chgData name="abdulilah.q@outlook.com" userId="e558258b1f0d0369" providerId="LiveId" clId="{BECE3EA7-29FD-435D-BC21-618513B96673}" dt="2020-04-18T12:51:30.424" v="788" actId="1076"/>
+          <ac:spMkLst>
+            <pc:docMk/>
+            <pc:sldMk cId="2056782336" sldId="276"/>
+            <ac:spMk id="49" creationId="{946CEA30-3794-4591-9784-0C2CCE761C40}"/>
+          </ac:spMkLst>
+        </pc:spChg>
+        <pc:spChg chg="add mod">
+          <ac:chgData name="abdulilah.q@outlook.com" userId="e558258b1f0d0369" providerId="LiveId" clId="{BECE3EA7-29FD-435D-BC21-618513B96673}" dt="2020-04-18T12:40:49.529" v="679" actId="20577"/>
+          <ac:spMkLst>
+            <pc:docMk/>
+            <pc:sldMk cId="2056782336" sldId="276"/>
+            <ac:spMk id="50" creationId="{19109A59-1804-4318-BCD0-CC3B4077DBC5}"/>
+          </ac:spMkLst>
+        </pc:spChg>
+        <pc:spChg chg="add mod">
+          <ac:chgData name="abdulilah.q@outlook.com" userId="e558258b1f0d0369" providerId="LiveId" clId="{BECE3EA7-29FD-435D-BC21-618513B96673}" dt="2020-04-18T12:38:00.261" v="655" actId="207"/>
+          <ac:spMkLst>
+            <pc:docMk/>
+            <pc:sldMk cId="2056782336" sldId="276"/>
+            <ac:spMk id="51" creationId="{289DA653-6351-4A6E-9FC7-1FBCADC761DC}"/>
+          </ac:spMkLst>
+        </pc:spChg>
+        <pc:spChg chg="add mod">
+          <ac:chgData name="abdulilah.q@outlook.com" userId="e558258b1f0d0369" providerId="LiveId" clId="{BECE3EA7-29FD-435D-BC21-618513B96673}" dt="2020-04-18T13:07:25.776" v="847" actId="1076"/>
+          <ac:spMkLst>
+            <pc:docMk/>
+            <pc:sldMk cId="2056782336" sldId="276"/>
+            <ac:spMk id="52" creationId="{4A71EC7A-B288-4105-A672-68C0690F17AB}"/>
+          </ac:spMkLst>
+        </pc:spChg>
+        <pc:spChg chg="add mod">
+          <ac:chgData name="abdulilah.q@outlook.com" userId="e558258b1f0d0369" providerId="LiveId" clId="{BECE3EA7-29FD-435D-BC21-618513B96673}" dt="2020-04-18T12:38:20.885" v="659" actId="207"/>
+          <ac:spMkLst>
+            <pc:docMk/>
+            <pc:sldMk cId="2056782336" sldId="276"/>
+            <ac:spMk id="53" creationId="{9FA636AF-F16D-4BF8-B178-87ACCF5EB124}"/>
+          </ac:spMkLst>
+        </pc:spChg>
+        <pc:spChg chg="add mod">
+          <ac:chgData name="abdulilah.q@outlook.com" userId="e558258b1f0d0369" providerId="LiveId" clId="{BECE3EA7-29FD-435D-BC21-618513B96673}" dt="2020-04-18T12:38:28.825" v="660" actId="207"/>
+          <ac:spMkLst>
+            <pc:docMk/>
+            <pc:sldMk cId="2056782336" sldId="276"/>
+            <ac:spMk id="54" creationId="{A42F24CA-85CB-4984-A3AA-062B1B1C97F4}"/>
+          </ac:spMkLst>
+        </pc:spChg>
+        <pc:spChg chg="add mod">
+          <ac:chgData name="abdulilah.q@outlook.com" userId="e558258b1f0d0369" providerId="LiveId" clId="{BECE3EA7-29FD-435D-BC21-618513B96673}" dt="2020-04-18T12:39:13.795" v="669" actId="1076"/>
+          <ac:spMkLst>
+            <pc:docMk/>
+            <pc:sldMk cId="2056782336" sldId="276"/>
+            <ac:spMk id="55" creationId="{F7517D97-CDF2-49B3-9C1D-FE4FCEA569F5}"/>
+          </ac:spMkLst>
+        </pc:spChg>
+        <pc:spChg chg="add mod">
+          <ac:chgData name="abdulilah.q@outlook.com" userId="e558258b1f0d0369" providerId="LiveId" clId="{BECE3EA7-29FD-435D-BC21-618513B96673}" dt="2020-04-18T12:48:19.979" v="759" actId="1076"/>
+          <ac:spMkLst>
+            <pc:docMk/>
+            <pc:sldMk cId="2056782336" sldId="276"/>
+            <ac:spMk id="56" creationId="{0A27563A-5349-46F1-ADE3-1D14CE7D58EE}"/>
+          </ac:spMkLst>
+        </pc:spChg>
+        <pc:spChg chg="add mod">
+          <ac:chgData name="abdulilah.q@outlook.com" userId="e558258b1f0d0369" providerId="LiveId" clId="{BECE3EA7-29FD-435D-BC21-618513B96673}" dt="2020-04-18T12:48:24.398" v="760" actId="1076"/>
+          <ac:spMkLst>
+            <pc:docMk/>
+            <pc:sldMk cId="2056782336" sldId="276"/>
+            <ac:spMk id="57" creationId="{2997EAAE-AA23-4861-AD44-66CCF39B688C}"/>
+          </ac:spMkLst>
+        </pc:spChg>
+        <pc:spChg chg="add mod">
+          <ac:chgData name="abdulilah.q@outlook.com" userId="e558258b1f0d0369" providerId="LiveId" clId="{BECE3EA7-29FD-435D-BC21-618513B96673}" dt="2020-04-18T12:48:36.605" v="761" actId="1076"/>
+          <ac:spMkLst>
+            <pc:docMk/>
+            <pc:sldMk cId="2056782336" sldId="276"/>
+            <ac:spMk id="58" creationId="{FA1CE164-AF7B-42D8-942F-93768B538307}"/>
+          </ac:spMkLst>
+        </pc:spChg>
+        <pc:spChg chg="add mod">
+          <ac:chgData name="abdulilah.q@outlook.com" userId="e558258b1f0d0369" providerId="LiveId" clId="{BECE3EA7-29FD-435D-BC21-618513B96673}" dt="2020-04-18T12:43:50.397" v="707" actId="207"/>
+          <ac:spMkLst>
+            <pc:docMk/>
+            <pc:sldMk cId="2056782336" sldId="276"/>
+            <ac:spMk id="59" creationId="{0283F7CB-8764-4DE3-A699-169740A00CCC}"/>
+          </ac:spMkLst>
+        </pc:spChg>
+        <pc:spChg chg="add mod">
+          <ac:chgData name="abdulilah.q@outlook.com" userId="e558258b1f0d0369" providerId="LiveId" clId="{BECE3EA7-29FD-435D-BC21-618513B96673}" dt="2020-04-18T12:43:57.099" v="708" actId="207"/>
+          <ac:spMkLst>
+            <pc:docMk/>
+            <pc:sldMk cId="2056782336" sldId="276"/>
+            <ac:spMk id="60" creationId="{67ECDBBE-BC0B-4A26-B937-34A1BA99C3BD}"/>
+          </ac:spMkLst>
+        </pc:spChg>
+        <pc:spChg chg="add mod">
+          <ac:chgData name="abdulilah.q@outlook.com" userId="e558258b1f0d0369" providerId="LiveId" clId="{BECE3EA7-29FD-435D-BC21-618513B96673}" dt="2020-04-18T12:44:03.693" v="709" actId="207"/>
+          <ac:spMkLst>
+            <pc:docMk/>
+            <pc:sldMk cId="2056782336" sldId="276"/>
+            <ac:spMk id="61" creationId="{8EFE7D64-ACCA-487D-90E9-40F78EC164A8}"/>
+          </ac:spMkLst>
+        </pc:spChg>
+        <pc:spChg chg="add mod">
+          <ac:chgData name="abdulilah.q@outlook.com" userId="e558258b1f0d0369" providerId="LiveId" clId="{BECE3EA7-29FD-435D-BC21-618513B96673}" dt="2020-04-18T12:44:52.328" v="710" actId="207"/>
+          <ac:spMkLst>
+            <pc:docMk/>
+            <pc:sldMk cId="2056782336" sldId="276"/>
+            <ac:spMk id="68" creationId="{23F763C2-C22C-4448-A7C6-586D8D9DA12F}"/>
+          </ac:spMkLst>
+        </pc:spChg>
+        <pc:spChg chg="add mod">
+          <ac:chgData name="abdulilah.q@outlook.com" userId="e558258b1f0d0369" providerId="LiveId" clId="{BECE3EA7-29FD-435D-BC21-618513B96673}" dt="2020-04-18T12:48:03.513" v="756" actId="1076"/>
+          <ac:spMkLst>
+            <pc:docMk/>
+            <pc:sldMk cId="2056782336" sldId="276"/>
+            <ac:spMk id="73" creationId="{489E60D4-6CD8-462B-8BFE-1B3C7F2E1701}"/>
+          </ac:spMkLst>
+        </pc:spChg>
+        <pc:spChg chg="add mod">
+          <ac:chgData name="abdulilah.q@outlook.com" userId="e558258b1f0d0369" providerId="LiveId" clId="{BECE3EA7-29FD-435D-BC21-618513B96673}" dt="2020-04-18T12:46:21.589" v="730" actId="20577"/>
+          <ac:spMkLst>
+            <pc:docMk/>
+            <pc:sldMk cId="2056782336" sldId="276"/>
+            <ac:spMk id="75" creationId="{936D1AFC-A7AF-4698-8DCE-84131903ABF7}"/>
+          </ac:spMkLst>
+        </pc:spChg>
+        <pc:spChg chg="add mod">
+          <ac:chgData name="abdulilah.q@outlook.com" userId="e558258b1f0d0369" providerId="LiveId" clId="{BECE3EA7-29FD-435D-BC21-618513B96673}" dt="2020-04-18T12:47:06.266" v="745" actId="33524"/>
+          <ac:spMkLst>
+            <pc:docMk/>
+            <pc:sldMk cId="2056782336" sldId="276"/>
+            <ac:spMk id="76" creationId="{1CB16BFE-B320-4A76-8B5E-5F747B3CA0E6}"/>
+          </ac:spMkLst>
+        </pc:spChg>
+        <pc:spChg chg="add mod">
+          <ac:chgData name="abdulilah.q@outlook.com" userId="e558258b1f0d0369" providerId="LiveId" clId="{BECE3EA7-29FD-435D-BC21-618513B96673}" dt="2020-04-18T12:47:18.118" v="748" actId="20577"/>
+          <ac:spMkLst>
+            <pc:docMk/>
+            <pc:sldMk cId="2056782336" sldId="276"/>
+            <ac:spMk id="77" creationId="{49866573-E429-45C7-B94A-F27616DBE9B1}"/>
+          </ac:spMkLst>
+        </pc:spChg>
+        <pc:spChg chg="add mod">
+          <ac:chgData name="abdulilah.q@outlook.com" userId="e558258b1f0d0369" providerId="LiveId" clId="{BECE3EA7-29FD-435D-BC21-618513B96673}" dt="2020-04-18T12:49:35.473" v="778" actId="1076"/>
+          <ac:spMkLst>
+            <pc:docMk/>
+            <pc:sldMk cId="2056782336" sldId="276"/>
+            <ac:spMk id="78" creationId="{392656DF-2B23-4B41-8BE6-36A869FFF795}"/>
+          </ac:spMkLst>
+        </pc:spChg>
+        <pc:spChg chg="add mod">
+          <ac:chgData name="abdulilah.q@outlook.com" userId="e558258b1f0d0369" providerId="LiveId" clId="{BECE3EA7-29FD-435D-BC21-618513B96673}" dt="2020-04-18T12:52:23.996" v="803" actId="1076"/>
+          <ac:spMkLst>
+            <pc:docMk/>
+            <pc:sldMk cId="2056782336" sldId="276"/>
+            <ac:spMk id="79" creationId="{ABE5163E-A386-4FD1-9A54-D389B07796FC}"/>
+          </ac:spMkLst>
+        </pc:spChg>
+        <pc:spChg chg="add del">
+          <ac:chgData name="abdulilah.q@outlook.com" userId="e558258b1f0d0369" providerId="LiveId" clId="{BECE3EA7-29FD-435D-BC21-618513B96673}" dt="2020-04-18T12:49:20.308" v="773"/>
+          <ac:spMkLst>
+            <pc:docMk/>
+            <pc:sldMk cId="2056782336" sldId="276"/>
+            <ac:spMk id="80" creationId="{0C49202B-5A18-418B-9E73-FBED7423942D}"/>
+          </ac:spMkLst>
+        </pc:spChg>
+        <pc:spChg chg="add mod">
+          <ac:chgData name="abdulilah.q@outlook.com" userId="e558258b1f0d0369" providerId="LiveId" clId="{BECE3EA7-29FD-435D-BC21-618513B96673}" dt="2020-04-18T12:49:52.931" v="785" actId="1076"/>
+          <ac:spMkLst>
+            <pc:docMk/>
+            <pc:sldMk cId="2056782336" sldId="276"/>
+            <ac:spMk id="81" creationId="{BCCBA4B0-64A2-4359-AC67-77BCBE206C3C}"/>
+          </ac:spMkLst>
+        </pc:spChg>
+        <pc:spChg chg="mod">
+          <ac:chgData name="abdulilah.q@outlook.com" userId="e558258b1f0d0369" providerId="LiveId" clId="{BECE3EA7-29FD-435D-BC21-618513B96673}" dt="2020-04-18T12:25:48.056" v="501" actId="1076"/>
+          <ac:spMkLst>
+            <pc:docMk/>
+            <pc:sldMk cId="2056782336" sldId="276"/>
+            <ac:spMk id="87" creationId="{398925B9-A840-4BB9-AD1D-C7951E92DCF0}"/>
+          </ac:spMkLst>
+        </pc:spChg>
+        <pc:spChg chg="add mod">
+          <ac:chgData name="abdulilah.q@outlook.com" userId="e558258b1f0d0369" providerId="LiveId" clId="{BECE3EA7-29FD-435D-BC21-618513B96673}" dt="2020-04-18T12:52:18.899" v="802" actId="1076"/>
+          <ac:spMkLst>
+            <pc:docMk/>
+            <pc:sldMk cId="2056782336" sldId="276"/>
+            <ac:spMk id="88" creationId="{CB36D7B6-442C-4EAE-9A20-833A38A6E69A}"/>
+          </ac:spMkLst>
+        </pc:spChg>
+        <pc:spChg chg="del mod ord">
+          <ac:chgData name="abdulilah.q@outlook.com" userId="e558258b1f0d0369" providerId="LiveId" clId="{BECE3EA7-29FD-435D-BC21-618513B96673}" dt="2020-04-18T12:23:55.323" v="465" actId="478"/>
+          <ac:spMkLst>
+            <pc:docMk/>
+            <pc:sldMk cId="2056782336" sldId="276"/>
+            <ac:spMk id="89" creationId="{8B0A8103-2501-46F1-A901-A127101AA294}"/>
+          </ac:spMkLst>
+        </pc:spChg>
+        <pc:spChg chg="del mod">
+          <ac:chgData name="abdulilah.q@outlook.com" userId="e558258b1f0d0369" providerId="LiveId" clId="{BECE3EA7-29FD-435D-BC21-618513B96673}" dt="2020-04-18T12:23:56.271" v="466" actId="478"/>
+          <ac:spMkLst>
+            <pc:docMk/>
+            <pc:sldMk cId="2056782336" sldId="276"/>
+            <ac:spMk id="90" creationId="{3E5360E2-449F-48C3-A6DF-89E5A8E6BE09}"/>
+          </ac:spMkLst>
+        </pc:spChg>
+        <pc:spChg chg="del mod">
+          <ac:chgData name="abdulilah.q@outlook.com" userId="e558258b1f0d0369" providerId="LiveId" clId="{BECE3EA7-29FD-435D-BC21-618513B96673}" dt="2020-04-18T12:23:56.916" v="467" actId="478"/>
+          <ac:spMkLst>
+            <pc:docMk/>
+            <pc:sldMk cId="2056782336" sldId="276"/>
+            <ac:spMk id="91" creationId="{9619EEB1-00D2-434E-A255-19509ABB98CC}"/>
+          </ac:spMkLst>
+        </pc:spChg>
+        <pc:spChg chg="del mod">
+          <ac:chgData name="abdulilah.q@outlook.com" userId="e558258b1f0d0369" providerId="LiveId" clId="{BECE3EA7-29FD-435D-BC21-618513B96673}" dt="2020-04-18T12:23:58.164" v="468" actId="478"/>
+          <ac:spMkLst>
+            <pc:docMk/>
+            <pc:sldMk cId="2056782336" sldId="276"/>
+            <ac:spMk id="92" creationId="{1B290795-60E2-4348-8558-FDC68F3C31D6}"/>
+          </ac:spMkLst>
+        </pc:spChg>
+        <pc:spChg chg="del mod">
+          <ac:chgData name="abdulilah.q@outlook.com" userId="e558258b1f0d0369" providerId="LiveId" clId="{BECE3EA7-29FD-435D-BC21-618513B96673}" dt="2020-04-18T12:24:19.160" v="472" actId="478"/>
+          <ac:spMkLst>
+            <pc:docMk/>
+            <pc:sldMk cId="2056782336" sldId="276"/>
+            <ac:spMk id="93" creationId="{38980F34-AB63-4FAD-BF2C-0B90D8F7F4E5}"/>
+          </ac:spMkLst>
+        </pc:spChg>
+        <pc:spChg chg="del mod">
+          <ac:chgData name="abdulilah.q@outlook.com" userId="e558258b1f0d0369" providerId="LiveId" clId="{BECE3EA7-29FD-435D-BC21-618513B96673}" dt="2020-04-18T12:24:20.904" v="473" actId="478"/>
+          <ac:spMkLst>
+            <pc:docMk/>
+            <pc:sldMk cId="2056782336" sldId="276"/>
+            <ac:spMk id="94" creationId="{9DB43D37-1EBE-4DCA-81A1-16BDD32161F4}"/>
+          </ac:spMkLst>
+        </pc:spChg>
+        <pc:spChg chg="mod ord">
+          <ac:chgData name="abdulilah.q@outlook.com" userId="e558258b1f0d0369" providerId="LiveId" clId="{BECE3EA7-29FD-435D-BC21-618513B96673}" dt="2020-04-18T12:30:16.159" v="562" actId="1076"/>
+          <ac:spMkLst>
+            <pc:docMk/>
+            <pc:sldMk cId="2056782336" sldId="276"/>
+            <ac:spMk id="95" creationId="{DACDA99F-7170-4064-8F89-51DBEE55FC99}"/>
+          </ac:spMkLst>
+        </pc:spChg>
+        <pc:spChg chg="del">
+          <ac:chgData name="abdulilah.q@outlook.com" userId="e558258b1f0d0369" providerId="LiveId" clId="{BECE3EA7-29FD-435D-BC21-618513B96673}" dt="2020-04-18T12:24:27.101" v="479" actId="478"/>
+          <ac:spMkLst>
+            <pc:docMk/>
+            <pc:sldMk cId="2056782336" sldId="276"/>
+            <ac:spMk id="96" creationId="{43FB4E5B-1DAE-4DA6-ADF6-5CA28204FB17}"/>
+          </ac:spMkLst>
+        </pc:spChg>
+        <pc:spChg chg="del">
+          <ac:chgData name="abdulilah.q@outlook.com" userId="e558258b1f0d0369" providerId="LiveId" clId="{BECE3EA7-29FD-435D-BC21-618513B96673}" dt="2020-04-18T12:24:26.322" v="478" actId="478"/>
+          <ac:spMkLst>
+            <pc:docMk/>
+            <pc:sldMk cId="2056782336" sldId="276"/>
+            <ac:spMk id="97" creationId="{15F53B11-D65B-49F2-8F59-05F1DC928BC9}"/>
+          </ac:spMkLst>
+        </pc:spChg>
+        <pc:spChg chg="del">
+          <ac:chgData name="abdulilah.q@outlook.com" userId="e558258b1f0d0369" providerId="LiveId" clId="{BECE3EA7-29FD-435D-BC21-618513B96673}" dt="2020-04-18T12:24:25.750" v="477" actId="478"/>
+          <ac:spMkLst>
+            <pc:docMk/>
+            <pc:sldMk cId="2056782336" sldId="276"/>
+            <ac:spMk id="98" creationId="{A879895B-D998-4AC1-B9EE-8E6B79080A2D}"/>
+          </ac:spMkLst>
+        </pc:spChg>
+        <pc:spChg chg="del">
+          <ac:chgData name="abdulilah.q@outlook.com" userId="e558258b1f0d0369" providerId="LiveId" clId="{BECE3EA7-29FD-435D-BC21-618513B96673}" dt="2020-04-18T12:24:25.098" v="476" actId="478"/>
+          <ac:spMkLst>
+            <pc:docMk/>
+            <pc:sldMk cId="2056782336" sldId="276"/>
+            <ac:spMk id="99" creationId="{A6CF52F6-F5C1-4667-A67A-44CCA0280F97}"/>
+          </ac:spMkLst>
+        </pc:spChg>
+        <pc:spChg chg="del mod">
+          <ac:chgData name="abdulilah.q@outlook.com" userId="e558258b1f0d0369" providerId="LiveId" clId="{BECE3EA7-29FD-435D-BC21-618513B96673}" dt="2020-04-18T12:24:22.919" v="475" actId="478"/>
+          <ac:spMkLst>
+            <pc:docMk/>
+            <pc:sldMk cId="2056782336" sldId="276"/>
+            <ac:spMk id="100" creationId="{D9E62812-EA24-4E4A-BB4E-5328EFA3DF61}"/>
+          </ac:spMkLst>
+        </pc:spChg>
+        <pc:spChg chg="del mod">
+          <ac:chgData name="abdulilah.q@outlook.com" userId="e558258b1f0d0369" providerId="LiveId" clId="{BECE3EA7-29FD-435D-BC21-618513B96673}" dt="2020-04-18T12:24:21.748" v="474" actId="478"/>
+          <ac:spMkLst>
+            <pc:docMk/>
+            <pc:sldMk cId="2056782336" sldId="276"/>
+            <ac:spMk id="101" creationId="{E687ACE0-43EF-4357-BABD-697970CDAA2F}"/>
+          </ac:spMkLst>
+        </pc:spChg>
+        <pc:spChg chg="add mod">
+          <ac:chgData name="abdulilah.q@outlook.com" userId="e558258b1f0d0369" providerId="LiveId" clId="{BECE3EA7-29FD-435D-BC21-618513B96673}" dt="2020-04-18T12:51:55.203" v="797" actId="1076"/>
+          <ac:spMkLst>
+            <pc:docMk/>
+            <pc:sldMk cId="2056782336" sldId="276"/>
+            <ac:spMk id="102" creationId="{B0D2D51D-A0EA-4901-9D73-0B868D4C220B}"/>
+          </ac:spMkLst>
+        </pc:spChg>
+        <pc:spChg chg="add mod">
+          <ac:chgData name="abdulilah.q@outlook.com" userId="e558258b1f0d0369" providerId="LiveId" clId="{BECE3EA7-29FD-435D-BC21-618513B96673}" dt="2020-04-18T12:52:08.513" v="800" actId="1076"/>
+          <ac:spMkLst>
+            <pc:docMk/>
+            <pc:sldMk cId="2056782336" sldId="276"/>
+            <ac:spMk id="103" creationId="{D642C0F4-E5AF-4A40-B6E4-25760DAEB2D4}"/>
+          </ac:spMkLst>
+        </pc:spChg>
+        <pc:spChg chg="add mod">
+          <ac:chgData name="abdulilah.q@outlook.com" userId="e558258b1f0d0369" providerId="LiveId" clId="{BECE3EA7-29FD-435D-BC21-618513B96673}" dt="2020-04-18T12:52:05.746" v="799" actId="1076"/>
+          <ac:spMkLst>
+            <pc:docMk/>
+            <pc:sldMk cId="2056782336" sldId="276"/>
+            <ac:spMk id="104" creationId="{33F707ED-B39B-443C-867F-A6B9F30376CB}"/>
+          </ac:spMkLst>
+        </pc:spChg>
+        <pc:spChg chg="add mod">
+          <ac:chgData name="abdulilah.q@outlook.com" userId="e558258b1f0d0369" providerId="LiveId" clId="{BECE3EA7-29FD-435D-BC21-618513B96673}" dt="2020-04-18T12:52:13.101" v="801" actId="1076"/>
+          <ac:spMkLst>
+            <pc:docMk/>
+            <pc:sldMk cId="2056782336" sldId="276"/>
+            <ac:spMk id="105" creationId="{12AAAEE0-DA57-47A8-B420-2A2906A1E200}"/>
+          </ac:spMkLst>
+        </pc:spChg>
+        <pc:spChg chg="add mod">
+          <ac:chgData name="abdulilah.q@outlook.com" userId="e558258b1f0d0369" providerId="LiveId" clId="{BECE3EA7-29FD-435D-BC21-618513B96673}" dt="2020-04-18T13:09:53.261" v="875" actId="1076"/>
+          <ac:spMkLst>
+            <pc:docMk/>
+            <pc:sldMk cId="2056782336" sldId="276"/>
+            <ac:spMk id="106" creationId="{48021831-30F4-4969-953B-DC7878570691}"/>
+          </ac:spMkLst>
+        </pc:spChg>
+        <pc:spChg chg="add mod">
+          <ac:chgData name="abdulilah.q@outlook.com" userId="e558258b1f0d0369" providerId="LiveId" clId="{BECE3EA7-29FD-435D-BC21-618513B96673}" dt="2020-04-18T13:03:16.076" v="818" actId="1076"/>
+          <ac:spMkLst>
+            <pc:docMk/>
+            <pc:sldMk cId="2056782336" sldId="276"/>
+            <ac:spMk id="107" creationId="{FB7A6885-1D70-46D7-9B2C-E2CE31A50D4D}"/>
+          </ac:spMkLst>
+        </pc:spChg>
+        <pc:spChg chg="add mod">
+          <ac:chgData name="abdulilah.q@outlook.com" userId="e558258b1f0d0369" providerId="LiveId" clId="{BECE3EA7-29FD-435D-BC21-618513B96673}" dt="2020-04-18T13:16:47.168" v="926" actId="1076"/>
+          <ac:spMkLst>
+            <pc:docMk/>
+            <pc:sldMk cId="2056782336" sldId="276"/>
+            <ac:spMk id="108" creationId="{A81ECB1D-1A57-4332-9D69-593B898F824E}"/>
+          </ac:spMkLst>
+        </pc:spChg>
+        <pc:spChg chg="add mod">
+          <ac:chgData name="abdulilah.q@outlook.com" userId="e558258b1f0d0369" providerId="LiveId" clId="{BECE3EA7-29FD-435D-BC21-618513B96673}" dt="2020-04-18T13:05:30.658" v="829" actId="1076"/>
+          <ac:spMkLst>
+            <pc:docMk/>
+            <pc:sldMk cId="2056782336" sldId="276"/>
+            <ac:spMk id="109" creationId="{31CB848F-4D8B-4EEA-9D6B-ACC225E880FE}"/>
+          </ac:spMkLst>
+        </pc:spChg>
+        <pc:spChg chg="add mod">
+          <ac:chgData name="abdulilah.q@outlook.com" userId="e558258b1f0d0369" providerId="LiveId" clId="{BECE3EA7-29FD-435D-BC21-618513B96673}" dt="2020-04-18T13:05:23.867" v="828" actId="1076"/>
+          <ac:spMkLst>
+            <pc:docMk/>
+            <pc:sldMk cId="2056782336" sldId="276"/>
+            <ac:spMk id="110" creationId="{1F56B977-1B4B-4343-BF96-33126DFDDF38}"/>
+          </ac:spMkLst>
+        </pc:spChg>
+        <pc:spChg chg="add del mod">
+          <ac:chgData name="abdulilah.q@outlook.com" userId="e558258b1f0d0369" providerId="LiveId" clId="{BECE3EA7-29FD-435D-BC21-618513B96673}" dt="2020-04-18T13:06:06.910" v="834" actId="478"/>
+          <ac:spMkLst>
+            <pc:docMk/>
+            <pc:sldMk cId="2056782336" sldId="276"/>
+            <ac:spMk id="111" creationId="{65C5D6FB-6088-4845-856D-90DD961CC56D}"/>
+          </ac:spMkLst>
+        </pc:spChg>
+        <pc:spChg chg="add mod">
+          <ac:chgData name="abdulilah.q@outlook.com" userId="e558258b1f0d0369" providerId="LiveId" clId="{BECE3EA7-29FD-435D-BC21-618513B96673}" dt="2020-04-18T13:16:10.685" v="919" actId="1076"/>
+          <ac:spMkLst>
+            <pc:docMk/>
+            <pc:sldMk cId="2056782336" sldId="276"/>
+            <ac:spMk id="112" creationId="{894F23C0-7527-48CA-A107-61C3B353B8CB}"/>
+          </ac:spMkLst>
+        </pc:spChg>
+        <pc:spChg chg="add mod">
+          <ac:chgData name="abdulilah.q@outlook.com" userId="e558258b1f0d0369" providerId="LiveId" clId="{BECE3EA7-29FD-435D-BC21-618513B96673}" dt="2020-04-18T13:06:43.741" v="840" actId="1076"/>
+          <ac:spMkLst>
+            <pc:docMk/>
+            <pc:sldMk cId="2056782336" sldId="276"/>
+            <ac:spMk id="113" creationId="{2272BFAA-054A-4D13-B16C-0A0A46427678}"/>
+          </ac:spMkLst>
+        </pc:spChg>
+        <pc:spChg chg="add mod">
+          <ac:chgData name="abdulilah.q@outlook.com" userId="e558258b1f0d0369" providerId="LiveId" clId="{BECE3EA7-29FD-435D-BC21-618513B96673}" dt="2020-04-18T13:17:08.422" v="930" actId="1076"/>
+          <ac:spMkLst>
+            <pc:docMk/>
+            <pc:sldMk cId="2056782336" sldId="276"/>
+            <ac:spMk id="114" creationId="{F4C196D0-2266-424F-A3B4-F994E71F99C0}"/>
+          </ac:spMkLst>
+        </pc:spChg>
+        <pc:spChg chg="add mod">
+          <ac:chgData name="abdulilah.q@outlook.com" userId="e558258b1f0d0369" providerId="LiveId" clId="{BECE3EA7-29FD-435D-BC21-618513B96673}" dt="2020-04-18T13:07:03.452" v="843" actId="1076"/>
+          <ac:spMkLst>
+            <pc:docMk/>
+            <pc:sldMk cId="2056782336" sldId="276"/>
+            <ac:spMk id="115" creationId="{408CC7BB-DDD0-431E-B0D7-C39BA51774B3}"/>
+          </ac:spMkLst>
+        </pc:spChg>
+        <pc:spChg chg="add mod">
+          <ac:chgData name="abdulilah.q@outlook.com" userId="e558258b1f0d0369" providerId="LiveId" clId="{BECE3EA7-29FD-435D-BC21-618513B96673}" dt="2020-04-18T13:07:53.990" v="854" actId="1076"/>
+          <ac:spMkLst>
+            <pc:docMk/>
+            <pc:sldMk cId="2056782336" sldId="276"/>
+            <ac:spMk id="116" creationId="{8A35A88C-7B00-4E5A-9109-A4D40945DB79}"/>
+          </ac:spMkLst>
+        </pc:spChg>
+        <pc:spChg chg="add mod">
+          <ac:chgData name="abdulilah.q@outlook.com" userId="e558258b1f0d0369" providerId="LiveId" clId="{BECE3EA7-29FD-435D-BC21-618513B96673}" dt="2020-04-18T13:16:14.684" v="920" actId="1076"/>
+          <ac:spMkLst>
+            <pc:docMk/>
+            <pc:sldMk cId="2056782336" sldId="276"/>
+            <ac:spMk id="117" creationId="{2BE9F8DF-A711-4225-85C9-DE49BB13F7E5}"/>
+          </ac:spMkLst>
+        </pc:spChg>
+        <pc:spChg chg="add mod">
+          <ac:chgData name="abdulilah.q@outlook.com" userId="e558258b1f0d0369" providerId="LiveId" clId="{BECE3EA7-29FD-435D-BC21-618513B96673}" dt="2020-04-18T13:16:52.387" v="928" actId="1076"/>
+          <ac:spMkLst>
+            <pc:docMk/>
+            <pc:sldMk cId="2056782336" sldId="276"/>
+            <ac:spMk id="118" creationId="{A4BF2009-1D03-443E-8A7C-BAA8A0589310}"/>
+          </ac:spMkLst>
+        </pc:spChg>
+        <pc:spChg chg="add mod">
+          <ac:chgData name="abdulilah.q@outlook.com" userId="e558258b1f0d0369" providerId="LiveId" clId="{BECE3EA7-29FD-435D-BC21-618513B96673}" dt="2020-04-18T13:16:17.596" v="921" actId="1076"/>
+          <ac:spMkLst>
+            <pc:docMk/>
+            <pc:sldMk cId="2056782336" sldId="276"/>
+            <ac:spMk id="119" creationId="{88BC3FE3-FE29-4EDB-9342-37692572462A}"/>
+          </ac:spMkLst>
+        </pc:spChg>
+        <pc:spChg chg="add mod">
+          <ac:chgData name="abdulilah.q@outlook.com" userId="e558258b1f0d0369" providerId="LiveId" clId="{BECE3EA7-29FD-435D-BC21-618513B96673}" dt="2020-04-18T13:17:15.230" v="931" actId="1076"/>
+          <ac:spMkLst>
+            <pc:docMk/>
+            <pc:sldMk cId="2056782336" sldId="276"/>
+            <ac:spMk id="120" creationId="{4A144DED-9D66-4BD0-9BF4-EDD5048542E0}"/>
+          </ac:spMkLst>
+        </pc:spChg>
+        <pc:spChg chg="add mod">
+          <ac:chgData name="abdulilah.q@outlook.com" userId="e558258b1f0d0369" providerId="LiveId" clId="{BECE3EA7-29FD-435D-BC21-618513B96673}" dt="2020-04-18T13:17:06.032" v="929" actId="1076"/>
+          <ac:spMkLst>
+            <pc:docMk/>
+            <pc:sldMk cId="2056782336" sldId="276"/>
+            <ac:spMk id="121" creationId="{8AFC23CC-F2B5-4085-8691-72419D87BF8D}"/>
+          </ac:spMkLst>
+        </pc:spChg>
+        <pc:spChg chg="add mod">
+          <ac:chgData name="abdulilah.q@outlook.com" userId="e558258b1f0d0369" providerId="LiveId" clId="{BECE3EA7-29FD-435D-BC21-618513B96673}" dt="2020-04-18T13:08:36.181" v="867" actId="1076"/>
+          <ac:spMkLst>
+            <pc:docMk/>
+            <pc:sldMk cId="2056782336" sldId="276"/>
+            <ac:spMk id="122" creationId="{B3BC3817-B140-462F-B797-997DD9026479}"/>
+          </ac:spMkLst>
+        </pc:spChg>
+        <pc:spChg chg="add mod">
+          <ac:chgData name="abdulilah.q@outlook.com" userId="e558258b1f0d0369" providerId="LiveId" clId="{BECE3EA7-29FD-435D-BC21-618513B96673}" dt="2020-04-18T13:14:57.823" v="910" actId="1076"/>
+          <ac:spMkLst>
+            <pc:docMk/>
+            <pc:sldMk cId="2056782336" sldId="276"/>
+            <ac:spMk id="123" creationId="{325ED6AB-3EB7-47D3-B993-FB801147DD0D}"/>
+          </ac:spMkLst>
+        </pc:spChg>
+        <pc:spChg chg="add del mod">
+          <ac:chgData name="abdulilah.q@outlook.com" userId="e558258b1f0d0369" providerId="LiveId" clId="{BECE3EA7-29FD-435D-BC21-618513B96673}" dt="2020-04-18T13:09:05.566" v="872" actId="478"/>
+          <ac:spMkLst>
+            <pc:docMk/>
+            <pc:sldMk cId="2056782336" sldId="276"/>
+            <ac:spMk id="124" creationId="{4B5C7917-C516-4E6D-8386-F678A63BDB5D}"/>
+          </ac:spMkLst>
+        </pc:spChg>
+        <pc:spChg chg="add mod">
+          <ac:chgData name="abdulilah.q@outlook.com" userId="e558258b1f0d0369" providerId="LiveId" clId="{BECE3EA7-29FD-435D-BC21-618513B96673}" dt="2020-04-18T13:11:43.392" v="888" actId="1076"/>
+          <ac:spMkLst>
+            <pc:docMk/>
+            <pc:sldMk cId="2056782336" sldId="276"/>
+            <ac:spMk id="125" creationId="{9AA722D3-B2FE-443B-A7E2-475D88DA67EE}"/>
+          </ac:spMkLst>
+        </pc:spChg>
+        <pc:spChg chg="add mod">
+          <ac:chgData name="abdulilah.q@outlook.com" userId="e558258b1f0d0369" providerId="LiveId" clId="{BECE3EA7-29FD-435D-BC21-618513B96673}" dt="2020-04-18T13:15:01.112" v="911" actId="1076"/>
+          <ac:spMkLst>
+            <pc:docMk/>
+            <pc:sldMk cId="2056782336" sldId="276"/>
+            <ac:spMk id="126" creationId="{1DDDD8E6-A5FF-4A4F-8769-228CFCF2075D}"/>
+          </ac:spMkLst>
+        </pc:spChg>
+        <pc:spChg chg="add mod">
+          <ac:chgData name="abdulilah.q@outlook.com" userId="e558258b1f0d0369" providerId="LiveId" clId="{BECE3EA7-29FD-435D-BC21-618513B96673}" dt="2020-04-18T13:16:20.896" v="922" actId="1076"/>
+          <ac:spMkLst>
+            <pc:docMk/>
+            <pc:sldMk cId="2056782336" sldId="276"/>
+            <ac:spMk id="127" creationId="{27049034-9315-4872-8039-DC6E0214C563}"/>
+          </ac:spMkLst>
+        </pc:spChg>
+        <pc:spChg chg="add del mod">
+          <ac:chgData name="abdulilah.q@outlook.com" userId="e558258b1f0d0369" providerId="LiveId" clId="{BECE3EA7-29FD-435D-BC21-618513B96673}" dt="2020-04-18T13:13:41.360" v="893" actId="478"/>
+          <ac:spMkLst>
+            <pc:docMk/>
+            <pc:sldMk cId="2056782336" sldId="276"/>
+            <ac:spMk id="128" creationId="{0092967B-29E0-4E68-92FA-19AD2137B66A}"/>
+          </ac:spMkLst>
+        </pc:spChg>
+        <pc:spChg chg="add del mod">
+          <ac:chgData name="abdulilah.q@outlook.com" userId="e558258b1f0d0369" providerId="LiveId" clId="{BECE3EA7-29FD-435D-BC21-618513B96673}" dt="2020-04-18T13:17:32.242" v="933" actId="478"/>
+          <ac:spMkLst>
+            <pc:docMk/>
+            <pc:sldMk cId="2056782336" sldId="276"/>
+            <ac:spMk id="129" creationId="{CE178528-1D30-40AB-83F5-F60105A992A9}"/>
+          </ac:spMkLst>
+        </pc:spChg>
+        <pc:spChg chg="add mod">
+          <ac:chgData name="abdulilah.q@outlook.com" userId="e558258b1f0d0369" providerId="LiveId" clId="{BECE3EA7-29FD-435D-BC21-618513B96673}" dt="2020-04-18T13:16:35.584" v="923" actId="1076"/>
+          <ac:spMkLst>
+            <pc:docMk/>
+            <pc:sldMk cId="2056782336" sldId="276"/>
+            <ac:spMk id="130" creationId="{A434EF69-B65E-4DD5-8DAC-4D112C482664}"/>
+          </ac:spMkLst>
+        </pc:spChg>
+        <pc:spChg chg="add mod">
+          <ac:chgData name="abdulilah.q@outlook.com" userId="e558258b1f0d0369" providerId="LiveId" clId="{BECE3EA7-29FD-435D-BC21-618513B96673}" dt="2020-04-18T13:16:37.928" v="924" actId="1076"/>
+          <ac:spMkLst>
+            <pc:docMk/>
+            <pc:sldMk cId="2056782336" sldId="276"/>
+            <ac:spMk id="131" creationId="{CF219B93-2E6E-4665-ADCE-FFED2BB33858}"/>
+          </ac:spMkLst>
+        </pc:spChg>
+        <pc:spChg chg="add mod">
+          <ac:chgData name="abdulilah.q@outlook.com" userId="e558258b1f0d0369" providerId="LiveId" clId="{BECE3EA7-29FD-435D-BC21-618513B96673}" dt="2020-04-18T13:17:20.427" v="932" actId="1076"/>
+          <ac:spMkLst>
+            <pc:docMk/>
+            <pc:sldMk cId="2056782336" sldId="276"/>
+            <ac:spMk id="132" creationId="{BC2470EF-79D6-41EE-8A32-A0B8FF89DE7C}"/>
+          </ac:spMkLst>
+        </pc:spChg>
+        <pc:spChg chg="add mod">
+          <ac:chgData name="abdulilah.q@outlook.com" userId="e558258b1f0d0369" providerId="LiveId" clId="{BECE3EA7-29FD-435D-BC21-618513B96673}" dt="2020-04-18T13:14:32.041" v="904" actId="1076"/>
+          <ac:spMkLst>
+            <pc:docMk/>
+            <pc:sldMk cId="2056782336" sldId="276"/>
+            <ac:spMk id="133" creationId="{47C2FD65-B367-4F91-8EEB-20E27701E58A}"/>
+          </ac:spMkLst>
+        </pc:spChg>
+      </pc:sldChg>
+      <pc:sldChg chg="modSp add">
+        <pc:chgData name="abdulilah.q@outlook.com" userId="e558258b1f0d0369" providerId="LiveId" clId="{BECE3EA7-29FD-435D-BC21-618513B96673}" dt="2020-04-18T13:18:38.559" v="939" actId="20577"/>
+        <pc:sldMkLst>
+          <pc:docMk/>
+          <pc:sldMk cId="2626581393" sldId="277"/>
+        </pc:sldMkLst>
+        <pc:spChg chg="mod">
+          <ac:chgData name="abdulilah.q@outlook.com" userId="e558258b1f0d0369" providerId="LiveId" clId="{BECE3EA7-29FD-435D-BC21-618513B96673}" dt="2020-04-18T13:18:38.559" v="939" actId="20577"/>
+          <ac:spMkLst>
+            <pc:docMk/>
+            <pc:sldMk cId="2626581393" sldId="277"/>
+            <ac:spMk id="34" creationId="{9FDCC7E9-0182-48FD-91E0-F9528CBC45D3}"/>
+          </ac:spMkLst>
+        </pc:spChg>
+        <pc:picChg chg="mod">
+          <ac:chgData name="abdulilah.q@outlook.com" userId="e558258b1f0d0369" providerId="LiveId" clId="{BECE3EA7-29FD-435D-BC21-618513B96673}" dt="2020-04-18T13:01:55.002" v="810" actId="1076"/>
+          <ac:picMkLst>
+            <pc:docMk/>
+            <pc:sldMk cId="2626581393" sldId="277"/>
+            <ac:picMk id="28" creationId="{B1FB34BB-937E-4ACB-9CCB-DD01B0A76610}"/>
+          </ac:picMkLst>
+        </pc:picChg>
+      </pc:sldChg>
+      <pc:sldChg chg="addSp delSp modSp new">
+        <pc:chgData name="abdulilah.q@outlook.com" userId="e558258b1f0d0369" providerId="LiveId" clId="{BECE3EA7-29FD-435D-BC21-618513B96673}" dt="2020-04-18T14:01:09.300" v="1353" actId="1076"/>
+        <pc:sldMkLst>
+          <pc:docMk/>
+          <pc:sldMk cId="3780809913" sldId="278"/>
+        </pc:sldMkLst>
+        <pc:spChg chg="del">
+          <ac:chgData name="abdulilah.q@outlook.com" userId="e558258b1f0d0369" providerId="LiveId" clId="{BECE3EA7-29FD-435D-BC21-618513B96673}" dt="2020-04-18T13:19:28.440" v="946" actId="478"/>
+          <ac:spMkLst>
+            <pc:docMk/>
+            <pc:sldMk cId="3780809913" sldId="278"/>
+            <ac:spMk id="2" creationId="{453FE83C-A8E0-40AA-9B6F-0F20502CB980}"/>
+          </ac:spMkLst>
+        </pc:spChg>
+        <pc:spChg chg="del">
+          <ac:chgData name="abdulilah.q@outlook.com" userId="e558258b1f0d0369" providerId="LiveId" clId="{BECE3EA7-29FD-435D-BC21-618513B96673}" dt="2020-04-18T13:19:26.025" v="945" actId="478"/>
+          <ac:spMkLst>
+            <pc:docMk/>
+            <pc:sldMk cId="3780809913" sldId="278"/>
+            <ac:spMk id="3" creationId="{9989C444-0CE1-41F0-A5C4-4EB79BD4D348}"/>
+          </ac:spMkLst>
+        </pc:spChg>
+        <pc:spChg chg="add del mod">
+          <ac:chgData name="abdulilah.q@outlook.com" userId="e558258b1f0d0369" providerId="LiveId" clId="{BECE3EA7-29FD-435D-BC21-618513B96673}" dt="2020-04-18T13:21:52.690" v="949" actId="478"/>
+          <ac:spMkLst>
+            <pc:docMk/>
+            <pc:sldMk cId="3780809913" sldId="278"/>
+            <ac:spMk id="4" creationId="{5FF297E5-D794-4848-AE8F-552309E00E55}"/>
+          </ac:spMkLst>
+        </pc:spChg>
+        <pc:spChg chg="add mod">
+          <ac:chgData name="abdulilah.q@outlook.com" userId="e558258b1f0d0369" providerId="LiveId" clId="{BECE3EA7-29FD-435D-BC21-618513B96673}" dt="2020-04-18T13:22:47.351" v="957" actId="1076"/>
+          <ac:spMkLst>
+            <pc:docMk/>
+            <pc:sldMk cId="3780809913" sldId="278"/>
+            <ac:spMk id="5" creationId="{8D00F772-67C5-4A9C-BD38-4BCED1E48594}"/>
+          </ac:spMkLst>
+        </pc:spChg>
+        <pc:spChg chg="add mod">
+          <ac:chgData name="abdulilah.q@outlook.com" userId="e558258b1f0d0369" providerId="LiveId" clId="{BECE3EA7-29FD-435D-BC21-618513B96673}" dt="2020-04-18T14:00:55.921" v="1351"/>
+          <ac:spMkLst>
+            <pc:docMk/>
+            <pc:sldMk cId="3780809913" sldId="278"/>
+            <ac:spMk id="6" creationId="{6C9B235E-0F30-4D42-B228-0F54FBB4590D}"/>
+          </ac:spMkLst>
+        </pc:spChg>
+        <pc:spChg chg="add mod">
+          <ac:chgData name="abdulilah.q@outlook.com" userId="e558258b1f0d0369" providerId="LiveId" clId="{BECE3EA7-29FD-435D-BC21-618513B96673}" dt="2020-04-18T13:32:04.991" v="1023" actId="1076"/>
+          <ac:spMkLst>
+            <pc:docMk/>
+            <pc:sldMk cId="3780809913" sldId="278"/>
+            <ac:spMk id="7" creationId="{F1FEB517-01A5-4928-BFB9-0B85C0262E5F}"/>
+          </ac:spMkLst>
+        </pc:spChg>
+        <pc:spChg chg="add del mod">
+          <ac:chgData name="abdulilah.q@outlook.com" userId="e558258b1f0d0369" providerId="LiveId" clId="{BECE3EA7-29FD-435D-BC21-618513B96673}" dt="2020-04-18T14:00:45.411" v="1349" actId="478"/>
+          <ac:spMkLst>
+            <pc:docMk/>
+            <pc:sldMk cId="3780809913" sldId="278"/>
+            <ac:spMk id="24" creationId="{065E9962-1847-4406-A74E-6C815C93184D}"/>
+          </ac:spMkLst>
+        </pc:spChg>
+        <pc:spChg chg="add del mod">
+          <ac:chgData name="abdulilah.q@outlook.com" userId="e558258b1f0d0369" providerId="LiveId" clId="{BECE3EA7-29FD-435D-BC21-618513B96673}" dt="2020-04-18T13:51:17.018" v="1167" actId="478"/>
+          <ac:spMkLst>
+            <pc:docMk/>
+            <pc:sldMk cId="3780809913" sldId="278"/>
+            <ac:spMk id="25" creationId="{108077EB-8C64-489F-9BAD-A1817F1D01ED}"/>
+          </ac:spMkLst>
+        </pc:spChg>
+        <pc:spChg chg="add del mod">
+          <ac:chgData name="abdulilah.q@outlook.com" userId="e558258b1f0d0369" providerId="LiveId" clId="{BECE3EA7-29FD-435D-BC21-618513B96673}" dt="2020-04-18T13:51:32.804" v="1171" actId="478"/>
+          <ac:spMkLst>
+            <pc:docMk/>
+            <pc:sldMk cId="3780809913" sldId="278"/>
+            <ac:spMk id="26" creationId="{15697A9A-0B61-4345-AC98-3EB8943D84D7}"/>
+          </ac:spMkLst>
+        </pc:spChg>
+        <pc:spChg chg="add mod">
+          <ac:chgData name="abdulilah.q@outlook.com" userId="e558258b1f0d0369" providerId="LiveId" clId="{BECE3EA7-29FD-435D-BC21-618513B96673}" dt="2020-04-18T13:58:58.282" v="1225" actId="122"/>
+          <ac:spMkLst>
+            <pc:docMk/>
+            <pc:sldMk cId="3780809913" sldId="278"/>
+            <ac:spMk id="27" creationId="{6AB51414-5E76-47E3-9F43-E0C0CF293F5B}"/>
+          </ac:spMkLst>
+        </pc:spChg>
+        <pc:spChg chg="add del mod">
+          <ac:chgData name="abdulilah.q@outlook.com" userId="e558258b1f0d0369" providerId="LiveId" clId="{BECE3EA7-29FD-435D-BC21-618513B96673}" dt="2020-04-18T14:00:53.059" v="1350" actId="478"/>
+          <ac:spMkLst>
+            <pc:docMk/>
+            <pc:sldMk cId="3780809913" sldId="278"/>
+            <ac:spMk id="28" creationId="{38A713B5-8369-484F-BFA9-D732404126A1}"/>
+          </ac:spMkLst>
+        </pc:spChg>
+        <pc:spChg chg="add mod">
+          <ac:chgData name="abdulilah.q@outlook.com" userId="e558258b1f0d0369" providerId="LiveId" clId="{BECE3EA7-29FD-435D-BC21-618513B96673}" dt="2020-04-18T14:00:34.182" v="1348" actId="20577"/>
+          <ac:spMkLst>
+            <pc:docMk/>
+            <pc:sldMk cId="3780809913" sldId="278"/>
+            <ac:spMk id="29" creationId="{CCB3347A-73F6-4C25-92E7-EFA932382EDA}"/>
+          </ac:spMkLst>
+        </pc:spChg>
+        <pc:spChg chg="add mod">
+          <ac:chgData name="abdulilah.q@outlook.com" userId="e558258b1f0d0369" providerId="LiveId" clId="{BECE3EA7-29FD-435D-BC21-618513B96673}" dt="2020-04-18T14:01:09.300" v="1353" actId="1076"/>
+          <ac:spMkLst>
+            <pc:docMk/>
+            <pc:sldMk cId="3780809913" sldId="278"/>
+            <ac:spMk id="30" creationId="{D83EEAD4-FE2C-4E8B-98BD-DD563FA7567A}"/>
+          </ac:spMkLst>
+        </pc:spChg>
+        <pc:picChg chg="add del mod">
+          <ac:chgData name="abdulilah.q@outlook.com" userId="e558258b1f0d0369" providerId="LiveId" clId="{BECE3EA7-29FD-435D-BC21-618513B96673}" dt="2020-04-18T13:28:06.718" v="974" actId="478"/>
+          <ac:picMkLst>
+            <pc:docMk/>
+            <pc:sldMk cId="3780809913" sldId="278"/>
+            <ac:picMk id="9" creationId="{DBA59072-83D7-433B-ABC3-1FEF23357790}"/>
+          </ac:picMkLst>
+        </pc:picChg>
+        <pc:picChg chg="add mod">
+          <ac:chgData name="abdulilah.q@outlook.com" userId="e558258b1f0d0369" providerId="LiveId" clId="{BECE3EA7-29FD-435D-BC21-618513B96673}" dt="2020-04-18T13:28:49.215" v="989" actId="29295"/>
+          <ac:picMkLst>
+            <pc:docMk/>
+            <pc:sldMk cId="3780809913" sldId="278"/>
+            <ac:picMk id="11" creationId="{113C11D3-D0C4-4277-9303-632E03F1CA82}"/>
+          </ac:picMkLst>
+        </pc:picChg>
+        <pc:picChg chg="add del mod">
+          <ac:chgData name="abdulilah.q@outlook.com" userId="e558258b1f0d0369" providerId="LiveId" clId="{BECE3EA7-29FD-435D-BC21-618513B96673}" dt="2020-04-18T13:29:15.607" v="993" actId="478"/>
+          <ac:picMkLst>
+            <pc:docMk/>
+            <pc:sldMk cId="3780809913" sldId="278"/>
+            <ac:picMk id="13" creationId="{BD056DE9-E316-47CD-9667-4213626D67EE}"/>
+          </ac:picMkLst>
+        </pc:picChg>
+        <pc:picChg chg="add del mod">
+          <ac:chgData name="abdulilah.q@outlook.com" userId="e558258b1f0d0369" providerId="LiveId" clId="{BECE3EA7-29FD-435D-BC21-618513B96673}" dt="2020-04-18T13:31:08.897" v="1007" actId="478"/>
+          <ac:picMkLst>
+            <pc:docMk/>
+            <pc:sldMk cId="3780809913" sldId="278"/>
+            <ac:picMk id="15" creationId="{289378EF-DC7E-4117-BA59-147CDF28F6C6}"/>
+          </ac:picMkLst>
+        </pc:picChg>
+        <pc:picChg chg="add del mod">
+          <ac:chgData name="abdulilah.q@outlook.com" userId="e558258b1f0d0369" providerId="LiveId" clId="{BECE3EA7-29FD-435D-BC21-618513B96673}" dt="2020-04-18T13:31:03.890" v="1006" actId="478"/>
+          <ac:picMkLst>
+            <pc:docMk/>
+            <pc:sldMk cId="3780809913" sldId="278"/>
+            <ac:picMk id="16" creationId="{0FA427BD-0A24-4235-B104-9797A02DB082}"/>
+          </ac:picMkLst>
+        </pc:picChg>
+        <pc:picChg chg="add del mod">
+          <ac:chgData name="abdulilah.q@outlook.com" userId="e558258b1f0d0369" providerId="LiveId" clId="{BECE3EA7-29FD-435D-BC21-618513B96673}" dt="2020-04-18T13:31:01.177" v="1005" actId="478"/>
+          <ac:picMkLst>
+            <pc:docMk/>
+            <pc:sldMk cId="3780809913" sldId="278"/>
+            <ac:picMk id="17" creationId="{71609A68-5017-4948-8FB7-D5B455067DB6}"/>
+          </ac:picMkLst>
+        </pc:picChg>
+        <pc:picChg chg="add mod">
+          <ac:chgData name="abdulilah.q@outlook.com" userId="e558258b1f0d0369" providerId="LiveId" clId="{BECE3EA7-29FD-435D-BC21-618513B96673}" dt="2020-04-18T13:32:18.817" v="1025" actId="1076"/>
+          <ac:picMkLst>
+            <pc:docMk/>
+            <pc:sldMk cId="3780809913" sldId="278"/>
+            <ac:picMk id="19" creationId="{574234E1-C508-410F-BE99-8D93477E55F9}"/>
+          </ac:picMkLst>
+        </pc:picChg>
+        <pc:picChg chg="add mod">
+          <ac:chgData name="abdulilah.q@outlook.com" userId="e558258b1f0d0369" providerId="LiveId" clId="{BECE3EA7-29FD-435D-BC21-618513B96673}" dt="2020-04-18T13:32:10.225" v="1024" actId="1076"/>
+          <ac:picMkLst>
+            <pc:docMk/>
+            <pc:sldMk cId="3780809913" sldId="278"/>
+            <ac:picMk id="21" creationId="{D1C6B529-2733-4A25-A668-818487A3D53F}"/>
+          </ac:picMkLst>
+        </pc:picChg>
+        <pc:picChg chg="add mod">
+          <ac:chgData name="abdulilah.q@outlook.com" userId="e558258b1f0d0369" providerId="LiveId" clId="{BECE3EA7-29FD-435D-BC21-618513B96673}" dt="2020-04-18T13:32:39.930" v="1031" actId="1076"/>
+          <ac:picMkLst>
+            <pc:docMk/>
+            <pc:sldMk cId="3780809913" sldId="278"/>
+            <ac:picMk id="22" creationId="{BAEE0EDD-7CB1-4129-BF68-A5492994F9F6}"/>
+          </ac:picMkLst>
+        </pc:picChg>
+        <pc:picChg chg="add mod">
+          <ac:chgData name="abdulilah.q@outlook.com" userId="e558258b1f0d0369" providerId="LiveId" clId="{BECE3EA7-29FD-435D-BC21-618513B96673}" dt="2020-04-18T13:33:02.868" v="1065" actId="29295"/>
+          <ac:picMkLst>
+            <pc:docMk/>
+            <pc:sldMk cId="3780809913" sldId="278"/>
+            <ac:picMk id="23" creationId="{2DEBB013-D345-4C6D-974A-5936A2FBE734}"/>
+          </ac:picMkLst>
+        </pc:picChg>
+      </pc:sldChg>
+      <pc:sldChg chg="addSp delSp modSp new">
+        <pc:chgData name="abdulilah.q@outlook.com" userId="e558258b1f0d0369" providerId="LiveId" clId="{BECE3EA7-29FD-435D-BC21-618513B96673}" dt="2020-04-18T14:22:58.394" v="1655" actId="1076"/>
+        <pc:sldMkLst>
+          <pc:docMk/>
+          <pc:sldMk cId="1832249273" sldId="279"/>
+        </pc:sldMkLst>
+        <pc:spChg chg="del">
+          <ac:chgData name="abdulilah.q@outlook.com" userId="e558258b1f0d0369" providerId="LiveId" clId="{BECE3EA7-29FD-435D-BC21-618513B96673}" dt="2020-04-18T13:40:13.223" v="1085" actId="478"/>
+          <ac:spMkLst>
+            <pc:docMk/>
+            <pc:sldMk cId="1832249273" sldId="279"/>
+            <ac:spMk id="2" creationId="{4241007D-BE92-44DE-82AC-E4447AAA11AA}"/>
+          </ac:spMkLst>
+        </pc:spChg>
+        <pc:spChg chg="del">
+          <ac:chgData name="abdulilah.q@outlook.com" userId="e558258b1f0d0369" providerId="LiveId" clId="{BECE3EA7-29FD-435D-BC21-618513B96673}" dt="2020-04-18T13:40:13.223" v="1085" actId="478"/>
+          <ac:spMkLst>
+            <pc:docMk/>
+            <pc:sldMk cId="1832249273" sldId="279"/>
+            <ac:spMk id="3" creationId="{63D3993E-BD0F-411C-8443-45AE2391D6EE}"/>
+          </ac:spMkLst>
+        </pc:spChg>
+        <pc:spChg chg="add del">
+          <ac:chgData name="abdulilah.q@outlook.com" userId="e558258b1f0d0369" providerId="LiveId" clId="{BECE3EA7-29FD-435D-BC21-618513B96673}" dt="2020-04-18T14:01:53.396" v="1354" actId="478"/>
+          <ac:spMkLst>
+            <pc:docMk/>
+            <pc:sldMk cId="1832249273" sldId="279"/>
+            <ac:spMk id="4" creationId="{AE58AF81-EB33-47B7-82A9-581FD15EBF2F}"/>
+          </ac:spMkLst>
+        </pc:spChg>
+        <pc:spChg chg="add mod">
+          <ac:chgData name="abdulilah.q@outlook.com" userId="e558258b1f0d0369" providerId="LiveId" clId="{BECE3EA7-29FD-435D-BC21-618513B96673}" dt="2020-04-18T14:02:07.953" v="1359" actId="14100"/>
+          <ac:spMkLst>
+            <pc:docMk/>
+            <pc:sldMk cId="1832249273" sldId="279"/>
+            <ac:spMk id="5" creationId="{D2051A05-18B0-4414-80BC-264E9E3ED752}"/>
+          </ac:spMkLst>
+        </pc:spChg>
+        <pc:spChg chg="add del mod">
+          <ac:chgData name="abdulilah.q@outlook.com" userId="e558258b1f0d0369" providerId="LiveId" clId="{BECE3EA7-29FD-435D-BC21-618513B96673}" dt="2020-04-18T14:02:51.466" v="1367" actId="478"/>
+          <ac:spMkLst>
+            <pc:docMk/>
+            <pc:sldMk cId="1832249273" sldId="279"/>
+            <ac:spMk id="6" creationId="{04939B62-06A6-4E7F-A74C-5FD17425D167}"/>
+          </ac:spMkLst>
+        </pc:spChg>
+        <pc:spChg chg="add mod">
+          <ac:chgData name="abdulilah.q@outlook.com" userId="e558258b1f0d0369" providerId="LiveId" clId="{BECE3EA7-29FD-435D-BC21-618513B96673}" dt="2020-04-18T14:22:58.394" v="1655" actId="1076"/>
+          <ac:spMkLst>
+            <pc:docMk/>
+            <pc:sldMk cId="1832249273" sldId="279"/>
+            <ac:spMk id="21" creationId="{2DC6BC17-A3D4-414C-BD43-FF880F11207E}"/>
+          </ac:spMkLst>
+        </pc:spChg>
+        <pc:spChg chg="add mod">
+          <ac:chgData name="abdulilah.q@outlook.com" userId="e558258b1f0d0369" providerId="LiveId" clId="{BECE3EA7-29FD-435D-BC21-618513B96673}" dt="2020-04-18T14:22:14.399" v="1650" actId="1076"/>
+          <ac:spMkLst>
+            <pc:docMk/>
+            <pc:sldMk cId="1832249273" sldId="279"/>
+            <ac:spMk id="22" creationId="{A9ACD80D-6182-4A56-A569-0AE9ACD786C7}"/>
+          </ac:spMkLst>
+        </pc:spChg>
+        <pc:picChg chg="add del mod">
+          <ac:chgData name="abdulilah.q@outlook.com" userId="e558258b1f0d0369" providerId="LiveId" clId="{BECE3EA7-29FD-435D-BC21-618513B96673}" dt="2020-04-18T13:42:03.118" v="1096" actId="478"/>
+          <ac:picMkLst>
+            <pc:docMk/>
+            <pc:sldMk cId="1832249273" sldId="279"/>
+            <ac:picMk id="8" creationId="{61D57E6F-8A27-40DE-8E0F-F5A3CCC79873}"/>
+          </ac:picMkLst>
+        </pc:picChg>
+        <pc:picChg chg="add del mod">
+          <ac:chgData name="abdulilah.q@outlook.com" userId="e558258b1f0d0369" providerId="LiveId" clId="{BECE3EA7-29FD-435D-BC21-618513B96673}" dt="2020-04-18T13:42:13.796" v="1100" actId="478"/>
+          <ac:picMkLst>
+            <pc:docMk/>
+            <pc:sldMk cId="1832249273" sldId="279"/>
+            <ac:picMk id="10" creationId="{266E6A2A-CBC9-4C13-942C-06F6719AC2AB}"/>
+          </ac:picMkLst>
+        </pc:picChg>
+        <pc:picChg chg="add del mod">
+          <ac:chgData name="abdulilah.q@outlook.com" userId="e558258b1f0d0369" providerId="LiveId" clId="{BECE3EA7-29FD-435D-BC21-618513B96673}" dt="2020-04-18T13:42:24.435" v="1102" actId="478"/>
+          <ac:picMkLst>
+            <pc:docMk/>
+            <pc:sldMk cId="1832249273" sldId="279"/>
+            <ac:picMk id="12" creationId="{67766FA6-1ACB-407B-9DE6-F5AF463FF9A8}"/>
+          </ac:picMkLst>
+        </pc:picChg>
+        <pc:picChg chg="add del mod">
+          <ac:chgData name="abdulilah.q@outlook.com" userId="e558258b1f0d0369" providerId="LiveId" clId="{BECE3EA7-29FD-435D-BC21-618513B96673}" dt="2020-04-18T13:42:32.433" v="1104" actId="478"/>
+          <ac:picMkLst>
+            <pc:docMk/>
+            <pc:sldMk cId="1832249273" sldId="279"/>
+            <ac:picMk id="14" creationId="{BC5C4348-3AB0-441B-A5A9-919D9846FD8F}"/>
+          </ac:picMkLst>
+        </pc:picChg>
+        <pc:picChg chg="add mod">
+          <ac:chgData name="abdulilah.q@outlook.com" userId="e558258b1f0d0369" providerId="LiveId" clId="{BECE3EA7-29FD-435D-BC21-618513B96673}" dt="2020-04-18T14:22:50.417" v="1654" actId="1076"/>
+          <ac:picMkLst>
+            <pc:docMk/>
+            <pc:sldMk cId="1832249273" sldId="279"/>
+            <ac:picMk id="16" creationId="{33A5AA60-1D84-41C9-9BA1-4593C03C69D6}"/>
+          </ac:picMkLst>
+        </pc:picChg>
+        <pc:picChg chg="add del mod">
+          <ac:chgData name="abdulilah.q@outlook.com" userId="e558258b1f0d0369" providerId="LiveId" clId="{BECE3EA7-29FD-435D-BC21-618513B96673}" dt="2020-04-18T13:48:09.296" v="1121" actId="478"/>
+          <ac:picMkLst>
+            <pc:docMk/>
+            <pc:sldMk cId="1832249273" sldId="279"/>
+            <ac:picMk id="18" creationId="{E865B04F-1A8A-4EB7-BBC4-D275165DC707}"/>
+          </ac:picMkLst>
+        </pc:picChg>
+        <pc:picChg chg="add del mod">
+          <ac:chgData name="abdulilah.q@outlook.com" userId="e558258b1f0d0369" providerId="LiveId" clId="{BECE3EA7-29FD-435D-BC21-618513B96673}" dt="2020-04-18T14:03:47.404" v="1380" actId="478"/>
+          <ac:picMkLst>
+            <pc:docMk/>
+            <pc:sldMk cId="1832249273" sldId="279"/>
+            <ac:picMk id="20" creationId="{C7B83872-D236-4F90-AF67-48CB43451C1D}"/>
+          </ac:picMkLst>
+        </pc:picChg>
+      </pc:sldChg>
+      <pc:sldChg chg="addSp modSp new del">
+        <pc:chgData name="abdulilah.q@outlook.com" userId="e558258b1f0d0369" providerId="LiveId" clId="{BECE3EA7-29FD-435D-BC21-618513B96673}" dt="2020-04-18T13:39:48.832" v="1083" actId="2696"/>
+        <pc:sldMkLst>
+          <pc:docMk/>
+          <pc:sldMk cId="3119892951" sldId="279"/>
+        </pc:sldMkLst>
+        <pc:spChg chg="add">
+          <ac:chgData name="abdulilah.q@outlook.com" userId="e558258b1f0d0369" providerId="LiveId" clId="{BECE3EA7-29FD-435D-BC21-618513B96673}" dt="2020-04-18T13:35:09.034" v="1076"/>
+          <ac:spMkLst>
+            <pc:docMk/>
+            <pc:sldMk cId="3119892951" sldId="279"/>
+            <ac:spMk id="2" creationId="{94BC8D58-7ED8-425D-BE18-B6C4AFC65C33}"/>
+          </ac:spMkLst>
+        </pc:spChg>
+        <pc:spChg chg="add mod">
+          <ac:chgData name="abdulilah.q@outlook.com" userId="e558258b1f0d0369" providerId="LiveId" clId="{BECE3EA7-29FD-435D-BC21-618513B96673}" dt="2020-04-18T13:35:37.045" v="1078"/>
+          <ac:spMkLst>
+            <pc:docMk/>
+            <pc:sldMk cId="3119892951" sldId="279"/>
+            <ac:spMk id="3" creationId="{899054EC-7345-42B6-9A48-6905B5036231}"/>
+          </ac:spMkLst>
+        </pc:spChg>
+        <pc:spChg chg="add">
+          <ac:chgData name="abdulilah.q@outlook.com" userId="e558258b1f0d0369" providerId="LiveId" clId="{BECE3EA7-29FD-435D-BC21-618513B96673}" dt="2020-04-18T13:35:53.724" v="1079"/>
+          <ac:spMkLst>
+            <pc:docMk/>
+            <pc:sldMk cId="3119892951" sldId="279"/>
+            <ac:spMk id="4" creationId="{2A0ABE53-9C12-4509-A26D-90D5A25A880B}"/>
+          </ac:spMkLst>
+        </pc:spChg>
+        <pc:picChg chg="add mod">
+          <ac:chgData name="abdulilah.q@outlook.com" userId="e558258b1f0d0369" providerId="LiveId" clId="{BECE3EA7-29FD-435D-BC21-618513B96673}" dt="2020-04-18T13:39:48.278" v="1082" actId="962"/>
+          <ac:picMkLst>
+            <pc:docMk/>
+            <pc:sldMk cId="3119892951" sldId="279"/>
+            <ac:picMk id="6" creationId="{F7F286EB-B429-47ED-918E-BF993B292E5C}"/>
+          </ac:picMkLst>
+        </pc:picChg>
+      </pc:sldChg>
+      <pc:sldChg chg="addSp delSp modSp new">
+        <pc:chgData name="abdulilah.q@outlook.com" userId="e558258b1f0d0369" providerId="LiveId" clId="{BECE3EA7-29FD-435D-BC21-618513B96673}" dt="2020-04-18T14:09:01.871" v="1637" actId="1076"/>
+        <pc:sldMkLst>
+          <pc:docMk/>
+          <pc:sldMk cId="3181983482" sldId="280"/>
+        </pc:sldMkLst>
+        <pc:spChg chg="del">
+          <ac:chgData name="abdulilah.q@outlook.com" userId="e558258b1f0d0369" providerId="LiveId" clId="{BECE3EA7-29FD-435D-BC21-618513B96673}" dt="2020-04-18T14:04:51.682" v="1383" actId="478"/>
+          <ac:spMkLst>
+            <pc:docMk/>
+            <pc:sldMk cId="3181983482" sldId="280"/>
+            <ac:spMk id="2" creationId="{E380A51C-2B42-44BF-BE5F-B6C2CAF2A06B}"/>
+          </ac:spMkLst>
+        </pc:spChg>
+        <pc:spChg chg="del">
+          <ac:chgData name="abdulilah.q@outlook.com" userId="e558258b1f0d0369" providerId="LiveId" clId="{BECE3EA7-29FD-435D-BC21-618513B96673}" dt="2020-04-18T14:04:51.682" v="1383" actId="478"/>
+          <ac:spMkLst>
+            <pc:docMk/>
+            <pc:sldMk cId="3181983482" sldId="280"/>
+            <ac:spMk id="3" creationId="{3BBD92CB-DB2A-463A-BFB9-113F3D736C3F}"/>
+          </ac:spMkLst>
+        </pc:spChg>
+        <pc:spChg chg="add del">
+          <ac:chgData name="abdulilah.q@outlook.com" userId="e558258b1f0d0369" providerId="LiveId" clId="{BECE3EA7-29FD-435D-BC21-618513B96673}" dt="2020-04-18T14:05:02.518" v="1385" actId="478"/>
+          <ac:spMkLst>
+            <pc:docMk/>
+            <pc:sldMk cId="3181983482" sldId="280"/>
+            <ac:spMk id="4" creationId="{3C14C1A8-AC16-42E9-BD68-E6D032D59315}"/>
+          </ac:spMkLst>
+        </pc:spChg>
+        <pc:spChg chg="add mod">
+          <ac:chgData name="abdulilah.q@outlook.com" userId="e558258b1f0d0369" providerId="LiveId" clId="{BECE3EA7-29FD-435D-BC21-618513B96673}" dt="2020-04-18T14:08:50.580" v="1633" actId="207"/>
+          <ac:spMkLst>
+            <pc:docMk/>
+            <pc:sldMk cId="3181983482" sldId="280"/>
+            <ac:spMk id="9" creationId="{65CDC8D2-6A7C-42FC-971C-97121B419DB8}"/>
+          </ac:spMkLst>
+        </pc:spChg>
+        <pc:picChg chg="add del mod">
+          <ac:chgData name="abdulilah.q@outlook.com" userId="e558258b1f0d0369" providerId="LiveId" clId="{BECE3EA7-29FD-435D-BC21-618513B96673}" dt="2020-04-18T14:07:26.536" v="1400" actId="478"/>
+          <ac:picMkLst>
+            <pc:docMk/>
+            <pc:sldMk cId="3181983482" sldId="280"/>
+            <ac:picMk id="6" creationId="{28E5112B-E089-4AA4-9832-F3898BB1C624}"/>
+          </ac:picMkLst>
+        </pc:picChg>
+        <pc:picChg chg="add mod ord">
+          <ac:chgData name="abdulilah.q@outlook.com" userId="e558258b1f0d0369" providerId="LiveId" clId="{BECE3EA7-29FD-435D-BC21-618513B96673}" dt="2020-04-18T14:09:01.871" v="1637" actId="1076"/>
+          <ac:picMkLst>
+            <pc:docMk/>
+            <pc:sldMk cId="3181983482" sldId="280"/>
+            <ac:picMk id="8" creationId="{FF2B49E0-7E09-4BFB-BB0B-558D6B060498}"/>
+          </ac:picMkLst>
+        </pc:picChg>
+      </pc:sldChg>
+    </pc:docChg>
+  </pc:docChgLst>
   <pc:docChgLst>
     <pc:chgData name="abdulilah.q@outlook.com" userId="e558258b1f0d0369" providerId="LiveId" clId="{ADA99D81-B028-4AD4-ABAA-0E952828D3D8}"/>
     <pc:docChg chg="undo custSel mod addSld modSld addMainMaster delMainMaster">
@@ -2267,7 +3691,7 @@
           <a:p>
             <a:fld id="{9184DA70-C731-4C70-880D-CCD4705E623C}" type="datetime1">
               <a:rPr lang="en-US" smtClean="0"/>
-              <a:t>4/17/2020</a:t>
+              <a:t>4/18/2020</a:t>
             </a:fld>
             <a:endParaRPr lang="en-US" dirty="0"/>
           </a:p>
@@ -2455,7 +3879,7 @@
           <a:p>
             <a:fld id="{B612A279-0833-481D-8C56-F67FD0AC6C50}" type="datetime1">
               <a:rPr lang="en-US" smtClean="0"/>
-              <a:t>4/17/2020</a:t>
+              <a:t>4/18/2020</a:t>
             </a:fld>
             <a:endParaRPr lang="en-US" dirty="0"/>
           </a:p>
@@ -2697,7 +4121,7 @@
           <a:p>
             <a:fld id="{6587DA83-5663-4C9C-B9AA-0B40A3DAFF81}" type="datetime1">
               <a:rPr lang="en-US" smtClean="0"/>
-              <a:t>4/17/2020</a:t>
+              <a:t>4/18/2020</a:t>
             </a:fld>
             <a:endParaRPr lang="en-US" dirty="0"/>
           </a:p>
@@ -2885,7 +4309,7 @@
           <a:p>
             <a:fld id="{4BE1D723-8F53-4F53-90B0-1982A396982E}" type="datetime1">
               <a:rPr lang="en-US" smtClean="0"/>
-              <a:t>4/17/2020</a:t>
+              <a:t>4/18/2020</a:t>
             </a:fld>
             <a:endParaRPr lang="en-US" dirty="0"/>
           </a:p>
@@ -3258,7 +4682,7 @@
           <a:p>
             <a:fld id="{97669AF7-7BEB-44E4-9852-375E34362B5B}" type="datetime1">
               <a:rPr lang="en-US" smtClean="0"/>
-              <a:t>4/17/2020</a:t>
+              <a:t>4/18/2020</a:t>
             </a:fld>
             <a:endParaRPr lang="en-US" dirty="0"/>
           </a:p>
@@ -3513,7 +4937,7 @@
           <a:p>
             <a:fld id="{BAAAC38D-0552-4C82-B593-E6124DFADBE2}" type="datetime1">
               <a:rPr lang="en-US" smtClean="0"/>
-              <a:t>4/17/2020</a:t>
+              <a:t>4/18/2020</a:t>
             </a:fld>
             <a:endParaRPr lang="en-US" dirty="0"/>
           </a:p>
@@ -3910,7 +5334,7 @@
           <a:p>
             <a:fld id="{D9DF0F1C-5577-4ACB-BB62-DF8F3C494C7E}" type="datetime1">
               <a:rPr lang="en-US" smtClean="0"/>
-              <a:t>4/17/2020</a:t>
+              <a:t>4/18/2020</a:t>
             </a:fld>
             <a:endParaRPr lang="en-US" dirty="0"/>
           </a:p>
@@ -4046,7 +5470,7 @@
           <a:p>
             <a:fld id="{1775B394-D9F9-4F0C-B15D-605F45CB9E9F}" type="datetime1">
               <a:rPr lang="en-US" smtClean="0"/>
-              <a:t>4/17/2020</a:t>
+              <a:t>4/18/2020</a:t>
             </a:fld>
             <a:endParaRPr lang="en-US" dirty="0"/>
           </a:p>
@@ -4203,7 +5627,7 @@
           <a:p>
             <a:fld id="{39667345-2558-425A-8533-9BFDBCE15005}" type="datetime1">
               <a:rPr lang="en-US" smtClean="0"/>
-              <a:t>4/17/2020</a:t>
+              <a:t>4/18/2020</a:t>
             </a:fld>
             <a:endParaRPr lang="en-US" dirty="0"/>
           </a:p>
@@ -4532,7 +5956,7 @@
           <a:p>
             <a:fld id="{92BEA474-078D-4E9B-9B14-09A87B19DC46}" type="datetime1">
               <a:rPr lang="en-US" smtClean="0"/>
-              <a:t>4/17/2020</a:t>
+              <a:t>4/18/2020</a:t>
             </a:fld>
             <a:endParaRPr lang="en-US" dirty="0"/>
           </a:p>
@@ -4882,7 +6306,7 @@
           <a:p>
             <a:fld id="{4907D986-8816-4272-A432-0437A28A9828}" type="datetime1">
               <a:rPr lang="en-US" smtClean="0"/>
-              <a:t>4/17/2020</a:t>
+              <a:t>4/18/2020</a:t>
             </a:fld>
             <a:endParaRPr lang="en-US" dirty="0"/>
           </a:p>
@@ -5143,7 +6567,7 @@
           <a:p>
             <a:fld id="{62D6E202-B606-4609-B914-27C9371A1F6D}" type="datetime1">
               <a:rPr lang="en-US" smtClean="0"/>
-              <a:t>4/17/2020</a:t>
+              <a:t>4/18/2020</a:t>
             </a:fld>
             <a:endParaRPr lang="en-US" dirty="0"/>
           </a:p>
@@ -7585,7 +9009,7 @@
                 <a:latin typeface="Arial" panose="020B0604020202020204" pitchFamily="34" charset="0"/>
                 <a:cs typeface="Arial" panose="020B0604020202020204" pitchFamily="34" charset="0"/>
               </a:rPr>
-              <a:t>Introduction To SATS</a:t>
+              <a:t> Future Work And Conclusion</a:t>
             </a:r>
           </a:p>
         </p:txBody>
@@ -8911,12 +10335,15 @@
         </p:nvSpPr>
         <p:spPr>
           <a:xfrm>
-            <a:off x="3196206" y="1"/>
-            <a:ext cx="8995794" cy="6858000"/>
-          </a:xfrm>
-          <a:prstGeom prst="rect">
-            <a:avLst/>
-          </a:prstGeom>
+            <a:off x="3196206" y="0"/>
+            <a:ext cx="9078344" cy="6858000"/>
+          </a:xfrm>
+          <a:prstGeom prst="rect">
+            <a:avLst/>
+          </a:prstGeom>
+          <a:solidFill>
+            <a:schemeClr val="bg1"/>
+          </a:solidFill>
         </p:spPr>
         <p:style>
           <a:lnRef idx="2">
@@ -8939,7 +10366,7 @@
           <a:lstStyle/>
           <a:p>
             <a:pPr algn="ctr"/>
-            <a:endParaRPr lang="en-US"/>
+            <a:endParaRPr lang="en-US" dirty="0"/>
           </a:p>
         </p:txBody>
       </p:sp>
@@ -9116,36 +10543,968 @@
           </a:prstGeom>
         </p:spPr>
       </p:pic>
-      <p:pic>
-        <p:nvPicPr>
-          <p:cNvPr id="9" name="Picture 8">
-            <a:extLst>
-              <a:ext uri="{FF2B5EF4-FFF2-40B4-BE49-F238E27FC236}">
-                <a16:creationId xmlns:a16="http://schemas.microsoft.com/office/drawing/2014/main" id="{00165DE0-7113-4FDF-92C0-039C630900BC}"/>
-              </a:ext>
-            </a:extLst>
-          </p:cNvPr>
-          <p:cNvPicPr>
-            <a:picLocks noChangeAspect="1"/>
-          </p:cNvPicPr>
-          <p:nvPr/>
-        </p:nvPicPr>
-        <p:blipFill>
-          <a:blip r:embed="rId3"/>
-          <a:stretch>
-            <a:fillRect/>
-          </a:stretch>
-        </p:blipFill>
-        <p:spPr>
-          <a:xfrm>
-            <a:off x="3196206" y="0"/>
-            <a:ext cx="8995793" cy="6857999"/>
-          </a:xfrm>
-          <a:prstGeom prst="rect">
-            <a:avLst/>
-          </a:prstGeom>
-        </p:spPr>
-      </p:pic>
+      <p:sp>
+        <p:nvSpPr>
+          <p:cNvPr id="3" name="Oval 2">
+            <a:extLst>
+              <a:ext uri="{FF2B5EF4-FFF2-40B4-BE49-F238E27FC236}">
+                <a16:creationId xmlns:a16="http://schemas.microsoft.com/office/drawing/2014/main" id="{337DD296-0257-476A-9F02-72B736EEDE40}"/>
+              </a:ext>
+            </a:extLst>
+          </p:cNvPr>
+          <p:cNvSpPr/>
+          <p:nvPr/>
+        </p:nvSpPr>
+        <p:spPr>
+          <a:xfrm>
+            <a:off x="6490283" y="234892"/>
+            <a:ext cx="2371287" cy="545284"/>
+          </a:xfrm>
+          <a:prstGeom prst="ellipse">
+            <a:avLst/>
+          </a:prstGeom>
+          <a:solidFill>
+            <a:schemeClr val="bg1"/>
+          </a:solidFill>
+          <a:ln>
+            <a:solidFill>
+              <a:schemeClr val="tx1"/>
+            </a:solidFill>
+          </a:ln>
+        </p:spPr>
+        <p:style>
+          <a:lnRef idx="2">
+            <a:schemeClr val="accent1">
+              <a:shade val="50000"/>
+            </a:schemeClr>
+          </a:lnRef>
+          <a:fillRef idx="1">
+            <a:schemeClr val="accent1"/>
+          </a:fillRef>
+          <a:effectRef idx="0">
+            <a:schemeClr val="accent1"/>
+          </a:effectRef>
+          <a:fontRef idx="minor">
+            <a:schemeClr val="lt1"/>
+          </a:fontRef>
+        </p:style>
+        <p:txBody>
+          <a:bodyPr rtlCol="0" anchor="ctr"/>
+          <a:lstStyle/>
+          <a:p>
+            <a:pPr algn="ctr"/>
+            <a:r>
+              <a:rPr lang="en-US" sz="1200" dirty="0">
+                <a:solidFill>
+                  <a:schemeClr val="tx1"/>
+                </a:solidFill>
+                <a:latin typeface="Arial" panose="020B0604020202020204" pitchFamily="34" charset="0"/>
+                <a:cs typeface="Arial" panose="020B0604020202020204" pitchFamily="34" charset="0"/>
+              </a:rPr>
+              <a:t>Start check(String ID)</a:t>
+            </a:r>
+          </a:p>
+        </p:txBody>
+      </p:sp>
+      <p:cxnSp>
+        <p:nvCxnSpPr>
+          <p:cNvPr id="10" name="Straight Arrow Connector 9">
+            <a:extLst>
+              <a:ext uri="{FF2B5EF4-FFF2-40B4-BE49-F238E27FC236}">
+                <a16:creationId xmlns:a16="http://schemas.microsoft.com/office/drawing/2014/main" id="{BA244EF4-84B7-40FD-A135-B724F5C02C91}"/>
+              </a:ext>
+            </a:extLst>
+          </p:cNvPr>
+          <p:cNvCxnSpPr>
+            <a:cxnSpLocks/>
+          </p:cNvCxnSpPr>
+          <p:nvPr/>
+        </p:nvCxnSpPr>
+        <p:spPr>
+          <a:xfrm>
+            <a:off x="7675927" y="780176"/>
+            <a:ext cx="0" cy="352338"/>
+          </a:xfrm>
+          <a:prstGeom prst="straightConnector1">
+            <a:avLst/>
+          </a:prstGeom>
+          <a:ln>
+            <a:tailEnd type="triangle"/>
+          </a:ln>
+        </p:spPr>
+        <p:style>
+          <a:lnRef idx="1">
+            <a:schemeClr val="dk1"/>
+          </a:lnRef>
+          <a:fillRef idx="0">
+            <a:schemeClr val="dk1"/>
+          </a:fillRef>
+          <a:effectRef idx="0">
+            <a:schemeClr val="dk1"/>
+          </a:effectRef>
+          <a:fontRef idx="minor">
+            <a:schemeClr val="tx1"/>
+          </a:fontRef>
+        </p:style>
+      </p:cxnSp>
+      <p:sp>
+        <p:nvSpPr>
+          <p:cNvPr id="12" name="Rectangle 11">
+            <a:extLst>
+              <a:ext uri="{FF2B5EF4-FFF2-40B4-BE49-F238E27FC236}">
+                <a16:creationId xmlns:a16="http://schemas.microsoft.com/office/drawing/2014/main" id="{D3490677-773E-4356-9A84-2AEAFB591C1D}"/>
+              </a:ext>
+            </a:extLst>
+          </p:cNvPr>
+          <p:cNvSpPr/>
+          <p:nvPr/>
+        </p:nvSpPr>
+        <p:spPr>
+          <a:xfrm>
+            <a:off x="5240673" y="1132514"/>
+            <a:ext cx="4870505" cy="545284"/>
+          </a:xfrm>
+          <a:prstGeom prst="rect">
+            <a:avLst/>
+          </a:prstGeom>
+          <a:solidFill>
+            <a:schemeClr val="bg1"/>
+          </a:solidFill>
+          <a:ln>
+            <a:solidFill>
+              <a:schemeClr val="tx1"/>
+            </a:solidFill>
+          </a:ln>
+        </p:spPr>
+        <p:style>
+          <a:lnRef idx="2">
+            <a:schemeClr val="dk1">
+              <a:shade val="50000"/>
+            </a:schemeClr>
+          </a:lnRef>
+          <a:fillRef idx="1">
+            <a:schemeClr val="dk1"/>
+          </a:fillRef>
+          <a:effectRef idx="0">
+            <a:schemeClr val="dk1"/>
+          </a:effectRef>
+          <a:fontRef idx="minor">
+            <a:schemeClr val="lt1"/>
+          </a:fontRef>
+        </p:style>
+        <p:txBody>
+          <a:bodyPr rtlCol="0" anchor="ctr"/>
+          <a:lstStyle/>
+          <a:p>
+            <a:pPr algn="ctr"/>
+            <a:r>
+              <a:rPr lang="en-US" sz="1200" dirty="0">
+                <a:solidFill>
+                  <a:schemeClr val="tx1"/>
+                </a:solidFill>
+                <a:latin typeface="Arial" panose="020B0604020202020204" pitchFamily="34" charset="0"/>
+                <a:cs typeface="Arial" panose="020B0604020202020204" pitchFamily="34" charset="0"/>
+              </a:rPr>
+              <a:t>ResultSet q=stmtatment.executeQuery(“SELECT id FROM student”);</a:t>
+            </a:r>
+          </a:p>
+        </p:txBody>
+      </p:sp>
+      <p:cxnSp>
+        <p:nvCxnSpPr>
+          <p:cNvPr id="14" name="Straight Arrow Connector 13">
+            <a:extLst>
+              <a:ext uri="{FF2B5EF4-FFF2-40B4-BE49-F238E27FC236}">
+                <a16:creationId xmlns:a16="http://schemas.microsoft.com/office/drawing/2014/main" id="{186A7BB7-C55F-4209-8D8B-9495CA19DAC4}"/>
+              </a:ext>
+            </a:extLst>
+          </p:cNvPr>
+          <p:cNvCxnSpPr>
+            <a:stCxn id="12" idx="2"/>
+          </p:cNvCxnSpPr>
+          <p:nvPr/>
+        </p:nvCxnSpPr>
+        <p:spPr>
+          <a:xfrm flipH="1">
+            <a:off x="7675925" y="1677798"/>
+            <a:ext cx="1" cy="352338"/>
+          </a:xfrm>
+          <a:prstGeom prst="straightConnector1">
+            <a:avLst/>
+          </a:prstGeom>
+          <a:ln>
+            <a:tailEnd type="triangle"/>
+          </a:ln>
+        </p:spPr>
+        <p:style>
+          <a:lnRef idx="1">
+            <a:schemeClr val="dk1"/>
+          </a:lnRef>
+          <a:fillRef idx="0">
+            <a:schemeClr val="dk1"/>
+          </a:fillRef>
+          <a:effectRef idx="0">
+            <a:schemeClr val="dk1"/>
+          </a:effectRef>
+          <a:fontRef idx="minor">
+            <a:schemeClr val="tx1"/>
+          </a:fontRef>
+        </p:style>
+      </p:cxnSp>
+      <p:sp>
+        <p:nvSpPr>
+          <p:cNvPr id="15" name="Diamond 14">
+            <a:extLst>
+              <a:ext uri="{FF2B5EF4-FFF2-40B4-BE49-F238E27FC236}">
+                <a16:creationId xmlns:a16="http://schemas.microsoft.com/office/drawing/2014/main" id="{46243D71-70C8-4023-B31E-743B368EFD73}"/>
+              </a:ext>
+            </a:extLst>
+          </p:cNvPr>
+          <p:cNvSpPr/>
+          <p:nvPr/>
+        </p:nvSpPr>
+        <p:spPr>
+          <a:xfrm>
+            <a:off x="6946505" y="2040717"/>
+            <a:ext cx="1458839" cy="923330"/>
+          </a:xfrm>
+          <a:prstGeom prst="diamond">
+            <a:avLst/>
+          </a:prstGeom>
+          <a:solidFill>
+            <a:schemeClr val="bg1"/>
+          </a:solidFill>
+          <a:ln>
+            <a:solidFill>
+              <a:schemeClr val="tx1"/>
+            </a:solidFill>
+          </a:ln>
+        </p:spPr>
+        <p:style>
+          <a:lnRef idx="2">
+            <a:schemeClr val="accent1">
+              <a:shade val="50000"/>
+            </a:schemeClr>
+          </a:lnRef>
+          <a:fillRef idx="1">
+            <a:schemeClr val="accent1"/>
+          </a:fillRef>
+          <a:effectRef idx="0">
+            <a:schemeClr val="accent1"/>
+          </a:effectRef>
+          <a:fontRef idx="minor">
+            <a:schemeClr val="lt1"/>
+          </a:fontRef>
+        </p:style>
+        <p:txBody>
+          <a:bodyPr rtlCol="0" anchor="ctr"/>
+          <a:lstStyle/>
+          <a:p>
+            <a:pPr algn="ctr"/>
+            <a:r>
+              <a:rPr lang="en-US" sz="1200" dirty="0">
+                <a:solidFill>
+                  <a:schemeClr val="tx1"/>
+                </a:solidFill>
+                <a:latin typeface="Arial" panose="020B0604020202020204" pitchFamily="34" charset="0"/>
+                <a:cs typeface="Arial" panose="020B0604020202020204" pitchFamily="34" charset="0"/>
+              </a:rPr>
+              <a:t>q.next()</a:t>
+            </a:r>
+          </a:p>
+        </p:txBody>
+      </p:sp>
+      <p:cxnSp>
+        <p:nvCxnSpPr>
+          <p:cNvPr id="17" name="Straight Arrow Connector 16">
+            <a:extLst>
+              <a:ext uri="{FF2B5EF4-FFF2-40B4-BE49-F238E27FC236}">
+                <a16:creationId xmlns:a16="http://schemas.microsoft.com/office/drawing/2014/main" id="{F0C2F2B3-7B0A-47D5-AC5E-C00390D962B5}"/>
+              </a:ext>
+            </a:extLst>
+          </p:cNvPr>
+          <p:cNvCxnSpPr>
+            <a:cxnSpLocks/>
+          </p:cNvCxnSpPr>
+          <p:nvPr/>
+        </p:nvCxnSpPr>
+        <p:spPr>
+          <a:xfrm>
+            <a:off x="7675924" y="2974628"/>
+            <a:ext cx="0" cy="331990"/>
+          </a:xfrm>
+          <a:prstGeom prst="straightConnector1">
+            <a:avLst/>
+          </a:prstGeom>
+          <a:ln>
+            <a:tailEnd type="triangle"/>
+          </a:ln>
+        </p:spPr>
+        <p:style>
+          <a:lnRef idx="1">
+            <a:schemeClr val="dk1"/>
+          </a:lnRef>
+          <a:fillRef idx="0">
+            <a:schemeClr val="dk1"/>
+          </a:fillRef>
+          <a:effectRef idx="0">
+            <a:schemeClr val="dk1"/>
+          </a:effectRef>
+          <a:fontRef idx="minor">
+            <a:schemeClr val="tx1"/>
+          </a:fontRef>
+        </p:style>
+      </p:cxnSp>
+      <p:sp>
+        <p:nvSpPr>
+          <p:cNvPr id="19" name="Diamond 18">
+            <a:extLst>
+              <a:ext uri="{FF2B5EF4-FFF2-40B4-BE49-F238E27FC236}">
+                <a16:creationId xmlns:a16="http://schemas.microsoft.com/office/drawing/2014/main" id="{FCEDC7B3-4556-47D6-A551-6F2FA286EC3A}"/>
+              </a:ext>
+            </a:extLst>
+          </p:cNvPr>
+          <p:cNvSpPr/>
+          <p:nvPr/>
+        </p:nvSpPr>
+        <p:spPr>
+          <a:xfrm>
+            <a:off x="6946504" y="3298818"/>
+            <a:ext cx="1458839" cy="923330"/>
+          </a:xfrm>
+          <a:prstGeom prst="diamond">
+            <a:avLst/>
+          </a:prstGeom>
+          <a:solidFill>
+            <a:schemeClr val="bg1"/>
+          </a:solidFill>
+          <a:ln>
+            <a:solidFill>
+              <a:schemeClr val="tx1"/>
+            </a:solidFill>
+          </a:ln>
+        </p:spPr>
+        <p:style>
+          <a:lnRef idx="2">
+            <a:schemeClr val="accent1">
+              <a:shade val="50000"/>
+            </a:schemeClr>
+          </a:lnRef>
+          <a:fillRef idx="1">
+            <a:schemeClr val="accent1"/>
+          </a:fillRef>
+          <a:effectRef idx="0">
+            <a:schemeClr val="accent1"/>
+          </a:effectRef>
+          <a:fontRef idx="minor">
+            <a:schemeClr val="lt1"/>
+          </a:fontRef>
+        </p:style>
+        <p:txBody>
+          <a:bodyPr rtlCol="0" anchor="ctr"/>
+          <a:lstStyle/>
+          <a:p>
+            <a:pPr algn="ctr"/>
+            <a:endParaRPr lang="en-US" sz="1200" dirty="0">
+              <a:solidFill>
+                <a:schemeClr val="tx1"/>
+              </a:solidFill>
+              <a:latin typeface="Arial" panose="020B0604020202020204" pitchFamily="34" charset="0"/>
+              <a:cs typeface="Arial" panose="020B0604020202020204" pitchFamily="34" charset="0"/>
+            </a:endParaRPr>
+          </a:p>
+        </p:txBody>
+      </p:sp>
+      <p:sp>
+        <p:nvSpPr>
+          <p:cNvPr id="20" name="TextBox 19">
+            <a:extLst>
+              <a:ext uri="{FF2B5EF4-FFF2-40B4-BE49-F238E27FC236}">
+                <a16:creationId xmlns:a16="http://schemas.microsoft.com/office/drawing/2014/main" id="{C892AE23-D991-4C4E-A30B-5039552E7253}"/>
+              </a:ext>
+            </a:extLst>
+          </p:cNvPr>
+          <p:cNvSpPr txBox="1"/>
+          <p:nvPr/>
+        </p:nvSpPr>
+        <p:spPr>
+          <a:xfrm>
+            <a:off x="7142430" y="3616915"/>
+            <a:ext cx="1103344" cy="276999"/>
+          </a:xfrm>
+          <a:prstGeom prst="rect">
+            <a:avLst/>
+          </a:prstGeom>
+          <a:noFill/>
+        </p:spPr>
+        <p:txBody>
+          <a:bodyPr wrap="square" rtlCol="0">
+            <a:spAutoFit/>
+          </a:bodyPr>
+          <a:lstStyle/>
+          <a:p>
+            <a:pPr algn="ctr"/>
+            <a:r>
+              <a:rPr lang="en-US" sz="1200" dirty="0">
+                <a:latin typeface="Arial" panose="020B0604020202020204" pitchFamily="34" charset="0"/>
+                <a:cs typeface="Arial" panose="020B0604020202020204" pitchFamily="34" charset="0"/>
+              </a:rPr>
+              <a:t>DBid==ID</a:t>
+            </a:r>
+          </a:p>
+        </p:txBody>
+      </p:sp>
+      <p:sp>
+        <p:nvSpPr>
+          <p:cNvPr id="21" name="TextBox 20">
+            <a:extLst>
+              <a:ext uri="{FF2B5EF4-FFF2-40B4-BE49-F238E27FC236}">
+                <a16:creationId xmlns:a16="http://schemas.microsoft.com/office/drawing/2014/main" id="{D4189664-EEEC-4EF7-B2AE-FCBCD8B80276}"/>
+              </a:ext>
+            </a:extLst>
+          </p:cNvPr>
+          <p:cNvSpPr txBox="1"/>
+          <p:nvPr/>
+        </p:nvSpPr>
+        <p:spPr>
+          <a:xfrm>
+            <a:off x="7866463" y="2980080"/>
+            <a:ext cx="831130" cy="276999"/>
+          </a:xfrm>
+          <a:prstGeom prst="rect">
+            <a:avLst/>
+          </a:prstGeom>
+          <a:noFill/>
+        </p:spPr>
+        <p:txBody>
+          <a:bodyPr wrap="square" rtlCol="0">
+            <a:spAutoFit/>
+          </a:bodyPr>
+          <a:lstStyle/>
+          <a:p>
+            <a:r>
+              <a:rPr lang="en-US" sz="1200" dirty="0">
+                <a:latin typeface="Arial" panose="020B0604020202020204" pitchFamily="34" charset="0"/>
+                <a:cs typeface="Arial" panose="020B0604020202020204" pitchFamily="34" charset="0"/>
+              </a:rPr>
+              <a:t>True</a:t>
+            </a:r>
+          </a:p>
+        </p:txBody>
+      </p:sp>
+      <p:sp>
+        <p:nvSpPr>
+          <p:cNvPr id="22" name="TextBox 21">
+            <a:extLst>
+              <a:ext uri="{FF2B5EF4-FFF2-40B4-BE49-F238E27FC236}">
+                <a16:creationId xmlns:a16="http://schemas.microsoft.com/office/drawing/2014/main" id="{4F5651DF-E1F2-4212-9D62-007159041FBC}"/>
+              </a:ext>
+            </a:extLst>
+          </p:cNvPr>
+          <p:cNvSpPr txBox="1"/>
+          <p:nvPr/>
+        </p:nvSpPr>
+        <p:spPr>
+          <a:xfrm>
+            <a:off x="8648238" y="3865290"/>
+            <a:ext cx="831130" cy="276999"/>
+          </a:xfrm>
+          <a:prstGeom prst="rect">
+            <a:avLst/>
+          </a:prstGeom>
+          <a:noFill/>
+        </p:spPr>
+        <p:txBody>
+          <a:bodyPr wrap="square" rtlCol="0">
+            <a:spAutoFit/>
+          </a:bodyPr>
+          <a:lstStyle/>
+          <a:p>
+            <a:r>
+              <a:rPr lang="en-US" sz="1200" dirty="0">
+                <a:latin typeface="Arial" panose="020B0604020202020204" pitchFamily="34" charset="0"/>
+                <a:cs typeface="Arial" panose="020B0604020202020204" pitchFamily="34" charset="0"/>
+              </a:rPr>
+              <a:t>False</a:t>
+            </a:r>
+          </a:p>
+        </p:txBody>
+      </p:sp>
+      <p:cxnSp>
+        <p:nvCxnSpPr>
+          <p:cNvPr id="27" name="Straight Connector 26">
+            <a:extLst>
+              <a:ext uri="{FF2B5EF4-FFF2-40B4-BE49-F238E27FC236}">
+                <a16:creationId xmlns:a16="http://schemas.microsoft.com/office/drawing/2014/main" id="{9BE393C0-FA19-4543-ACCF-1307D26397C9}"/>
+              </a:ext>
+            </a:extLst>
+          </p:cNvPr>
+          <p:cNvCxnSpPr>
+            <a:cxnSpLocks/>
+          </p:cNvCxnSpPr>
+          <p:nvPr/>
+        </p:nvCxnSpPr>
+        <p:spPr>
+          <a:xfrm>
+            <a:off x="8405343" y="3755414"/>
+            <a:ext cx="1074025" cy="0"/>
+          </a:xfrm>
+          <a:prstGeom prst="line">
+            <a:avLst/>
+          </a:prstGeom>
+        </p:spPr>
+        <p:style>
+          <a:lnRef idx="1">
+            <a:schemeClr val="dk1"/>
+          </a:lnRef>
+          <a:fillRef idx="0">
+            <a:schemeClr val="dk1"/>
+          </a:fillRef>
+          <a:effectRef idx="0">
+            <a:schemeClr val="dk1"/>
+          </a:effectRef>
+          <a:fontRef idx="minor">
+            <a:schemeClr val="tx1"/>
+          </a:fontRef>
+        </p:style>
+      </p:cxnSp>
+      <p:cxnSp>
+        <p:nvCxnSpPr>
+          <p:cNvPr id="29" name="Straight Connector 28">
+            <a:extLst>
+              <a:ext uri="{FF2B5EF4-FFF2-40B4-BE49-F238E27FC236}">
+                <a16:creationId xmlns:a16="http://schemas.microsoft.com/office/drawing/2014/main" id="{4CAB32B7-1318-4317-97F5-41882542749F}"/>
+              </a:ext>
+            </a:extLst>
+          </p:cNvPr>
+          <p:cNvCxnSpPr>
+            <a:cxnSpLocks/>
+          </p:cNvCxnSpPr>
+          <p:nvPr/>
+        </p:nvCxnSpPr>
+        <p:spPr>
+          <a:xfrm>
+            <a:off x="9479368" y="2501567"/>
+            <a:ext cx="0" cy="1255478"/>
+          </a:xfrm>
+          <a:prstGeom prst="line">
+            <a:avLst/>
+          </a:prstGeom>
+        </p:spPr>
+        <p:style>
+          <a:lnRef idx="1">
+            <a:schemeClr val="dk1"/>
+          </a:lnRef>
+          <a:fillRef idx="0">
+            <a:schemeClr val="dk1"/>
+          </a:fillRef>
+          <a:effectRef idx="0">
+            <a:schemeClr val="dk1"/>
+          </a:effectRef>
+          <a:fontRef idx="minor">
+            <a:schemeClr val="tx1"/>
+          </a:fontRef>
+        </p:style>
+      </p:cxnSp>
+      <p:cxnSp>
+        <p:nvCxnSpPr>
+          <p:cNvPr id="41" name="Straight Arrow Connector 40">
+            <a:extLst>
+              <a:ext uri="{FF2B5EF4-FFF2-40B4-BE49-F238E27FC236}">
+                <a16:creationId xmlns:a16="http://schemas.microsoft.com/office/drawing/2014/main" id="{1359D139-532F-4826-9D88-9C2C62248DEF}"/>
+              </a:ext>
+            </a:extLst>
+          </p:cNvPr>
+          <p:cNvCxnSpPr>
+            <a:cxnSpLocks/>
+            <a:endCxn id="15" idx="3"/>
+          </p:cNvCxnSpPr>
+          <p:nvPr/>
+        </p:nvCxnSpPr>
+        <p:spPr>
+          <a:xfrm flipH="1">
+            <a:off x="8405344" y="2502382"/>
+            <a:ext cx="1074024" cy="0"/>
+          </a:xfrm>
+          <a:prstGeom prst="straightConnector1">
+            <a:avLst/>
+          </a:prstGeom>
+          <a:ln>
+            <a:tailEnd type="triangle"/>
+          </a:ln>
+        </p:spPr>
+        <p:style>
+          <a:lnRef idx="1">
+            <a:schemeClr val="dk1"/>
+          </a:lnRef>
+          <a:fillRef idx="0">
+            <a:schemeClr val="dk1"/>
+          </a:fillRef>
+          <a:effectRef idx="0">
+            <a:schemeClr val="dk1"/>
+          </a:effectRef>
+          <a:fontRef idx="minor">
+            <a:schemeClr val="tx1"/>
+          </a:fontRef>
+        </p:style>
+      </p:cxnSp>
+      <p:sp>
+        <p:nvSpPr>
+          <p:cNvPr id="44" name="Rectangle: Rounded Corners 43">
+            <a:extLst>
+              <a:ext uri="{FF2B5EF4-FFF2-40B4-BE49-F238E27FC236}">
+                <a16:creationId xmlns:a16="http://schemas.microsoft.com/office/drawing/2014/main" id="{27E9E434-2DB1-4DCF-A200-5DACCA4305AF}"/>
+              </a:ext>
+            </a:extLst>
+          </p:cNvPr>
+          <p:cNvSpPr/>
+          <p:nvPr/>
+        </p:nvSpPr>
+        <p:spPr>
+          <a:xfrm>
+            <a:off x="6562045" y="4710094"/>
+            <a:ext cx="2227756" cy="403176"/>
+          </a:xfrm>
+          <a:prstGeom prst="roundRect">
+            <a:avLst/>
+          </a:prstGeom>
+          <a:solidFill>
+            <a:schemeClr val="bg1"/>
+          </a:solidFill>
+          <a:ln>
+            <a:solidFill>
+              <a:schemeClr val="tx1"/>
+            </a:solidFill>
+          </a:ln>
+        </p:spPr>
+        <p:style>
+          <a:lnRef idx="2">
+            <a:schemeClr val="accent1">
+              <a:shade val="50000"/>
+            </a:schemeClr>
+          </a:lnRef>
+          <a:fillRef idx="1">
+            <a:schemeClr val="accent1"/>
+          </a:fillRef>
+          <a:effectRef idx="0">
+            <a:schemeClr val="accent1"/>
+          </a:effectRef>
+          <a:fontRef idx="minor">
+            <a:schemeClr val="lt1"/>
+          </a:fontRef>
+        </p:style>
+        <p:txBody>
+          <a:bodyPr rtlCol="0" anchor="ctr"/>
+          <a:lstStyle/>
+          <a:p>
+            <a:pPr algn="ctr"/>
+            <a:r>
+              <a:rPr lang="en-US" sz="1200" dirty="0">
+                <a:solidFill>
+                  <a:schemeClr val="tx1"/>
+                </a:solidFill>
+                <a:latin typeface="Arial" panose="020B0604020202020204" pitchFamily="34" charset="0"/>
+                <a:cs typeface="Arial" panose="020B0604020202020204" pitchFamily="34" charset="0"/>
+              </a:rPr>
+              <a:t>Return True</a:t>
+            </a:r>
+          </a:p>
+        </p:txBody>
+      </p:sp>
+      <p:cxnSp>
+        <p:nvCxnSpPr>
+          <p:cNvPr id="46" name="Straight Arrow Connector 45">
+            <a:extLst>
+              <a:ext uri="{FF2B5EF4-FFF2-40B4-BE49-F238E27FC236}">
+                <a16:creationId xmlns:a16="http://schemas.microsoft.com/office/drawing/2014/main" id="{43C57FF4-DDB9-4B61-A819-084CBEAAAE1B}"/>
+              </a:ext>
+            </a:extLst>
+          </p:cNvPr>
+          <p:cNvCxnSpPr>
+            <a:cxnSpLocks/>
+            <a:stCxn id="19" idx="2"/>
+          </p:cNvCxnSpPr>
+          <p:nvPr/>
+        </p:nvCxnSpPr>
+        <p:spPr>
+          <a:xfrm flipH="1">
+            <a:off x="7675923" y="4222148"/>
+            <a:ext cx="1" cy="499297"/>
+          </a:xfrm>
+          <a:prstGeom prst="straightConnector1">
+            <a:avLst/>
+          </a:prstGeom>
+          <a:ln>
+            <a:tailEnd type="triangle"/>
+          </a:ln>
+        </p:spPr>
+        <p:style>
+          <a:lnRef idx="1">
+            <a:schemeClr val="dk1"/>
+          </a:lnRef>
+          <a:fillRef idx="0">
+            <a:schemeClr val="dk1"/>
+          </a:fillRef>
+          <a:effectRef idx="0">
+            <a:schemeClr val="dk1"/>
+          </a:effectRef>
+          <a:fontRef idx="minor">
+            <a:schemeClr val="tx1"/>
+          </a:fontRef>
+        </p:style>
+      </p:cxnSp>
+      <p:sp>
+        <p:nvSpPr>
+          <p:cNvPr id="48" name="TextBox 47">
+            <a:extLst>
+              <a:ext uri="{FF2B5EF4-FFF2-40B4-BE49-F238E27FC236}">
+                <a16:creationId xmlns:a16="http://schemas.microsoft.com/office/drawing/2014/main" id="{5FCD7223-4064-4860-9A06-A1952A47CC59}"/>
+              </a:ext>
+            </a:extLst>
+          </p:cNvPr>
+          <p:cNvSpPr txBox="1"/>
+          <p:nvPr/>
+        </p:nvSpPr>
+        <p:spPr>
+          <a:xfrm>
+            <a:off x="7866463" y="4287692"/>
+            <a:ext cx="831130" cy="276999"/>
+          </a:xfrm>
+          <a:prstGeom prst="rect">
+            <a:avLst/>
+          </a:prstGeom>
+          <a:noFill/>
+        </p:spPr>
+        <p:txBody>
+          <a:bodyPr wrap="square" rtlCol="0">
+            <a:spAutoFit/>
+          </a:bodyPr>
+          <a:lstStyle/>
+          <a:p>
+            <a:r>
+              <a:rPr lang="en-US" sz="1200" dirty="0">
+                <a:latin typeface="Arial" panose="020B0604020202020204" pitchFamily="34" charset="0"/>
+                <a:cs typeface="Arial" panose="020B0604020202020204" pitchFamily="34" charset="0"/>
+              </a:rPr>
+              <a:t>True</a:t>
+            </a:r>
+          </a:p>
+        </p:txBody>
+      </p:sp>
+      <p:sp>
+        <p:nvSpPr>
+          <p:cNvPr id="49" name="Oval 48">
+            <a:extLst>
+              <a:ext uri="{FF2B5EF4-FFF2-40B4-BE49-F238E27FC236}">
+                <a16:creationId xmlns:a16="http://schemas.microsoft.com/office/drawing/2014/main" id="{C2A7B09D-9F3E-47EC-8395-5C9D8E97E437}"/>
+              </a:ext>
+            </a:extLst>
+          </p:cNvPr>
+          <p:cNvSpPr/>
+          <p:nvPr/>
+        </p:nvSpPr>
+        <p:spPr>
+          <a:xfrm>
+            <a:off x="6873498" y="5639961"/>
+            <a:ext cx="1604850" cy="608300"/>
+          </a:xfrm>
+          <a:prstGeom prst="ellipse">
+            <a:avLst/>
+          </a:prstGeom>
+          <a:solidFill>
+            <a:schemeClr val="bg1"/>
+          </a:solidFill>
+          <a:ln>
+            <a:solidFill>
+              <a:schemeClr val="tx1"/>
+            </a:solidFill>
+          </a:ln>
+        </p:spPr>
+        <p:style>
+          <a:lnRef idx="2">
+            <a:schemeClr val="accent1">
+              <a:shade val="50000"/>
+            </a:schemeClr>
+          </a:lnRef>
+          <a:fillRef idx="1">
+            <a:schemeClr val="accent1"/>
+          </a:fillRef>
+          <a:effectRef idx="0">
+            <a:schemeClr val="accent1"/>
+          </a:effectRef>
+          <a:fontRef idx="minor">
+            <a:schemeClr val="lt1"/>
+          </a:fontRef>
+        </p:style>
+        <p:txBody>
+          <a:bodyPr rtlCol="0" anchor="ctr"/>
+          <a:lstStyle/>
+          <a:p>
+            <a:pPr algn="ctr"/>
+            <a:r>
+              <a:rPr lang="en-US" sz="1200" dirty="0">
+                <a:solidFill>
+                  <a:schemeClr val="tx1"/>
+                </a:solidFill>
+                <a:latin typeface="Arial" panose="020B0604020202020204" pitchFamily="34" charset="0"/>
+                <a:cs typeface="Arial" panose="020B0604020202020204" pitchFamily="34" charset="0"/>
+              </a:rPr>
+              <a:t>Return False</a:t>
+            </a:r>
+          </a:p>
+        </p:txBody>
+      </p:sp>
+      <p:cxnSp>
+        <p:nvCxnSpPr>
+          <p:cNvPr id="51" name="Straight Connector 50">
+            <a:extLst>
+              <a:ext uri="{FF2B5EF4-FFF2-40B4-BE49-F238E27FC236}">
+                <a16:creationId xmlns:a16="http://schemas.microsoft.com/office/drawing/2014/main" id="{5AF3C718-9B7E-4CB0-B1A7-5AC8269BB97D}"/>
+              </a:ext>
+            </a:extLst>
+          </p:cNvPr>
+          <p:cNvCxnSpPr/>
+          <p:nvPr/>
+        </p:nvCxnSpPr>
+        <p:spPr>
+          <a:xfrm flipH="1">
+            <a:off x="4442691" y="2500752"/>
+            <a:ext cx="2503813" cy="0"/>
+          </a:xfrm>
+          <a:prstGeom prst="line">
+            <a:avLst/>
+          </a:prstGeom>
+        </p:spPr>
+        <p:style>
+          <a:lnRef idx="1">
+            <a:schemeClr val="dk1"/>
+          </a:lnRef>
+          <a:fillRef idx="0">
+            <a:schemeClr val="dk1"/>
+          </a:fillRef>
+          <a:effectRef idx="0">
+            <a:schemeClr val="dk1"/>
+          </a:effectRef>
+          <a:fontRef idx="minor">
+            <a:schemeClr val="tx1"/>
+          </a:fontRef>
+        </p:style>
+      </p:cxnSp>
+      <p:sp>
+        <p:nvSpPr>
+          <p:cNvPr id="52" name="TextBox 51">
+            <a:extLst>
+              <a:ext uri="{FF2B5EF4-FFF2-40B4-BE49-F238E27FC236}">
+                <a16:creationId xmlns:a16="http://schemas.microsoft.com/office/drawing/2014/main" id="{9594BAF1-873E-4195-A63F-F9BDA5D132F2}"/>
+              </a:ext>
+            </a:extLst>
+          </p:cNvPr>
+          <p:cNvSpPr txBox="1"/>
+          <p:nvPr/>
+        </p:nvSpPr>
+        <p:spPr>
+          <a:xfrm>
+            <a:off x="4464023" y="2127442"/>
+            <a:ext cx="831130" cy="276999"/>
+          </a:xfrm>
+          <a:prstGeom prst="rect">
+            <a:avLst/>
+          </a:prstGeom>
+          <a:noFill/>
+        </p:spPr>
+        <p:txBody>
+          <a:bodyPr wrap="square" rtlCol="0">
+            <a:spAutoFit/>
+          </a:bodyPr>
+          <a:lstStyle/>
+          <a:p>
+            <a:r>
+              <a:rPr lang="en-US" sz="1200" dirty="0">
+                <a:latin typeface="Arial" panose="020B0604020202020204" pitchFamily="34" charset="0"/>
+                <a:cs typeface="Arial" panose="020B0604020202020204" pitchFamily="34" charset="0"/>
+              </a:rPr>
+              <a:t>False</a:t>
+            </a:r>
+          </a:p>
+        </p:txBody>
+      </p:sp>
+      <p:cxnSp>
+        <p:nvCxnSpPr>
+          <p:cNvPr id="54" name="Straight Connector 53">
+            <a:extLst>
+              <a:ext uri="{FF2B5EF4-FFF2-40B4-BE49-F238E27FC236}">
+                <a16:creationId xmlns:a16="http://schemas.microsoft.com/office/drawing/2014/main" id="{0EB3D5C9-FC9D-45C8-8997-13D35E5F5F7B}"/>
+              </a:ext>
+            </a:extLst>
+          </p:cNvPr>
+          <p:cNvCxnSpPr/>
+          <p:nvPr/>
+        </p:nvCxnSpPr>
+        <p:spPr>
+          <a:xfrm>
+            <a:off x="4442690" y="2500752"/>
+            <a:ext cx="0" cy="3443359"/>
+          </a:xfrm>
+          <a:prstGeom prst="line">
+            <a:avLst/>
+          </a:prstGeom>
+        </p:spPr>
+        <p:style>
+          <a:lnRef idx="1">
+            <a:schemeClr val="dk1"/>
+          </a:lnRef>
+          <a:fillRef idx="0">
+            <a:schemeClr val="dk1"/>
+          </a:fillRef>
+          <a:effectRef idx="0">
+            <a:schemeClr val="dk1"/>
+          </a:effectRef>
+          <a:fontRef idx="minor">
+            <a:schemeClr val="tx1"/>
+          </a:fontRef>
+        </p:style>
+      </p:cxnSp>
+      <p:cxnSp>
+        <p:nvCxnSpPr>
+          <p:cNvPr id="56" name="Straight Arrow Connector 55">
+            <a:extLst>
+              <a:ext uri="{FF2B5EF4-FFF2-40B4-BE49-F238E27FC236}">
+                <a16:creationId xmlns:a16="http://schemas.microsoft.com/office/drawing/2014/main" id="{9A4E5518-D03D-4242-831A-D2DD431F2949}"/>
+              </a:ext>
+            </a:extLst>
+          </p:cNvPr>
+          <p:cNvCxnSpPr>
+            <a:endCxn id="49" idx="2"/>
+          </p:cNvCxnSpPr>
+          <p:nvPr/>
+        </p:nvCxnSpPr>
+        <p:spPr>
+          <a:xfrm>
+            <a:off x="4442691" y="5944111"/>
+            <a:ext cx="2430807" cy="0"/>
+          </a:xfrm>
+          <a:prstGeom prst="straightConnector1">
+            <a:avLst/>
+          </a:prstGeom>
+          <a:ln>
+            <a:tailEnd type="triangle"/>
+          </a:ln>
+        </p:spPr>
+        <p:style>
+          <a:lnRef idx="1">
+            <a:schemeClr val="dk1"/>
+          </a:lnRef>
+          <a:fillRef idx="0">
+            <a:schemeClr val="dk1"/>
+          </a:fillRef>
+          <a:effectRef idx="0">
+            <a:schemeClr val="dk1"/>
+          </a:effectRef>
+          <a:fontRef idx="minor">
+            <a:schemeClr val="tx1"/>
+          </a:fontRef>
+        </p:style>
+      </p:cxnSp>
     </p:spTree>
     <p:extLst>
       <p:ext uri="{BB962C8B-B14F-4D97-AF65-F5344CB8AC3E}">
@@ -10297,7 +12656,7 @@
                 <a:latin typeface="Arial" panose="020B0604020202020204" pitchFamily="34" charset="0"/>
                 <a:cs typeface="Arial" panose="020B0604020202020204" pitchFamily="34" charset="0"/>
               </a:rPr>
-              <a:t>Introduction To SATS</a:t>
+              <a:t> Future Work And Conclusion</a:t>
             </a:r>
           </a:p>
         </p:txBody>
@@ -11390,7 +13749,7 @@
                 <a:latin typeface="Arial" panose="020B0604020202020204" pitchFamily="34" charset="0"/>
                 <a:cs typeface="Arial" panose="020B0604020202020204" pitchFamily="34" charset="0"/>
               </a:rPr>
-              <a:t>Introduction To SATS</a:t>
+              <a:t> Future Work And Conclusion</a:t>
             </a:r>
           </a:p>
         </p:txBody>
@@ -12119,13 +14478,8 @@
             </a:r>
             <a:r>
               <a:rPr lang="en-US" sz="2400" dirty="0"/>
-              <a:t> Hashem </a:t>
-            </a:r>
-            <a:r>
-              <a:rPr lang="en-US" sz="2400" dirty="0" err="1"/>
-              <a:t>Bajabaa</a:t>
-            </a:r>
-            <a:endParaRPr lang="en-US" sz="2400" dirty="0"/>
+              <a:t> Hashem Bajabaa</a:t>
+            </a:r>
           </a:p>
         </p:txBody>
       </p:sp>
@@ -12239,12 +14593,8 @@
               <a:t>Member </a:t>
             </a:r>
             <a:r>
-              <a:rPr lang="en-US" sz="2400" dirty="0" err="1"/>
-              <a:t>Abdulilah</a:t>
-            </a:r>
-            <a:r>
               <a:rPr lang="en-US" sz="2400" dirty="0"/>
-              <a:t> Alqasem</a:t>
+              <a:t>Abdulilah Alqasem</a:t>
             </a:r>
           </a:p>
         </p:txBody>
@@ -12293,13 +14643,8 @@
             </a:r>
             <a:r>
               <a:rPr lang="en-US" sz="2400" dirty="0"/>
-              <a:t>Mohammad </a:t>
-            </a:r>
-            <a:r>
-              <a:rPr lang="en-US" sz="2400" dirty="0" err="1"/>
-              <a:t>Zouman</a:t>
-            </a:r>
-            <a:endParaRPr lang="en-US" sz="2400" dirty="0"/>
+              <a:t>Mohammad Zouman</a:t>
+            </a:r>
           </a:p>
         </p:txBody>
       </p:sp>
@@ -12346,18 +14691,9 @@
               <a:t>Member </a:t>
             </a:r>
             <a:r>
-              <a:rPr lang="en-US" sz="2400" dirty="0" err="1"/>
-              <a:t>Abdulaziz</a:t>
-            </a:r>
-            <a:r>
               <a:rPr lang="en-US" sz="2400" dirty="0"/>
-              <a:t> </a:t>
-            </a:r>
-            <a:r>
-              <a:rPr lang="en-US" sz="2400" dirty="0" err="1"/>
-              <a:t>Aldukhaiel</a:t>
-            </a:r>
-            <a:endParaRPr lang="en-US" sz="2400" dirty="0"/>
+              <a:t>Abdulaziz Aldukhaiel</a:t>
+            </a:r>
           </a:p>
         </p:txBody>
       </p:sp>
@@ -12405,13 +14741,8 @@
             </a:r>
             <a:r>
               <a:rPr lang="en-US" sz="2400" dirty="0"/>
-              <a:t>Saleh </a:t>
-            </a:r>
-            <a:r>
-              <a:rPr lang="en-US" sz="2400" dirty="0" err="1"/>
-              <a:t>Sawab</a:t>
-            </a:r>
-            <a:endParaRPr lang="en-US" sz="2400" dirty="0"/>
+              <a:t>Saleh Sawab</a:t>
+            </a:r>
           </a:p>
         </p:txBody>
       </p:sp>
@@ -12766,7 +15097,7 @@
         </p:nvSpPr>
         <p:spPr>
           <a:xfrm>
-            <a:off x="0" y="0"/>
+            <a:off x="4882" y="0"/>
             <a:ext cx="12192000" cy="6858000"/>
           </a:xfrm>
           <a:prstGeom prst="rect">
@@ -12840,7 +15171,7 @@
           <a:lstStyle/>
           <a:p>
             <a:pPr algn="ctr"/>
-            <a:endParaRPr lang="en-US"/>
+            <a:endParaRPr lang="en-US" dirty="0"/>
           </a:p>
         </p:txBody>
       </p:sp>
@@ -13054,18 +15385,11 @@
           <a:p>
             <a:pPr algn="ctr"/>
             <a:r>
-              <a:rPr lang="en-US" sz="1600" dirty="0" err="1">
-                <a:latin typeface="Arial" panose="020B0604020202020204" pitchFamily="34" charset="0"/>
-                <a:cs typeface="Arial" panose="020B0604020202020204" pitchFamily="34" charset="0"/>
-              </a:rPr>
-              <a:t>Abdulilah</a:t>
-            </a:r>
-            <a:r>
               <a:rPr lang="en-US" sz="1600" dirty="0">
                 <a:latin typeface="Arial" panose="020B0604020202020204" pitchFamily="34" charset="0"/>
                 <a:cs typeface="Arial" panose="020B0604020202020204" pitchFamily="34" charset="0"/>
               </a:rPr>
-              <a:t> Alqasem</a:t>
+              <a:t>Abdulilah Alqasem</a:t>
             </a:r>
           </a:p>
         </p:txBody>
@@ -13104,19 +15428,8 @@
                 <a:latin typeface="Arial" panose="020B0604020202020204" pitchFamily="34" charset="0"/>
                 <a:cs typeface="Arial" panose="020B0604020202020204" pitchFamily="34" charset="0"/>
               </a:rPr>
-              <a:t>Mohammad </a:t>
-            </a:r>
-            <a:r>
-              <a:rPr lang="en-US" sz="1600" dirty="0" err="1">
-                <a:latin typeface="Arial" panose="020B0604020202020204" pitchFamily="34" charset="0"/>
-                <a:cs typeface="Arial" panose="020B0604020202020204" pitchFamily="34" charset="0"/>
-              </a:rPr>
-              <a:t>Zouman</a:t>
-            </a:r>
-            <a:endParaRPr lang="en-US" sz="1600" dirty="0">
-              <a:latin typeface="Arial" panose="020B0604020202020204" pitchFamily="34" charset="0"/>
-              <a:cs typeface="Arial" panose="020B0604020202020204" pitchFamily="34" charset="0"/>
-            </a:endParaRPr>
+              <a:t>Mohammad Zouman</a:t>
+            </a:r>
           </a:p>
         </p:txBody>
       </p:sp>
@@ -13154,19 +15467,8 @@
                 <a:latin typeface="Arial" panose="020B0604020202020204" pitchFamily="34" charset="0"/>
                 <a:cs typeface="Arial" panose="020B0604020202020204" pitchFamily="34" charset="0"/>
               </a:rPr>
-              <a:t>Saleh </a:t>
-            </a:r>
-            <a:r>
-              <a:rPr lang="en-US" sz="1600" dirty="0" err="1">
-                <a:latin typeface="Arial" panose="020B0604020202020204" pitchFamily="34" charset="0"/>
-                <a:cs typeface="Arial" panose="020B0604020202020204" pitchFamily="34" charset="0"/>
-              </a:rPr>
-              <a:t>Sawab</a:t>
-            </a:r>
-            <a:endParaRPr lang="en-US" sz="1600" dirty="0">
-              <a:latin typeface="Arial" panose="020B0604020202020204" pitchFamily="34" charset="0"/>
-              <a:cs typeface="Arial" panose="020B0604020202020204" pitchFamily="34" charset="0"/>
-            </a:endParaRPr>
+              <a:t>Saleh Sawab</a:t>
+            </a:r>
           </a:p>
         </p:txBody>
       </p:sp>
@@ -13199,31 +15501,13 @@
           <a:lstStyle/>
           <a:p>
             <a:pPr algn="ctr"/>
-            <a:r>
-              <a:rPr lang="en-US" sz="1600" dirty="0" err="1">
-                <a:latin typeface="Arial" panose="020B0604020202020204" pitchFamily="34" charset="0"/>
-                <a:cs typeface="Arial" panose="020B0604020202020204" pitchFamily="34" charset="0"/>
-              </a:rPr>
-              <a:t>Abdulaziz</a:t>
-            </a:r>
             <a:r>
               <a:rPr lang="en-US" sz="1600" dirty="0">
                 <a:latin typeface="Arial" panose="020B0604020202020204" pitchFamily="34" charset="0"/>
                 <a:cs typeface="Arial" panose="020B0604020202020204" pitchFamily="34" charset="0"/>
               </a:rPr>
-              <a:t> </a:t>
-            </a:r>
-            <a:r>
-              <a:rPr lang="en-US" sz="1600" dirty="0" err="1">
-                <a:latin typeface="Arial" panose="020B0604020202020204" pitchFamily="34" charset="0"/>
-                <a:cs typeface="Arial" panose="020B0604020202020204" pitchFamily="34" charset="0"/>
-              </a:rPr>
-              <a:t>Aldukhaiel</a:t>
-            </a:r>
-            <a:endParaRPr lang="en-US" sz="1600" dirty="0">
-              <a:latin typeface="Arial" panose="020B0604020202020204" pitchFamily="34" charset="0"/>
-              <a:cs typeface="Arial" panose="020B0604020202020204" pitchFamily="34" charset="0"/>
-            </a:endParaRPr>
+              <a:t>Abdulaziz Aldukhaiel</a:t>
+            </a:r>
           </a:p>
         </p:txBody>
       </p:sp>
@@ -13261,19 +15545,8 @@
                 <a:latin typeface="Arial" panose="020B0604020202020204" pitchFamily="34" charset="0"/>
                 <a:cs typeface="Arial" panose="020B0604020202020204" pitchFamily="34" charset="0"/>
               </a:rPr>
-              <a:t>Hashem </a:t>
-            </a:r>
-            <a:r>
-              <a:rPr lang="en-US" sz="1600" dirty="0" err="1">
-                <a:latin typeface="Arial" panose="020B0604020202020204" pitchFamily="34" charset="0"/>
-                <a:cs typeface="Arial" panose="020B0604020202020204" pitchFamily="34" charset="0"/>
-              </a:rPr>
-              <a:t>Bajabaa</a:t>
-            </a:r>
-            <a:endParaRPr lang="en-US" sz="1600" dirty="0">
-              <a:latin typeface="Arial" panose="020B0604020202020204" pitchFamily="34" charset="0"/>
-              <a:cs typeface="Arial" panose="020B0604020202020204" pitchFamily="34" charset="0"/>
-            </a:endParaRPr>
+              <a:t>Hashem Bajabaa</a:t>
+            </a:r>
           </a:p>
         </p:txBody>
       </p:sp>
@@ -13510,7 +15783,7 @@
         </p:nvSpPr>
         <p:spPr>
           <a:xfrm>
-            <a:off x="8054109" y="336338"/>
+            <a:off x="8035637" y="133978"/>
             <a:ext cx="3694546" cy="523220"/>
           </a:xfrm>
           <a:prstGeom prst="rect">
@@ -13537,10 +15810,10 @@
       </p:sp>
       <p:sp>
         <p:nvSpPr>
-          <p:cNvPr id="89" name="Rectangle 88">
-            <a:extLst>
-              <a:ext uri="{FF2B5EF4-FFF2-40B4-BE49-F238E27FC236}">
-                <a16:creationId xmlns:a16="http://schemas.microsoft.com/office/drawing/2014/main" id="{8B0A8103-2501-46F1-A901-A127101AA294}"/>
+          <p:cNvPr id="3" name="Rectangle 2">
+            <a:extLst>
+              <a:ext uri="{FF2B5EF4-FFF2-40B4-BE49-F238E27FC236}">
+                <a16:creationId xmlns:a16="http://schemas.microsoft.com/office/drawing/2014/main" id="{D67BE15F-C00D-4344-8FCE-F4C6A0F5D5B0}"/>
               </a:ext>
             </a:extLst>
           </p:cNvPr>
@@ -13549,12 +15822,20 @@
         </p:nvSpPr>
         <p:spPr>
           <a:xfrm>
-            <a:off x="7952511" y="1235547"/>
-            <a:ext cx="221672" cy="166252"/>
-          </a:xfrm>
-          <a:prstGeom prst="rect">
-            <a:avLst/>
-          </a:prstGeom>
+            <a:off x="7573821" y="808199"/>
+            <a:ext cx="4618179" cy="1501361"/>
+          </a:xfrm>
+          <a:prstGeom prst="rect">
+            <a:avLst/>
+          </a:prstGeom>
+          <a:solidFill>
+            <a:schemeClr val="accent2"/>
+          </a:solidFill>
+          <a:ln>
+            <a:solidFill>
+              <a:schemeClr val="tx1"/>
+            </a:solidFill>
+          </a:ln>
         </p:spPr>
         <p:style>
           <a:lnRef idx="2">
@@ -13583,10 +15864,10 @@
       </p:sp>
       <p:sp>
         <p:nvSpPr>
-          <p:cNvPr id="90" name="Rectangle 89">
-            <a:extLst>
-              <a:ext uri="{FF2B5EF4-FFF2-40B4-BE49-F238E27FC236}">
-                <a16:creationId xmlns:a16="http://schemas.microsoft.com/office/drawing/2014/main" id="{3E5360E2-449F-48C3-A6DF-89E5A8E6BE09}"/>
+          <p:cNvPr id="36" name="Rectangle 35">
+            <a:extLst>
+              <a:ext uri="{FF2B5EF4-FFF2-40B4-BE49-F238E27FC236}">
+                <a16:creationId xmlns:a16="http://schemas.microsoft.com/office/drawing/2014/main" id="{9BCB9E69-D0E0-44AE-A93F-AA071CE9F9E8}"/>
               </a:ext>
             </a:extLst>
           </p:cNvPr>
@@ -13595,12 +15876,20 @@
         </p:nvSpPr>
         <p:spPr>
           <a:xfrm>
-            <a:off x="7948040" y="1619470"/>
-            <a:ext cx="221672" cy="166252"/>
-          </a:xfrm>
-          <a:prstGeom prst="rect">
-            <a:avLst/>
-          </a:prstGeom>
+            <a:off x="7578703" y="2315361"/>
+            <a:ext cx="4618179" cy="1527833"/>
+          </a:xfrm>
+          <a:prstGeom prst="rect">
+            <a:avLst/>
+          </a:prstGeom>
+          <a:solidFill>
+            <a:schemeClr val="accent2"/>
+          </a:solidFill>
+          <a:ln>
+            <a:solidFill>
+              <a:schemeClr val="tx1"/>
+            </a:solidFill>
+          </a:ln>
         </p:spPr>
         <p:style>
           <a:lnRef idx="2">
@@ -13629,10 +15918,10 @@
       </p:sp>
       <p:sp>
         <p:nvSpPr>
-          <p:cNvPr id="91" name="Rectangle 90">
-            <a:extLst>
-              <a:ext uri="{FF2B5EF4-FFF2-40B4-BE49-F238E27FC236}">
-                <a16:creationId xmlns:a16="http://schemas.microsoft.com/office/drawing/2014/main" id="{9619EEB1-00D2-434E-A255-19509ABB98CC}"/>
+          <p:cNvPr id="37" name="Rectangle 36">
+            <a:extLst>
+              <a:ext uri="{FF2B5EF4-FFF2-40B4-BE49-F238E27FC236}">
+                <a16:creationId xmlns:a16="http://schemas.microsoft.com/office/drawing/2014/main" id="{739E803A-3837-49AC-B604-F814F96146CB}"/>
               </a:ext>
             </a:extLst>
           </p:cNvPr>
@@ -13641,12 +15930,20 @@
         </p:nvSpPr>
         <p:spPr>
           <a:xfrm>
-            <a:off x="7952511" y="2003394"/>
-            <a:ext cx="221672" cy="166252"/>
-          </a:xfrm>
-          <a:prstGeom prst="rect">
-            <a:avLst/>
-          </a:prstGeom>
+            <a:off x="7568939" y="3817202"/>
+            <a:ext cx="4618179" cy="1528654"/>
+          </a:xfrm>
+          <a:prstGeom prst="rect">
+            <a:avLst/>
+          </a:prstGeom>
+          <a:solidFill>
+            <a:schemeClr val="accent2"/>
+          </a:solidFill>
+          <a:ln>
+            <a:solidFill>
+              <a:schemeClr val="tx1"/>
+            </a:solidFill>
+          </a:ln>
         </p:spPr>
         <p:style>
           <a:lnRef idx="2">
@@ -13675,10 +15972,10 @@
       </p:sp>
       <p:sp>
         <p:nvSpPr>
-          <p:cNvPr id="92" name="Rectangle 91">
-            <a:extLst>
-              <a:ext uri="{FF2B5EF4-FFF2-40B4-BE49-F238E27FC236}">
-                <a16:creationId xmlns:a16="http://schemas.microsoft.com/office/drawing/2014/main" id="{1B290795-60E2-4348-8558-FDC68F3C31D6}"/>
+          <p:cNvPr id="39" name="Rectangle 38">
+            <a:extLst>
+              <a:ext uri="{FF2B5EF4-FFF2-40B4-BE49-F238E27FC236}">
+                <a16:creationId xmlns:a16="http://schemas.microsoft.com/office/drawing/2014/main" id="{4133BC0A-1747-4A07-8995-5CBA10F41F85}"/>
               </a:ext>
             </a:extLst>
           </p:cNvPr>
@@ -13687,12 +15984,20 @@
         </p:nvSpPr>
         <p:spPr>
           <a:xfrm>
-            <a:off x="7948040" y="2387317"/>
-            <a:ext cx="221672" cy="166252"/>
-          </a:xfrm>
-          <a:prstGeom prst="rect">
-            <a:avLst/>
-          </a:prstGeom>
+            <a:off x="7573821" y="5324844"/>
+            <a:ext cx="4618179" cy="1528654"/>
+          </a:xfrm>
+          <a:prstGeom prst="rect">
+            <a:avLst/>
+          </a:prstGeom>
+          <a:solidFill>
+            <a:schemeClr val="accent2"/>
+          </a:solidFill>
+          <a:ln>
+            <a:solidFill>
+              <a:schemeClr val="tx1"/>
+            </a:solidFill>
+          </a:ln>
         </p:spPr>
         <p:style>
           <a:lnRef idx="2">
@@ -13721,10 +16026,10 @@
       </p:sp>
       <p:sp>
         <p:nvSpPr>
-          <p:cNvPr id="93" name="Rectangle 92">
-            <a:extLst>
-              <a:ext uri="{FF2B5EF4-FFF2-40B4-BE49-F238E27FC236}">
-                <a16:creationId xmlns:a16="http://schemas.microsoft.com/office/drawing/2014/main" id="{38980F34-AB63-4FAD-BF2C-0B90D8F7F4E5}"/>
+          <p:cNvPr id="4" name="Rectangle 3">
+            <a:extLst>
+              <a:ext uri="{FF2B5EF4-FFF2-40B4-BE49-F238E27FC236}">
+                <a16:creationId xmlns:a16="http://schemas.microsoft.com/office/drawing/2014/main" id="{10EA7E07-49A5-410A-80AC-584568577F20}"/>
               </a:ext>
             </a:extLst>
           </p:cNvPr>
@@ -13733,12 +16038,20 @@
         </p:nvSpPr>
         <p:spPr>
           <a:xfrm>
-            <a:off x="7943273" y="2768894"/>
-            <a:ext cx="221672" cy="166252"/>
-          </a:xfrm>
-          <a:prstGeom prst="rect">
-            <a:avLst/>
-          </a:prstGeom>
+            <a:off x="7578703" y="808198"/>
+            <a:ext cx="570906" cy="1527354"/>
+          </a:xfrm>
+          <a:prstGeom prst="rect">
+            <a:avLst/>
+          </a:prstGeom>
+          <a:solidFill>
+            <a:schemeClr val="accent2"/>
+          </a:solidFill>
+          <a:ln>
+            <a:solidFill>
+              <a:schemeClr val="tx1"/>
+            </a:solidFill>
+          </a:ln>
         </p:spPr>
         <p:style>
           <a:lnRef idx="2">
@@ -13761,16 +16074,25 @@
           <a:lstStyle/>
           <a:p>
             <a:pPr algn="ctr"/>
-            <a:endParaRPr lang="en-US"/>
-          </a:p>
-        </p:txBody>
-      </p:sp>
-      <p:sp>
-        <p:nvSpPr>
-          <p:cNvPr id="94" name="Rectangle 93">
-            <a:extLst>
-              <a:ext uri="{FF2B5EF4-FFF2-40B4-BE49-F238E27FC236}">
-                <a16:creationId xmlns:a16="http://schemas.microsoft.com/office/drawing/2014/main" id="{9DB43D37-1EBE-4DCA-81A1-16BDD32161F4}"/>
+            <a:r>
+              <a:rPr lang="en-US" b="1" dirty="0">
+                <a:solidFill>
+                  <a:schemeClr val="tx1"/>
+                </a:solidFill>
+                <a:latin typeface="Arial" panose="020B0604020202020204" pitchFamily="34" charset="0"/>
+                <a:cs typeface="Arial" panose="020B0604020202020204" pitchFamily="34" charset="0"/>
+              </a:rPr>
+              <a:t>#0</a:t>
+            </a:r>
+          </a:p>
+        </p:txBody>
+      </p:sp>
+      <p:sp>
+        <p:nvSpPr>
+          <p:cNvPr id="41" name="Rectangle 40">
+            <a:extLst>
+              <a:ext uri="{FF2B5EF4-FFF2-40B4-BE49-F238E27FC236}">
+                <a16:creationId xmlns:a16="http://schemas.microsoft.com/office/drawing/2014/main" id="{A1F1BE65-33DC-4F44-84DE-BBE31B15A7EC}"/>
               </a:ext>
             </a:extLst>
           </p:cNvPr>
@@ -13779,12 +16101,20 @@
         </p:nvSpPr>
         <p:spPr>
           <a:xfrm>
-            <a:off x="7943273" y="3150471"/>
-            <a:ext cx="221672" cy="166252"/>
-          </a:xfrm>
-          <a:prstGeom prst="rect">
-            <a:avLst/>
-          </a:prstGeom>
+            <a:off x="7578703" y="2311788"/>
+            <a:ext cx="570906" cy="1495558"/>
+          </a:xfrm>
+          <a:prstGeom prst="rect">
+            <a:avLst/>
+          </a:prstGeom>
+          <a:solidFill>
+            <a:schemeClr val="accent2"/>
+          </a:solidFill>
+          <a:ln>
+            <a:solidFill>
+              <a:schemeClr val="tx1"/>
+            </a:solidFill>
+          </a:ln>
         </p:spPr>
         <p:style>
           <a:lnRef idx="2">
@@ -13807,16 +16137,25 @@
           <a:lstStyle/>
           <a:p>
             <a:pPr algn="ctr"/>
-            <a:endParaRPr lang="en-US"/>
-          </a:p>
-        </p:txBody>
-      </p:sp>
-      <p:sp>
-        <p:nvSpPr>
-          <p:cNvPr id="95" name="Rectangle 94">
-            <a:extLst>
-              <a:ext uri="{FF2B5EF4-FFF2-40B4-BE49-F238E27FC236}">
-                <a16:creationId xmlns:a16="http://schemas.microsoft.com/office/drawing/2014/main" id="{DACDA99F-7170-4064-8F89-51DBEE55FC99}"/>
+            <a:r>
+              <a:rPr lang="en-US" b="1" dirty="0">
+                <a:solidFill>
+                  <a:schemeClr val="tx1"/>
+                </a:solidFill>
+                <a:latin typeface="Arial" panose="020B0604020202020204" pitchFamily="34" charset="0"/>
+                <a:cs typeface="Arial" panose="020B0604020202020204" pitchFamily="34" charset="0"/>
+              </a:rPr>
+              <a:t>#1</a:t>
+            </a:r>
+          </a:p>
+        </p:txBody>
+      </p:sp>
+      <p:sp>
+        <p:nvSpPr>
+          <p:cNvPr id="42" name="Rectangle 41">
+            <a:extLst>
+              <a:ext uri="{FF2B5EF4-FFF2-40B4-BE49-F238E27FC236}">
+                <a16:creationId xmlns:a16="http://schemas.microsoft.com/office/drawing/2014/main" id="{CBEBBC27-1A6B-484D-8778-AACAAFDDE523}"/>
               </a:ext>
             </a:extLst>
           </p:cNvPr>
@@ -13825,12 +16164,20 @@
         </p:nvSpPr>
         <p:spPr>
           <a:xfrm>
-            <a:off x="7952511" y="5814840"/>
-            <a:ext cx="221672" cy="166252"/>
-          </a:xfrm>
-          <a:prstGeom prst="rect">
-            <a:avLst/>
-          </a:prstGeom>
+            <a:off x="7564056" y="3813147"/>
+            <a:ext cx="580508" cy="1522251"/>
+          </a:xfrm>
+          <a:prstGeom prst="rect">
+            <a:avLst/>
+          </a:prstGeom>
+          <a:solidFill>
+            <a:schemeClr val="accent2"/>
+          </a:solidFill>
+          <a:ln>
+            <a:solidFill>
+              <a:schemeClr val="tx1"/>
+            </a:solidFill>
+          </a:ln>
         </p:spPr>
         <p:style>
           <a:lnRef idx="2">
@@ -13853,16 +16200,25 @@
           <a:lstStyle/>
           <a:p>
             <a:pPr algn="ctr"/>
-            <a:endParaRPr lang="en-US"/>
-          </a:p>
-        </p:txBody>
-      </p:sp>
-      <p:sp>
-        <p:nvSpPr>
-          <p:cNvPr id="96" name="Rectangle 95">
-            <a:extLst>
-              <a:ext uri="{FF2B5EF4-FFF2-40B4-BE49-F238E27FC236}">
-                <a16:creationId xmlns:a16="http://schemas.microsoft.com/office/drawing/2014/main" id="{43FB4E5B-1DAE-4DA6-ADF6-5CA28204FB17}"/>
+            <a:r>
+              <a:rPr lang="en-US" b="1" dirty="0">
+                <a:solidFill>
+                  <a:schemeClr val="tx1"/>
+                </a:solidFill>
+                <a:latin typeface="Arial" panose="020B0604020202020204" pitchFamily="34" charset="0"/>
+                <a:cs typeface="Arial" panose="020B0604020202020204" pitchFamily="34" charset="0"/>
+              </a:rPr>
+              <a:t>#2</a:t>
+            </a:r>
+          </a:p>
+        </p:txBody>
+      </p:sp>
+      <p:sp>
+        <p:nvSpPr>
+          <p:cNvPr id="43" name="Rectangle 42">
+            <a:extLst>
+              <a:ext uri="{FF2B5EF4-FFF2-40B4-BE49-F238E27FC236}">
+                <a16:creationId xmlns:a16="http://schemas.microsoft.com/office/drawing/2014/main" id="{EB42CD60-9FB2-42C3-BD29-93DBF8B77875}"/>
               </a:ext>
             </a:extLst>
           </p:cNvPr>
@@ -13871,12 +16227,20 @@
         </p:nvSpPr>
         <p:spPr>
           <a:xfrm>
-            <a:off x="7952511" y="5436066"/>
-            <a:ext cx="221672" cy="166252"/>
-          </a:xfrm>
-          <a:prstGeom prst="rect">
-            <a:avLst/>
-          </a:prstGeom>
+            <a:off x="7568938" y="5323930"/>
+            <a:ext cx="575625" cy="1529568"/>
+          </a:xfrm>
+          <a:prstGeom prst="rect">
+            <a:avLst/>
+          </a:prstGeom>
+          <a:solidFill>
+            <a:schemeClr val="accent2"/>
+          </a:solidFill>
+          <a:ln>
+            <a:solidFill>
+              <a:schemeClr val="tx1"/>
+            </a:solidFill>
+          </a:ln>
         </p:spPr>
         <p:style>
           <a:lnRef idx="2">
@@ -13899,16 +16263,25 @@
           <a:lstStyle/>
           <a:p>
             <a:pPr algn="ctr"/>
-            <a:endParaRPr lang="en-US" dirty="0"/>
-          </a:p>
-        </p:txBody>
-      </p:sp>
-      <p:sp>
-        <p:nvSpPr>
-          <p:cNvPr id="97" name="Rectangle 96">
-            <a:extLst>
-              <a:ext uri="{FF2B5EF4-FFF2-40B4-BE49-F238E27FC236}">
-                <a16:creationId xmlns:a16="http://schemas.microsoft.com/office/drawing/2014/main" id="{15F53B11-D65B-49F2-8F59-05F1DC928BC9}"/>
+            <a:r>
+              <a:rPr lang="en-US" b="1" dirty="0">
+                <a:solidFill>
+                  <a:schemeClr val="tx1"/>
+                </a:solidFill>
+                <a:latin typeface="Arial" panose="020B0604020202020204" pitchFamily="34" charset="0"/>
+                <a:cs typeface="Arial" panose="020B0604020202020204" pitchFamily="34" charset="0"/>
+              </a:rPr>
+              <a:t>#3</a:t>
+            </a:r>
+          </a:p>
+        </p:txBody>
+      </p:sp>
+      <p:sp>
+        <p:nvSpPr>
+          <p:cNvPr id="95" name="Rectangle 94">
+            <a:extLst>
+              <a:ext uri="{FF2B5EF4-FFF2-40B4-BE49-F238E27FC236}">
+                <a16:creationId xmlns:a16="http://schemas.microsoft.com/office/drawing/2014/main" id="{DACDA99F-7170-4064-8F89-51DBEE55FC99}"/>
               </a:ext>
             </a:extLst>
           </p:cNvPr>
@@ -13917,12 +16290,15 @@
         </p:nvSpPr>
         <p:spPr>
           <a:xfrm>
-            <a:off x="7952511" y="5057292"/>
+            <a:off x="8347218" y="893616"/>
             <a:ext cx="221672" cy="166252"/>
           </a:xfrm>
           <a:prstGeom prst="rect">
             <a:avLst/>
           </a:prstGeom>
+          <a:solidFill>
+            <a:srgbClr val="FF0000"/>
+          </a:solidFill>
         </p:spPr>
         <p:style>
           <a:lnRef idx="2">
@@ -13945,16 +16321,16 @@
           <a:lstStyle/>
           <a:p>
             <a:pPr algn="ctr"/>
-            <a:endParaRPr lang="en-US" dirty="0"/>
-          </a:p>
-        </p:txBody>
-      </p:sp>
-      <p:sp>
-        <p:nvSpPr>
-          <p:cNvPr id="98" name="Rectangle 97">
-            <a:extLst>
-              <a:ext uri="{FF2B5EF4-FFF2-40B4-BE49-F238E27FC236}">
-                <a16:creationId xmlns:a16="http://schemas.microsoft.com/office/drawing/2014/main" id="{A879895B-D998-4AC1-B9EE-8E6B79080A2D}"/>
+            <a:endParaRPr lang="en-US"/>
+          </a:p>
+        </p:txBody>
+      </p:sp>
+      <p:sp>
+        <p:nvSpPr>
+          <p:cNvPr id="44" name="Rectangle 43">
+            <a:extLst>
+              <a:ext uri="{FF2B5EF4-FFF2-40B4-BE49-F238E27FC236}">
+                <a16:creationId xmlns:a16="http://schemas.microsoft.com/office/drawing/2014/main" id="{454BB94A-5113-4A9C-9390-EBD7D0CFC41A}"/>
               </a:ext>
             </a:extLst>
           </p:cNvPr>
@@ -13963,12 +16339,15 @@
         </p:nvSpPr>
         <p:spPr>
           <a:xfrm>
-            <a:off x="7948470" y="4673976"/>
+            <a:off x="8347218" y="1247017"/>
             <a:ext cx="221672" cy="166252"/>
           </a:xfrm>
           <a:prstGeom prst="rect">
             <a:avLst/>
           </a:prstGeom>
+          <a:solidFill>
+            <a:srgbClr val="FFFF00"/>
+          </a:solidFill>
         </p:spPr>
         <p:style>
           <a:lnRef idx="2">
@@ -13997,10 +16376,10 @@
       </p:sp>
       <p:sp>
         <p:nvSpPr>
-          <p:cNvPr id="99" name="Rectangle 98">
-            <a:extLst>
-              <a:ext uri="{FF2B5EF4-FFF2-40B4-BE49-F238E27FC236}">
-                <a16:creationId xmlns:a16="http://schemas.microsoft.com/office/drawing/2014/main" id="{A6CF52F6-F5C1-4667-A67A-44CCA0280F97}"/>
+          <p:cNvPr id="45" name="Rectangle 44">
+            <a:extLst>
+              <a:ext uri="{FF2B5EF4-FFF2-40B4-BE49-F238E27FC236}">
+                <a16:creationId xmlns:a16="http://schemas.microsoft.com/office/drawing/2014/main" id="{B8CF47D1-E78C-4C77-811D-EA30B5F024B6}"/>
               </a:ext>
             </a:extLst>
           </p:cNvPr>
@@ -14009,12 +16388,15 @@
         </p:nvSpPr>
         <p:spPr>
           <a:xfrm>
-            <a:off x="7948035" y="4295202"/>
+            <a:off x="8350437" y="1600418"/>
             <a:ext cx="221672" cy="166252"/>
           </a:xfrm>
           <a:prstGeom prst="rect">
             <a:avLst/>
           </a:prstGeom>
+          <a:solidFill>
+            <a:srgbClr val="FFC000"/>
+          </a:solidFill>
         </p:spPr>
         <p:style>
           <a:lnRef idx="2">
@@ -14043,10 +16425,10 @@
       </p:sp>
       <p:sp>
         <p:nvSpPr>
-          <p:cNvPr id="100" name="Rectangle 99">
-            <a:extLst>
-              <a:ext uri="{FF2B5EF4-FFF2-40B4-BE49-F238E27FC236}">
-                <a16:creationId xmlns:a16="http://schemas.microsoft.com/office/drawing/2014/main" id="{D9E62812-EA24-4E4A-BB4E-5328EFA3DF61}"/>
+          <p:cNvPr id="46" name="Rectangle 45">
+            <a:extLst>
+              <a:ext uri="{FF2B5EF4-FFF2-40B4-BE49-F238E27FC236}">
+                <a16:creationId xmlns:a16="http://schemas.microsoft.com/office/drawing/2014/main" id="{64DA54B5-9F05-45A9-8072-4B53DEC5E614}"/>
               </a:ext>
             </a:extLst>
           </p:cNvPr>
@@ -14055,12 +16437,15 @@
         </p:nvSpPr>
         <p:spPr>
           <a:xfrm>
-            <a:off x="7952511" y="3910822"/>
+            <a:off x="8350437" y="1941705"/>
             <a:ext cx="221672" cy="166252"/>
           </a:xfrm>
           <a:prstGeom prst="rect">
             <a:avLst/>
           </a:prstGeom>
+          <a:solidFill>
+            <a:srgbClr val="00B050"/>
+          </a:solidFill>
         </p:spPr>
         <p:style>
           <a:lnRef idx="2">
@@ -14089,10 +16474,175 @@
       </p:sp>
       <p:sp>
         <p:nvSpPr>
-          <p:cNvPr id="101" name="Rectangle 100">
-            <a:extLst>
-              <a:ext uri="{FF2B5EF4-FFF2-40B4-BE49-F238E27FC236}">
-                <a16:creationId xmlns:a16="http://schemas.microsoft.com/office/drawing/2014/main" id="{E687ACE0-43EF-4357-BABD-697970CDAA2F}"/>
+          <p:cNvPr id="2" name="TextBox 1">
+            <a:extLst>
+              <a:ext uri="{FF2B5EF4-FFF2-40B4-BE49-F238E27FC236}">
+                <a16:creationId xmlns:a16="http://schemas.microsoft.com/office/drawing/2014/main" id="{EBECDE48-743B-4053-981C-2ED018D42D84}"/>
+              </a:ext>
+            </a:extLst>
+          </p:cNvPr>
+          <p:cNvSpPr txBox="1"/>
+          <p:nvPr/>
+        </p:nvSpPr>
+        <p:spPr>
+          <a:xfrm>
+            <a:off x="8618188" y="1484033"/>
+            <a:ext cx="2663208" cy="369332"/>
+          </a:xfrm>
+          <a:prstGeom prst="rect">
+            <a:avLst/>
+          </a:prstGeom>
+          <a:noFill/>
+        </p:spPr>
+        <p:txBody>
+          <a:bodyPr wrap="square" rtlCol="0">
+            <a:spAutoFit/>
+          </a:bodyPr>
+          <a:lstStyle/>
+          <a:p>
+            <a:r>
+              <a:rPr lang="en-US" dirty="0"/>
+              <a:t>Project Organization</a:t>
+            </a:r>
+            <a:endParaRPr lang="en-US" sz="1200" dirty="0">
+              <a:latin typeface="Arial" panose="020B0604020202020204" pitchFamily="34" charset="0"/>
+              <a:cs typeface="Arial" panose="020B0604020202020204" pitchFamily="34" charset="0"/>
+            </a:endParaRPr>
+          </a:p>
+        </p:txBody>
+      </p:sp>
+      <p:sp>
+        <p:nvSpPr>
+          <p:cNvPr id="48" name="TextBox 47">
+            <a:extLst>
+              <a:ext uri="{FF2B5EF4-FFF2-40B4-BE49-F238E27FC236}">
+                <a16:creationId xmlns:a16="http://schemas.microsoft.com/office/drawing/2014/main" id="{B0CC432A-F8F9-41F0-ACD1-A3C1F72660CB}"/>
+              </a:ext>
+            </a:extLst>
+          </p:cNvPr>
+          <p:cNvSpPr txBox="1"/>
+          <p:nvPr/>
+        </p:nvSpPr>
+        <p:spPr>
+          <a:xfrm>
+            <a:off x="8629560" y="1173590"/>
+            <a:ext cx="2663208" cy="338554"/>
+          </a:xfrm>
+          <a:prstGeom prst="rect">
+            <a:avLst/>
+          </a:prstGeom>
+          <a:noFill/>
+        </p:spPr>
+        <p:txBody>
+          <a:bodyPr wrap="square" rtlCol="0">
+            <a:spAutoFit/>
+          </a:bodyPr>
+          <a:lstStyle/>
+          <a:p>
+            <a:r>
+              <a:rPr lang="en-US" sz="1600" dirty="0">
+                <a:latin typeface="Arial" panose="020B0604020202020204" pitchFamily="34" charset="0"/>
+                <a:cs typeface="Arial" panose="020B0604020202020204" pitchFamily="34" charset="0"/>
+              </a:rPr>
+              <a:t>Project Overview</a:t>
+            </a:r>
+            <a:endParaRPr lang="en-US" sz="1100" dirty="0">
+              <a:latin typeface="Arial" panose="020B0604020202020204" pitchFamily="34" charset="0"/>
+              <a:cs typeface="Arial" panose="020B0604020202020204" pitchFamily="34" charset="0"/>
+            </a:endParaRPr>
+          </a:p>
+        </p:txBody>
+      </p:sp>
+      <p:sp>
+        <p:nvSpPr>
+          <p:cNvPr id="49" name="TextBox 48">
+            <a:extLst>
+              <a:ext uri="{FF2B5EF4-FFF2-40B4-BE49-F238E27FC236}">
+                <a16:creationId xmlns:a16="http://schemas.microsoft.com/office/drawing/2014/main" id="{946CEA30-3794-4591-9784-0C2CCE761C40}"/>
+              </a:ext>
+            </a:extLst>
+          </p:cNvPr>
+          <p:cNvSpPr txBox="1"/>
+          <p:nvPr/>
+        </p:nvSpPr>
+        <p:spPr>
+          <a:xfrm>
+            <a:off x="8625301" y="3864871"/>
+            <a:ext cx="2663208" cy="338554"/>
+          </a:xfrm>
+          <a:prstGeom prst="rect">
+            <a:avLst/>
+          </a:prstGeom>
+          <a:noFill/>
+        </p:spPr>
+        <p:txBody>
+          <a:bodyPr wrap="square" rtlCol="0">
+            <a:spAutoFit/>
+          </a:bodyPr>
+          <a:lstStyle/>
+          <a:p>
+            <a:r>
+              <a:rPr lang="en-US" sz="1600" dirty="0">
+                <a:latin typeface="Arial" panose="020B0604020202020204" pitchFamily="34" charset="0"/>
+                <a:cs typeface="Arial" panose="020B0604020202020204" pitchFamily="34" charset="0"/>
+              </a:rPr>
+              <a:t>Introduction</a:t>
+            </a:r>
+            <a:endParaRPr lang="en-US" sz="1200" dirty="0">
+              <a:latin typeface="Arial" panose="020B0604020202020204" pitchFamily="34" charset="0"/>
+              <a:cs typeface="Arial" panose="020B0604020202020204" pitchFamily="34" charset="0"/>
+            </a:endParaRPr>
+          </a:p>
+        </p:txBody>
+      </p:sp>
+      <p:sp>
+        <p:nvSpPr>
+          <p:cNvPr id="50" name="TextBox 49">
+            <a:extLst>
+              <a:ext uri="{FF2B5EF4-FFF2-40B4-BE49-F238E27FC236}">
+                <a16:creationId xmlns:a16="http://schemas.microsoft.com/office/drawing/2014/main" id="{19109A59-1804-4318-BCD0-CC3B4077DBC5}"/>
+              </a:ext>
+            </a:extLst>
+          </p:cNvPr>
+          <p:cNvSpPr txBox="1"/>
+          <p:nvPr/>
+        </p:nvSpPr>
+        <p:spPr>
+          <a:xfrm>
+            <a:off x="8623069" y="1825253"/>
+            <a:ext cx="2663208" cy="338554"/>
+          </a:xfrm>
+          <a:prstGeom prst="rect">
+            <a:avLst/>
+          </a:prstGeom>
+          <a:noFill/>
+        </p:spPr>
+        <p:txBody>
+          <a:bodyPr wrap="square" rtlCol="0">
+            <a:spAutoFit/>
+          </a:bodyPr>
+          <a:lstStyle/>
+          <a:p>
+            <a:r>
+              <a:rPr lang="en-US" sz="1600" dirty="0">
+                <a:latin typeface="Arial" panose="020B0604020202020204" pitchFamily="34" charset="0"/>
+                <a:cs typeface="Arial" panose="020B0604020202020204" pitchFamily="34" charset="0"/>
+              </a:rPr>
+              <a:t>Management Process</a:t>
+            </a:r>
+            <a:endParaRPr lang="en-US" sz="1100" dirty="0">
+              <a:latin typeface="Arial" panose="020B0604020202020204" pitchFamily="34" charset="0"/>
+              <a:cs typeface="Arial" panose="020B0604020202020204" pitchFamily="34" charset="0"/>
+            </a:endParaRPr>
+          </a:p>
+        </p:txBody>
+      </p:sp>
+      <p:sp>
+        <p:nvSpPr>
+          <p:cNvPr id="51" name="Rectangle 50">
+            <a:extLst>
+              <a:ext uri="{FF2B5EF4-FFF2-40B4-BE49-F238E27FC236}">
+                <a16:creationId xmlns:a16="http://schemas.microsoft.com/office/drawing/2014/main" id="{289DA653-6351-4A6E-9FC7-1FBCADC761DC}"/>
               </a:ext>
             </a:extLst>
           </p:cNvPr>
@@ -14101,12 +16651,15 @@
         </p:nvSpPr>
         <p:spPr>
           <a:xfrm>
-            <a:off x="7952511" y="3532048"/>
+            <a:off x="8344506" y="2469187"/>
             <a:ext cx="221672" cy="166252"/>
           </a:xfrm>
           <a:prstGeom prst="rect">
             <a:avLst/>
           </a:prstGeom>
+          <a:solidFill>
+            <a:schemeClr val="accent5"/>
+          </a:solidFill>
         </p:spPr>
         <p:style>
           <a:lnRef idx="2">
@@ -14133,10 +16686,4057 @@
           </a:p>
         </p:txBody>
       </p:sp>
+      <p:sp>
+        <p:nvSpPr>
+          <p:cNvPr id="52" name="Rectangle 51">
+            <a:extLst>
+              <a:ext uri="{FF2B5EF4-FFF2-40B4-BE49-F238E27FC236}">
+                <a16:creationId xmlns:a16="http://schemas.microsoft.com/office/drawing/2014/main" id="{4A71EC7A-B288-4105-A672-68C0690F17AB}"/>
+              </a:ext>
+            </a:extLst>
+          </p:cNvPr>
+          <p:cNvSpPr/>
+          <p:nvPr/>
+        </p:nvSpPr>
+        <p:spPr>
+          <a:xfrm>
+            <a:off x="8344506" y="2800510"/>
+            <a:ext cx="221672" cy="166252"/>
+          </a:xfrm>
+          <a:prstGeom prst="rect">
+            <a:avLst/>
+          </a:prstGeom>
+          <a:solidFill>
+            <a:srgbClr val="7030A0"/>
+          </a:solidFill>
+        </p:spPr>
+        <p:style>
+          <a:lnRef idx="2">
+            <a:schemeClr val="accent1">
+              <a:shade val="50000"/>
+            </a:schemeClr>
+          </a:lnRef>
+          <a:fillRef idx="1">
+            <a:schemeClr val="accent1"/>
+          </a:fillRef>
+          <a:effectRef idx="0">
+            <a:schemeClr val="accent1"/>
+          </a:effectRef>
+          <a:fontRef idx="minor">
+            <a:schemeClr val="lt1"/>
+          </a:fontRef>
+        </p:style>
+        <p:txBody>
+          <a:bodyPr rtlCol="0" anchor="ctr"/>
+          <a:lstStyle/>
+          <a:p>
+            <a:pPr algn="ctr"/>
+            <a:endParaRPr lang="en-US"/>
+          </a:p>
+        </p:txBody>
+      </p:sp>
+      <p:sp>
+        <p:nvSpPr>
+          <p:cNvPr id="53" name="Rectangle 52">
+            <a:extLst>
+              <a:ext uri="{FF2B5EF4-FFF2-40B4-BE49-F238E27FC236}">
+                <a16:creationId xmlns:a16="http://schemas.microsoft.com/office/drawing/2014/main" id="{9FA636AF-F16D-4BF8-B178-87ACCF5EB124}"/>
+              </a:ext>
+            </a:extLst>
+          </p:cNvPr>
+          <p:cNvSpPr/>
+          <p:nvPr/>
+        </p:nvSpPr>
+        <p:spPr>
+          <a:xfrm>
+            <a:off x="8344506" y="3127843"/>
+            <a:ext cx="221672" cy="166252"/>
+          </a:xfrm>
+          <a:prstGeom prst="rect">
+            <a:avLst/>
+          </a:prstGeom>
+          <a:solidFill>
+            <a:srgbClr val="C00000"/>
+          </a:solidFill>
+        </p:spPr>
+        <p:style>
+          <a:lnRef idx="2">
+            <a:schemeClr val="accent1">
+              <a:shade val="50000"/>
+            </a:schemeClr>
+          </a:lnRef>
+          <a:fillRef idx="1">
+            <a:schemeClr val="accent1"/>
+          </a:fillRef>
+          <a:effectRef idx="0">
+            <a:schemeClr val="accent1"/>
+          </a:effectRef>
+          <a:fontRef idx="minor">
+            <a:schemeClr val="lt1"/>
+          </a:fontRef>
+        </p:style>
+        <p:txBody>
+          <a:bodyPr rtlCol="0" anchor="ctr"/>
+          <a:lstStyle/>
+          <a:p>
+            <a:pPr algn="ctr"/>
+            <a:endParaRPr lang="en-US"/>
+          </a:p>
+        </p:txBody>
+      </p:sp>
+      <p:sp>
+        <p:nvSpPr>
+          <p:cNvPr id="54" name="Rectangle 53">
+            <a:extLst>
+              <a:ext uri="{FF2B5EF4-FFF2-40B4-BE49-F238E27FC236}">
+                <a16:creationId xmlns:a16="http://schemas.microsoft.com/office/drawing/2014/main" id="{A42F24CA-85CB-4984-A3AA-062B1B1C97F4}"/>
+              </a:ext>
+            </a:extLst>
+          </p:cNvPr>
+          <p:cNvSpPr/>
+          <p:nvPr/>
+        </p:nvSpPr>
+        <p:spPr>
+          <a:xfrm>
+            <a:off x="8344506" y="3455176"/>
+            <a:ext cx="221672" cy="166252"/>
+          </a:xfrm>
+          <a:prstGeom prst="rect">
+            <a:avLst/>
+          </a:prstGeom>
+          <a:solidFill>
+            <a:srgbClr val="92D050"/>
+          </a:solidFill>
+        </p:spPr>
+        <p:style>
+          <a:lnRef idx="2">
+            <a:schemeClr val="accent1">
+              <a:shade val="50000"/>
+            </a:schemeClr>
+          </a:lnRef>
+          <a:fillRef idx="1">
+            <a:schemeClr val="accent1"/>
+          </a:fillRef>
+          <a:effectRef idx="0">
+            <a:schemeClr val="accent1"/>
+          </a:effectRef>
+          <a:fontRef idx="minor">
+            <a:schemeClr val="lt1"/>
+          </a:fontRef>
+        </p:style>
+        <p:txBody>
+          <a:bodyPr rtlCol="0" anchor="ctr"/>
+          <a:lstStyle/>
+          <a:p>
+            <a:pPr algn="ctr"/>
+            <a:endParaRPr lang="en-US"/>
+          </a:p>
+        </p:txBody>
+      </p:sp>
+      <p:sp>
+        <p:nvSpPr>
+          <p:cNvPr id="55" name="TextBox 54">
+            <a:extLst>
+              <a:ext uri="{FF2B5EF4-FFF2-40B4-BE49-F238E27FC236}">
+                <a16:creationId xmlns:a16="http://schemas.microsoft.com/office/drawing/2014/main" id="{F7517D97-CDF2-49B3-9C1D-FE4FCEA569F5}"/>
+              </a:ext>
+            </a:extLst>
+          </p:cNvPr>
+          <p:cNvSpPr txBox="1"/>
+          <p:nvPr/>
+        </p:nvSpPr>
+        <p:spPr>
+          <a:xfrm>
+            <a:off x="8613307" y="2348360"/>
+            <a:ext cx="2663208" cy="338554"/>
+          </a:xfrm>
+          <a:prstGeom prst="rect">
+            <a:avLst/>
+          </a:prstGeom>
+          <a:noFill/>
+        </p:spPr>
+        <p:txBody>
+          <a:bodyPr wrap="square" rtlCol="0">
+            <a:spAutoFit/>
+          </a:bodyPr>
+          <a:lstStyle/>
+          <a:p>
+            <a:r>
+              <a:rPr lang="en-US" sz="1600" dirty="0">
+                <a:latin typeface="Arial" panose="020B0604020202020204" pitchFamily="34" charset="0"/>
+                <a:cs typeface="Arial" panose="020B0604020202020204" pitchFamily="34" charset="0"/>
+              </a:rPr>
+              <a:t>Introduction</a:t>
+            </a:r>
+            <a:endParaRPr lang="en-US" sz="1200" dirty="0">
+              <a:latin typeface="Arial" panose="020B0604020202020204" pitchFamily="34" charset="0"/>
+              <a:cs typeface="Arial" panose="020B0604020202020204" pitchFamily="34" charset="0"/>
+            </a:endParaRPr>
+          </a:p>
+        </p:txBody>
+      </p:sp>
+      <p:sp>
+        <p:nvSpPr>
+          <p:cNvPr id="56" name="TextBox 55">
+            <a:extLst>
+              <a:ext uri="{FF2B5EF4-FFF2-40B4-BE49-F238E27FC236}">
+                <a16:creationId xmlns:a16="http://schemas.microsoft.com/office/drawing/2014/main" id="{0A27563A-5349-46F1-ADE3-1D14CE7D58EE}"/>
+              </a:ext>
+            </a:extLst>
+          </p:cNvPr>
+          <p:cNvSpPr txBox="1"/>
+          <p:nvPr/>
+        </p:nvSpPr>
+        <p:spPr>
+          <a:xfrm>
+            <a:off x="8629560" y="2688998"/>
+            <a:ext cx="2663208" cy="369332"/>
+          </a:xfrm>
+          <a:prstGeom prst="rect">
+            <a:avLst/>
+          </a:prstGeom>
+          <a:noFill/>
+        </p:spPr>
+        <p:txBody>
+          <a:bodyPr wrap="square" rtlCol="0">
+            <a:spAutoFit/>
+          </a:bodyPr>
+          <a:lstStyle/>
+          <a:p>
+            <a:r>
+              <a:rPr lang="en-US" dirty="0"/>
+              <a:t>General Description</a:t>
+            </a:r>
+            <a:endParaRPr lang="en-US" sz="1200" dirty="0">
+              <a:latin typeface="Arial" panose="020B0604020202020204" pitchFamily="34" charset="0"/>
+              <a:cs typeface="Arial" panose="020B0604020202020204" pitchFamily="34" charset="0"/>
+            </a:endParaRPr>
+          </a:p>
+        </p:txBody>
+      </p:sp>
+      <p:sp>
+        <p:nvSpPr>
+          <p:cNvPr id="57" name="TextBox 56">
+            <a:extLst>
+              <a:ext uri="{FF2B5EF4-FFF2-40B4-BE49-F238E27FC236}">
+                <a16:creationId xmlns:a16="http://schemas.microsoft.com/office/drawing/2014/main" id="{2997EAAE-AA23-4861-AD44-66CCF39B688C}"/>
+              </a:ext>
+            </a:extLst>
+          </p:cNvPr>
+          <p:cNvSpPr txBox="1"/>
+          <p:nvPr/>
+        </p:nvSpPr>
+        <p:spPr>
+          <a:xfrm>
+            <a:off x="8618188" y="3027024"/>
+            <a:ext cx="2663208" cy="369332"/>
+          </a:xfrm>
+          <a:prstGeom prst="rect">
+            <a:avLst/>
+          </a:prstGeom>
+          <a:noFill/>
+        </p:spPr>
+        <p:txBody>
+          <a:bodyPr wrap="square" rtlCol="0">
+            <a:spAutoFit/>
+          </a:bodyPr>
+          <a:lstStyle/>
+          <a:p>
+            <a:r>
+              <a:rPr lang="en-US" dirty="0"/>
+              <a:t>Specific Requirements</a:t>
+            </a:r>
+            <a:endParaRPr lang="en-US" sz="1200" dirty="0">
+              <a:latin typeface="Arial" panose="020B0604020202020204" pitchFamily="34" charset="0"/>
+              <a:cs typeface="Arial" panose="020B0604020202020204" pitchFamily="34" charset="0"/>
+            </a:endParaRPr>
+          </a:p>
+        </p:txBody>
+      </p:sp>
+      <p:sp>
+        <p:nvSpPr>
+          <p:cNvPr id="58" name="TextBox 57">
+            <a:extLst>
+              <a:ext uri="{FF2B5EF4-FFF2-40B4-BE49-F238E27FC236}">
+                <a16:creationId xmlns:a16="http://schemas.microsoft.com/office/drawing/2014/main" id="{FA1CE164-AF7B-42D8-942F-93768B538307}"/>
+              </a:ext>
+            </a:extLst>
+          </p:cNvPr>
+          <p:cNvSpPr txBox="1"/>
+          <p:nvPr/>
+        </p:nvSpPr>
+        <p:spPr>
+          <a:xfrm>
+            <a:off x="8620629" y="3393628"/>
+            <a:ext cx="2663208" cy="369332"/>
+          </a:xfrm>
+          <a:prstGeom prst="rect">
+            <a:avLst/>
+          </a:prstGeom>
+          <a:noFill/>
+        </p:spPr>
+        <p:txBody>
+          <a:bodyPr wrap="square" rtlCol="0">
+            <a:spAutoFit/>
+          </a:bodyPr>
+          <a:lstStyle/>
+          <a:p>
+            <a:r>
+              <a:rPr lang="en-US" dirty="0"/>
+              <a:t>Conclusion</a:t>
+            </a:r>
+            <a:endParaRPr lang="en-US" sz="1200" dirty="0">
+              <a:latin typeface="Arial" panose="020B0604020202020204" pitchFamily="34" charset="0"/>
+              <a:cs typeface="Arial" panose="020B0604020202020204" pitchFamily="34" charset="0"/>
+            </a:endParaRPr>
+          </a:p>
+        </p:txBody>
+      </p:sp>
+      <p:sp>
+        <p:nvSpPr>
+          <p:cNvPr id="59" name="Rectangle 58">
+            <a:extLst>
+              <a:ext uri="{FF2B5EF4-FFF2-40B4-BE49-F238E27FC236}">
+                <a16:creationId xmlns:a16="http://schemas.microsoft.com/office/drawing/2014/main" id="{0283F7CB-8764-4DE3-A699-169740A00CCC}"/>
+              </a:ext>
+            </a:extLst>
+          </p:cNvPr>
+          <p:cNvSpPr/>
+          <p:nvPr/>
+        </p:nvSpPr>
+        <p:spPr>
+          <a:xfrm>
+            <a:off x="8344506" y="3951044"/>
+            <a:ext cx="221672" cy="166252"/>
+          </a:xfrm>
+          <a:prstGeom prst="rect">
+            <a:avLst/>
+          </a:prstGeom>
+          <a:solidFill>
+            <a:srgbClr val="002060"/>
+          </a:solidFill>
+        </p:spPr>
+        <p:style>
+          <a:lnRef idx="2">
+            <a:schemeClr val="accent1">
+              <a:shade val="50000"/>
+            </a:schemeClr>
+          </a:lnRef>
+          <a:fillRef idx="1">
+            <a:schemeClr val="accent1"/>
+          </a:fillRef>
+          <a:effectRef idx="0">
+            <a:schemeClr val="accent1"/>
+          </a:effectRef>
+          <a:fontRef idx="minor">
+            <a:schemeClr val="lt1"/>
+          </a:fontRef>
+        </p:style>
+        <p:txBody>
+          <a:bodyPr rtlCol="0" anchor="ctr"/>
+          <a:lstStyle/>
+          <a:p>
+            <a:pPr algn="ctr"/>
+            <a:endParaRPr lang="en-US"/>
+          </a:p>
+        </p:txBody>
+      </p:sp>
+      <p:sp>
+        <p:nvSpPr>
+          <p:cNvPr id="60" name="Rectangle 59">
+            <a:extLst>
+              <a:ext uri="{FF2B5EF4-FFF2-40B4-BE49-F238E27FC236}">
+                <a16:creationId xmlns:a16="http://schemas.microsoft.com/office/drawing/2014/main" id="{67ECDBBE-BC0B-4A26-B937-34A1BA99C3BD}"/>
+              </a:ext>
+            </a:extLst>
+          </p:cNvPr>
+          <p:cNvSpPr/>
+          <p:nvPr/>
+        </p:nvSpPr>
+        <p:spPr>
+          <a:xfrm>
+            <a:off x="8344506" y="4292123"/>
+            <a:ext cx="221672" cy="166252"/>
+          </a:xfrm>
+          <a:prstGeom prst="rect">
+            <a:avLst/>
+          </a:prstGeom>
+          <a:solidFill>
+            <a:schemeClr val="bg1"/>
+          </a:solidFill>
+        </p:spPr>
+        <p:style>
+          <a:lnRef idx="2">
+            <a:schemeClr val="accent1">
+              <a:shade val="50000"/>
+            </a:schemeClr>
+          </a:lnRef>
+          <a:fillRef idx="1">
+            <a:schemeClr val="accent1"/>
+          </a:fillRef>
+          <a:effectRef idx="0">
+            <a:schemeClr val="accent1"/>
+          </a:effectRef>
+          <a:fontRef idx="minor">
+            <a:schemeClr val="lt1"/>
+          </a:fontRef>
+        </p:style>
+        <p:txBody>
+          <a:bodyPr rtlCol="0" anchor="ctr"/>
+          <a:lstStyle/>
+          <a:p>
+            <a:pPr algn="ctr"/>
+            <a:endParaRPr lang="en-US" dirty="0"/>
+          </a:p>
+        </p:txBody>
+      </p:sp>
+      <p:sp>
+        <p:nvSpPr>
+          <p:cNvPr id="61" name="Rectangle 60">
+            <a:extLst>
+              <a:ext uri="{FF2B5EF4-FFF2-40B4-BE49-F238E27FC236}">
+                <a16:creationId xmlns:a16="http://schemas.microsoft.com/office/drawing/2014/main" id="{8EFE7D64-ACCA-487D-90E9-40F78EC164A8}"/>
+              </a:ext>
+            </a:extLst>
+          </p:cNvPr>
+          <p:cNvSpPr/>
+          <p:nvPr/>
+        </p:nvSpPr>
+        <p:spPr>
+          <a:xfrm>
+            <a:off x="8344506" y="4636202"/>
+            <a:ext cx="221672" cy="166252"/>
+          </a:xfrm>
+          <a:prstGeom prst="rect">
+            <a:avLst/>
+          </a:prstGeom>
+          <a:solidFill>
+            <a:schemeClr val="tx1"/>
+          </a:solidFill>
+        </p:spPr>
+        <p:style>
+          <a:lnRef idx="2">
+            <a:schemeClr val="accent1">
+              <a:shade val="50000"/>
+            </a:schemeClr>
+          </a:lnRef>
+          <a:fillRef idx="1">
+            <a:schemeClr val="accent1"/>
+          </a:fillRef>
+          <a:effectRef idx="0">
+            <a:schemeClr val="accent1"/>
+          </a:effectRef>
+          <a:fontRef idx="minor">
+            <a:schemeClr val="lt1"/>
+          </a:fontRef>
+        </p:style>
+        <p:txBody>
+          <a:bodyPr rtlCol="0" anchor="ctr"/>
+          <a:lstStyle/>
+          <a:p>
+            <a:pPr algn="ctr"/>
+            <a:endParaRPr lang="en-US"/>
+          </a:p>
+        </p:txBody>
+      </p:sp>
+      <p:sp>
+        <p:nvSpPr>
+          <p:cNvPr id="68" name="Rectangle 67">
+            <a:extLst>
+              <a:ext uri="{FF2B5EF4-FFF2-40B4-BE49-F238E27FC236}">
+                <a16:creationId xmlns:a16="http://schemas.microsoft.com/office/drawing/2014/main" id="{23F763C2-C22C-4448-A7C6-586D8D9DA12F}"/>
+              </a:ext>
+            </a:extLst>
+          </p:cNvPr>
+          <p:cNvSpPr/>
+          <p:nvPr/>
+        </p:nvSpPr>
+        <p:spPr>
+          <a:xfrm>
+            <a:off x="8344506" y="4983231"/>
+            <a:ext cx="221672" cy="166252"/>
+          </a:xfrm>
+          <a:prstGeom prst="rect">
+            <a:avLst/>
+          </a:prstGeom>
+          <a:solidFill>
+            <a:schemeClr val="bg1">
+              <a:lumMod val="50000"/>
+            </a:schemeClr>
+          </a:solidFill>
+        </p:spPr>
+        <p:style>
+          <a:lnRef idx="2">
+            <a:schemeClr val="accent1">
+              <a:shade val="50000"/>
+            </a:schemeClr>
+          </a:lnRef>
+          <a:fillRef idx="1">
+            <a:schemeClr val="accent1"/>
+          </a:fillRef>
+          <a:effectRef idx="0">
+            <a:schemeClr val="accent1"/>
+          </a:effectRef>
+          <a:fontRef idx="minor">
+            <a:schemeClr val="lt1"/>
+          </a:fontRef>
+        </p:style>
+        <p:txBody>
+          <a:bodyPr rtlCol="0" anchor="ctr"/>
+          <a:lstStyle/>
+          <a:p>
+            <a:pPr algn="ctr"/>
+            <a:endParaRPr lang="en-US"/>
+          </a:p>
+        </p:txBody>
+      </p:sp>
+      <p:sp>
+        <p:nvSpPr>
+          <p:cNvPr id="73" name="TextBox 72">
+            <a:extLst>
+              <a:ext uri="{FF2B5EF4-FFF2-40B4-BE49-F238E27FC236}">
+                <a16:creationId xmlns:a16="http://schemas.microsoft.com/office/drawing/2014/main" id="{489E60D4-6CD8-462B-8BFE-1B3C7F2E1701}"/>
+              </a:ext>
+            </a:extLst>
+          </p:cNvPr>
+          <p:cNvSpPr txBox="1"/>
+          <p:nvPr/>
+        </p:nvSpPr>
+        <p:spPr>
+          <a:xfrm>
+            <a:off x="8613307" y="811400"/>
+            <a:ext cx="2663208" cy="338554"/>
+          </a:xfrm>
+          <a:prstGeom prst="rect">
+            <a:avLst/>
+          </a:prstGeom>
+          <a:noFill/>
+        </p:spPr>
+        <p:txBody>
+          <a:bodyPr wrap="square" rtlCol="0">
+            <a:spAutoFit/>
+          </a:bodyPr>
+          <a:lstStyle/>
+          <a:p>
+            <a:r>
+              <a:rPr lang="en-US" sz="1600" dirty="0">
+                <a:latin typeface="Arial" panose="020B0604020202020204" pitchFamily="34" charset="0"/>
+                <a:cs typeface="Arial" panose="020B0604020202020204" pitchFamily="34" charset="0"/>
+              </a:rPr>
+              <a:t>Introduction</a:t>
+            </a:r>
+            <a:endParaRPr lang="en-US" sz="1200" dirty="0">
+              <a:latin typeface="Arial" panose="020B0604020202020204" pitchFamily="34" charset="0"/>
+              <a:cs typeface="Arial" panose="020B0604020202020204" pitchFamily="34" charset="0"/>
+            </a:endParaRPr>
+          </a:p>
+        </p:txBody>
+      </p:sp>
+      <p:sp>
+        <p:nvSpPr>
+          <p:cNvPr id="75" name="TextBox 74">
+            <a:extLst>
+              <a:ext uri="{FF2B5EF4-FFF2-40B4-BE49-F238E27FC236}">
+                <a16:creationId xmlns:a16="http://schemas.microsoft.com/office/drawing/2014/main" id="{936D1AFC-A7AF-4698-8DCE-84131903ABF7}"/>
+              </a:ext>
+            </a:extLst>
+          </p:cNvPr>
+          <p:cNvSpPr txBox="1"/>
+          <p:nvPr/>
+        </p:nvSpPr>
+        <p:spPr>
+          <a:xfrm>
+            <a:off x="8629560" y="4196194"/>
+            <a:ext cx="2663208" cy="369332"/>
+          </a:xfrm>
+          <a:prstGeom prst="rect">
+            <a:avLst/>
+          </a:prstGeom>
+          <a:noFill/>
+        </p:spPr>
+        <p:txBody>
+          <a:bodyPr wrap="square" rtlCol="0">
+            <a:spAutoFit/>
+          </a:bodyPr>
+          <a:lstStyle/>
+          <a:p>
+            <a:r>
+              <a:rPr lang="en-US" dirty="0"/>
+              <a:t>System Architecture</a:t>
+            </a:r>
+            <a:endParaRPr lang="en-US" sz="1200" dirty="0">
+              <a:latin typeface="Arial" panose="020B0604020202020204" pitchFamily="34" charset="0"/>
+              <a:cs typeface="Arial" panose="020B0604020202020204" pitchFamily="34" charset="0"/>
+            </a:endParaRPr>
+          </a:p>
+        </p:txBody>
+      </p:sp>
+      <p:sp>
+        <p:nvSpPr>
+          <p:cNvPr id="76" name="TextBox 75">
+            <a:extLst>
+              <a:ext uri="{FF2B5EF4-FFF2-40B4-BE49-F238E27FC236}">
+                <a16:creationId xmlns:a16="http://schemas.microsoft.com/office/drawing/2014/main" id="{1CB16BFE-B320-4A76-8B5E-5F747B3CA0E6}"/>
+              </a:ext>
+            </a:extLst>
+          </p:cNvPr>
+          <p:cNvSpPr txBox="1"/>
+          <p:nvPr/>
+        </p:nvSpPr>
+        <p:spPr>
+          <a:xfrm>
+            <a:off x="8629559" y="4515827"/>
+            <a:ext cx="3335889" cy="369332"/>
+          </a:xfrm>
+          <a:prstGeom prst="rect">
+            <a:avLst/>
+          </a:prstGeom>
+          <a:noFill/>
+        </p:spPr>
+        <p:txBody>
+          <a:bodyPr wrap="square" rtlCol="0">
+            <a:spAutoFit/>
+          </a:bodyPr>
+          <a:lstStyle/>
+          <a:p>
+            <a:r>
+              <a:rPr lang="en-US" dirty="0"/>
+              <a:t>High Level And Low-Level Design</a:t>
+            </a:r>
+            <a:endParaRPr lang="en-US" sz="1200" dirty="0">
+              <a:latin typeface="Arial" panose="020B0604020202020204" pitchFamily="34" charset="0"/>
+              <a:cs typeface="Arial" panose="020B0604020202020204" pitchFamily="34" charset="0"/>
+            </a:endParaRPr>
+          </a:p>
+        </p:txBody>
+      </p:sp>
+      <p:sp>
+        <p:nvSpPr>
+          <p:cNvPr id="77" name="TextBox 76">
+            <a:extLst>
+              <a:ext uri="{FF2B5EF4-FFF2-40B4-BE49-F238E27FC236}">
+                <a16:creationId xmlns:a16="http://schemas.microsoft.com/office/drawing/2014/main" id="{49866573-E429-45C7-B94A-F27616DBE9B1}"/>
+              </a:ext>
+            </a:extLst>
+          </p:cNvPr>
+          <p:cNvSpPr txBox="1"/>
+          <p:nvPr/>
+        </p:nvSpPr>
+        <p:spPr>
+          <a:xfrm>
+            <a:off x="8613307" y="4880878"/>
+            <a:ext cx="2663208" cy="369332"/>
+          </a:xfrm>
+          <a:prstGeom prst="rect">
+            <a:avLst/>
+          </a:prstGeom>
+          <a:noFill/>
+        </p:spPr>
+        <p:txBody>
+          <a:bodyPr wrap="square" rtlCol="0">
+            <a:spAutoFit/>
+          </a:bodyPr>
+          <a:lstStyle/>
+          <a:p>
+            <a:r>
+              <a:rPr lang="en-US" dirty="0"/>
+              <a:t>Conclusion</a:t>
+            </a:r>
+            <a:endParaRPr lang="en-US" sz="1200" dirty="0">
+              <a:latin typeface="Arial" panose="020B0604020202020204" pitchFamily="34" charset="0"/>
+              <a:cs typeface="Arial" panose="020B0604020202020204" pitchFamily="34" charset="0"/>
+            </a:endParaRPr>
+          </a:p>
+        </p:txBody>
+      </p:sp>
+      <p:sp>
+        <p:nvSpPr>
+          <p:cNvPr id="78" name="Rectangle 77">
+            <a:extLst>
+              <a:ext uri="{FF2B5EF4-FFF2-40B4-BE49-F238E27FC236}">
+                <a16:creationId xmlns:a16="http://schemas.microsoft.com/office/drawing/2014/main" id="{392656DF-2B23-4B41-8BE6-36A869FFF795}"/>
+              </a:ext>
+            </a:extLst>
+          </p:cNvPr>
+          <p:cNvSpPr/>
+          <p:nvPr/>
+        </p:nvSpPr>
+        <p:spPr>
+          <a:xfrm>
+            <a:off x="8342878" y="5479475"/>
+            <a:ext cx="221672" cy="166252"/>
+          </a:xfrm>
+          <a:prstGeom prst="rect">
+            <a:avLst/>
+          </a:prstGeom>
+          <a:solidFill>
+            <a:srgbClr val="FF66FF"/>
+          </a:solidFill>
+        </p:spPr>
+        <p:style>
+          <a:lnRef idx="2">
+            <a:schemeClr val="accent1">
+              <a:shade val="50000"/>
+            </a:schemeClr>
+          </a:lnRef>
+          <a:fillRef idx="1">
+            <a:schemeClr val="accent1"/>
+          </a:fillRef>
+          <a:effectRef idx="0">
+            <a:schemeClr val="accent1"/>
+          </a:effectRef>
+          <a:fontRef idx="minor">
+            <a:schemeClr val="lt1"/>
+          </a:fontRef>
+        </p:style>
+        <p:txBody>
+          <a:bodyPr rtlCol="0" anchor="ctr"/>
+          <a:lstStyle/>
+          <a:p>
+            <a:pPr algn="ctr"/>
+            <a:endParaRPr lang="en-US"/>
+          </a:p>
+        </p:txBody>
+      </p:sp>
+      <p:sp>
+        <p:nvSpPr>
+          <p:cNvPr id="79" name="Rectangle 78">
+            <a:extLst>
+              <a:ext uri="{FF2B5EF4-FFF2-40B4-BE49-F238E27FC236}">
+                <a16:creationId xmlns:a16="http://schemas.microsoft.com/office/drawing/2014/main" id="{ABE5163E-A386-4FD1-9A54-D389B07796FC}"/>
+              </a:ext>
+            </a:extLst>
+          </p:cNvPr>
+          <p:cNvSpPr/>
+          <p:nvPr/>
+        </p:nvSpPr>
+        <p:spPr>
+          <a:xfrm>
+            <a:off x="8350437" y="6129199"/>
+            <a:ext cx="221672" cy="166252"/>
+          </a:xfrm>
+          <a:prstGeom prst="rect">
+            <a:avLst/>
+          </a:prstGeom>
+          <a:solidFill>
+            <a:srgbClr val="993300"/>
+          </a:solidFill>
+        </p:spPr>
+        <p:style>
+          <a:lnRef idx="2">
+            <a:schemeClr val="accent1">
+              <a:shade val="50000"/>
+            </a:schemeClr>
+          </a:lnRef>
+          <a:fillRef idx="1">
+            <a:schemeClr val="accent1"/>
+          </a:fillRef>
+          <a:effectRef idx="0">
+            <a:schemeClr val="accent1"/>
+          </a:effectRef>
+          <a:fontRef idx="minor">
+            <a:schemeClr val="lt1"/>
+          </a:fontRef>
+        </p:style>
+        <p:txBody>
+          <a:bodyPr rtlCol="0" anchor="ctr"/>
+          <a:lstStyle/>
+          <a:p>
+            <a:pPr algn="ctr"/>
+            <a:endParaRPr lang="en-US"/>
+          </a:p>
+        </p:txBody>
+      </p:sp>
+      <p:sp>
+        <p:nvSpPr>
+          <p:cNvPr id="81" name="Rectangle 80">
+            <a:extLst>
+              <a:ext uri="{FF2B5EF4-FFF2-40B4-BE49-F238E27FC236}">
+                <a16:creationId xmlns:a16="http://schemas.microsoft.com/office/drawing/2014/main" id="{BCCBA4B0-64A2-4359-AC67-77BCBE206C3C}"/>
+              </a:ext>
+            </a:extLst>
+          </p:cNvPr>
+          <p:cNvSpPr/>
+          <p:nvPr/>
+        </p:nvSpPr>
+        <p:spPr>
+          <a:xfrm>
+            <a:off x="8342878" y="6459616"/>
+            <a:ext cx="221672" cy="166252"/>
+          </a:xfrm>
+          <a:prstGeom prst="rect">
+            <a:avLst/>
+          </a:prstGeom>
+          <a:solidFill>
+            <a:srgbClr val="00FFFF"/>
+          </a:solidFill>
+        </p:spPr>
+        <p:style>
+          <a:lnRef idx="2">
+            <a:schemeClr val="accent1">
+              <a:shade val="50000"/>
+            </a:schemeClr>
+          </a:lnRef>
+          <a:fillRef idx="1">
+            <a:schemeClr val="accent1"/>
+          </a:fillRef>
+          <a:effectRef idx="0">
+            <a:schemeClr val="accent1"/>
+          </a:effectRef>
+          <a:fontRef idx="minor">
+            <a:schemeClr val="lt1"/>
+          </a:fontRef>
+        </p:style>
+        <p:txBody>
+          <a:bodyPr rtlCol="0" anchor="ctr"/>
+          <a:lstStyle/>
+          <a:p>
+            <a:pPr algn="ctr"/>
+            <a:endParaRPr lang="en-US"/>
+          </a:p>
+        </p:txBody>
+      </p:sp>
+      <p:sp>
+        <p:nvSpPr>
+          <p:cNvPr id="88" name="Rectangle 87">
+            <a:extLst>
+              <a:ext uri="{FF2B5EF4-FFF2-40B4-BE49-F238E27FC236}">
+                <a16:creationId xmlns:a16="http://schemas.microsoft.com/office/drawing/2014/main" id="{CB36D7B6-442C-4EAE-9A20-833A38A6E69A}"/>
+              </a:ext>
+            </a:extLst>
+          </p:cNvPr>
+          <p:cNvSpPr/>
+          <p:nvPr/>
+        </p:nvSpPr>
+        <p:spPr>
+          <a:xfrm>
+            <a:off x="8350437" y="5819395"/>
+            <a:ext cx="221672" cy="166252"/>
+          </a:xfrm>
+          <a:prstGeom prst="rect">
+            <a:avLst/>
+          </a:prstGeom>
+          <a:solidFill>
+            <a:srgbClr val="00FF00"/>
+          </a:solidFill>
+        </p:spPr>
+        <p:style>
+          <a:lnRef idx="2">
+            <a:schemeClr val="accent1">
+              <a:shade val="50000"/>
+            </a:schemeClr>
+          </a:lnRef>
+          <a:fillRef idx="1">
+            <a:schemeClr val="accent1"/>
+          </a:fillRef>
+          <a:effectRef idx="0">
+            <a:schemeClr val="accent1"/>
+          </a:effectRef>
+          <a:fontRef idx="minor">
+            <a:schemeClr val="lt1"/>
+          </a:fontRef>
+        </p:style>
+        <p:txBody>
+          <a:bodyPr rtlCol="0" anchor="ctr"/>
+          <a:lstStyle/>
+          <a:p>
+            <a:pPr algn="ctr"/>
+            <a:endParaRPr lang="en-US"/>
+          </a:p>
+        </p:txBody>
+      </p:sp>
+      <p:sp>
+        <p:nvSpPr>
+          <p:cNvPr id="102" name="TextBox 101">
+            <a:extLst>
+              <a:ext uri="{FF2B5EF4-FFF2-40B4-BE49-F238E27FC236}">
+                <a16:creationId xmlns:a16="http://schemas.microsoft.com/office/drawing/2014/main" id="{B0D2D51D-A0EA-4901-9D73-0B868D4C220B}"/>
+              </a:ext>
+            </a:extLst>
+          </p:cNvPr>
+          <p:cNvSpPr txBox="1"/>
+          <p:nvPr/>
+        </p:nvSpPr>
+        <p:spPr>
+          <a:xfrm>
+            <a:off x="8568890" y="5391529"/>
+            <a:ext cx="2663208" cy="338554"/>
+          </a:xfrm>
+          <a:prstGeom prst="rect">
+            <a:avLst/>
+          </a:prstGeom>
+          <a:noFill/>
+        </p:spPr>
+        <p:txBody>
+          <a:bodyPr wrap="square" rtlCol="0">
+            <a:spAutoFit/>
+          </a:bodyPr>
+          <a:lstStyle/>
+          <a:p>
+            <a:r>
+              <a:rPr lang="en-US" sz="1600" dirty="0">
+                <a:latin typeface="Arial" panose="020B0604020202020204" pitchFamily="34" charset="0"/>
+                <a:cs typeface="Arial" panose="020B0604020202020204" pitchFamily="34" charset="0"/>
+              </a:rPr>
+              <a:t>Introduction</a:t>
+            </a:r>
+            <a:endParaRPr lang="en-US" sz="1200" dirty="0">
+              <a:latin typeface="Arial" panose="020B0604020202020204" pitchFamily="34" charset="0"/>
+              <a:cs typeface="Arial" panose="020B0604020202020204" pitchFamily="34" charset="0"/>
+            </a:endParaRPr>
+          </a:p>
+        </p:txBody>
+      </p:sp>
+      <p:sp>
+        <p:nvSpPr>
+          <p:cNvPr id="103" name="TextBox 102">
+            <a:extLst>
+              <a:ext uri="{FF2B5EF4-FFF2-40B4-BE49-F238E27FC236}">
+                <a16:creationId xmlns:a16="http://schemas.microsoft.com/office/drawing/2014/main" id="{D642C0F4-E5AF-4A40-B6E4-25760DAEB2D4}"/>
+              </a:ext>
+            </a:extLst>
+          </p:cNvPr>
+          <p:cNvSpPr txBox="1"/>
+          <p:nvPr/>
+        </p:nvSpPr>
+        <p:spPr>
+          <a:xfrm>
+            <a:off x="8564009" y="5722298"/>
+            <a:ext cx="2663208" cy="338554"/>
+          </a:xfrm>
+          <a:prstGeom prst="rect">
+            <a:avLst/>
+          </a:prstGeom>
+          <a:noFill/>
+        </p:spPr>
+        <p:txBody>
+          <a:bodyPr wrap="square" rtlCol="0">
+            <a:spAutoFit/>
+          </a:bodyPr>
+          <a:lstStyle/>
+          <a:p>
+            <a:r>
+              <a:rPr lang="en-US" sz="1600" dirty="0">
+                <a:latin typeface="Arial" panose="020B0604020202020204" pitchFamily="34" charset="0"/>
+                <a:cs typeface="Arial" panose="020B0604020202020204" pitchFamily="34" charset="0"/>
+              </a:rPr>
+              <a:t>Introduction</a:t>
+            </a:r>
+            <a:endParaRPr lang="en-US" sz="1200" dirty="0">
+              <a:latin typeface="Arial" panose="020B0604020202020204" pitchFamily="34" charset="0"/>
+              <a:cs typeface="Arial" panose="020B0604020202020204" pitchFamily="34" charset="0"/>
+            </a:endParaRPr>
+          </a:p>
+        </p:txBody>
+      </p:sp>
+      <p:sp>
+        <p:nvSpPr>
+          <p:cNvPr id="104" name="TextBox 103">
+            <a:extLst>
+              <a:ext uri="{FF2B5EF4-FFF2-40B4-BE49-F238E27FC236}">
+                <a16:creationId xmlns:a16="http://schemas.microsoft.com/office/drawing/2014/main" id="{33F707ED-B39B-443C-867F-A6B9F30376CB}"/>
+              </a:ext>
+            </a:extLst>
+          </p:cNvPr>
+          <p:cNvSpPr txBox="1"/>
+          <p:nvPr/>
+        </p:nvSpPr>
+        <p:spPr>
+          <a:xfrm>
+            <a:off x="8551306" y="6018477"/>
+            <a:ext cx="2663208" cy="338554"/>
+          </a:xfrm>
+          <a:prstGeom prst="rect">
+            <a:avLst/>
+          </a:prstGeom>
+          <a:noFill/>
+        </p:spPr>
+        <p:txBody>
+          <a:bodyPr wrap="square" rtlCol="0">
+            <a:spAutoFit/>
+          </a:bodyPr>
+          <a:lstStyle/>
+          <a:p>
+            <a:r>
+              <a:rPr lang="en-US" sz="1600" dirty="0">
+                <a:latin typeface="Arial" panose="020B0604020202020204" pitchFamily="34" charset="0"/>
+                <a:cs typeface="Arial" panose="020B0604020202020204" pitchFamily="34" charset="0"/>
+              </a:rPr>
+              <a:t>Introduction</a:t>
+            </a:r>
+            <a:endParaRPr lang="en-US" sz="1200" dirty="0">
+              <a:latin typeface="Arial" panose="020B0604020202020204" pitchFamily="34" charset="0"/>
+              <a:cs typeface="Arial" panose="020B0604020202020204" pitchFamily="34" charset="0"/>
+            </a:endParaRPr>
+          </a:p>
+        </p:txBody>
+      </p:sp>
+      <p:sp>
+        <p:nvSpPr>
+          <p:cNvPr id="105" name="TextBox 104">
+            <a:extLst>
+              <a:ext uri="{FF2B5EF4-FFF2-40B4-BE49-F238E27FC236}">
+                <a16:creationId xmlns:a16="http://schemas.microsoft.com/office/drawing/2014/main" id="{12AAAEE0-DA57-47A8-B420-2A2906A1E200}"/>
+              </a:ext>
+            </a:extLst>
+          </p:cNvPr>
+          <p:cNvSpPr txBox="1"/>
+          <p:nvPr/>
+        </p:nvSpPr>
+        <p:spPr>
+          <a:xfrm>
+            <a:off x="8568890" y="6349246"/>
+            <a:ext cx="2663208" cy="338554"/>
+          </a:xfrm>
+          <a:prstGeom prst="rect">
+            <a:avLst/>
+          </a:prstGeom>
+          <a:noFill/>
+        </p:spPr>
+        <p:txBody>
+          <a:bodyPr wrap="square" rtlCol="0">
+            <a:spAutoFit/>
+          </a:bodyPr>
+          <a:lstStyle/>
+          <a:p>
+            <a:r>
+              <a:rPr lang="en-US" sz="1600" dirty="0">
+                <a:latin typeface="Arial" panose="020B0604020202020204" pitchFamily="34" charset="0"/>
+                <a:cs typeface="Arial" panose="020B0604020202020204" pitchFamily="34" charset="0"/>
+              </a:rPr>
+              <a:t>Introduction</a:t>
+            </a:r>
+            <a:endParaRPr lang="en-US" sz="1200" dirty="0">
+              <a:latin typeface="Arial" panose="020B0604020202020204" pitchFamily="34" charset="0"/>
+              <a:cs typeface="Arial" panose="020B0604020202020204" pitchFamily="34" charset="0"/>
+            </a:endParaRPr>
+          </a:p>
+        </p:txBody>
+      </p:sp>
+      <p:sp>
+        <p:nvSpPr>
+          <p:cNvPr id="106" name="Rectangle 105">
+            <a:extLst>
+              <a:ext uri="{FF2B5EF4-FFF2-40B4-BE49-F238E27FC236}">
+                <a16:creationId xmlns:a16="http://schemas.microsoft.com/office/drawing/2014/main" id="{48021831-30F4-4969-953B-DC7878570691}"/>
+              </a:ext>
+            </a:extLst>
+          </p:cNvPr>
+          <p:cNvSpPr/>
+          <p:nvPr/>
+        </p:nvSpPr>
+        <p:spPr>
+          <a:xfrm>
+            <a:off x="738908" y="2633271"/>
+            <a:ext cx="221672" cy="166252"/>
+          </a:xfrm>
+          <a:prstGeom prst="rect">
+            <a:avLst/>
+          </a:prstGeom>
+          <a:solidFill>
+            <a:srgbClr val="002060"/>
+          </a:solidFill>
+        </p:spPr>
+        <p:style>
+          <a:lnRef idx="2">
+            <a:schemeClr val="accent1">
+              <a:shade val="50000"/>
+            </a:schemeClr>
+          </a:lnRef>
+          <a:fillRef idx="1">
+            <a:schemeClr val="accent1"/>
+          </a:fillRef>
+          <a:effectRef idx="0">
+            <a:schemeClr val="accent1"/>
+          </a:effectRef>
+          <a:fontRef idx="minor">
+            <a:schemeClr val="lt1"/>
+          </a:fontRef>
+        </p:style>
+        <p:txBody>
+          <a:bodyPr rtlCol="0" anchor="ctr"/>
+          <a:lstStyle/>
+          <a:p>
+            <a:pPr algn="ctr"/>
+            <a:endParaRPr lang="en-US" dirty="0"/>
+          </a:p>
+        </p:txBody>
+      </p:sp>
+      <p:sp>
+        <p:nvSpPr>
+          <p:cNvPr id="107" name="Rectangle 106">
+            <a:extLst>
+              <a:ext uri="{FF2B5EF4-FFF2-40B4-BE49-F238E27FC236}">
+                <a16:creationId xmlns:a16="http://schemas.microsoft.com/office/drawing/2014/main" id="{FB7A6885-1D70-46D7-9B2C-E2CE31A50D4D}"/>
+              </a:ext>
+            </a:extLst>
+          </p:cNvPr>
+          <p:cNvSpPr/>
+          <p:nvPr/>
+        </p:nvSpPr>
+        <p:spPr>
+          <a:xfrm>
+            <a:off x="738908" y="3460949"/>
+            <a:ext cx="221672" cy="166252"/>
+          </a:xfrm>
+          <a:prstGeom prst="rect">
+            <a:avLst/>
+          </a:prstGeom>
+          <a:solidFill>
+            <a:srgbClr val="FF0000"/>
+          </a:solidFill>
+        </p:spPr>
+        <p:style>
+          <a:lnRef idx="2">
+            <a:schemeClr val="accent1">
+              <a:shade val="50000"/>
+            </a:schemeClr>
+          </a:lnRef>
+          <a:fillRef idx="1">
+            <a:schemeClr val="accent1"/>
+          </a:fillRef>
+          <a:effectRef idx="0">
+            <a:schemeClr val="accent1"/>
+          </a:effectRef>
+          <a:fontRef idx="minor">
+            <a:schemeClr val="lt1"/>
+          </a:fontRef>
+        </p:style>
+        <p:txBody>
+          <a:bodyPr rtlCol="0" anchor="ctr"/>
+          <a:lstStyle/>
+          <a:p>
+            <a:pPr algn="ctr"/>
+            <a:endParaRPr lang="en-US"/>
+          </a:p>
+        </p:txBody>
+      </p:sp>
+      <p:sp>
+        <p:nvSpPr>
+          <p:cNvPr id="108" name="Rectangle 107">
+            <a:extLst>
+              <a:ext uri="{FF2B5EF4-FFF2-40B4-BE49-F238E27FC236}">
+                <a16:creationId xmlns:a16="http://schemas.microsoft.com/office/drawing/2014/main" id="{A81ECB1D-1A57-4332-9D69-593B898F824E}"/>
+              </a:ext>
+            </a:extLst>
+          </p:cNvPr>
+          <p:cNvSpPr/>
+          <p:nvPr/>
+        </p:nvSpPr>
+        <p:spPr>
+          <a:xfrm>
+            <a:off x="6590149" y="3414274"/>
+            <a:ext cx="221672" cy="166252"/>
+          </a:xfrm>
+          <a:prstGeom prst="rect">
+            <a:avLst/>
+          </a:prstGeom>
+          <a:solidFill>
+            <a:srgbClr val="FF0000"/>
+          </a:solidFill>
+        </p:spPr>
+        <p:style>
+          <a:lnRef idx="2">
+            <a:schemeClr val="accent1">
+              <a:shade val="50000"/>
+            </a:schemeClr>
+          </a:lnRef>
+          <a:fillRef idx="1">
+            <a:schemeClr val="accent1"/>
+          </a:fillRef>
+          <a:effectRef idx="0">
+            <a:schemeClr val="accent1"/>
+          </a:effectRef>
+          <a:fontRef idx="minor">
+            <a:schemeClr val="lt1"/>
+          </a:fontRef>
+        </p:style>
+        <p:txBody>
+          <a:bodyPr rtlCol="0" anchor="ctr"/>
+          <a:lstStyle/>
+          <a:p>
+            <a:pPr algn="ctr"/>
+            <a:endParaRPr lang="en-US"/>
+          </a:p>
+        </p:txBody>
+      </p:sp>
+      <p:sp>
+        <p:nvSpPr>
+          <p:cNvPr id="109" name="Rectangle 108">
+            <a:extLst>
+              <a:ext uri="{FF2B5EF4-FFF2-40B4-BE49-F238E27FC236}">
+                <a16:creationId xmlns:a16="http://schemas.microsoft.com/office/drawing/2014/main" id="{31CB848F-4D8B-4EEA-9D6B-ACC225E880FE}"/>
+              </a:ext>
+            </a:extLst>
+          </p:cNvPr>
+          <p:cNvSpPr/>
+          <p:nvPr/>
+        </p:nvSpPr>
+        <p:spPr>
+          <a:xfrm>
+            <a:off x="738908" y="3307395"/>
+            <a:ext cx="221672" cy="166252"/>
+          </a:xfrm>
+          <a:prstGeom prst="rect">
+            <a:avLst/>
+          </a:prstGeom>
+          <a:solidFill>
+            <a:srgbClr val="FFFF00"/>
+          </a:solidFill>
+        </p:spPr>
+        <p:style>
+          <a:lnRef idx="2">
+            <a:schemeClr val="accent1">
+              <a:shade val="50000"/>
+            </a:schemeClr>
+          </a:lnRef>
+          <a:fillRef idx="1">
+            <a:schemeClr val="accent1"/>
+          </a:fillRef>
+          <a:effectRef idx="0">
+            <a:schemeClr val="accent1"/>
+          </a:effectRef>
+          <a:fontRef idx="minor">
+            <a:schemeClr val="lt1"/>
+          </a:fontRef>
+        </p:style>
+        <p:txBody>
+          <a:bodyPr rtlCol="0" anchor="ctr"/>
+          <a:lstStyle/>
+          <a:p>
+            <a:pPr algn="ctr"/>
+            <a:endParaRPr lang="en-US"/>
+          </a:p>
+        </p:txBody>
+      </p:sp>
+      <p:sp>
+        <p:nvSpPr>
+          <p:cNvPr id="110" name="Rectangle 109">
+            <a:extLst>
+              <a:ext uri="{FF2B5EF4-FFF2-40B4-BE49-F238E27FC236}">
+                <a16:creationId xmlns:a16="http://schemas.microsoft.com/office/drawing/2014/main" id="{1F56B977-1B4B-4343-BF96-33126DFDDF38}"/>
+              </a:ext>
+            </a:extLst>
+          </p:cNvPr>
+          <p:cNvSpPr/>
+          <p:nvPr/>
+        </p:nvSpPr>
+        <p:spPr>
+          <a:xfrm>
+            <a:off x="3641225" y="3429291"/>
+            <a:ext cx="221672" cy="166252"/>
+          </a:xfrm>
+          <a:prstGeom prst="rect">
+            <a:avLst/>
+          </a:prstGeom>
+          <a:solidFill>
+            <a:srgbClr val="FFFF00"/>
+          </a:solidFill>
+        </p:spPr>
+        <p:style>
+          <a:lnRef idx="2">
+            <a:schemeClr val="accent1">
+              <a:shade val="50000"/>
+            </a:schemeClr>
+          </a:lnRef>
+          <a:fillRef idx="1">
+            <a:schemeClr val="accent1"/>
+          </a:fillRef>
+          <a:effectRef idx="0">
+            <a:schemeClr val="accent1"/>
+          </a:effectRef>
+          <a:fontRef idx="minor">
+            <a:schemeClr val="lt1"/>
+          </a:fontRef>
+        </p:style>
+        <p:txBody>
+          <a:bodyPr rtlCol="0" anchor="ctr"/>
+          <a:lstStyle/>
+          <a:p>
+            <a:pPr algn="ctr"/>
+            <a:endParaRPr lang="en-US"/>
+          </a:p>
+        </p:txBody>
+      </p:sp>
+      <p:sp>
+        <p:nvSpPr>
+          <p:cNvPr id="112" name="Rectangle 111">
+            <a:extLst>
+              <a:ext uri="{FF2B5EF4-FFF2-40B4-BE49-F238E27FC236}">
+                <a16:creationId xmlns:a16="http://schemas.microsoft.com/office/drawing/2014/main" id="{894F23C0-7527-48CA-A107-61C3B353B8CB}"/>
+              </a:ext>
+            </a:extLst>
+          </p:cNvPr>
+          <p:cNvSpPr/>
+          <p:nvPr/>
+        </p:nvSpPr>
+        <p:spPr>
+          <a:xfrm>
+            <a:off x="5116944" y="3414274"/>
+            <a:ext cx="221672" cy="166252"/>
+          </a:xfrm>
+          <a:prstGeom prst="rect">
+            <a:avLst/>
+          </a:prstGeom>
+          <a:solidFill>
+            <a:srgbClr val="FFC000"/>
+          </a:solidFill>
+        </p:spPr>
+        <p:style>
+          <a:lnRef idx="2">
+            <a:schemeClr val="accent1">
+              <a:shade val="50000"/>
+            </a:schemeClr>
+          </a:lnRef>
+          <a:fillRef idx="1">
+            <a:schemeClr val="accent1"/>
+          </a:fillRef>
+          <a:effectRef idx="0">
+            <a:schemeClr val="accent1"/>
+          </a:effectRef>
+          <a:fontRef idx="minor">
+            <a:schemeClr val="lt1"/>
+          </a:fontRef>
+        </p:style>
+        <p:txBody>
+          <a:bodyPr rtlCol="0" anchor="ctr"/>
+          <a:lstStyle/>
+          <a:p>
+            <a:pPr algn="ctr"/>
+            <a:endParaRPr lang="en-US" dirty="0"/>
+          </a:p>
+        </p:txBody>
+      </p:sp>
+      <p:sp>
+        <p:nvSpPr>
+          <p:cNvPr id="113" name="Rectangle 112">
+            <a:extLst>
+              <a:ext uri="{FF2B5EF4-FFF2-40B4-BE49-F238E27FC236}">
+                <a16:creationId xmlns:a16="http://schemas.microsoft.com/office/drawing/2014/main" id="{2272BFAA-054A-4D13-B16C-0A0A46427678}"/>
+              </a:ext>
+            </a:extLst>
+          </p:cNvPr>
+          <p:cNvSpPr/>
+          <p:nvPr/>
+        </p:nvSpPr>
+        <p:spPr>
+          <a:xfrm>
+            <a:off x="738908" y="3152677"/>
+            <a:ext cx="221672" cy="166252"/>
+          </a:xfrm>
+          <a:prstGeom prst="rect">
+            <a:avLst/>
+          </a:prstGeom>
+          <a:solidFill>
+            <a:srgbClr val="00B050"/>
+          </a:solidFill>
+        </p:spPr>
+        <p:style>
+          <a:lnRef idx="2">
+            <a:schemeClr val="accent1">
+              <a:shade val="50000"/>
+            </a:schemeClr>
+          </a:lnRef>
+          <a:fillRef idx="1">
+            <a:schemeClr val="accent1"/>
+          </a:fillRef>
+          <a:effectRef idx="0">
+            <a:schemeClr val="accent1"/>
+          </a:effectRef>
+          <a:fontRef idx="minor">
+            <a:schemeClr val="lt1"/>
+          </a:fontRef>
+        </p:style>
+        <p:txBody>
+          <a:bodyPr rtlCol="0" anchor="ctr"/>
+          <a:lstStyle/>
+          <a:p>
+            <a:pPr algn="ctr"/>
+            <a:endParaRPr lang="en-US"/>
+          </a:p>
+        </p:txBody>
+      </p:sp>
+      <p:sp>
+        <p:nvSpPr>
+          <p:cNvPr id="114" name="Rectangle 113">
+            <a:extLst>
+              <a:ext uri="{FF2B5EF4-FFF2-40B4-BE49-F238E27FC236}">
+                <a16:creationId xmlns:a16="http://schemas.microsoft.com/office/drawing/2014/main" id="{F4C196D0-2266-424F-A3B4-F994E71F99C0}"/>
+              </a:ext>
+            </a:extLst>
+          </p:cNvPr>
+          <p:cNvSpPr/>
+          <p:nvPr/>
+        </p:nvSpPr>
+        <p:spPr>
+          <a:xfrm>
+            <a:off x="2187686" y="3429291"/>
+            <a:ext cx="221672" cy="166252"/>
+          </a:xfrm>
+          <a:prstGeom prst="rect">
+            <a:avLst/>
+          </a:prstGeom>
+          <a:solidFill>
+            <a:srgbClr val="00B050"/>
+          </a:solidFill>
+        </p:spPr>
+        <p:style>
+          <a:lnRef idx="2">
+            <a:schemeClr val="accent1">
+              <a:shade val="50000"/>
+            </a:schemeClr>
+          </a:lnRef>
+          <a:fillRef idx="1">
+            <a:schemeClr val="accent1"/>
+          </a:fillRef>
+          <a:effectRef idx="0">
+            <a:schemeClr val="accent1"/>
+          </a:effectRef>
+          <a:fontRef idx="minor">
+            <a:schemeClr val="lt1"/>
+          </a:fontRef>
+        </p:style>
+        <p:txBody>
+          <a:bodyPr rtlCol="0" anchor="ctr"/>
+          <a:lstStyle/>
+          <a:p>
+            <a:pPr algn="ctr"/>
+            <a:endParaRPr lang="en-US"/>
+          </a:p>
+        </p:txBody>
+      </p:sp>
+      <p:sp>
+        <p:nvSpPr>
+          <p:cNvPr id="115" name="Rectangle 114">
+            <a:extLst>
+              <a:ext uri="{FF2B5EF4-FFF2-40B4-BE49-F238E27FC236}">
+                <a16:creationId xmlns:a16="http://schemas.microsoft.com/office/drawing/2014/main" id="{408CC7BB-DDD0-431E-B0D7-C39BA51774B3}"/>
+              </a:ext>
+            </a:extLst>
+          </p:cNvPr>
+          <p:cNvSpPr/>
+          <p:nvPr/>
+        </p:nvSpPr>
+        <p:spPr>
+          <a:xfrm>
+            <a:off x="738908" y="2969636"/>
+            <a:ext cx="221672" cy="166252"/>
+          </a:xfrm>
+          <a:prstGeom prst="rect">
+            <a:avLst/>
+          </a:prstGeom>
+          <a:solidFill>
+            <a:schemeClr val="accent5"/>
+          </a:solidFill>
+        </p:spPr>
+        <p:style>
+          <a:lnRef idx="2">
+            <a:schemeClr val="accent1">
+              <a:shade val="50000"/>
+            </a:schemeClr>
+          </a:lnRef>
+          <a:fillRef idx="1">
+            <a:schemeClr val="accent1"/>
+          </a:fillRef>
+          <a:effectRef idx="0">
+            <a:schemeClr val="accent1"/>
+          </a:effectRef>
+          <a:fontRef idx="minor">
+            <a:schemeClr val="lt1"/>
+          </a:fontRef>
+        </p:style>
+        <p:txBody>
+          <a:bodyPr rtlCol="0" anchor="ctr"/>
+          <a:lstStyle/>
+          <a:p>
+            <a:pPr algn="ctr"/>
+            <a:endParaRPr lang="en-US"/>
+          </a:p>
+        </p:txBody>
+      </p:sp>
+      <p:sp>
+        <p:nvSpPr>
+          <p:cNvPr id="116" name="Rectangle 115">
+            <a:extLst>
+              <a:ext uri="{FF2B5EF4-FFF2-40B4-BE49-F238E27FC236}">
+                <a16:creationId xmlns:a16="http://schemas.microsoft.com/office/drawing/2014/main" id="{8A35A88C-7B00-4E5A-9109-A4D40945DB79}"/>
+              </a:ext>
+            </a:extLst>
+          </p:cNvPr>
+          <p:cNvSpPr/>
+          <p:nvPr/>
+        </p:nvSpPr>
+        <p:spPr>
+          <a:xfrm>
+            <a:off x="3641225" y="3253802"/>
+            <a:ext cx="221672" cy="166252"/>
+          </a:xfrm>
+          <a:prstGeom prst="rect">
+            <a:avLst/>
+          </a:prstGeom>
+          <a:solidFill>
+            <a:srgbClr val="7030A0"/>
+          </a:solidFill>
+        </p:spPr>
+        <p:style>
+          <a:lnRef idx="2">
+            <a:schemeClr val="accent1">
+              <a:shade val="50000"/>
+            </a:schemeClr>
+          </a:lnRef>
+          <a:fillRef idx="1">
+            <a:schemeClr val="accent1"/>
+          </a:fillRef>
+          <a:effectRef idx="0">
+            <a:schemeClr val="accent1"/>
+          </a:effectRef>
+          <a:fontRef idx="minor">
+            <a:schemeClr val="lt1"/>
+          </a:fontRef>
+        </p:style>
+        <p:txBody>
+          <a:bodyPr rtlCol="0" anchor="ctr"/>
+          <a:lstStyle/>
+          <a:p>
+            <a:pPr algn="ctr"/>
+            <a:endParaRPr lang="en-US"/>
+          </a:p>
+        </p:txBody>
+      </p:sp>
+      <p:sp>
+        <p:nvSpPr>
+          <p:cNvPr id="117" name="Rectangle 116">
+            <a:extLst>
+              <a:ext uri="{FF2B5EF4-FFF2-40B4-BE49-F238E27FC236}">
+                <a16:creationId xmlns:a16="http://schemas.microsoft.com/office/drawing/2014/main" id="{2BE9F8DF-A711-4225-85C9-DE49BB13F7E5}"/>
+              </a:ext>
+            </a:extLst>
+          </p:cNvPr>
+          <p:cNvSpPr/>
+          <p:nvPr/>
+        </p:nvSpPr>
+        <p:spPr>
+          <a:xfrm>
+            <a:off x="5115687" y="3241866"/>
+            <a:ext cx="221672" cy="166252"/>
+          </a:xfrm>
+          <a:prstGeom prst="rect">
+            <a:avLst/>
+          </a:prstGeom>
+          <a:solidFill>
+            <a:srgbClr val="7030A0"/>
+          </a:solidFill>
+        </p:spPr>
+        <p:style>
+          <a:lnRef idx="2">
+            <a:schemeClr val="accent1">
+              <a:shade val="50000"/>
+            </a:schemeClr>
+          </a:lnRef>
+          <a:fillRef idx="1">
+            <a:schemeClr val="accent1"/>
+          </a:fillRef>
+          <a:effectRef idx="0">
+            <a:schemeClr val="accent1"/>
+          </a:effectRef>
+          <a:fontRef idx="minor">
+            <a:schemeClr val="lt1"/>
+          </a:fontRef>
+        </p:style>
+        <p:txBody>
+          <a:bodyPr rtlCol="0" anchor="ctr"/>
+          <a:lstStyle/>
+          <a:p>
+            <a:pPr algn="ctr"/>
+            <a:endParaRPr lang="en-US" dirty="0"/>
+          </a:p>
+        </p:txBody>
+      </p:sp>
+      <p:sp>
+        <p:nvSpPr>
+          <p:cNvPr id="118" name="Rectangle 117">
+            <a:extLst>
+              <a:ext uri="{FF2B5EF4-FFF2-40B4-BE49-F238E27FC236}">
+                <a16:creationId xmlns:a16="http://schemas.microsoft.com/office/drawing/2014/main" id="{A4BF2009-1D03-443E-8A7C-BAA8A0589310}"/>
+              </a:ext>
+            </a:extLst>
+          </p:cNvPr>
+          <p:cNvSpPr/>
+          <p:nvPr/>
+        </p:nvSpPr>
+        <p:spPr>
+          <a:xfrm>
+            <a:off x="6590149" y="3230104"/>
+            <a:ext cx="221672" cy="166252"/>
+          </a:xfrm>
+          <a:prstGeom prst="rect">
+            <a:avLst/>
+          </a:prstGeom>
+          <a:solidFill>
+            <a:srgbClr val="C00000"/>
+          </a:solidFill>
+        </p:spPr>
+        <p:style>
+          <a:lnRef idx="2">
+            <a:schemeClr val="accent1">
+              <a:shade val="50000"/>
+            </a:schemeClr>
+          </a:lnRef>
+          <a:fillRef idx="1">
+            <a:schemeClr val="accent1"/>
+          </a:fillRef>
+          <a:effectRef idx="0">
+            <a:schemeClr val="accent1"/>
+          </a:effectRef>
+          <a:fontRef idx="minor">
+            <a:schemeClr val="lt1"/>
+          </a:fontRef>
+        </p:style>
+        <p:txBody>
+          <a:bodyPr rtlCol="0" anchor="ctr"/>
+          <a:lstStyle/>
+          <a:p>
+            <a:pPr algn="ctr"/>
+            <a:endParaRPr lang="en-US" dirty="0"/>
+          </a:p>
+        </p:txBody>
+      </p:sp>
+      <p:sp>
+        <p:nvSpPr>
+          <p:cNvPr id="119" name="Rectangle 118">
+            <a:extLst>
+              <a:ext uri="{FF2B5EF4-FFF2-40B4-BE49-F238E27FC236}">
+                <a16:creationId xmlns:a16="http://schemas.microsoft.com/office/drawing/2014/main" id="{88BC3FE3-FE29-4EDB-9342-37692572462A}"/>
+              </a:ext>
+            </a:extLst>
+          </p:cNvPr>
+          <p:cNvSpPr/>
+          <p:nvPr/>
+        </p:nvSpPr>
+        <p:spPr>
+          <a:xfrm>
+            <a:off x="5110806" y="3073722"/>
+            <a:ext cx="221672" cy="166252"/>
+          </a:xfrm>
+          <a:prstGeom prst="rect">
+            <a:avLst/>
+          </a:prstGeom>
+          <a:solidFill>
+            <a:srgbClr val="C00000"/>
+          </a:solidFill>
+        </p:spPr>
+        <p:style>
+          <a:lnRef idx="2">
+            <a:schemeClr val="accent1">
+              <a:shade val="50000"/>
+            </a:schemeClr>
+          </a:lnRef>
+          <a:fillRef idx="1">
+            <a:schemeClr val="accent1"/>
+          </a:fillRef>
+          <a:effectRef idx="0">
+            <a:schemeClr val="accent1"/>
+          </a:effectRef>
+          <a:fontRef idx="minor">
+            <a:schemeClr val="lt1"/>
+          </a:fontRef>
+        </p:style>
+        <p:txBody>
+          <a:bodyPr rtlCol="0" anchor="ctr"/>
+          <a:lstStyle/>
+          <a:p>
+            <a:pPr algn="ctr"/>
+            <a:endParaRPr lang="en-US"/>
+          </a:p>
+        </p:txBody>
+      </p:sp>
+      <p:sp>
+        <p:nvSpPr>
+          <p:cNvPr id="120" name="Rectangle 119">
+            <a:extLst>
+              <a:ext uri="{FF2B5EF4-FFF2-40B4-BE49-F238E27FC236}">
+                <a16:creationId xmlns:a16="http://schemas.microsoft.com/office/drawing/2014/main" id="{4A144DED-9D66-4BD0-9BF4-EDD5048542E0}"/>
+              </a:ext>
+            </a:extLst>
+          </p:cNvPr>
+          <p:cNvSpPr/>
+          <p:nvPr/>
+        </p:nvSpPr>
+        <p:spPr>
+          <a:xfrm>
+            <a:off x="3641225" y="3072490"/>
+            <a:ext cx="221672" cy="166252"/>
+          </a:xfrm>
+          <a:prstGeom prst="rect">
+            <a:avLst/>
+          </a:prstGeom>
+          <a:solidFill>
+            <a:srgbClr val="C00000"/>
+          </a:solidFill>
+        </p:spPr>
+        <p:style>
+          <a:lnRef idx="2">
+            <a:schemeClr val="accent1">
+              <a:shade val="50000"/>
+            </a:schemeClr>
+          </a:lnRef>
+          <a:fillRef idx="1">
+            <a:schemeClr val="accent1"/>
+          </a:fillRef>
+          <a:effectRef idx="0">
+            <a:schemeClr val="accent1"/>
+          </a:effectRef>
+          <a:fontRef idx="minor">
+            <a:schemeClr val="lt1"/>
+          </a:fontRef>
+        </p:style>
+        <p:txBody>
+          <a:bodyPr rtlCol="0" anchor="ctr"/>
+          <a:lstStyle/>
+          <a:p>
+            <a:pPr algn="ctr"/>
+            <a:endParaRPr lang="en-US"/>
+          </a:p>
+        </p:txBody>
+      </p:sp>
+      <p:sp>
+        <p:nvSpPr>
+          <p:cNvPr id="121" name="Rectangle 120">
+            <a:extLst>
+              <a:ext uri="{FF2B5EF4-FFF2-40B4-BE49-F238E27FC236}">
+                <a16:creationId xmlns:a16="http://schemas.microsoft.com/office/drawing/2014/main" id="{8AFC23CC-F2B5-4085-8691-72419D87BF8D}"/>
+              </a:ext>
+            </a:extLst>
+          </p:cNvPr>
+          <p:cNvSpPr/>
+          <p:nvPr/>
+        </p:nvSpPr>
+        <p:spPr>
+          <a:xfrm>
+            <a:off x="2187686" y="3253802"/>
+            <a:ext cx="221672" cy="166252"/>
+          </a:xfrm>
+          <a:prstGeom prst="rect">
+            <a:avLst/>
+          </a:prstGeom>
+          <a:solidFill>
+            <a:srgbClr val="C00000"/>
+          </a:solidFill>
+        </p:spPr>
+        <p:style>
+          <a:lnRef idx="2">
+            <a:schemeClr val="accent1">
+              <a:shade val="50000"/>
+            </a:schemeClr>
+          </a:lnRef>
+          <a:fillRef idx="1">
+            <a:schemeClr val="accent1"/>
+          </a:fillRef>
+          <a:effectRef idx="0">
+            <a:schemeClr val="accent1"/>
+          </a:effectRef>
+          <a:fontRef idx="minor">
+            <a:schemeClr val="lt1"/>
+          </a:fontRef>
+        </p:style>
+        <p:txBody>
+          <a:bodyPr rtlCol="0" anchor="ctr"/>
+          <a:lstStyle/>
+          <a:p>
+            <a:pPr algn="ctr"/>
+            <a:endParaRPr lang="en-US" dirty="0"/>
+          </a:p>
+        </p:txBody>
+      </p:sp>
+      <p:sp>
+        <p:nvSpPr>
+          <p:cNvPr id="122" name="Rectangle 121">
+            <a:extLst>
+              <a:ext uri="{FF2B5EF4-FFF2-40B4-BE49-F238E27FC236}">
+                <a16:creationId xmlns:a16="http://schemas.microsoft.com/office/drawing/2014/main" id="{B3BC3817-B140-462F-B797-997DD9026479}"/>
+              </a:ext>
+            </a:extLst>
+          </p:cNvPr>
+          <p:cNvSpPr/>
+          <p:nvPr/>
+        </p:nvSpPr>
+        <p:spPr>
+          <a:xfrm>
+            <a:off x="738908" y="2809151"/>
+            <a:ext cx="221672" cy="166252"/>
+          </a:xfrm>
+          <a:prstGeom prst="rect">
+            <a:avLst/>
+          </a:prstGeom>
+          <a:solidFill>
+            <a:srgbClr val="C00000"/>
+          </a:solidFill>
+        </p:spPr>
+        <p:style>
+          <a:lnRef idx="2">
+            <a:schemeClr val="accent1">
+              <a:shade val="50000"/>
+            </a:schemeClr>
+          </a:lnRef>
+          <a:fillRef idx="1">
+            <a:schemeClr val="accent1"/>
+          </a:fillRef>
+          <a:effectRef idx="0">
+            <a:schemeClr val="accent1"/>
+          </a:effectRef>
+          <a:fontRef idx="minor">
+            <a:schemeClr val="lt1"/>
+          </a:fontRef>
+        </p:style>
+        <p:txBody>
+          <a:bodyPr rtlCol="0" anchor="ctr"/>
+          <a:lstStyle/>
+          <a:p>
+            <a:pPr algn="ctr"/>
+            <a:endParaRPr lang="en-US"/>
+          </a:p>
+        </p:txBody>
+      </p:sp>
+      <p:sp>
+        <p:nvSpPr>
+          <p:cNvPr id="123" name="Rectangle 122">
+            <a:extLst>
+              <a:ext uri="{FF2B5EF4-FFF2-40B4-BE49-F238E27FC236}">
+                <a16:creationId xmlns:a16="http://schemas.microsoft.com/office/drawing/2014/main" id="{325ED6AB-3EB7-47D3-B993-FB801147DD0D}"/>
+              </a:ext>
+            </a:extLst>
+          </p:cNvPr>
+          <p:cNvSpPr/>
+          <p:nvPr/>
+        </p:nvSpPr>
+        <p:spPr>
+          <a:xfrm>
+            <a:off x="2188876" y="3080188"/>
+            <a:ext cx="221672" cy="166252"/>
+          </a:xfrm>
+          <a:prstGeom prst="rect">
+            <a:avLst/>
+          </a:prstGeom>
+          <a:solidFill>
+            <a:srgbClr val="92D050"/>
+          </a:solidFill>
+        </p:spPr>
+        <p:style>
+          <a:lnRef idx="2">
+            <a:schemeClr val="accent1">
+              <a:shade val="50000"/>
+            </a:schemeClr>
+          </a:lnRef>
+          <a:fillRef idx="1">
+            <a:schemeClr val="accent1"/>
+          </a:fillRef>
+          <a:effectRef idx="0">
+            <a:schemeClr val="accent1"/>
+          </a:effectRef>
+          <a:fontRef idx="minor">
+            <a:schemeClr val="lt1"/>
+          </a:fontRef>
+        </p:style>
+        <p:txBody>
+          <a:bodyPr rtlCol="0" anchor="ctr"/>
+          <a:lstStyle/>
+          <a:p>
+            <a:pPr algn="ctr"/>
+            <a:endParaRPr lang="en-US"/>
+          </a:p>
+        </p:txBody>
+      </p:sp>
+      <p:sp>
+        <p:nvSpPr>
+          <p:cNvPr id="125" name="Rectangle 124">
+            <a:extLst>
+              <a:ext uri="{FF2B5EF4-FFF2-40B4-BE49-F238E27FC236}">
+                <a16:creationId xmlns:a16="http://schemas.microsoft.com/office/drawing/2014/main" id="{9AA722D3-B2FE-443B-A7E2-475D88DA67EE}"/>
+              </a:ext>
+            </a:extLst>
+          </p:cNvPr>
+          <p:cNvSpPr/>
+          <p:nvPr/>
+        </p:nvSpPr>
+        <p:spPr>
+          <a:xfrm>
+            <a:off x="738907" y="2454476"/>
+            <a:ext cx="221672" cy="166252"/>
+          </a:xfrm>
+          <a:prstGeom prst="rect">
+            <a:avLst/>
+          </a:prstGeom>
+          <a:solidFill>
+            <a:schemeClr val="bg1"/>
+          </a:solidFill>
+        </p:spPr>
+        <p:style>
+          <a:lnRef idx="2">
+            <a:schemeClr val="accent1">
+              <a:shade val="50000"/>
+            </a:schemeClr>
+          </a:lnRef>
+          <a:fillRef idx="1">
+            <a:schemeClr val="accent1"/>
+          </a:fillRef>
+          <a:effectRef idx="0">
+            <a:schemeClr val="accent1"/>
+          </a:effectRef>
+          <a:fontRef idx="minor">
+            <a:schemeClr val="lt1"/>
+          </a:fontRef>
+        </p:style>
+        <p:txBody>
+          <a:bodyPr rtlCol="0" anchor="ctr"/>
+          <a:lstStyle/>
+          <a:p>
+            <a:pPr algn="ctr"/>
+            <a:endParaRPr lang="en-US" dirty="0"/>
+          </a:p>
+        </p:txBody>
+      </p:sp>
+      <p:sp>
+        <p:nvSpPr>
+          <p:cNvPr id="126" name="Rectangle 125">
+            <a:extLst>
+              <a:ext uri="{FF2B5EF4-FFF2-40B4-BE49-F238E27FC236}">
+                <a16:creationId xmlns:a16="http://schemas.microsoft.com/office/drawing/2014/main" id="{1DDDD8E6-A5FF-4A4F-8769-228CFCF2075D}"/>
+              </a:ext>
+            </a:extLst>
+          </p:cNvPr>
+          <p:cNvSpPr/>
+          <p:nvPr/>
+        </p:nvSpPr>
+        <p:spPr>
+          <a:xfrm>
+            <a:off x="2187686" y="2907908"/>
+            <a:ext cx="221672" cy="166252"/>
+          </a:xfrm>
+          <a:prstGeom prst="rect">
+            <a:avLst/>
+          </a:prstGeom>
+          <a:solidFill>
+            <a:schemeClr val="tx1"/>
+          </a:solidFill>
+        </p:spPr>
+        <p:style>
+          <a:lnRef idx="2">
+            <a:schemeClr val="accent1">
+              <a:shade val="50000"/>
+            </a:schemeClr>
+          </a:lnRef>
+          <a:fillRef idx="1">
+            <a:schemeClr val="accent1"/>
+          </a:fillRef>
+          <a:effectRef idx="0">
+            <a:schemeClr val="accent1"/>
+          </a:effectRef>
+          <a:fontRef idx="minor">
+            <a:schemeClr val="lt1"/>
+          </a:fontRef>
+        </p:style>
+        <p:txBody>
+          <a:bodyPr rtlCol="0" anchor="ctr"/>
+          <a:lstStyle/>
+          <a:p>
+            <a:pPr algn="ctr"/>
+            <a:endParaRPr lang="en-US"/>
+          </a:p>
+        </p:txBody>
+      </p:sp>
+      <p:sp>
+        <p:nvSpPr>
+          <p:cNvPr id="127" name="Rectangle 126">
+            <a:extLst>
+              <a:ext uri="{FF2B5EF4-FFF2-40B4-BE49-F238E27FC236}">
+                <a16:creationId xmlns:a16="http://schemas.microsoft.com/office/drawing/2014/main" id="{27049034-9315-4872-8039-DC6E0214C563}"/>
+              </a:ext>
+            </a:extLst>
+          </p:cNvPr>
+          <p:cNvSpPr/>
+          <p:nvPr/>
+        </p:nvSpPr>
+        <p:spPr>
+          <a:xfrm>
+            <a:off x="5110806" y="2896675"/>
+            <a:ext cx="221672" cy="166252"/>
+          </a:xfrm>
+          <a:prstGeom prst="rect">
+            <a:avLst/>
+          </a:prstGeom>
+          <a:solidFill>
+            <a:schemeClr val="tx1"/>
+          </a:solidFill>
+        </p:spPr>
+        <p:style>
+          <a:lnRef idx="2">
+            <a:schemeClr val="accent1">
+              <a:shade val="50000"/>
+            </a:schemeClr>
+          </a:lnRef>
+          <a:fillRef idx="1">
+            <a:schemeClr val="accent1"/>
+          </a:fillRef>
+          <a:effectRef idx="0">
+            <a:schemeClr val="accent1"/>
+          </a:effectRef>
+          <a:fontRef idx="minor">
+            <a:schemeClr val="lt1"/>
+          </a:fontRef>
+        </p:style>
+        <p:txBody>
+          <a:bodyPr rtlCol="0" anchor="ctr"/>
+          <a:lstStyle/>
+          <a:p>
+            <a:pPr algn="ctr"/>
+            <a:endParaRPr lang="en-US"/>
+          </a:p>
+        </p:txBody>
+      </p:sp>
+      <p:sp>
+        <p:nvSpPr>
+          <p:cNvPr id="130" name="Rectangle 129">
+            <a:extLst>
+              <a:ext uri="{FF2B5EF4-FFF2-40B4-BE49-F238E27FC236}">
+                <a16:creationId xmlns:a16="http://schemas.microsoft.com/office/drawing/2014/main" id="{A434EF69-B65E-4DD5-8DAC-4D112C482664}"/>
+              </a:ext>
+            </a:extLst>
+          </p:cNvPr>
+          <p:cNvSpPr/>
+          <p:nvPr/>
+        </p:nvSpPr>
+        <p:spPr>
+          <a:xfrm>
+            <a:off x="6590150" y="2887149"/>
+            <a:ext cx="221672" cy="166252"/>
+          </a:xfrm>
+          <a:prstGeom prst="rect">
+            <a:avLst/>
+          </a:prstGeom>
+          <a:solidFill>
+            <a:schemeClr val="bg1">
+              <a:lumMod val="50000"/>
+            </a:schemeClr>
+          </a:solidFill>
+        </p:spPr>
+        <p:style>
+          <a:lnRef idx="2">
+            <a:schemeClr val="accent1">
+              <a:shade val="50000"/>
+            </a:schemeClr>
+          </a:lnRef>
+          <a:fillRef idx="1">
+            <a:schemeClr val="accent1"/>
+          </a:fillRef>
+          <a:effectRef idx="0">
+            <a:schemeClr val="accent1"/>
+          </a:effectRef>
+          <a:fontRef idx="minor">
+            <a:schemeClr val="lt1"/>
+          </a:fontRef>
+        </p:style>
+        <p:txBody>
+          <a:bodyPr rtlCol="0" anchor="ctr"/>
+          <a:lstStyle/>
+          <a:p>
+            <a:pPr algn="ctr"/>
+            <a:endParaRPr lang="en-US"/>
+          </a:p>
+        </p:txBody>
+      </p:sp>
+      <p:sp>
+        <p:nvSpPr>
+          <p:cNvPr id="131" name="Rectangle 130">
+            <a:extLst>
+              <a:ext uri="{FF2B5EF4-FFF2-40B4-BE49-F238E27FC236}">
+                <a16:creationId xmlns:a16="http://schemas.microsoft.com/office/drawing/2014/main" id="{CF219B93-2E6E-4665-ADCE-FFED2BB33858}"/>
+              </a:ext>
+            </a:extLst>
+          </p:cNvPr>
+          <p:cNvSpPr/>
+          <p:nvPr/>
+        </p:nvSpPr>
+        <p:spPr>
+          <a:xfrm>
+            <a:off x="6590149" y="3056894"/>
+            <a:ext cx="221672" cy="166252"/>
+          </a:xfrm>
+          <a:prstGeom prst="rect">
+            <a:avLst/>
+          </a:prstGeom>
+          <a:solidFill>
+            <a:schemeClr val="tx1"/>
+          </a:solidFill>
+        </p:spPr>
+        <p:style>
+          <a:lnRef idx="2">
+            <a:schemeClr val="accent1">
+              <a:shade val="50000"/>
+            </a:schemeClr>
+          </a:lnRef>
+          <a:fillRef idx="1">
+            <a:schemeClr val="accent1"/>
+          </a:fillRef>
+          <a:effectRef idx="0">
+            <a:schemeClr val="accent1"/>
+          </a:effectRef>
+          <a:fontRef idx="minor">
+            <a:schemeClr val="lt1"/>
+          </a:fontRef>
+        </p:style>
+        <p:txBody>
+          <a:bodyPr rtlCol="0" anchor="ctr"/>
+          <a:lstStyle/>
+          <a:p>
+            <a:pPr algn="ctr"/>
+            <a:endParaRPr lang="en-US" dirty="0"/>
+          </a:p>
+        </p:txBody>
+      </p:sp>
+      <p:sp>
+        <p:nvSpPr>
+          <p:cNvPr id="132" name="Rectangle 131">
+            <a:extLst>
+              <a:ext uri="{FF2B5EF4-FFF2-40B4-BE49-F238E27FC236}">
+                <a16:creationId xmlns:a16="http://schemas.microsoft.com/office/drawing/2014/main" id="{BC2470EF-79D6-41EE-8A32-A0B8FF89DE7C}"/>
+              </a:ext>
+            </a:extLst>
+          </p:cNvPr>
+          <p:cNvSpPr/>
+          <p:nvPr/>
+        </p:nvSpPr>
+        <p:spPr>
+          <a:xfrm>
+            <a:off x="3641225" y="2893315"/>
+            <a:ext cx="221672" cy="166252"/>
+          </a:xfrm>
+          <a:prstGeom prst="rect">
+            <a:avLst/>
+          </a:prstGeom>
+          <a:solidFill>
+            <a:schemeClr val="tx1"/>
+          </a:solidFill>
+        </p:spPr>
+        <p:style>
+          <a:lnRef idx="2">
+            <a:schemeClr val="accent1">
+              <a:shade val="50000"/>
+            </a:schemeClr>
+          </a:lnRef>
+          <a:fillRef idx="1">
+            <a:schemeClr val="accent1"/>
+          </a:fillRef>
+          <a:effectRef idx="0">
+            <a:schemeClr val="accent1"/>
+          </a:effectRef>
+          <a:fontRef idx="minor">
+            <a:schemeClr val="lt1"/>
+          </a:fontRef>
+        </p:style>
+        <p:txBody>
+          <a:bodyPr rtlCol="0" anchor="ctr"/>
+          <a:lstStyle/>
+          <a:p>
+            <a:pPr algn="ctr"/>
+            <a:endParaRPr lang="en-US"/>
+          </a:p>
+        </p:txBody>
+      </p:sp>
+      <p:sp>
+        <p:nvSpPr>
+          <p:cNvPr id="133" name="Rectangle 132">
+            <a:extLst>
+              <a:ext uri="{FF2B5EF4-FFF2-40B4-BE49-F238E27FC236}">
+                <a16:creationId xmlns:a16="http://schemas.microsoft.com/office/drawing/2014/main" id="{47C2FD65-B367-4F91-8EEB-20E27701E58A}"/>
+              </a:ext>
+            </a:extLst>
+          </p:cNvPr>
+          <p:cNvSpPr/>
+          <p:nvPr/>
+        </p:nvSpPr>
+        <p:spPr>
+          <a:xfrm>
+            <a:off x="738907" y="2275681"/>
+            <a:ext cx="221672" cy="166252"/>
+          </a:xfrm>
+          <a:prstGeom prst="rect">
+            <a:avLst/>
+          </a:prstGeom>
+          <a:solidFill>
+            <a:schemeClr val="tx1"/>
+          </a:solidFill>
+        </p:spPr>
+        <p:style>
+          <a:lnRef idx="2">
+            <a:schemeClr val="accent1">
+              <a:shade val="50000"/>
+            </a:schemeClr>
+          </a:lnRef>
+          <a:fillRef idx="1">
+            <a:schemeClr val="accent1"/>
+          </a:fillRef>
+          <a:effectRef idx="0">
+            <a:schemeClr val="accent1"/>
+          </a:effectRef>
+          <a:fontRef idx="minor">
+            <a:schemeClr val="lt1"/>
+          </a:fontRef>
+        </p:style>
+        <p:txBody>
+          <a:bodyPr rtlCol="0" anchor="ctr"/>
+          <a:lstStyle/>
+          <a:p>
+            <a:pPr algn="ctr"/>
+            <a:endParaRPr lang="en-US"/>
+          </a:p>
+        </p:txBody>
+      </p:sp>
     </p:spTree>
     <p:extLst>
       <p:ext uri="{BB962C8B-B14F-4D97-AF65-F5344CB8AC3E}">
         <p14:creationId xmlns:p14="http://schemas.microsoft.com/office/powerpoint/2010/main" val="2056782336"/>
+      </p:ext>
+    </p:extLst>
+  </p:cSld>
+  <p:clrMapOvr>
+    <a:masterClrMapping/>
+  </p:clrMapOvr>
+</p:sld>
+</file>
+
+<file path=ppt/slides/slide21.xml><?xml version="1.0" encoding="utf-8"?>
+<p:sld xmlns:a="http://schemas.openxmlformats.org/drawingml/2006/main" xmlns:r="http://schemas.openxmlformats.org/officeDocument/2006/relationships" xmlns:p="http://schemas.openxmlformats.org/presentationml/2006/main">
+  <p:cSld>
+    <p:spTree>
+      <p:nvGrpSpPr>
+        <p:cNvPr id="1" name=""/>
+        <p:cNvGrpSpPr/>
+        <p:nvPr/>
+      </p:nvGrpSpPr>
+      <p:grpSpPr>
+        <a:xfrm>
+          <a:off x="0" y="0"/>
+          <a:ext cx="0" cy="0"/>
+          <a:chOff x="0" y="0"/>
+          <a:chExt cx="0" cy="0"/>
+        </a:xfrm>
+      </p:grpSpPr>
+      <p:sp>
+        <p:nvSpPr>
+          <p:cNvPr id="8" name="Rectangle 7">
+            <a:extLst>
+              <a:ext uri="{FF2B5EF4-FFF2-40B4-BE49-F238E27FC236}">
+                <a16:creationId xmlns:a16="http://schemas.microsoft.com/office/drawing/2014/main" id="{CB3CA986-C31B-4906-8D2B-6E0ED7A5BD32}"/>
+              </a:ext>
+            </a:extLst>
+          </p:cNvPr>
+          <p:cNvSpPr/>
+          <p:nvPr/>
+        </p:nvSpPr>
+        <p:spPr>
+          <a:xfrm>
+            <a:off x="1" y="0"/>
+            <a:ext cx="3825380" cy="6858000"/>
+          </a:xfrm>
+          <a:prstGeom prst="rect">
+            <a:avLst/>
+          </a:prstGeom>
+        </p:spPr>
+        <p:style>
+          <a:lnRef idx="2">
+            <a:schemeClr val="accent1">
+              <a:shade val="50000"/>
+            </a:schemeClr>
+          </a:lnRef>
+          <a:fillRef idx="1">
+            <a:schemeClr val="accent1"/>
+          </a:fillRef>
+          <a:effectRef idx="0">
+            <a:schemeClr val="accent1"/>
+          </a:effectRef>
+          <a:fontRef idx="minor">
+            <a:schemeClr val="lt1"/>
+          </a:fontRef>
+        </p:style>
+        <p:txBody>
+          <a:bodyPr rtlCol="0" anchor="ctr"/>
+          <a:lstStyle/>
+          <a:p>
+            <a:pPr algn="ctr"/>
+            <a:endParaRPr lang="en-US"/>
+          </a:p>
+        </p:txBody>
+      </p:sp>
+      <p:pic>
+        <p:nvPicPr>
+          <p:cNvPr id="7" name="Picture 6" descr="A picture containing clock, plate&#10;&#10;Description automatically generated">
+            <a:extLst>
+              <a:ext uri="{FF2B5EF4-FFF2-40B4-BE49-F238E27FC236}">
+                <a16:creationId xmlns:a16="http://schemas.microsoft.com/office/drawing/2014/main" id="{6E1D7C95-B202-4A00-A6B9-90819AE16BF3}"/>
+              </a:ext>
+            </a:extLst>
+          </p:cNvPr>
+          <p:cNvPicPr>
+            <a:picLocks noChangeAspect="1"/>
+          </p:cNvPicPr>
+          <p:nvPr/>
+        </p:nvPicPr>
+        <p:blipFill>
+          <a:blip r:embed="rId2">
+            <a:extLst>
+              <a:ext uri="{28A0092B-C50C-407E-A947-70E740481C1C}">
+                <a14:useLocalDpi xmlns:a14="http://schemas.microsoft.com/office/drawing/2010/main" val="0"/>
+              </a:ext>
+            </a:extLst>
+          </a:blip>
+          <a:stretch>
+            <a:fillRect/>
+          </a:stretch>
+        </p:blipFill>
+        <p:spPr>
+          <a:xfrm>
+            <a:off x="280136" y="1736521"/>
+            <a:ext cx="3020935" cy="2099849"/>
+          </a:xfrm>
+          <a:prstGeom prst="rect">
+            <a:avLst/>
+          </a:prstGeom>
+        </p:spPr>
+      </p:pic>
+      <p:pic>
+        <p:nvPicPr>
+          <p:cNvPr id="5" name="Picture 4" descr="A picture containing comb, plate&#10;&#10;Description automatically generated">
+            <a:extLst>
+              <a:ext uri="{FF2B5EF4-FFF2-40B4-BE49-F238E27FC236}">
+                <a16:creationId xmlns:a16="http://schemas.microsoft.com/office/drawing/2014/main" id="{2C0F5D0D-ED8A-499C-8710-DF749BE9834E}"/>
+              </a:ext>
+            </a:extLst>
+          </p:cNvPr>
+          <p:cNvPicPr>
+            <a:picLocks noChangeAspect="1"/>
+          </p:cNvPicPr>
+          <p:nvPr/>
+        </p:nvPicPr>
+        <p:blipFill>
+          <a:blip r:embed="rId3">
+            <a:extLst>
+              <a:ext uri="{28A0092B-C50C-407E-A947-70E740481C1C}">
+                <a14:useLocalDpi xmlns:a14="http://schemas.microsoft.com/office/drawing/2010/main" val="0"/>
+              </a:ext>
+            </a:extLst>
+          </a:blip>
+          <a:stretch>
+            <a:fillRect/>
+          </a:stretch>
+        </p:blipFill>
+        <p:spPr>
+          <a:xfrm>
+            <a:off x="280135" y="4320834"/>
+            <a:ext cx="3020935" cy="2504114"/>
+          </a:xfrm>
+          <a:prstGeom prst="rect">
+            <a:avLst/>
+          </a:prstGeom>
+        </p:spPr>
+      </p:pic>
+      <p:sp>
+        <p:nvSpPr>
+          <p:cNvPr id="9" name="Rectangle 8">
+            <a:extLst>
+              <a:ext uri="{FF2B5EF4-FFF2-40B4-BE49-F238E27FC236}">
+                <a16:creationId xmlns:a16="http://schemas.microsoft.com/office/drawing/2014/main" id="{52F33B9B-EA66-4EDE-9FFC-12082DBF4E1B}"/>
+              </a:ext>
+            </a:extLst>
+          </p:cNvPr>
+          <p:cNvSpPr/>
+          <p:nvPr/>
+        </p:nvSpPr>
+        <p:spPr>
+          <a:xfrm>
+            <a:off x="3610564" y="-33052"/>
+            <a:ext cx="402670" cy="6891052"/>
+          </a:xfrm>
+          <a:prstGeom prst="rect">
+            <a:avLst/>
+          </a:prstGeom>
+          <a:solidFill>
+            <a:schemeClr val="tx1">
+              <a:lumMod val="75000"/>
+              <a:lumOff val="25000"/>
+            </a:schemeClr>
+          </a:solidFill>
+        </p:spPr>
+        <p:style>
+          <a:lnRef idx="2">
+            <a:schemeClr val="accent1">
+              <a:shade val="50000"/>
+            </a:schemeClr>
+          </a:lnRef>
+          <a:fillRef idx="1">
+            <a:schemeClr val="accent1"/>
+          </a:fillRef>
+          <a:effectRef idx="0">
+            <a:schemeClr val="accent1"/>
+          </a:effectRef>
+          <a:fontRef idx="minor">
+            <a:schemeClr val="lt1"/>
+          </a:fontRef>
+        </p:style>
+        <p:txBody>
+          <a:bodyPr rtlCol="0" anchor="ctr"/>
+          <a:lstStyle/>
+          <a:p>
+            <a:pPr algn="ctr"/>
+            <a:endParaRPr lang="en-US" dirty="0"/>
+          </a:p>
+        </p:txBody>
+      </p:sp>
+      <p:sp>
+        <p:nvSpPr>
+          <p:cNvPr id="12" name="Rectangle 11">
+            <a:extLst>
+              <a:ext uri="{FF2B5EF4-FFF2-40B4-BE49-F238E27FC236}">
+                <a16:creationId xmlns:a16="http://schemas.microsoft.com/office/drawing/2014/main" id="{F95031B9-9055-4A9C-942D-055DF92679A9}"/>
+              </a:ext>
+            </a:extLst>
+          </p:cNvPr>
+          <p:cNvSpPr/>
+          <p:nvPr/>
+        </p:nvSpPr>
+        <p:spPr>
+          <a:xfrm>
+            <a:off x="67112" y="302004"/>
+            <a:ext cx="3464653" cy="1040235"/>
+          </a:xfrm>
+          <a:prstGeom prst="rect">
+            <a:avLst/>
+          </a:prstGeom>
+          <a:solidFill>
+            <a:schemeClr val="accent1"/>
+          </a:solidFill>
+        </p:spPr>
+        <p:style>
+          <a:lnRef idx="2">
+            <a:schemeClr val="dk1"/>
+          </a:lnRef>
+          <a:fillRef idx="1">
+            <a:schemeClr val="lt1"/>
+          </a:fillRef>
+          <a:effectRef idx="0">
+            <a:schemeClr val="dk1"/>
+          </a:effectRef>
+          <a:fontRef idx="minor">
+            <a:schemeClr val="dk1"/>
+          </a:fontRef>
+        </p:style>
+        <p:txBody>
+          <a:bodyPr rtlCol="0" anchor="ctr"/>
+          <a:lstStyle/>
+          <a:p>
+            <a:pPr algn="ctr"/>
+            <a:r>
+              <a:rPr lang="en-US" sz="3600" b="1" dirty="0">
+                <a:latin typeface="Arial" panose="020B0604020202020204" pitchFamily="34" charset="0"/>
+                <a:cs typeface="Arial" panose="020B0604020202020204" pitchFamily="34" charset="0"/>
+              </a:rPr>
+              <a:t>Slides Content</a:t>
+            </a:r>
+          </a:p>
+        </p:txBody>
+      </p:sp>
+      <p:sp>
+        <p:nvSpPr>
+          <p:cNvPr id="13" name="Rectangle 12">
+            <a:extLst>
+              <a:ext uri="{FF2B5EF4-FFF2-40B4-BE49-F238E27FC236}">
+                <a16:creationId xmlns:a16="http://schemas.microsoft.com/office/drawing/2014/main" id="{175AF54C-E3C8-4EB4-8446-F73863014B40}"/>
+              </a:ext>
+            </a:extLst>
+          </p:cNvPr>
+          <p:cNvSpPr/>
+          <p:nvPr/>
+        </p:nvSpPr>
+        <p:spPr>
+          <a:xfrm>
+            <a:off x="4013234" y="0"/>
+            <a:ext cx="8178765" cy="6858000"/>
+          </a:xfrm>
+          <a:prstGeom prst="rect">
+            <a:avLst/>
+          </a:prstGeom>
+          <a:solidFill>
+            <a:schemeClr val="accent1">
+              <a:lumMod val="60000"/>
+              <a:lumOff val="40000"/>
+            </a:schemeClr>
+          </a:solidFill>
+        </p:spPr>
+        <p:style>
+          <a:lnRef idx="2">
+            <a:schemeClr val="accent1">
+              <a:shade val="50000"/>
+            </a:schemeClr>
+          </a:lnRef>
+          <a:fillRef idx="1">
+            <a:schemeClr val="accent1"/>
+          </a:fillRef>
+          <a:effectRef idx="0">
+            <a:schemeClr val="accent1"/>
+          </a:effectRef>
+          <a:fontRef idx="minor">
+            <a:schemeClr val="lt1"/>
+          </a:fontRef>
+        </p:style>
+        <p:txBody>
+          <a:bodyPr rtlCol="0" anchor="ctr"/>
+          <a:lstStyle/>
+          <a:p>
+            <a:pPr algn="ctr"/>
+            <a:endParaRPr lang="en-US" dirty="0"/>
+          </a:p>
+        </p:txBody>
+      </p:sp>
+      <p:sp>
+        <p:nvSpPr>
+          <p:cNvPr id="29" name="Rectangle: Rounded Corners 28">
+            <a:extLst>
+              <a:ext uri="{FF2B5EF4-FFF2-40B4-BE49-F238E27FC236}">
+                <a16:creationId xmlns:a16="http://schemas.microsoft.com/office/drawing/2014/main" id="{6A36487B-D9F4-46EB-B2A3-D12643142E68}"/>
+              </a:ext>
+            </a:extLst>
+          </p:cNvPr>
+          <p:cNvSpPr/>
+          <p:nvPr/>
+        </p:nvSpPr>
+        <p:spPr>
+          <a:xfrm>
+            <a:off x="4013234" y="381699"/>
+            <a:ext cx="7677725" cy="583036"/>
+          </a:xfrm>
+          <a:prstGeom prst="roundRect">
+            <a:avLst/>
+          </a:prstGeom>
+        </p:spPr>
+        <p:style>
+          <a:lnRef idx="2">
+            <a:schemeClr val="accent1">
+              <a:shade val="50000"/>
+            </a:schemeClr>
+          </a:lnRef>
+          <a:fillRef idx="1">
+            <a:schemeClr val="accent1"/>
+          </a:fillRef>
+          <a:effectRef idx="0">
+            <a:schemeClr val="accent1"/>
+          </a:effectRef>
+          <a:fontRef idx="minor">
+            <a:schemeClr val="lt1"/>
+          </a:fontRef>
+        </p:style>
+        <p:txBody>
+          <a:bodyPr rtlCol="0" anchor="ctr"/>
+          <a:lstStyle/>
+          <a:p>
+            <a:pPr algn="ctr"/>
+            <a:r>
+              <a:rPr lang="en-US" sz="2400" b="1" dirty="0">
+                <a:solidFill>
+                  <a:schemeClr val="tx1"/>
+                </a:solidFill>
+                <a:latin typeface="Arial" panose="020B0604020202020204" pitchFamily="34" charset="0"/>
+                <a:cs typeface="Arial" panose="020B0604020202020204" pitchFamily="34" charset="0"/>
+              </a:rPr>
+              <a:t>Introduction To SATS</a:t>
+            </a:r>
+          </a:p>
+        </p:txBody>
+      </p:sp>
+      <p:sp>
+        <p:nvSpPr>
+          <p:cNvPr id="20" name="Oval 19">
+            <a:extLst>
+              <a:ext uri="{FF2B5EF4-FFF2-40B4-BE49-F238E27FC236}">
+                <a16:creationId xmlns:a16="http://schemas.microsoft.com/office/drawing/2014/main" id="{04AA1731-12EF-4A04-8AC6-C99577549CEE}"/>
+              </a:ext>
+            </a:extLst>
+          </p:cNvPr>
+          <p:cNvSpPr/>
+          <p:nvPr/>
+        </p:nvSpPr>
+        <p:spPr>
+          <a:xfrm>
+            <a:off x="4092033" y="436226"/>
+            <a:ext cx="547082" cy="469783"/>
+          </a:xfrm>
+          <a:prstGeom prst="ellipse">
+            <a:avLst/>
+          </a:prstGeom>
+        </p:spPr>
+        <p:style>
+          <a:lnRef idx="2">
+            <a:schemeClr val="dk1"/>
+          </a:lnRef>
+          <a:fillRef idx="1">
+            <a:schemeClr val="lt1"/>
+          </a:fillRef>
+          <a:effectRef idx="0">
+            <a:schemeClr val="dk1"/>
+          </a:effectRef>
+          <a:fontRef idx="minor">
+            <a:schemeClr val="dk1"/>
+          </a:fontRef>
+        </p:style>
+        <p:txBody>
+          <a:bodyPr rtlCol="0" anchor="ctr"/>
+          <a:lstStyle/>
+          <a:p>
+            <a:pPr algn="ctr"/>
+            <a:r>
+              <a:rPr lang="en-US" sz="3200" b="1" dirty="0">
+                <a:latin typeface="Arial" panose="020B0604020202020204" pitchFamily="34" charset="0"/>
+                <a:cs typeface="Arial" panose="020B0604020202020204" pitchFamily="34" charset="0"/>
+              </a:rPr>
+              <a:t>1</a:t>
+            </a:r>
+          </a:p>
+        </p:txBody>
+      </p:sp>
+      <p:sp>
+        <p:nvSpPr>
+          <p:cNvPr id="30" name="Rectangle: Rounded Corners 29">
+            <a:extLst>
+              <a:ext uri="{FF2B5EF4-FFF2-40B4-BE49-F238E27FC236}">
+                <a16:creationId xmlns:a16="http://schemas.microsoft.com/office/drawing/2014/main" id="{199D13A5-D0F5-47DD-9A65-022E27FC8697}"/>
+              </a:ext>
+            </a:extLst>
+          </p:cNvPr>
+          <p:cNvSpPr/>
+          <p:nvPr/>
+        </p:nvSpPr>
+        <p:spPr>
+          <a:xfrm>
+            <a:off x="4013234" y="1206170"/>
+            <a:ext cx="7677725" cy="583036"/>
+          </a:xfrm>
+          <a:prstGeom prst="roundRect">
+            <a:avLst/>
+          </a:prstGeom>
+        </p:spPr>
+        <p:style>
+          <a:lnRef idx="2">
+            <a:schemeClr val="accent1">
+              <a:shade val="50000"/>
+            </a:schemeClr>
+          </a:lnRef>
+          <a:fillRef idx="1">
+            <a:schemeClr val="accent1"/>
+          </a:fillRef>
+          <a:effectRef idx="0">
+            <a:schemeClr val="accent1"/>
+          </a:effectRef>
+          <a:fontRef idx="minor">
+            <a:schemeClr val="lt1"/>
+          </a:fontRef>
+        </p:style>
+        <p:txBody>
+          <a:bodyPr rtlCol="0" anchor="ctr"/>
+          <a:lstStyle/>
+          <a:p>
+            <a:pPr algn="ctr"/>
+            <a:r>
+              <a:rPr lang="en-US" sz="2400" b="1" dirty="0">
+                <a:solidFill>
+                  <a:schemeClr val="tx1"/>
+                </a:solidFill>
+                <a:latin typeface="Arial" panose="020B0604020202020204" pitchFamily="34" charset="0"/>
+                <a:cs typeface="Arial" panose="020B0604020202020204" pitchFamily="34" charset="0"/>
+              </a:rPr>
+              <a:t>SATS Requirements </a:t>
+            </a:r>
+          </a:p>
+        </p:txBody>
+      </p:sp>
+      <p:sp>
+        <p:nvSpPr>
+          <p:cNvPr id="26" name="Oval 25">
+            <a:extLst>
+              <a:ext uri="{FF2B5EF4-FFF2-40B4-BE49-F238E27FC236}">
+                <a16:creationId xmlns:a16="http://schemas.microsoft.com/office/drawing/2014/main" id="{98264DA2-3EA7-4849-8A40-2D53787AB9AA}"/>
+              </a:ext>
+            </a:extLst>
+          </p:cNvPr>
+          <p:cNvSpPr/>
+          <p:nvPr/>
+        </p:nvSpPr>
+        <p:spPr>
+          <a:xfrm>
+            <a:off x="4105516" y="1266738"/>
+            <a:ext cx="547082" cy="469783"/>
+          </a:xfrm>
+          <a:prstGeom prst="ellipse">
+            <a:avLst/>
+          </a:prstGeom>
+        </p:spPr>
+        <p:style>
+          <a:lnRef idx="2">
+            <a:schemeClr val="dk1"/>
+          </a:lnRef>
+          <a:fillRef idx="1">
+            <a:schemeClr val="lt1"/>
+          </a:fillRef>
+          <a:effectRef idx="0">
+            <a:schemeClr val="dk1"/>
+          </a:effectRef>
+          <a:fontRef idx="minor">
+            <a:schemeClr val="dk1"/>
+          </a:fontRef>
+        </p:style>
+        <p:txBody>
+          <a:bodyPr rtlCol="0" anchor="ctr"/>
+          <a:lstStyle/>
+          <a:p>
+            <a:pPr algn="ctr"/>
+            <a:r>
+              <a:rPr lang="en-US" sz="3200" b="1" dirty="0">
+                <a:latin typeface="Arial" panose="020B0604020202020204" pitchFamily="34" charset="0"/>
+                <a:cs typeface="Arial" panose="020B0604020202020204" pitchFamily="34" charset="0"/>
+              </a:rPr>
+              <a:t>2</a:t>
+            </a:r>
+          </a:p>
+        </p:txBody>
+      </p:sp>
+      <p:sp>
+        <p:nvSpPr>
+          <p:cNvPr id="31" name="Rectangle: Rounded Corners 30">
+            <a:extLst>
+              <a:ext uri="{FF2B5EF4-FFF2-40B4-BE49-F238E27FC236}">
+                <a16:creationId xmlns:a16="http://schemas.microsoft.com/office/drawing/2014/main" id="{24866992-5A25-464E-B61C-579785BE618E}"/>
+              </a:ext>
+            </a:extLst>
+          </p:cNvPr>
+          <p:cNvSpPr/>
+          <p:nvPr/>
+        </p:nvSpPr>
+        <p:spPr>
+          <a:xfrm>
+            <a:off x="4013234" y="2037357"/>
+            <a:ext cx="7677725" cy="583036"/>
+          </a:xfrm>
+          <a:prstGeom prst="roundRect">
+            <a:avLst/>
+          </a:prstGeom>
+        </p:spPr>
+        <p:style>
+          <a:lnRef idx="2">
+            <a:schemeClr val="accent1">
+              <a:shade val="50000"/>
+            </a:schemeClr>
+          </a:lnRef>
+          <a:fillRef idx="1">
+            <a:schemeClr val="accent1"/>
+          </a:fillRef>
+          <a:effectRef idx="0">
+            <a:schemeClr val="accent1"/>
+          </a:effectRef>
+          <a:fontRef idx="minor">
+            <a:schemeClr val="lt1"/>
+          </a:fontRef>
+        </p:style>
+        <p:txBody>
+          <a:bodyPr rtlCol="0" anchor="ctr"/>
+          <a:lstStyle/>
+          <a:p>
+            <a:pPr algn="ctr"/>
+            <a:r>
+              <a:rPr lang="en-US" sz="2400" b="1" dirty="0">
+                <a:solidFill>
+                  <a:schemeClr val="tx1"/>
+                </a:solidFill>
+                <a:latin typeface="Arial" panose="020B0604020202020204" pitchFamily="34" charset="0"/>
+                <a:cs typeface="Arial" panose="020B0604020202020204" pitchFamily="34" charset="0"/>
+              </a:rPr>
+              <a:t>SATS Design </a:t>
+            </a:r>
+          </a:p>
+        </p:txBody>
+      </p:sp>
+      <p:sp>
+        <p:nvSpPr>
+          <p:cNvPr id="23" name="Oval 22">
+            <a:extLst>
+              <a:ext uri="{FF2B5EF4-FFF2-40B4-BE49-F238E27FC236}">
+                <a16:creationId xmlns:a16="http://schemas.microsoft.com/office/drawing/2014/main" id="{87E32ED1-BDD1-4556-BE60-60AAA4054732}"/>
+              </a:ext>
+            </a:extLst>
+          </p:cNvPr>
+          <p:cNvSpPr/>
+          <p:nvPr/>
+        </p:nvSpPr>
+        <p:spPr>
+          <a:xfrm>
+            <a:off x="4092033" y="2097250"/>
+            <a:ext cx="547082" cy="469783"/>
+          </a:xfrm>
+          <a:prstGeom prst="ellipse">
+            <a:avLst/>
+          </a:prstGeom>
+        </p:spPr>
+        <p:style>
+          <a:lnRef idx="2">
+            <a:schemeClr val="dk1"/>
+          </a:lnRef>
+          <a:fillRef idx="1">
+            <a:schemeClr val="lt1"/>
+          </a:fillRef>
+          <a:effectRef idx="0">
+            <a:schemeClr val="dk1"/>
+          </a:effectRef>
+          <a:fontRef idx="minor">
+            <a:schemeClr val="dk1"/>
+          </a:fontRef>
+        </p:style>
+        <p:txBody>
+          <a:bodyPr rtlCol="0" anchor="ctr"/>
+          <a:lstStyle/>
+          <a:p>
+            <a:pPr algn="ctr"/>
+            <a:r>
+              <a:rPr lang="en-US" sz="3200" b="1" dirty="0">
+                <a:latin typeface="Arial" panose="020B0604020202020204" pitchFamily="34" charset="0"/>
+                <a:cs typeface="Arial" panose="020B0604020202020204" pitchFamily="34" charset="0"/>
+              </a:rPr>
+              <a:t>3</a:t>
+            </a:r>
+          </a:p>
+        </p:txBody>
+      </p:sp>
+      <p:sp>
+        <p:nvSpPr>
+          <p:cNvPr id="32" name="Rectangle: Rounded Corners 31">
+            <a:extLst>
+              <a:ext uri="{FF2B5EF4-FFF2-40B4-BE49-F238E27FC236}">
+                <a16:creationId xmlns:a16="http://schemas.microsoft.com/office/drawing/2014/main" id="{B2160D19-0DD2-4B53-A664-04F7A43C2596}"/>
+              </a:ext>
+            </a:extLst>
+          </p:cNvPr>
+          <p:cNvSpPr/>
+          <p:nvPr/>
+        </p:nvSpPr>
+        <p:spPr>
+          <a:xfrm>
+            <a:off x="4013234" y="2927087"/>
+            <a:ext cx="7677725" cy="583036"/>
+          </a:xfrm>
+          <a:prstGeom prst="roundRect">
+            <a:avLst/>
+          </a:prstGeom>
+        </p:spPr>
+        <p:style>
+          <a:lnRef idx="2">
+            <a:schemeClr val="accent1">
+              <a:shade val="50000"/>
+            </a:schemeClr>
+          </a:lnRef>
+          <a:fillRef idx="1">
+            <a:schemeClr val="accent1"/>
+          </a:fillRef>
+          <a:effectRef idx="0">
+            <a:schemeClr val="accent1"/>
+          </a:effectRef>
+          <a:fontRef idx="minor">
+            <a:schemeClr val="lt1"/>
+          </a:fontRef>
+        </p:style>
+        <p:txBody>
+          <a:bodyPr rtlCol="0" anchor="ctr"/>
+          <a:lstStyle/>
+          <a:p>
+            <a:pPr algn="ctr"/>
+            <a:r>
+              <a:rPr lang="en-US" sz="2400" b="1" dirty="0">
+                <a:solidFill>
+                  <a:schemeClr val="tx1"/>
+                </a:solidFill>
+                <a:latin typeface="Arial" panose="020B0604020202020204" pitchFamily="34" charset="0"/>
+                <a:cs typeface="Arial" panose="020B0604020202020204" pitchFamily="34" charset="0"/>
+              </a:rPr>
+              <a:t>SATS Results</a:t>
+            </a:r>
+          </a:p>
+        </p:txBody>
+      </p:sp>
+      <p:sp>
+        <p:nvSpPr>
+          <p:cNvPr id="25" name="Oval 24">
+            <a:extLst>
+              <a:ext uri="{FF2B5EF4-FFF2-40B4-BE49-F238E27FC236}">
+                <a16:creationId xmlns:a16="http://schemas.microsoft.com/office/drawing/2014/main" id="{070DD079-C452-4889-B52C-C974F6372314}"/>
+              </a:ext>
+            </a:extLst>
+          </p:cNvPr>
+          <p:cNvSpPr/>
+          <p:nvPr/>
+        </p:nvSpPr>
+        <p:spPr>
+          <a:xfrm>
+            <a:off x="4105516" y="2944540"/>
+            <a:ext cx="547082" cy="469783"/>
+          </a:xfrm>
+          <a:prstGeom prst="ellipse">
+            <a:avLst/>
+          </a:prstGeom>
+        </p:spPr>
+        <p:style>
+          <a:lnRef idx="2">
+            <a:schemeClr val="dk1"/>
+          </a:lnRef>
+          <a:fillRef idx="1">
+            <a:schemeClr val="lt1"/>
+          </a:fillRef>
+          <a:effectRef idx="0">
+            <a:schemeClr val="dk1"/>
+          </a:effectRef>
+          <a:fontRef idx="minor">
+            <a:schemeClr val="dk1"/>
+          </a:fontRef>
+        </p:style>
+        <p:txBody>
+          <a:bodyPr rtlCol="0" anchor="ctr"/>
+          <a:lstStyle/>
+          <a:p>
+            <a:pPr algn="ctr"/>
+            <a:r>
+              <a:rPr lang="en-US" sz="3200" b="1" dirty="0">
+                <a:latin typeface="Arial" panose="020B0604020202020204" pitchFamily="34" charset="0"/>
+                <a:cs typeface="Arial" panose="020B0604020202020204" pitchFamily="34" charset="0"/>
+              </a:rPr>
+              <a:t>4</a:t>
+            </a:r>
+          </a:p>
+        </p:txBody>
+      </p:sp>
+      <p:sp>
+        <p:nvSpPr>
+          <p:cNvPr id="33" name="Rectangle: Rounded Corners 32">
+            <a:extLst>
+              <a:ext uri="{FF2B5EF4-FFF2-40B4-BE49-F238E27FC236}">
+                <a16:creationId xmlns:a16="http://schemas.microsoft.com/office/drawing/2014/main" id="{891006D7-EA72-4F71-B147-710197CB3583}"/>
+              </a:ext>
+            </a:extLst>
+          </p:cNvPr>
+          <p:cNvSpPr/>
+          <p:nvPr/>
+        </p:nvSpPr>
+        <p:spPr>
+          <a:xfrm>
+            <a:off x="4013233" y="3697706"/>
+            <a:ext cx="7677725" cy="583036"/>
+          </a:xfrm>
+          <a:prstGeom prst="roundRect">
+            <a:avLst/>
+          </a:prstGeom>
+        </p:spPr>
+        <p:style>
+          <a:lnRef idx="2">
+            <a:schemeClr val="accent1">
+              <a:shade val="50000"/>
+            </a:schemeClr>
+          </a:lnRef>
+          <a:fillRef idx="1">
+            <a:schemeClr val="accent1"/>
+          </a:fillRef>
+          <a:effectRef idx="0">
+            <a:schemeClr val="accent1"/>
+          </a:effectRef>
+          <a:fontRef idx="minor">
+            <a:schemeClr val="lt1"/>
+          </a:fontRef>
+        </p:style>
+        <p:txBody>
+          <a:bodyPr rtlCol="0" anchor="ctr"/>
+          <a:lstStyle/>
+          <a:p>
+            <a:pPr algn="ctr"/>
+            <a:r>
+              <a:rPr lang="en-US" sz="2400" b="1" dirty="0">
+                <a:solidFill>
+                  <a:schemeClr val="tx1"/>
+                </a:solidFill>
+                <a:latin typeface="Arial" panose="020B0604020202020204" pitchFamily="34" charset="0"/>
+                <a:cs typeface="Arial" panose="020B0604020202020204" pitchFamily="34" charset="0"/>
+              </a:rPr>
+              <a:t>Team Contributions </a:t>
+            </a:r>
+          </a:p>
+        </p:txBody>
+      </p:sp>
+      <p:sp>
+        <p:nvSpPr>
+          <p:cNvPr id="24" name="Oval 23">
+            <a:extLst>
+              <a:ext uri="{FF2B5EF4-FFF2-40B4-BE49-F238E27FC236}">
+                <a16:creationId xmlns:a16="http://schemas.microsoft.com/office/drawing/2014/main" id="{710F38CD-AB08-42AA-AFAC-ADF2C84B1C08}"/>
+              </a:ext>
+            </a:extLst>
+          </p:cNvPr>
+          <p:cNvSpPr/>
+          <p:nvPr/>
+        </p:nvSpPr>
+        <p:spPr>
+          <a:xfrm>
+            <a:off x="4134874" y="3758274"/>
+            <a:ext cx="547082" cy="469783"/>
+          </a:xfrm>
+          <a:prstGeom prst="ellipse">
+            <a:avLst/>
+          </a:prstGeom>
+        </p:spPr>
+        <p:style>
+          <a:lnRef idx="2">
+            <a:schemeClr val="dk1"/>
+          </a:lnRef>
+          <a:fillRef idx="1">
+            <a:schemeClr val="lt1"/>
+          </a:fillRef>
+          <a:effectRef idx="0">
+            <a:schemeClr val="dk1"/>
+          </a:effectRef>
+          <a:fontRef idx="minor">
+            <a:schemeClr val="dk1"/>
+          </a:fontRef>
+        </p:style>
+        <p:txBody>
+          <a:bodyPr rtlCol="0" anchor="ctr"/>
+          <a:lstStyle/>
+          <a:p>
+            <a:pPr algn="ctr"/>
+            <a:r>
+              <a:rPr lang="en-US" sz="3200" b="1" dirty="0">
+                <a:latin typeface="Arial" panose="020B0604020202020204" pitchFamily="34" charset="0"/>
+                <a:cs typeface="Arial" panose="020B0604020202020204" pitchFamily="34" charset="0"/>
+              </a:rPr>
+              <a:t>5</a:t>
+            </a:r>
+          </a:p>
+        </p:txBody>
+      </p:sp>
+      <p:sp>
+        <p:nvSpPr>
+          <p:cNvPr id="34" name="Rectangle: Rounded Corners 33">
+            <a:extLst>
+              <a:ext uri="{FF2B5EF4-FFF2-40B4-BE49-F238E27FC236}">
+                <a16:creationId xmlns:a16="http://schemas.microsoft.com/office/drawing/2014/main" id="{9FDCC7E9-0182-48FD-91E0-F9528CBC45D3}"/>
+              </a:ext>
+            </a:extLst>
+          </p:cNvPr>
+          <p:cNvSpPr/>
+          <p:nvPr/>
+        </p:nvSpPr>
+        <p:spPr>
+          <a:xfrm>
+            <a:off x="4013233" y="4532159"/>
+            <a:ext cx="7677725" cy="583036"/>
+          </a:xfrm>
+          <a:prstGeom prst="roundRect">
+            <a:avLst/>
+          </a:prstGeom>
+        </p:spPr>
+        <p:style>
+          <a:lnRef idx="2">
+            <a:schemeClr val="accent1">
+              <a:shade val="50000"/>
+            </a:schemeClr>
+          </a:lnRef>
+          <a:fillRef idx="1">
+            <a:schemeClr val="accent1"/>
+          </a:fillRef>
+          <a:effectRef idx="0">
+            <a:schemeClr val="accent1"/>
+          </a:effectRef>
+          <a:fontRef idx="minor">
+            <a:schemeClr val="lt1"/>
+          </a:fontRef>
+        </p:style>
+        <p:txBody>
+          <a:bodyPr rtlCol="0" anchor="ctr"/>
+          <a:lstStyle/>
+          <a:p>
+            <a:pPr algn="ctr"/>
+            <a:r>
+              <a:rPr lang="en-US" sz="2400" b="1" dirty="0">
+                <a:solidFill>
+                  <a:schemeClr val="tx1"/>
+                </a:solidFill>
+                <a:latin typeface="Arial" panose="020B0604020202020204" pitchFamily="34" charset="0"/>
+                <a:cs typeface="Arial" panose="020B0604020202020204" pitchFamily="34" charset="0"/>
+              </a:rPr>
+              <a:t> Future Work And Conclusion</a:t>
+            </a:r>
+          </a:p>
+        </p:txBody>
+      </p:sp>
+      <p:sp>
+        <p:nvSpPr>
+          <p:cNvPr id="22" name="Oval 21">
+            <a:extLst>
+              <a:ext uri="{FF2B5EF4-FFF2-40B4-BE49-F238E27FC236}">
+                <a16:creationId xmlns:a16="http://schemas.microsoft.com/office/drawing/2014/main" id="{DF469DCE-1D47-428C-B082-4E57A24682E8}"/>
+              </a:ext>
+            </a:extLst>
+          </p:cNvPr>
+          <p:cNvSpPr/>
+          <p:nvPr/>
+        </p:nvSpPr>
+        <p:spPr>
+          <a:xfrm>
+            <a:off x="4139570" y="4588786"/>
+            <a:ext cx="547082" cy="469783"/>
+          </a:xfrm>
+          <a:prstGeom prst="ellipse">
+            <a:avLst/>
+          </a:prstGeom>
+        </p:spPr>
+        <p:style>
+          <a:lnRef idx="2">
+            <a:schemeClr val="dk1"/>
+          </a:lnRef>
+          <a:fillRef idx="1">
+            <a:schemeClr val="lt1"/>
+          </a:fillRef>
+          <a:effectRef idx="0">
+            <a:schemeClr val="dk1"/>
+          </a:effectRef>
+          <a:fontRef idx="minor">
+            <a:schemeClr val="dk1"/>
+          </a:fontRef>
+        </p:style>
+        <p:txBody>
+          <a:bodyPr rtlCol="0" anchor="ctr"/>
+          <a:lstStyle/>
+          <a:p>
+            <a:pPr algn="ctr"/>
+            <a:r>
+              <a:rPr lang="en-US" sz="3200" b="1" dirty="0">
+                <a:latin typeface="Arial" panose="020B0604020202020204" pitchFamily="34" charset="0"/>
+                <a:cs typeface="Arial" panose="020B0604020202020204" pitchFamily="34" charset="0"/>
+              </a:rPr>
+              <a:t>6</a:t>
+            </a:r>
+          </a:p>
+        </p:txBody>
+      </p:sp>
+      <p:pic>
+        <p:nvPicPr>
+          <p:cNvPr id="28" name="Picture 27" descr="A picture containing drawing&#10;&#10;Description automatically generated">
+            <a:extLst>
+              <a:ext uri="{FF2B5EF4-FFF2-40B4-BE49-F238E27FC236}">
+                <a16:creationId xmlns:a16="http://schemas.microsoft.com/office/drawing/2014/main" id="{B1FB34BB-937E-4ACB-9CCB-DD01B0A76610}"/>
+              </a:ext>
+            </a:extLst>
+          </p:cNvPr>
+          <p:cNvPicPr>
+            <a:picLocks noChangeAspect="1"/>
+          </p:cNvPicPr>
+          <p:nvPr/>
+        </p:nvPicPr>
+        <p:blipFill>
+          <a:blip r:embed="rId4">
+            <a:extLst>
+              <a:ext uri="{28A0092B-C50C-407E-A947-70E740481C1C}">
+                <a14:useLocalDpi xmlns:a14="http://schemas.microsoft.com/office/drawing/2010/main" val="0"/>
+              </a:ext>
+            </a:extLst>
+          </a:blip>
+          <a:stretch>
+            <a:fillRect/>
+          </a:stretch>
+        </p:blipFill>
+        <p:spPr>
+          <a:xfrm>
+            <a:off x="11022886" y="4559422"/>
+            <a:ext cx="612395" cy="528509"/>
+          </a:xfrm>
+          <a:prstGeom prst="rect">
+            <a:avLst/>
+          </a:prstGeom>
+        </p:spPr>
+      </p:pic>
+    </p:spTree>
+    <p:extLst>
+      <p:ext uri="{BB962C8B-B14F-4D97-AF65-F5344CB8AC3E}">
+        <p14:creationId xmlns:p14="http://schemas.microsoft.com/office/powerpoint/2010/main" val="2626581393"/>
+      </p:ext>
+    </p:extLst>
+  </p:cSld>
+  <p:clrMapOvr>
+    <a:masterClrMapping/>
+  </p:clrMapOvr>
+</p:sld>
+</file>
+
+<file path=ppt/slides/slide22.xml><?xml version="1.0" encoding="utf-8"?>
+<p:sld xmlns:a="http://schemas.openxmlformats.org/drawingml/2006/main" xmlns:r="http://schemas.openxmlformats.org/officeDocument/2006/relationships" xmlns:p="http://schemas.openxmlformats.org/presentationml/2006/main">
+  <p:cSld>
+    <p:spTree>
+      <p:nvGrpSpPr>
+        <p:cNvPr id="1" name=""/>
+        <p:cNvGrpSpPr/>
+        <p:nvPr/>
+      </p:nvGrpSpPr>
+      <p:grpSpPr>
+        <a:xfrm>
+          <a:off x="0" y="0"/>
+          <a:ext cx="0" cy="0"/>
+          <a:chOff x="0" y="0"/>
+          <a:chExt cx="0" cy="0"/>
+        </a:xfrm>
+      </p:grpSpPr>
+      <p:sp>
+        <p:nvSpPr>
+          <p:cNvPr id="5" name="Rectangle 4">
+            <a:extLst>
+              <a:ext uri="{FF2B5EF4-FFF2-40B4-BE49-F238E27FC236}">
+                <a16:creationId xmlns:a16="http://schemas.microsoft.com/office/drawing/2014/main" id="{8D00F772-67C5-4A9C-BD38-4BCED1E48594}"/>
+              </a:ext>
+            </a:extLst>
+          </p:cNvPr>
+          <p:cNvSpPr/>
+          <p:nvPr/>
+        </p:nvSpPr>
+        <p:spPr>
+          <a:xfrm>
+            <a:off x="0" y="0"/>
+            <a:ext cx="3506598" cy="6858000"/>
+          </a:xfrm>
+          <a:prstGeom prst="rect">
+            <a:avLst/>
+          </a:prstGeom>
+        </p:spPr>
+        <p:style>
+          <a:lnRef idx="2">
+            <a:schemeClr val="accent1">
+              <a:shade val="50000"/>
+            </a:schemeClr>
+          </a:lnRef>
+          <a:fillRef idx="1">
+            <a:schemeClr val="accent1"/>
+          </a:fillRef>
+          <a:effectRef idx="0">
+            <a:schemeClr val="accent1"/>
+          </a:effectRef>
+          <a:fontRef idx="minor">
+            <a:schemeClr val="lt1"/>
+          </a:fontRef>
+        </p:style>
+        <p:txBody>
+          <a:bodyPr rtlCol="0" anchor="ctr"/>
+          <a:lstStyle/>
+          <a:p>
+            <a:pPr algn="ctr"/>
+            <a:endParaRPr lang="en-US" sz="2800" b="1" dirty="0">
+              <a:solidFill>
+                <a:schemeClr val="tx1"/>
+              </a:solidFill>
+              <a:latin typeface="Arial" panose="020B0604020202020204" pitchFamily="34" charset="0"/>
+              <a:cs typeface="Arial" panose="020B0604020202020204" pitchFamily="34" charset="0"/>
+            </a:endParaRPr>
+          </a:p>
+        </p:txBody>
+      </p:sp>
+      <p:sp>
+        <p:nvSpPr>
+          <p:cNvPr id="6" name="Rectangle 5">
+            <a:extLst>
+              <a:ext uri="{FF2B5EF4-FFF2-40B4-BE49-F238E27FC236}">
+                <a16:creationId xmlns:a16="http://schemas.microsoft.com/office/drawing/2014/main" id="{6C9B235E-0F30-4D42-B228-0F54FBB4590D}"/>
+              </a:ext>
+            </a:extLst>
+          </p:cNvPr>
+          <p:cNvSpPr/>
+          <p:nvPr/>
+        </p:nvSpPr>
+        <p:spPr>
+          <a:xfrm>
+            <a:off x="3506599" y="0"/>
+            <a:ext cx="8685402" cy="6858000"/>
+          </a:xfrm>
+          <a:prstGeom prst="rect">
+            <a:avLst/>
+          </a:prstGeom>
+          <a:solidFill>
+            <a:schemeClr val="bg1"/>
+          </a:solidFill>
+        </p:spPr>
+        <p:style>
+          <a:lnRef idx="2">
+            <a:schemeClr val="accent1">
+              <a:shade val="50000"/>
+            </a:schemeClr>
+          </a:lnRef>
+          <a:fillRef idx="1">
+            <a:schemeClr val="accent1"/>
+          </a:fillRef>
+          <a:effectRef idx="0">
+            <a:schemeClr val="accent1"/>
+          </a:effectRef>
+          <a:fontRef idx="minor">
+            <a:schemeClr val="lt1"/>
+          </a:fontRef>
+        </p:style>
+        <p:txBody>
+          <a:bodyPr rtlCol="0" anchor="ctr"/>
+          <a:lstStyle/>
+          <a:p>
+            <a:pPr algn="ctr"/>
+            <a:r>
+              <a:rPr lang="en-US">
+                <a:latin typeface="Arial" panose="020B0604020202020204" pitchFamily="34" charset="0"/>
+                <a:cs typeface="Arial" panose="020B0604020202020204" pitchFamily="34" charset="0"/>
+              </a:rPr>
+              <a:t>Upgrading the scan reader from connecting to the computer over a USB cable to a </a:t>
+            </a:r>
+          </a:p>
+          <a:p>
+            <a:pPr algn="ctr"/>
+            <a:r>
+              <a:rPr lang="en-US">
+                <a:latin typeface="Arial" panose="020B0604020202020204" pitchFamily="34" charset="0"/>
+                <a:cs typeface="Arial" panose="020B0604020202020204" pitchFamily="34" charset="0"/>
+              </a:rPr>
+              <a:t>Wi-Fi connection</a:t>
+            </a:r>
+            <a:endParaRPr lang="en-US" dirty="0">
+              <a:latin typeface="Arial" panose="020B0604020202020204" pitchFamily="34" charset="0"/>
+              <a:cs typeface="Arial" panose="020B0604020202020204" pitchFamily="34" charset="0"/>
+            </a:endParaRPr>
+          </a:p>
+        </p:txBody>
+      </p:sp>
+      <p:sp>
+        <p:nvSpPr>
+          <p:cNvPr id="7" name="TextBox 6">
+            <a:extLst>
+              <a:ext uri="{FF2B5EF4-FFF2-40B4-BE49-F238E27FC236}">
+                <a16:creationId xmlns:a16="http://schemas.microsoft.com/office/drawing/2014/main" id="{F1FEB517-01A5-4928-BFB9-0B85C0262E5F}"/>
+              </a:ext>
+            </a:extLst>
+          </p:cNvPr>
+          <p:cNvSpPr txBox="1"/>
+          <p:nvPr/>
+        </p:nvSpPr>
+        <p:spPr>
+          <a:xfrm>
+            <a:off x="1" y="1391334"/>
+            <a:ext cx="3506597" cy="646331"/>
+          </a:xfrm>
+          <a:prstGeom prst="rect">
+            <a:avLst/>
+          </a:prstGeom>
+          <a:noFill/>
+        </p:spPr>
+        <p:txBody>
+          <a:bodyPr wrap="square" rtlCol="0">
+            <a:spAutoFit/>
+          </a:bodyPr>
+          <a:lstStyle/>
+          <a:p>
+            <a:pPr algn="ctr"/>
+            <a:r>
+              <a:rPr lang="en-US" sz="3600" b="1" dirty="0">
+                <a:latin typeface="Arial" panose="020B0604020202020204" pitchFamily="34" charset="0"/>
+                <a:cs typeface="Arial" panose="020B0604020202020204" pitchFamily="34" charset="0"/>
+              </a:rPr>
+              <a:t>Future Work</a:t>
+            </a:r>
+            <a:endParaRPr lang="en-US" sz="3600" dirty="0"/>
+          </a:p>
+        </p:txBody>
+      </p:sp>
+      <p:pic>
+        <p:nvPicPr>
+          <p:cNvPr id="11" name="Picture 10" descr="A picture containing drawing&#10;&#10;Description automatically generated">
+            <a:extLst>
+              <a:ext uri="{FF2B5EF4-FFF2-40B4-BE49-F238E27FC236}">
+                <a16:creationId xmlns:a16="http://schemas.microsoft.com/office/drawing/2014/main" id="{113C11D3-D0C4-4277-9303-632E03F1CA82}"/>
+              </a:ext>
+            </a:extLst>
+          </p:cNvPr>
+          <p:cNvPicPr>
+            <a:picLocks noChangeAspect="1"/>
+          </p:cNvPicPr>
+          <p:nvPr/>
+        </p:nvPicPr>
+        <p:blipFill>
+          <a:blip r:embed="rId2">
+            <a:alphaModFix amt="20000"/>
+            <a:extLst>
+              <a:ext uri="{28A0092B-C50C-407E-A947-70E740481C1C}">
+                <a14:useLocalDpi xmlns:a14="http://schemas.microsoft.com/office/drawing/2010/main" val="0"/>
+              </a:ext>
+            </a:extLst>
+          </a:blip>
+          <a:stretch>
+            <a:fillRect/>
+          </a:stretch>
+        </p:blipFill>
+        <p:spPr>
+          <a:xfrm>
+            <a:off x="5793939" y="1379588"/>
+            <a:ext cx="4110722" cy="4098823"/>
+          </a:xfrm>
+          <a:prstGeom prst="rect">
+            <a:avLst/>
+          </a:prstGeom>
+        </p:spPr>
+      </p:pic>
+      <p:pic>
+        <p:nvPicPr>
+          <p:cNvPr id="19" name="Picture 18" descr="A drawing of a face&#10;&#10;Description automatically generated">
+            <a:extLst>
+              <a:ext uri="{FF2B5EF4-FFF2-40B4-BE49-F238E27FC236}">
+                <a16:creationId xmlns:a16="http://schemas.microsoft.com/office/drawing/2014/main" id="{574234E1-C508-410F-BE99-8D93477E55F9}"/>
+              </a:ext>
+            </a:extLst>
+          </p:cNvPr>
+          <p:cNvPicPr>
+            <a:picLocks noChangeAspect="1"/>
+          </p:cNvPicPr>
+          <p:nvPr/>
+        </p:nvPicPr>
+        <p:blipFill>
+          <a:blip r:embed="rId3">
+            <a:extLst>
+              <a:ext uri="{28A0092B-C50C-407E-A947-70E740481C1C}">
+                <a14:useLocalDpi xmlns:a14="http://schemas.microsoft.com/office/drawing/2010/main" val="0"/>
+              </a:ext>
+            </a:extLst>
+          </a:blip>
+          <a:stretch>
+            <a:fillRect/>
+          </a:stretch>
+        </p:blipFill>
+        <p:spPr>
+          <a:xfrm>
+            <a:off x="7036601" y="1587601"/>
+            <a:ext cx="1625397" cy="1625397"/>
+          </a:xfrm>
+          <a:prstGeom prst="rect">
+            <a:avLst/>
+          </a:prstGeom>
+        </p:spPr>
+      </p:pic>
+      <p:pic>
+        <p:nvPicPr>
+          <p:cNvPr id="21" name="Picture 20" descr="A picture containing toy, drawing&#10;&#10;Description automatically generated">
+            <a:extLst>
+              <a:ext uri="{FF2B5EF4-FFF2-40B4-BE49-F238E27FC236}">
+                <a16:creationId xmlns:a16="http://schemas.microsoft.com/office/drawing/2014/main" id="{D1C6B529-2733-4A25-A668-818487A3D53F}"/>
+              </a:ext>
+            </a:extLst>
+          </p:cNvPr>
+          <p:cNvPicPr>
+            <a:picLocks noChangeAspect="1"/>
+          </p:cNvPicPr>
+          <p:nvPr/>
+        </p:nvPicPr>
+        <p:blipFill>
+          <a:blip r:embed="rId4">
+            <a:extLst>
+              <a:ext uri="{28A0092B-C50C-407E-A947-70E740481C1C}">
+                <a14:useLocalDpi xmlns:a14="http://schemas.microsoft.com/office/drawing/2010/main" val="0"/>
+              </a:ext>
+            </a:extLst>
+          </a:blip>
+          <a:stretch>
+            <a:fillRect/>
+          </a:stretch>
+        </p:blipFill>
+        <p:spPr>
+          <a:xfrm>
+            <a:off x="379842" y="2951300"/>
+            <a:ext cx="2746914" cy="2580796"/>
+          </a:xfrm>
+          <a:prstGeom prst="rect">
+            <a:avLst/>
+          </a:prstGeom>
+        </p:spPr>
+      </p:pic>
+      <p:pic>
+        <p:nvPicPr>
+          <p:cNvPr id="22" name="Picture 21" descr="A drawing of a face&#10;&#10;Description automatically generated">
+            <a:extLst>
+              <a:ext uri="{FF2B5EF4-FFF2-40B4-BE49-F238E27FC236}">
+                <a16:creationId xmlns:a16="http://schemas.microsoft.com/office/drawing/2014/main" id="{BAEE0EDD-7CB1-4129-BF68-A5492994F9F6}"/>
+              </a:ext>
+            </a:extLst>
+          </p:cNvPr>
+          <p:cNvPicPr>
+            <a:picLocks noChangeAspect="1"/>
+          </p:cNvPicPr>
+          <p:nvPr/>
+        </p:nvPicPr>
+        <p:blipFill>
+          <a:blip r:embed="rId3">
+            <a:extLst>
+              <a:ext uri="{28A0092B-C50C-407E-A947-70E740481C1C}">
+                <a14:useLocalDpi xmlns:a14="http://schemas.microsoft.com/office/drawing/2010/main" val="0"/>
+              </a:ext>
+            </a:extLst>
+          </a:blip>
+          <a:stretch>
+            <a:fillRect/>
+          </a:stretch>
+        </p:blipFill>
+        <p:spPr>
+          <a:xfrm>
+            <a:off x="4470603" y="1587600"/>
+            <a:ext cx="1625397" cy="1625397"/>
+          </a:xfrm>
+          <a:prstGeom prst="rect">
+            <a:avLst/>
+          </a:prstGeom>
+        </p:spPr>
+      </p:pic>
+      <p:pic>
+        <p:nvPicPr>
+          <p:cNvPr id="23" name="Picture 22" descr="A drawing of a face&#10;&#10;Description automatically generated">
+            <a:extLst>
+              <a:ext uri="{FF2B5EF4-FFF2-40B4-BE49-F238E27FC236}">
+                <a16:creationId xmlns:a16="http://schemas.microsoft.com/office/drawing/2014/main" id="{2DEBB013-D345-4C6D-974A-5936A2FBE734}"/>
+              </a:ext>
+            </a:extLst>
+          </p:cNvPr>
+          <p:cNvPicPr>
+            <a:picLocks noChangeAspect="1"/>
+          </p:cNvPicPr>
+          <p:nvPr/>
+        </p:nvPicPr>
+        <p:blipFill>
+          <a:blip r:embed="rId3">
+            <a:alphaModFix/>
+            <a:extLst>
+              <a:ext uri="{28A0092B-C50C-407E-A947-70E740481C1C}">
+                <a14:useLocalDpi xmlns:a14="http://schemas.microsoft.com/office/drawing/2010/main" val="0"/>
+              </a:ext>
+            </a:extLst>
+          </a:blip>
+          <a:stretch>
+            <a:fillRect/>
+          </a:stretch>
+        </p:blipFill>
+        <p:spPr>
+          <a:xfrm>
+            <a:off x="9602599" y="1587599"/>
+            <a:ext cx="1625397" cy="1625397"/>
+          </a:xfrm>
+          <a:prstGeom prst="rect">
+            <a:avLst/>
+          </a:prstGeom>
+        </p:spPr>
+      </p:pic>
+      <p:sp>
+        <p:nvSpPr>
+          <p:cNvPr id="27" name="TextBox 26">
+            <a:extLst>
+              <a:ext uri="{FF2B5EF4-FFF2-40B4-BE49-F238E27FC236}">
+                <a16:creationId xmlns:a16="http://schemas.microsoft.com/office/drawing/2014/main" id="{6AB51414-5E76-47E3-9F43-E0C0CF293F5B}"/>
+              </a:ext>
+            </a:extLst>
+          </p:cNvPr>
+          <p:cNvSpPr txBox="1"/>
+          <p:nvPr/>
+        </p:nvSpPr>
+        <p:spPr>
+          <a:xfrm>
+            <a:off x="6877749" y="3724273"/>
+            <a:ext cx="1943099" cy="2554545"/>
+          </a:xfrm>
+          <a:prstGeom prst="rect">
+            <a:avLst/>
+          </a:prstGeom>
+          <a:noFill/>
+          <a:ln>
+            <a:solidFill>
+              <a:schemeClr val="accent2"/>
+            </a:solidFill>
+          </a:ln>
+        </p:spPr>
+        <p:txBody>
+          <a:bodyPr wrap="square" rtlCol="0">
+            <a:spAutoFit/>
+          </a:bodyPr>
+          <a:lstStyle/>
+          <a:p>
+            <a:pPr algn="ctr"/>
+            <a:r>
+              <a:rPr lang="en-US" sz="1600" dirty="0">
+                <a:latin typeface="Arial" panose="020B0604020202020204" pitchFamily="34" charset="0"/>
+                <a:cs typeface="Arial" panose="020B0604020202020204" pitchFamily="34" charset="0"/>
+              </a:rPr>
+              <a:t>SATS currently use a type of database that is accessed only from one computer, upgrading the database over servers to cover all classrooms in the university.</a:t>
+            </a:r>
+          </a:p>
+        </p:txBody>
+      </p:sp>
+      <p:sp>
+        <p:nvSpPr>
+          <p:cNvPr id="29" name="TextBox 28">
+            <a:extLst>
+              <a:ext uri="{FF2B5EF4-FFF2-40B4-BE49-F238E27FC236}">
+                <a16:creationId xmlns:a16="http://schemas.microsoft.com/office/drawing/2014/main" id="{CCB3347A-73F6-4C25-92E7-EFA932382EDA}"/>
+              </a:ext>
+            </a:extLst>
+          </p:cNvPr>
+          <p:cNvSpPr txBox="1"/>
+          <p:nvPr/>
+        </p:nvSpPr>
+        <p:spPr>
+          <a:xfrm>
+            <a:off x="4310074" y="3724272"/>
+            <a:ext cx="1943099" cy="2554545"/>
+          </a:xfrm>
+          <a:prstGeom prst="rect">
+            <a:avLst/>
+          </a:prstGeom>
+          <a:noFill/>
+          <a:ln>
+            <a:solidFill>
+              <a:schemeClr val="accent2"/>
+            </a:solidFill>
+          </a:ln>
+        </p:spPr>
+        <p:txBody>
+          <a:bodyPr wrap="square" rtlCol="0">
+            <a:spAutoFit/>
+          </a:bodyPr>
+          <a:lstStyle/>
+          <a:p>
+            <a:pPr algn="ctr"/>
+            <a:r>
+              <a:rPr lang="en-US" sz="1600" dirty="0">
+                <a:latin typeface="Arial" panose="020B0604020202020204" pitchFamily="34" charset="0"/>
+                <a:cs typeface="Arial" panose="020B0604020202020204" pitchFamily="34" charset="0"/>
+              </a:rPr>
+              <a:t>Upgrading the scan reader from connecting to the computer over a USB cable to a </a:t>
+            </a:r>
+          </a:p>
+          <a:p>
+            <a:pPr algn="ctr"/>
+            <a:r>
+              <a:rPr lang="en-US" sz="1600" dirty="0">
+                <a:latin typeface="Arial" panose="020B0604020202020204" pitchFamily="34" charset="0"/>
+                <a:cs typeface="Arial" panose="020B0604020202020204" pitchFamily="34" charset="0"/>
+              </a:rPr>
+              <a:t>Wi-Fi connection.</a:t>
+            </a:r>
+          </a:p>
+          <a:p>
+            <a:pPr algn="ctr"/>
+            <a:endParaRPr lang="en-US" sz="1600" dirty="0">
+              <a:latin typeface="Arial" panose="020B0604020202020204" pitchFamily="34" charset="0"/>
+              <a:cs typeface="Arial" panose="020B0604020202020204" pitchFamily="34" charset="0"/>
+            </a:endParaRPr>
+          </a:p>
+          <a:p>
+            <a:pPr algn="ctr"/>
+            <a:endParaRPr lang="en-US" sz="1600" dirty="0">
+              <a:latin typeface="Arial" panose="020B0604020202020204" pitchFamily="34" charset="0"/>
+              <a:cs typeface="Arial" panose="020B0604020202020204" pitchFamily="34" charset="0"/>
+            </a:endParaRPr>
+          </a:p>
+          <a:p>
+            <a:pPr algn="ctr"/>
+            <a:endParaRPr lang="en-US" sz="1600" dirty="0">
+              <a:latin typeface="Arial" panose="020B0604020202020204" pitchFamily="34" charset="0"/>
+              <a:cs typeface="Arial" panose="020B0604020202020204" pitchFamily="34" charset="0"/>
+            </a:endParaRPr>
+          </a:p>
+          <a:p>
+            <a:pPr algn="ctr"/>
+            <a:endParaRPr lang="en-US" sz="1600" dirty="0">
+              <a:latin typeface="Arial" panose="020B0604020202020204" pitchFamily="34" charset="0"/>
+              <a:cs typeface="Arial" panose="020B0604020202020204" pitchFamily="34" charset="0"/>
+            </a:endParaRPr>
+          </a:p>
+        </p:txBody>
+      </p:sp>
+      <p:sp>
+        <p:nvSpPr>
+          <p:cNvPr id="30" name="TextBox 29">
+            <a:extLst>
+              <a:ext uri="{FF2B5EF4-FFF2-40B4-BE49-F238E27FC236}">
+                <a16:creationId xmlns:a16="http://schemas.microsoft.com/office/drawing/2014/main" id="{D83EEAD4-FE2C-4E8B-98BD-DD563FA7567A}"/>
+              </a:ext>
+            </a:extLst>
+          </p:cNvPr>
+          <p:cNvSpPr txBox="1"/>
+          <p:nvPr/>
+        </p:nvSpPr>
+        <p:spPr>
+          <a:xfrm>
+            <a:off x="9443747" y="3715977"/>
+            <a:ext cx="1943099" cy="2554545"/>
+          </a:xfrm>
+          <a:prstGeom prst="rect">
+            <a:avLst/>
+          </a:prstGeom>
+          <a:noFill/>
+          <a:ln>
+            <a:solidFill>
+              <a:schemeClr val="accent2"/>
+            </a:solidFill>
+          </a:ln>
+        </p:spPr>
+        <p:txBody>
+          <a:bodyPr wrap="square" rtlCol="0">
+            <a:spAutoFit/>
+          </a:bodyPr>
+          <a:lstStyle/>
+          <a:p>
+            <a:pPr algn="ctr"/>
+            <a:r>
+              <a:rPr lang="en-US" sz="1600" dirty="0">
+                <a:latin typeface="Arial" panose="020B0604020202020204" pitchFamily="34" charset="0"/>
+                <a:cs typeface="Arial" panose="020B0604020202020204" pitchFamily="34" charset="0"/>
+              </a:rPr>
+              <a:t>SATS currently use a type of database that is accessed only from one computer, upgrading the database over servers to cover all classrooms in the university.</a:t>
+            </a:r>
+          </a:p>
+        </p:txBody>
+      </p:sp>
+    </p:spTree>
+    <p:extLst>
+      <p:ext uri="{BB962C8B-B14F-4D97-AF65-F5344CB8AC3E}">
+        <p14:creationId xmlns:p14="http://schemas.microsoft.com/office/powerpoint/2010/main" val="3780809913"/>
+      </p:ext>
+    </p:extLst>
+  </p:cSld>
+  <p:clrMapOvr>
+    <a:masterClrMapping/>
+  </p:clrMapOvr>
+</p:sld>
+</file>
+
+<file path=ppt/slides/slide23.xml><?xml version="1.0" encoding="utf-8"?>
+<p:sld xmlns:a="http://schemas.openxmlformats.org/drawingml/2006/main" xmlns:r="http://schemas.openxmlformats.org/officeDocument/2006/relationships" xmlns:p="http://schemas.openxmlformats.org/presentationml/2006/main">
+  <p:cSld>
+    <p:spTree>
+      <p:nvGrpSpPr>
+        <p:cNvPr id="1" name=""/>
+        <p:cNvGrpSpPr/>
+        <p:nvPr/>
+      </p:nvGrpSpPr>
+      <p:grpSpPr>
+        <a:xfrm>
+          <a:off x="0" y="0"/>
+          <a:ext cx="0" cy="0"/>
+          <a:chOff x="0" y="0"/>
+          <a:chExt cx="0" cy="0"/>
+        </a:xfrm>
+      </p:grpSpPr>
+      <p:sp>
+        <p:nvSpPr>
+          <p:cNvPr id="5" name="Rectangle 4">
+            <a:extLst>
+              <a:ext uri="{FF2B5EF4-FFF2-40B4-BE49-F238E27FC236}">
+                <a16:creationId xmlns:a16="http://schemas.microsoft.com/office/drawing/2014/main" id="{D2051A05-18B0-4414-80BC-264E9E3ED752}"/>
+              </a:ext>
+            </a:extLst>
+          </p:cNvPr>
+          <p:cNvSpPr/>
+          <p:nvPr/>
+        </p:nvSpPr>
+        <p:spPr>
+          <a:xfrm>
+            <a:off x="0" y="0"/>
+            <a:ext cx="12192000" cy="6858000"/>
+          </a:xfrm>
+          <a:prstGeom prst="rect">
+            <a:avLst/>
+          </a:prstGeom>
+          <a:solidFill>
+            <a:schemeClr val="bg1"/>
+          </a:solidFill>
+        </p:spPr>
+        <p:style>
+          <a:lnRef idx="2">
+            <a:schemeClr val="accent1">
+              <a:shade val="50000"/>
+            </a:schemeClr>
+          </a:lnRef>
+          <a:fillRef idx="1">
+            <a:schemeClr val="accent1"/>
+          </a:fillRef>
+          <a:effectRef idx="0">
+            <a:schemeClr val="accent1"/>
+          </a:effectRef>
+          <a:fontRef idx="minor">
+            <a:schemeClr val="lt1"/>
+          </a:fontRef>
+        </p:style>
+        <p:txBody>
+          <a:bodyPr rtlCol="0" anchor="ctr"/>
+          <a:lstStyle/>
+          <a:p>
+            <a:pPr algn="ctr"/>
+            <a:endParaRPr lang="en-US"/>
+          </a:p>
+        </p:txBody>
+      </p:sp>
+      <p:pic>
+        <p:nvPicPr>
+          <p:cNvPr id="16" name="Picture 15" descr="A picture containing computer&#10;&#10;Description automatically generated">
+            <a:extLst>
+              <a:ext uri="{FF2B5EF4-FFF2-40B4-BE49-F238E27FC236}">
+                <a16:creationId xmlns:a16="http://schemas.microsoft.com/office/drawing/2014/main" id="{33A5AA60-1D84-41C9-9BA1-4593C03C69D6}"/>
+              </a:ext>
+            </a:extLst>
+          </p:cNvPr>
+          <p:cNvPicPr>
+            <a:picLocks noChangeAspect="1"/>
+          </p:cNvPicPr>
+          <p:nvPr/>
+        </p:nvPicPr>
+        <p:blipFill>
+          <a:blip r:embed="rId2">
+            <a:alphaModFix amt="20000"/>
+            <a:extLst>
+              <a:ext uri="{28A0092B-C50C-407E-A947-70E740481C1C}">
+                <a14:useLocalDpi xmlns:a14="http://schemas.microsoft.com/office/drawing/2010/main" val="0"/>
+              </a:ext>
+            </a:extLst>
+          </a:blip>
+          <a:stretch>
+            <a:fillRect/>
+          </a:stretch>
+        </p:blipFill>
+        <p:spPr>
+          <a:xfrm>
+            <a:off x="4028480" y="1791628"/>
+            <a:ext cx="4135038" cy="3921074"/>
+          </a:xfrm>
+          <a:prstGeom prst="rect">
+            <a:avLst/>
+          </a:prstGeom>
+        </p:spPr>
+      </p:pic>
+      <p:sp>
+        <p:nvSpPr>
+          <p:cNvPr id="21" name="Rectangle 20">
+            <a:extLst>
+              <a:ext uri="{FF2B5EF4-FFF2-40B4-BE49-F238E27FC236}">
+                <a16:creationId xmlns:a16="http://schemas.microsoft.com/office/drawing/2014/main" id="{2DC6BC17-A3D4-414C-BD43-FF880F11207E}"/>
+              </a:ext>
+            </a:extLst>
+          </p:cNvPr>
+          <p:cNvSpPr/>
+          <p:nvPr/>
+        </p:nvSpPr>
+        <p:spPr>
+          <a:xfrm>
+            <a:off x="4118534" y="434149"/>
+            <a:ext cx="3954929" cy="923330"/>
+          </a:xfrm>
+          <a:prstGeom prst="rect">
+            <a:avLst/>
+          </a:prstGeom>
+          <a:noFill/>
+        </p:spPr>
+        <p:txBody>
+          <a:bodyPr wrap="none" lIns="91440" tIns="45720" rIns="91440" bIns="45720">
+            <a:spAutoFit/>
+          </a:bodyPr>
+          <a:lstStyle/>
+          <a:p>
+            <a:pPr algn="ctr"/>
+            <a:r>
+              <a:rPr lang="en-US" sz="5400" b="1" dirty="0">
+                <a:effectLst>
+                  <a:glow rad="101600">
+                    <a:schemeClr val="accent2">
+                      <a:satMod val="175000"/>
+                      <a:alpha val="40000"/>
+                    </a:schemeClr>
+                  </a:glow>
+                </a:effectLst>
+                <a:latin typeface="Arial" panose="020B0604020202020204" pitchFamily="34" charset="0"/>
+                <a:cs typeface="Arial" panose="020B0604020202020204" pitchFamily="34" charset="0"/>
+              </a:rPr>
+              <a:t>Conclusion</a:t>
+            </a:r>
+            <a:endParaRPr lang="en-US" sz="5400" dirty="0">
+              <a:effectLst>
+                <a:glow rad="101600">
+                  <a:schemeClr val="accent2">
+                    <a:satMod val="175000"/>
+                    <a:alpha val="40000"/>
+                  </a:schemeClr>
+                </a:glow>
+              </a:effectLst>
+            </a:endParaRPr>
+          </a:p>
+        </p:txBody>
+      </p:sp>
+      <p:sp>
+        <p:nvSpPr>
+          <p:cNvPr id="22" name="TextBox 21">
+            <a:extLst>
+              <a:ext uri="{FF2B5EF4-FFF2-40B4-BE49-F238E27FC236}">
+                <a16:creationId xmlns:a16="http://schemas.microsoft.com/office/drawing/2014/main" id="{A9ACD80D-6182-4A56-A569-0AE9ACD786C7}"/>
+              </a:ext>
+            </a:extLst>
+          </p:cNvPr>
+          <p:cNvSpPr txBox="1"/>
+          <p:nvPr/>
+        </p:nvSpPr>
+        <p:spPr>
+          <a:xfrm>
+            <a:off x="0" y="3105834"/>
+            <a:ext cx="12192000" cy="646331"/>
+          </a:xfrm>
+          <a:prstGeom prst="rect">
+            <a:avLst/>
+          </a:prstGeom>
+          <a:noFill/>
+        </p:spPr>
+        <p:txBody>
+          <a:bodyPr wrap="square" rtlCol="0">
+            <a:spAutoFit/>
+          </a:bodyPr>
+          <a:lstStyle/>
+          <a:p>
+            <a:pPr algn="ctr"/>
+            <a:r>
+              <a:rPr lang="en-US" dirty="0">
+                <a:latin typeface="Arial" panose="020B0604020202020204" pitchFamily="34" charset="0"/>
+                <a:cs typeface="Arial" panose="020B0604020202020204" pitchFamily="34" charset="0"/>
+              </a:rPr>
+              <a:t>SATS aims to make professors concentrate on just teaching and educating students not to waste the limited valuable time of lectures, and make the students have full responsibility over their attendance.</a:t>
+            </a:r>
+          </a:p>
+        </p:txBody>
+      </p:sp>
+    </p:spTree>
+    <p:extLst>
+      <p:ext uri="{BB962C8B-B14F-4D97-AF65-F5344CB8AC3E}">
+        <p14:creationId xmlns:p14="http://schemas.microsoft.com/office/powerpoint/2010/main" val="1832249273"/>
+      </p:ext>
+    </p:extLst>
+  </p:cSld>
+  <p:clrMapOvr>
+    <a:masterClrMapping/>
+  </p:clrMapOvr>
+</p:sld>
+</file>
+
+<file path=ppt/slides/slide24.xml><?xml version="1.0" encoding="utf-8"?>
+<p:sld xmlns:a="http://schemas.openxmlformats.org/drawingml/2006/main" xmlns:r="http://schemas.openxmlformats.org/officeDocument/2006/relationships" xmlns:p="http://schemas.openxmlformats.org/presentationml/2006/main">
+  <p:cSld>
+    <p:spTree>
+      <p:nvGrpSpPr>
+        <p:cNvPr id="1" name=""/>
+        <p:cNvGrpSpPr/>
+        <p:nvPr/>
+      </p:nvGrpSpPr>
+      <p:grpSpPr>
+        <a:xfrm>
+          <a:off x="0" y="0"/>
+          <a:ext cx="0" cy="0"/>
+          <a:chOff x="0" y="0"/>
+          <a:chExt cx="0" cy="0"/>
+        </a:xfrm>
+      </p:grpSpPr>
+      <p:sp>
+        <p:nvSpPr>
+          <p:cNvPr id="9" name="Rectangle 8">
+            <a:extLst>
+              <a:ext uri="{FF2B5EF4-FFF2-40B4-BE49-F238E27FC236}">
+                <a16:creationId xmlns:a16="http://schemas.microsoft.com/office/drawing/2014/main" id="{65CDC8D2-6A7C-42FC-971C-97121B419DB8}"/>
+              </a:ext>
+            </a:extLst>
+          </p:cNvPr>
+          <p:cNvSpPr/>
+          <p:nvPr/>
+        </p:nvSpPr>
+        <p:spPr>
+          <a:xfrm>
+            <a:off x="0" y="0"/>
+            <a:ext cx="12192000" cy="6858000"/>
+          </a:xfrm>
+          <a:prstGeom prst="rect">
+            <a:avLst/>
+          </a:prstGeom>
+          <a:solidFill>
+            <a:schemeClr val="bg1"/>
+          </a:solidFill>
+        </p:spPr>
+        <p:style>
+          <a:lnRef idx="2">
+            <a:schemeClr val="accent1">
+              <a:shade val="50000"/>
+            </a:schemeClr>
+          </a:lnRef>
+          <a:fillRef idx="1">
+            <a:schemeClr val="accent1"/>
+          </a:fillRef>
+          <a:effectRef idx="0">
+            <a:schemeClr val="accent1"/>
+          </a:effectRef>
+          <a:fontRef idx="minor">
+            <a:schemeClr val="lt1"/>
+          </a:fontRef>
+        </p:style>
+        <p:txBody>
+          <a:bodyPr rtlCol="0" anchor="ctr"/>
+          <a:lstStyle/>
+          <a:p>
+            <a:pPr algn="ctr"/>
+            <a:endParaRPr lang="en-US"/>
+          </a:p>
+        </p:txBody>
+      </p:sp>
+      <p:pic>
+        <p:nvPicPr>
+          <p:cNvPr id="8" name="Picture 7" descr="A close up of a keyboard&#10;&#10;Description automatically generated">
+            <a:extLst>
+              <a:ext uri="{FF2B5EF4-FFF2-40B4-BE49-F238E27FC236}">
+                <a16:creationId xmlns:a16="http://schemas.microsoft.com/office/drawing/2014/main" id="{FF2B49E0-7E09-4BFB-BB0B-558D6B060498}"/>
+              </a:ext>
+            </a:extLst>
+          </p:cNvPr>
+          <p:cNvPicPr>
+            <a:picLocks noChangeAspect="1"/>
+          </p:cNvPicPr>
+          <p:nvPr/>
+        </p:nvPicPr>
+        <p:blipFill>
+          <a:blip r:embed="rId2">
+            <a:alphaModFix amt="49000"/>
+            <a:extLst>
+              <a:ext uri="{28A0092B-C50C-407E-A947-70E740481C1C}">
+                <a14:useLocalDpi xmlns:a14="http://schemas.microsoft.com/office/drawing/2010/main" val="0"/>
+              </a:ext>
+            </a:extLst>
+          </a:blip>
+          <a:stretch>
+            <a:fillRect/>
+          </a:stretch>
+        </p:blipFill>
+        <p:spPr>
+          <a:xfrm>
+            <a:off x="0" y="0"/>
+            <a:ext cx="12192000" cy="6857999"/>
+          </a:xfrm>
+          <a:prstGeom prst="rect">
+            <a:avLst/>
+          </a:prstGeom>
+        </p:spPr>
+      </p:pic>
+    </p:spTree>
+    <p:extLst>
+      <p:ext uri="{BB962C8B-B14F-4D97-AF65-F5344CB8AC3E}">
+        <p14:creationId xmlns:p14="http://schemas.microsoft.com/office/powerpoint/2010/main" val="3181983482"/>
       </p:ext>
     </p:extLst>
   </p:cSld>
@@ -15049,7 +21649,7 @@
                 <a:latin typeface="Arial" panose="020B0604020202020204" pitchFamily="34" charset="0"/>
                 <a:cs typeface="Arial" panose="020B0604020202020204" pitchFamily="34" charset="0"/>
               </a:rPr>
-              <a:t>Introduction To SATS</a:t>
+              <a:t> Future Work And Conclusion</a:t>
             </a:r>
           </a:p>
         </p:txBody>
@@ -18260,7 +24860,7 @@
                 <a:latin typeface="Arial" panose="020B0604020202020204" pitchFamily="34" charset="0"/>
                 <a:cs typeface="Arial" panose="020B0604020202020204" pitchFamily="34" charset="0"/>
               </a:rPr>
-              <a:t>Introduction To SATS</a:t>
+              <a:t> Future Work And Conclusion</a:t>
             </a:r>
           </a:p>
         </p:txBody>
